--- a/slide/BERT.pptx
+++ b/slide/BERT.pptx
@@ -5,13 +5,15 @@
     <p:sldMasterId id="2147483648" r:id="rId1"/>
   </p:sldMasterIdLst>
   <p:sldIdLst>
-    <p:sldId id="256" r:id="rId2"/>
-    <p:sldId id="257" r:id="rId3"/>
-    <p:sldId id="258" r:id="rId4"/>
-    <p:sldId id="259" r:id="rId5"/>
+    <p:sldId id="265" r:id="rId2"/>
+    <p:sldId id="256" r:id="rId3"/>
+    <p:sldId id="257" r:id="rId4"/>
+    <p:sldId id="258" r:id="rId5"/>
     <p:sldId id="260" r:id="rId6"/>
     <p:sldId id="261" r:id="rId7"/>
     <p:sldId id="262" r:id="rId8"/>
+    <p:sldId id="263" r:id="rId9"/>
+    <p:sldId id="264" r:id="rId10"/>
   </p:sldIdLst>
   <p:sldSz cx="12192000" cy="6858000"/>
   <p:notesSz cx="6858000" cy="9144000"/>
@@ -260,7 +262,7 @@
           <a:p>
             <a:fld id="{1CF57362-02A7-4107-9025-4D3237CFA563}" type="datetimeFigureOut">
               <a:rPr lang="ko-KR" altLang="en-US" smtClean="0"/>
-              <a:t>2024-03-24</a:t>
+              <a:t>2024-03-25</a:t>
             </a:fld>
             <a:endParaRPr lang="ko-KR" altLang="en-US"/>
           </a:p>
@@ -430,7 +432,7 @@
           <a:p>
             <a:fld id="{1CF57362-02A7-4107-9025-4D3237CFA563}" type="datetimeFigureOut">
               <a:rPr lang="ko-KR" altLang="en-US" smtClean="0"/>
-              <a:t>2024-03-24</a:t>
+              <a:t>2024-03-25</a:t>
             </a:fld>
             <a:endParaRPr lang="ko-KR" altLang="en-US"/>
           </a:p>
@@ -610,7 +612,7 @@
           <a:p>
             <a:fld id="{1CF57362-02A7-4107-9025-4D3237CFA563}" type="datetimeFigureOut">
               <a:rPr lang="ko-KR" altLang="en-US" smtClean="0"/>
-              <a:t>2024-03-24</a:t>
+              <a:t>2024-03-25</a:t>
             </a:fld>
             <a:endParaRPr lang="ko-KR" altLang="en-US"/>
           </a:p>
@@ -780,7 +782,7 @@
           <a:p>
             <a:fld id="{1CF57362-02A7-4107-9025-4D3237CFA563}" type="datetimeFigureOut">
               <a:rPr lang="ko-KR" altLang="en-US" smtClean="0"/>
-              <a:t>2024-03-24</a:t>
+              <a:t>2024-03-25</a:t>
             </a:fld>
             <a:endParaRPr lang="ko-KR" altLang="en-US"/>
           </a:p>
@@ -1026,7 +1028,7 @@
           <a:p>
             <a:fld id="{1CF57362-02A7-4107-9025-4D3237CFA563}" type="datetimeFigureOut">
               <a:rPr lang="ko-KR" altLang="en-US" smtClean="0"/>
-              <a:t>2024-03-24</a:t>
+              <a:t>2024-03-25</a:t>
             </a:fld>
             <a:endParaRPr lang="ko-KR" altLang="en-US"/>
           </a:p>
@@ -1258,7 +1260,7 @@
           <a:p>
             <a:fld id="{1CF57362-02A7-4107-9025-4D3237CFA563}" type="datetimeFigureOut">
               <a:rPr lang="ko-KR" altLang="en-US" smtClean="0"/>
-              <a:t>2024-03-24</a:t>
+              <a:t>2024-03-25</a:t>
             </a:fld>
             <a:endParaRPr lang="ko-KR" altLang="en-US"/>
           </a:p>
@@ -1625,7 +1627,7 @@
           <a:p>
             <a:fld id="{1CF57362-02A7-4107-9025-4D3237CFA563}" type="datetimeFigureOut">
               <a:rPr lang="ko-KR" altLang="en-US" smtClean="0"/>
-              <a:t>2024-03-24</a:t>
+              <a:t>2024-03-25</a:t>
             </a:fld>
             <a:endParaRPr lang="ko-KR" altLang="en-US"/>
           </a:p>
@@ -1743,7 +1745,7 @@
           <a:p>
             <a:fld id="{1CF57362-02A7-4107-9025-4D3237CFA563}" type="datetimeFigureOut">
               <a:rPr lang="ko-KR" altLang="en-US" smtClean="0"/>
-              <a:t>2024-03-24</a:t>
+              <a:t>2024-03-25</a:t>
             </a:fld>
             <a:endParaRPr lang="ko-KR" altLang="en-US"/>
           </a:p>
@@ -1838,7 +1840,7 @@
           <a:p>
             <a:fld id="{1CF57362-02A7-4107-9025-4D3237CFA563}" type="datetimeFigureOut">
               <a:rPr lang="ko-KR" altLang="en-US" smtClean="0"/>
-              <a:t>2024-03-24</a:t>
+              <a:t>2024-03-25</a:t>
             </a:fld>
             <a:endParaRPr lang="ko-KR" altLang="en-US"/>
           </a:p>
@@ -2115,7 +2117,7 @@
           <a:p>
             <a:fld id="{1CF57362-02A7-4107-9025-4D3237CFA563}" type="datetimeFigureOut">
               <a:rPr lang="ko-KR" altLang="en-US" smtClean="0"/>
-              <a:t>2024-03-24</a:t>
+              <a:t>2024-03-25</a:t>
             </a:fld>
             <a:endParaRPr lang="ko-KR" altLang="en-US"/>
           </a:p>
@@ -2368,7 +2370,7 @@
           <a:p>
             <a:fld id="{1CF57362-02A7-4107-9025-4D3237CFA563}" type="datetimeFigureOut">
               <a:rPr lang="ko-KR" altLang="en-US" smtClean="0"/>
-              <a:t>2024-03-24</a:t>
+              <a:t>2024-03-25</a:t>
             </a:fld>
             <a:endParaRPr lang="ko-KR" altLang="en-US"/>
           </a:p>
@@ -2581,7 +2583,7 @@
           <a:p>
             <a:fld id="{1CF57362-02A7-4107-9025-4D3237CFA563}" type="datetimeFigureOut">
               <a:rPr lang="ko-KR" altLang="en-US" smtClean="0"/>
-              <a:t>2024-03-24</a:t>
+              <a:t>2024-03-25</a:t>
             </a:fld>
             <a:endParaRPr lang="ko-KR" altLang="en-US"/>
           </a:p>
@@ -2988,14 +2990,14 @@
       </p:grpSpPr>
       <p:sp>
         <p:nvSpPr>
-          <p:cNvPr id="5" name="TextBox 4"/>
+          <p:cNvPr id="4" name="TextBox 3"/>
           <p:cNvSpPr txBox="1"/>
           <p:nvPr/>
         </p:nvSpPr>
         <p:spPr>
           <a:xfrm>
-            <a:off x="495546" y="785859"/>
-            <a:ext cx="3520451" cy="369332"/>
+            <a:off x="2380004" y="3834324"/>
+            <a:ext cx="6873998" cy="369332"/>
           </a:xfrm>
           <a:prstGeom prst="rect">
             <a:avLst/>
@@ -3009,31 +3011,39 @@
           <a:lstStyle/>
           <a:p>
             <a:r>
-              <a:rPr lang="en-US" altLang="ko-KR" dirty="0" smtClean="0"/>
-              <a:t>NLP</a:t>
-            </a:r>
-            <a:r>
-              <a:rPr lang="ko-KR" altLang="en-US" dirty="0" smtClean="0"/>
-              <a:t>에서 사전 훈련</a:t>
-            </a:r>
-            <a:r>
-              <a:rPr lang="en-US" altLang="ko-KR" dirty="0" smtClean="0"/>
-              <a:t>(Pre-training)</a:t>
-            </a:r>
-            <a:endParaRPr lang="ko-KR" altLang="en-US" dirty="0"/>
-          </a:p>
-        </p:txBody>
-      </p:sp>
-      <p:sp>
-        <p:nvSpPr>
-          <p:cNvPr id="7" name="TextBox 6"/>
+              <a:rPr lang="en-US" altLang="ko-KR" dirty="0">
+                <a:latin typeface="KoPubWorld돋움체 Bold" panose="00000800000000000000" pitchFamily="2" charset="-127"/>
+                <a:ea typeface="KoPubWorld돋움체 Bold" panose="00000800000000000000" pitchFamily="2" charset="-127"/>
+                <a:cs typeface="KoPubWorld돋움체 Bold" panose="00000800000000000000" pitchFamily="2" charset="-127"/>
+              </a:rPr>
+              <a:t>BERT(Bidirectional Encoder Representations from </a:t>
+            </a:r>
+            <a:r>
+              <a:rPr lang="en-US" altLang="ko-KR" dirty="0" smtClean="0">
+                <a:latin typeface="KoPubWorld돋움체 Bold" panose="00000800000000000000" pitchFamily="2" charset="-127"/>
+                <a:ea typeface="KoPubWorld돋움체 Bold" panose="00000800000000000000" pitchFamily="2" charset="-127"/>
+                <a:cs typeface="KoPubWorld돋움체 Bold" panose="00000800000000000000" pitchFamily="2" charset="-127"/>
+              </a:rPr>
+              <a:t>Transformers)</a:t>
+            </a:r>
+            <a:endParaRPr lang="ko-KR" altLang="en-US" dirty="0">
+              <a:latin typeface="KoPubWorld돋움체 Bold" panose="00000800000000000000" pitchFamily="2" charset="-127"/>
+              <a:ea typeface="KoPubWorld돋움체 Bold" panose="00000800000000000000" pitchFamily="2" charset="-127"/>
+              <a:cs typeface="KoPubWorld돋움체 Bold" panose="00000800000000000000" pitchFamily="2" charset="-127"/>
+            </a:endParaRPr>
+          </a:p>
+        </p:txBody>
+      </p:sp>
+      <p:sp>
+        <p:nvSpPr>
+          <p:cNvPr id="5" name="TextBox 4"/>
           <p:cNvSpPr txBox="1"/>
           <p:nvPr/>
         </p:nvSpPr>
         <p:spPr>
           <a:xfrm>
-            <a:off x="666627" y="1404800"/>
-            <a:ext cx="10170488" cy="2862322"/>
+            <a:off x="4136895" y="3464992"/>
+            <a:ext cx="3360215" cy="369332"/>
           </a:xfrm>
           <a:prstGeom prst="rect">
             <a:avLst/>
@@ -3041,325 +3051,85 @@
           <a:noFill/>
         </p:spPr>
         <p:txBody>
-          <a:bodyPr wrap="square" rtlCol="0">
+          <a:bodyPr wrap="none" rtlCol="0">
             <a:spAutoFit/>
           </a:bodyPr>
           <a:lstStyle/>
           <a:p>
             <a:r>
-              <a:rPr lang="en-US" altLang="ko-KR" dirty="0" smtClean="0"/>
-              <a:t>1. </a:t>
-            </a:r>
-            <a:r>
-              <a:rPr lang="ko-KR" altLang="en-US" dirty="0" smtClean="0"/>
-              <a:t>사전 훈련된 워드 </a:t>
-            </a:r>
-            <a:r>
-              <a:rPr lang="ko-KR" altLang="en-US" dirty="0" err="1" smtClean="0"/>
-              <a:t>임베딩</a:t>
-            </a:r>
-            <a:endParaRPr lang="en-US" altLang="ko-KR" dirty="0" smtClean="0"/>
-          </a:p>
-          <a:p>
-            <a:r>
-              <a:rPr lang="ko-KR" altLang="en-US" dirty="0" smtClean="0"/>
-              <a:t>  어떤 태스크를 수행할 때</a:t>
-            </a:r>
-            <a:r>
-              <a:rPr lang="en-US" altLang="ko-KR" dirty="0" smtClean="0"/>
-              <a:t>, </a:t>
-            </a:r>
-            <a:r>
-              <a:rPr lang="ko-KR" altLang="en-US" dirty="0" smtClean="0"/>
-              <a:t>워드 </a:t>
-            </a:r>
-            <a:r>
-              <a:rPr lang="ko-KR" altLang="en-US" dirty="0" err="1" smtClean="0"/>
-              <a:t>임베딩</a:t>
-            </a:r>
-            <a:r>
-              <a:rPr lang="en-US" altLang="ko-KR" dirty="0" smtClean="0"/>
-              <a:t>(Word2Vec, </a:t>
-            </a:r>
-            <a:r>
-              <a:rPr lang="en-US" altLang="ko-KR" dirty="0" err="1" smtClean="0"/>
-              <a:t>FastText</a:t>
-            </a:r>
-            <a:r>
-              <a:rPr lang="en-US" altLang="ko-KR" dirty="0" smtClean="0"/>
-              <a:t>, </a:t>
-            </a:r>
-            <a:r>
-              <a:rPr lang="en-US" altLang="ko-KR" dirty="0" err="1" smtClean="0"/>
-              <a:t>GloVe</a:t>
-            </a:r>
-            <a:r>
-              <a:rPr lang="en-US" altLang="ko-KR" dirty="0" smtClean="0"/>
-              <a:t> </a:t>
-            </a:r>
-            <a:r>
-              <a:rPr lang="ko-KR" altLang="en-US" dirty="0" smtClean="0"/>
-              <a:t>등</a:t>
-            </a:r>
-            <a:r>
-              <a:rPr lang="en-US" altLang="ko-KR" dirty="0" smtClean="0"/>
-              <a:t>)</a:t>
-            </a:r>
-            <a:r>
-              <a:rPr lang="ko-KR" altLang="en-US" dirty="0" smtClean="0"/>
-              <a:t>을 사용하는 방법</a:t>
-            </a:r>
-            <a:endParaRPr lang="en-US" altLang="ko-KR" dirty="0" smtClean="0"/>
-          </a:p>
-          <a:p>
-            <a:r>
-              <a:rPr lang="en-US" altLang="ko-KR" dirty="0" smtClean="0"/>
-              <a:t>  1) </a:t>
-            </a:r>
-            <a:r>
-              <a:rPr lang="ko-KR" altLang="en-US" dirty="0" err="1" smtClean="0"/>
-              <a:t>임베딩</a:t>
-            </a:r>
-            <a:r>
-              <a:rPr lang="ko-KR" altLang="en-US" dirty="0" smtClean="0"/>
-              <a:t> 층</a:t>
-            </a:r>
-            <a:r>
-              <a:rPr lang="en-US" altLang="ko-KR" dirty="0" smtClean="0"/>
-              <a:t>(Embedding layer)</a:t>
-            </a:r>
-            <a:r>
-              <a:rPr lang="ko-KR" altLang="en-US" dirty="0" smtClean="0"/>
-              <a:t>을 랜덤 초기화하여 처음부터 학습하는 방법</a:t>
-            </a:r>
-          </a:p>
-          <a:p>
-            <a:r>
-              <a:rPr lang="en-US" altLang="ko-KR" dirty="0" smtClean="0"/>
-              <a:t>  2) </a:t>
-            </a:r>
-            <a:r>
-              <a:rPr lang="ko-KR" altLang="en-US" dirty="0"/>
-              <a:t>방대한 데이터로 </a:t>
-            </a:r>
-            <a:r>
-              <a:rPr lang="ko-KR" altLang="en-US" dirty="0" smtClean="0"/>
-              <a:t>사전에 </a:t>
-            </a:r>
-            <a:r>
-              <a:rPr lang="ko-KR" altLang="en-US" dirty="0"/>
-              <a:t>학습된 </a:t>
-            </a:r>
-            <a:r>
-              <a:rPr lang="ko-KR" altLang="en-US" dirty="0" err="1"/>
-              <a:t>임베딩</a:t>
-            </a:r>
-            <a:r>
-              <a:rPr lang="ko-KR" altLang="en-US" dirty="0"/>
-              <a:t> 벡터들을 가져와 사용하는 </a:t>
-            </a:r>
-            <a:r>
-              <a:rPr lang="ko-KR" altLang="en-US" dirty="0" smtClean="0"/>
-              <a:t>방법</a:t>
-            </a:r>
-            <a:endParaRPr lang="en-US" altLang="ko-KR" dirty="0" smtClean="0"/>
-          </a:p>
-          <a:p>
-            <a:r>
-              <a:rPr lang="en-US" altLang="ko-KR" dirty="0"/>
-              <a:t> </a:t>
-            </a:r>
-            <a:r>
-              <a:rPr lang="en-US" altLang="ko-KR" dirty="0" smtClean="0"/>
-              <a:t>   - </a:t>
-            </a:r>
-            <a:r>
-              <a:rPr lang="ko-KR" altLang="en-US" dirty="0" smtClean="0"/>
-              <a:t>데이터가 적을 때</a:t>
-            </a:r>
-            <a:r>
-              <a:rPr lang="en-US" altLang="ko-KR" dirty="0" smtClean="0"/>
-              <a:t>, </a:t>
-            </a:r>
-            <a:r>
-              <a:rPr lang="ko-KR" altLang="en-US" dirty="0" smtClean="0"/>
-              <a:t>사전 훈련된 </a:t>
-            </a:r>
-            <a:r>
-              <a:rPr lang="ko-KR" altLang="en-US" dirty="0" err="1" smtClean="0"/>
-              <a:t>임베딩을</a:t>
-            </a:r>
-            <a:r>
-              <a:rPr lang="ko-KR" altLang="en-US" dirty="0" smtClean="0"/>
-              <a:t> 사용하면 성능 향상을 기대할 수 있음</a:t>
-            </a:r>
-            <a:r>
-              <a:rPr lang="en-US" altLang="ko-KR" dirty="0" smtClean="0"/>
-              <a:t>.</a:t>
-            </a:r>
-          </a:p>
-          <a:p>
-            <a:endParaRPr lang="en-US" altLang="ko-KR" dirty="0"/>
-          </a:p>
-          <a:p>
-            <a:r>
-              <a:rPr lang="en-US" altLang="ko-KR" dirty="0" smtClean="0"/>
-              <a:t>  =&gt; </a:t>
-            </a:r>
-            <a:r>
-              <a:rPr lang="ko-KR" altLang="en-US" dirty="0" smtClean="0"/>
-              <a:t>문제점</a:t>
-            </a:r>
-            <a:r>
-              <a:rPr lang="en-US" altLang="ko-KR" dirty="0" smtClean="0"/>
-              <a:t>: </a:t>
-            </a:r>
-            <a:r>
-              <a:rPr lang="ko-KR" altLang="en-US" dirty="0" smtClean="0"/>
-              <a:t>하나의 단어가 하나의 벡터로 </a:t>
-            </a:r>
-            <a:r>
-              <a:rPr lang="ko-KR" altLang="en-US" dirty="0" err="1" smtClean="0"/>
-              <a:t>맵핑</a:t>
-            </a:r>
-            <a:r>
-              <a:rPr lang="ko-KR" altLang="en-US" dirty="0" smtClean="0"/>
-              <a:t> </a:t>
-            </a:r>
-            <a:r>
-              <a:rPr lang="en-US" altLang="ko-KR" dirty="0" smtClean="0"/>
-              <a:t>-&gt; </a:t>
-            </a:r>
-            <a:r>
-              <a:rPr lang="ko-KR" altLang="en-US" dirty="0" smtClean="0"/>
-              <a:t>다의어나 동음이의어 구분하지 못함</a:t>
-            </a:r>
-            <a:r>
-              <a:rPr lang="en-US" altLang="ko-KR" dirty="0" smtClean="0"/>
-              <a:t>.</a:t>
-            </a:r>
-          </a:p>
-          <a:p>
-            <a:r>
-              <a:rPr lang="en-US" altLang="ko-KR" dirty="0"/>
-              <a:t> </a:t>
-            </a:r>
-            <a:r>
-              <a:rPr lang="en-US" altLang="ko-KR" dirty="0" smtClean="0"/>
-              <a:t>      ex) ‘</a:t>
-            </a:r>
-            <a:r>
-              <a:rPr lang="ko-KR" altLang="en-US" dirty="0" smtClean="0"/>
-              <a:t>사과</a:t>
-            </a:r>
-            <a:r>
-              <a:rPr lang="en-US" altLang="ko-KR" dirty="0" smtClean="0"/>
-              <a:t>’</a:t>
-            </a:r>
-            <a:r>
-              <a:rPr lang="ko-KR" altLang="en-US" dirty="0" smtClean="0"/>
-              <a:t>에 </a:t>
-            </a:r>
-            <a:r>
-              <a:rPr lang="ko-KR" altLang="en-US" dirty="0" err="1" smtClean="0"/>
-              <a:t>맵핑된</a:t>
-            </a:r>
-            <a:r>
-              <a:rPr lang="ko-KR" altLang="en-US" dirty="0" smtClean="0"/>
-              <a:t> </a:t>
-            </a:r>
-            <a:r>
-              <a:rPr lang="ko-KR" altLang="en-US" dirty="0" err="1" smtClean="0"/>
-              <a:t>벡터값은</a:t>
-            </a:r>
-            <a:r>
-              <a:rPr lang="ko-KR" altLang="en-US" dirty="0" smtClean="0"/>
-              <a:t> </a:t>
-            </a:r>
-            <a:r>
-              <a:rPr lang="en-US" altLang="ko-KR" dirty="0" smtClean="0"/>
-              <a:t>‘</a:t>
-            </a:r>
-            <a:r>
-              <a:rPr lang="ko-KR" altLang="en-US" dirty="0" smtClean="0"/>
-              <a:t>용서를 빈다</a:t>
-            </a:r>
-            <a:r>
-              <a:rPr lang="en-US" altLang="ko-KR" dirty="0" smtClean="0"/>
-              <a:t>’</a:t>
-            </a:r>
-            <a:r>
-              <a:rPr lang="ko-KR" altLang="en-US" dirty="0" smtClean="0"/>
-              <a:t>는 의미와 </a:t>
-            </a:r>
-            <a:r>
-              <a:rPr lang="en-US" altLang="ko-KR" dirty="0" smtClean="0"/>
-              <a:t>‘</a:t>
-            </a:r>
-            <a:r>
-              <a:rPr lang="ko-KR" altLang="en-US" dirty="0" smtClean="0"/>
-              <a:t>먹는 과일</a:t>
-            </a:r>
-            <a:r>
-              <a:rPr lang="en-US" altLang="ko-KR" dirty="0" smtClean="0"/>
-              <a:t>’</a:t>
-            </a:r>
-            <a:r>
-              <a:rPr lang="ko-KR" altLang="en-US" dirty="0" smtClean="0"/>
-              <a:t>의 의미를 구분할 수 없음</a:t>
-            </a:r>
-            <a:r>
-              <a:rPr lang="en-US" altLang="ko-KR" dirty="0" smtClean="0"/>
-              <a:t>.</a:t>
-            </a:r>
-          </a:p>
-          <a:p>
-            <a:r>
-              <a:rPr lang="en-US" altLang="ko-KR" dirty="0"/>
-              <a:t> </a:t>
-            </a:r>
-            <a:r>
-              <a:rPr lang="en-US" altLang="ko-KR" dirty="0" smtClean="0"/>
-              <a:t> =&gt; </a:t>
-            </a:r>
-            <a:r>
-              <a:rPr lang="ko-KR" altLang="en-US" dirty="0" smtClean="0"/>
-              <a:t>이 한계는 사전 훈련된 언어 모델로 극복할 수 있음</a:t>
-            </a:r>
-            <a:r>
-              <a:rPr lang="en-US" altLang="ko-KR" dirty="0" smtClean="0"/>
-              <a:t>(ex. </a:t>
-            </a:r>
-            <a:r>
-              <a:rPr lang="en-US" altLang="ko-KR" dirty="0" err="1" smtClean="0"/>
-              <a:t>ELMo</a:t>
-            </a:r>
-            <a:r>
-              <a:rPr lang="ko-KR" altLang="en-US" dirty="0" smtClean="0"/>
-              <a:t>나 </a:t>
-            </a:r>
-            <a:r>
-              <a:rPr lang="en-US" altLang="ko-KR" dirty="0" smtClean="0"/>
-              <a:t>BERT </a:t>
-            </a:r>
-            <a:r>
-              <a:rPr lang="ko-KR" altLang="en-US" dirty="0" smtClean="0"/>
-              <a:t>등</a:t>
-            </a:r>
-            <a:r>
-              <a:rPr lang="en-US" altLang="ko-KR" dirty="0" smtClean="0"/>
-              <a:t>)</a:t>
-            </a:r>
-          </a:p>
-          <a:p>
-            <a:endParaRPr lang="en-US" altLang="ko-KR" dirty="0" smtClean="0"/>
+              <a:rPr lang="en-US" altLang="ko-KR" dirty="0">
+                <a:latin typeface="KoPubWorld돋움체 Bold" panose="00000800000000000000" pitchFamily="2" charset="-127"/>
+                <a:ea typeface="KoPubWorld돋움체 Bold" panose="00000800000000000000" pitchFamily="2" charset="-127"/>
+                <a:cs typeface="KoPubWorld돋움체 Bold" panose="00000800000000000000" pitchFamily="2" charset="-127"/>
+              </a:rPr>
+              <a:t>NLP</a:t>
+            </a:r>
+            <a:r>
+              <a:rPr lang="ko-KR" altLang="en-US" dirty="0">
+                <a:latin typeface="KoPubWorld돋움체 Bold" panose="00000800000000000000" pitchFamily="2" charset="-127"/>
+                <a:ea typeface="KoPubWorld돋움체 Bold" panose="00000800000000000000" pitchFamily="2" charset="-127"/>
+                <a:cs typeface="KoPubWorld돋움체 Bold" panose="00000800000000000000" pitchFamily="2" charset="-127"/>
+              </a:rPr>
+              <a:t>에서 사전 훈련</a:t>
+            </a:r>
+            <a:r>
+              <a:rPr lang="en-US" altLang="ko-KR" dirty="0">
+                <a:latin typeface="KoPubWorld돋움체 Bold" panose="00000800000000000000" pitchFamily="2" charset="-127"/>
+                <a:ea typeface="KoPubWorld돋움체 Bold" panose="00000800000000000000" pitchFamily="2" charset="-127"/>
+                <a:cs typeface="KoPubWorld돋움체 Bold" panose="00000800000000000000" pitchFamily="2" charset="-127"/>
+              </a:rPr>
+              <a:t>(Pre-training)</a:t>
+            </a:r>
+            <a:endParaRPr lang="ko-KR" altLang="en-US" dirty="0">
+              <a:latin typeface="KoPubWorld돋움체 Bold" panose="00000800000000000000" pitchFamily="2" charset="-127"/>
+              <a:ea typeface="KoPubWorld돋움체 Bold" panose="00000800000000000000" pitchFamily="2" charset="-127"/>
+              <a:cs typeface="KoPubWorld돋움체 Bold" panose="00000800000000000000" pitchFamily="2" charset="-127"/>
+            </a:endParaRPr>
+          </a:p>
+        </p:txBody>
+      </p:sp>
+      <p:sp>
+        <p:nvSpPr>
+          <p:cNvPr id="7" name="TextBox 6"/>
+          <p:cNvSpPr txBox="1"/>
+          <p:nvPr/>
+        </p:nvSpPr>
+        <p:spPr>
+          <a:xfrm>
+            <a:off x="4975064" y="2508561"/>
+            <a:ext cx="1334020" cy="646331"/>
+          </a:xfrm>
+          <a:prstGeom prst="rect">
+            <a:avLst/>
+          </a:prstGeom>
+          <a:noFill/>
+        </p:spPr>
+        <p:txBody>
+          <a:bodyPr wrap="none" rtlCol="0">
+            <a:spAutoFit/>
+          </a:bodyPr>
+          <a:lstStyle/>
+          <a:p>
+            <a:r>
+              <a:rPr lang="en-US" altLang="ko-KR" sz="3600" dirty="0" smtClean="0">
+                <a:latin typeface="KoPubWorld돋움체 Bold" panose="00000800000000000000" pitchFamily="2" charset="-127"/>
+                <a:ea typeface="KoPubWorld돋움체 Bold" panose="00000800000000000000" pitchFamily="2" charset="-127"/>
+                <a:cs typeface="KoPubWorld돋움체 Bold" panose="00000800000000000000" pitchFamily="2" charset="-127"/>
+              </a:rPr>
+              <a:t>BERT</a:t>
+            </a:r>
+            <a:endParaRPr lang="ko-KR" altLang="en-US" sz="3600" dirty="0">
+              <a:latin typeface="KoPubWorld돋움체 Bold" panose="00000800000000000000" pitchFamily="2" charset="-127"/>
+              <a:ea typeface="KoPubWorld돋움체 Bold" panose="00000800000000000000" pitchFamily="2" charset="-127"/>
+              <a:cs typeface="KoPubWorld돋움체 Bold" panose="00000800000000000000" pitchFamily="2" charset="-127"/>
+            </a:endParaRPr>
           </a:p>
         </p:txBody>
       </p:sp>
     </p:spTree>
     <p:extLst>
       <p:ext uri="{BB962C8B-B14F-4D97-AF65-F5344CB8AC3E}">
-        <p14:creationId xmlns:p14="http://schemas.microsoft.com/office/powerpoint/2010/main" val="3147336693"/>
+        <p14:creationId xmlns:p14="http://schemas.microsoft.com/office/powerpoint/2010/main" val="2112373627"/>
       </p:ext>
     </p:extLst>
   </p:cSld>
@@ -3394,8 +3164,8 @@
         </p:nvSpPr>
         <p:spPr>
           <a:xfrm>
-            <a:off x="495546" y="785859"/>
-            <a:ext cx="3520451" cy="369332"/>
+            <a:off x="345233" y="397552"/>
+            <a:ext cx="3360215" cy="369332"/>
           </a:xfrm>
           <a:prstGeom prst="rect">
             <a:avLst/>
@@ -3409,31 +3179,47 @@
           <a:lstStyle/>
           <a:p>
             <a:r>
-              <a:rPr lang="en-US" altLang="ko-KR" dirty="0" smtClean="0"/>
+              <a:rPr lang="en-US" altLang="ko-KR" dirty="0">
+                <a:latin typeface="KoPubWorld돋움체 Bold" panose="00000800000000000000" pitchFamily="2" charset="-127"/>
+                <a:ea typeface="KoPubWorld돋움체 Bold" panose="00000800000000000000" pitchFamily="2" charset="-127"/>
+                <a:cs typeface="KoPubWorld돋움체 Bold" panose="00000800000000000000" pitchFamily="2" charset="-127"/>
+              </a:rPr>
               <a:t>NLP</a:t>
             </a:r>
             <a:r>
-              <a:rPr lang="ko-KR" altLang="en-US" dirty="0" smtClean="0"/>
+              <a:rPr lang="ko-KR" altLang="en-US" dirty="0">
+                <a:latin typeface="KoPubWorld돋움체 Bold" panose="00000800000000000000" pitchFamily="2" charset="-127"/>
+                <a:ea typeface="KoPubWorld돋움체 Bold" panose="00000800000000000000" pitchFamily="2" charset="-127"/>
+                <a:cs typeface="KoPubWorld돋움체 Bold" panose="00000800000000000000" pitchFamily="2" charset="-127"/>
+              </a:rPr>
               <a:t>에서 사전 훈련</a:t>
             </a:r>
             <a:r>
-              <a:rPr lang="en-US" altLang="ko-KR" dirty="0" smtClean="0"/>
+              <a:rPr lang="en-US" altLang="ko-KR" dirty="0">
+                <a:latin typeface="KoPubWorld돋움체 Bold" panose="00000800000000000000" pitchFamily="2" charset="-127"/>
+                <a:ea typeface="KoPubWorld돋움체 Bold" panose="00000800000000000000" pitchFamily="2" charset="-127"/>
+                <a:cs typeface="KoPubWorld돋움체 Bold" panose="00000800000000000000" pitchFamily="2" charset="-127"/>
+              </a:rPr>
               <a:t>(Pre-training)</a:t>
             </a:r>
-            <a:endParaRPr lang="ko-KR" altLang="en-US" dirty="0"/>
-          </a:p>
-        </p:txBody>
-      </p:sp>
-      <p:sp>
-        <p:nvSpPr>
-          <p:cNvPr id="6" name="TextBox 5"/>
+            <a:endParaRPr lang="ko-KR" altLang="en-US" dirty="0">
+              <a:latin typeface="KoPubWorld돋움체 Bold" panose="00000800000000000000" pitchFamily="2" charset="-127"/>
+              <a:ea typeface="KoPubWorld돋움체 Bold" panose="00000800000000000000" pitchFamily="2" charset="-127"/>
+              <a:cs typeface="KoPubWorld돋움체 Bold" panose="00000800000000000000" pitchFamily="2" charset="-127"/>
+            </a:endParaRPr>
+          </a:p>
+        </p:txBody>
+      </p:sp>
+      <p:sp>
+        <p:nvSpPr>
+          <p:cNvPr id="7" name="TextBox 6"/>
           <p:cNvSpPr txBox="1"/>
           <p:nvPr/>
         </p:nvSpPr>
         <p:spPr>
           <a:xfrm>
-            <a:off x="615497" y="1331486"/>
-            <a:ext cx="11318897" cy="1200329"/>
+            <a:off x="345233" y="1041545"/>
+            <a:ext cx="10170488" cy="2277547"/>
           </a:xfrm>
           <a:prstGeom prst="rect">
             <a:avLst/>
@@ -3447,112 +3233,985 @@
           <a:lstStyle/>
           <a:p>
             <a:r>
-              <a:rPr lang="en-US" altLang="ko-KR" dirty="0"/>
+              <a:rPr lang="en-US" altLang="ko-KR" sz="1600" dirty="0" smtClean="0">
+                <a:latin typeface="KoPubWorld돋움체 Medium" panose="00000600000000000000" pitchFamily="2" charset="-127"/>
+                <a:ea typeface="KoPubWorld돋움체 Medium" panose="00000600000000000000" pitchFamily="2" charset="-127"/>
+                <a:cs typeface="KoPubWorld돋움체 Medium" panose="00000600000000000000" pitchFamily="2" charset="-127"/>
+              </a:rPr>
+              <a:t>1. </a:t>
+            </a:r>
+            <a:r>
+              <a:rPr lang="ko-KR" altLang="en-US" sz="1600" dirty="0" smtClean="0">
+                <a:latin typeface="KoPubWorld돋움체 Medium" panose="00000600000000000000" pitchFamily="2" charset="-127"/>
+                <a:ea typeface="KoPubWorld돋움체 Medium" panose="00000600000000000000" pitchFamily="2" charset="-127"/>
+                <a:cs typeface="KoPubWorld돋움체 Medium" panose="00000600000000000000" pitchFamily="2" charset="-127"/>
+              </a:rPr>
+              <a:t>사전 </a:t>
+            </a:r>
+            <a:r>
+              <a:rPr lang="ko-KR" altLang="en-US" sz="1600" dirty="0">
+                <a:latin typeface="KoPubWorld돋움체 Medium" panose="00000600000000000000" pitchFamily="2" charset="-127"/>
+                <a:ea typeface="KoPubWorld돋움체 Medium" panose="00000600000000000000" pitchFamily="2" charset="-127"/>
+                <a:cs typeface="KoPubWorld돋움체 Medium" panose="00000600000000000000" pitchFamily="2" charset="-127"/>
+              </a:rPr>
+              <a:t>훈련된 워드 </a:t>
+            </a:r>
+            <a:r>
+              <a:rPr lang="ko-KR" altLang="en-US" sz="1600" dirty="0" err="1" smtClean="0">
+                <a:latin typeface="KoPubWorld돋움체 Medium" panose="00000600000000000000" pitchFamily="2" charset="-127"/>
+                <a:ea typeface="KoPubWorld돋움체 Medium" panose="00000600000000000000" pitchFamily="2" charset="-127"/>
+                <a:cs typeface="KoPubWorld돋움체 Medium" panose="00000600000000000000" pitchFamily="2" charset="-127"/>
+              </a:rPr>
+              <a:t>임베딩</a:t>
+            </a:r>
+            <a:endParaRPr lang="en-US" altLang="ko-KR" sz="1600" dirty="0">
+              <a:latin typeface="KoPubWorld돋움체 Medium" panose="00000600000000000000" pitchFamily="2" charset="-127"/>
+              <a:ea typeface="KoPubWorld돋움체 Medium" panose="00000600000000000000" pitchFamily="2" charset="-127"/>
+              <a:cs typeface="KoPubWorld돋움체 Medium" panose="00000600000000000000" pitchFamily="2" charset="-127"/>
+            </a:endParaRPr>
+          </a:p>
+          <a:p>
+            <a:r>
+              <a:rPr lang="ko-KR" altLang="en-US" sz="1400" dirty="0">
+                <a:latin typeface="KoPubWorld돋움체 Medium" panose="00000600000000000000" pitchFamily="2" charset="-127"/>
+                <a:ea typeface="KoPubWorld돋움체 Medium" panose="00000600000000000000" pitchFamily="2" charset="-127"/>
+                <a:cs typeface="KoPubWorld돋움체 Medium" panose="00000600000000000000" pitchFamily="2" charset="-127"/>
+              </a:rPr>
+              <a:t>  어떤 태스크를 수행할 때</a:t>
+            </a:r>
+            <a:r>
+              <a:rPr lang="en-US" altLang="ko-KR" sz="1400" dirty="0">
+                <a:latin typeface="KoPubWorld돋움체 Medium" panose="00000600000000000000" pitchFamily="2" charset="-127"/>
+                <a:ea typeface="KoPubWorld돋움체 Medium" panose="00000600000000000000" pitchFamily="2" charset="-127"/>
+                <a:cs typeface="KoPubWorld돋움체 Medium" panose="00000600000000000000" pitchFamily="2" charset="-127"/>
+              </a:rPr>
+              <a:t>, </a:t>
+            </a:r>
+            <a:r>
+              <a:rPr lang="ko-KR" altLang="en-US" sz="1400" dirty="0">
+                <a:latin typeface="KoPubWorld돋움체 Medium" panose="00000600000000000000" pitchFamily="2" charset="-127"/>
+                <a:ea typeface="KoPubWorld돋움체 Medium" panose="00000600000000000000" pitchFamily="2" charset="-127"/>
+                <a:cs typeface="KoPubWorld돋움체 Medium" panose="00000600000000000000" pitchFamily="2" charset="-127"/>
+              </a:rPr>
+              <a:t>워드 </a:t>
+            </a:r>
+            <a:r>
+              <a:rPr lang="ko-KR" altLang="en-US" sz="1400" dirty="0" err="1">
+                <a:latin typeface="KoPubWorld돋움체 Medium" panose="00000600000000000000" pitchFamily="2" charset="-127"/>
+                <a:ea typeface="KoPubWorld돋움체 Medium" panose="00000600000000000000" pitchFamily="2" charset="-127"/>
+                <a:cs typeface="KoPubWorld돋움체 Medium" panose="00000600000000000000" pitchFamily="2" charset="-127"/>
+              </a:rPr>
+              <a:t>임베딩</a:t>
+            </a:r>
+            <a:r>
+              <a:rPr lang="en-US" altLang="ko-KR" sz="1400" dirty="0">
+                <a:latin typeface="KoPubWorld돋움체 Medium" panose="00000600000000000000" pitchFamily="2" charset="-127"/>
+                <a:ea typeface="KoPubWorld돋움체 Medium" panose="00000600000000000000" pitchFamily="2" charset="-127"/>
+                <a:cs typeface="KoPubWorld돋움체 Medium" panose="00000600000000000000" pitchFamily="2" charset="-127"/>
+              </a:rPr>
+              <a:t>(Word2Vec, </a:t>
+            </a:r>
+            <a:r>
+              <a:rPr lang="en-US" altLang="ko-KR" sz="1400" dirty="0" err="1">
+                <a:latin typeface="KoPubWorld돋움체 Medium" panose="00000600000000000000" pitchFamily="2" charset="-127"/>
+                <a:ea typeface="KoPubWorld돋움체 Medium" panose="00000600000000000000" pitchFamily="2" charset="-127"/>
+                <a:cs typeface="KoPubWorld돋움체 Medium" panose="00000600000000000000" pitchFamily="2" charset="-127"/>
+              </a:rPr>
+              <a:t>FastText</a:t>
+            </a:r>
+            <a:r>
+              <a:rPr lang="en-US" altLang="ko-KR" sz="1400" dirty="0">
+                <a:latin typeface="KoPubWorld돋움체 Medium" panose="00000600000000000000" pitchFamily="2" charset="-127"/>
+                <a:ea typeface="KoPubWorld돋움체 Medium" panose="00000600000000000000" pitchFamily="2" charset="-127"/>
+                <a:cs typeface="KoPubWorld돋움체 Medium" panose="00000600000000000000" pitchFamily="2" charset="-127"/>
+              </a:rPr>
+              <a:t>, </a:t>
+            </a:r>
+            <a:r>
+              <a:rPr lang="en-US" altLang="ko-KR" sz="1400" dirty="0" err="1">
+                <a:latin typeface="KoPubWorld돋움체 Medium" panose="00000600000000000000" pitchFamily="2" charset="-127"/>
+                <a:ea typeface="KoPubWorld돋움체 Medium" panose="00000600000000000000" pitchFamily="2" charset="-127"/>
+                <a:cs typeface="KoPubWorld돋움체 Medium" panose="00000600000000000000" pitchFamily="2" charset="-127"/>
+              </a:rPr>
+              <a:t>GloVe</a:t>
+            </a:r>
+            <a:r>
+              <a:rPr lang="en-US" altLang="ko-KR" sz="1400" dirty="0">
+                <a:latin typeface="KoPubWorld돋움체 Medium" panose="00000600000000000000" pitchFamily="2" charset="-127"/>
+                <a:ea typeface="KoPubWorld돋움체 Medium" panose="00000600000000000000" pitchFamily="2" charset="-127"/>
+                <a:cs typeface="KoPubWorld돋움체 Medium" panose="00000600000000000000" pitchFamily="2" charset="-127"/>
+              </a:rPr>
+              <a:t> </a:t>
+            </a:r>
+            <a:r>
+              <a:rPr lang="ko-KR" altLang="en-US" sz="1400" dirty="0">
+                <a:latin typeface="KoPubWorld돋움체 Medium" panose="00000600000000000000" pitchFamily="2" charset="-127"/>
+                <a:ea typeface="KoPubWorld돋움체 Medium" panose="00000600000000000000" pitchFamily="2" charset="-127"/>
+                <a:cs typeface="KoPubWorld돋움체 Medium" panose="00000600000000000000" pitchFamily="2" charset="-127"/>
+              </a:rPr>
+              <a:t>등</a:t>
+            </a:r>
+            <a:r>
+              <a:rPr lang="en-US" altLang="ko-KR" sz="1400" dirty="0">
+                <a:latin typeface="KoPubWorld돋움체 Medium" panose="00000600000000000000" pitchFamily="2" charset="-127"/>
+                <a:ea typeface="KoPubWorld돋움체 Medium" panose="00000600000000000000" pitchFamily="2" charset="-127"/>
+                <a:cs typeface="KoPubWorld돋움체 Medium" panose="00000600000000000000" pitchFamily="2" charset="-127"/>
+              </a:rPr>
+              <a:t>)</a:t>
+            </a:r>
+            <a:r>
+              <a:rPr lang="ko-KR" altLang="en-US" sz="1400" dirty="0">
+                <a:latin typeface="KoPubWorld돋움체 Medium" panose="00000600000000000000" pitchFamily="2" charset="-127"/>
+                <a:ea typeface="KoPubWorld돋움체 Medium" panose="00000600000000000000" pitchFamily="2" charset="-127"/>
+                <a:cs typeface="KoPubWorld돋움체 Medium" panose="00000600000000000000" pitchFamily="2" charset="-127"/>
+              </a:rPr>
+              <a:t>을 사용하는 방법</a:t>
+            </a:r>
+            <a:endParaRPr lang="en-US" altLang="ko-KR" sz="1400" dirty="0">
+              <a:latin typeface="KoPubWorld돋움체 Medium" panose="00000600000000000000" pitchFamily="2" charset="-127"/>
+              <a:ea typeface="KoPubWorld돋움체 Medium" panose="00000600000000000000" pitchFamily="2" charset="-127"/>
+              <a:cs typeface="KoPubWorld돋움체 Medium" panose="00000600000000000000" pitchFamily="2" charset="-127"/>
+            </a:endParaRPr>
+          </a:p>
+          <a:p>
+            <a:r>
+              <a:rPr lang="en-US" altLang="ko-KR" sz="1400" dirty="0">
+                <a:latin typeface="KoPubWorld돋움체 Medium" panose="00000600000000000000" pitchFamily="2" charset="-127"/>
+                <a:ea typeface="KoPubWorld돋움체 Medium" panose="00000600000000000000" pitchFamily="2" charset="-127"/>
+                <a:cs typeface="KoPubWorld돋움체 Medium" panose="00000600000000000000" pitchFamily="2" charset="-127"/>
+              </a:rPr>
+              <a:t>  1) </a:t>
+            </a:r>
+            <a:r>
+              <a:rPr lang="ko-KR" altLang="en-US" sz="1400" dirty="0" err="1">
+                <a:latin typeface="KoPubWorld돋움체 Medium" panose="00000600000000000000" pitchFamily="2" charset="-127"/>
+                <a:ea typeface="KoPubWorld돋움체 Medium" panose="00000600000000000000" pitchFamily="2" charset="-127"/>
+                <a:cs typeface="KoPubWorld돋움체 Medium" panose="00000600000000000000" pitchFamily="2" charset="-127"/>
+              </a:rPr>
+              <a:t>임베딩</a:t>
+            </a:r>
+            <a:r>
+              <a:rPr lang="ko-KR" altLang="en-US" sz="1400" dirty="0">
+                <a:latin typeface="KoPubWorld돋움체 Medium" panose="00000600000000000000" pitchFamily="2" charset="-127"/>
+                <a:ea typeface="KoPubWorld돋움체 Medium" panose="00000600000000000000" pitchFamily="2" charset="-127"/>
+                <a:cs typeface="KoPubWorld돋움체 Medium" panose="00000600000000000000" pitchFamily="2" charset="-127"/>
+              </a:rPr>
+              <a:t> 층</a:t>
+            </a:r>
+            <a:r>
+              <a:rPr lang="en-US" altLang="ko-KR" sz="1400" dirty="0">
+                <a:latin typeface="KoPubWorld돋움체 Medium" panose="00000600000000000000" pitchFamily="2" charset="-127"/>
+                <a:ea typeface="KoPubWorld돋움체 Medium" panose="00000600000000000000" pitchFamily="2" charset="-127"/>
+                <a:cs typeface="KoPubWorld돋움체 Medium" panose="00000600000000000000" pitchFamily="2" charset="-127"/>
+              </a:rPr>
+              <a:t>(Embedding layer)</a:t>
+            </a:r>
+            <a:r>
+              <a:rPr lang="ko-KR" altLang="en-US" sz="1400" dirty="0">
+                <a:latin typeface="KoPubWorld돋움체 Medium" panose="00000600000000000000" pitchFamily="2" charset="-127"/>
+                <a:ea typeface="KoPubWorld돋움체 Medium" panose="00000600000000000000" pitchFamily="2" charset="-127"/>
+                <a:cs typeface="KoPubWorld돋움체 Medium" panose="00000600000000000000" pitchFamily="2" charset="-127"/>
+              </a:rPr>
+              <a:t>을 랜덤 초기화하여 처음부터 학습하는 방법</a:t>
+            </a:r>
+          </a:p>
+          <a:p>
+            <a:r>
+              <a:rPr lang="en-US" altLang="ko-KR" sz="1400" dirty="0">
+                <a:latin typeface="KoPubWorld돋움체 Medium" panose="00000600000000000000" pitchFamily="2" charset="-127"/>
+                <a:ea typeface="KoPubWorld돋움체 Medium" panose="00000600000000000000" pitchFamily="2" charset="-127"/>
+                <a:cs typeface="KoPubWorld돋움체 Medium" panose="00000600000000000000" pitchFamily="2" charset="-127"/>
+              </a:rPr>
+              <a:t>  2) </a:t>
+            </a:r>
+            <a:r>
+              <a:rPr lang="ko-KR" altLang="en-US" sz="1400" dirty="0">
+                <a:latin typeface="KoPubWorld돋움체 Medium" panose="00000600000000000000" pitchFamily="2" charset="-127"/>
+                <a:ea typeface="KoPubWorld돋움체 Medium" panose="00000600000000000000" pitchFamily="2" charset="-127"/>
+                <a:cs typeface="KoPubWorld돋움체 Medium" panose="00000600000000000000" pitchFamily="2" charset="-127"/>
+              </a:rPr>
+              <a:t>방대한 데이터로 </a:t>
+            </a:r>
+            <a:r>
+              <a:rPr lang="ko-KR" altLang="en-US" sz="1400" dirty="0">
+                <a:latin typeface="KoPubWorld돋움체 Medium" panose="00000600000000000000" pitchFamily="2" charset="-127"/>
+                <a:ea typeface="KoPubWorld돋움체 Medium" panose="00000600000000000000" pitchFamily="2" charset="-127"/>
+                <a:cs typeface="KoPubWorld돋움체 Medium" panose="00000600000000000000" pitchFamily="2" charset="-127"/>
+              </a:rPr>
+              <a:t>사전에 </a:t>
+            </a:r>
+            <a:r>
+              <a:rPr lang="ko-KR" altLang="en-US" sz="1400" dirty="0">
+                <a:latin typeface="KoPubWorld돋움체 Medium" panose="00000600000000000000" pitchFamily="2" charset="-127"/>
+                <a:ea typeface="KoPubWorld돋움체 Medium" panose="00000600000000000000" pitchFamily="2" charset="-127"/>
+                <a:cs typeface="KoPubWorld돋움체 Medium" panose="00000600000000000000" pitchFamily="2" charset="-127"/>
+              </a:rPr>
+              <a:t>학습된 </a:t>
+            </a:r>
+            <a:r>
+              <a:rPr lang="ko-KR" altLang="en-US" sz="1400" dirty="0" err="1">
+                <a:latin typeface="KoPubWorld돋움체 Medium" panose="00000600000000000000" pitchFamily="2" charset="-127"/>
+                <a:ea typeface="KoPubWorld돋움체 Medium" panose="00000600000000000000" pitchFamily="2" charset="-127"/>
+                <a:cs typeface="KoPubWorld돋움체 Medium" panose="00000600000000000000" pitchFamily="2" charset="-127"/>
+              </a:rPr>
+              <a:t>임베딩</a:t>
+            </a:r>
+            <a:r>
+              <a:rPr lang="ko-KR" altLang="en-US" sz="1400" dirty="0">
+                <a:latin typeface="KoPubWorld돋움체 Medium" panose="00000600000000000000" pitchFamily="2" charset="-127"/>
+                <a:ea typeface="KoPubWorld돋움체 Medium" panose="00000600000000000000" pitchFamily="2" charset="-127"/>
+                <a:cs typeface="KoPubWorld돋움체 Medium" panose="00000600000000000000" pitchFamily="2" charset="-127"/>
+              </a:rPr>
+              <a:t> 벡터들을 가져와 사용하는 </a:t>
+            </a:r>
+            <a:r>
+              <a:rPr lang="ko-KR" altLang="en-US" sz="1400" dirty="0">
+                <a:latin typeface="KoPubWorld돋움체 Medium" panose="00000600000000000000" pitchFamily="2" charset="-127"/>
+                <a:ea typeface="KoPubWorld돋움체 Medium" panose="00000600000000000000" pitchFamily="2" charset="-127"/>
+                <a:cs typeface="KoPubWorld돋움체 Medium" panose="00000600000000000000" pitchFamily="2" charset="-127"/>
+              </a:rPr>
+              <a:t>방법</a:t>
+            </a:r>
+            <a:endParaRPr lang="en-US" altLang="ko-KR" sz="1400" dirty="0">
+              <a:latin typeface="KoPubWorld돋움체 Medium" panose="00000600000000000000" pitchFamily="2" charset="-127"/>
+              <a:ea typeface="KoPubWorld돋움체 Medium" panose="00000600000000000000" pitchFamily="2" charset="-127"/>
+              <a:cs typeface="KoPubWorld돋움체 Medium" panose="00000600000000000000" pitchFamily="2" charset="-127"/>
+            </a:endParaRPr>
+          </a:p>
+          <a:p>
+            <a:r>
+              <a:rPr lang="en-US" altLang="ko-KR" sz="1400" dirty="0">
+                <a:latin typeface="KoPubWorld돋움체 Medium" panose="00000600000000000000" pitchFamily="2" charset="-127"/>
+                <a:ea typeface="KoPubWorld돋움체 Medium" panose="00000600000000000000" pitchFamily="2" charset="-127"/>
+                <a:cs typeface="KoPubWorld돋움체 Medium" panose="00000600000000000000" pitchFamily="2" charset="-127"/>
+              </a:rPr>
+              <a:t> </a:t>
+            </a:r>
+            <a:r>
+              <a:rPr lang="en-US" altLang="ko-KR" sz="1400" dirty="0">
+                <a:latin typeface="KoPubWorld돋움체 Medium" panose="00000600000000000000" pitchFamily="2" charset="-127"/>
+                <a:ea typeface="KoPubWorld돋움체 Medium" panose="00000600000000000000" pitchFamily="2" charset="-127"/>
+                <a:cs typeface="KoPubWorld돋움체 Medium" panose="00000600000000000000" pitchFamily="2" charset="-127"/>
+              </a:rPr>
+              <a:t>   - </a:t>
+            </a:r>
+            <a:r>
+              <a:rPr lang="ko-KR" altLang="en-US" sz="1400" dirty="0">
+                <a:latin typeface="KoPubWorld돋움체 Medium" panose="00000600000000000000" pitchFamily="2" charset="-127"/>
+                <a:ea typeface="KoPubWorld돋움체 Medium" panose="00000600000000000000" pitchFamily="2" charset="-127"/>
+                <a:cs typeface="KoPubWorld돋움체 Medium" panose="00000600000000000000" pitchFamily="2" charset="-127"/>
+              </a:rPr>
+              <a:t>데이터가 적을 때</a:t>
+            </a:r>
+            <a:r>
+              <a:rPr lang="en-US" altLang="ko-KR" sz="1400" dirty="0">
+                <a:latin typeface="KoPubWorld돋움체 Medium" panose="00000600000000000000" pitchFamily="2" charset="-127"/>
+                <a:ea typeface="KoPubWorld돋움체 Medium" panose="00000600000000000000" pitchFamily="2" charset="-127"/>
+                <a:cs typeface="KoPubWorld돋움체 Medium" panose="00000600000000000000" pitchFamily="2" charset="-127"/>
+              </a:rPr>
+              <a:t>, </a:t>
+            </a:r>
+            <a:r>
+              <a:rPr lang="ko-KR" altLang="en-US" sz="1400" dirty="0">
+                <a:latin typeface="KoPubWorld돋움체 Medium" panose="00000600000000000000" pitchFamily="2" charset="-127"/>
+                <a:ea typeface="KoPubWorld돋움체 Medium" panose="00000600000000000000" pitchFamily="2" charset="-127"/>
+                <a:cs typeface="KoPubWorld돋움체 Medium" panose="00000600000000000000" pitchFamily="2" charset="-127"/>
+              </a:rPr>
+              <a:t>사전 훈련된 </a:t>
+            </a:r>
+            <a:r>
+              <a:rPr lang="ko-KR" altLang="en-US" sz="1400" dirty="0" err="1">
+                <a:latin typeface="KoPubWorld돋움체 Medium" panose="00000600000000000000" pitchFamily="2" charset="-127"/>
+                <a:ea typeface="KoPubWorld돋움체 Medium" panose="00000600000000000000" pitchFamily="2" charset="-127"/>
+                <a:cs typeface="KoPubWorld돋움체 Medium" panose="00000600000000000000" pitchFamily="2" charset="-127"/>
+              </a:rPr>
+              <a:t>임베딩을</a:t>
+            </a:r>
+            <a:r>
+              <a:rPr lang="ko-KR" altLang="en-US" sz="1400" dirty="0">
+                <a:latin typeface="KoPubWorld돋움체 Medium" panose="00000600000000000000" pitchFamily="2" charset="-127"/>
+                <a:ea typeface="KoPubWorld돋움체 Medium" panose="00000600000000000000" pitchFamily="2" charset="-127"/>
+                <a:cs typeface="KoPubWorld돋움체 Medium" panose="00000600000000000000" pitchFamily="2" charset="-127"/>
+              </a:rPr>
+              <a:t> 사용하면 성능 향상을 기대할 수 있음</a:t>
+            </a:r>
+            <a:r>
+              <a:rPr lang="en-US" altLang="ko-KR" sz="1400" dirty="0">
+                <a:latin typeface="KoPubWorld돋움체 Medium" panose="00000600000000000000" pitchFamily="2" charset="-127"/>
+                <a:ea typeface="KoPubWorld돋움체 Medium" panose="00000600000000000000" pitchFamily="2" charset="-127"/>
+                <a:cs typeface="KoPubWorld돋움체 Medium" panose="00000600000000000000" pitchFamily="2" charset="-127"/>
+              </a:rPr>
+              <a:t>.</a:t>
+            </a:r>
+          </a:p>
+          <a:p>
+            <a:endParaRPr lang="en-US" altLang="ko-KR" sz="1400" dirty="0">
+              <a:latin typeface="KoPubWorld돋움체 Medium" panose="00000600000000000000" pitchFamily="2" charset="-127"/>
+              <a:ea typeface="KoPubWorld돋움체 Medium" panose="00000600000000000000" pitchFamily="2" charset="-127"/>
+              <a:cs typeface="KoPubWorld돋움체 Medium" panose="00000600000000000000" pitchFamily="2" charset="-127"/>
+            </a:endParaRPr>
+          </a:p>
+          <a:p>
+            <a:r>
+              <a:rPr lang="en-US" altLang="ko-KR" sz="1400" dirty="0">
+                <a:latin typeface="KoPubWorld돋움체 Medium" panose="00000600000000000000" pitchFamily="2" charset="-127"/>
+                <a:ea typeface="KoPubWorld돋움체 Medium" panose="00000600000000000000" pitchFamily="2" charset="-127"/>
+                <a:cs typeface="KoPubWorld돋움체 Medium" panose="00000600000000000000" pitchFamily="2" charset="-127"/>
+              </a:rPr>
+              <a:t>  =&gt; </a:t>
+            </a:r>
+            <a:r>
+              <a:rPr lang="ko-KR" altLang="en-US" sz="1400" dirty="0">
+                <a:latin typeface="KoPubWorld돋움체 Medium" panose="00000600000000000000" pitchFamily="2" charset="-127"/>
+                <a:ea typeface="KoPubWorld돋움체 Medium" panose="00000600000000000000" pitchFamily="2" charset="-127"/>
+                <a:cs typeface="KoPubWorld돋움체 Medium" panose="00000600000000000000" pitchFamily="2" charset="-127"/>
+              </a:rPr>
+              <a:t>문제점</a:t>
+            </a:r>
+            <a:r>
+              <a:rPr lang="en-US" altLang="ko-KR" sz="1400" dirty="0">
+                <a:latin typeface="KoPubWorld돋움체 Medium" panose="00000600000000000000" pitchFamily="2" charset="-127"/>
+                <a:ea typeface="KoPubWorld돋움체 Medium" panose="00000600000000000000" pitchFamily="2" charset="-127"/>
+                <a:cs typeface="KoPubWorld돋움체 Medium" panose="00000600000000000000" pitchFamily="2" charset="-127"/>
+              </a:rPr>
+              <a:t>: </a:t>
+            </a:r>
+            <a:r>
+              <a:rPr lang="ko-KR" altLang="en-US" sz="1400" dirty="0">
+                <a:latin typeface="KoPubWorld돋움체 Medium" panose="00000600000000000000" pitchFamily="2" charset="-127"/>
+                <a:ea typeface="KoPubWorld돋움체 Medium" panose="00000600000000000000" pitchFamily="2" charset="-127"/>
+                <a:cs typeface="KoPubWorld돋움체 Medium" panose="00000600000000000000" pitchFamily="2" charset="-127"/>
+              </a:rPr>
+              <a:t>하나의 단어가 하나의 벡터로 </a:t>
+            </a:r>
+            <a:r>
+              <a:rPr lang="ko-KR" altLang="en-US" sz="1400" dirty="0" err="1">
+                <a:latin typeface="KoPubWorld돋움체 Medium" panose="00000600000000000000" pitchFamily="2" charset="-127"/>
+                <a:ea typeface="KoPubWorld돋움체 Medium" panose="00000600000000000000" pitchFamily="2" charset="-127"/>
+                <a:cs typeface="KoPubWorld돋움체 Medium" panose="00000600000000000000" pitchFamily="2" charset="-127"/>
+              </a:rPr>
+              <a:t>맵핑</a:t>
+            </a:r>
+            <a:r>
+              <a:rPr lang="ko-KR" altLang="en-US" sz="1400" dirty="0">
+                <a:latin typeface="KoPubWorld돋움체 Medium" panose="00000600000000000000" pitchFamily="2" charset="-127"/>
+                <a:ea typeface="KoPubWorld돋움체 Medium" panose="00000600000000000000" pitchFamily="2" charset="-127"/>
+                <a:cs typeface="KoPubWorld돋움체 Medium" panose="00000600000000000000" pitchFamily="2" charset="-127"/>
+              </a:rPr>
+              <a:t> </a:t>
+            </a:r>
+            <a:r>
+              <a:rPr lang="en-US" altLang="ko-KR" sz="1400" dirty="0">
+                <a:latin typeface="KoPubWorld돋움체 Medium" panose="00000600000000000000" pitchFamily="2" charset="-127"/>
+                <a:ea typeface="KoPubWorld돋움체 Medium" panose="00000600000000000000" pitchFamily="2" charset="-127"/>
+                <a:cs typeface="KoPubWorld돋움체 Medium" panose="00000600000000000000" pitchFamily="2" charset="-127"/>
+              </a:rPr>
+              <a:t>-&gt; </a:t>
+            </a:r>
+            <a:r>
+              <a:rPr lang="ko-KR" altLang="en-US" sz="1400" dirty="0">
+                <a:latin typeface="KoPubWorld돋움체 Medium" panose="00000600000000000000" pitchFamily="2" charset="-127"/>
+                <a:ea typeface="KoPubWorld돋움체 Medium" panose="00000600000000000000" pitchFamily="2" charset="-127"/>
+                <a:cs typeface="KoPubWorld돋움체 Medium" panose="00000600000000000000" pitchFamily="2" charset="-127"/>
+              </a:rPr>
+              <a:t>다의어나 동음이의어 구분하지 못함</a:t>
+            </a:r>
+            <a:r>
+              <a:rPr lang="en-US" altLang="ko-KR" sz="1400" dirty="0">
+                <a:latin typeface="KoPubWorld돋움체 Medium" panose="00000600000000000000" pitchFamily="2" charset="-127"/>
+                <a:ea typeface="KoPubWorld돋움체 Medium" panose="00000600000000000000" pitchFamily="2" charset="-127"/>
+                <a:cs typeface="KoPubWorld돋움체 Medium" panose="00000600000000000000" pitchFamily="2" charset="-127"/>
+              </a:rPr>
+              <a:t>.</a:t>
+            </a:r>
+          </a:p>
+          <a:p>
+            <a:r>
+              <a:rPr lang="en-US" altLang="ko-KR" sz="1400" dirty="0">
+                <a:latin typeface="KoPubWorld돋움체 Medium" panose="00000600000000000000" pitchFamily="2" charset="-127"/>
+                <a:ea typeface="KoPubWorld돋움체 Medium" panose="00000600000000000000" pitchFamily="2" charset="-127"/>
+                <a:cs typeface="KoPubWorld돋움체 Medium" panose="00000600000000000000" pitchFamily="2" charset="-127"/>
+              </a:rPr>
+              <a:t> </a:t>
+            </a:r>
+            <a:r>
+              <a:rPr lang="en-US" altLang="ko-KR" sz="1400" dirty="0">
+                <a:latin typeface="KoPubWorld돋움체 Medium" panose="00000600000000000000" pitchFamily="2" charset="-127"/>
+                <a:ea typeface="KoPubWorld돋움체 Medium" panose="00000600000000000000" pitchFamily="2" charset="-127"/>
+                <a:cs typeface="KoPubWorld돋움체 Medium" panose="00000600000000000000" pitchFamily="2" charset="-127"/>
+              </a:rPr>
+              <a:t>      ex) ‘</a:t>
+            </a:r>
+            <a:r>
+              <a:rPr lang="ko-KR" altLang="en-US" sz="1400" dirty="0">
+                <a:latin typeface="KoPubWorld돋움체 Medium" panose="00000600000000000000" pitchFamily="2" charset="-127"/>
+                <a:ea typeface="KoPubWorld돋움체 Medium" panose="00000600000000000000" pitchFamily="2" charset="-127"/>
+                <a:cs typeface="KoPubWorld돋움체 Medium" panose="00000600000000000000" pitchFamily="2" charset="-127"/>
+              </a:rPr>
+              <a:t>사과</a:t>
+            </a:r>
+            <a:r>
+              <a:rPr lang="en-US" altLang="ko-KR" sz="1400" dirty="0">
+                <a:latin typeface="KoPubWorld돋움체 Medium" panose="00000600000000000000" pitchFamily="2" charset="-127"/>
+                <a:ea typeface="KoPubWorld돋움체 Medium" panose="00000600000000000000" pitchFamily="2" charset="-127"/>
+                <a:cs typeface="KoPubWorld돋움체 Medium" panose="00000600000000000000" pitchFamily="2" charset="-127"/>
+              </a:rPr>
+              <a:t>’</a:t>
+            </a:r>
+            <a:r>
+              <a:rPr lang="ko-KR" altLang="en-US" sz="1400" dirty="0">
+                <a:latin typeface="KoPubWorld돋움체 Medium" panose="00000600000000000000" pitchFamily="2" charset="-127"/>
+                <a:ea typeface="KoPubWorld돋움체 Medium" panose="00000600000000000000" pitchFamily="2" charset="-127"/>
+                <a:cs typeface="KoPubWorld돋움체 Medium" panose="00000600000000000000" pitchFamily="2" charset="-127"/>
+              </a:rPr>
+              <a:t>에 </a:t>
+            </a:r>
+            <a:r>
+              <a:rPr lang="ko-KR" altLang="en-US" sz="1400" dirty="0" err="1">
+                <a:latin typeface="KoPubWorld돋움체 Medium" panose="00000600000000000000" pitchFamily="2" charset="-127"/>
+                <a:ea typeface="KoPubWorld돋움체 Medium" panose="00000600000000000000" pitchFamily="2" charset="-127"/>
+                <a:cs typeface="KoPubWorld돋움체 Medium" panose="00000600000000000000" pitchFamily="2" charset="-127"/>
+              </a:rPr>
+              <a:t>맵핑된</a:t>
+            </a:r>
+            <a:r>
+              <a:rPr lang="ko-KR" altLang="en-US" sz="1400" dirty="0">
+                <a:latin typeface="KoPubWorld돋움체 Medium" panose="00000600000000000000" pitchFamily="2" charset="-127"/>
+                <a:ea typeface="KoPubWorld돋움체 Medium" panose="00000600000000000000" pitchFamily="2" charset="-127"/>
+                <a:cs typeface="KoPubWorld돋움체 Medium" panose="00000600000000000000" pitchFamily="2" charset="-127"/>
+              </a:rPr>
+              <a:t> </a:t>
+            </a:r>
+            <a:r>
+              <a:rPr lang="ko-KR" altLang="en-US" sz="1400" dirty="0" err="1">
+                <a:latin typeface="KoPubWorld돋움체 Medium" panose="00000600000000000000" pitchFamily="2" charset="-127"/>
+                <a:ea typeface="KoPubWorld돋움체 Medium" panose="00000600000000000000" pitchFamily="2" charset="-127"/>
+                <a:cs typeface="KoPubWorld돋움체 Medium" panose="00000600000000000000" pitchFamily="2" charset="-127"/>
+              </a:rPr>
+              <a:t>벡터값은</a:t>
+            </a:r>
+            <a:r>
+              <a:rPr lang="ko-KR" altLang="en-US" sz="1400" dirty="0">
+                <a:latin typeface="KoPubWorld돋움체 Medium" panose="00000600000000000000" pitchFamily="2" charset="-127"/>
+                <a:ea typeface="KoPubWorld돋움체 Medium" panose="00000600000000000000" pitchFamily="2" charset="-127"/>
+                <a:cs typeface="KoPubWorld돋움체 Medium" panose="00000600000000000000" pitchFamily="2" charset="-127"/>
+              </a:rPr>
+              <a:t> </a:t>
+            </a:r>
+            <a:r>
+              <a:rPr lang="en-US" altLang="ko-KR" sz="1400" dirty="0">
+                <a:latin typeface="KoPubWorld돋움체 Medium" panose="00000600000000000000" pitchFamily="2" charset="-127"/>
+                <a:ea typeface="KoPubWorld돋움체 Medium" panose="00000600000000000000" pitchFamily="2" charset="-127"/>
+                <a:cs typeface="KoPubWorld돋움체 Medium" panose="00000600000000000000" pitchFamily="2" charset="-127"/>
+              </a:rPr>
+              <a:t>‘</a:t>
+            </a:r>
+            <a:r>
+              <a:rPr lang="ko-KR" altLang="en-US" sz="1400" dirty="0">
+                <a:latin typeface="KoPubWorld돋움체 Medium" panose="00000600000000000000" pitchFamily="2" charset="-127"/>
+                <a:ea typeface="KoPubWorld돋움체 Medium" panose="00000600000000000000" pitchFamily="2" charset="-127"/>
+                <a:cs typeface="KoPubWorld돋움체 Medium" panose="00000600000000000000" pitchFamily="2" charset="-127"/>
+              </a:rPr>
+              <a:t>용서를 빈다</a:t>
+            </a:r>
+            <a:r>
+              <a:rPr lang="en-US" altLang="ko-KR" sz="1400" dirty="0">
+                <a:latin typeface="KoPubWorld돋움체 Medium" panose="00000600000000000000" pitchFamily="2" charset="-127"/>
+                <a:ea typeface="KoPubWorld돋움체 Medium" panose="00000600000000000000" pitchFamily="2" charset="-127"/>
+                <a:cs typeface="KoPubWorld돋움체 Medium" panose="00000600000000000000" pitchFamily="2" charset="-127"/>
+              </a:rPr>
+              <a:t>’</a:t>
+            </a:r>
+            <a:r>
+              <a:rPr lang="ko-KR" altLang="en-US" sz="1400" dirty="0">
+                <a:latin typeface="KoPubWorld돋움체 Medium" panose="00000600000000000000" pitchFamily="2" charset="-127"/>
+                <a:ea typeface="KoPubWorld돋움체 Medium" panose="00000600000000000000" pitchFamily="2" charset="-127"/>
+                <a:cs typeface="KoPubWorld돋움체 Medium" panose="00000600000000000000" pitchFamily="2" charset="-127"/>
+              </a:rPr>
+              <a:t>는 의미와 </a:t>
+            </a:r>
+            <a:r>
+              <a:rPr lang="en-US" altLang="ko-KR" sz="1400" dirty="0">
+                <a:latin typeface="KoPubWorld돋움체 Medium" panose="00000600000000000000" pitchFamily="2" charset="-127"/>
+                <a:ea typeface="KoPubWorld돋움체 Medium" panose="00000600000000000000" pitchFamily="2" charset="-127"/>
+                <a:cs typeface="KoPubWorld돋움체 Medium" panose="00000600000000000000" pitchFamily="2" charset="-127"/>
+              </a:rPr>
+              <a:t>‘</a:t>
+            </a:r>
+            <a:r>
+              <a:rPr lang="ko-KR" altLang="en-US" sz="1400" dirty="0">
+                <a:latin typeface="KoPubWorld돋움체 Medium" panose="00000600000000000000" pitchFamily="2" charset="-127"/>
+                <a:ea typeface="KoPubWorld돋움체 Medium" panose="00000600000000000000" pitchFamily="2" charset="-127"/>
+                <a:cs typeface="KoPubWorld돋움체 Medium" panose="00000600000000000000" pitchFamily="2" charset="-127"/>
+              </a:rPr>
+              <a:t>먹는 과일</a:t>
+            </a:r>
+            <a:r>
+              <a:rPr lang="en-US" altLang="ko-KR" sz="1400" dirty="0">
+                <a:latin typeface="KoPubWorld돋움체 Medium" panose="00000600000000000000" pitchFamily="2" charset="-127"/>
+                <a:ea typeface="KoPubWorld돋움체 Medium" panose="00000600000000000000" pitchFamily="2" charset="-127"/>
+                <a:cs typeface="KoPubWorld돋움체 Medium" panose="00000600000000000000" pitchFamily="2" charset="-127"/>
+              </a:rPr>
+              <a:t>’</a:t>
+            </a:r>
+            <a:r>
+              <a:rPr lang="ko-KR" altLang="en-US" sz="1400" dirty="0">
+                <a:latin typeface="KoPubWorld돋움체 Medium" panose="00000600000000000000" pitchFamily="2" charset="-127"/>
+                <a:ea typeface="KoPubWorld돋움체 Medium" panose="00000600000000000000" pitchFamily="2" charset="-127"/>
+                <a:cs typeface="KoPubWorld돋움체 Medium" panose="00000600000000000000" pitchFamily="2" charset="-127"/>
+              </a:rPr>
+              <a:t>의 의미를 구분할 수 없음</a:t>
+            </a:r>
+            <a:r>
+              <a:rPr lang="en-US" altLang="ko-KR" sz="1400" dirty="0">
+                <a:latin typeface="KoPubWorld돋움체 Medium" panose="00000600000000000000" pitchFamily="2" charset="-127"/>
+                <a:ea typeface="KoPubWorld돋움체 Medium" panose="00000600000000000000" pitchFamily="2" charset="-127"/>
+                <a:cs typeface="KoPubWorld돋움체 Medium" panose="00000600000000000000" pitchFamily="2" charset="-127"/>
+              </a:rPr>
+              <a:t>.</a:t>
+            </a:r>
+          </a:p>
+          <a:p>
+            <a:r>
+              <a:rPr lang="en-US" altLang="ko-KR" sz="1400" dirty="0">
+                <a:latin typeface="KoPubWorld돋움체 Medium" panose="00000600000000000000" pitchFamily="2" charset="-127"/>
+                <a:ea typeface="KoPubWorld돋움체 Medium" panose="00000600000000000000" pitchFamily="2" charset="-127"/>
+                <a:cs typeface="KoPubWorld돋움체 Medium" panose="00000600000000000000" pitchFamily="2" charset="-127"/>
+              </a:rPr>
+              <a:t> </a:t>
+            </a:r>
+            <a:r>
+              <a:rPr lang="en-US" altLang="ko-KR" sz="1400" dirty="0">
+                <a:latin typeface="KoPubWorld돋움체 Medium" panose="00000600000000000000" pitchFamily="2" charset="-127"/>
+                <a:ea typeface="KoPubWorld돋움체 Medium" panose="00000600000000000000" pitchFamily="2" charset="-127"/>
+                <a:cs typeface="KoPubWorld돋움체 Medium" panose="00000600000000000000" pitchFamily="2" charset="-127"/>
+              </a:rPr>
+              <a:t> =&gt; </a:t>
+            </a:r>
+            <a:r>
+              <a:rPr lang="ko-KR" altLang="en-US" sz="1400" dirty="0">
+                <a:latin typeface="KoPubWorld돋움체 Medium" panose="00000600000000000000" pitchFamily="2" charset="-127"/>
+                <a:ea typeface="KoPubWorld돋움체 Medium" panose="00000600000000000000" pitchFamily="2" charset="-127"/>
+                <a:cs typeface="KoPubWorld돋움체 Medium" panose="00000600000000000000" pitchFamily="2" charset="-127"/>
+              </a:rPr>
+              <a:t>이 한계는 사전 훈련된 언어 모델로 극복할 수 있음</a:t>
+            </a:r>
+            <a:r>
+              <a:rPr lang="en-US" altLang="ko-KR" sz="1400" dirty="0">
+                <a:latin typeface="KoPubWorld돋움체 Medium" panose="00000600000000000000" pitchFamily="2" charset="-127"/>
+                <a:ea typeface="KoPubWorld돋움체 Medium" panose="00000600000000000000" pitchFamily="2" charset="-127"/>
+                <a:cs typeface="KoPubWorld돋움체 Medium" panose="00000600000000000000" pitchFamily="2" charset="-127"/>
+              </a:rPr>
+              <a:t>(ex. </a:t>
+            </a:r>
+            <a:r>
+              <a:rPr lang="en-US" altLang="ko-KR" sz="1400" dirty="0" err="1">
+                <a:latin typeface="KoPubWorld돋움체 Medium" panose="00000600000000000000" pitchFamily="2" charset="-127"/>
+                <a:ea typeface="KoPubWorld돋움체 Medium" panose="00000600000000000000" pitchFamily="2" charset="-127"/>
+                <a:cs typeface="KoPubWorld돋움체 Medium" panose="00000600000000000000" pitchFamily="2" charset="-127"/>
+              </a:rPr>
+              <a:t>ELMo</a:t>
+            </a:r>
+            <a:r>
+              <a:rPr lang="ko-KR" altLang="en-US" sz="1400" dirty="0">
+                <a:latin typeface="KoPubWorld돋움체 Medium" panose="00000600000000000000" pitchFamily="2" charset="-127"/>
+                <a:ea typeface="KoPubWorld돋움체 Medium" panose="00000600000000000000" pitchFamily="2" charset="-127"/>
+                <a:cs typeface="KoPubWorld돋움체 Medium" panose="00000600000000000000" pitchFamily="2" charset="-127"/>
+              </a:rPr>
+              <a:t>나 </a:t>
+            </a:r>
+            <a:r>
+              <a:rPr lang="en-US" altLang="ko-KR" sz="1400" dirty="0">
+                <a:latin typeface="KoPubWorld돋움체 Medium" panose="00000600000000000000" pitchFamily="2" charset="-127"/>
+                <a:ea typeface="KoPubWorld돋움체 Medium" panose="00000600000000000000" pitchFamily="2" charset="-127"/>
+                <a:cs typeface="KoPubWorld돋움체 Medium" panose="00000600000000000000" pitchFamily="2" charset="-127"/>
+              </a:rPr>
+              <a:t>BERT </a:t>
+            </a:r>
+            <a:r>
+              <a:rPr lang="ko-KR" altLang="en-US" sz="1400" dirty="0">
+                <a:latin typeface="KoPubWorld돋움체 Medium" panose="00000600000000000000" pitchFamily="2" charset="-127"/>
+                <a:ea typeface="KoPubWorld돋움체 Medium" panose="00000600000000000000" pitchFamily="2" charset="-127"/>
+                <a:cs typeface="KoPubWorld돋움체 Medium" panose="00000600000000000000" pitchFamily="2" charset="-127"/>
+              </a:rPr>
+              <a:t>등</a:t>
+            </a:r>
+            <a:r>
+              <a:rPr lang="en-US" altLang="ko-KR" sz="1400" dirty="0">
+                <a:latin typeface="KoPubWorld돋움체 Medium" panose="00000600000000000000" pitchFamily="2" charset="-127"/>
+                <a:ea typeface="KoPubWorld돋움체 Medium" panose="00000600000000000000" pitchFamily="2" charset="-127"/>
+                <a:cs typeface="KoPubWorld돋움체 Medium" panose="00000600000000000000" pitchFamily="2" charset="-127"/>
+              </a:rPr>
+              <a:t>)</a:t>
+            </a:r>
+          </a:p>
+          <a:p>
+            <a:endParaRPr lang="en-US" altLang="ko-KR" sz="1400" dirty="0">
+              <a:latin typeface="KoPubWorld돋움체 Medium" panose="00000600000000000000" pitchFamily="2" charset="-127"/>
+              <a:ea typeface="KoPubWorld돋움체 Medium" panose="00000600000000000000" pitchFamily="2" charset="-127"/>
+              <a:cs typeface="KoPubWorld돋움체 Medium" panose="00000600000000000000" pitchFamily="2" charset="-127"/>
+            </a:endParaRPr>
+          </a:p>
+        </p:txBody>
+      </p:sp>
+      <p:sp>
+        <p:nvSpPr>
+          <p:cNvPr id="4" name="TextBox 3"/>
+          <p:cNvSpPr txBox="1"/>
+          <p:nvPr/>
+        </p:nvSpPr>
+        <p:spPr>
+          <a:xfrm>
+            <a:off x="9591553" y="72083"/>
+            <a:ext cx="2204450" cy="246221"/>
+          </a:xfrm>
+          <a:prstGeom prst="rect">
+            <a:avLst/>
+          </a:prstGeom>
+          <a:noFill/>
+        </p:spPr>
+        <p:txBody>
+          <a:bodyPr wrap="none" rtlCol="0">
+            <a:spAutoFit/>
+          </a:bodyPr>
+          <a:lstStyle/>
+          <a:p>
+            <a:r>
+              <a:rPr lang="ko-KR" altLang="en-US" sz="1000" dirty="0" smtClean="0">
+                <a:solidFill>
+                  <a:schemeClr val="bg1">
+                    <a:lumMod val="75000"/>
+                  </a:schemeClr>
+                </a:solidFill>
+                <a:latin typeface="KoPubWorld돋움체 Light" panose="00000300000000000000" pitchFamily="2" charset="-127"/>
+                <a:ea typeface="KoPubWorld돋움체 Light" panose="00000300000000000000" pitchFamily="2" charset="-127"/>
+                <a:cs typeface="KoPubWorld돋움체 Light" panose="00000300000000000000" pitchFamily="2" charset="-127"/>
+              </a:rPr>
+              <a:t>출처</a:t>
+            </a:r>
+            <a:r>
+              <a:rPr lang="en-US" altLang="ko-KR" sz="1000" dirty="0" smtClean="0">
+                <a:solidFill>
+                  <a:schemeClr val="bg1">
+                    <a:lumMod val="75000"/>
+                  </a:schemeClr>
+                </a:solidFill>
+                <a:latin typeface="KoPubWorld돋움체 Light" panose="00000300000000000000" pitchFamily="2" charset="-127"/>
+                <a:ea typeface="KoPubWorld돋움체 Light" panose="00000300000000000000" pitchFamily="2" charset="-127"/>
+                <a:cs typeface="KoPubWorld돋움체 Light" panose="00000300000000000000" pitchFamily="2" charset="-127"/>
+              </a:rPr>
+              <a:t>: </a:t>
+            </a:r>
+            <a:r>
+              <a:rPr lang="ko-KR" altLang="en-US" sz="1000" dirty="0" err="1" smtClean="0">
+                <a:solidFill>
+                  <a:schemeClr val="bg1">
+                    <a:lumMod val="75000"/>
+                  </a:schemeClr>
+                </a:solidFill>
+                <a:latin typeface="KoPubWorld돋움체 Light" panose="00000300000000000000" pitchFamily="2" charset="-127"/>
+                <a:ea typeface="KoPubWorld돋움체 Light" panose="00000300000000000000" pitchFamily="2" charset="-127"/>
+                <a:cs typeface="KoPubWorld돋움체 Light" panose="00000300000000000000" pitchFamily="2" charset="-127"/>
+              </a:rPr>
+              <a:t>딥러닝을</a:t>
+            </a:r>
+            <a:r>
+              <a:rPr lang="ko-KR" altLang="en-US" sz="1000" dirty="0" smtClean="0">
+                <a:solidFill>
+                  <a:schemeClr val="bg1">
+                    <a:lumMod val="75000"/>
+                  </a:schemeClr>
+                </a:solidFill>
+                <a:latin typeface="KoPubWorld돋움체 Light" panose="00000300000000000000" pitchFamily="2" charset="-127"/>
+                <a:ea typeface="KoPubWorld돋움체 Light" panose="00000300000000000000" pitchFamily="2" charset="-127"/>
+                <a:cs typeface="KoPubWorld돋움체 Light" panose="00000300000000000000" pitchFamily="2" charset="-127"/>
+              </a:rPr>
+              <a:t> 이용한 자연어 처리 입문</a:t>
+            </a:r>
+            <a:endParaRPr lang="ko-KR" altLang="en-US" sz="1000" dirty="0">
+              <a:solidFill>
+                <a:schemeClr val="bg1">
+                  <a:lumMod val="75000"/>
+                </a:schemeClr>
+              </a:solidFill>
+              <a:latin typeface="KoPubWorld돋움체 Light" panose="00000300000000000000" pitchFamily="2" charset="-127"/>
+              <a:ea typeface="KoPubWorld돋움체 Light" panose="00000300000000000000" pitchFamily="2" charset="-127"/>
+              <a:cs typeface="KoPubWorld돋움체 Light" panose="00000300000000000000" pitchFamily="2" charset="-127"/>
+            </a:endParaRPr>
+          </a:p>
+        </p:txBody>
+      </p:sp>
+    </p:spTree>
+    <p:extLst>
+      <p:ext uri="{BB962C8B-B14F-4D97-AF65-F5344CB8AC3E}">
+        <p14:creationId xmlns:p14="http://schemas.microsoft.com/office/powerpoint/2010/main" val="3147336693"/>
+      </p:ext>
+    </p:extLst>
+  </p:cSld>
+  <p:clrMapOvr>
+    <a:masterClrMapping/>
+  </p:clrMapOvr>
+</p:sld>
+</file>
+
+<file path=ppt/slides/slide3.xml><?xml version="1.0" encoding="utf-8"?>
+<p:sld xmlns:a="http://schemas.openxmlformats.org/drawingml/2006/main" xmlns:r="http://schemas.openxmlformats.org/officeDocument/2006/relationships" xmlns:p="http://schemas.openxmlformats.org/presentationml/2006/main">
+  <p:cSld>
+    <p:spTree>
+      <p:nvGrpSpPr>
+        <p:cNvPr id="1" name=""/>
+        <p:cNvGrpSpPr/>
+        <p:nvPr/>
+      </p:nvGrpSpPr>
+      <p:grpSpPr>
+        <a:xfrm>
+          <a:off x="0" y="0"/>
+          <a:ext cx="0" cy="0"/>
+          <a:chOff x="0" y="0"/>
+          <a:chExt cx="0" cy="0"/>
+        </a:xfrm>
+      </p:grpSpPr>
+      <p:sp>
+        <p:nvSpPr>
+          <p:cNvPr id="6" name="TextBox 5"/>
+          <p:cNvSpPr txBox="1"/>
+          <p:nvPr/>
+        </p:nvSpPr>
+        <p:spPr>
+          <a:xfrm>
+            <a:off x="343606" y="1013045"/>
+            <a:ext cx="11318897" cy="984885"/>
+          </a:xfrm>
+          <a:prstGeom prst="rect">
+            <a:avLst/>
+          </a:prstGeom>
+          <a:noFill/>
+        </p:spPr>
+        <p:txBody>
+          <a:bodyPr wrap="square" rtlCol="0">
+            <a:spAutoFit/>
+          </a:bodyPr>
+          <a:lstStyle/>
+          <a:p>
+            <a:r>
+              <a:rPr lang="en-US" altLang="ko-KR" sz="1600" dirty="0">
+                <a:latin typeface="KoPubWorld돋움체 Medium" panose="00000600000000000000" pitchFamily="2" charset="-127"/>
+                <a:ea typeface="KoPubWorld돋움체 Medium" panose="00000600000000000000" pitchFamily="2" charset="-127"/>
+                <a:cs typeface="KoPubWorld돋움체 Medium" panose="00000600000000000000" pitchFamily="2" charset="-127"/>
+              </a:rPr>
               <a:t>2</a:t>
             </a:r>
             <a:r>
-              <a:rPr lang="en-US" altLang="ko-KR" dirty="0" smtClean="0"/>
+              <a:rPr lang="en-US" altLang="ko-KR" sz="1600" dirty="0">
+                <a:latin typeface="KoPubWorld돋움체 Medium" panose="00000600000000000000" pitchFamily="2" charset="-127"/>
+                <a:ea typeface="KoPubWorld돋움체 Medium" panose="00000600000000000000" pitchFamily="2" charset="-127"/>
+                <a:cs typeface="KoPubWorld돋움체 Medium" panose="00000600000000000000" pitchFamily="2" charset="-127"/>
+              </a:rPr>
               <a:t>. </a:t>
             </a:r>
             <a:r>
-              <a:rPr lang="ko-KR" altLang="en-US" dirty="0" smtClean="0"/>
+              <a:rPr lang="ko-KR" altLang="en-US" sz="1600" dirty="0">
+                <a:latin typeface="KoPubWorld돋움체 Medium" panose="00000600000000000000" pitchFamily="2" charset="-127"/>
+                <a:ea typeface="KoPubWorld돋움체 Medium" panose="00000600000000000000" pitchFamily="2" charset="-127"/>
+                <a:cs typeface="KoPubWorld돋움체 Medium" panose="00000600000000000000" pitchFamily="2" charset="-127"/>
+              </a:rPr>
               <a:t>사전 훈련된 언어모델</a:t>
             </a:r>
-            <a:endParaRPr lang="en-US" altLang="ko-KR" dirty="0" smtClean="0"/>
-          </a:p>
-          <a:p>
-            <a:r>
-              <a:rPr lang="ko-KR" altLang="en-US" dirty="0" smtClean="0"/>
+            <a:endParaRPr lang="en-US" altLang="ko-KR" sz="1600" dirty="0">
+              <a:latin typeface="KoPubWorld돋움체 Medium" panose="00000600000000000000" pitchFamily="2" charset="-127"/>
+              <a:ea typeface="KoPubWorld돋움체 Medium" panose="00000600000000000000" pitchFamily="2" charset="-127"/>
+              <a:cs typeface="KoPubWorld돋움체 Medium" panose="00000600000000000000" pitchFamily="2" charset="-127"/>
+            </a:endParaRPr>
+          </a:p>
+          <a:p>
+            <a:r>
+              <a:rPr lang="ko-KR" altLang="en-US" sz="1400" dirty="0">
+                <a:latin typeface="KoPubWorld돋움체 Medium" panose="00000600000000000000" pitchFamily="2" charset="-127"/>
+                <a:ea typeface="KoPubWorld돋움체 Medium" panose="00000600000000000000" pitchFamily="2" charset="-127"/>
+                <a:cs typeface="KoPubWorld돋움체 Medium" panose="00000600000000000000" pitchFamily="2" charset="-127"/>
+              </a:rPr>
               <a:t>  </a:t>
             </a:r>
             <a:r>
-              <a:rPr lang="en-US" altLang="ko-KR" dirty="0" smtClean="0"/>
+              <a:rPr lang="en-US" altLang="ko-KR" sz="1400" dirty="0">
+                <a:latin typeface="KoPubWorld돋움체 Medium" panose="00000600000000000000" pitchFamily="2" charset="-127"/>
+                <a:ea typeface="KoPubWorld돋움체 Medium" panose="00000600000000000000" pitchFamily="2" charset="-127"/>
+                <a:cs typeface="KoPubWorld돋움체 Medium" panose="00000600000000000000" pitchFamily="2" charset="-127"/>
+              </a:rPr>
               <a:t>- </a:t>
             </a:r>
             <a:r>
-              <a:rPr lang="ko-KR" altLang="en-US" dirty="0" smtClean="0"/>
+              <a:rPr lang="ko-KR" altLang="en-US" sz="1400" dirty="0">
+                <a:latin typeface="KoPubWorld돋움체 Medium" panose="00000600000000000000" pitchFamily="2" charset="-127"/>
+                <a:ea typeface="KoPubWorld돋움체 Medium" panose="00000600000000000000" pitchFamily="2" charset="-127"/>
+                <a:cs typeface="KoPubWorld돋움체 Medium" panose="00000600000000000000" pitchFamily="2" charset="-127"/>
+              </a:rPr>
               <a:t>주어진 </a:t>
             </a:r>
             <a:r>
-              <a:rPr lang="ko-KR" altLang="en-US" dirty="0"/>
+              <a:rPr lang="ko-KR" altLang="en-US" sz="1400" dirty="0">
+                <a:latin typeface="KoPubWorld돋움체 Medium" panose="00000600000000000000" pitchFamily="2" charset="-127"/>
+                <a:ea typeface="KoPubWorld돋움체 Medium" panose="00000600000000000000" pitchFamily="2" charset="-127"/>
+                <a:cs typeface="KoPubWorld돋움체 Medium" panose="00000600000000000000" pitchFamily="2" charset="-127"/>
+              </a:rPr>
               <a:t>텍스트로부터 이전 단어들로부터 다음 단어를 예측하도록 </a:t>
             </a:r>
             <a:r>
-              <a:rPr lang="ko-KR" altLang="en-US" dirty="0" smtClean="0"/>
+              <a:rPr lang="ko-KR" altLang="en-US" sz="1400" dirty="0">
+                <a:latin typeface="KoPubWorld돋움체 Medium" panose="00000600000000000000" pitchFamily="2" charset="-127"/>
+                <a:ea typeface="KoPubWorld돋움체 Medium" panose="00000600000000000000" pitchFamily="2" charset="-127"/>
+                <a:cs typeface="KoPubWorld돋움체 Medium" panose="00000600000000000000" pitchFamily="2" charset="-127"/>
+              </a:rPr>
               <a:t>언어모델을 학습</a:t>
             </a:r>
-            <a:endParaRPr lang="en-US" altLang="ko-KR" dirty="0" smtClean="0"/>
-          </a:p>
-          <a:p>
-            <a:r>
-              <a:rPr lang="en-US" altLang="ko-KR" dirty="0"/>
+            <a:endParaRPr lang="en-US" altLang="ko-KR" sz="1400" dirty="0">
+              <a:latin typeface="KoPubWorld돋움체 Medium" panose="00000600000000000000" pitchFamily="2" charset="-127"/>
+              <a:ea typeface="KoPubWorld돋움체 Medium" panose="00000600000000000000" pitchFamily="2" charset="-127"/>
+              <a:cs typeface="KoPubWorld돋움체 Medium" panose="00000600000000000000" pitchFamily="2" charset="-127"/>
+            </a:endParaRPr>
+          </a:p>
+          <a:p>
+            <a:r>
+              <a:rPr lang="en-US" altLang="ko-KR" sz="1400" dirty="0">
+                <a:latin typeface="KoPubWorld돋움체 Medium" panose="00000600000000000000" pitchFamily="2" charset="-127"/>
+                <a:ea typeface="KoPubWorld돋움체 Medium" panose="00000600000000000000" pitchFamily="2" charset="-127"/>
+                <a:cs typeface="KoPubWorld돋움체 Medium" panose="00000600000000000000" pitchFamily="2" charset="-127"/>
+              </a:rPr>
               <a:t> </a:t>
             </a:r>
             <a:r>
-              <a:rPr lang="en-US" altLang="ko-KR" dirty="0" smtClean="0"/>
+              <a:rPr lang="en-US" altLang="ko-KR" sz="1400" dirty="0">
+                <a:latin typeface="KoPubWorld돋움체 Medium" panose="00000600000000000000" pitchFamily="2" charset="-127"/>
+                <a:ea typeface="KoPubWorld돋움체 Medium" panose="00000600000000000000" pitchFamily="2" charset="-127"/>
+                <a:cs typeface="KoPubWorld돋움체 Medium" panose="00000600000000000000" pitchFamily="2" charset="-127"/>
+              </a:rPr>
               <a:t> - (</a:t>
             </a:r>
             <a:r>
-              <a:rPr lang="ko-KR" altLang="en-US" dirty="0" smtClean="0"/>
+              <a:rPr lang="ko-KR" altLang="en-US" sz="1400" dirty="0">
+                <a:latin typeface="KoPubWorld돋움체 Medium" panose="00000600000000000000" pitchFamily="2" charset="-127"/>
+                <a:ea typeface="KoPubWorld돋움체 Medium" panose="00000600000000000000" pitchFamily="2" charset="-127"/>
+                <a:cs typeface="KoPubWorld돋움체 Medium" panose="00000600000000000000" pitchFamily="2" charset="-127"/>
+              </a:rPr>
               <a:t>장점</a:t>
             </a:r>
             <a:r>
-              <a:rPr lang="en-US" altLang="ko-KR" dirty="0" smtClean="0"/>
+              <a:rPr lang="en-US" altLang="ko-KR" sz="1400" dirty="0">
+                <a:latin typeface="KoPubWorld돋움체 Medium" panose="00000600000000000000" pitchFamily="2" charset="-127"/>
+                <a:ea typeface="KoPubWorld돋움체 Medium" panose="00000600000000000000" pitchFamily="2" charset="-127"/>
+                <a:cs typeface="KoPubWorld돋움체 Medium" panose="00000600000000000000" pitchFamily="2" charset="-127"/>
+              </a:rPr>
               <a:t>) </a:t>
             </a:r>
             <a:r>
-              <a:rPr lang="ko-KR" altLang="en-US" dirty="0" smtClean="0"/>
+              <a:rPr lang="ko-KR" altLang="en-US" sz="1400" dirty="0">
+                <a:latin typeface="KoPubWorld돋움체 Medium" panose="00000600000000000000" pitchFamily="2" charset="-127"/>
+                <a:ea typeface="KoPubWorld돋움체 Medium" panose="00000600000000000000" pitchFamily="2" charset="-127"/>
+                <a:cs typeface="KoPubWorld돋움체 Medium" panose="00000600000000000000" pitchFamily="2" charset="-127"/>
+              </a:rPr>
               <a:t>기본적으로 </a:t>
             </a:r>
             <a:r>
-              <a:rPr lang="ko-KR" altLang="en-US" dirty="0"/>
+              <a:rPr lang="ko-KR" altLang="en-US" sz="1400" dirty="0">
+                <a:latin typeface="KoPubWorld돋움체 Medium" panose="00000600000000000000" pitchFamily="2" charset="-127"/>
+                <a:ea typeface="KoPubWorld돋움체 Medium" panose="00000600000000000000" pitchFamily="2" charset="-127"/>
+                <a:cs typeface="KoPubWorld돋움체 Medium" panose="00000600000000000000" pitchFamily="2" charset="-127"/>
+              </a:rPr>
               <a:t>별도의 레이블이 부착되지 않은 텍스트 데이터로도 학습 </a:t>
             </a:r>
             <a:r>
-              <a:rPr lang="ko-KR" altLang="en-US" dirty="0" smtClean="0"/>
+              <a:rPr lang="ko-KR" altLang="en-US" sz="1400" dirty="0">
+                <a:latin typeface="KoPubWorld돋움체 Medium" panose="00000600000000000000" pitchFamily="2" charset="-127"/>
+                <a:ea typeface="KoPubWorld돋움체 Medium" panose="00000600000000000000" pitchFamily="2" charset="-127"/>
+                <a:cs typeface="KoPubWorld돋움체 Medium" panose="00000600000000000000" pitchFamily="2" charset="-127"/>
+              </a:rPr>
               <a:t>가능</a:t>
             </a:r>
-            <a:endParaRPr lang="en-US" altLang="ko-KR" dirty="0" smtClean="0"/>
-          </a:p>
-          <a:p>
-            <a:r>
-              <a:rPr lang="ko-KR" altLang="en-US" dirty="0"/>
+            <a:endParaRPr lang="en-US" altLang="ko-KR" sz="1400" dirty="0">
+              <a:latin typeface="KoPubWorld돋움체 Medium" panose="00000600000000000000" pitchFamily="2" charset="-127"/>
+              <a:ea typeface="KoPubWorld돋움체 Medium" panose="00000600000000000000" pitchFamily="2" charset="-127"/>
+              <a:cs typeface="KoPubWorld돋움체 Medium" panose="00000600000000000000" pitchFamily="2" charset="-127"/>
+            </a:endParaRPr>
+          </a:p>
+          <a:p>
+            <a:r>
+              <a:rPr lang="ko-KR" altLang="en-US" sz="1400" dirty="0">
+                <a:latin typeface="KoPubWorld돋움체 Medium" panose="00000600000000000000" pitchFamily="2" charset="-127"/>
+                <a:ea typeface="KoPubWorld돋움체 Medium" panose="00000600000000000000" pitchFamily="2" charset="-127"/>
+                <a:cs typeface="KoPubWorld돋움체 Medium" panose="00000600000000000000" pitchFamily="2" charset="-127"/>
+              </a:rPr>
               <a:t>문맥에 따라서 </a:t>
             </a:r>
             <a:r>
-              <a:rPr lang="ko-KR" altLang="en-US" dirty="0" err="1"/>
+              <a:rPr lang="ko-KR" altLang="en-US" sz="1400" dirty="0" err="1">
+                <a:latin typeface="KoPubWorld돋움체 Medium" panose="00000600000000000000" pitchFamily="2" charset="-127"/>
+                <a:ea typeface="KoPubWorld돋움체 Medium" panose="00000600000000000000" pitchFamily="2" charset="-127"/>
+                <a:cs typeface="KoPubWorld돋움체 Medium" panose="00000600000000000000" pitchFamily="2" charset="-127"/>
+              </a:rPr>
               <a:t>임베딩</a:t>
             </a:r>
             <a:r>
-              <a:rPr lang="ko-KR" altLang="en-US" dirty="0"/>
+              <a:rPr lang="ko-KR" altLang="en-US" sz="1400" dirty="0">
+                <a:latin typeface="KoPubWorld돋움체 Medium" panose="00000600000000000000" pitchFamily="2" charset="-127"/>
+                <a:ea typeface="KoPubWorld돋움체 Medium" panose="00000600000000000000" pitchFamily="2" charset="-127"/>
+                <a:cs typeface="KoPubWorld돋움체 Medium" panose="00000600000000000000" pitchFamily="2" charset="-127"/>
+              </a:rPr>
               <a:t> </a:t>
             </a:r>
             <a:r>
-              <a:rPr lang="ko-KR" altLang="en-US" dirty="0" err="1"/>
+              <a:rPr lang="ko-KR" altLang="en-US" sz="1400" dirty="0" err="1">
+                <a:latin typeface="KoPubWorld돋움체 Medium" panose="00000600000000000000" pitchFamily="2" charset="-127"/>
+                <a:ea typeface="KoPubWorld돋움체 Medium" panose="00000600000000000000" pitchFamily="2" charset="-127"/>
+                <a:cs typeface="KoPubWorld돋움체 Medium" panose="00000600000000000000" pitchFamily="2" charset="-127"/>
+              </a:rPr>
               <a:t>벡터값이</a:t>
             </a:r>
             <a:r>
-              <a:rPr lang="ko-KR" altLang="en-US" dirty="0"/>
+              <a:rPr lang="ko-KR" altLang="en-US" sz="1400" dirty="0">
+                <a:latin typeface="KoPubWorld돋움체 Medium" panose="00000600000000000000" pitchFamily="2" charset="-127"/>
+                <a:ea typeface="KoPubWorld돋움체 Medium" panose="00000600000000000000" pitchFamily="2" charset="-127"/>
+                <a:cs typeface="KoPubWorld돋움체 Medium" panose="00000600000000000000" pitchFamily="2" charset="-127"/>
+              </a:rPr>
               <a:t> 달라지므로</a:t>
             </a:r>
             <a:r>
-              <a:rPr lang="en-US" altLang="ko-KR" dirty="0"/>
+              <a:rPr lang="en-US" altLang="ko-KR" sz="1400" dirty="0">
+                <a:latin typeface="KoPubWorld돋움체 Medium" panose="00000600000000000000" pitchFamily="2" charset="-127"/>
+                <a:ea typeface="KoPubWorld돋움체 Medium" panose="00000600000000000000" pitchFamily="2" charset="-127"/>
+                <a:cs typeface="KoPubWorld돋움체 Medium" panose="00000600000000000000" pitchFamily="2" charset="-127"/>
+              </a:rPr>
               <a:t>, </a:t>
             </a:r>
             <a:r>
-              <a:rPr lang="ko-KR" altLang="en-US" dirty="0" smtClean="0"/>
+              <a:rPr lang="ko-KR" altLang="en-US" sz="1400" dirty="0">
+                <a:latin typeface="KoPubWorld돋움체 Medium" panose="00000600000000000000" pitchFamily="2" charset="-127"/>
+                <a:ea typeface="KoPubWorld돋움체 Medium" panose="00000600000000000000" pitchFamily="2" charset="-127"/>
+                <a:cs typeface="KoPubWorld돋움체 Medium" panose="00000600000000000000" pitchFamily="2" charset="-127"/>
+              </a:rPr>
               <a:t>다의어를 </a:t>
             </a:r>
             <a:r>
-              <a:rPr lang="ko-KR" altLang="en-US" dirty="0"/>
+              <a:rPr lang="ko-KR" altLang="en-US" sz="1400" dirty="0">
+                <a:latin typeface="KoPubWorld돋움체 Medium" panose="00000600000000000000" pitchFamily="2" charset="-127"/>
+                <a:ea typeface="KoPubWorld돋움체 Medium" panose="00000600000000000000" pitchFamily="2" charset="-127"/>
+                <a:cs typeface="KoPubWorld돋움체 Medium" panose="00000600000000000000" pitchFamily="2" charset="-127"/>
+              </a:rPr>
               <a:t>구분할 수 없었던 문제점을 해결할 수 </a:t>
             </a:r>
             <a:r>
-              <a:rPr lang="ko-KR" altLang="en-US" dirty="0" smtClean="0"/>
+              <a:rPr lang="ko-KR" altLang="en-US" sz="1400" dirty="0">
+                <a:latin typeface="KoPubWorld돋움체 Medium" panose="00000600000000000000" pitchFamily="2" charset="-127"/>
+                <a:ea typeface="KoPubWorld돋움체 Medium" panose="00000600000000000000" pitchFamily="2" charset="-127"/>
+                <a:cs typeface="KoPubWorld돋움체 Medium" panose="00000600000000000000" pitchFamily="2" charset="-127"/>
+              </a:rPr>
               <a:t>있음</a:t>
             </a:r>
             <a:r>
-              <a:rPr lang="en-US" altLang="ko-KR" dirty="0" smtClean="0"/>
+              <a:rPr lang="en-US" altLang="ko-KR" sz="1400" dirty="0">
+                <a:latin typeface="KoPubWorld돋움체 Medium" panose="00000600000000000000" pitchFamily="2" charset="-127"/>
+                <a:ea typeface="KoPubWorld돋움체 Medium" panose="00000600000000000000" pitchFamily="2" charset="-127"/>
+                <a:cs typeface="KoPubWorld돋움체 Medium" panose="00000600000000000000" pitchFamily="2" charset="-127"/>
+              </a:rPr>
               <a:t>.</a:t>
             </a:r>
           </a:p>
@@ -3566,7 +4225,7 @@
         </p:nvSpPr>
         <p:spPr>
           <a:xfrm>
-            <a:off x="6437682" y="3324366"/>
+            <a:off x="6725683" y="2813624"/>
             <a:ext cx="5362513" cy="1015663"/>
           </a:xfrm>
           <a:prstGeom prst="rect">
@@ -3581,86 +4240,174 @@
           <a:lstStyle/>
           <a:p>
             <a:r>
-              <a:rPr lang="en-US" altLang="ko-KR" sz="1200" dirty="0"/>
+              <a:rPr lang="en-US" altLang="ko-KR" sz="1200" dirty="0">
+                <a:latin typeface="KoPubWorld돋움체 Medium" panose="00000600000000000000" pitchFamily="2" charset="-127"/>
+                <a:ea typeface="KoPubWorld돋움체 Medium" panose="00000600000000000000" pitchFamily="2" charset="-127"/>
+                <a:cs typeface="KoPubWorld돋움체 Medium" panose="00000600000000000000" pitchFamily="2" charset="-127"/>
+              </a:rPr>
               <a:t>2015</a:t>
             </a:r>
             <a:r>
-              <a:rPr lang="ko-KR" altLang="en-US" sz="1200" dirty="0"/>
+              <a:rPr lang="ko-KR" altLang="en-US" sz="1200" dirty="0">
+                <a:latin typeface="KoPubWorld돋움체 Medium" panose="00000600000000000000" pitchFamily="2" charset="-127"/>
+                <a:ea typeface="KoPubWorld돋움체 Medium" panose="00000600000000000000" pitchFamily="2" charset="-127"/>
+                <a:cs typeface="KoPubWorld돋움체 Medium" panose="00000600000000000000" pitchFamily="2" charset="-127"/>
+              </a:rPr>
               <a:t>년 </a:t>
             </a:r>
             <a:r>
-              <a:rPr lang="ko-KR" altLang="en-US" sz="1200" dirty="0" err="1" smtClean="0"/>
+              <a:rPr lang="ko-KR" altLang="en-US" sz="1200" dirty="0" err="1">
+                <a:latin typeface="KoPubWorld돋움체 Medium" panose="00000600000000000000" pitchFamily="2" charset="-127"/>
+                <a:ea typeface="KoPubWorld돋움체 Medium" panose="00000600000000000000" pitchFamily="2" charset="-127"/>
+                <a:cs typeface="KoPubWorld돋움체 Medium" panose="00000600000000000000" pitchFamily="2" charset="-127"/>
+              </a:rPr>
               <a:t>구글</a:t>
             </a:r>
             <a:r>
-              <a:rPr lang="en-US" altLang="ko-KR" sz="1200" dirty="0" smtClean="0"/>
+              <a:rPr lang="en-US" altLang="ko-KR" sz="1200" dirty="0">
+                <a:latin typeface="KoPubWorld돋움체 Medium" panose="00000600000000000000" pitchFamily="2" charset="-127"/>
+                <a:ea typeface="KoPubWorld돋움체 Medium" panose="00000600000000000000" pitchFamily="2" charset="-127"/>
+                <a:cs typeface="KoPubWorld돋움체 Medium" panose="00000600000000000000" pitchFamily="2" charset="-127"/>
+              </a:rPr>
               <a:t>-</a:t>
             </a:r>
             <a:r>
-              <a:rPr lang="ko-KR" altLang="en-US" sz="1200" dirty="0" smtClean="0"/>
+              <a:rPr lang="ko-KR" altLang="en-US" sz="1200" dirty="0">
+                <a:latin typeface="KoPubWorld돋움체 Medium" panose="00000600000000000000" pitchFamily="2" charset="-127"/>
+                <a:ea typeface="KoPubWorld돋움체 Medium" panose="00000600000000000000" pitchFamily="2" charset="-127"/>
+                <a:cs typeface="KoPubWorld돋움체 Medium" panose="00000600000000000000" pitchFamily="2" charset="-127"/>
+              </a:rPr>
               <a:t> </a:t>
             </a:r>
             <a:r>
-              <a:rPr lang="en-US" altLang="ko-KR" sz="1200" dirty="0"/>
+              <a:rPr lang="en-US" altLang="ko-KR" sz="1200" dirty="0">
+                <a:latin typeface="KoPubWorld돋움체 Medium" panose="00000600000000000000" pitchFamily="2" charset="-127"/>
+                <a:ea typeface="KoPubWorld돋움체 Medium" panose="00000600000000000000" pitchFamily="2" charset="-127"/>
+                <a:cs typeface="KoPubWorld돋움체 Medium" panose="00000600000000000000" pitchFamily="2" charset="-127"/>
+              </a:rPr>
               <a:t>'Semi-supervised Sequence Learning</a:t>
             </a:r>
             <a:r>
-              <a:rPr lang="en-US" altLang="ko-KR" sz="1200" dirty="0" smtClean="0"/>
+              <a:rPr lang="en-US" altLang="ko-KR" sz="1200" dirty="0">
+                <a:latin typeface="KoPubWorld돋움체 Medium" panose="00000600000000000000" pitchFamily="2" charset="-127"/>
+                <a:ea typeface="KoPubWorld돋움체 Medium" panose="00000600000000000000" pitchFamily="2" charset="-127"/>
+                <a:cs typeface="KoPubWorld돋움체 Medium" panose="00000600000000000000" pitchFamily="2" charset="-127"/>
+              </a:rPr>
               <a:t>'</a:t>
             </a:r>
             <a:r>
-              <a:rPr lang="ko-KR" altLang="en-US" sz="1200" dirty="0" smtClean="0"/>
+              <a:rPr lang="ko-KR" altLang="en-US" sz="1200" dirty="0">
+                <a:latin typeface="KoPubWorld돋움체 Medium" panose="00000600000000000000" pitchFamily="2" charset="-127"/>
+                <a:ea typeface="KoPubWorld돋움체 Medium" panose="00000600000000000000" pitchFamily="2" charset="-127"/>
+                <a:cs typeface="KoPubWorld돋움체 Medium" panose="00000600000000000000" pitchFamily="2" charset="-127"/>
+              </a:rPr>
               <a:t> 논문</a:t>
             </a:r>
             <a:r>
-              <a:rPr lang="en-US" altLang="ko-KR" sz="1200" dirty="0" smtClean="0"/>
+              <a:rPr lang="en-US" altLang="ko-KR" sz="1200" dirty="0">
+                <a:latin typeface="KoPubWorld돋움체 Medium" panose="00000600000000000000" pitchFamily="2" charset="-127"/>
+                <a:ea typeface="KoPubWorld돋움체 Medium" panose="00000600000000000000" pitchFamily="2" charset="-127"/>
+                <a:cs typeface="KoPubWorld돋움체 Medium" panose="00000600000000000000" pitchFamily="2" charset="-127"/>
+              </a:rPr>
               <a:t/>
             </a:r>
             <a:br>
-              <a:rPr lang="en-US" altLang="ko-KR" sz="1200" dirty="0" smtClean="0"/>
+              <a:rPr lang="en-US" altLang="ko-KR" sz="1200" dirty="0">
+                <a:latin typeface="KoPubWorld돋움체 Medium" panose="00000600000000000000" pitchFamily="2" charset="-127"/>
+                <a:ea typeface="KoPubWorld돋움체 Medium" panose="00000600000000000000" pitchFamily="2" charset="-127"/>
+                <a:cs typeface="KoPubWorld돋움체 Medium" panose="00000600000000000000" pitchFamily="2" charset="-127"/>
+              </a:rPr>
             </a:br>
             <a:r>
-              <a:rPr lang="en-US" altLang="ko-KR" sz="1200" dirty="0" smtClean="0"/>
+              <a:rPr lang="en-US" altLang="ko-KR" sz="1200" dirty="0">
+                <a:latin typeface="KoPubWorld돋움체 Medium" panose="00000600000000000000" pitchFamily="2" charset="-127"/>
+                <a:ea typeface="KoPubWorld돋움체 Medium" panose="00000600000000000000" pitchFamily="2" charset="-127"/>
+                <a:cs typeface="KoPubWorld돋움체 Medium" panose="00000600000000000000" pitchFamily="2" charset="-127"/>
+              </a:rPr>
               <a:t>(1) LSTM </a:t>
             </a:r>
             <a:r>
-              <a:rPr lang="ko-KR" altLang="en-US" sz="1200" dirty="0"/>
+              <a:rPr lang="ko-KR" altLang="en-US" sz="1200" dirty="0">
+                <a:latin typeface="KoPubWorld돋움체 Medium" panose="00000600000000000000" pitchFamily="2" charset="-127"/>
+                <a:ea typeface="KoPubWorld돋움체 Medium" panose="00000600000000000000" pitchFamily="2" charset="-127"/>
+                <a:cs typeface="KoPubWorld돋움체 Medium" panose="00000600000000000000" pitchFamily="2" charset="-127"/>
+              </a:rPr>
               <a:t>언어 모델을 </a:t>
             </a:r>
             <a:r>
-              <a:rPr lang="ko-KR" altLang="en-US" sz="1200" dirty="0" smtClean="0"/>
+              <a:rPr lang="ko-KR" altLang="en-US" sz="1200" dirty="0">
+                <a:latin typeface="KoPubWorld돋움체 Medium" panose="00000600000000000000" pitchFamily="2" charset="-127"/>
+                <a:ea typeface="KoPubWorld돋움체 Medium" panose="00000600000000000000" pitchFamily="2" charset="-127"/>
+                <a:cs typeface="KoPubWorld돋움체 Medium" panose="00000600000000000000" pitchFamily="2" charset="-127"/>
+              </a:rPr>
               <a:t>학습 </a:t>
             </a:r>
-            <a:endParaRPr lang="en-US" altLang="ko-KR" sz="1200" dirty="0" smtClean="0"/>
-          </a:p>
-          <a:p>
-            <a:r>
-              <a:rPr lang="en-US" altLang="ko-KR" sz="1200" dirty="0" smtClean="0"/>
+            <a:endParaRPr lang="en-US" altLang="ko-KR" sz="1200" dirty="0">
+              <a:latin typeface="KoPubWorld돋움체 Medium" panose="00000600000000000000" pitchFamily="2" charset="-127"/>
+              <a:ea typeface="KoPubWorld돋움체 Medium" panose="00000600000000000000" pitchFamily="2" charset="-127"/>
+              <a:cs typeface="KoPubWorld돋움체 Medium" panose="00000600000000000000" pitchFamily="2" charset="-127"/>
+            </a:endParaRPr>
+          </a:p>
+          <a:p>
+            <a:r>
+              <a:rPr lang="en-US" altLang="ko-KR" sz="1200" dirty="0">
+                <a:latin typeface="KoPubWorld돋움체 Medium" panose="00000600000000000000" pitchFamily="2" charset="-127"/>
+                <a:ea typeface="KoPubWorld돋움체 Medium" panose="00000600000000000000" pitchFamily="2" charset="-127"/>
+                <a:cs typeface="KoPubWorld돋움체 Medium" panose="00000600000000000000" pitchFamily="2" charset="-127"/>
+              </a:rPr>
               <a:t>(2) </a:t>
             </a:r>
             <a:r>
-              <a:rPr lang="ko-KR" altLang="en-US" sz="1200" dirty="0" smtClean="0"/>
+              <a:rPr lang="ko-KR" altLang="en-US" sz="1200" dirty="0">
+                <a:latin typeface="KoPubWorld돋움체 Medium" panose="00000600000000000000" pitchFamily="2" charset="-127"/>
+                <a:ea typeface="KoPubWorld돋움체 Medium" panose="00000600000000000000" pitchFamily="2" charset="-127"/>
+                <a:cs typeface="KoPubWorld돋움체 Medium" panose="00000600000000000000" pitchFamily="2" charset="-127"/>
+              </a:rPr>
               <a:t>학습한 </a:t>
             </a:r>
             <a:r>
-              <a:rPr lang="en-US" altLang="ko-KR" sz="1200" dirty="0" smtClean="0"/>
+              <a:rPr lang="en-US" altLang="ko-KR" sz="1200" dirty="0">
+                <a:latin typeface="KoPubWorld돋움체 Medium" panose="00000600000000000000" pitchFamily="2" charset="-127"/>
+                <a:ea typeface="KoPubWorld돋움체 Medium" panose="00000600000000000000" pitchFamily="2" charset="-127"/>
+                <a:cs typeface="KoPubWorld돋움체 Medium" panose="00000600000000000000" pitchFamily="2" charset="-127"/>
+              </a:rPr>
               <a:t>LSTM</a:t>
             </a:r>
             <a:r>
-              <a:rPr lang="ko-KR" altLang="en-US" sz="1200" dirty="0"/>
+              <a:rPr lang="ko-KR" altLang="en-US" sz="1200" dirty="0">
+                <a:latin typeface="KoPubWorld돋움체 Medium" panose="00000600000000000000" pitchFamily="2" charset="-127"/>
+                <a:ea typeface="KoPubWorld돋움체 Medium" panose="00000600000000000000" pitchFamily="2" charset="-127"/>
+                <a:cs typeface="KoPubWorld돋움체 Medium" panose="00000600000000000000" pitchFamily="2" charset="-127"/>
+              </a:rPr>
               <a:t>을 텍스트 분류에 추가 </a:t>
             </a:r>
             <a:r>
-              <a:rPr lang="ko-KR" altLang="en-US" sz="1200" dirty="0" smtClean="0"/>
+              <a:rPr lang="ko-KR" altLang="en-US" sz="1200" dirty="0">
+                <a:latin typeface="KoPubWorld돋움체 Medium" panose="00000600000000000000" pitchFamily="2" charset="-127"/>
+                <a:ea typeface="KoPubWorld돋움체 Medium" panose="00000600000000000000" pitchFamily="2" charset="-127"/>
+                <a:cs typeface="KoPubWorld돋움체 Medium" panose="00000600000000000000" pitchFamily="2" charset="-127"/>
+              </a:rPr>
               <a:t>학습</a:t>
             </a:r>
-            <a:endParaRPr lang="en-US" altLang="ko-KR" sz="1200" dirty="0" smtClean="0"/>
-          </a:p>
-          <a:p>
-            <a:endParaRPr lang="en-US" altLang="ko-KR" sz="1200" dirty="0" smtClean="0"/>
-          </a:p>
-          <a:p>
-            <a:endParaRPr lang="en-US" altLang="ko-KR" sz="1200" dirty="0"/>
+            <a:endParaRPr lang="en-US" altLang="ko-KR" sz="1200" dirty="0">
+              <a:latin typeface="KoPubWorld돋움체 Medium" panose="00000600000000000000" pitchFamily="2" charset="-127"/>
+              <a:ea typeface="KoPubWorld돋움체 Medium" panose="00000600000000000000" pitchFamily="2" charset="-127"/>
+              <a:cs typeface="KoPubWorld돋움체 Medium" panose="00000600000000000000" pitchFamily="2" charset="-127"/>
+            </a:endParaRPr>
+          </a:p>
+          <a:p>
+            <a:endParaRPr lang="en-US" altLang="ko-KR" sz="1200" dirty="0">
+              <a:latin typeface="KoPubWorld돋움체 Medium" panose="00000600000000000000" pitchFamily="2" charset="-127"/>
+              <a:ea typeface="KoPubWorld돋움체 Medium" panose="00000600000000000000" pitchFamily="2" charset="-127"/>
+              <a:cs typeface="KoPubWorld돋움체 Medium" panose="00000600000000000000" pitchFamily="2" charset="-127"/>
+            </a:endParaRPr>
+          </a:p>
+          <a:p>
+            <a:endParaRPr lang="en-US" altLang="ko-KR" sz="1200" dirty="0">
+              <a:latin typeface="KoPubWorld돋움체 Medium" panose="00000600000000000000" pitchFamily="2" charset="-127"/>
+              <a:ea typeface="KoPubWorld돋움체 Medium" panose="00000600000000000000" pitchFamily="2" charset="-127"/>
+              <a:cs typeface="KoPubWorld돋움체 Medium" panose="00000600000000000000" pitchFamily="2" charset="-127"/>
+            </a:endParaRPr>
           </a:p>
         </p:txBody>
       </p:sp>
@@ -3771,7 +4518,7 @@
         </p:nvSpPr>
         <p:spPr>
           <a:xfrm>
-            <a:off x="6437682" y="4062970"/>
+            <a:off x="6725683" y="3598454"/>
             <a:ext cx="6153028" cy="461665"/>
           </a:xfrm>
           <a:prstGeom prst="rect">
@@ -3786,86 +4533,84 @@
           <a:lstStyle/>
           <a:p>
             <a:r>
-              <a:rPr lang="ko-KR" altLang="en-US" sz="1200" u="sng" dirty="0" smtClean="0"/>
+              <a:rPr lang="ko-KR" altLang="en-US" sz="1200" dirty="0">
+                <a:latin typeface="KoPubWorld돋움체 Medium" panose="00000600000000000000" pitchFamily="2" charset="-127"/>
+                <a:ea typeface="KoPubWorld돋움체 Medium" panose="00000600000000000000" pitchFamily="2" charset="-127"/>
+                <a:cs typeface="KoPubWorld돋움체 Medium" panose="00000600000000000000" pitchFamily="2" charset="-127"/>
+              </a:rPr>
               <a:t>레이블이 없는 데이터로 학습된 </a:t>
             </a:r>
             <a:r>
-              <a:rPr lang="en-US" altLang="ko-KR" sz="1200" u="sng" dirty="0" smtClean="0"/>
+              <a:rPr lang="en-US" altLang="ko-KR" sz="1200" dirty="0">
+                <a:latin typeface="KoPubWorld돋움체 Medium" panose="00000600000000000000" pitchFamily="2" charset="-127"/>
+                <a:ea typeface="KoPubWorld돋움체 Medium" panose="00000600000000000000" pitchFamily="2" charset="-127"/>
+                <a:cs typeface="KoPubWorld돋움체 Medium" panose="00000600000000000000" pitchFamily="2" charset="-127"/>
+              </a:rPr>
+              <a:t>LSTM VS </a:t>
+            </a:r>
+            <a:r>
+              <a:rPr lang="ko-KR" altLang="en-US" sz="1200" dirty="0">
+                <a:latin typeface="KoPubWorld돋움체 Medium" panose="00000600000000000000" pitchFamily="2" charset="-127"/>
+                <a:ea typeface="KoPubWorld돋움체 Medium" panose="00000600000000000000" pitchFamily="2" charset="-127"/>
+                <a:cs typeface="KoPubWorld돋움체 Medium" panose="00000600000000000000" pitchFamily="2" charset="-127"/>
+              </a:rPr>
+              <a:t>가중치가 랜덤으로 초기화된 </a:t>
+            </a:r>
+            <a:r>
+              <a:rPr lang="en-US" altLang="ko-KR" sz="1200" dirty="0">
+                <a:latin typeface="KoPubWorld돋움체 Medium" panose="00000600000000000000" pitchFamily="2" charset="-127"/>
+                <a:ea typeface="KoPubWorld돋움체 Medium" panose="00000600000000000000" pitchFamily="2" charset="-127"/>
+                <a:cs typeface="KoPubWorld돋움체 Medium" panose="00000600000000000000" pitchFamily="2" charset="-127"/>
+              </a:rPr>
               <a:t>LSTM</a:t>
             </a:r>
-            <a:r>
-              <a:rPr lang="en-US" altLang="ko-KR" sz="1200" dirty="0" smtClean="0"/>
-              <a:t> VS </a:t>
-            </a:r>
-            <a:r>
-              <a:rPr lang="ko-KR" altLang="en-US" sz="1200" u="sng" dirty="0" smtClean="0"/>
-              <a:t>가중치가 랜덤으로 초기화된 </a:t>
-            </a:r>
-            <a:r>
-              <a:rPr lang="en-US" altLang="ko-KR" sz="1200" u="sng" dirty="0" smtClean="0"/>
-              <a:t>LSTM</a:t>
-            </a:r>
-          </a:p>
-          <a:p>
-            <a:r>
-              <a:rPr lang="ko-KR" altLang="en-US" sz="1200" dirty="0" smtClean="0"/>
+          </a:p>
+          <a:p>
+            <a:r>
+              <a:rPr lang="ko-KR" altLang="en-US" sz="1200" dirty="0">
+                <a:latin typeface="KoPubWorld돋움체 Medium" panose="00000600000000000000" pitchFamily="2" charset="-127"/>
+                <a:ea typeface="KoPubWorld돋움체 Medium" panose="00000600000000000000" pitchFamily="2" charset="-127"/>
+                <a:cs typeface="KoPubWorld돋움체 Medium" panose="00000600000000000000" pitchFamily="2" charset="-127"/>
+              </a:rPr>
               <a:t>텍스트</a:t>
             </a:r>
             <a:r>
-              <a:rPr lang="en-US" altLang="ko-KR" sz="1200" dirty="0" smtClean="0"/>
+              <a:rPr lang="en-US" altLang="ko-KR" sz="1200" dirty="0">
+                <a:latin typeface="KoPubWorld돋움체 Medium" panose="00000600000000000000" pitchFamily="2" charset="-127"/>
+                <a:ea typeface="KoPubWorld돋움체 Medium" panose="00000600000000000000" pitchFamily="2" charset="-127"/>
+                <a:cs typeface="KoPubWorld돋움체 Medium" panose="00000600000000000000" pitchFamily="2" charset="-127"/>
+              </a:rPr>
               <a:t> </a:t>
             </a:r>
             <a:r>
-              <a:rPr lang="ko-KR" altLang="en-US" sz="1200" dirty="0" smtClean="0"/>
+              <a:rPr lang="ko-KR" altLang="en-US" sz="1200" dirty="0">
+                <a:latin typeface="KoPubWorld돋움체 Medium" panose="00000600000000000000" pitchFamily="2" charset="-127"/>
+                <a:ea typeface="KoPubWorld돋움체 Medium" panose="00000600000000000000" pitchFamily="2" charset="-127"/>
+                <a:cs typeface="KoPubWorld돋움체 Medium" panose="00000600000000000000" pitchFamily="2" charset="-127"/>
+              </a:rPr>
               <a:t>분류 문제와 같은 문제를 학습하여 전자의 경우가 더 좋은 성능을 얻음</a:t>
             </a:r>
             <a:r>
-              <a:rPr lang="en-US" altLang="ko-KR" sz="1200" dirty="0" smtClean="0"/>
+              <a:rPr lang="en-US" altLang="ko-KR" sz="1200" dirty="0">
+                <a:latin typeface="KoPubWorld돋움체 Medium" panose="00000600000000000000" pitchFamily="2" charset="-127"/>
+                <a:ea typeface="KoPubWorld돋움체 Medium" panose="00000600000000000000" pitchFamily="2" charset="-127"/>
+                <a:cs typeface="KoPubWorld돋움체 Medium" panose="00000600000000000000" pitchFamily="2" charset="-127"/>
+              </a:rPr>
               <a:t>.</a:t>
             </a:r>
           </a:p>
         </p:txBody>
       </p:sp>
-    </p:spTree>
-    <p:extLst>
-      <p:ext uri="{BB962C8B-B14F-4D97-AF65-F5344CB8AC3E}">
-        <p14:creationId xmlns:p14="http://schemas.microsoft.com/office/powerpoint/2010/main" val="1885714386"/>
-      </p:ext>
-    </p:extLst>
-  </p:cSld>
-  <p:clrMapOvr>
-    <a:masterClrMapping/>
-  </p:clrMapOvr>
-</p:sld>
-</file>
-
-<file path=ppt/slides/slide3.xml><?xml version="1.0" encoding="utf-8"?>
-<p:sld xmlns:a="http://schemas.openxmlformats.org/drawingml/2006/main" xmlns:r="http://schemas.openxmlformats.org/officeDocument/2006/relationships" xmlns:p="http://schemas.openxmlformats.org/presentationml/2006/main">
-  <p:cSld>
-    <p:spTree>
-      <p:nvGrpSpPr>
-        <p:cNvPr id="1" name=""/>
-        <p:cNvGrpSpPr/>
-        <p:nvPr/>
-      </p:nvGrpSpPr>
-      <p:grpSpPr>
-        <a:xfrm>
-          <a:off x="0" y="0"/>
-          <a:ext cx="0" cy="0"/>
-          <a:chOff x="0" y="0"/>
-          <a:chExt cx="0" cy="0"/>
-        </a:xfrm>
-      </p:grpSpPr>
-      <p:sp>
-        <p:nvSpPr>
-          <p:cNvPr id="5" name="TextBox 4"/>
+      <p:sp>
+        <p:nvSpPr>
+          <p:cNvPr id="13" name="TextBox 12"/>
           <p:cNvSpPr txBox="1"/>
           <p:nvPr/>
         </p:nvSpPr>
         <p:spPr>
           <a:xfrm>
-            <a:off x="495546" y="785859"/>
-            <a:ext cx="3520451" cy="369332"/>
+            <a:off x="345233" y="397552"/>
+            <a:ext cx="3360215" cy="369332"/>
           </a:xfrm>
           <a:prstGeom prst="rect">
             <a:avLst/>
@@ -3879,55 +4624,47 @@
           <a:lstStyle/>
           <a:p>
             <a:r>
-              <a:rPr lang="en-US" altLang="ko-KR" dirty="0" smtClean="0"/>
+              <a:rPr lang="en-US" altLang="ko-KR" dirty="0">
+                <a:latin typeface="KoPubWorld돋움체 Bold" panose="00000800000000000000" pitchFamily="2" charset="-127"/>
+                <a:ea typeface="KoPubWorld돋움체 Bold" panose="00000800000000000000" pitchFamily="2" charset="-127"/>
+                <a:cs typeface="KoPubWorld돋움체 Bold" panose="00000800000000000000" pitchFamily="2" charset="-127"/>
+              </a:rPr>
               <a:t>NLP</a:t>
             </a:r>
             <a:r>
-              <a:rPr lang="ko-KR" altLang="en-US" dirty="0" smtClean="0"/>
+              <a:rPr lang="ko-KR" altLang="en-US" dirty="0">
+                <a:latin typeface="KoPubWorld돋움체 Bold" panose="00000800000000000000" pitchFamily="2" charset="-127"/>
+                <a:ea typeface="KoPubWorld돋움체 Bold" panose="00000800000000000000" pitchFamily="2" charset="-127"/>
+                <a:cs typeface="KoPubWorld돋움체 Bold" panose="00000800000000000000" pitchFamily="2" charset="-127"/>
+              </a:rPr>
               <a:t>에서 사전 훈련</a:t>
             </a:r>
             <a:r>
-              <a:rPr lang="en-US" altLang="ko-KR" dirty="0" smtClean="0"/>
+              <a:rPr lang="en-US" altLang="ko-KR" dirty="0">
+                <a:latin typeface="KoPubWorld돋움체 Bold" panose="00000800000000000000" pitchFamily="2" charset="-127"/>
+                <a:ea typeface="KoPubWorld돋움체 Bold" panose="00000800000000000000" pitchFamily="2" charset="-127"/>
+                <a:cs typeface="KoPubWorld돋움체 Bold" panose="00000800000000000000" pitchFamily="2" charset="-127"/>
+              </a:rPr>
               <a:t>(Pre-training)</a:t>
             </a:r>
-            <a:endParaRPr lang="ko-KR" altLang="en-US" dirty="0"/>
-          </a:p>
-        </p:txBody>
-      </p:sp>
-      <p:pic>
-        <p:nvPicPr>
-          <p:cNvPr id="7" name="그림 6"/>
-          <p:cNvPicPr>
-            <a:picLocks noChangeAspect="1"/>
-          </p:cNvPicPr>
+            <a:endParaRPr lang="ko-KR" altLang="en-US" dirty="0">
+              <a:latin typeface="KoPubWorld돋움체 Bold" panose="00000800000000000000" pitchFamily="2" charset="-127"/>
+              <a:ea typeface="KoPubWorld돋움체 Bold" panose="00000800000000000000" pitchFamily="2" charset="-127"/>
+              <a:cs typeface="KoPubWorld돋움체 Bold" panose="00000800000000000000" pitchFamily="2" charset="-127"/>
+            </a:endParaRPr>
+          </a:p>
+        </p:txBody>
+      </p:sp>
+      <p:sp>
+        <p:nvSpPr>
+          <p:cNvPr id="15" name="TextBox 14"/>
+          <p:cNvSpPr txBox="1"/>
           <p:nvPr/>
-        </p:nvPicPr>
-        <p:blipFill>
-          <a:blip r:embed="rId2"/>
-          <a:stretch>
-            <a:fillRect/>
-          </a:stretch>
-        </p:blipFill>
+        </p:nvSpPr>
         <p:spPr>
           <a:xfrm>
-            <a:off x="360382" y="2995120"/>
-            <a:ext cx="6067425" cy="2543175"/>
-          </a:xfrm>
-          <a:prstGeom prst="rect">
-            <a:avLst/>
-          </a:prstGeom>
-        </p:spPr>
-      </p:pic>
-      <p:sp>
-        <p:nvSpPr>
-          <p:cNvPr id="8" name="TextBox 7"/>
-          <p:cNvSpPr txBox="1"/>
-          <p:nvPr/>
-        </p:nvSpPr>
-        <p:spPr>
-          <a:xfrm>
-            <a:off x="6760660" y="3327723"/>
-            <a:ext cx="5362513" cy="1200329"/>
+            <a:off x="9591553" y="72083"/>
+            <a:ext cx="2204450" cy="246221"/>
           </a:xfrm>
           <a:prstGeom prst="rect">
             <a:avLst/>
@@ -3935,204 +4672,80 @@
           <a:noFill/>
         </p:spPr>
         <p:txBody>
-          <a:bodyPr wrap="square" rtlCol="0">
+          <a:bodyPr wrap="none" rtlCol="0">
             <a:spAutoFit/>
           </a:bodyPr>
           <a:lstStyle/>
           <a:p>
             <a:r>
-              <a:rPr lang="en-US" altLang="ko-KR" sz="1200" dirty="0" err="1" smtClean="0"/>
-              <a:t>ELMo</a:t>
-            </a:r>
-            <a:endParaRPr lang="en-US" altLang="ko-KR" sz="1200" dirty="0" smtClean="0"/>
-          </a:p>
-          <a:p>
-            <a:endParaRPr lang="en-US" altLang="ko-KR" sz="1200" dirty="0" smtClean="0"/>
-          </a:p>
-          <a:p>
-            <a:r>
-              <a:rPr lang="en-US" altLang="ko-KR" sz="1200" dirty="0" smtClean="0"/>
-              <a:t>(1) LSTM </a:t>
-            </a:r>
-            <a:r>
-              <a:rPr lang="ko-KR" altLang="en-US" sz="1200" dirty="0"/>
-              <a:t>언어 모델을 </a:t>
-            </a:r>
-            <a:r>
-              <a:rPr lang="ko-KR" altLang="en-US" sz="1200" dirty="0" smtClean="0"/>
-              <a:t>학습 </a:t>
-            </a:r>
-            <a:endParaRPr lang="en-US" altLang="ko-KR" sz="1200" dirty="0" smtClean="0"/>
-          </a:p>
-          <a:p>
-            <a:r>
-              <a:rPr lang="en-US" altLang="ko-KR" sz="1200" dirty="0" smtClean="0"/>
-              <a:t>(2) </a:t>
-            </a:r>
-            <a:r>
-              <a:rPr lang="ko-KR" altLang="en-US" sz="1200" dirty="0" smtClean="0"/>
-              <a:t>학습한 </a:t>
-            </a:r>
-            <a:r>
-              <a:rPr lang="en-US" altLang="ko-KR" sz="1200" dirty="0" smtClean="0"/>
-              <a:t>LSTM</a:t>
-            </a:r>
-            <a:r>
-              <a:rPr lang="ko-KR" altLang="en-US" sz="1200" dirty="0"/>
-              <a:t>을 텍스트 분류에 추가 </a:t>
-            </a:r>
-            <a:r>
-              <a:rPr lang="ko-KR" altLang="en-US" sz="1200" dirty="0" smtClean="0"/>
-              <a:t>학습</a:t>
-            </a:r>
-            <a:endParaRPr lang="en-US" altLang="ko-KR" sz="1200" dirty="0" smtClean="0"/>
-          </a:p>
-          <a:p>
-            <a:endParaRPr lang="en-US" altLang="ko-KR" sz="1200" dirty="0" smtClean="0"/>
-          </a:p>
-          <a:p>
-            <a:endParaRPr lang="en-US" altLang="ko-KR" sz="1200" dirty="0"/>
-          </a:p>
-        </p:txBody>
-      </p:sp>
-      <p:sp>
-        <p:nvSpPr>
-          <p:cNvPr id="9" name="TextBox 8"/>
-          <p:cNvSpPr txBox="1"/>
-          <p:nvPr/>
-        </p:nvSpPr>
-        <p:spPr>
-          <a:xfrm>
-            <a:off x="615497" y="1331486"/>
-            <a:ext cx="11318897" cy="1200329"/>
-          </a:xfrm>
-          <a:prstGeom prst="rect">
-            <a:avLst/>
-          </a:prstGeom>
-          <a:noFill/>
-        </p:spPr>
-        <p:txBody>
-          <a:bodyPr wrap="square" rtlCol="0">
-            <a:spAutoFit/>
-          </a:bodyPr>
-          <a:lstStyle/>
-          <a:p>
-            <a:r>
-              <a:rPr lang="en-US" altLang="ko-KR" dirty="0"/>
-              <a:t>2</a:t>
-            </a:r>
-            <a:r>
-              <a:rPr lang="en-US" altLang="ko-KR" dirty="0" smtClean="0"/>
-              <a:t>. </a:t>
-            </a:r>
-            <a:r>
-              <a:rPr lang="ko-KR" altLang="en-US" dirty="0" smtClean="0"/>
-              <a:t>사전 훈련된 언어모델</a:t>
-            </a:r>
-            <a:endParaRPr lang="en-US" altLang="ko-KR" dirty="0" smtClean="0"/>
-          </a:p>
-          <a:p>
-            <a:r>
-              <a:rPr lang="ko-KR" altLang="en-US" dirty="0" smtClean="0"/>
-              <a:t>  </a:t>
-            </a:r>
-            <a:r>
-              <a:rPr lang="en-US" altLang="ko-KR" dirty="0" smtClean="0"/>
-              <a:t>- </a:t>
-            </a:r>
-            <a:r>
-              <a:rPr lang="ko-KR" altLang="en-US" dirty="0" smtClean="0"/>
-              <a:t>주어진 </a:t>
-            </a:r>
-            <a:r>
-              <a:rPr lang="ko-KR" altLang="en-US" dirty="0"/>
-              <a:t>텍스트로부터 이전 단어들로부터 다음 단어를 예측하도록 </a:t>
-            </a:r>
-            <a:r>
-              <a:rPr lang="ko-KR" altLang="en-US" dirty="0" smtClean="0"/>
-              <a:t>언어모델을 학습</a:t>
-            </a:r>
-            <a:endParaRPr lang="en-US" altLang="ko-KR" dirty="0" smtClean="0"/>
-          </a:p>
-          <a:p>
-            <a:r>
-              <a:rPr lang="en-US" altLang="ko-KR" dirty="0"/>
-              <a:t> </a:t>
-            </a:r>
-            <a:r>
-              <a:rPr lang="en-US" altLang="ko-KR" dirty="0" smtClean="0"/>
-              <a:t> - (</a:t>
-            </a:r>
-            <a:r>
-              <a:rPr lang="ko-KR" altLang="en-US" dirty="0" smtClean="0"/>
-              <a:t>장점</a:t>
-            </a:r>
-            <a:r>
-              <a:rPr lang="en-US" altLang="ko-KR" dirty="0" smtClean="0"/>
-              <a:t>) </a:t>
-            </a:r>
-            <a:r>
-              <a:rPr lang="ko-KR" altLang="en-US" dirty="0" smtClean="0"/>
-              <a:t>기본적으로 </a:t>
-            </a:r>
-            <a:r>
-              <a:rPr lang="ko-KR" altLang="en-US" dirty="0"/>
-              <a:t>별도의 레이블이 부착되지 않은 텍스트 데이터로도 학습 </a:t>
-            </a:r>
-            <a:r>
-              <a:rPr lang="ko-KR" altLang="en-US" dirty="0" smtClean="0"/>
-              <a:t>가능</a:t>
-            </a:r>
-            <a:endParaRPr lang="en-US" altLang="ko-KR" dirty="0" smtClean="0"/>
-          </a:p>
-          <a:p>
-            <a:r>
-              <a:rPr lang="ko-KR" altLang="en-US" dirty="0"/>
-              <a:t>문맥에 따라서 </a:t>
-            </a:r>
-            <a:r>
-              <a:rPr lang="ko-KR" altLang="en-US" dirty="0" err="1"/>
-              <a:t>임베딩</a:t>
-            </a:r>
-            <a:r>
-              <a:rPr lang="ko-KR" altLang="en-US" dirty="0"/>
-              <a:t> </a:t>
-            </a:r>
-            <a:r>
-              <a:rPr lang="ko-KR" altLang="en-US" dirty="0" err="1"/>
-              <a:t>벡터값이</a:t>
-            </a:r>
-            <a:r>
-              <a:rPr lang="ko-KR" altLang="en-US" dirty="0"/>
-              <a:t> 달라지므로</a:t>
-            </a:r>
-            <a:r>
-              <a:rPr lang="en-US" altLang="ko-KR" dirty="0"/>
-              <a:t>, </a:t>
-            </a:r>
-            <a:r>
-              <a:rPr lang="ko-KR" altLang="en-US" dirty="0" smtClean="0"/>
-              <a:t>다의어를 </a:t>
-            </a:r>
-            <a:r>
-              <a:rPr lang="ko-KR" altLang="en-US" dirty="0"/>
-              <a:t>구분할 수 없었던 문제점을 해결할 수 </a:t>
-            </a:r>
-            <a:r>
-              <a:rPr lang="ko-KR" altLang="en-US" dirty="0" smtClean="0"/>
-              <a:t>있음</a:t>
-            </a:r>
-            <a:r>
-              <a:rPr lang="en-US" altLang="ko-KR" dirty="0" smtClean="0"/>
-              <a:t>.</a:t>
-            </a:r>
+              <a:rPr lang="ko-KR" altLang="en-US" sz="1000" dirty="0" smtClean="0">
+                <a:solidFill>
+                  <a:schemeClr val="bg1">
+                    <a:lumMod val="75000"/>
+                  </a:schemeClr>
+                </a:solidFill>
+                <a:latin typeface="KoPubWorld돋움체 Light" panose="00000300000000000000" pitchFamily="2" charset="-127"/>
+                <a:ea typeface="KoPubWorld돋움체 Light" panose="00000300000000000000" pitchFamily="2" charset="-127"/>
+                <a:cs typeface="KoPubWorld돋움체 Light" panose="00000300000000000000" pitchFamily="2" charset="-127"/>
+              </a:rPr>
+              <a:t>출처</a:t>
+            </a:r>
+            <a:r>
+              <a:rPr lang="en-US" altLang="ko-KR" sz="1000" dirty="0" smtClean="0">
+                <a:solidFill>
+                  <a:schemeClr val="bg1">
+                    <a:lumMod val="75000"/>
+                  </a:schemeClr>
+                </a:solidFill>
+                <a:latin typeface="KoPubWorld돋움체 Light" panose="00000300000000000000" pitchFamily="2" charset="-127"/>
+                <a:ea typeface="KoPubWorld돋움체 Light" panose="00000300000000000000" pitchFamily="2" charset="-127"/>
+                <a:cs typeface="KoPubWorld돋움체 Light" panose="00000300000000000000" pitchFamily="2" charset="-127"/>
+              </a:rPr>
+              <a:t>: </a:t>
+            </a:r>
+            <a:r>
+              <a:rPr lang="ko-KR" altLang="en-US" sz="1000" dirty="0" err="1" smtClean="0">
+                <a:solidFill>
+                  <a:schemeClr val="bg1">
+                    <a:lumMod val="75000"/>
+                  </a:schemeClr>
+                </a:solidFill>
+                <a:latin typeface="KoPubWorld돋움체 Light" panose="00000300000000000000" pitchFamily="2" charset="-127"/>
+                <a:ea typeface="KoPubWorld돋움체 Light" panose="00000300000000000000" pitchFamily="2" charset="-127"/>
+                <a:cs typeface="KoPubWorld돋움체 Light" panose="00000300000000000000" pitchFamily="2" charset="-127"/>
+              </a:rPr>
+              <a:t>딥러닝을</a:t>
+            </a:r>
+            <a:r>
+              <a:rPr lang="ko-KR" altLang="en-US" sz="1000" dirty="0" smtClean="0">
+                <a:solidFill>
+                  <a:schemeClr val="bg1">
+                    <a:lumMod val="75000"/>
+                  </a:schemeClr>
+                </a:solidFill>
+                <a:latin typeface="KoPubWorld돋움체 Light" panose="00000300000000000000" pitchFamily="2" charset="-127"/>
+                <a:ea typeface="KoPubWorld돋움체 Light" panose="00000300000000000000" pitchFamily="2" charset="-127"/>
+                <a:cs typeface="KoPubWorld돋움체 Light" panose="00000300000000000000" pitchFamily="2" charset="-127"/>
+              </a:rPr>
+              <a:t> 이용한 자연어 처리 입문</a:t>
+            </a:r>
+            <a:endParaRPr lang="ko-KR" altLang="en-US" sz="1000" dirty="0">
+              <a:solidFill>
+                <a:schemeClr val="bg1">
+                  <a:lumMod val="75000"/>
+                </a:schemeClr>
+              </a:solidFill>
+              <a:latin typeface="KoPubWorld돋움체 Light" panose="00000300000000000000" pitchFamily="2" charset="-127"/>
+              <a:ea typeface="KoPubWorld돋움체 Light" panose="00000300000000000000" pitchFamily="2" charset="-127"/>
+              <a:cs typeface="KoPubWorld돋움체 Light" panose="00000300000000000000" pitchFamily="2" charset="-127"/>
+            </a:endParaRPr>
           </a:p>
         </p:txBody>
       </p:sp>
     </p:spTree>
     <p:extLst>
       <p:ext uri="{BB962C8B-B14F-4D97-AF65-F5344CB8AC3E}">
-        <p14:creationId xmlns:p14="http://schemas.microsoft.com/office/powerpoint/2010/main" val="4157190319"/>
+        <p14:creationId xmlns:p14="http://schemas.microsoft.com/office/powerpoint/2010/main" val="1885714386"/>
       </p:ext>
     </p:extLst>
   </p:cSld>
@@ -4159,239 +4772,9 @@
           <a:chExt cx="0" cy="0"/>
         </a:xfrm>
       </p:grpSpPr>
-      <p:sp>
-        <p:nvSpPr>
-          <p:cNvPr id="4" name="TextBox 3"/>
-          <p:cNvSpPr txBox="1"/>
-          <p:nvPr/>
-        </p:nvSpPr>
-        <p:spPr>
-          <a:xfrm>
-            <a:off x="615497" y="1331486"/>
-            <a:ext cx="11318897" cy="1200329"/>
-          </a:xfrm>
-          <a:prstGeom prst="rect">
-            <a:avLst/>
-          </a:prstGeom>
-          <a:noFill/>
-        </p:spPr>
-        <p:txBody>
-          <a:bodyPr wrap="square" rtlCol="0">
-            <a:spAutoFit/>
-          </a:bodyPr>
-          <a:lstStyle/>
-          <a:p>
-            <a:r>
-              <a:rPr lang="en-US" altLang="ko-KR" dirty="0"/>
-              <a:t>2</a:t>
-            </a:r>
-            <a:r>
-              <a:rPr lang="en-US" altLang="ko-KR" dirty="0" smtClean="0"/>
-              <a:t>. </a:t>
-            </a:r>
-            <a:r>
-              <a:rPr lang="ko-KR" altLang="en-US" dirty="0" smtClean="0"/>
-              <a:t>사전 훈련된 언어모델</a:t>
-            </a:r>
-            <a:endParaRPr lang="en-US" altLang="ko-KR" dirty="0" smtClean="0"/>
-          </a:p>
-          <a:p>
-            <a:r>
-              <a:rPr lang="ko-KR" altLang="en-US" dirty="0" smtClean="0"/>
-              <a:t>  </a:t>
-            </a:r>
-            <a:r>
-              <a:rPr lang="en-US" altLang="ko-KR" dirty="0" smtClean="0"/>
-              <a:t>- RNN </a:t>
-            </a:r>
-            <a:r>
-              <a:rPr lang="ko-KR" altLang="en-US" dirty="0" smtClean="0"/>
-              <a:t>계열의 신경망에서 탈피</a:t>
-            </a:r>
-            <a:endParaRPr lang="en-US" altLang="ko-KR" dirty="0" smtClean="0"/>
-          </a:p>
-          <a:p>
-            <a:r>
-              <a:rPr lang="en-US" altLang="ko-KR" dirty="0"/>
-              <a:t> </a:t>
-            </a:r>
-            <a:r>
-              <a:rPr lang="en-US" altLang="ko-KR" dirty="0" smtClean="0"/>
-              <a:t> - </a:t>
-            </a:r>
-            <a:r>
-              <a:rPr lang="ko-KR" altLang="en-US" dirty="0" smtClean="0"/>
-              <a:t>트랜스포머가 번역기와 같은 인코더</a:t>
-            </a:r>
-            <a:r>
-              <a:rPr lang="en-US" altLang="ko-KR" dirty="0" smtClean="0"/>
-              <a:t>-</a:t>
-            </a:r>
-            <a:r>
-              <a:rPr lang="ko-KR" altLang="en-US" dirty="0" err="1" smtClean="0"/>
-              <a:t>디코더</a:t>
-            </a:r>
-            <a:r>
-              <a:rPr lang="ko-KR" altLang="en-US" dirty="0" smtClean="0"/>
-              <a:t> 구조에서 </a:t>
-            </a:r>
-            <a:r>
-              <a:rPr lang="en-US" altLang="ko-KR" dirty="0" smtClean="0"/>
-              <a:t>LSTM</a:t>
-            </a:r>
-            <a:r>
-              <a:rPr lang="ko-KR" altLang="en-US" dirty="0" smtClean="0"/>
-              <a:t>을 뛰어넘는 좋은 성능을 얻자</a:t>
-            </a:r>
-            <a:r>
-              <a:rPr lang="en-US" altLang="ko-KR" dirty="0" smtClean="0"/>
-              <a:t>, LSTM</a:t>
-            </a:r>
-            <a:r>
-              <a:rPr lang="ko-KR" altLang="en-US" dirty="0" smtClean="0"/>
-              <a:t>이 아닌 트랜스포머로 사전 훈련된 언어 모델을 학습하는 시도가 등장</a:t>
-            </a:r>
-          </a:p>
-        </p:txBody>
-      </p:sp>
-      <p:sp>
-        <p:nvSpPr>
-          <p:cNvPr id="6" name="TextBox 5"/>
-          <p:cNvSpPr txBox="1"/>
-          <p:nvPr/>
-        </p:nvSpPr>
-        <p:spPr>
-          <a:xfrm>
-            <a:off x="495546" y="785859"/>
-            <a:ext cx="3520451" cy="369332"/>
-          </a:xfrm>
-          <a:prstGeom prst="rect">
-            <a:avLst/>
-          </a:prstGeom>
-          <a:noFill/>
-        </p:spPr>
-        <p:txBody>
-          <a:bodyPr wrap="none" rtlCol="0">
-            <a:spAutoFit/>
-          </a:bodyPr>
-          <a:lstStyle/>
-          <a:p>
-            <a:r>
-              <a:rPr lang="en-US" altLang="ko-KR" dirty="0" smtClean="0"/>
-              <a:t>NLP</a:t>
-            </a:r>
-            <a:r>
-              <a:rPr lang="ko-KR" altLang="en-US" dirty="0" smtClean="0"/>
-              <a:t>에서 사전 훈련</a:t>
-            </a:r>
-            <a:r>
-              <a:rPr lang="en-US" altLang="ko-KR" dirty="0" smtClean="0"/>
-              <a:t>(Pre-training)</a:t>
-            </a:r>
-            <a:endParaRPr lang="ko-KR" altLang="en-US" dirty="0"/>
-          </a:p>
-        </p:txBody>
-      </p:sp>
-      <p:sp>
-        <p:nvSpPr>
-          <p:cNvPr id="7" name="TextBox 6"/>
-          <p:cNvSpPr txBox="1"/>
-          <p:nvPr/>
-        </p:nvSpPr>
-        <p:spPr>
-          <a:xfrm>
-            <a:off x="6508952" y="3198167"/>
-            <a:ext cx="4516943" cy="830997"/>
-          </a:xfrm>
-          <a:prstGeom prst="rect">
-            <a:avLst/>
-          </a:prstGeom>
-          <a:noFill/>
-        </p:spPr>
-        <p:txBody>
-          <a:bodyPr wrap="square" rtlCol="0">
-            <a:spAutoFit/>
-          </a:bodyPr>
-          <a:lstStyle/>
-          <a:p>
-            <a:r>
-              <a:rPr lang="en-US" altLang="ko-KR" sz="1200" dirty="0" smtClean="0"/>
-              <a:t>GPT-1</a:t>
-            </a:r>
-          </a:p>
-          <a:p>
-            <a:r>
-              <a:rPr lang="en-US" altLang="ko-KR" sz="1200" dirty="0" smtClean="0"/>
-              <a:t>- Open AI</a:t>
-            </a:r>
-            <a:r>
-              <a:rPr lang="ko-KR" altLang="en-US" sz="1200" dirty="0" smtClean="0"/>
-              <a:t>는</a:t>
-            </a:r>
-            <a:r>
-              <a:rPr lang="en-US" altLang="ko-KR" sz="1200" dirty="0" smtClean="0"/>
-              <a:t> </a:t>
-            </a:r>
-            <a:r>
-              <a:rPr lang="ko-KR" altLang="en-US" sz="1200" dirty="0" smtClean="0"/>
-              <a:t>트랜스포머 </a:t>
-            </a:r>
-            <a:r>
-              <a:rPr lang="ko-KR" altLang="en-US" sz="1200" dirty="0" err="1"/>
-              <a:t>디코더로</a:t>
-            </a:r>
-            <a:r>
-              <a:rPr lang="ko-KR" altLang="en-US" sz="1200" dirty="0"/>
-              <a:t> 총 </a:t>
-            </a:r>
-            <a:r>
-              <a:rPr lang="en-US" altLang="ko-KR" sz="1200" dirty="0"/>
-              <a:t>12</a:t>
-            </a:r>
-            <a:r>
-              <a:rPr lang="ko-KR" altLang="en-US" sz="1200" dirty="0"/>
-              <a:t>개의 층을 쌓은 후에 방대한 텍스트 데이터를 학습시킨 언어 </a:t>
-            </a:r>
-            <a:r>
-              <a:rPr lang="ko-KR" altLang="en-US" sz="1200" dirty="0" smtClean="0"/>
-              <a:t>모델을 </a:t>
-            </a:r>
-            <a:r>
-              <a:rPr lang="ko-KR" altLang="en-US" sz="1200" dirty="0" err="1" smtClean="0"/>
-              <a:t>만듬</a:t>
-            </a:r>
-            <a:r>
-              <a:rPr lang="en-US" altLang="ko-KR" sz="1200" dirty="0" smtClean="0"/>
-              <a:t>.</a:t>
-            </a:r>
-          </a:p>
-          <a:p>
-            <a:r>
-              <a:rPr lang="en-US" altLang="ko-KR" sz="1200" dirty="0" smtClean="0"/>
-              <a:t>- </a:t>
-            </a:r>
-            <a:r>
-              <a:rPr lang="ko-KR" altLang="en-US" sz="1200" dirty="0" smtClean="0"/>
-              <a:t>다양한 태스크에서 높은 </a:t>
-            </a:r>
-            <a:r>
-              <a:rPr lang="ko-KR" altLang="en-US" sz="1200" dirty="0"/>
-              <a:t>성능을 얻을 수 있음을 </a:t>
-            </a:r>
-            <a:r>
-              <a:rPr lang="ko-KR" altLang="en-US" sz="1200" dirty="0" smtClean="0"/>
-              <a:t>입증함</a:t>
-            </a:r>
-            <a:r>
-              <a:rPr lang="en-US" altLang="ko-KR" sz="1200" dirty="0" smtClean="0"/>
-              <a:t>.</a:t>
-            </a:r>
-          </a:p>
-        </p:txBody>
-      </p:sp>
       <p:pic>
         <p:nvPicPr>
-          <p:cNvPr id="8" name="그림 7"/>
+          <p:cNvPr id="7" name="그림 6"/>
           <p:cNvPicPr>
             <a:picLocks noChangeAspect="1"/>
           </p:cNvPicPr>
@@ -4405,18 +4788,534 @@
         </p:blipFill>
         <p:spPr>
           <a:xfrm>
-            <a:off x="463231" y="2812302"/>
-            <a:ext cx="5810250" cy="2790825"/>
+            <a:off x="360382" y="2995120"/>
+            <a:ext cx="6067425" cy="2543175"/>
           </a:xfrm>
           <a:prstGeom prst="rect">
             <a:avLst/>
           </a:prstGeom>
         </p:spPr>
       </p:pic>
+      <p:sp>
+        <p:nvSpPr>
+          <p:cNvPr id="8" name="TextBox 7"/>
+          <p:cNvSpPr txBox="1"/>
+          <p:nvPr/>
+        </p:nvSpPr>
+        <p:spPr>
+          <a:xfrm>
+            <a:off x="6670461" y="3311821"/>
+            <a:ext cx="5362513" cy="1200329"/>
+          </a:xfrm>
+          <a:prstGeom prst="rect">
+            <a:avLst/>
+          </a:prstGeom>
+          <a:noFill/>
+        </p:spPr>
+        <p:txBody>
+          <a:bodyPr wrap="square" rtlCol="0">
+            <a:spAutoFit/>
+          </a:bodyPr>
+          <a:lstStyle/>
+          <a:p>
+            <a:r>
+              <a:rPr lang="en-US" altLang="ko-KR" sz="1200" dirty="0" err="1">
+                <a:latin typeface="KoPubWorld돋움체 Medium" panose="00000600000000000000" pitchFamily="2" charset="-127"/>
+                <a:ea typeface="KoPubWorld돋움체 Medium" panose="00000600000000000000" pitchFamily="2" charset="-127"/>
+                <a:cs typeface="KoPubWorld돋움체 Medium" panose="00000600000000000000" pitchFamily="2" charset="-127"/>
+              </a:rPr>
+              <a:t>ELMo</a:t>
+            </a:r>
+            <a:endParaRPr lang="en-US" altLang="ko-KR" sz="1200" dirty="0">
+              <a:latin typeface="KoPubWorld돋움체 Medium" panose="00000600000000000000" pitchFamily="2" charset="-127"/>
+              <a:ea typeface="KoPubWorld돋움체 Medium" panose="00000600000000000000" pitchFamily="2" charset="-127"/>
+              <a:cs typeface="KoPubWorld돋움체 Medium" panose="00000600000000000000" pitchFamily="2" charset="-127"/>
+            </a:endParaRPr>
+          </a:p>
+          <a:p>
+            <a:endParaRPr lang="en-US" altLang="ko-KR" sz="1200" dirty="0">
+              <a:latin typeface="KoPubWorld돋움체 Medium" panose="00000600000000000000" pitchFamily="2" charset="-127"/>
+              <a:ea typeface="KoPubWorld돋움체 Medium" panose="00000600000000000000" pitchFamily="2" charset="-127"/>
+              <a:cs typeface="KoPubWorld돋움체 Medium" panose="00000600000000000000" pitchFamily="2" charset="-127"/>
+            </a:endParaRPr>
+          </a:p>
+          <a:p>
+            <a:r>
+              <a:rPr lang="en-US" altLang="ko-KR" sz="1200" dirty="0">
+                <a:latin typeface="KoPubWorld돋움체 Medium" panose="00000600000000000000" pitchFamily="2" charset="-127"/>
+                <a:ea typeface="KoPubWorld돋움체 Medium" panose="00000600000000000000" pitchFamily="2" charset="-127"/>
+                <a:cs typeface="KoPubWorld돋움체 Medium" panose="00000600000000000000" pitchFamily="2" charset="-127"/>
+              </a:rPr>
+              <a:t>(1) </a:t>
+            </a:r>
+            <a:r>
+              <a:rPr lang="ko-KR" altLang="en-US" sz="1200" dirty="0" smtClean="0">
+                <a:latin typeface="KoPubWorld돋움체 Medium" panose="00000600000000000000" pitchFamily="2" charset="-127"/>
+                <a:ea typeface="KoPubWorld돋움체 Medium" panose="00000600000000000000" pitchFamily="2" charset="-127"/>
+                <a:cs typeface="KoPubWorld돋움체 Medium" panose="00000600000000000000" pitchFamily="2" charset="-127"/>
+              </a:rPr>
+              <a:t>순방향과 역방향 언어 모델 각각 </a:t>
+            </a:r>
+            <a:r>
+              <a:rPr lang="ko-KR" altLang="en-US" sz="1200" dirty="0">
+                <a:latin typeface="KoPubWorld돋움체 Medium" panose="00000600000000000000" pitchFamily="2" charset="-127"/>
+                <a:ea typeface="KoPubWorld돋움체 Medium" panose="00000600000000000000" pitchFamily="2" charset="-127"/>
+                <a:cs typeface="KoPubWorld돋움체 Medium" panose="00000600000000000000" pitchFamily="2" charset="-127"/>
+              </a:rPr>
+              <a:t>학습 </a:t>
+            </a:r>
+            <a:endParaRPr lang="en-US" altLang="ko-KR" sz="1200" dirty="0">
+              <a:latin typeface="KoPubWorld돋움체 Medium" panose="00000600000000000000" pitchFamily="2" charset="-127"/>
+              <a:ea typeface="KoPubWorld돋움체 Medium" panose="00000600000000000000" pitchFamily="2" charset="-127"/>
+              <a:cs typeface="KoPubWorld돋움체 Medium" panose="00000600000000000000" pitchFamily="2" charset="-127"/>
+            </a:endParaRPr>
+          </a:p>
+          <a:p>
+            <a:r>
+              <a:rPr lang="en-US" altLang="ko-KR" sz="1200" dirty="0">
+                <a:latin typeface="KoPubWorld돋움체 Medium" panose="00000600000000000000" pitchFamily="2" charset="-127"/>
+                <a:ea typeface="KoPubWorld돋움체 Medium" panose="00000600000000000000" pitchFamily="2" charset="-127"/>
+                <a:cs typeface="KoPubWorld돋움체 Medium" panose="00000600000000000000" pitchFamily="2" charset="-127"/>
+              </a:rPr>
+              <a:t>(2) </a:t>
+            </a:r>
+            <a:r>
+              <a:rPr lang="ko-KR" altLang="en-US" sz="1200" dirty="0" smtClean="0">
+                <a:latin typeface="KoPubWorld돋움체 Medium" panose="00000600000000000000" pitchFamily="2" charset="-127"/>
+                <a:ea typeface="KoPubWorld돋움체 Medium" panose="00000600000000000000" pitchFamily="2" charset="-127"/>
+                <a:cs typeface="KoPubWorld돋움체 Medium" panose="00000600000000000000" pitchFamily="2" charset="-127"/>
+              </a:rPr>
+              <a:t>사전 훈련된 </a:t>
+            </a:r>
+            <a:r>
+              <a:rPr lang="ko-KR" altLang="en-US" sz="1200" dirty="0" err="1" smtClean="0">
+                <a:latin typeface="KoPubWorld돋움체 Medium" panose="00000600000000000000" pitchFamily="2" charset="-127"/>
+                <a:ea typeface="KoPubWorld돋움체 Medium" panose="00000600000000000000" pitchFamily="2" charset="-127"/>
+                <a:cs typeface="KoPubWorld돋움체 Medium" panose="00000600000000000000" pitchFamily="2" charset="-127"/>
+              </a:rPr>
+              <a:t>임베딩에</a:t>
+            </a:r>
+            <a:r>
+              <a:rPr lang="ko-KR" altLang="en-US" sz="1200" dirty="0" smtClean="0">
+                <a:latin typeface="KoPubWorld돋움체 Medium" panose="00000600000000000000" pitchFamily="2" charset="-127"/>
+                <a:ea typeface="KoPubWorld돋움체 Medium" panose="00000600000000000000" pitchFamily="2" charset="-127"/>
+                <a:cs typeface="KoPubWorld돋움체 Medium" panose="00000600000000000000" pitchFamily="2" charset="-127"/>
+              </a:rPr>
+              <a:t> 사용</a:t>
+            </a:r>
+            <a:endParaRPr lang="en-US" altLang="ko-KR" sz="1200" dirty="0">
+              <a:latin typeface="KoPubWorld돋움체 Medium" panose="00000600000000000000" pitchFamily="2" charset="-127"/>
+              <a:ea typeface="KoPubWorld돋움체 Medium" panose="00000600000000000000" pitchFamily="2" charset="-127"/>
+              <a:cs typeface="KoPubWorld돋움체 Medium" panose="00000600000000000000" pitchFamily="2" charset="-127"/>
+            </a:endParaRPr>
+          </a:p>
+          <a:p>
+            <a:endParaRPr lang="en-US" altLang="ko-KR" sz="1200" dirty="0">
+              <a:latin typeface="KoPubWorld돋움체 Medium" panose="00000600000000000000" pitchFamily="2" charset="-127"/>
+              <a:ea typeface="KoPubWorld돋움체 Medium" panose="00000600000000000000" pitchFamily="2" charset="-127"/>
+              <a:cs typeface="KoPubWorld돋움체 Medium" panose="00000600000000000000" pitchFamily="2" charset="-127"/>
+            </a:endParaRPr>
+          </a:p>
+          <a:p>
+            <a:endParaRPr lang="en-US" altLang="ko-KR" sz="1200" dirty="0">
+              <a:latin typeface="KoPubWorld돋움체 Medium" panose="00000600000000000000" pitchFamily="2" charset="-127"/>
+              <a:ea typeface="KoPubWorld돋움체 Medium" panose="00000600000000000000" pitchFamily="2" charset="-127"/>
+              <a:cs typeface="KoPubWorld돋움체 Medium" panose="00000600000000000000" pitchFamily="2" charset="-127"/>
+            </a:endParaRPr>
+          </a:p>
+        </p:txBody>
+      </p:sp>
+      <p:sp>
+        <p:nvSpPr>
+          <p:cNvPr id="9" name="TextBox 8"/>
+          <p:cNvSpPr txBox="1"/>
+          <p:nvPr/>
+        </p:nvSpPr>
+        <p:spPr>
+          <a:xfrm>
+            <a:off x="615497" y="1331486"/>
+            <a:ext cx="11318897" cy="984885"/>
+          </a:xfrm>
+          <a:prstGeom prst="rect">
+            <a:avLst/>
+          </a:prstGeom>
+          <a:noFill/>
+        </p:spPr>
+        <p:txBody>
+          <a:bodyPr wrap="square" rtlCol="0">
+            <a:spAutoFit/>
+          </a:bodyPr>
+          <a:lstStyle/>
+          <a:p>
+            <a:r>
+              <a:rPr lang="en-US" altLang="ko-KR" sz="1600" dirty="0">
+                <a:latin typeface="KoPubWorld돋움체 Medium" panose="00000600000000000000" pitchFamily="2" charset="-127"/>
+                <a:ea typeface="KoPubWorld돋움체 Medium" panose="00000600000000000000" pitchFamily="2" charset="-127"/>
+                <a:cs typeface="KoPubWorld돋움체 Medium" panose="00000600000000000000" pitchFamily="2" charset="-127"/>
+              </a:rPr>
+              <a:t>2</a:t>
+            </a:r>
+            <a:r>
+              <a:rPr lang="en-US" altLang="ko-KR" sz="1600" dirty="0">
+                <a:latin typeface="KoPubWorld돋움체 Medium" panose="00000600000000000000" pitchFamily="2" charset="-127"/>
+                <a:ea typeface="KoPubWorld돋움체 Medium" panose="00000600000000000000" pitchFamily="2" charset="-127"/>
+                <a:cs typeface="KoPubWorld돋움체 Medium" panose="00000600000000000000" pitchFamily="2" charset="-127"/>
+              </a:rPr>
+              <a:t>. </a:t>
+            </a:r>
+            <a:r>
+              <a:rPr lang="ko-KR" altLang="en-US" sz="1600" dirty="0">
+                <a:latin typeface="KoPubWorld돋움체 Medium" panose="00000600000000000000" pitchFamily="2" charset="-127"/>
+                <a:ea typeface="KoPubWorld돋움체 Medium" panose="00000600000000000000" pitchFamily="2" charset="-127"/>
+                <a:cs typeface="KoPubWorld돋움체 Medium" panose="00000600000000000000" pitchFamily="2" charset="-127"/>
+              </a:rPr>
+              <a:t>사전 훈련된 언어모델</a:t>
+            </a:r>
+            <a:endParaRPr lang="en-US" altLang="ko-KR" sz="1600" dirty="0">
+              <a:latin typeface="KoPubWorld돋움체 Medium" panose="00000600000000000000" pitchFamily="2" charset="-127"/>
+              <a:ea typeface="KoPubWorld돋움체 Medium" panose="00000600000000000000" pitchFamily="2" charset="-127"/>
+              <a:cs typeface="KoPubWorld돋움체 Medium" panose="00000600000000000000" pitchFamily="2" charset="-127"/>
+            </a:endParaRPr>
+          </a:p>
+          <a:p>
+            <a:r>
+              <a:rPr lang="ko-KR" altLang="en-US" sz="1400" dirty="0">
+                <a:latin typeface="KoPubWorld돋움체 Medium" panose="00000600000000000000" pitchFamily="2" charset="-127"/>
+                <a:ea typeface="KoPubWorld돋움체 Medium" panose="00000600000000000000" pitchFamily="2" charset="-127"/>
+                <a:cs typeface="KoPubWorld돋움체 Medium" panose="00000600000000000000" pitchFamily="2" charset="-127"/>
+              </a:rPr>
+              <a:t>  </a:t>
+            </a:r>
+            <a:r>
+              <a:rPr lang="en-US" altLang="ko-KR" sz="1400" dirty="0">
+                <a:latin typeface="KoPubWorld돋움체 Medium" panose="00000600000000000000" pitchFamily="2" charset="-127"/>
+                <a:ea typeface="KoPubWorld돋움체 Medium" panose="00000600000000000000" pitchFamily="2" charset="-127"/>
+                <a:cs typeface="KoPubWorld돋움체 Medium" panose="00000600000000000000" pitchFamily="2" charset="-127"/>
+              </a:rPr>
+              <a:t>- </a:t>
+            </a:r>
+            <a:r>
+              <a:rPr lang="ko-KR" altLang="en-US" sz="1400" dirty="0">
+                <a:latin typeface="KoPubWorld돋움체 Medium" panose="00000600000000000000" pitchFamily="2" charset="-127"/>
+                <a:ea typeface="KoPubWorld돋움체 Medium" panose="00000600000000000000" pitchFamily="2" charset="-127"/>
+                <a:cs typeface="KoPubWorld돋움체 Medium" panose="00000600000000000000" pitchFamily="2" charset="-127"/>
+              </a:rPr>
+              <a:t>주어진 </a:t>
+            </a:r>
+            <a:r>
+              <a:rPr lang="ko-KR" altLang="en-US" sz="1400" dirty="0">
+                <a:latin typeface="KoPubWorld돋움체 Medium" panose="00000600000000000000" pitchFamily="2" charset="-127"/>
+                <a:ea typeface="KoPubWorld돋움체 Medium" panose="00000600000000000000" pitchFamily="2" charset="-127"/>
+                <a:cs typeface="KoPubWorld돋움체 Medium" panose="00000600000000000000" pitchFamily="2" charset="-127"/>
+              </a:rPr>
+              <a:t>텍스트로부터 이전 단어들로부터 다음 단어를 예측하도록 </a:t>
+            </a:r>
+            <a:r>
+              <a:rPr lang="ko-KR" altLang="en-US" sz="1400" dirty="0">
+                <a:latin typeface="KoPubWorld돋움체 Medium" panose="00000600000000000000" pitchFamily="2" charset="-127"/>
+                <a:ea typeface="KoPubWorld돋움체 Medium" panose="00000600000000000000" pitchFamily="2" charset="-127"/>
+                <a:cs typeface="KoPubWorld돋움체 Medium" panose="00000600000000000000" pitchFamily="2" charset="-127"/>
+              </a:rPr>
+              <a:t>언어모델을 학습</a:t>
+            </a:r>
+            <a:endParaRPr lang="en-US" altLang="ko-KR" sz="1400" dirty="0">
+              <a:latin typeface="KoPubWorld돋움체 Medium" panose="00000600000000000000" pitchFamily="2" charset="-127"/>
+              <a:ea typeface="KoPubWorld돋움체 Medium" panose="00000600000000000000" pitchFamily="2" charset="-127"/>
+              <a:cs typeface="KoPubWorld돋움체 Medium" panose="00000600000000000000" pitchFamily="2" charset="-127"/>
+            </a:endParaRPr>
+          </a:p>
+          <a:p>
+            <a:r>
+              <a:rPr lang="en-US" altLang="ko-KR" sz="1400" dirty="0">
+                <a:latin typeface="KoPubWorld돋움체 Medium" panose="00000600000000000000" pitchFamily="2" charset="-127"/>
+                <a:ea typeface="KoPubWorld돋움체 Medium" panose="00000600000000000000" pitchFamily="2" charset="-127"/>
+                <a:cs typeface="KoPubWorld돋움체 Medium" panose="00000600000000000000" pitchFamily="2" charset="-127"/>
+              </a:rPr>
+              <a:t> </a:t>
+            </a:r>
+            <a:r>
+              <a:rPr lang="en-US" altLang="ko-KR" sz="1400" dirty="0">
+                <a:latin typeface="KoPubWorld돋움체 Medium" panose="00000600000000000000" pitchFamily="2" charset="-127"/>
+                <a:ea typeface="KoPubWorld돋움체 Medium" panose="00000600000000000000" pitchFamily="2" charset="-127"/>
+                <a:cs typeface="KoPubWorld돋움체 Medium" panose="00000600000000000000" pitchFamily="2" charset="-127"/>
+              </a:rPr>
+              <a:t> - (</a:t>
+            </a:r>
+            <a:r>
+              <a:rPr lang="ko-KR" altLang="en-US" sz="1400" dirty="0">
+                <a:latin typeface="KoPubWorld돋움체 Medium" panose="00000600000000000000" pitchFamily="2" charset="-127"/>
+                <a:ea typeface="KoPubWorld돋움체 Medium" panose="00000600000000000000" pitchFamily="2" charset="-127"/>
+                <a:cs typeface="KoPubWorld돋움체 Medium" panose="00000600000000000000" pitchFamily="2" charset="-127"/>
+              </a:rPr>
+              <a:t>장점</a:t>
+            </a:r>
+            <a:r>
+              <a:rPr lang="en-US" altLang="ko-KR" sz="1400" dirty="0">
+                <a:latin typeface="KoPubWorld돋움체 Medium" panose="00000600000000000000" pitchFamily="2" charset="-127"/>
+                <a:ea typeface="KoPubWorld돋움체 Medium" panose="00000600000000000000" pitchFamily="2" charset="-127"/>
+                <a:cs typeface="KoPubWorld돋움체 Medium" panose="00000600000000000000" pitchFamily="2" charset="-127"/>
+              </a:rPr>
+              <a:t>) </a:t>
+            </a:r>
+            <a:r>
+              <a:rPr lang="ko-KR" altLang="en-US" sz="1400" dirty="0">
+                <a:latin typeface="KoPubWorld돋움체 Medium" panose="00000600000000000000" pitchFamily="2" charset="-127"/>
+                <a:ea typeface="KoPubWorld돋움체 Medium" panose="00000600000000000000" pitchFamily="2" charset="-127"/>
+                <a:cs typeface="KoPubWorld돋움체 Medium" panose="00000600000000000000" pitchFamily="2" charset="-127"/>
+              </a:rPr>
+              <a:t>기본적으로 </a:t>
+            </a:r>
+            <a:r>
+              <a:rPr lang="ko-KR" altLang="en-US" sz="1400" dirty="0">
+                <a:latin typeface="KoPubWorld돋움체 Medium" panose="00000600000000000000" pitchFamily="2" charset="-127"/>
+                <a:ea typeface="KoPubWorld돋움체 Medium" panose="00000600000000000000" pitchFamily="2" charset="-127"/>
+                <a:cs typeface="KoPubWorld돋움체 Medium" panose="00000600000000000000" pitchFamily="2" charset="-127"/>
+              </a:rPr>
+              <a:t>별도의 레이블이 부착되지 않은 텍스트 데이터로도 학습 </a:t>
+            </a:r>
+            <a:r>
+              <a:rPr lang="ko-KR" altLang="en-US" sz="1400" dirty="0">
+                <a:latin typeface="KoPubWorld돋움체 Medium" panose="00000600000000000000" pitchFamily="2" charset="-127"/>
+                <a:ea typeface="KoPubWorld돋움체 Medium" panose="00000600000000000000" pitchFamily="2" charset="-127"/>
+                <a:cs typeface="KoPubWorld돋움체 Medium" panose="00000600000000000000" pitchFamily="2" charset="-127"/>
+              </a:rPr>
+              <a:t>가능</a:t>
+            </a:r>
+            <a:endParaRPr lang="en-US" altLang="ko-KR" sz="1400" dirty="0">
+              <a:latin typeface="KoPubWorld돋움체 Medium" panose="00000600000000000000" pitchFamily="2" charset="-127"/>
+              <a:ea typeface="KoPubWorld돋움체 Medium" panose="00000600000000000000" pitchFamily="2" charset="-127"/>
+              <a:cs typeface="KoPubWorld돋움체 Medium" panose="00000600000000000000" pitchFamily="2" charset="-127"/>
+            </a:endParaRPr>
+          </a:p>
+          <a:p>
+            <a:r>
+              <a:rPr lang="ko-KR" altLang="en-US" sz="1400" dirty="0">
+                <a:latin typeface="KoPubWorld돋움체 Medium" panose="00000600000000000000" pitchFamily="2" charset="-127"/>
+                <a:ea typeface="KoPubWorld돋움체 Medium" panose="00000600000000000000" pitchFamily="2" charset="-127"/>
+                <a:cs typeface="KoPubWorld돋움체 Medium" panose="00000600000000000000" pitchFamily="2" charset="-127"/>
+              </a:rPr>
+              <a:t>문맥에 따라서 </a:t>
+            </a:r>
+            <a:r>
+              <a:rPr lang="ko-KR" altLang="en-US" sz="1400" dirty="0" err="1">
+                <a:latin typeface="KoPubWorld돋움체 Medium" panose="00000600000000000000" pitchFamily="2" charset="-127"/>
+                <a:ea typeface="KoPubWorld돋움체 Medium" panose="00000600000000000000" pitchFamily="2" charset="-127"/>
+                <a:cs typeface="KoPubWorld돋움체 Medium" panose="00000600000000000000" pitchFamily="2" charset="-127"/>
+              </a:rPr>
+              <a:t>임베딩</a:t>
+            </a:r>
+            <a:r>
+              <a:rPr lang="ko-KR" altLang="en-US" sz="1400" dirty="0">
+                <a:latin typeface="KoPubWorld돋움체 Medium" panose="00000600000000000000" pitchFamily="2" charset="-127"/>
+                <a:ea typeface="KoPubWorld돋움체 Medium" panose="00000600000000000000" pitchFamily="2" charset="-127"/>
+                <a:cs typeface="KoPubWorld돋움체 Medium" panose="00000600000000000000" pitchFamily="2" charset="-127"/>
+              </a:rPr>
+              <a:t> </a:t>
+            </a:r>
+            <a:r>
+              <a:rPr lang="ko-KR" altLang="en-US" sz="1400" dirty="0" err="1">
+                <a:latin typeface="KoPubWorld돋움체 Medium" panose="00000600000000000000" pitchFamily="2" charset="-127"/>
+                <a:ea typeface="KoPubWorld돋움체 Medium" panose="00000600000000000000" pitchFamily="2" charset="-127"/>
+                <a:cs typeface="KoPubWorld돋움체 Medium" panose="00000600000000000000" pitchFamily="2" charset="-127"/>
+              </a:rPr>
+              <a:t>벡터값이</a:t>
+            </a:r>
+            <a:r>
+              <a:rPr lang="ko-KR" altLang="en-US" sz="1400" dirty="0">
+                <a:latin typeface="KoPubWorld돋움체 Medium" panose="00000600000000000000" pitchFamily="2" charset="-127"/>
+                <a:ea typeface="KoPubWorld돋움체 Medium" panose="00000600000000000000" pitchFamily="2" charset="-127"/>
+                <a:cs typeface="KoPubWorld돋움체 Medium" panose="00000600000000000000" pitchFamily="2" charset="-127"/>
+              </a:rPr>
+              <a:t> 달라지므로</a:t>
+            </a:r>
+            <a:r>
+              <a:rPr lang="en-US" altLang="ko-KR" sz="1400" dirty="0">
+                <a:latin typeface="KoPubWorld돋움체 Medium" panose="00000600000000000000" pitchFamily="2" charset="-127"/>
+                <a:ea typeface="KoPubWorld돋움체 Medium" panose="00000600000000000000" pitchFamily="2" charset="-127"/>
+                <a:cs typeface="KoPubWorld돋움체 Medium" panose="00000600000000000000" pitchFamily="2" charset="-127"/>
+              </a:rPr>
+              <a:t>, </a:t>
+            </a:r>
+            <a:r>
+              <a:rPr lang="ko-KR" altLang="en-US" sz="1400" dirty="0">
+                <a:latin typeface="KoPubWorld돋움체 Medium" panose="00000600000000000000" pitchFamily="2" charset="-127"/>
+                <a:ea typeface="KoPubWorld돋움체 Medium" panose="00000600000000000000" pitchFamily="2" charset="-127"/>
+                <a:cs typeface="KoPubWorld돋움체 Medium" panose="00000600000000000000" pitchFamily="2" charset="-127"/>
+              </a:rPr>
+              <a:t>다의어를 </a:t>
+            </a:r>
+            <a:r>
+              <a:rPr lang="ko-KR" altLang="en-US" sz="1400" dirty="0">
+                <a:latin typeface="KoPubWorld돋움체 Medium" panose="00000600000000000000" pitchFamily="2" charset="-127"/>
+                <a:ea typeface="KoPubWorld돋움체 Medium" panose="00000600000000000000" pitchFamily="2" charset="-127"/>
+                <a:cs typeface="KoPubWorld돋움체 Medium" panose="00000600000000000000" pitchFamily="2" charset="-127"/>
+              </a:rPr>
+              <a:t>구분할 수 없었던 문제점을 해결할 수 </a:t>
+            </a:r>
+            <a:r>
+              <a:rPr lang="ko-KR" altLang="en-US" sz="1400" dirty="0">
+                <a:latin typeface="KoPubWorld돋움체 Medium" panose="00000600000000000000" pitchFamily="2" charset="-127"/>
+                <a:ea typeface="KoPubWorld돋움체 Medium" panose="00000600000000000000" pitchFamily="2" charset="-127"/>
+                <a:cs typeface="KoPubWorld돋움체 Medium" panose="00000600000000000000" pitchFamily="2" charset="-127"/>
+              </a:rPr>
+              <a:t>있음</a:t>
+            </a:r>
+            <a:r>
+              <a:rPr lang="en-US" altLang="ko-KR" sz="1400" dirty="0">
+                <a:latin typeface="KoPubWorld돋움체 Medium" panose="00000600000000000000" pitchFamily="2" charset="-127"/>
+                <a:ea typeface="KoPubWorld돋움체 Medium" panose="00000600000000000000" pitchFamily="2" charset="-127"/>
+                <a:cs typeface="KoPubWorld돋움체 Medium" panose="00000600000000000000" pitchFamily="2" charset="-127"/>
+              </a:rPr>
+              <a:t>.</a:t>
+            </a:r>
+          </a:p>
+        </p:txBody>
+      </p:sp>
+      <p:sp>
+        <p:nvSpPr>
+          <p:cNvPr id="6" name="TextBox 5"/>
+          <p:cNvSpPr txBox="1"/>
+          <p:nvPr/>
+        </p:nvSpPr>
+        <p:spPr>
+          <a:xfrm>
+            <a:off x="345233" y="397552"/>
+            <a:ext cx="3360215" cy="369332"/>
+          </a:xfrm>
+          <a:prstGeom prst="rect">
+            <a:avLst/>
+          </a:prstGeom>
+          <a:noFill/>
+        </p:spPr>
+        <p:txBody>
+          <a:bodyPr wrap="none" rtlCol="0">
+            <a:spAutoFit/>
+          </a:bodyPr>
+          <a:lstStyle/>
+          <a:p>
+            <a:r>
+              <a:rPr lang="en-US" altLang="ko-KR" dirty="0">
+                <a:latin typeface="KoPubWorld돋움체 Bold" panose="00000800000000000000" pitchFamily="2" charset="-127"/>
+                <a:ea typeface="KoPubWorld돋움체 Bold" panose="00000800000000000000" pitchFamily="2" charset="-127"/>
+                <a:cs typeface="KoPubWorld돋움체 Bold" panose="00000800000000000000" pitchFamily="2" charset="-127"/>
+              </a:rPr>
+              <a:t>NLP</a:t>
+            </a:r>
+            <a:r>
+              <a:rPr lang="ko-KR" altLang="en-US" dirty="0">
+                <a:latin typeface="KoPubWorld돋움체 Bold" panose="00000800000000000000" pitchFamily="2" charset="-127"/>
+                <a:ea typeface="KoPubWorld돋움체 Bold" panose="00000800000000000000" pitchFamily="2" charset="-127"/>
+                <a:cs typeface="KoPubWorld돋움체 Bold" panose="00000800000000000000" pitchFamily="2" charset="-127"/>
+              </a:rPr>
+              <a:t>에서 사전 훈련</a:t>
+            </a:r>
+            <a:r>
+              <a:rPr lang="en-US" altLang="ko-KR" dirty="0">
+                <a:latin typeface="KoPubWorld돋움체 Bold" panose="00000800000000000000" pitchFamily="2" charset="-127"/>
+                <a:ea typeface="KoPubWorld돋움체 Bold" panose="00000800000000000000" pitchFamily="2" charset="-127"/>
+                <a:cs typeface="KoPubWorld돋움체 Bold" panose="00000800000000000000" pitchFamily="2" charset="-127"/>
+              </a:rPr>
+              <a:t>(Pre-training)</a:t>
+            </a:r>
+            <a:endParaRPr lang="ko-KR" altLang="en-US" dirty="0">
+              <a:latin typeface="KoPubWorld돋움체 Bold" panose="00000800000000000000" pitchFamily="2" charset="-127"/>
+              <a:ea typeface="KoPubWorld돋움체 Bold" panose="00000800000000000000" pitchFamily="2" charset="-127"/>
+              <a:cs typeface="KoPubWorld돋움체 Bold" panose="00000800000000000000" pitchFamily="2" charset="-127"/>
+            </a:endParaRPr>
+          </a:p>
+        </p:txBody>
+      </p:sp>
+      <p:sp>
+        <p:nvSpPr>
+          <p:cNvPr id="10" name="TextBox 9"/>
+          <p:cNvSpPr txBox="1"/>
+          <p:nvPr/>
+        </p:nvSpPr>
+        <p:spPr>
+          <a:xfrm>
+            <a:off x="9591553" y="72083"/>
+            <a:ext cx="2204450" cy="246221"/>
+          </a:xfrm>
+          <a:prstGeom prst="rect">
+            <a:avLst/>
+          </a:prstGeom>
+          <a:noFill/>
+        </p:spPr>
+        <p:txBody>
+          <a:bodyPr wrap="none" rtlCol="0">
+            <a:spAutoFit/>
+          </a:bodyPr>
+          <a:lstStyle/>
+          <a:p>
+            <a:r>
+              <a:rPr lang="ko-KR" altLang="en-US" sz="1000" dirty="0" smtClean="0">
+                <a:solidFill>
+                  <a:schemeClr val="bg1">
+                    <a:lumMod val="75000"/>
+                  </a:schemeClr>
+                </a:solidFill>
+                <a:latin typeface="KoPubWorld돋움체 Light" panose="00000300000000000000" pitchFamily="2" charset="-127"/>
+                <a:ea typeface="KoPubWorld돋움체 Light" panose="00000300000000000000" pitchFamily="2" charset="-127"/>
+                <a:cs typeface="KoPubWorld돋움체 Light" panose="00000300000000000000" pitchFamily="2" charset="-127"/>
+              </a:rPr>
+              <a:t>출처</a:t>
+            </a:r>
+            <a:r>
+              <a:rPr lang="en-US" altLang="ko-KR" sz="1000" dirty="0" smtClean="0">
+                <a:solidFill>
+                  <a:schemeClr val="bg1">
+                    <a:lumMod val="75000"/>
+                  </a:schemeClr>
+                </a:solidFill>
+                <a:latin typeface="KoPubWorld돋움체 Light" panose="00000300000000000000" pitchFamily="2" charset="-127"/>
+                <a:ea typeface="KoPubWorld돋움체 Light" panose="00000300000000000000" pitchFamily="2" charset="-127"/>
+                <a:cs typeface="KoPubWorld돋움체 Light" panose="00000300000000000000" pitchFamily="2" charset="-127"/>
+              </a:rPr>
+              <a:t>: </a:t>
+            </a:r>
+            <a:r>
+              <a:rPr lang="ko-KR" altLang="en-US" sz="1000" dirty="0" err="1" smtClean="0">
+                <a:solidFill>
+                  <a:schemeClr val="bg1">
+                    <a:lumMod val="75000"/>
+                  </a:schemeClr>
+                </a:solidFill>
+                <a:latin typeface="KoPubWorld돋움체 Light" panose="00000300000000000000" pitchFamily="2" charset="-127"/>
+                <a:ea typeface="KoPubWorld돋움체 Light" panose="00000300000000000000" pitchFamily="2" charset="-127"/>
+                <a:cs typeface="KoPubWorld돋움체 Light" panose="00000300000000000000" pitchFamily="2" charset="-127"/>
+              </a:rPr>
+              <a:t>딥러닝을</a:t>
+            </a:r>
+            <a:r>
+              <a:rPr lang="ko-KR" altLang="en-US" sz="1000" dirty="0" smtClean="0">
+                <a:solidFill>
+                  <a:schemeClr val="bg1">
+                    <a:lumMod val="75000"/>
+                  </a:schemeClr>
+                </a:solidFill>
+                <a:latin typeface="KoPubWorld돋움체 Light" panose="00000300000000000000" pitchFamily="2" charset="-127"/>
+                <a:ea typeface="KoPubWorld돋움체 Light" panose="00000300000000000000" pitchFamily="2" charset="-127"/>
+                <a:cs typeface="KoPubWorld돋움체 Light" panose="00000300000000000000" pitchFamily="2" charset="-127"/>
+              </a:rPr>
+              <a:t> 이용한 자연어 처리 입문</a:t>
+            </a:r>
+            <a:endParaRPr lang="ko-KR" altLang="en-US" sz="1000" dirty="0">
+              <a:solidFill>
+                <a:schemeClr val="bg1">
+                  <a:lumMod val="75000"/>
+                </a:schemeClr>
+              </a:solidFill>
+              <a:latin typeface="KoPubWorld돋움체 Light" panose="00000300000000000000" pitchFamily="2" charset="-127"/>
+              <a:ea typeface="KoPubWorld돋움체 Light" panose="00000300000000000000" pitchFamily="2" charset="-127"/>
+              <a:cs typeface="KoPubWorld돋움체 Light" panose="00000300000000000000" pitchFamily="2" charset="-127"/>
+            </a:endParaRPr>
+          </a:p>
+        </p:txBody>
+      </p:sp>
     </p:spTree>
     <p:extLst>
       <p:ext uri="{BB962C8B-B14F-4D97-AF65-F5344CB8AC3E}">
-        <p14:creationId xmlns:p14="http://schemas.microsoft.com/office/powerpoint/2010/main" val="2186013037"/>
+        <p14:creationId xmlns:p14="http://schemas.microsoft.com/office/powerpoint/2010/main" val="4157190319"/>
       </p:ext>
     </p:extLst>
   </p:cSld>
@@ -4451,8 +5350,8 @@
         </p:nvSpPr>
         <p:spPr>
           <a:xfrm>
-            <a:off x="615497" y="1331486"/>
-            <a:ext cx="11318897" cy="1200329"/>
+            <a:off x="615498" y="1331486"/>
+            <a:ext cx="7088010" cy="984885"/>
           </a:xfrm>
           <a:prstGeom prst="rect">
             <a:avLst/>
@@ -4466,113 +5365,147 @@
           <a:lstStyle/>
           <a:p>
             <a:r>
-              <a:rPr lang="en-US" altLang="ko-KR" dirty="0"/>
+              <a:rPr lang="en-US" altLang="ko-KR" sz="1600" dirty="0">
+                <a:latin typeface="KoPubWorld돋움체 Medium" panose="00000600000000000000" pitchFamily="2" charset="-127"/>
+                <a:ea typeface="KoPubWorld돋움체 Medium" panose="00000600000000000000" pitchFamily="2" charset="-127"/>
+                <a:cs typeface="KoPubWorld돋움체 Medium" panose="00000600000000000000" pitchFamily="2" charset="-127"/>
+              </a:rPr>
               <a:t>2</a:t>
             </a:r>
             <a:r>
-              <a:rPr lang="en-US" altLang="ko-KR" dirty="0" smtClean="0"/>
+              <a:rPr lang="en-US" altLang="ko-KR" sz="1600" dirty="0">
+                <a:latin typeface="KoPubWorld돋움체 Medium" panose="00000600000000000000" pitchFamily="2" charset="-127"/>
+                <a:ea typeface="KoPubWorld돋움체 Medium" panose="00000600000000000000" pitchFamily="2" charset="-127"/>
+                <a:cs typeface="KoPubWorld돋움체 Medium" panose="00000600000000000000" pitchFamily="2" charset="-127"/>
+              </a:rPr>
               <a:t>. </a:t>
             </a:r>
             <a:r>
-              <a:rPr lang="ko-KR" altLang="en-US" dirty="0" smtClean="0"/>
+              <a:rPr lang="ko-KR" altLang="en-US" sz="1600" dirty="0">
+                <a:latin typeface="KoPubWorld돋움체 Medium" panose="00000600000000000000" pitchFamily="2" charset="-127"/>
+                <a:ea typeface="KoPubWorld돋움체 Medium" panose="00000600000000000000" pitchFamily="2" charset="-127"/>
+                <a:cs typeface="KoPubWorld돋움체 Medium" panose="00000600000000000000" pitchFamily="2" charset="-127"/>
+              </a:rPr>
               <a:t>사전 훈련된 언어모델</a:t>
             </a:r>
-            <a:endParaRPr lang="en-US" altLang="ko-KR" dirty="0" smtClean="0"/>
-          </a:p>
-          <a:p>
-            <a:r>
-              <a:rPr lang="ko-KR" altLang="en-US" dirty="0" smtClean="0"/>
+            <a:endParaRPr lang="en-US" altLang="ko-KR" sz="1600" dirty="0">
+              <a:latin typeface="KoPubWorld돋움체 Medium" panose="00000600000000000000" pitchFamily="2" charset="-127"/>
+              <a:ea typeface="KoPubWorld돋움체 Medium" panose="00000600000000000000" pitchFamily="2" charset="-127"/>
+              <a:cs typeface="KoPubWorld돋움체 Medium" panose="00000600000000000000" pitchFamily="2" charset="-127"/>
+            </a:endParaRPr>
+          </a:p>
+          <a:p>
+            <a:r>
+              <a:rPr lang="ko-KR" altLang="en-US" sz="1400" dirty="0">
+                <a:latin typeface="KoPubWorld돋움체 Medium" panose="00000600000000000000" pitchFamily="2" charset="-127"/>
+                <a:ea typeface="KoPubWorld돋움체 Medium" panose="00000600000000000000" pitchFamily="2" charset="-127"/>
+                <a:cs typeface="KoPubWorld돋움체 Medium" panose="00000600000000000000" pitchFamily="2" charset="-127"/>
+              </a:rPr>
               <a:t>  </a:t>
             </a:r>
             <a:r>
-              <a:rPr lang="en-US" altLang="ko-KR" dirty="0" smtClean="0"/>
+              <a:rPr lang="en-US" altLang="ko-KR" sz="1400" dirty="0">
+                <a:latin typeface="KoPubWorld돋움체 Medium" panose="00000600000000000000" pitchFamily="2" charset="-127"/>
+                <a:ea typeface="KoPubWorld돋움체 Medium" panose="00000600000000000000" pitchFamily="2" charset="-127"/>
+                <a:cs typeface="KoPubWorld돋움체 Medium" panose="00000600000000000000" pitchFamily="2" charset="-127"/>
+              </a:rPr>
               <a:t>- RNN </a:t>
             </a:r>
             <a:r>
-              <a:rPr lang="ko-KR" altLang="en-US" dirty="0" smtClean="0"/>
+              <a:rPr lang="ko-KR" altLang="en-US" sz="1400" dirty="0">
+                <a:latin typeface="KoPubWorld돋움체 Medium" panose="00000600000000000000" pitchFamily="2" charset="-127"/>
+                <a:ea typeface="KoPubWorld돋움체 Medium" panose="00000600000000000000" pitchFamily="2" charset="-127"/>
+                <a:cs typeface="KoPubWorld돋움체 Medium" panose="00000600000000000000" pitchFamily="2" charset="-127"/>
+              </a:rPr>
               <a:t>계열의 신경망에서 탈피</a:t>
             </a:r>
-            <a:endParaRPr lang="en-US" altLang="ko-KR" dirty="0" smtClean="0"/>
-          </a:p>
-          <a:p>
-            <a:r>
-              <a:rPr lang="en-US" altLang="ko-KR" dirty="0"/>
+            <a:endParaRPr lang="en-US" altLang="ko-KR" sz="1400" dirty="0">
+              <a:latin typeface="KoPubWorld돋움체 Medium" panose="00000600000000000000" pitchFamily="2" charset="-127"/>
+              <a:ea typeface="KoPubWorld돋움체 Medium" panose="00000600000000000000" pitchFamily="2" charset="-127"/>
+              <a:cs typeface="KoPubWorld돋움체 Medium" panose="00000600000000000000" pitchFamily="2" charset="-127"/>
+            </a:endParaRPr>
+          </a:p>
+          <a:p>
+            <a:r>
+              <a:rPr lang="en-US" altLang="ko-KR" sz="1400" dirty="0">
+                <a:latin typeface="KoPubWorld돋움체 Medium" panose="00000600000000000000" pitchFamily="2" charset="-127"/>
+                <a:ea typeface="KoPubWorld돋움체 Medium" panose="00000600000000000000" pitchFamily="2" charset="-127"/>
+                <a:cs typeface="KoPubWorld돋움체 Medium" panose="00000600000000000000" pitchFamily="2" charset="-127"/>
+              </a:rPr>
               <a:t> </a:t>
             </a:r>
             <a:r>
-              <a:rPr lang="en-US" altLang="ko-KR" dirty="0" smtClean="0"/>
+              <a:rPr lang="en-US" altLang="ko-KR" sz="1400" dirty="0">
+                <a:latin typeface="KoPubWorld돋움체 Medium" panose="00000600000000000000" pitchFamily="2" charset="-127"/>
+                <a:ea typeface="KoPubWorld돋움체 Medium" panose="00000600000000000000" pitchFamily="2" charset="-127"/>
+                <a:cs typeface="KoPubWorld돋움체 Medium" panose="00000600000000000000" pitchFamily="2" charset="-127"/>
+              </a:rPr>
               <a:t> - </a:t>
             </a:r>
             <a:r>
-              <a:rPr lang="ko-KR" altLang="en-US" dirty="0" smtClean="0"/>
+              <a:rPr lang="ko-KR" altLang="en-US" sz="1400" dirty="0">
+                <a:latin typeface="KoPubWorld돋움체 Medium" panose="00000600000000000000" pitchFamily="2" charset="-127"/>
+                <a:ea typeface="KoPubWorld돋움체 Medium" panose="00000600000000000000" pitchFamily="2" charset="-127"/>
+                <a:cs typeface="KoPubWorld돋움체 Medium" panose="00000600000000000000" pitchFamily="2" charset="-127"/>
+              </a:rPr>
               <a:t>트랜스포머가 번역기와 같은 인코더</a:t>
             </a:r>
             <a:r>
-              <a:rPr lang="en-US" altLang="ko-KR" dirty="0" smtClean="0"/>
+              <a:rPr lang="en-US" altLang="ko-KR" sz="1400" dirty="0">
+                <a:latin typeface="KoPubWorld돋움체 Medium" panose="00000600000000000000" pitchFamily="2" charset="-127"/>
+                <a:ea typeface="KoPubWorld돋움체 Medium" panose="00000600000000000000" pitchFamily="2" charset="-127"/>
+                <a:cs typeface="KoPubWorld돋움체 Medium" panose="00000600000000000000" pitchFamily="2" charset="-127"/>
+              </a:rPr>
               <a:t>-</a:t>
             </a:r>
             <a:r>
-              <a:rPr lang="ko-KR" altLang="en-US" dirty="0" err="1" smtClean="0"/>
+              <a:rPr lang="ko-KR" altLang="en-US" sz="1400" dirty="0" err="1">
+                <a:latin typeface="KoPubWorld돋움체 Medium" panose="00000600000000000000" pitchFamily="2" charset="-127"/>
+                <a:ea typeface="KoPubWorld돋움체 Medium" panose="00000600000000000000" pitchFamily="2" charset="-127"/>
+                <a:cs typeface="KoPubWorld돋움체 Medium" panose="00000600000000000000" pitchFamily="2" charset="-127"/>
+              </a:rPr>
               <a:t>디코더</a:t>
             </a:r>
             <a:r>
-              <a:rPr lang="ko-KR" altLang="en-US" dirty="0" smtClean="0"/>
+              <a:rPr lang="ko-KR" altLang="en-US" sz="1400" dirty="0">
+                <a:latin typeface="KoPubWorld돋움체 Medium" panose="00000600000000000000" pitchFamily="2" charset="-127"/>
+                <a:ea typeface="KoPubWorld돋움체 Medium" panose="00000600000000000000" pitchFamily="2" charset="-127"/>
+                <a:cs typeface="KoPubWorld돋움체 Medium" panose="00000600000000000000" pitchFamily="2" charset="-127"/>
+              </a:rPr>
               <a:t> 구조에서 </a:t>
             </a:r>
             <a:r>
-              <a:rPr lang="en-US" altLang="ko-KR" dirty="0" smtClean="0"/>
+              <a:rPr lang="en-US" altLang="ko-KR" sz="1400" dirty="0">
+                <a:latin typeface="KoPubWorld돋움체 Medium" panose="00000600000000000000" pitchFamily="2" charset="-127"/>
+                <a:ea typeface="KoPubWorld돋움체 Medium" panose="00000600000000000000" pitchFamily="2" charset="-127"/>
+                <a:cs typeface="KoPubWorld돋움체 Medium" panose="00000600000000000000" pitchFamily="2" charset="-127"/>
+              </a:rPr>
               <a:t>LSTM</a:t>
             </a:r>
             <a:r>
-              <a:rPr lang="ko-KR" altLang="en-US" dirty="0" smtClean="0"/>
+              <a:rPr lang="ko-KR" altLang="en-US" sz="1400" dirty="0">
+                <a:latin typeface="KoPubWorld돋움체 Medium" panose="00000600000000000000" pitchFamily="2" charset="-127"/>
+                <a:ea typeface="KoPubWorld돋움체 Medium" panose="00000600000000000000" pitchFamily="2" charset="-127"/>
+                <a:cs typeface="KoPubWorld돋움체 Medium" panose="00000600000000000000" pitchFamily="2" charset="-127"/>
+              </a:rPr>
               <a:t>을 뛰어넘는 좋은 성능을 얻자</a:t>
             </a:r>
             <a:r>
-              <a:rPr lang="en-US" altLang="ko-KR" dirty="0" smtClean="0"/>
+              <a:rPr lang="en-US" altLang="ko-KR" sz="1400" dirty="0">
+                <a:latin typeface="KoPubWorld돋움체 Medium" panose="00000600000000000000" pitchFamily="2" charset="-127"/>
+                <a:ea typeface="KoPubWorld돋움체 Medium" panose="00000600000000000000" pitchFamily="2" charset="-127"/>
+                <a:cs typeface="KoPubWorld돋움체 Medium" panose="00000600000000000000" pitchFamily="2" charset="-127"/>
+              </a:rPr>
               <a:t>, LSTM</a:t>
             </a:r>
             <a:r>
-              <a:rPr lang="ko-KR" altLang="en-US" dirty="0" smtClean="0"/>
+              <a:rPr lang="ko-KR" altLang="en-US" sz="1400" dirty="0">
+                <a:latin typeface="KoPubWorld돋움체 Medium" panose="00000600000000000000" pitchFamily="2" charset="-127"/>
+                <a:ea typeface="KoPubWorld돋움체 Medium" panose="00000600000000000000" pitchFamily="2" charset="-127"/>
+                <a:cs typeface="KoPubWorld돋움체 Medium" panose="00000600000000000000" pitchFamily="2" charset="-127"/>
+              </a:rPr>
               <a:t>이 아닌 트랜스포머로 사전 훈련된 언어 모델을 학습하는 시도가 등장</a:t>
             </a:r>
-          </a:p>
-        </p:txBody>
-      </p:sp>
-      <p:sp>
-        <p:nvSpPr>
-          <p:cNvPr id="6" name="TextBox 5"/>
-          <p:cNvSpPr txBox="1"/>
-          <p:nvPr/>
-        </p:nvSpPr>
-        <p:spPr>
-          <a:xfrm>
-            <a:off x="495546" y="785859"/>
-            <a:ext cx="3520451" cy="369332"/>
-          </a:xfrm>
-          <a:prstGeom prst="rect">
-            <a:avLst/>
-          </a:prstGeom>
-          <a:noFill/>
-        </p:spPr>
-        <p:txBody>
-          <a:bodyPr wrap="none" rtlCol="0">
-            <a:spAutoFit/>
-          </a:bodyPr>
-          <a:lstStyle/>
-          <a:p>
-            <a:r>
-              <a:rPr lang="en-US" altLang="ko-KR" dirty="0" smtClean="0"/>
-              <a:t>NLP</a:t>
-            </a:r>
-            <a:r>
-              <a:rPr lang="ko-KR" altLang="en-US" dirty="0" smtClean="0"/>
-              <a:t>에서 사전 훈련</a:t>
-            </a:r>
-            <a:r>
-              <a:rPr lang="en-US" altLang="ko-KR" dirty="0" smtClean="0"/>
-              <a:t>(Pre-training)</a:t>
-            </a:r>
-            <a:endParaRPr lang="ko-KR" altLang="en-US" dirty="0"/>
           </a:p>
         </p:txBody>
       </p:sp>
@@ -4599,75 +5532,143 @@
           <a:lstStyle/>
           <a:p>
             <a:r>
-              <a:rPr lang="en-US" altLang="ko-KR" sz="1200" dirty="0" smtClean="0"/>
+              <a:rPr lang="en-US" altLang="ko-KR" sz="1200" dirty="0">
+                <a:latin typeface="KoPubWorld돋움체 Medium" panose="00000600000000000000" pitchFamily="2" charset="-127"/>
+                <a:ea typeface="KoPubWorld돋움체 Medium" panose="00000600000000000000" pitchFamily="2" charset="-127"/>
+                <a:cs typeface="KoPubWorld돋움체 Medium" panose="00000600000000000000" pitchFamily="2" charset="-127"/>
+              </a:rPr>
               <a:t>GPT-1</a:t>
             </a:r>
           </a:p>
           <a:p>
             <a:r>
-              <a:rPr lang="en-US" altLang="ko-KR" sz="1200" dirty="0" smtClean="0"/>
+              <a:rPr lang="en-US" altLang="ko-KR" sz="1200" dirty="0">
+                <a:latin typeface="KoPubWorld돋움체 Medium" panose="00000600000000000000" pitchFamily="2" charset="-127"/>
+                <a:ea typeface="KoPubWorld돋움체 Medium" panose="00000600000000000000" pitchFamily="2" charset="-127"/>
+                <a:cs typeface="KoPubWorld돋움체 Medium" panose="00000600000000000000" pitchFamily="2" charset="-127"/>
+              </a:rPr>
               <a:t>- Open AI</a:t>
             </a:r>
             <a:r>
-              <a:rPr lang="ko-KR" altLang="en-US" sz="1200" dirty="0" smtClean="0"/>
+              <a:rPr lang="ko-KR" altLang="en-US" sz="1200" dirty="0">
+                <a:latin typeface="KoPubWorld돋움체 Medium" panose="00000600000000000000" pitchFamily="2" charset="-127"/>
+                <a:ea typeface="KoPubWorld돋움체 Medium" panose="00000600000000000000" pitchFamily="2" charset="-127"/>
+                <a:cs typeface="KoPubWorld돋움체 Medium" panose="00000600000000000000" pitchFamily="2" charset="-127"/>
+              </a:rPr>
               <a:t>는</a:t>
             </a:r>
             <a:r>
-              <a:rPr lang="en-US" altLang="ko-KR" sz="1200" dirty="0" smtClean="0"/>
+              <a:rPr lang="en-US" altLang="ko-KR" sz="1200" dirty="0">
+                <a:latin typeface="KoPubWorld돋움체 Medium" panose="00000600000000000000" pitchFamily="2" charset="-127"/>
+                <a:ea typeface="KoPubWorld돋움체 Medium" panose="00000600000000000000" pitchFamily="2" charset="-127"/>
+                <a:cs typeface="KoPubWorld돋움체 Medium" panose="00000600000000000000" pitchFamily="2" charset="-127"/>
+              </a:rPr>
               <a:t> </a:t>
             </a:r>
             <a:r>
-              <a:rPr lang="ko-KR" altLang="en-US" sz="1200" dirty="0" smtClean="0"/>
+              <a:rPr lang="ko-KR" altLang="en-US" sz="1200" dirty="0">
+                <a:latin typeface="KoPubWorld돋움체 Medium" panose="00000600000000000000" pitchFamily="2" charset="-127"/>
+                <a:ea typeface="KoPubWorld돋움체 Medium" panose="00000600000000000000" pitchFamily="2" charset="-127"/>
+                <a:cs typeface="KoPubWorld돋움체 Medium" panose="00000600000000000000" pitchFamily="2" charset="-127"/>
+              </a:rPr>
               <a:t>트랜스포머 </a:t>
             </a:r>
             <a:r>
-              <a:rPr lang="ko-KR" altLang="en-US" sz="1200" dirty="0" err="1"/>
+              <a:rPr lang="ko-KR" altLang="en-US" sz="1200" dirty="0" err="1">
+                <a:latin typeface="KoPubWorld돋움체 Medium" panose="00000600000000000000" pitchFamily="2" charset="-127"/>
+                <a:ea typeface="KoPubWorld돋움체 Medium" panose="00000600000000000000" pitchFamily="2" charset="-127"/>
+                <a:cs typeface="KoPubWorld돋움체 Medium" panose="00000600000000000000" pitchFamily="2" charset="-127"/>
+              </a:rPr>
               <a:t>디코더로</a:t>
             </a:r>
             <a:r>
-              <a:rPr lang="ko-KR" altLang="en-US" sz="1200" dirty="0"/>
+              <a:rPr lang="ko-KR" altLang="en-US" sz="1200" dirty="0">
+                <a:latin typeface="KoPubWorld돋움체 Medium" panose="00000600000000000000" pitchFamily="2" charset="-127"/>
+                <a:ea typeface="KoPubWorld돋움체 Medium" panose="00000600000000000000" pitchFamily="2" charset="-127"/>
+                <a:cs typeface="KoPubWorld돋움체 Medium" panose="00000600000000000000" pitchFamily="2" charset="-127"/>
+              </a:rPr>
               <a:t> 총 </a:t>
             </a:r>
             <a:r>
-              <a:rPr lang="en-US" altLang="ko-KR" sz="1200" dirty="0"/>
+              <a:rPr lang="en-US" altLang="ko-KR" sz="1200" dirty="0">
+                <a:latin typeface="KoPubWorld돋움체 Medium" panose="00000600000000000000" pitchFamily="2" charset="-127"/>
+                <a:ea typeface="KoPubWorld돋움체 Medium" panose="00000600000000000000" pitchFamily="2" charset="-127"/>
+                <a:cs typeface="KoPubWorld돋움체 Medium" panose="00000600000000000000" pitchFamily="2" charset="-127"/>
+              </a:rPr>
               <a:t>12</a:t>
             </a:r>
             <a:r>
-              <a:rPr lang="ko-KR" altLang="en-US" sz="1200" dirty="0"/>
+              <a:rPr lang="ko-KR" altLang="en-US" sz="1200" dirty="0">
+                <a:latin typeface="KoPubWorld돋움체 Medium" panose="00000600000000000000" pitchFamily="2" charset="-127"/>
+                <a:ea typeface="KoPubWorld돋움체 Medium" panose="00000600000000000000" pitchFamily="2" charset="-127"/>
+                <a:cs typeface="KoPubWorld돋움체 Medium" panose="00000600000000000000" pitchFamily="2" charset="-127"/>
+              </a:rPr>
               <a:t>개의 층을 쌓은 후에 방대한 텍스트 데이터를 학습시킨 언어 </a:t>
             </a:r>
             <a:r>
-              <a:rPr lang="ko-KR" altLang="en-US" sz="1200" dirty="0" smtClean="0"/>
+              <a:rPr lang="ko-KR" altLang="en-US" sz="1200" dirty="0">
+                <a:latin typeface="KoPubWorld돋움체 Medium" panose="00000600000000000000" pitchFamily="2" charset="-127"/>
+                <a:ea typeface="KoPubWorld돋움체 Medium" panose="00000600000000000000" pitchFamily="2" charset="-127"/>
+                <a:cs typeface="KoPubWorld돋움체 Medium" panose="00000600000000000000" pitchFamily="2" charset="-127"/>
+              </a:rPr>
               <a:t>모델을 </a:t>
             </a:r>
             <a:r>
-              <a:rPr lang="ko-KR" altLang="en-US" sz="1200" dirty="0" err="1" smtClean="0"/>
+              <a:rPr lang="ko-KR" altLang="en-US" sz="1200" dirty="0" err="1">
+                <a:latin typeface="KoPubWorld돋움체 Medium" panose="00000600000000000000" pitchFamily="2" charset="-127"/>
+                <a:ea typeface="KoPubWorld돋움체 Medium" panose="00000600000000000000" pitchFamily="2" charset="-127"/>
+                <a:cs typeface="KoPubWorld돋움체 Medium" panose="00000600000000000000" pitchFamily="2" charset="-127"/>
+              </a:rPr>
               <a:t>만듬</a:t>
             </a:r>
             <a:r>
-              <a:rPr lang="en-US" altLang="ko-KR" sz="1200" dirty="0" smtClean="0"/>
+              <a:rPr lang="en-US" altLang="ko-KR" sz="1200" dirty="0">
+                <a:latin typeface="KoPubWorld돋움체 Medium" panose="00000600000000000000" pitchFamily="2" charset="-127"/>
+                <a:ea typeface="KoPubWorld돋움체 Medium" panose="00000600000000000000" pitchFamily="2" charset="-127"/>
+                <a:cs typeface="KoPubWorld돋움체 Medium" panose="00000600000000000000" pitchFamily="2" charset="-127"/>
+              </a:rPr>
               <a:t>.</a:t>
             </a:r>
           </a:p>
           <a:p>
             <a:r>
-              <a:rPr lang="en-US" altLang="ko-KR" sz="1200" dirty="0" smtClean="0"/>
+              <a:rPr lang="en-US" altLang="ko-KR" sz="1200" dirty="0">
+                <a:latin typeface="KoPubWorld돋움체 Medium" panose="00000600000000000000" pitchFamily="2" charset="-127"/>
+                <a:ea typeface="KoPubWorld돋움체 Medium" panose="00000600000000000000" pitchFamily="2" charset="-127"/>
+                <a:cs typeface="KoPubWorld돋움체 Medium" panose="00000600000000000000" pitchFamily="2" charset="-127"/>
+              </a:rPr>
               <a:t>- </a:t>
             </a:r>
             <a:r>
-              <a:rPr lang="ko-KR" altLang="en-US" sz="1200" dirty="0" smtClean="0"/>
+              <a:rPr lang="ko-KR" altLang="en-US" sz="1200" dirty="0">
+                <a:latin typeface="KoPubWorld돋움체 Medium" panose="00000600000000000000" pitchFamily="2" charset="-127"/>
+                <a:ea typeface="KoPubWorld돋움체 Medium" panose="00000600000000000000" pitchFamily="2" charset="-127"/>
+                <a:cs typeface="KoPubWorld돋움체 Medium" panose="00000600000000000000" pitchFamily="2" charset="-127"/>
+              </a:rPr>
               <a:t>다양한 태스크에서 높은 </a:t>
             </a:r>
             <a:r>
-              <a:rPr lang="ko-KR" altLang="en-US" sz="1200" dirty="0"/>
+              <a:rPr lang="ko-KR" altLang="en-US" sz="1200" dirty="0">
+                <a:latin typeface="KoPubWorld돋움체 Medium" panose="00000600000000000000" pitchFamily="2" charset="-127"/>
+                <a:ea typeface="KoPubWorld돋움체 Medium" panose="00000600000000000000" pitchFamily="2" charset="-127"/>
+                <a:cs typeface="KoPubWorld돋움체 Medium" panose="00000600000000000000" pitchFamily="2" charset="-127"/>
+              </a:rPr>
               <a:t>성능을 얻을 수 있음을 </a:t>
             </a:r>
             <a:r>
-              <a:rPr lang="ko-KR" altLang="en-US" sz="1200" dirty="0" smtClean="0"/>
+              <a:rPr lang="ko-KR" altLang="en-US" sz="1200" dirty="0">
+                <a:latin typeface="KoPubWorld돋움체 Medium" panose="00000600000000000000" pitchFamily="2" charset="-127"/>
+                <a:ea typeface="KoPubWorld돋움체 Medium" panose="00000600000000000000" pitchFamily="2" charset="-127"/>
+                <a:cs typeface="KoPubWorld돋움체 Medium" panose="00000600000000000000" pitchFamily="2" charset="-127"/>
+              </a:rPr>
               <a:t>입증함</a:t>
             </a:r>
             <a:r>
-              <a:rPr lang="en-US" altLang="ko-KR" sz="1200" dirty="0" smtClean="0"/>
+              <a:rPr lang="en-US" altLang="ko-KR" sz="1200" dirty="0">
+                <a:latin typeface="KoPubWorld돋움체 Medium" panose="00000600000000000000" pitchFamily="2" charset="-127"/>
+                <a:ea typeface="KoPubWorld돋움체 Medium" panose="00000600000000000000" pitchFamily="2" charset="-127"/>
+                <a:cs typeface="KoPubWorld돋움체 Medium" panose="00000600000000000000" pitchFamily="2" charset="-127"/>
+              </a:rPr>
               <a:t>.</a:t>
             </a:r>
           </a:p>
@@ -4697,6 +5698,147 @@
           </a:prstGeom>
         </p:spPr>
       </p:pic>
+      <p:sp>
+        <p:nvSpPr>
+          <p:cNvPr id="9" name="TextBox 8"/>
+          <p:cNvSpPr txBox="1"/>
+          <p:nvPr/>
+        </p:nvSpPr>
+        <p:spPr>
+          <a:xfrm>
+            <a:off x="345233" y="397552"/>
+            <a:ext cx="3360215" cy="369332"/>
+          </a:xfrm>
+          <a:prstGeom prst="rect">
+            <a:avLst/>
+          </a:prstGeom>
+          <a:noFill/>
+        </p:spPr>
+        <p:txBody>
+          <a:bodyPr wrap="none" rtlCol="0">
+            <a:spAutoFit/>
+          </a:bodyPr>
+          <a:lstStyle/>
+          <a:p>
+            <a:r>
+              <a:rPr lang="en-US" altLang="ko-KR" dirty="0">
+                <a:latin typeface="KoPubWorld돋움체 Bold" panose="00000800000000000000" pitchFamily="2" charset="-127"/>
+                <a:ea typeface="KoPubWorld돋움체 Bold" panose="00000800000000000000" pitchFamily="2" charset="-127"/>
+                <a:cs typeface="KoPubWorld돋움체 Bold" panose="00000800000000000000" pitchFamily="2" charset="-127"/>
+              </a:rPr>
+              <a:t>NLP</a:t>
+            </a:r>
+            <a:r>
+              <a:rPr lang="ko-KR" altLang="en-US" dirty="0">
+                <a:latin typeface="KoPubWorld돋움체 Bold" panose="00000800000000000000" pitchFamily="2" charset="-127"/>
+                <a:ea typeface="KoPubWorld돋움체 Bold" panose="00000800000000000000" pitchFamily="2" charset="-127"/>
+                <a:cs typeface="KoPubWorld돋움체 Bold" panose="00000800000000000000" pitchFamily="2" charset="-127"/>
+              </a:rPr>
+              <a:t>에서 사전 훈련</a:t>
+            </a:r>
+            <a:r>
+              <a:rPr lang="en-US" altLang="ko-KR" dirty="0">
+                <a:latin typeface="KoPubWorld돋움체 Bold" panose="00000800000000000000" pitchFamily="2" charset="-127"/>
+                <a:ea typeface="KoPubWorld돋움체 Bold" panose="00000800000000000000" pitchFamily="2" charset="-127"/>
+                <a:cs typeface="KoPubWorld돋움체 Bold" panose="00000800000000000000" pitchFamily="2" charset="-127"/>
+              </a:rPr>
+              <a:t>(Pre-training)</a:t>
+            </a:r>
+            <a:endParaRPr lang="ko-KR" altLang="en-US" dirty="0">
+              <a:latin typeface="KoPubWorld돋움체 Bold" panose="00000800000000000000" pitchFamily="2" charset="-127"/>
+              <a:ea typeface="KoPubWorld돋움체 Bold" panose="00000800000000000000" pitchFamily="2" charset="-127"/>
+              <a:cs typeface="KoPubWorld돋움체 Bold" panose="00000800000000000000" pitchFamily="2" charset="-127"/>
+            </a:endParaRPr>
+          </a:p>
+        </p:txBody>
+      </p:sp>
+      <p:sp>
+        <p:nvSpPr>
+          <p:cNvPr id="10" name="TextBox 9"/>
+          <p:cNvSpPr txBox="1"/>
+          <p:nvPr/>
+        </p:nvSpPr>
+        <p:spPr>
+          <a:xfrm>
+            <a:off x="9591553" y="72083"/>
+            <a:ext cx="2204450" cy="246221"/>
+          </a:xfrm>
+          <a:prstGeom prst="rect">
+            <a:avLst/>
+          </a:prstGeom>
+          <a:noFill/>
+        </p:spPr>
+        <p:txBody>
+          <a:bodyPr wrap="none" rtlCol="0">
+            <a:spAutoFit/>
+          </a:bodyPr>
+          <a:lstStyle/>
+          <a:p>
+            <a:r>
+              <a:rPr lang="ko-KR" altLang="en-US" sz="1000" dirty="0" smtClean="0">
+                <a:solidFill>
+                  <a:schemeClr val="bg1">
+                    <a:lumMod val="75000"/>
+                  </a:schemeClr>
+                </a:solidFill>
+                <a:latin typeface="KoPubWorld돋움체 Light" panose="00000300000000000000" pitchFamily="2" charset="-127"/>
+                <a:ea typeface="KoPubWorld돋움체 Light" panose="00000300000000000000" pitchFamily="2" charset="-127"/>
+                <a:cs typeface="KoPubWorld돋움체 Light" panose="00000300000000000000" pitchFamily="2" charset="-127"/>
+              </a:rPr>
+              <a:t>출처</a:t>
+            </a:r>
+            <a:r>
+              <a:rPr lang="en-US" altLang="ko-KR" sz="1000" dirty="0" smtClean="0">
+                <a:solidFill>
+                  <a:schemeClr val="bg1">
+                    <a:lumMod val="75000"/>
+                  </a:schemeClr>
+                </a:solidFill>
+                <a:latin typeface="KoPubWorld돋움체 Light" panose="00000300000000000000" pitchFamily="2" charset="-127"/>
+                <a:ea typeface="KoPubWorld돋움체 Light" panose="00000300000000000000" pitchFamily="2" charset="-127"/>
+                <a:cs typeface="KoPubWorld돋움체 Light" panose="00000300000000000000" pitchFamily="2" charset="-127"/>
+              </a:rPr>
+              <a:t>: </a:t>
+            </a:r>
+            <a:r>
+              <a:rPr lang="ko-KR" altLang="en-US" sz="1000" dirty="0" err="1" smtClean="0">
+                <a:solidFill>
+                  <a:schemeClr val="bg1">
+                    <a:lumMod val="75000"/>
+                  </a:schemeClr>
+                </a:solidFill>
+                <a:latin typeface="KoPubWorld돋움체 Light" panose="00000300000000000000" pitchFamily="2" charset="-127"/>
+                <a:ea typeface="KoPubWorld돋움체 Light" panose="00000300000000000000" pitchFamily="2" charset="-127"/>
+                <a:cs typeface="KoPubWorld돋움체 Light" panose="00000300000000000000" pitchFamily="2" charset="-127"/>
+              </a:rPr>
+              <a:t>딥러닝을</a:t>
+            </a:r>
+            <a:r>
+              <a:rPr lang="ko-KR" altLang="en-US" sz="1000" dirty="0" smtClean="0">
+                <a:solidFill>
+                  <a:schemeClr val="bg1">
+                    <a:lumMod val="75000"/>
+                  </a:schemeClr>
+                </a:solidFill>
+                <a:latin typeface="KoPubWorld돋움체 Light" panose="00000300000000000000" pitchFamily="2" charset="-127"/>
+                <a:ea typeface="KoPubWorld돋움체 Light" panose="00000300000000000000" pitchFamily="2" charset="-127"/>
+                <a:cs typeface="KoPubWorld돋움체 Light" panose="00000300000000000000" pitchFamily="2" charset="-127"/>
+              </a:rPr>
+              <a:t> 이용한 자연어 처리 입문</a:t>
+            </a:r>
+            <a:endParaRPr lang="ko-KR" altLang="en-US" sz="1000" dirty="0">
+              <a:solidFill>
+                <a:schemeClr val="bg1">
+                  <a:lumMod val="75000"/>
+                </a:schemeClr>
+              </a:solidFill>
+              <a:latin typeface="KoPubWorld돋움체 Light" panose="00000300000000000000" pitchFamily="2" charset="-127"/>
+              <a:ea typeface="KoPubWorld돋움체 Light" panose="00000300000000000000" pitchFamily="2" charset="-127"/>
+              <a:cs typeface="KoPubWorld돋움체 Light" panose="00000300000000000000" pitchFamily="2" charset="-127"/>
+            </a:endParaRPr>
+          </a:p>
+        </p:txBody>
+      </p:sp>
     </p:spTree>
     <p:extLst>
       <p:ext uri="{BB962C8B-B14F-4D97-AF65-F5344CB8AC3E}">
@@ -4736,7 +5878,7 @@
         <p:spPr>
           <a:xfrm>
             <a:off x="615497" y="1331486"/>
-            <a:ext cx="11318897" cy="2308324"/>
+            <a:ext cx="11318897" cy="1877437"/>
           </a:xfrm>
           <a:prstGeom prst="rect">
             <a:avLst/>
@@ -4750,225 +5892,428 @@
           <a:lstStyle/>
           <a:p>
             <a:r>
-              <a:rPr lang="en-US" altLang="ko-KR" dirty="0" smtClean="0"/>
+              <a:rPr lang="en-US" altLang="ko-KR" sz="1600" dirty="0">
+                <a:latin typeface="KoPubWorld돋움체 Medium" panose="00000600000000000000" pitchFamily="2" charset="-127"/>
+                <a:ea typeface="KoPubWorld돋움체 Medium" panose="00000600000000000000" pitchFamily="2" charset="-127"/>
+                <a:cs typeface="KoPubWorld돋움체 Medium" panose="00000600000000000000" pitchFamily="2" charset="-127"/>
+              </a:rPr>
               <a:t>3. </a:t>
             </a:r>
             <a:r>
-              <a:rPr lang="ko-KR" altLang="en-US" b="1" dirty="0" err="1"/>
+              <a:rPr lang="ko-KR" altLang="en-US" sz="1600" dirty="0" err="1">
+                <a:latin typeface="KoPubWorld돋움체 Medium" panose="00000600000000000000" pitchFamily="2" charset="-127"/>
+                <a:ea typeface="KoPubWorld돋움체 Medium" panose="00000600000000000000" pitchFamily="2" charset="-127"/>
+                <a:cs typeface="KoPubWorld돋움체 Medium" panose="00000600000000000000" pitchFamily="2" charset="-127"/>
+              </a:rPr>
               <a:t>마스크드</a:t>
             </a:r>
             <a:r>
-              <a:rPr lang="ko-KR" altLang="en-US" b="1" dirty="0"/>
+              <a:rPr lang="ko-KR" altLang="en-US" sz="1600" dirty="0">
+                <a:latin typeface="KoPubWorld돋움체 Medium" panose="00000600000000000000" pitchFamily="2" charset="-127"/>
+                <a:ea typeface="KoPubWorld돋움체 Medium" panose="00000600000000000000" pitchFamily="2" charset="-127"/>
+                <a:cs typeface="KoPubWorld돋움체 Medium" panose="00000600000000000000" pitchFamily="2" charset="-127"/>
+              </a:rPr>
               <a:t> 언어 모델</a:t>
             </a:r>
             <a:r>
-              <a:rPr lang="en-US" altLang="ko-KR" b="1" dirty="0" smtClean="0"/>
+              <a:rPr lang="en-US" altLang="ko-KR" sz="1600" dirty="0">
+                <a:latin typeface="KoPubWorld돋움체 Medium" panose="00000600000000000000" pitchFamily="2" charset="-127"/>
+                <a:ea typeface="KoPubWorld돋움체 Medium" panose="00000600000000000000" pitchFamily="2" charset="-127"/>
+                <a:cs typeface="KoPubWorld돋움체 Medium" panose="00000600000000000000" pitchFamily="2" charset="-127"/>
+              </a:rPr>
               <a:t>(Masked Language Model)</a:t>
             </a:r>
-            <a:endParaRPr lang="en-US" altLang="ko-KR" dirty="0" smtClean="0"/>
-          </a:p>
-          <a:p>
-            <a:r>
-              <a:rPr lang="ko-KR" altLang="en-US" dirty="0" smtClean="0"/>
+          </a:p>
+          <a:p>
+            <a:r>
+              <a:rPr lang="ko-KR" altLang="en-US" sz="1400" dirty="0">
+                <a:latin typeface="KoPubWorld돋움체 Medium" panose="00000600000000000000" pitchFamily="2" charset="-127"/>
+                <a:ea typeface="KoPubWorld돋움체 Medium" panose="00000600000000000000" pitchFamily="2" charset="-127"/>
+                <a:cs typeface="KoPubWorld돋움체 Medium" panose="00000600000000000000" pitchFamily="2" charset="-127"/>
+              </a:rPr>
               <a:t>  </a:t>
             </a:r>
             <a:r>
-              <a:rPr lang="en-US" altLang="ko-KR" dirty="0" smtClean="0"/>
+              <a:rPr lang="en-US" altLang="ko-KR" sz="1400" dirty="0">
+                <a:latin typeface="KoPubWorld돋움체 Medium" panose="00000600000000000000" pitchFamily="2" charset="-127"/>
+                <a:ea typeface="KoPubWorld돋움체 Medium" panose="00000600000000000000" pitchFamily="2" charset="-127"/>
+                <a:cs typeface="KoPubWorld돋움체 Medium" panose="00000600000000000000" pitchFamily="2" charset="-127"/>
+              </a:rPr>
               <a:t>- </a:t>
             </a:r>
             <a:r>
-              <a:rPr lang="ko-KR" altLang="en-US" dirty="0" smtClean="0"/>
+              <a:rPr lang="ko-KR" altLang="en-US" sz="1400" dirty="0">
+                <a:latin typeface="KoPubWorld돋움체 Medium" panose="00000600000000000000" pitchFamily="2" charset="-127"/>
+                <a:ea typeface="KoPubWorld돋움체 Medium" panose="00000600000000000000" pitchFamily="2" charset="-127"/>
+                <a:cs typeface="KoPubWorld돋움체 Medium" panose="00000600000000000000" pitchFamily="2" charset="-127"/>
+              </a:rPr>
               <a:t>언어의 문맥이라는 것은 실제로는 양방향</a:t>
             </a:r>
-            <a:endParaRPr lang="en-US" altLang="ko-KR" dirty="0" smtClean="0"/>
-          </a:p>
-          <a:p>
-            <a:r>
-              <a:rPr lang="en-US" altLang="ko-KR" dirty="0" smtClean="0"/>
+            <a:endParaRPr lang="en-US" altLang="ko-KR" sz="1400" dirty="0">
+              <a:latin typeface="KoPubWorld돋움체 Medium" panose="00000600000000000000" pitchFamily="2" charset="-127"/>
+              <a:ea typeface="KoPubWorld돋움체 Medium" panose="00000600000000000000" pitchFamily="2" charset="-127"/>
+              <a:cs typeface="KoPubWorld돋움체 Medium" panose="00000600000000000000" pitchFamily="2" charset="-127"/>
+            </a:endParaRPr>
+          </a:p>
+          <a:p>
+            <a:r>
+              <a:rPr lang="en-US" altLang="ko-KR" sz="1400" dirty="0">
+                <a:latin typeface="KoPubWorld돋움체 Medium" panose="00000600000000000000" pitchFamily="2" charset="-127"/>
+                <a:ea typeface="KoPubWorld돋움체 Medium" panose="00000600000000000000" pitchFamily="2" charset="-127"/>
+                <a:cs typeface="KoPubWorld돋움체 Medium" panose="00000600000000000000" pitchFamily="2" charset="-127"/>
+              </a:rPr>
               <a:t>  - </a:t>
             </a:r>
             <a:r>
-              <a:rPr lang="ko-KR" altLang="en-US" dirty="0" smtClean="0"/>
+              <a:rPr lang="ko-KR" altLang="en-US" sz="1400" dirty="0">
+                <a:latin typeface="KoPubWorld돋움체 Medium" panose="00000600000000000000" pitchFamily="2" charset="-127"/>
+                <a:ea typeface="KoPubWorld돋움체 Medium" panose="00000600000000000000" pitchFamily="2" charset="-127"/>
+                <a:cs typeface="KoPubWorld돋움체 Medium" panose="00000600000000000000" pitchFamily="2" charset="-127"/>
+              </a:rPr>
               <a:t>이전 단어들로부터 다음 단어를 예측하는 언어 모델의 특성으로 인해 양방향 언어 모델을 사용할 수 없음</a:t>
             </a:r>
             <a:r>
-              <a:rPr lang="en-US" altLang="ko-KR" dirty="0" smtClean="0"/>
+              <a:rPr lang="en-US" altLang="ko-KR" sz="1400" dirty="0">
+                <a:latin typeface="KoPubWorld돋움체 Medium" panose="00000600000000000000" pitchFamily="2" charset="-127"/>
+                <a:ea typeface="KoPubWorld돋움체 Medium" panose="00000600000000000000" pitchFamily="2" charset="-127"/>
+                <a:cs typeface="KoPubWorld돋움체 Medium" panose="00000600000000000000" pitchFamily="2" charset="-127"/>
+              </a:rPr>
               <a:t>.</a:t>
             </a:r>
           </a:p>
           <a:p>
             <a:r>
-              <a:rPr lang="en-US" altLang="ko-KR" dirty="0"/>
+              <a:rPr lang="en-US" altLang="ko-KR" sz="1400" dirty="0">
+                <a:latin typeface="KoPubWorld돋움체 Medium" panose="00000600000000000000" pitchFamily="2" charset="-127"/>
+                <a:ea typeface="KoPubWorld돋움체 Medium" panose="00000600000000000000" pitchFamily="2" charset="-127"/>
+                <a:cs typeface="KoPubWorld돋움체 Medium" panose="00000600000000000000" pitchFamily="2" charset="-127"/>
+              </a:rPr>
               <a:t> </a:t>
             </a:r>
             <a:r>
-              <a:rPr lang="en-US" altLang="ko-KR" dirty="0" smtClean="0"/>
+              <a:rPr lang="en-US" altLang="ko-KR" sz="1400" dirty="0">
+                <a:latin typeface="KoPubWorld돋움체 Medium" panose="00000600000000000000" pitchFamily="2" charset="-127"/>
+                <a:ea typeface="KoPubWorld돋움체 Medium" panose="00000600000000000000" pitchFamily="2" charset="-127"/>
+                <a:cs typeface="KoPubWorld돋움체 Medium" panose="00000600000000000000" pitchFamily="2" charset="-127"/>
+              </a:rPr>
               <a:t>   (</a:t>
             </a:r>
             <a:r>
-              <a:rPr lang="en-US" altLang="ko-KR" dirty="0" err="1"/>
+              <a:rPr lang="en-US" altLang="ko-KR" sz="1400" dirty="0" err="1">
+                <a:latin typeface="KoPubWorld돋움체 Medium" panose="00000600000000000000" pitchFamily="2" charset="-127"/>
+                <a:ea typeface="KoPubWorld돋움체 Medium" panose="00000600000000000000" pitchFamily="2" charset="-127"/>
+                <a:cs typeface="KoPubWorld돋움체 Medium" panose="00000600000000000000" pitchFamily="2" charset="-127"/>
+              </a:rPr>
               <a:t>ELMo</a:t>
             </a:r>
             <a:r>
-              <a:rPr lang="ko-KR" altLang="en-US" dirty="0"/>
+              <a:rPr lang="ko-KR" altLang="en-US" sz="1400" dirty="0">
+                <a:latin typeface="KoPubWorld돋움체 Medium" panose="00000600000000000000" pitchFamily="2" charset="-127"/>
+                <a:ea typeface="KoPubWorld돋움체 Medium" panose="00000600000000000000" pitchFamily="2" charset="-127"/>
+                <a:cs typeface="KoPubWorld돋움체 Medium" panose="00000600000000000000" pitchFamily="2" charset="-127"/>
+              </a:rPr>
               <a:t>에서는 순방향과 역방향이라는 두 개의 </a:t>
             </a:r>
             <a:r>
-              <a:rPr lang="ko-KR" altLang="en-US" dirty="0" err="1"/>
+              <a:rPr lang="ko-KR" altLang="en-US" sz="1400" dirty="0" err="1">
+                <a:latin typeface="KoPubWorld돋움체 Medium" panose="00000600000000000000" pitchFamily="2" charset="-127"/>
+                <a:ea typeface="KoPubWorld돋움체 Medium" panose="00000600000000000000" pitchFamily="2" charset="-127"/>
+                <a:cs typeface="KoPubWorld돋움체 Medium" panose="00000600000000000000" pitchFamily="2" charset="-127"/>
+              </a:rPr>
               <a:t>단방향</a:t>
             </a:r>
             <a:r>
-              <a:rPr lang="ko-KR" altLang="en-US" dirty="0"/>
+              <a:rPr lang="ko-KR" altLang="en-US" sz="1400" dirty="0">
+                <a:latin typeface="KoPubWorld돋움체 Medium" panose="00000600000000000000" pitchFamily="2" charset="-127"/>
+                <a:ea typeface="KoPubWorld돋움체 Medium" panose="00000600000000000000" pitchFamily="2" charset="-127"/>
+                <a:cs typeface="KoPubWorld돋움체 Medium" panose="00000600000000000000" pitchFamily="2" charset="-127"/>
+              </a:rPr>
               <a:t> 언어 모델을 따로 준비하여 학습하는 방법을 </a:t>
             </a:r>
             <a:r>
-              <a:rPr lang="ko-KR" altLang="en-US" dirty="0" smtClean="0"/>
+              <a:rPr lang="ko-KR" altLang="en-US" sz="1400" dirty="0">
+                <a:latin typeface="KoPubWorld돋움체 Medium" panose="00000600000000000000" pitchFamily="2" charset="-127"/>
+                <a:ea typeface="KoPubWorld돋움체 Medium" panose="00000600000000000000" pitchFamily="2" charset="-127"/>
+                <a:cs typeface="KoPubWorld돋움체 Medium" panose="00000600000000000000" pitchFamily="2" charset="-127"/>
+              </a:rPr>
               <a:t>사용</a:t>
             </a:r>
             <a:r>
-              <a:rPr lang="en-US" altLang="ko-KR" dirty="0" smtClean="0"/>
+              <a:rPr lang="en-US" altLang="ko-KR" sz="1400" dirty="0">
+                <a:latin typeface="KoPubWorld돋움체 Medium" panose="00000600000000000000" pitchFamily="2" charset="-127"/>
+                <a:ea typeface="KoPubWorld돋움체 Medium" panose="00000600000000000000" pitchFamily="2" charset="-127"/>
+                <a:cs typeface="KoPubWorld돋움체 Medium" panose="00000600000000000000" pitchFamily="2" charset="-127"/>
+              </a:rPr>
               <a:t>)</a:t>
             </a:r>
           </a:p>
           <a:p>
             <a:r>
-              <a:rPr lang="en-US" altLang="ko-KR" dirty="0"/>
+              <a:rPr lang="en-US" altLang="ko-KR" sz="1400" dirty="0">
+                <a:latin typeface="KoPubWorld돋움체 Medium" panose="00000600000000000000" pitchFamily="2" charset="-127"/>
+                <a:ea typeface="KoPubWorld돋움체 Medium" panose="00000600000000000000" pitchFamily="2" charset="-127"/>
+                <a:cs typeface="KoPubWorld돋움체 Medium" panose="00000600000000000000" pitchFamily="2" charset="-127"/>
+              </a:rPr>
               <a:t> </a:t>
             </a:r>
             <a:r>
-              <a:rPr lang="en-US" altLang="ko-KR" dirty="0" smtClean="0"/>
+              <a:rPr lang="en-US" altLang="ko-KR" sz="1400" dirty="0">
+                <a:latin typeface="KoPubWorld돋움체 Medium" panose="00000600000000000000" pitchFamily="2" charset="-127"/>
+                <a:ea typeface="KoPubWorld돋움체 Medium" panose="00000600000000000000" pitchFamily="2" charset="-127"/>
+                <a:cs typeface="KoPubWorld돋움체 Medium" panose="00000600000000000000" pitchFamily="2" charset="-127"/>
+              </a:rPr>
               <a:t> - </a:t>
             </a:r>
             <a:r>
-              <a:rPr lang="ko-KR" altLang="en-US" dirty="0"/>
+              <a:rPr lang="ko-KR" altLang="en-US" sz="1400" dirty="0">
+                <a:latin typeface="KoPubWorld돋움체 Medium" panose="00000600000000000000" pitchFamily="2" charset="-127"/>
+                <a:ea typeface="KoPubWorld돋움체 Medium" panose="00000600000000000000" pitchFamily="2" charset="-127"/>
+                <a:cs typeface="KoPubWorld돋움체 Medium" panose="00000600000000000000" pitchFamily="2" charset="-127"/>
+              </a:rPr>
               <a:t>양방향 구조를 도입하기 위해서 </a:t>
             </a:r>
             <a:r>
-              <a:rPr lang="en-US" altLang="ko-KR" dirty="0"/>
+              <a:rPr lang="en-US" altLang="ko-KR" sz="1400" dirty="0">
+                <a:latin typeface="KoPubWorld돋움체 Medium" panose="00000600000000000000" pitchFamily="2" charset="-127"/>
+                <a:ea typeface="KoPubWorld돋움체 Medium" panose="00000600000000000000" pitchFamily="2" charset="-127"/>
+                <a:cs typeface="KoPubWorld돋움체 Medium" panose="00000600000000000000" pitchFamily="2" charset="-127"/>
+              </a:rPr>
               <a:t>2018</a:t>
             </a:r>
             <a:r>
-              <a:rPr lang="ko-KR" altLang="en-US" dirty="0"/>
+              <a:rPr lang="ko-KR" altLang="en-US" sz="1400" dirty="0">
+                <a:latin typeface="KoPubWorld돋움체 Medium" panose="00000600000000000000" pitchFamily="2" charset="-127"/>
+                <a:ea typeface="KoPubWorld돋움체 Medium" panose="00000600000000000000" pitchFamily="2" charset="-127"/>
+                <a:cs typeface="KoPubWorld돋움체 Medium" panose="00000600000000000000" pitchFamily="2" charset="-127"/>
+              </a:rPr>
               <a:t>년에는 </a:t>
             </a:r>
             <a:r>
-              <a:rPr lang="en-US" altLang="ko-KR" dirty="0" smtClean="0"/>
+              <a:rPr lang="en-US" altLang="ko-KR" sz="1400" dirty="0">
+                <a:latin typeface="KoPubWorld돋움체 Medium" panose="00000600000000000000" pitchFamily="2" charset="-127"/>
+                <a:ea typeface="KoPubWorld돋움체 Medium" panose="00000600000000000000" pitchFamily="2" charset="-127"/>
+                <a:cs typeface="KoPubWorld돋움체 Medium" panose="00000600000000000000" pitchFamily="2" charset="-127"/>
+              </a:rPr>
               <a:t>“</a:t>
             </a:r>
             <a:r>
-              <a:rPr lang="ko-KR" altLang="en-US" dirty="0" err="1" smtClean="0"/>
+              <a:rPr lang="ko-KR" altLang="en-US" sz="1400" dirty="0" err="1">
+                <a:latin typeface="KoPubWorld돋움체 Medium" panose="00000600000000000000" pitchFamily="2" charset="-127"/>
+                <a:ea typeface="KoPubWorld돋움체 Medium" panose="00000600000000000000" pitchFamily="2" charset="-127"/>
+                <a:cs typeface="KoPubWorld돋움체 Medium" panose="00000600000000000000" pitchFamily="2" charset="-127"/>
+              </a:rPr>
               <a:t>마스크드</a:t>
             </a:r>
             <a:r>
-              <a:rPr lang="ko-KR" altLang="en-US" dirty="0" smtClean="0"/>
+              <a:rPr lang="ko-KR" altLang="en-US" sz="1400" dirty="0">
+                <a:latin typeface="KoPubWorld돋움체 Medium" panose="00000600000000000000" pitchFamily="2" charset="-127"/>
+                <a:ea typeface="KoPubWorld돋움체 Medium" panose="00000600000000000000" pitchFamily="2" charset="-127"/>
+                <a:cs typeface="KoPubWorld돋움체 Medium" panose="00000600000000000000" pitchFamily="2" charset="-127"/>
+              </a:rPr>
               <a:t> </a:t>
             </a:r>
             <a:r>
-              <a:rPr lang="ko-KR" altLang="en-US" dirty="0"/>
+              <a:rPr lang="ko-KR" altLang="en-US" sz="1400" dirty="0">
+                <a:latin typeface="KoPubWorld돋움체 Medium" panose="00000600000000000000" pitchFamily="2" charset="-127"/>
+                <a:ea typeface="KoPubWorld돋움체 Medium" panose="00000600000000000000" pitchFamily="2" charset="-127"/>
+                <a:cs typeface="KoPubWorld돋움체 Medium" panose="00000600000000000000" pitchFamily="2" charset="-127"/>
+              </a:rPr>
               <a:t>언어 </a:t>
             </a:r>
             <a:r>
-              <a:rPr lang="ko-KR" altLang="en-US" dirty="0" smtClean="0"/>
+              <a:rPr lang="ko-KR" altLang="en-US" sz="1400" dirty="0">
+                <a:latin typeface="KoPubWorld돋움체 Medium" panose="00000600000000000000" pitchFamily="2" charset="-127"/>
+                <a:ea typeface="KoPubWorld돋움체 Medium" panose="00000600000000000000" pitchFamily="2" charset="-127"/>
+                <a:cs typeface="KoPubWorld돋움체 Medium" panose="00000600000000000000" pitchFamily="2" charset="-127"/>
+              </a:rPr>
               <a:t>모델</a:t>
             </a:r>
             <a:r>
-              <a:rPr lang="en-US" altLang="ko-KR" dirty="0" smtClean="0"/>
+              <a:rPr lang="en-US" altLang="ko-KR" sz="1400" dirty="0">
+                <a:latin typeface="KoPubWorld돋움체 Medium" panose="00000600000000000000" pitchFamily="2" charset="-127"/>
+                <a:ea typeface="KoPubWorld돋움체 Medium" panose="00000600000000000000" pitchFamily="2" charset="-127"/>
+                <a:cs typeface="KoPubWorld돋움체 Medium" panose="00000600000000000000" pitchFamily="2" charset="-127"/>
+              </a:rPr>
               <a:t>”</a:t>
             </a:r>
             <a:r>
-              <a:rPr lang="ko-KR" altLang="en-US" dirty="0" smtClean="0"/>
+              <a:rPr lang="ko-KR" altLang="en-US" sz="1400" dirty="0">
+                <a:latin typeface="KoPubWorld돋움체 Medium" panose="00000600000000000000" pitchFamily="2" charset="-127"/>
+                <a:ea typeface="KoPubWorld돋움체 Medium" panose="00000600000000000000" pitchFamily="2" charset="-127"/>
+                <a:cs typeface="KoPubWorld돋움체 Medium" panose="00000600000000000000" pitchFamily="2" charset="-127"/>
+              </a:rPr>
               <a:t>이라는 새로운 </a:t>
             </a:r>
             <a:r>
-              <a:rPr lang="ko-KR" altLang="en-US" dirty="0"/>
+              <a:rPr lang="ko-KR" altLang="en-US" sz="1400" dirty="0">
+                <a:latin typeface="KoPubWorld돋움체 Medium" panose="00000600000000000000" pitchFamily="2" charset="-127"/>
+                <a:ea typeface="KoPubWorld돋움체 Medium" panose="00000600000000000000" pitchFamily="2" charset="-127"/>
+                <a:cs typeface="KoPubWorld돋움체 Medium" panose="00000600000000000000" pitchFamily="2" charset="-127"/>
+              </a:rPr>
               <a:t>구조의 언어 모델이 </a:t>
             </a:r>
             <a:r>
-              <a:rPr lang="ko-KR" altLang="en-US" dirty="0" smtClean="0"/>
+              <a:rPr lang="ko-KR" altLang="en-US" sz="1400" dirty="0">
+                <a:latin typeface="KoPubWorld돋움체 Medium" panose="00000600000000000000" pitchFamily="2" charset="-127"/>
+                <a:ea typeface="KoPubWorld돋움체 Medium" panose="00000600000000000000" pitchFamily="2" charset="-127"/>
+                <a:cs typeface="KoPubWorld돋움체 Medium" panose="00000600000000000000" pitchFamily="2" charset="-127"/>
+              </a:rPr>
               <a:t>탄생</a:t>
             </a:r>
-            <a:endParaRPr lang="en-US" altLang="ko-KR" dirty="0" smtClean="0"/>
-          </a:p>
-          <a:p>
-            <a:endParaRPr lang="en-US" altLang="ko-KR" dirty="0" smtClean="0"/>
-          </a:p>
-          <a:p>
-            <a:r>
-              <a:rPr lang="en-US" altLang="ko-KR" dirty="0"/>
+            <a:endParaRPr lang="en-US" altLang="ko-KR" sz="1400" dirty="0">
+              <a:latin typeface="KoPubWorld돋움체 Medium" panose="00000600000000000000" pitchFamily="2" charset="-127"/>
+              <a:ea typeface="KoPubWorld돋움체 Medium" panose="00000600000000000000" pitchFamily="2" charset="-127"/>
+              <a:cs typeface="KoPubWorld돋움체 Medium" panose="00000600000000000000" pitchFamily="2" charset="-127"/>
+            </a:endParaRPr>
+          </a:p>
+          <a:p>
+            <a:endParaRPr lang="en-US" altLang="ko-KR" sz="1400" dirty="0">
+              <a:latin typeface="KoPubWorld돋움체 Medium" panose="00000600000000000000" pitchFamily="2" charset="-127"/>
+              <a:ea typeface="KoPubWorld돋움체 Medium" panose="00000600000000000000" pitchFamily="2" charset="-127"/>
+              <a:cs typeface="KoPubWorld돋움체 Medium" panose="00000600000000000000" pitchFamily="2" charset="-127"/>
+            </a:endParaRPr>
+          </a:p>
+          <a:p>
+            <a:r>
+              <a:rPr lang="en-US" altLang="ko-KR" sz="1400" dirty="0">
+                <a:latin typeface="KoPubWorld돋움체 Medium" panose="00000600000000000000" pitchFamily="2" charset="-127"/>
+                <a:ea typeface="KoPubWorld돋움체 Medium" panose="00000600000000000000" pitchFamily="2" charset="-127"/>
+                <a:cs typeface="KoPubWorld돋움체 Medium" panose="00000600000000000000" pitchFamily="2" charset="-127"/>
+              </a:rPr>
               <a:t> </a:t>
             </a:r>
             <a:r>
-              <a:rPr lang="en-US" altLang="ko-KR" dirty="0" smtClean="0"/>
+              <a:rPr lang="en-US" altLang="ko-KR" sz="1400" dirty="0">
+                <a:latin typeface="KoPubWorld돋움체 Medium" panose="00000600000000000000" pitchFamily="2" charset="-127"/>
+                <a:ea typeface="KoPubWorld돋움체 Medium" panose="00000600000000000000" pitchFamily="2" charset="-127"/>
+                <a:cs typeface="KoPubWorld돋움체 Medium" panose="00000600000000000000" pitchFamily="2" charset="-127"/>
+              </a:rPr>
               <a:t> - </a:t>
             </a:r>
             <a:r>
-              <a:rPr lang="ko-KR" altLang="en-US" dirty="0"/>
+              <a:rPr lang="ko-KR" altLang="en-US" sz="1400" dirty="0">
+                <a:latin typeface="KoPubWorld돋움체 Medium" panose="00000600000000000000" pitchFamily="2" charset="-127"/>
+                <a:ea typeface="KoPubWorld돋움체 Medium" panose="00000600000000000000" pitchFamily="2" charset="-127"/>
+                <a:cs typeface="KoPubWorld돋움체 Medium" panose="00000600000000000000" pitchFamily="2" charset="-127"/>
+              </a:rPr>
               <a:t>입력 텍스트의 단어 집합의 </a:t>
             </a:r>
             <a:r>
-              <a:rPr lang="en-US" altLang="ko-KR" dirty="0"/>
+              <a:rPr lang="en-US" altLang="ko-KR" sz="1400" dirty="0">
+                <a:latin typeface="KoPubWorld돋움체 Medium" panose="00000600000000000000" pitchFamily="2" charset="-127"/>
+                <a:ea typeface="KoPubWorld돋움체 Medium" panose="00000600000000000000" pitchFamily="2" charset="-127"/>
+                <a:cs typeface="KoPubWorld돋움체 Medium" panose="00000600000000000000" pitchFamily="2" charset="-127"/>
+              </a:rPr>
               <a:t>15%</a:t>
             </a:r>
             <a:r>
-              <a:rPr lang="ko-KR" altLang="en-US" dirty="0"/>
+              <a:rPr lang="ko-KR" altLang="en-US" sz="1400" dirty="0">
+                <a:latin typeface="KoPubWorld돋움체 Medium" panose="00000600000000000000" pitchFamily="2" charset="-127"/>
+                <a:ea typeface="KoPubWorld돋움체 Medium" panose="00000600000000000000" pitchFamily="2" charset="-127"/>
+                <a:cs typeface="KoPubWorld돋움체 Medium" panose="00000600000000000000" pitchFamily="2" charset="-127"/>
+              </a:rPr>
               <a:t>의 단어를 랜덤으로 </a:t>
             </a:r>
             <a:r>
-              <a:rPr lang="ko-KR" altLang="en-US" dirty="0" err="1"/>
+              <a:rPr lang="ko-KR" altLang="en-US" sz="1400" dirty="0" err="1">
+                <a:latin typeface="KoPubWorld돋움체 Medium" panose="00000600000000000000" pitchFamily="2" charset="-127"/>
+                <a:ea typeface="KoPubWorld돋움체 Medium" panose="00000600000000000000" pitchFamily="2" charset="-127"/>
+                <a:cs typeface="KoPubWorld돋움체 Medium" panose="00000600000000000000" pitchFamily="2" charset="-127"/>
+              </a:rPr>
               <a:t>마스킹</a:t>
             </a:r>
             <a:r>
-              <a:rPr lang="en-US" altLang="ko-KR" dirty="0"/>
+              <a:rPr lang="en-US" altLang="ko-KR" sz="1400" dirty="0">
+                <a:latin typeface="KoPubWorld돋움체 Medium" panose="00000600000000000000" pitchFamily="2" charset="-127"/>
+                <a:ea typeface="KoPubWorld돋움체 Medium" panose="00000600000000000000" pitchFamily="2" charset="-127"/>
+                <a:cs typeface="KoPubWorld돋움체 Medium" panose="00000600000000000000" pitchFamily="2" charset="-127"/>
+              </a:rPr>
               <a:t>(Masking</a:t>
             </a:r>
             <a:r>
-              <a:rPr lang="en-US" altLang="ko-KR" dirty="0" smtClean="0"/>
+              <a:rPr lang="en-US" altLang="ko-KR" sz="1400" dirty="0">
+                <a:latin typeface="KoPubWorld돋움체 Medium" panose="00000600000000000000" pitchFamily="2" charset="-127"/>
+                <a:ea typeface="KoPubWorld돋움체 Medium" panose="00000600000000000000" pitchFamily="2" charset="-127"/>
+                <a:cs typeface="KoPubWorld돋움체 Medium" panose="00000600000000000000" pitchFamily="2" charset="-127"/>
+              </a:rPr>
               <a:t>)</a:t>
             </a:r>
           </a:p>
           <a:p>
             <a:r>
-              <a:rPr lang="en-US" altLang="ko-KR" dirty="0"/>
+              <a:rPr lang="en-US" altLang="ko-KR" sz="1400" dirty="0">
+                <a:latin typeface="KoPubWorld돋움체 Medium" panose="00000600000000000000" pitchFamily="2" charset="-127"/>
+                <a:ea typeface="KoPubWorld돋움체 Medium" panose="00000600000000000000" pitchFamily="2" charset="-127"/>
+                <a:cs typeface="KoPubWorld돋움체 Medium" panose="00000600000000000000" pitchFamily="2" charset="-127"/>
+              </a:rPr>
               <a:t> </a:t>
             </a:r>
             <a:r>
-              <a:rPr lang="en-US" altLang="ko-KR" dirty="0" smtClean="0"/>
+              <a:rPr lang="en-US" altLang="ko-KR" sz="1400" dirty="0">
+                <a:latin typeface="KoPubWorld돋움체 Medium" panose="00000600000000000000" pitchFamily="2" charset="-127"/>
+                <a:ea typeface="KoPubWorld돋움체 Medium" panose="00000600000000000000" pitchFamily="2" charset="-127"/>
+                <a:cs typeface="KoPubWorld돋움체 Medium" panose="00000600000000000000" pitchFamily="2" charset="-127"/>
+              </a:rPr>
               <a:t> - </a:t>
             </a:r>
             <a:r>
-              <a:rPr lang="ko-KR" altLang="en-US" dirty="0" err="1"/>
+              <a:rPr lang="ko-KR" altLang="en-US" sz="1400" dirty="0" err="1">
+                <a:latin typeface="KoPubWorld돋움체 Medium" panose="00000600000000000000" pitchFamily="2" charset="-127"/>
+                <a:ea typeface="KoPubWorld돋움체 Medium" panose="00000600000000000000" pitchFamily="2" charset="-127"/>
+                <a:cs typeface="KoPubWorld돋움체 Medium" panose="00000600000000000000" pitchFamily="2" charset="-127"/>
+              </a:rPr>
               <a:t>마스킹</a:t>
             </a:r>
             <a:r>
-              <a:rPr lang="ko-KR" altLang="en-US" dirty="0"/>
+              <a:rPr lang="ko-KR" altLang="en-US" sz="1400" dirty="0">
+                <a:latin typeface="KoPubWorld돋움체 Medium" panose="00000600000000000000" pitchFamily="2" charset="-127"/>
+                <a:ea typeface="KoPubWorld돋움체 Medium" panose="00000600000000000000" pitchFamily="2" charset="-127"/>
+                <a:cs typeface="KoPubWorld돋움체 Medium" panose="00000600000000000000" pitchFamily="2" charset="-127"/>
+              </a:rPr>
               <a:t> 된 단어들을</a:t>
             </a:r>
             <a:r>
-              <a:rPr lang="en-US" altLang="ko-KR" dirty="0"/>
+              <a:rPr lang="en-US" altLang="ko-KR" sz="1400" dirty="0">
+                <a:latin typeface="KoPubWorld돋움체 Medium" panose="00000600000000000000" pitchFamily="2" charset="-127"/>
+                <a:ea typeface="KoPubWorld돋움체 Medium" panose="00000600000000000000" pitchFamily="2" charset="-127"/>
+                <a:cs typeface="KoPubWorld돋움체 Medium" panose="00000600000000000000" pitchFamily="2" charset="-127"/>
+              </a:rPr>
               <a:t>(Masked words) </a:t>
             </a:r>
             <a:r>
-              <a:rPr lang="ko-KR" altLang="en-US" dirty="0" smtClean="0"/>
+              <a:rPr lang="ko-KR" altLang="en-US" sz="1400" dirty="0">
+                <a:latin typeface="KoPubWorld돋움체 Medium" panose="00000600000000000000" pitchFamily="2" charset="-127"/>
+                <a:ea typeface="KoPubWorld돋움체 Medium" panose="00000600000000000000" pitchFamily="2" charset="-127"/>
+                <a:cs typeface="KoPubWorld돋움체 Medium" panose="00000600000000000000" pitchFamily="2" charset="-127"/>
+              </a:rPr>
               <a:t>예측하도록 함</a:t>
             </a:r>
             <a:r>
-              <a:rPr lang="en-US" altLang="ko-KR" dirty="0" smtClean="0"/>
+              <a:rPr lang="en-US" altLang="ko-KR" sz="1400" dirty="0">
+                <a:latin typeface="KoPubWorld돋움체 Medium" panose="00000600000000000000" pitchFamily="2" charset="-127"/>
+                <a:ea typeface="KoPubWorld돋움체 Medium" panose="00000600000000000000" pitchFamily="2" charset="-127"/>
+                <a:cs typeface="KoPubWorld돋움체 Medium" panose="00000600000000000000" pitchFamily="2" charset="-127"/>
+              </a:rPr>
               <a:t>.</a:t>
             </a:r>
-            <a:endParaRPr lang="ko-KR" altLang="en-US" dirty="0" smtClean="0"/>
-          </a:p>
-        </p:txBody>
-      </p:sp>
-      <p:sp>
-        <p:nvSpPr>
-          <p:cNvPr id="6" name="TextBox 5"/>
+            <a:endParaRPr lang="ko-KR" altLang="en-US" sz="1400" dirty="0">
+              <a:latin typeface="KoPubWorld돋움체 Medium" panose="00000600000000000000" pitchFamily="2" charset="-127"/>
+              <a:ea typeface="KoPubWorld돋움체 Medium" panose="00000600000000000000" pitchFamily="2" charset="-127"/>
+              <a:cs typeface="KoPubWorld돋움체 Medium" panose="00000600000000000000" pitchFamily="2" charset="-127"/>
+            </a:endParaRPr>
+          </a:p>
+        </p:txBody>
+      </p:sp>
+      <p:sp>
+        <p:nvSpPr>
+          <p:cNvPr id="5" name="TextBox 4"/>
           <p:cNvSpPr txBox="1"/>
           <p:nvPr/>
         </p:nvSpPr>
         <p:spPr>
           <a:xfrm>
-            <a:off x="495546" y="785859"/>
-            <a:ext cx="3520451" cy="369332"/>
+            <a:off x="345233" y="397552"/>
+            <a:ext cx="3360215" cy="369332"/>
           </a:xfrm>
           <a:prstGeom prst="rect">
             <a:avLst/>
@@ -4982,18 +6327,121 @@
           <a:lstStyle/>
           <a:p>
             <a:r>
-              <a:rPr lang="en-US" altLang="ko-KR" dirty="0" smtClean="0"/>
+              <a:rPr lang="en-US" altLang="ko-KR" dirty="0">
+                <a:latin typeface="KoPubWorld돋움체 Bold" panose="00000800000000000000" pitchFamily="2" charset="-127"/>
+                <a:ea typeface="KoPubWorld돋움체 Bold" panose="00000800000000000000" pitchFamily="2" charset="-127"/>
+                <a:cs typeface="KoPubWorld돋움체 Bold" panose="00000800000000000000" pitchFamily="2" charset="-127"/>
+              </a:rPr>
               <a:t>NLP</a:t>
             </a:r>
             <a:r>
-              <a:rPr lang="ko-KR" altLang="en-US" dirty="0" smtClean="0"/>
+              <a:rPr lang="ko-KR" altLang="en-US" dirty="0">
+                <a:latin typeface="KoPubWorld돋움체 Bold" panose="00000800000000000000" pitchFamily="2" charset="-127"/>
+                <a:ea typeface="KoPubWorld돋움체 Bold" panose="00000800000000000000" pitchFamily="2" charset="-127"/>
+                <a:cs typeface="KoPubWorld돋움체 Bold" panose="00000800000000000000" pitchFamily="2" charset="-127"/>
+              </a:rPr>
               <a:t>에서 사전 훈련</a:t>
             </a:r>
             <a:r>
-              <a:rPr lang="en-US" altLang="ko-KR" dirty="0" smtClean="0"/>
+              <a:rPr lang="en-US" altLang="ko-KR" dirty="0">
+                <a:latin typeface="KoPubWorld돋움체 Bold" panose="00000800000000000000" pitchFamily="2" charset="-127"/>
+                <a:ea typeface="KoPubWorld돋움체 Bold" panose="00000800000000000000" pitchFamily="2" charset="-127"/>
+                <a:cs typeface="KoPubWorld돋움체 Bold" panose="00000800000000000000" pitchFamily="2" charset="-127"/>
+              </a:rPr>
               <a:t>(Pre-training)</a:t>
             </a:r>
-            <a:endParaRPr lang="ko-KR" altLang="en-US" dirty="0"/>
+            <a:endParaRPr lang="ko-KR" altLang="en-US" dirty="0">
+              <a:latin typeface="KoPubWorld돋움체 Bold" panose="00000800000000000000" pitchFamily="2" charset="-127"/>
+              <a:ea typeface="KoPubWorld돋움체 Bold" panose="00000800000000000000" pitchFamily="2" charset="-127"/>
+              <a:cs typeface="KoPubWorld돋움체 Bold" panose="00000800000000000000" pitchFamily="2" charset="-127"/>
+            </a:endParaRPr>
+          </a:p>
+        </p:txBody>
+      </p:sp>
+      <p:sp>
+        <p:nvSpPr>
+          <p:cNvPr id="7" name="TextBox 6"/>
+          <p:cNvSpPr txBox="1"/>
+          <p:nvPr/>
+        </p:nvSpPr>
+        <p:spPr>
+          <a:xfrm>
+            <a:off x="9591553" y="72083"/>
+            <a:ext cx="2204450" cy="246221"/>
+          </a:xfrm>
+          <a:prstGeom prst="rect">
+            <a:avLst/>
+          </a:prstGeom>
+          <a:noFill/>
+        </p:spPr>
+        <p:txBody>
+          <a:bodyPr wrap="none" rtlCol="0">
+            <a:spAutoFit/>
+          </a:bodyPr>
+          <a:lstStyle/>
+          <a:p>
+            <a:r>
+              <a:rPr lang="ko-KR" altLang="en-US" sz="1000" dirty="0" smtClean="0">
+                <a:solidFill>
+                  <a:schemeClr val="bg1">
+                    <a:lumMod val="75000"/>
+                  </a:schemeClr>
+                </a:solidFill>
+                <a:latin typeface="KoPubWorld돋움체 Light" panose="00000300000000000000" pitchFamily="2" charset="-127"/>
+                <a:ea typeface="KoPubWorld돋움체 Light" panose="00000300000000000000" pitchFamily="2" charset="-127"/>
+                <a:cs typeface="KoPubWorld돋움체 Light" panose="00000300000000000000" pitchFamily="2" charset="-127"/>
+              </a:rPr>
+              <a:t>출처</a:t>
+            </a:r>
+            <a:r>
+              <a:rPr lang="en-US" altLang="ko-KR" sz="1000" dirty="0" smtClean="0">
+                <a:solidFill>
+                  <a:schemeClr val="bg1">
+                    <a:lumMod val="75000"/>
+                  </a:schemeClr>
+                </a:solidFill>
+                <a:latin typeface="KoPubWorld돋움체 Light" panose="00000300000000000000" pitchFamily="2" charset="-127"/>
+                <a:ea typeface="KoPubWorld돋움체 Light" panose="00000300000000000000" pitchFamily="2" charset="-127"/>
+                <a:cs typeface="KoPubWorld돋움체 Light" panose="00000300000000000000" pitchFamily="2" charset="-127"/>
+              </a:rPr>
+              <a:t>: </a:t>
+            </a:r>
+            <a:r>
+              <a:rPr lang="ko-KR" altLang="en-US" sz="1000" dirty="0" err="1" smtClean="0">
+                <a:solidFill>
+                  <a:schemeClr val="bg1">
+                    <a:lumMod val="75000"/>
+                  </a:schemeClr>
+                </a:solidFill>
+                <a:latin typeface="KoPubWorld돋움체 Light" panose="00000300000000000000" pitchFamily="2" charset="-127"/>
+                <a:ea typeface="KoPubWorld돋움체 Light" panose="00000300000000000000" pitchFamily="2" charset="-127"/>
+                <a:cs typeface="KoPubWorld돋움체 Light" panose="00000300000000000000" pitchFamily="2" charset="-127"/>
+              </a:rPr>
+              <a:t>딥러닝을</a:t>
+            </a:r>
+            <a:r>
+              <a:rPr lang="ko-KR" altLang="en-US" sz="1000" dirty="0" smtClean="0">
+                <a:solidFill>
+                  <a:schemeClr val="bg1">
+                    <a:lumMod val="75000"/>
+                  </a:schemeClr>
+                </a:solidFill>
+                <a:latin typeface="KoPubWorld돋움체 Light" panose="00000300000000000000" pitchFamily="2" charset="-127"/>
+                <a:ea typeface="KoPubWorld돋움체 Light" panose="00000300000000000000" pitchFamily="2" charset="-127"/>
+                <a:cs typeface="KoPubWorld돋움체 Light" panose="00000300000000000000" pitchFamily="2" charset="-127"/>
+              </a:rPr>
+              <a:t> 이용한 자연어 처리 입문</a:t>
+            </a:r>
+            <a:endParaRPr lang="ko-KR" altLang="en-US" sz="1000" dirty="0">
+              <a:solidFill>
+                <a:schemeClr val="bg1">
+                  <a:lumMod val="75000"/>
+                </a:schemeClr>
+              </a:solidFill>
+              <a:latin typeface="KoPubWorld돋움체 Light" panose="00000300000000000000" pitchFamily="2" charset="-127"/>
+              <a:ea typeface="KoPubWorld돋움체 Light" panose="00000300000000000000" pitchFamily="2" charset="-127"/>
+              <a:cs typeface="KoPubWorld돋움체 Light" panose="00000300000000000000" pitchFamily="2" charset="-127"/>
+            </a:endParaRPr>
           </a:p>
         </p:txBody>
       </p:sp>
@@ -5036,7 +6484,7 @@
         <p:spPr>
           <a:xfrm>
             <a:off x="495546" y="383458"/>
-            <a:ext cx="7495578" cy="369332"/>
+            <a:ext cx="7582525" cy="369332"/>
           </a:xfrm>
           <a:prstGeom prst="rect">
             <a:avLst/>
@@ -5050,10 +6498,18 @@
           <a:lstStyle/>
           <a:p>
             <a:r>
-              <a:rPr lang="en-US" altLang="ko-KR" dirty="0" smtClean="0"/>
+              <a:rPr lang="en-US" altLang="ko-KR" dirty="0">
+                <a:latin typeface="KoPubWorld돋움체 Bold" panose="00000800000000000000" pitchFamily="2" charset="-127"/>
+                <a:ea typeface="KoPubWorld돋움체 Bold" panose="00000800000000000000" pitchFamily="2" charset="-127"/>
+                <a:cs typeface="KoPubWorld돋움체 Bold" panose="00000800000000000000" pitchFamily="2" charset="-127"/>
+              </a:rPr>
               <a:t>BERT(Bidirectional Encoder Representations from Transformers, BERT)</a:t>
             </a:r>
-            <a:endParaRPr lang="ko-KR" altLang="en-US" dirty="0"/>
+            <a:endParaRPr lang="ko-KR" altLang="en-US" dirty="0">
+              <a:latin typeface="KoPubWorld돋움체 Bold" panose="00000800000000000000" pitchFamily="2" charset="-127"/>
+              <a:ea typeface="KoPubWorld돋움체 Bold" panose="00000800000000000000" pitchFamily="2" charset="-127"/>
+              <a:cs typeface="KoPubWorld돋움체 Bold" panose="00000800000000000000" pitchFamily="2" charset="-127"/>
+            </a:endParaRPr>
           </a:p>
         </p:txBody>
       </p:sp>
@@ -5065,8 +6521,8 @@
         </p:nvSpPr>
         <p:spPr>
           <a:xfrm>
-            <a:off x="615497" y="1331486"/>
-            <a:ext cx="11318897" cy="923330"/>
+            <a:off x="615498" y="930653"/>
+            <a:ext cx="11200140" cy="1415772"/>
           </a:xfrm>
           <a:prstGeom prst="rect">
             <a:avLst/>
@@ -5080,92 +6536,509 @@
           <a:lstStyle/>
           <a:p>
             <a:r>
-              <a:rPr lang="en-US" altLang="ko-KR" dirty="0" smtClean="0"/>
+              <a:rPr lang="en-US" altLang="ko-KR" sz="1600" dirty="0">
+                <a:latin typeface="KoPubWorld돋움체 Medium" panose="00000600000000000000" pitchFamily="2" charset="-127"/>
+                <a:ea typeface="KoPubWorld돋움체 Medium" panose="00000600000000000000" pitchFamily="2" charset="-127"/>
+                <a:cs typeface="KoPubWorld돋움체 Medium" panose="00000600000000000000" pitchFamily="2" charset="-127"/>
+              </a:rPr>
               <a:t>1. BERT </a:t>
             </a:r>
             <a:r>
-              <a:rPr lang="ko-KR" altLang="en-US" dirty="0" smtClean="0"/>
+              <a:rPr lang="ko-KR" altLang="en-US" sz="1600" dirty="0">
+                <a:latin typeface="KoPubWorld돋움체 Medium" panose="00000600000000000000" pitchFamily="2" charset="-127"/>
+                <a:ea typeface="KoPubWorld돋움체 Medium" panose="00000600000000000000" pitchFamily="2" charset="-127"/>
+                <a:cs typeface="KoPubWorld돋움체 Medium" panose="00000600000000000000" pitchFamily="2" charset="-127"/>
+              </a:rPr>
               <a:t>개요</a:t>
             </a:r>
-            <a:endParaRPr lang="en-US" altLang="ko-KR" dirty="0" smtClean="0"/>
-          </a:p>
-          <a:p>
-            <a:r>
-              <a:rPr lang="ko-KR" altLang="en-US" dirty="0" smtClean="0"/>
+            <a:endParaRPr lang="en-US" altLang="ko-KR" sz="1600" dirty="0">
+              <a:latin typeface="KoPubWorld돋움체 Medium" panose="00000600000000000000" pitchFamily="2" charset="-127"/>
+              <a:ea typeface="KoPubWorld돋움체 Medium" panose="00000600000000000000" pitchFamily="2" charset="-127"/>
+              <a:cs typeface="KoPubWorld돋움체 Medium" panose="00000600000000000000" pitchFamily="2" charset="-127"/>
+            </a:endParaRPr>
+          </a:p>
+          <a:p>
+            <a:r>
+              <a:rPr lang="ko-KR" altLang="en-US" sz="1400" dirty="0">
+                <a:latin typeface="KoPubWorld돋움체 Medium" panose="00000600000000000000" pitchFamily="2" charset="-127"/>
+                <a:ea typeface="KoPubWorld돋움체 Medium" panose="00000600000000000000" pitchFamily="2" charset="-127"/>
+                <a:cs typeface="KoPubWorld돋움체 Medium" panose="00000600000000000000" pitchFamily="2" charset="-127"/>
+              </a:rPr>
               <a:t>  </a:t>
             </a:r>
             <a:r>
-              <a:rPr lang="en-US" altLang="ko-KR" dirty="0" smtClean="0"/>
+              <a:rPr lang="en-US" altLang="ko-KR" sz="1400" dirty="0">
+                <a:latin typeface="KoPubWorld돋움체 Medium" panose="00000600000000000000" pitchFamily="2" charset="-127"/>
+                <a:ea typeface="KoPubWorld돋움체 Medium" panose="00000600000000000000" pitchFamily="2" charset="-127"/>
+                <a:cs typeface="KoPubWorld돋움체 Medium" panose="00000600000000000000" pitchFamily="2" charset="-127"/>
+              </a:rPr>
               <a:t>- </a:t>
             </a:r>
             <a:r>
-              <a:rPr lang="en-US" altLang="ko-KR" dirty="0"/>
+              <a:rPr lang="en-US" altLang="ko-KR" sz="1400" dirty="0">
+                <a:latin typeface="KoPubWorld돋움체 Medium" panose="00000600000000000000" pitchFamily="2" charset="-127"/>
+                <a:ea typeface="KoPubWorld돋움체 Medium" panose="00000600000000000000" pitchFamily="2" charset="-127"/>
+                <a:cs typeface="KoPubWorld돋움체 Medium" panose="00000600000000000000" pitchFamily="2" charset="-127"/>
+              </a:rPr>
               <a:t>2018</a:t>
             </a:r>
             <a:r>
-              <a:rPr lang="ko-KR" altLang="en-US" dirty="0"/>
-              <a:t>년에 </a:t>
-            </a:r>
-            <a:r>
-              <a:rPr lang="ko-KR" altLang="en-US" dirty="0" err="1"/>
-              <a:t>구글이</a:t>
-            </a:r>
-            <a:r>
-              <a:rPr lang="ko-KR" altLang="en-US" dirty="0"/>
-              <a:t> 공개한 사전 훈련된 모델</a:t>
-            </a:r>
-            <a:endParaRPr lang="en-US" altLang="ko-KR" dirty="0" smtClean="0"/>
-          </a:p>
-          <a:p>
-            <a:r>
-              <a:rPr lang="en-US" altLang="ko-KR" dirty="0"/>
+              <a:rPr lang="ko-KR" altLang="en-US" sz="1400" dirty="0">
+                <a:latin typeface="KoPubWorld돋움체 Medium" panose="00000600000000000000" pitchFamily="2" charset="-127"/>
+                <a:ea typeface="KoPubWorld돋움체 Medium" panose="00000600000000000000" pitchFamily="2" charset="-127"/>
+                <a:cs typeface="KoPubWorld돋움체 Medium" panose="00000600000000000000" pitchFamily="2" charset="-127"/>
+              </a:rPr>
+              <a:t>년에 구글이 공개한 사전 훈련된 </a:t>
+            </a:r>
+            <a:r>
+              <a:rPr lang="ko-KR" altLang="en-US" sz="1400" dirty="0" smtClean="0">
+                <a:latin typeface="KoPubWorld돋움체 Medium" panose="00000600000000000000" pitchFamily="2" charset="-127"/>
+                <a:ea typeface="KoPubWorld돋움체 Medium" panose="00000600000000000000" pitchFamily="2" charset="-127"/>
+                <a:cs typeface="KoPubWorld돋움체 Medium" panose="00000600000000000000" pitchFamily="2" charset="-127"/>
+              </a:rPr>
+              <a:t>모델</a:t>
+            </a:r>
+            <a:endParaRPr lang="en-US" altLang="ko-KR" sz="1400" dirty="0" smtClean="0">
+              <a:latin typeface="KoPubWorld돋움체 Medium" panose="00000600000000000000" pitchFamily="2" charset="-127"/>
+              <a:ea typeface="KoPubWorld돋움체 Medium" panose="00000600000000000000" pitchFamily="2" charset="-127"/>
+              <a:cs typeface="KoPubWorld돋움체 Medium" panose="00000600000000000000" pitchFamily="2" charset="-127"/>
+            </a:endParaRPr>
+          </a:p>
+          <a:p>
+            <a:r>
+              <a:rPr lang="en-US" altLang="ko-KR" sz="1400" dirty="0">
+                <a:latin typeface="KoPubWorld돋움체 Medium" panose="00000600000000000000" pitchFamily="2" charset="-127"/>
+                <a:ea typeface="KoPubWorld돋움체 Medium" panose="00000600000000000000" pitchFamily="2" charset="-127"/>
+                <a:cs typeface="KoPubWorld돋움체 Medium" panose="00000600000000000000" pitchFamily="2" charset="-127"/>
+              </a:rPr>
               <a:t> </a:t>
             </a:r>
             <a:r>
-              <a:rPr lang="en-US" altLang="ko-KR" dirty="0" smtClean="0"/>
+              <a:rPr lang="en-US" altLang="ko-KR" sz="1400" dirty="0" smtClean="0">
+                <a:latin typeface="KoPubWorld돋움체 Medium" panose="00000600000000000000" pitchFamily="2" charset="-127"/>
+                <a:ea typeface="KoPubWorld돋움체 Medium" panose="00000600000000000000" pitchFamily="2" charset="-127"/>
+                <a:cs typeface="KoPubWorld돋움체 Medium" panose="00000600000000000000" pitchFamily="2" charset="-127"/>
+              </a:rPr>
               <a:t> - </a:t>
             </a:r>
             <a:r>
-              <a:rPr lang="ko-KR" altLang="en-US" dirty="0"/>
+              <a:rPr lang="ko-KR" altLang="en-US" sz="1400" dirty="0">
+                <a:latin typeface="KoPubWorld돋움체 Medium" panose="00000600000000000000" pitchFamily="2" charset="-127"/>
+                <a:ea typeface="KoPubWorld돋움체 Medium" panose="00000600000000000000" pitchFamily="2" charset="-127"/>
+                <a:cs typeface="KoPubWorld돋움체 Medium" panose="00000600000000000000" pitchFamily="2" charset="-127"/>
+              </a:rPr>
+              <a:t>이전 챕터에서 배웠던 트랜스포머를 이용하여 구현되었으며</a:t>
+            </a:r>
+            <a:r>
+              <a:rPr lang="en-US" altLang="ko-KR" sz="1400" dirty="0">
+                <a:latin typeface="KoPubWorld돋움체 Medium" panose="00000600000000000000" pitchFamily="2" charset="-127"/>
+                <a:ea typeface="KoPubWorld돋움체 Medium" panose="00000600000000000000" pitchFamily="2" charset="-127"/>
+                <a:cs typeface="KoPubWorld돋움체 Medium" panose="00000600000000000000" pitchFamily="2" charset="-127"/>
+              </a:rPr>
+              <a:t>, </a:t>
+            </a:r>
+            <a:r>
+              <a:rPr lang="ko-KR" altLang="en-US" sz="1400" dirty="0">
+                <a:latin typeface="KoPubWorld돋움체 Medium" panose="00000600000000000000" pitchFamily="2" charset="-127"/>
+                <a:ea typeface="KoPubWorld돋움체 Medium" panose="00000600000000000000" pitchFamily="2" charset="-127"/>
+                <a:cs typeface="KoPubWorld돋움체 Medium" panose="00000600000000000000" pitchFamily="2" charset="-127"/>
+              </a:rPr>
+              <a:t>위키피디아</a:t>
+            </a:r>
+            <a:r>
+              <a:rPr lang="en-US" altLang="ko-KR" sz="1400" dirty="0">
+                <a:latin typeface="KoPubWorld돋움체 Medium" panose="00000600000000000000" pitchFamily="2" charset="-127"/>
+                <a:ea typeface="KoPubWorld돋움체 Medium" panose="00000600000000000000" pitchFamily="2" charset="-127"/>
+                <a:cs typeface="KoPubWorld돋움체 Medium" panose="00000600000000000000" pitchFamily="2" charset="-127"/>
+              </a:rPr>
+              <a:t>(25</a:t>
+            </a:r>
+            <a:r>
+              <a:rPr lang="ko-KR" altLang="en-US" sz="1400" dirty="0">
+                <a:latin typeface="KoPubWorld돋움체 Medium" panose="00000600000000000000" pitchFamily="2" charset="-127"/>
+                <a:ea typeface="KoPubWorld돋움체 Medium" panose="00000600000000000000" pitchFamily="2" charset="-127"/>
+                <a:cs typeface="KoPubWorld돋움체 Medium" panose="00000600000000000000" pitchFamily="2" charset="-127"/>
+              </a:rPr>
+              <a:t>억 단어</a:t>
+            </a:r>
+            <a:r>
+              <a:rPr lang="en-US" altLang="ko-KR" sz="1400" dirty="0">
+                <a:latin typeface="KoPubWorld돋움체 Medium" panose="00000600000000000000" pitchFamily="2" charset="-127"/>
+                <a:ea typeface="KoPubWorld돋움체 Medium" panose="00000600000000000000" pitchFamily="2" charset="-127"/>
+                <a:cs typeface="KoPubWorld돋움체 Medium" panose="00000600000000000000" pitchFamily="2" charset="-127"/>
+              </a:rPr>
+              <a:t>)</a:t>
+            </a:r>
+            <a:r>
+              <a:rPr lang="ko-KR" altLang="en-US" sz="1400" dirty="0">
+                <a:latin typeface="KoPubWorld돋움체 Medium" panose="00000600000000000000" pitchFamily="2" charset="-127"/>
+                <a:ea typeface="KoPubWorld돋움체 Medium" panose="00000600000000000000" pitchFamily="2" charset="-127"/>
+                <a:cs typeface="KoPubWorld돋움체 Medium" panose="00000600000000000000" pitchFamily="2" charset="-127"/>
+              </a:rPr>
+              <a:t>와 </a:t>
+            </a:r>
+            <a:r>
+              <a:rPr lang="en-US" altLang="ko-KR" sz="1400" dirty="0" err="1">
+                <a:latin typeface="KoPubWorld돋움체 Medium" panose="00000600000000000000" pitchFamily="2" charset="-127"/>
+                <a:ea typeface="KoPubWorld돋움체 Medium" panose="00000600000000000000" pitchFamily="2" charset="-127"/>
+                <a:cs typeface="KoPubWorld돋움체 Medium" panose="00000600000000000000" pitchFamily="2" charset="-127"/>
+              </a:rPr>
+              <a:t>BooksCorpus</a:t>
+            </a:r>
+            <a:r>
+              <a:rPr lang="en-US" altLang="ko-KR" sz="1400" dirty="0">
+                <a:latin typeface="KoPubWorld돋움체 Medium" panose="00000600000000000000" pitchFamily="2" charset="-127"/>
+                <a:ea typeface="KoPubWorld돋움체 Medium" panose="00000600000000000000" pitchFamily="2" charset="-127"/>
+                <a:cs typeface="KoPubWorld돋움체 Medium" panose="00000600000000000000" pitchFamily="2" charset="-127"/>
+              </a:rPr>
+              <a:t>(8</a:t>
+            </a:r>
+            <a:r>
+              <a:rPr lang="ko-KR" altLang="en-US" sz="1400" dirty="0">
+                <a:latin typeface="KoPubWorld돋움체 Medium" panose="00000600000000000000" pitchFamily="2" charset="-127"/>
+                <a:ea typeface="KoPubWorld돋움체 Medium" panose="00000600000000000000" pitchFamily="2" charset="-127"/>
+                <a:cs typeface="KoPubWorld돋움체 Medium" panose="00000600000000000000" pitchFamily="2" charset="-127"/>
+              </a:rPr>
+              <a:t>억 단어</a:t>
+            </a:r>
+            <a:r>
+              <a:rPr lang="en-US" altLang="ko-KR" sz="1400" dirty="0">
+                <a:latin typeface="KoPubWorld돋움체 Medium" panose="00000600000000000000" pitchFamily="2" charset="-127"/>
+                <a:ea typeface="KoPubWorld돋움체 Medium" panose="00000600000000000000" pitchFamily="2" charset="-127"/>
+                <a:cs typeface="KoPubWorld돋움체 Medium" panose="00000600000000000000" pitchFamily="2" charset="-127"/>
+              </a:rPr>
+              <a:t>)</a:t>
+            </a:r>
+            <a:r>
+              <a:rPr lang="ko-KR" altLang="en-US" sz="1400" dirty="0">
+                <a:latin typeface="KoPubWorld돋움체 Medium" panose="00000600000000000000" pitchFamily="2" charset="-127"/>
+                <a:ea typeface="KoPubWorld돋움체 Medium" panose="00000600000000000000" pitchFamily="2" charset="-127"/>
+                <a:cs typeface="KoPubWorld돋움체 Medium" panose="00000600000000000000" pitchFamily="2" charset="-127"/>
+              </a:rPr>
+              <a:t>와 같은 레이블이 없는 텍스트 데이터로 사전 훈련된 언어 </a:t>
+            </a:r>
+            <a:r>
+              <a:rPr lang="ko-KR" altLang="en-US" sz="1400" dirty="0" smtClean="0">
+                <a:latin typeface="KoPubWorld돋움체 Medium" panose="00000600000000000000" pitchFamily="2" charset="-127"/>
+                <a:ea typeface="KoPubWorld돋움체 Medium" panose="00000600000000000000" pitchFamily="2" charset="-127"/>
+                <a:cs typeface="KoPubWorld돋움체 Medium" panose="00000600000000000000" pitchFamily="2" charset="-127"/>
+              </a:rPr>
+              <a:t>모델</a:t>
+            </a:r>
+            <a:endParaRPr lang="en-US" altLang="ko-KR" sz="1400" dirty="0" smtClean="0">
+              <a:latin typeface="KoPubWorld돋움체 Medium" panose="00000600000000000000" pitchFamily="2" charset="-127"/>
+              <a:ea typeface="KoPubWorld돋움체 Medium" panose="00000600000000000000" pitchFamily="2" charset="-127"/>
+              <a:cs typeface="KoPubWorld돋움체 Medium" panose="00000600000000000000" pitchFamily="2" charset="-127"/>
+            </a:endParaRPr>
+          </a:p>
+          <a:p>
+            <a:r>
+              <a:rPr lang="en-US" altLang="ko-KR" sz="1400" dirty="0">
+                <a:latin typeface="KoPubWorld돋움체 Medium" panose="00000600000000000000" pitchFamily="2" charset="-127"/>
+                <a:ea typeface="KoPubWorld돋움체 Medium" panose="00000600000000000000" pitchFamily="2" charset="-127"/>
+                <a:cs typeface="KoPubWorld돋움체 Medium" panose="00000600000000000000" pitchFamily="2" charset="-127"/>
+              </a:rPr>
+              <a:t> </a:t>
+            </a:r>
+            <a:r>
+              <a:rPr lang="en-US" altLang="ko-KR" sz="1400" dirty="0" smtClean="0">
+                <a:latin typeface="KoPubWorld돋움체 Medium" panose="00000600000000000000" pitchFamily="2" charset="-127"/>
+                <a:ea typeface="KoPubWorld돋움체 Medium" panose="00000600000000000000" pitchFamily="2" charset="-127"/>
+                <a:cs typeface="KoPubWorld돋움체 Medium" panose="00000600000000000000" pitchFamily="2" charset="-127"/>
+              </a:rPr>
+              <a:t> - </a:t>
+            </a:r>
+            <a:r>
+              <a:rPr lang="ko-KR" altLang="en-US" sz="1400" dirty="0">
+                <a:latin typeface="KoPubWorld돋움체 Medium" panose="00000600000000000000" pitchFamily="2" charset="-127"/>
+                <a:ea typeface="KoPubWorld돋움체 Medium" panose="00000600000000000000" pitchFamily="2" charset="-127"/>
+                <a:cs typeface="KoPubWorld돋움체 Medium" panose="00000600000000000000" pitchFamily="2" charset="-127"/>
+              </a:rPr>
+              <a:t>레이블이 없는 방대한 데이터로 사전 훈련된 모델을 가지고</a:t>
+            </a:r>
+            <a:r>
+              <a:rPr lang="en-US" altLang="ko-KR" sz="1400" dirty="0">
+                <a:latin typeface="KoPubWorld돋움체 Medium" panose="00000600000000000000" pitchFamily="2" charset="-127"/>
+                <a:ea typeface="KoPubWorld돋움체 Medium" panose="00000600000000000000" pitchFamily="2" charset="-127"/>
+                <a:cs typeface="KoPubWorld돋움체 Medium" panose="00000600000000000000" pitchFamily="2" charset="-127"/>
+              </a:rPr>
+              <a:t>, </a:t>
+            </a:r>
+            <a:r>
+              <a:rPr lang="ko-KR" altLang="en-US" sz="1400" dirty="0">
+                <a:latin typeface="KoPubWorld돋움체 Medium" panose="00000600000000000000" pitchFamily="2" charset="-127"/>
+                <a:ea typeface="KoPubWorld돋움체 Medium" panose="00000600000000000000" pitchFamily="2" charset="-127"/>
+                <a:cs typeface="KoPubWorld돋움체 Medium" panose="00000600000000000000" pitchFamily="2" charset="-127"/>
+              </a:rPr>
+              <a:t>레이블이 있는 다른 작업</a:t>
+            </a:r>
+            <a:r>
+              <a:rPr lang="en-US" altLang="ko-KR" sz="1400" dirty="0">
+                <a:latin typeface="KoPubWorld돋움체 Medium" panose="00000600000000000000" pitchFamily="2" charset="-127"/>
+                <a:ea typeface="KoPubWorld돋움체 Medium" panose="00000600000000000000" pitchFamily="2" charset="-127"/>
+                <a:cs typeface="KoPubWorld돋움체 Medium" panose="00000600000000000000" pitchFamily="2" charset="-127"/>
+              </a:rPr>
+              <a:t>(Task)</a:t>
+            </a:r>
+            <a:r>
+              <a:rPr lang="ko-KR" altLang="en-US" sz="1400" dirty="0">
+                <a:latin typeface="KoPubWorld돋움체 Medium" panose="00000600000000000000" pitchFamily="2" charset="-127"/>
+                <a:ea typeface="KoPubWorld돋움체 Medium" panose="00000600000000000000" pitchFamily="2" charset="-127"/>
+                <a:cs typeface="KoPubWorld돋움체 Medium" panose="00000600000000000000" pitchFamily="2" charset="-127"/>
+              </a:rPr>
+              <a:t>에서 추가 훈련과 함께 </a:t>
+            </a:r>
+            <a:r>
+              <a:rPr lang="ko-KR" altLang="en-US" sz="1400" dirty="0" err="1">
+                <a:latin typeface="KoPubWorld돋움체 Medium" panose="00000600000000000000" pitchFamily="2" charset="-127"/>
+                <a:ea typeface="KoPubWorld돋움체 Medium" panose="00000600000000000000" pitchFamily="2" charset="-127"/>
+                <a:cs typeface="KoPubWorld돋움체 Medium" panose="00000600000000000000" pitchFamily="2" charset="-127"/>
+              </a:rPr>
+              <a:t>하이퍼파라미터를</a:t>
+            </a:r>
+            <a:r>
+              <a:rPr lang="ko-KR" altLang="en-US" sz="1400" dirty="0">
+                <a:latin typeface="KoPubWorld돋움체 Medium" panose="00000600000000000000" pitchFamily="2" charset="-127"/>
+                <a:ea typeface="KoPubWorld돋움체 Medium" panose="00000600000000000000" pitchFamily="2" charset="-127"/>
+                <a:cs typeface="KoPubWorld돋움체 Medium" panose="00000600000000000000" pitchFamily="2" charset="-127"/>
+              </a:rPr>
+              <a:t> </a:t>
+            </a:r>
+            <a:r>
+              <a:rPr lang="ko-KR" altLang="en-US" sz="1400" dirty="0" smtClean="0">
+                <a:latin typeface="KoPubWorld돋움체 Medium" panose="00000600000000000000" pitchFamily="2" charset="-127"/>
+                <a:ea typeface="KoPubWorld돋움체 Medium" panose="00000600000000000000" pitchFamily="2" charset="-127"/>
+                <a:cs typeface="KoPubWorld돋움체 Medium" panose="00000600000000000000" pitchFamily="2" charset="-127"/>
+              </a:rPr>
+              <a:t>재조정</a:t>
+            </a:r>
+            <a:r>
+              <a:rPr lang="en-US" altLang="ko-KR" sz="1400" dirty="0" smtClean="0">
+                <a:latin typeface="KoPubWorld돋움체 Medium" panose="00000600000000000000" pitchFamily="2" charset="-127"/>
+                <a:ea typeface="KoPubWorld돋움체 Medium" panose="00000600000000000000" pitchFamily="2" charset="-127"/>
+                <a:cs typeface="KoPubWorld돋움체 Medium" panose="00000600000000000000" pitchFamily="2" charset="-127"/>
+              </a:rPr>
+              <a:t>(Fine-tuning)</a:t>
+            </a:r>
+            <a:endParaRPr lang="en-US" altLang="ko-KR" sz="1400" dirty="0">
+              <a:latin typeface="KoPubWorld돋움체 Medium" panose="00000600000000000000" pitchFamily="2" charset="-127"/>
+              <a:ea typeface="KoPubWorld돋움체 Medium" panose="00000600000000000000" pitchFamily="2" charset="-127"/>
+              <a:cs typeface="KoPubWorld돋움체 Medium" panose="00000600000000000000" pitchFamily="2" charset="-127"/>
+            </a:endParaRPr>
+          </a:p>
+          <a:p>
+            <a:r>
+              <a:rPr lang="en-US" altLang="ko-KR" sz="1400" dirty="0">
+                <a:latin typeface="KoPubWorld돋움체 Medium" panose="00000600000000000000" pitchFamily="2" charset="-127"/>
+                <a:ea typeface="KoPubWorld돋움체 Medium" panose="00000600000000000000" pitchFamily="2" charset="-127"/>
+                <a:cs typeface="KoPubWorld돋움체 Medium" panose="00000600000000000000" pitchFamily="2" charset="-127"/>
+              </a:rPr>
+              <a:t> </a:t>
+            </a:r>
+            <a:r>
+              <a:rPr lang="en-US" altLang="ko-KR" sz="1400" dirty="0">
+                <a:latin typeface="KoPubWorld돋움체 Medium" panose="00000600000000000000" pitchFamily="2" charset="-127"/>
+                <a:ea typeface="KoPubWorld돋움체 Medium" panose="00000600000000000000" pitchFamily="2" charset="-127"/>
+                <a:cs typeface="KoPubWorld돋움체 Medium" panose="00000600000000000000" pitchFamily="2" charset="-127"/>
+              </a:rPr>
+              <a:t> - </a:t>
+            </a:r>
+            <a:r>
+              <a:rPr lang="ko-KR" altLang="en-US" sz="1400" dirty="0">
+                <a:latin typeface="KoPubWorld돋움체 Medium" panose="00000600000000000000" pitchFamily="2" charset="-127"/>
+                <a:ea typeface="KoPubWorld돋움체 Medium" panose="00000600000000000000" pitchFamily="2" charset="-127"/>
+                <a:cs typeface="KoPubWorld돋움체 Medium" panose="00000600000000000000" pitchFamily="2" charset="-127"/>
+              </a:rPr>
               <a:t>수많은 </a:t>
             </a:r>
             <a:r>
-              <a:rPr lang="en-US" altLang="ko-KR" dirty="0"/>
+              <a:rPr lang="en-US" altLang="ko-KR" sz="1400" dirty="0">
+                <a:latin typeface="KoPubWorld돋움체 Medium" panose="00000600000000000000" pitchFamily="2" charset="-127"/>
+                <a:ea typeface="KoPubWorld돋움체 Medium" panose="00000600000000000000" pitchFamily="2" charset="-127"/>
+                <a:cs typeface="KoPubWorld돋움체 Medium" panose="00000600000000000000" pitchFamily="2" charset="-127"/>
+              </a:rPr>
               <a:t>NLP </a:t>
             </a:r>
             <a:r>
-              <a:rPr lang="ko-KR" altLang="en-US" dirty="0"/>
+              <a:rPr lang="ko-KR" altLang="en-US" sz="1400" dirty="0">
+                <a:latin typeface="KoPubWorld돋움체 Medium" panose="00000600000000000000" pitchFamily="2" charset="-127"/>
+                <a:ea typeface="KoPubWorld돋움체 Medium" panose="00000600000000000000" pitchFamily="2" charset="-127"/>
+                <a:cs typeface="KoPubWorld돋움체 Medium" panose="00000600000000000000" pitchFamily="2" charset="-127"/>
+              </a:rPr>
               <a:t>태스크에서 최고 성능을 </a:t>
             </a:r>
             <a:r>
-              <a:rPr lang="ko-KR" altLang="en-US" dirty="0" smtClean="0"/>
+              <a:rPr lang="ko-KR" altLang="en-US" sz="1400" dirty="0">
+                <a:latin typeface="KoPubWorld돋움체 Medium" panose="00000600000000000000" pitchFamily="2" charset="-127"/>
+                <a:ea typeface="KoPubWorld돋움체 Medium" panose="00000600000000000000" pitchFamily="2" charset="-127"/>
+                <a:cs typeface="KoPubWorld돋움체 Medium" panose="00000600000000000000" pitchFamily="2" charset="-127"/>
+              </a:rPr>
               <a:t>보여주</a:t>
             </a:r>
             <a:r>
-              <a:rPr lang="ko-KR" altLang="en-US" dirty="0"/>
+              <a:rPr lang="ko-KR" altLang="en-US" sz="1400" dirty="0">
+                <a:latin typeface="KoPubWorld돋움체 Medium" panose="00000600000000000000" pitchFamily="2" charset="-127"/>
+                <a:ea typeface="KoPubWorld돋움체 Medium" panose="00000600000000000000" pitchFamily="2" charset="-127"/>
+                <a:cs typeface="KoPubWorld돋움체 Medium" panose="00000600000000000000" pitchFamily="2" charset="-127"/>
+              </a:rPr>
               <a:t>며</a:t>
             </a:r>
             <a:r>
-              <a:rPr lang="ko-KR" altLang="en-US" dirty="0" smtClean="0"/>
+              <a:rPr lang="ko-KR" altLang="en-US" sz="1400" dirty="0">
+                <a:latin typeface="KoPubWorld돋움체 Medium" panose="00000600000000000000" pitchFamily="2" charset="-127"/>
+                <a:ea typeface="KoPubWorld돋움체 Medium" panose="00000600000000000000" pitchFamily="2" charset="-127"/>
+                <a:cs typeface="KoPubWorld돋움체 Medium" panose="00000600000000000000" pitchFamily="2" charset="-127"/>
+              </a:rPr>
               <a:t> </a:t>
             </a:r>
             <a:r>
-              <a:rPr lang="en-US" altLang="ko-KR" dirty="0" smtClean="0"/>
+              <a:rPr lang="en-US" altLang="ko-KR" sz="1400" dirty="0">
+                <a:latin typeface="KoPubWorld돋움체 Medium" panose="00000600000000000000" pitchFamily="2" charset="-127"/>
+                <a:ea typeface="KoPubWorld돋움체 Medium" panose="00000600000000000000" pitchFamily="2" charset="-127"/>
+                <a:cs typeface="KoPubWorld돋움체 Medium" panose="00000600000000000000" pitchFamily="2" charset="-127"/>
+              </a:rPr>
               <a:t>NLP</a:t>
             </a:r>
             <a:r>
-              <a:rPr lang="ko-KR" altLang="en-US" dirty="0"/>
+              <a:rPr lang="ko-KR" altLang="en-US" sz="1400" dirty="0">
+                <a:latin typeface="KoPubWorld돋움체 Medium" panose="00000600000000000000" pitchFamily="2" charset="-127"/>
+                <a:ea typeface="KoPubWorld돋움체 Medium" panose="00000600000000000000" pitchFamily="2" charset="-127"/>
+                <a:cs typeface="KoPubWorld돋움체 Medium" panose="00000600000000000000" pitchFamily="2" charset="-127"/>
+              </a:rPr>
               <a:t>의 한 획을 그은 모델로 </a:t>
             </a:r>
             <a:r>
-              <a:rPr lang="ko-KR" altLang="en-US" dirty="0" err="1" smtClean="0"/>
+              <a:rPr lang="ko-KR" altLang="en-US" sz="1400" dirty="0" err="1">
+                <a:latin typeface="KoPubWorld돋움체 Medium" panose="00000600000000000000" pitchFamily="2" charset="-127"/>
+                <a:ea typeface="KoPubWorld돋움체 Medium" panose="00000600000000000000" pitchFamily="2" charset="-127"/>
+                <a:cs typeface="KoPubWorld돋움체 Medium" panose="00000600000000000000" pitchFamily="2" charset="-127"/>
+              </a:rPr>
               <a:t>평가받음</a:t>
             </a:r>
             <a:r>
-              <a:rPr lang="en-US" altLang="ko-KR" dirty="0" smtClean="0"/>
+              <a:rPr lang="en-US" altLang="ko-KR" sz="1400" dirty="0">
+                <a:latin typeface="KoPubWorld돋움체 Medium" panose="00000600000000000000" pitchFamily="2" charset="-127"/>
+                <a:ea typeface="KoPubWorld돋움체 Medium" panose="00000600000000000000" pitchFamily="2" charset="-127"/>
+                <a:cs typeface="KoPubWorld돋움체 Medium" panose="00000600000000000000" pitchFamily="2" charset="-127"/>
+              </a:rPr>
               <a:t>.</a:t>
             </a:r>
-            <a:endParaRPr lang="ko-KR" altLang="en-US" dirty="0" smtClean="0"/>
+            <a:endParaRPr lang="ko-KR" altLang="en-US" sz="1400" dirty="0">
+              <a:latin typeface="KoPubWorld돋움체 Medium" panose="00000600000000000000" pitchFamily="2" charset="-127"/>
+              <a:ea typeface="KoPubWorld돋움체 Medium" panose="00000600000000000000" pitchFamily="2" charset="-127"/>
+              <a:cs typeface="KoPubWorld돋움체 Medium" panose="00000600000000000000" pitchFamily="2" charset="-127"/>
+            </a:endParaRPr>
+          </a:p>
+        </p:txBody>
+      </p:sp>
+      <p:pic>
+        <p:nvPicPr>
+          <p:cNvPr id="2" name="그림 1"/>
+          <p:cNvPicPr>
+            <a:picLocks noChangeAspect="1"/>
+          </p:cNvPicPr>
+          <p:nvPr/>
+        </p:nvPicPr>
+        <p:blipFill>
+          <a:blip r:embed="rId2"/>
+          <a:stretch>
+            <a:fillRect/>
+          </a:stretch>
+        </p:blipFill>
+        <p:spPr>
+          <a:xfrm>
+            <a:off x="3412919" y="2777482"/>
+            <a:ext cx="5605297" cy="2065503"/>
+          </a:xfrm>
+          <a:prstGeom prst="rect">
+            <a:avLst/>
+          </a:prstGeom>
+        </p:spPr>
+      </p:pic>
+      <p:sp>
+        <p:nvSpPr>
+          <p:cNvPr id="6" name="TextBox 5"/>
+          <p:cNvSpPr txBox="1"/>
+          <p:nvPr/>
+        </p:nvSpPr>
+        <p:spPr>
+          <a:xfrm>
+            <a:off x="9591553" y="72083"/>
+            <a:ext cx="2204450" cy="246221"/>
+          </a:xfrm>
+          <a:prstGeom prst="rect">
+            <a:avLst/>
+          </a:prstGeom>
+          <a:noFill/>
+        </p:spPr>
+        <p:txBody>
+          <a:bodyPr wrap="none" rtlCol="0">
+            <a:spAutoFit/>
+          </a:bodyPr>
+          <a:lstStyle/>
+          <a:p>
+            <a:r>
+              <a:rPr lang="ko-KR" altLang="en-US" sz="1000" dirty="0" smtClean="0">
+                <a:solidFill>
+                  <a:schemeClr val="bg1">
+                    <a:lumMod val="75000"/>
+                  </a:schemeClr>
+                </a:solidFill>
+                <a:latin typeface="KoPubWorld돋움체 Light" panose="00000300000000000000" pitchFamily="2" charset="-127"/>
+                <a:ea typeface="KoPubWorld돋움체 Light" panose="00000300000000000000" pitchFamily="2" charset="-127"/>
+                <a:cs typeface="KoPubWorld돋움체 Light" panose="00000300000000000000" pitchFamily="2" charset="-127"/>
+              </a:rPr>
+              <a:t>출처</a:t>
+            </a:r>
+            <a:r>
+              <a:rPr lang="en-US" altLang="ko-KR" sz="1000" dirty="0" smtClean="0">
+                <a:solidFill>
+                  <a:schemeClr val="bg1">
+                    <a:lumMod val="75000"/>
+                  </a:schemeClr>
+                </a:solidFill>
+                <a:latin typeface="KoPubWorld돋움체 Light" panose="00000300000000000000" pitchFamily="2" charset="-127"/>
+                <a:ea typeface="KoPubWorld돋움체 Light" panose="00000300000000000000" pitchFamily="2" charset="-127"/>
+                <a:cs typeface="KoPubWorld돋움체 Light" panose="00000300000000000000" pitchFamily="2" charset="-127"/>
+              </a:rPr>
+              <a:t>: </a:t>
+            </a:r>
+            <a:r>
+              <a:rPr lang="ko-KR" altLang="en-US" sz="1000" dirty="0" err="1" smtClean="0">
+                <a:solidFill>
+                  <a:schemeClr val="bg1">
+                    <a:lumMod val="75000"/>
+                  </a:schemeClr>
+                </a:solidFill>
+                <a:latin typeface="KoPubWorld돋움체 Light" panose="00000300000000000000" pitchFamily="2" charset="-127"/>
+                <a:ea typeface="KoPubWorld돋움체 Light" panose="00000300000000000000" pitchFamily="2" charset="-127"/>
+                <a:cs typeface="KoPubWorld돋움체 Light" panose="00000300000000000000" pitchFamily="2" charset="-127"/>
+              </a:rPr>
+              <a:t>딥러닝을</a:t>
+            </a:r>
+            <a:r>
+              <a:rPr lang="ko-KR" altLang="en-US" sz="1000" dirty="0" smtClean="0">
+                <a:solidFill>
+                  <a:schemeClr val="bg1">
+                    <a:lumMod val="75000"/>
+                  </a:schemeClr>
+                </a:solidFill>
+                <a:latin typeface="KoPubWorld돋움체 Light" panose="00000300000000000000" pitchFamily="2" charset="-127"/>
+                <a:ea typeface="KoPubWorld돋움체 Light" panose="00000300000000000000" pitchFamily="2" charset="-127"/>
+                <a:cs typeface="KoPubWorld돋움체 Light" panose="00000300000000000000" pitchFamily="2" charset="-127"/>
+              </a:rPr>
+              <a:t> 이용한 자연어 처리 입문</a:t>
+            </a:r>
+            <a:endParaRPr lang="ko-KR" altLang="en-US" sz="1000" dirty="0">
+              <a:solidFill>
+                <a:schemeClr val="bg1">
+                  <a:lumMod val="75000"/>
+                </a:schemeClr>
+              </a:solidFill>
+              <a:latin typeface="KoPubWorld돋움체 Light" panose="00000300000000000000" pitchFamily="2" charset="-127"/>
+              <a:ea typeface="KoPubWorld돋움체 Light" panose="00000300000000000000" pitchFamily="2" charset="-127"/>
+              <a:cs typeface="KoPubWorld돋움체 Light" panose="00000300000000000000" pitchFamily="2" charset="-127"/>
+            </a:endParaRPr>
           </a:p>
         </p:txBody>
       </p:sp>
@@ -5173,6 +7046,1865 @@
     <p:extLst>
       <p:ext uri="{BB962C8B-B14F-4D97-AF65-F5344CB8AC3E}">
         <p14:creationId xmlns:p14="http://schemas.microsoft.com/office/powerpoint/2010/main" val="3866513838"/>
+      </p:ext>
+    </p:extLst>
+  </p:cSld>
+  <p:clrMapOvr>
+    <a:masterClrMapping/>
+  </p:clrMapOvr>
+</p:sld>
+</file>
+
+<file path=ppt/slides/slide8.xml><?xml version="1.0" encoding="utf-8"?>
+<p:sld xmlns:a="http://schemas.openxmlformats.org/drawingml/2006/main" xmlns:r="http://schemas.openxmlformats.org/officeDocument/2006/relationships" xmlns:p="http://schemas.openxmlformats.org/presentationml/2006/main">
+  <p:cSld>
+    <p:spTree>
+      <p:nvGrpSpPr>
+        <p:cNvPr id="1" name=""/>
+        <p:cNvGrpSpPr/>
+        <p:nvPr/>
+      </p:nvGrpSpPr>
+      <p:grpSpPr>
+        <a:xfrm>
+          <a:off x="0" y="0"/>
+          <a:ext cx="0" cy="0"/>
+          <a:chOff x="0" y="0"/>
+          <a:chExt cx="0" cy="0"/>
+        </a:xfrm>
+      </p:grpSpPr>
+      <p:sp>
+        <p:nvSpPr>
+          <p:cNvPr id="4" name="TextBox 3"/>
+          <p:cNvSpPr txBox="1"/>
+          <p:nvPr/>
+        </p:nvSpPr>
+        <p:spPr>
+          <a:xfrm>
+            <a:off x="495546" y="383458"/>
+            <a:ext cx="7582525" cy="369332"/>
+          </a:xfrm>
+          <a:prstGeom prst="rect">
+            <a:avLst/>
+          </a:prstGeom>
+          <a:noFill/>
+        </p:spPr>
+        <p:txBody>
+          <a:bodyPr wrap="none" rtlCol="0">
+            <a:spAutoFit/>
+          </a:bodyPr>
+          <a:lstStyle/>
+          <a:p>
+            <a:r>
+              <a:rPr lang="en-US" altLang="ko-KR" dirty="0">
+                <a:latin typeface="KoPubWorld돋움체 Bold" panose="00000800000000000000" pitchFamily="2" charset="-127"/>
+                <a:ea typeface="KoPubWorld돋움체 Bold" panose="00000800000000000000" pitchFamily="2" charset="-127"/>
+                <a:cs typeface="KoPubWorld돋움체 Bold" panose="00000800000000000000" pitchFamily="2" charset="-127"/>
+              </a:rPr>
+              <a:t>BERT(Bidirectional Encoder Representations from Transformers, BERT)</a:t>
+            </a:r>
+            <a:endParaRPr lang="ko-KR" altLang="en-US" dirty="0">
+              <a:latin typeface="KoPubWorld돋움체 Bold" panose="00000800000000000000" pitchFamily="2" charset="-127"/>
+              <a:ea typeface="KoPubWorld돋움체 Bold" panose="00000800000000000000" pitchFamily="2" charset="-127"/>
+              <a:cs typeface="KoPubWorld돋움체 Bold" panose="00000800000000000000" pitchFamily="2" charset="-127"/>
+            </a:endParaRPr>
+          </a:p>
+        </p:txBody>
+      </p:sp>
+      <p:sp>
+        <p:nvSpPr>
+          <p:cNvPr id="5" name="TextBox 4"/>
+          <p:cNvSpPr txBox="1"/>
+          <p:nvPr/>
+        </p:nvSpPr>
+        <p:spPr>
+          <a:xfrm>
+            <a:off x="615498" y="930653"/>
+            <a:ext cx="11200140" cy="2492990"/>
+          </a:xfrm>
+          <a:prstGeom prst="rect">
+            <a:avLst/>
+          </a:prstGeom>
+          <a:noFill/>
+        </p:spPr>
+        <p:txBody>
+          <a:bodyPr wrap="square" rtlCol="0">
+            <a:spAutoFit/>
+          </a:bodyPr>
+          <a:lstStyle/>
+          <a:p>
+            <a:r>
+              <a:rPr lang="en-US" altLang="ko-KR" sz="1600" dirty="0">
+                <a:latin typeface="KoPubWorld돋움체 Medium" panose="00000600000000000000" pitchFamily="2" charset="-127"/>
+                <a:ea typeface="KoPubWorld돋움체 Medium" panose="00000600000000000000" pitchFamily="2" charset="-127"/>
+                <a:cs typeface="KoPubWorld돋움체 Medium" panose="00000600000000000000" pitchFamily="2" charset="-127"/>
+              </a:rPr>
+              <a:t>2. BERT</a:t>
+            </a:r>
+            <a:r>
+              <a:rPr lang="ko-KR" altLang="en-US" sz="1600" dirty="0">
+                <a:latin typeface="KoPubWorld돋움체 Medium" panose="00000600000000000000" pitchFamily="2" charset="-127"/>
+                <a:ea typeface="KoPubWorld돋움체 Medium" panose="00000600000000000000" pitchFamily="2" charset="-127"/>
+                <a:cs typeface="KoPubWorld돋움체 Medium" panose="00000600000000000000" pitchFamily="2" charset="-127"/>
+              </a:rPr>
+              <a:t>의</a:t>
+            </a:r>
+            <a:r>
+              <a:rPr lang="en-US" altLang="ko-KR" sz="1600" dirty="0">
+                <a:latin typeface="KoPubWorld돋움체 Medium" panose="00000600000000000000" pitchFamily="2" charset="-127"/>
+                <a:ea typeface="KoPubWorld돋움체 Medium" panose="00000600000000000000" pitchFamily="2" charset="-127"/>
+                <a:cs typeface="KoPubWorld돋움체 Medium" panose="00000600000000000000" pitchFamily="2" charset="-127"/>
+              </a:rPr>
+              <a:t> </a:t>
+            </a:r>
+            <a:r>
+              <a:rPr lang="ko-KR" altLang="en-US" sz="1600" dirty="0">
+                <a:latin typeface="KoPubWorld돋움체 Medium" panose="00000600000000000000" pitchFamily="2" charset="-127"/>
+                <a:ea typeface="KoPubWorld돋움체 Medium" panose="00000600000000000000" pitchFamily="2" charset="-127"/>
+                <a:cs typeface="KoPubWorld돋움체 Medium" panose="00000600000000000000" pitchFamily="2" charset="-127"/>
+              </a:rPr>
+              <a:t>크기</a:t>
+            </a:r>
+            <a:endParaRPr lang="en-US" altLang="ko-KR" sz="1600" dirty="0">
+              <a:latin typeface="KoPubWorld돋움체 Medium" panose="00000600000000000000" pitchFamily="2" charset="-127"/>
+              <a:ea typeface="KoPubWorld돋움체 Medium" panose="00000600000000000000" pitchFamily="2" charset="-127"/>
+              <a:cs typeface="KoPubWorld돋움체 Medium" panose="00000600000000000000" pitchFamily="2" charset="-127"/>
+            </a:endParaRPr>
+          </a:p>
+          <a:p>
+            <a:r>
+              <a:rPr lang="ko-KR" altLang="en-US" sz="1400" dirty="0">
+                <a:latin typeface="KoPubWorld돋움체 Medium" panose="00000600000000000000" pitchFamily="2" charset="-127"/>
+                <a:ea typeface="KoPubWorld돋움체 Medium" panose="00000600000000000000" pitchFamily="2" charset="-127"/>
+                <a:cs typeface="KoPubWorld돋움체 Medium" panose="00000600000000000000" pitchFamily="2" charset="-127"/>
+              </a:rPr>
+              <a:t>  </a:t>
+            </a:r>
+            <a:r>
+              <a:rPr lang="en-US" altLang="ko-KR" sz="1400" dirty="0">
+                <a:latin typeface="KoPubWorld돋움체 Medium" panose="00000600000000000000" pitchFamily="2" charset="-127"/>
+                <a:ea typeface="KoPubWorld돋움체 Medium" panose="00000600000000000000" pitchFamily="2" charset="-127"/>
+                <a:cs typeface="KoPubWorld돋움체 Medium" panose="00000600000000000000" pitchFamily="2" charset="-127"/>
+              </a:rPr>
+              <a:t>- </a:t>
+            </a:r>
+            <a:r>
+              <a:rPr lang="ko-KR" altLang="en-US" sz="1400" dirty="0">
+                <a:latin typeface="KoPubWorld돋움체 Medium" panose="00000600000000000000" pitchFamily="2" charset="-127"/>
+                <a:ea typeface="KoPubWorld돋움체 Medium" panose="00000600000000000000" pitchFamily="2" charset="-127"/>
+                <a:cs typeface="KoPubWorld돋움체 Medium" panose="00000600000000000000" pitchFamily="2" charset="-127"/>
+              </a:rPr>
+              <a:t>기본 구조는 트랜스포머의 인코더를 </a:t>
+            </a:r>
+            <a:r>
+              <a:rPr lang="ko-KR" altLang="en-US" sz="1400" dirty="0" err="1">
+                <a:latin typeface="KoPubWorld돋움체 Medium" panose="00000600000000000000" pitchFamily="2" charset="-127"/>
+                <a:ea typeface="KoPubWorld돋움체 Medium" panose="00000600000000000000" pitchFamily="2" charset="-127"/>
+                <a:cs typeface="KoPubWorld돋움체 Medium" panose="00000600000000000000" pitchFamily="2" charset="-127"/>
+              </a:rPr>
+              <a:t>쌓아올린</a:t>
+            </a:r>
+            <a:r>
+              <a:rPr lang="ko-KR" altLang="en-US" sz="1400" dirty="0">
+                <a:latin typeface="KoPubWorld돋움체 Medium" panose="00000600000000000000" pitchFamily="2" charset="-127"/>
+                <a:ea typeface="KoPubWorld돋움체 Medium" panose="00000600000000000000" pitchFamily="2" charset="-127"/>
+                <a:cs typeface="KoPubWorld돋움체 Medium" panose="00000600000000000000" pitchFamily="2" charset="-127"/>
+              </a:rPr>
+              <a:t> 구조</a:t>
+            </a:r>
+            <a:endParaRPr lang="en-US" altLang="ko-KR" sz="1400" dirty="0" smtClean="0">
+              <a:latin typeface="KoPubWorld돋움체 Medium" panose="00000600000000000000" pitchFamily="2" charset="-127"/>
+              <a:ea typeface="KoPubWorld돋움체 Medium" panose="00000600000000000000" pitchFamily="2" charset="-127"/>
+              <a:cs typeface="KoPubWorld돋움체 Medium" panose="00000600000000000000" pitchFamily="2" charset="-127"/>
+            </a:endParaRPr>
+          </a:p>
+          <a:p>
+            <a:r>
+              <a:rPr lang="en-US" altLang="ko-KR" sz="1400" dirty="0">
+                <a:latin typeface="KoPubWorld돋움체 Medium" panose="00000600000000000000" pitchFamily="2" charset="-127"/>
+                <a:ea typeface="KoPubWorld돋움체 Medium" panose="00000600000000000000" pitchFamily="2" charset="-127"/>
+                <a:cs typeface="KoPubWorld돋움체 Medium" panose="00000600000000000000" pitchFamily="2" charset="-127"/>
+              </a:rPr>
+              <a:t> </a:t>
+            </a:r>
+            <a:r>
+              <a:rPr lang="en-US" altLang="ko-KR" sz="1400" dirty="0" smtClean="0">
+                <a:latin typeface="KoPubWorld돋움체 Medium" panose="00000600000000000000" pitchFamily="2" charset="-127"/>
+                <a:ea typeface="KoPubWorld돋움체 Medium" panose="00000600000000000000" pitchFamily="2" charset="-127"/>
+                <a:cs typeface="KoPubWorld돋움체 Medium" panose="00000600000000000000" pitchFamily="2" charset="-127"/>
+              </a:rPr>
+              <a:t> </a:t>
+            </a:r>
+            <a:r>
+              <a:rPr lang="en-US" altLang="ko-KR" sz="1400" dirty="0">
+                <a:latin typeface="KoPubWorld돋움체 Medium" panose="00000600000000000000" pitchFamily="2" charset="-127"/>
+                <a:ea typeface="KoPubWorld돋움체 Medium" panose="00000600000000000000" pitchFamily="2" charset="-127"/>
+                <a:cs typeface="KoPubWorld돋움체 Medium" panose="00000600000000000000" pitchFamily="2" charset="-127"/>
+              </a:rPr>
+              <a:t>- Base </a:t>
+            </a:r>
+            <a:r>
+              <a:rPr lang="ko-KR" altLang="en-US" sz="1400" dirty="0">
+                <a:latin typeface="KoPubWorld돋움체 Medium" panose="00000600000000000000" pitchFamily="2" charset="-127"/>
+                <a:ea typeface="KoPubWorld돋움체 Medium" panose="00000600000000000000" pitchFamily="2" charset="-127"/>
+                <a:cs typeface="KoPubWorld돋움체 Medium" panose="00000600000000000000" pitchFamily="2" charset="-127"/>
+              </a:rPr>
+              <a:t>버전에서는 총 </a:t>
+            </a:r>
+            <a:r>
+              <a:rPr lang="en-US" altLang="ko-KR" sz="1400" dirty="0">
+                <a:latin typeface="KoPubWorld돋움체 Medium" panose="00000600000000000000" pitchFamily="2" charset="-127"/>
+                <a:ea typeface="KoPubWorld돋움체 Medium" panose="00000600000000000000" pitchFamily="2" charset="-127"/>
+                <a:cs typeface="KoPubWorld돋움체 Medium" panose="00000600000000000000" pitchFamily="2" charset="-127"/>
+              </a:rPr>
+              <a:t>12</a:t>
+            </a:r>
+            <a:r>
+              <a:rPr lang="ko-KR" altLang="en-US" sz="1400" dirty="0">
+                <a:latin typeface="KoPubWorld돋움체 Medium" panose="00000600000000000000" pitchFamily="2" charset="-127"/>
+                <a:ea typeface="KoPubWorld돋움체 Medium" panose="00000600000000000000" pitchFamily="2" charset="-127"/>
+                <a:cs typeface="KoPubWorld돋움체 Medium" panose="00000600000000000000" pitchFamily="2" charset="-127"/>
+              </a:rPr>
+              <a:t>개를 </a:t>
+            </a:r>
+            <a:r>
+              <a:rPr lang="ko-KR" altLang="en-US" sz="1400" dirty="0" smtClean="0">
+                <a:latin typeface="KoPubWorld돋움체 Medium" panose="00000600000000000000" pitchFamily="2" charset="-127"/>
+                <a:ea typeface="KoPubWorld돋움체 Medium" panose="00000600000000000000" pitchFamily="2" charset="-127"/>
+                <a:cs typeface="KoPubWorld돋움체 Medium" panose="00000600000000000000" pitchFamily="2" charset="-127"/>
+              </a:rPr>
+              <a:t>쌓고 </a:t>
+            </a:r>
+            <a:r>
+              <a:rPr lang="en-US" altLang="ko-KR" sz="1400" dirty="0">
+                <a:latin typeface="KoPubWorld돋움체 Medium" panose="00000600000000000000" pitchFamily="2" charset="-127"/>
+                <a:ea typeface="KoPubWorld돋움체 Medium" panose="00000600000000000000" pitchFamily="2" charset="-127"/>
+                <a:cs typeface="KoPubWorld돋움체 Medium" panose="00000600000000000000" pitchFamily="2" charset="-127"/>
+              </a:rPr>
+              <a:t>Large </a:t>
+            </a:r>
+            <a:r>
+              <a:rPr lang="ko-KR" altLang="en-US" sz="1400" dirty="0">
+                <a:latin typeface="KoPubWorld돋움체 Medium" panose="00000600000000000000" pitchFamily="2" charset="-127"/>
+                <a:ea typeface="KoPubWorld돋움체 Medium" panose="00000600000000000000" pitchFamily="2" charset="-127"/>
+                <a:cs typeface="KoPubWorld돋움체 Medium" panose="00000600000000000000" pitchFamily="2" charset="-127"/>
+              </a:rPr>
+              <a:t>버전에서는 총 </a:t>
+            </a:r>
+            <a:r>
+              <a:rPr lang="en-US" altLang="ko-KR" sz="1400" dirty="0">
+                <a:latin typeface="KoPubWorld돋움체 Medium" panose="00000600000000000000" pitchFamily="2" charset="-127"/>
+                <a:ea typeface="KoPubWorld돋움체 Medium" panose="00000600000000000000" pitchFamily="2" charset="-127"/>
+                <a:cs typeface="KoPubWorld돋움체 Medium" panose="00000600000000000000" pitchFamily="2" charset="-127"/>
+              </a:rPr>
+              <a:t>24</a:t>
+            </a:r>
+            <a:r>
+              <a:rPr lang="ko-KR" altLang="en-US" sz="1400" dirty="0">
+                <a:latin typeface="KoPubWorld돋움체 Medium" panose="00000600000000000000" pitchFamily="2" charset="-127"/>
+                <a:ea typeface="KoPubWorld돋움체 Medium" panose="00000600000000000000" pitchFamily="2" charset="-127"/>
+                <a:cs typeface="KoPubWorld돋움체 Medium" panose="00000600000000000000" pitchFamily="2" charset="-127"/>
+              </a:rPr>
+              <a:t>개를 </a:t>
+            </a:r>
+            <a:r>
+              <a:rPr lang="ko-KR" altLang="en-US" sz="1400" dirty="0" smtClean="0">
+                <a:latin typeface="KoPubWorld돋움체 Medium" panose="00000600000000000000" pitchFamily="2" charset="-127"/>
+                <a:ea typeface="KoPubWorld돋움체 Medium" panose="00000600000000000000" pitchFamily="2" charset="-127"/>
+                <a:cs typeface="KoPubWorld돋움체 Medium" panose="00000600000000000000" pitchFamily="2" charset="-127"/>
+              </a:rPr>
+              <a:t>쌓았음</a:t>
+            </a:r>
+            <a:r>
+              <a:rPr lang="en-US" altLang="ko-KR" sz="1400" dirty="0" smtClean="0">
+                <a:latin typeface="KoPubWorld돋움체 Medium" panose="00000600000000000000" pitchFamily="2" charset="-127"/>
+                <a:ea typeface="KoPubWorld돋움체 Medium" panose="00000600000000000000" pitchFamily="2" charset="-127"/>
+                <a:cs typeface="KoPubWorld돋움체 Medium" panose="00000600000000000000" pitchFamily="2" charset="-127"/>
+              </a:rPr>
+              <a:t>.</a:t>
+            </a:r>
+          </a:p>
+          <a:p>
+            <a:r>
+              <a:rPr lang="en-US" altLang="ko-KR" sz="1400" dirty="0">
+                <a:latin typeface="KoPubWorld돋움체 Medium" panose="00000600000000000000" pitchFamily="2" charset="-127"/>
+                <a:ea typeface="KoPubWorld돋움체 Medium" panose="00000600000000000000" pitchFamily="2" charset="-127"/>
+                <a:cs typeface="KoPubWorld돋움체 Medium" panose="00000600000000000000" pitchFamily="2" charset="-127"/>
+              </a:rPr>
+              <a:t> </a:t>
+            </a:r>
+            <a:r>
+              <a:rPr lang="en-US" altLang="ko-KR" sz="1400" dirty="0" smtClean="0">
+                <a:latin typeface="KoPubWorld돋움체 Medium" panose="00000600000000000000" pitchFamily="2" charset="-127"/>
+                <a:ea typeface="KoPubWorld돋움체 Medium" panose="00000600000000000000" pitchFamily="2" charset="-127"/>
+                <a:cs typeface="KoPubWorld돋움체 Medium" panose="00000600000000000000" pitchFamily="2" charset="-127"/>
+              </a:rPr>
+              <a:t> </a:t>
+            </a:r>
+            <a:r>
+              <a:rPr lang="en-US" altLang="ko-KR" sz="1400" dirty="0">
+                <a:latin typeface="KoPubWorld돋움체 Medium" panose="00000600000000000000" pitchFamily="2" charset="-127"/>
+                <a:ea typeface="KoPubWorld돋움체 Medium" panose="00000600000000000000" pitchFamily="2" charset="-127"/>
+                <a:cs typeface="KoPubWorld돋움체 Medium" panose="00000600000000000000" pitchFamily="2" charset="-127"/>
+              </a:rPr>
+              <a:t>- Large </a:t>
+            </a:r>
+            <a:r>
+              <a:rPr lang="ko-KR" altLang="en-US" sz="1400" dirty="0">
+                <a:latin typeface="KoPubWorld돋움체 Medium" panose="00000600000000000000" pitchFamily="2" charset="-127"/>
+                <a:ea typeface="KoPubWorld돋움체 Medium" panose="00000600000000000000" pitchFamily="2" charset="-127"/>
+                <a:cs typeface="KoPubWorld돋움체 Medium" panose="00000600000000000000" pitchFamily="2" charset="-127"/>
+              </a:rPr>
+              <a:t>버전은 </a:t>
+            </a:r>
+            <a:r>
+              <a:rPr lang="en-US" altLang="ko-KR" sz="1400" dirty="0">
+                <a:latin typeface="KoPubWorld돋움체 Medium" panose="00000600000000000000" pitchFamily="2" charset="-127"/>
+                <a:ea typeface="KoPubWorld돋움체 Medium" panose="00000600000000000000" pitchFamily="2" charset="-127"/>
+                <a:cs typeface="KoPubWorld돋움체 Medium" panose="00000600000000000000" pitchFamily="2" charset="-127"/>
+              </a:rPr>
+              <a:t>Base </a:t>
+            </a:r>
+            <a:r>
+              <a:rPr lang="ko-KR" altLang="en-US" sz="1400" dirty="0">
+                <a:latin typeface="KoPubWorld돋움체 Medium" panose="00000600000000000000" pitchFamily="2" charset="-127"/>
+                <a:ea typeface="KoPubWorld돋움체 Medium" panose="00000600000000000000" pitchFamily="2" charset="-127"/>
+                <a:cs typeface="KoPubWorld돋움체 Medium" panose="00000600000000000000" pitchFamily="2" charset="-127"/>
+              </a:rPr>
+              <a:t>버전보다 </a:t>
+            </a:r>
+            <a:r>
+              <a:rPr lang="en-US" altLang="ko-KR" sz="1400" dirty="0" err="1">
+                <a:latin typeface="KoPubWorld돋움체 Medium" panose="00000600000000000000" pitchFamily="2" charset="-127"/>
+                <a:ea typeface="KoPubWorld돋움체 Medium" panose="00000600000000000000" pitchFamily="2" charset="-127"/>
+                <a:cs typeface="KoPubWorld돋움체 Medium" panose="00000600000000000000" pitchFamily="2" charset="-127"/>
+              </a:rPr>
+              <a:t>d_model</a:t>
+            </a:r>
+            <a:r>
+              <a:rPr lang="ko-KR" altLang="en-US" sz="1400" dirty="0">
+                <a:latin typeface="KoPubWorld돋움체 Medium" panose="00000600000000000000" pitchFamily="2" charset="-127"/>
+                <a:ea typeface="KoPubWorld돋움체 Medium" panose="00000600000000000000" pitchFamily="2" charset="-127"/>
+                <a:cs typeface="KoPubWorld돋움체 Medium" panose="00000600000000000000" pitchFamily="2" charset="-127"/>
+              </a:rPr>
+              <a:t>의 크기나 </a:t>
+            </a:r>
+            <a:r>
+              <a:rPr lang="ko-KR" altLang="en-US" sz="1400" dirty="0" err="1">
+                <a:latin typeface="KoPubWorld돋움체 Medium" panose="00000600000000000000" pitchFamily="2" charset="-127"/>
+                <a:ea typeface="KoPubWorld돋움체 Medium" panose="00000600000000000000" pitchFamily="2" charset="-127"/>
+                <a:cs typeface="KoPubWorld돋움체 Medium" panose="00000600000000000000" pitchFamily="2" charset="-127"/>
+              </a:rPr>
+              <a:t>셀프</a:t>
+            </a:r>
+            <a:r>
+              <a:rPr lang="ko-KR" altLang="en-US" sz="1400" dirty="0">
+                <a:latin typeface="KoPubWorld돋움체 Medium" panose="00000600000000000000" pitchFamily="2" charset="-127"/>
+                <a:ea typeface="KoPubWorld돋움체 Medium" panose="00000600000000000000" pitchFamily="2" charset="-127"/>
+                <a:cs typeface="KoPubWorld돋움체 Medium" panose="00000600000000000000" pitchFamily="2" charset="-127"/>
+              </a:rPr>
+              <a:t> </a:t>
+            </a:r>
+            <a:r>
+              <a:rPr lang="ko-KR" altLang="en-US" sz="1400" dirty="0" err="1">
+                <a:latin typeface="KoPubWorld돋움체 Medium" panose="00000600000000000000" pitchFamily="2" charset="-127"/>
+                <a:ea typeface="KoPubWorld돋움체 Medium" panose="00000600000000000000" pitchFamily="2" charset="-127"/>
+                <a:cs typeface="KoPubWorld돋움체 Medium" panose="00000600000000000000" pitchFamily="2" charset="-127"/>
+              </a:rPr>
+              <a:t>어텐션</a:t>
+            </a:r>
+            <a:r>
+              <a:rPr lang="ko-KR" altLang="en-US" sz="1400" dirty="0">
+                <a:latin typeface="KoPubWorld돋움체 Medium" panose="00000600000000000000" pitchFamily="2" charset="-127"/>
+                <a:ea typeface="KoPubWorld돋움체 Medium" panose="00000600000000000000" pitchFamily="2" charset="-127"/>
+                <a:cs typeface="KoPubWorld돋움체 Medium" panose="00000600000000000000" pitchFamily="2" charset="-127"/>
+              </a:rPr>
+              <a:t> 헤드</a:t>
+            </a:r>
+            <a:r>
+              <a:rPr lang="en-US" altLang="ko-KR" sz="1400" dirty="0">
+                <a:latin typeface="KoPubWorld돋움체 Medium" panose="00000600000000000000" pitchFamily="2" charset="-127"/>
+                <a:ea typeface="KoPubWorld돋움체 Medium" panose="00000600000000000000" pitchFamily="2" charset="-127"/>
+                <a:cs typeface="KoPubWorld돋움체 Medium" panose="00000600000000000000" pitchFamily="2" charset="-127"/>
+              </a:rPr>
+              <a:t>(Self Attention Heads)</a:t>
+            </a:r>
+            <a:r>
+              <a:rPr lang="ko-KR" altLang="en-US" sz="1400" dirty="0">
+                <a:latin typeface="KoPubWorld돋움체 Medium" panose="00000600000000000000" pitchFamily="2" charset="-127"/>
+                <a:ea typeface="KoPubWorld돋움체 Medium" panose="00000600000000000000" pitchFamily="2" charset="-127"/>
+                <a:cs typeface="KoPubWorld돋움체 Medium" panose="00000600000000000000" pitchFamily="2" charset="-127"/>
+              </a:rPr>
+              <a:t>의 수가 더 </a:t>
+            </a:r>
+            <a:r>
+              <a:rPr lang="ko-KR" altLang="en-US" sz="1400" dirty="0" smtClean="0">
+                <a:latin typeface="KoPubWorld돋움체 Medium" panose="00000600000000000000" pitchFamily="2" charset="-127"/>
+                <a:ea typeface="KoPubWorld돋움체 Medium" panose="00000600000000000000" pitchFamily="2" charset="-127"/>
+                <a:cs typeface="KoPubWorld돋움체 Medium" panose="00000600000000000000" pitchFamily="2" charset="-127"/>
+              </a:rPr>
+              <a:t>큼</a:t>
+            </a:r>
+            <a:r>
+              <a:rPr lang="en-US" altLang="ko-KR" sz="1400" dirty="0" smtClean="0">
+                <a:latin typeface="KoPubWorld돋움체 Medium" panose="00000600000000000000" pitchFamily="2" charset="-127"/>
+                <a:ea typeface="KoPubWorld돋움체 Medium" panose="00000600000000000000" pitchFamily="2" charset="-127"/>
+                <a:cs typeface="KoPubWorld돋움체 Medium" panose="00000600000000000000" pitchFamily="2" charset="-127"/>
+              </a:rPr>
+              <a:t>.</a:t>
+            </a:r>
+          </a:p>
+          <a:p>
+            <a:r>
+              <a:rPr lang="en-US" altLang="ko-KR" sz="1400" dirty="0">
+                <a:latin typeface="KoPubWorld돋움체 Medium" panose="00000600000000000000" pitchFamily="2" charset="-127"/>
+                <a:ea typeface="KoPubWorld돋움체 Medium" panose="00000600000000000000" pitchFamily="2" charset="-127"/>
+                <a:cs typeface="KoPubWorld돋움체 Medium" panose="00000600000000000000" pitchFamily="2" charset="-127"/>
+              </a:rPr>
+              <a:t> </a:t>
+            </a:r>
+            <a:r>
+              <a:rPr lang="en-US" altLang="ko-KR" sz="1400" dirty="0" smtClean="0">
+                <a:latin typeface="KoPubWorld돋움체 Medium" panose="00000600000000000000" pitchFamily="2" charset="-127"/>
+                <a:ea typeface="KoPubWorld돋움체 Medium" panose="00000600000000000000" pitchFamily="2" charset="-127"/>
+                <a:cs typeface="KoPubWorld돋움체 Medium" panose="00000600000000000000" pitchFamily="2" charset="-127"/>
+              </a:rPr>
+              <a:t> - </a:t>
+            </a:r>
+            <a:r>
+              <a:rPr lang="ko-KR" altLang="en-US" sz="1400" dirty="0">
+                <a:latin typeface="KoPubWorld돋움체 Medium" panose="00000600000000000000" pitchFamily="2" charset="-127"/>
+                <a:ea typeface="KoPubWorld돋움체 Medium" panose="00000600000000000000" pitchFamily="2" charset="-127"/>
+                <a:cs typeface="KoPubWorld돋움체 Medium" panose="00000600000000000000" pitchFamily="2" charset="-127"/>
+              </a:rPr>
+              <a:t>트랜스포머 인코더 층의 수를 </a:t>
+            </a:r>
+            <a:r>
+              <a:rPr lang="en-US" altLang="ko-KR" sz="1400" dirty="0">
+                <a:latin typeface="KoPubWorld돋움체 Medium" panose="00000600000000000000" pitchFamily="2" charset="-127"/>
+                <a:ea typeface="KoPubWorld돋움체 Medium" panose="00000600000000000000" pitchFamily="2" charset="-127"/>
+                <a:cs typeface="KoPubWorld돋움체 Medium" panose="00000600000000000000" pitchFamily="2" charset="-127"/>
+              </a:rPr>
+              <a:t>L, </a:t>
+            </a:r>
+            <a:r>
+              <a:rPr lang="en-US" altLang="ko-KR" sz="1400" dirty="0" err="1">
+                <a:latin typeface="KoPubWorld돋움체 Medium" panose="00000600000000000000" pitchFamily="2" charset="-127"/>
+                <a:ea typeface="KoPubWorld돋움체 Medium" panose="00000600000000000000" pitchFamily="2" charset="-127"/>
+                <a:cs typeface="KoPubWorld돋움체 Medium" panose="00000600000000000000" pitchFamily="2" charset="-127"/>
+              </a:rPr>
+              <a:t>d_model</a:t>
+            </a:r>
+            <a:r>
+              <a:rPr lang="ko-KR" altLang="en-US" sz="1400" dirty="0">
+                <a:latin typeface="KoPubWorld돋움체 Medium" panose="00000600000000000000" pitchFamily="2" charset="-127"/>
+                <a:ea typeface="KoPubWorld돋움체 Medium" panose="00000600000000000000" pitchFamily="2" charset="-127"/>
+                <a:cs typeface="KoPubWorld돋움체 Medium" panose="00000600000000000000" pitchFamily="2" charset="-127"/>
+              </a:rPr>
+              <a:t>의 크기를 </a:t>
+            </a:r>
+            <a:r>
+              <a:rPr lang="en-US" altLang="ko-KR" sz="1400" dirty="0">
+                <a:latin typeface="KoPubWorld돋움체 Medium" panose="00000600000000000000" pitchFamily="2" charset="-127"/>
+                <a:ea typeface="KoPubWorld돋움체 Medium" panose="00000600000000000000" pitchFamily="2" charset="-127"/>
+                <a:cs typeface="KoPubWorld돋움체 Medium" panose="00000600000000000000" pitchFamily="2" charset="-127"/>
+              </a:rPr>
+              <a:t>D, </a:t>
+            </a:r>
+            <a:r>
+              <a:rPr lang="ko-KR" altLang="en-US" sz="1400" dirty="0" err="1">
+                <a:latin typeface="KoPubWorld돋움체 Medium" panose="00000600000000000000" pitchFamily="2" charset="-127"/>
+                <a:ea typeface="KoPubWorld돋움체 Medium" panose="00000600000000000000" pitchFamily="2" charset="-127"/>
+                <a:cs typeface="KoPubWorld돋움체 Medium" panose="00000600000000000000" pitchFamily="2" charset="-127"/>
+              </a:rPr>
+              <a:t>셀프</a:t>
+            </a:r>
+            <a:r>
+              <a:rPr lang="ko-KR" altLang="en-US" sz="1400" dirty="0">
+                <a:latin typeface="KoPubWorld돋움체 Medium" panose="00000600000000000000" pitchFamily="2" charset="-127"/>
+                <a:ea typeface="KoPubWorld돋움체 Medium" panose="00000600000000000000" pitchFamily="2" charset="-127"/>
+                <a:cs typeface="KoPubWorld돋움체 Medium" panose="00000600000000000000" pitchFamily="2" charset="-127"/>
+              </a:rPr>
+              <a:t> </a:t>
+            </a:r>
+            <a:r>
+              <a:rPr lang="ko-KR" altLang="en-US" sz="1400" dirty="0" err="1">
+                <a:latin typeface="KoPubWorld돋움체 Medium" panose="00000600000000000000" pitchFamily="2" charset="-127"/>
+                <a:ea typeface="KoPubWorld돋움체 Medium" panose="00000600000000000000" pitchFamily="2" charset="-127"/>
+                <a:cs typeface="KoPubWorld돋움체 Medium" panose="00000600000000000000" pitchFamily="2" charset="-127"/>
+              </a:rPr>
+              <a:t>어텐션</a:t>
+            </a:r>
+            <a:r>
+              <a:rPr lang="ko-KR" altLang="en-US" sz="1400" dirty="0">
+                <a:latin typeface="KoPubWorld돋움체 Medium" panose="00000600000000000000" pitchFamily="2" charset="-127"/>
+                <a:ea typeface="KoPubWorld돋움체 Medium" panose="00000600000000000000" pitchFamily="2" charset="-127"/>
+                <a:cs typeface="KoPubWorld돋움체 Medium" panose="00000600000000000000" pitchFamily="2" charset="-127"/>
+              </a:rPr>
+              <a:t> 헤드의 수를 </a:t>
+            </a:r>
+            <a:r>
+              <a:rPr lang="en-US" altLang="ko-KR" sz="1400" dirty="0" smtClean="0">
+                <a:latin typeface="KoPubWorld돋움체 Medium" panose="00000600000000000000" pitchFamily="2" charset="-127"/>
+                <a:ea typeface="KoPubWorld돋움체 Medium" panose="00000600000000000000" pitchFamily="2" charset="-127"/>
+                <a:cs typeface="KoPubWorld돋움체 Medium" panose="00000600000000000000" pitchFamily="2" charset="-127"/>
+              </a:rPr>
+              <a:t>A</a:t>
+            </a:r>
+            <a:r>
+              <a:rPr lang="ko-KR" altLang="en-US" sz="1400" dirty="0" smtClean="0">
+                <a:latin typeface="KoPubWorld돋움체 Medium" panose="00000600000000000000" pitchFamily="2" charset="-127"/>
+                <a:ea typeface="KoPubWorld돋움체 Medium" panose="00000600000000000000" pitchFamily="2" charset="-127"/>
+                <a:cs typeface="KoPubWorld돋움체 Medium" panose="00000600000000000000" pitchFamily="2" charset="-127"/>
+              </a:rPr>
+              <a:t>라고 할 때</a:t>
+            </a:r>
+            <a:r>
+              <a:rPr lang="en-US" altLang="ko-KR" sz="1400" dirty="0" smtClean="0">
+                <a:latin typeface="KoPubWorld돋움체 Medium" panose="00000600000000000000" pitchFamily="2" charset="-127"/>
+                <a:ea typeface="KoPubWorld돋움체 Medium" panose="00000600000000000000" pitchFamily="2" charset="-127"/>
+                <a:cs typeface="KoPubWorld돋움체 Medium" panose="00000600000000000000" pitchFamily="2" charset="-127"/>
+              </a:rPr>
+              <a:t>,</a:t>
+            </a:r>
+            <a:endParaRPr lang="en-US" altLang="ko-KR" sz="1400" dirty="0">
+              <a:latin typeface="KoPubWorld돋움체 Medium" panose="00000600000000000000" pitchFamily="2" charset="-127"/>
+              <a:ea typeface="KoPubWorld돋움체 Medium" panose="00000600000000000000" pitchFamily="2" charset="-127"/>
+              <a:cs typeface="KoPubWorld돋움체 Medium" panose="00000600000000000000" pitchFamily="2" charset="-127"/>
+            </a:endParaRPr>
+          </a:p>
+          <a:p>
+            <a:pPr marL="742950" lvl="1" indent="-285750">
+              <a:buFont typeface="Arial" panose="020B0604020202020204" pitchFamily="34" charset="0"/>
+              <a:buChar char="•"/>
+            </a:pPr>
+            <a:r>
+              <a:rPr lang="en-US" altLang="ko-KR" sz="1400" dirty="0">
+                <a:latin typeface="KoPubWorld돋움체 Medium" panose="00000600000000000000" pitchFamily="2" charset="-127"/>
+                <a:ea typeface="KoPubWorld돋움체 Medium" panose="00000600000000000000" pitchFamily="2" charset="-127"/>
+                <a:cs typeface="KoPubWorld돋움체 Medium" panose="00000600000000000000" pitchFamily="2" charset="-127"/>
+              </a:rPr>
+              <a:t>BERT-Base : L=12, D=768, A=12 : 110M</a:t>
+            </a:r>
+            <a:r>
+              <a:rPr lang="ko-KR" altLang="en-US" sz="1400" dirty="0">
+                <a:latin typeface="KoPubWorld돋움체 Medium" panose="00000600000000000000" pitchFamily="2" charset="-127"/>
+                <a:ea typeface="KoPubWorld돋움체 Medium" panose="00000600000000000000" pitchFamily="2" charset="-127"/>
+                <a:cs typeface="KoPubWorld돋움체 Medium" panose="00000600000000000000" pitchFamily="2" charset="-127"/>
+              </a:rPr>
+              <a:t>개의 </a:t>
+            </a:r>
+            <a:r>
+              <a:rPr lang="ko-KR" altLang="en-US" sz="1400" dirty="0" err="1" smtClean="0">
+                <a:latin typeface="KoPubWorld돋움체 Medium" panose="00000600000000000000" pitchFamily="2" charset="-127"/>
+                <a:ea typeface="KoPubWorld돋움체 Medium" panose="00000600000000000000" pitchFamily="2" charset="-127"/>
+                <a:cs typeface="KoPubWorld돋움체 Medium" panose="00000600000000000000" pitchFamily="2" charset="-127"/>
+              </a:rPr>
+              <a:t>파라미터</a:t>
+            </a:r>
+            <a:r>
+              <a:rPr lang="ko-KR" altLang="en-US" sz="1400" dirty="0" smtClean="0">
+                <a:latin typeface="KoPubWorld돋움체 Medium" panose="00000600000000000000" pitchFamily="2" charset="-127"/>
+                <a:ea typeface="KoPubWorld돋움체 Medium" panose="00000600000000000000" pitchFamily="2" charset="-127"/>
+                <a:cs typeface="KoPubWorld돋움체 Medium" panose="00000600000000000000" pitchFamily="2" charset="-127"/>
+              </a:rPr>
+              <a:t> </a:t>
+            </a:r>
+            <a:r>
+              <a:rPr lang="en-US" altLang="ko-KR" sz="1400" dirty="0">
+                <a:latin typeface="KoPubWorld돋움체 Medium" panose="00000600000000000000" pitchFamily="2" charset="-127"/>
+                <a:ea typeface="KoPubWorld돋움체 Medium" panose="00000600000000000000" pitchFamily="2" charset="-127"/>
+                <a:cs typeface="KoPubWorld돋움체 Medium" panose="00000600000000000000" pitchFamily="2" charset="-127"/>
+              </a:rPr>
+              <a:t>(GPT-1</a:t>
+            </a:r>
+            <a:r>
+              <a:rPr lang="ko-KR" altLang="en-US" sz="1400" dirty="0">
+                <a:latin typeface="KoPubWorld돋움체 Medium" panose="00000600000000000000" pitchFamily="2" charset="-127"/>
+                <a:ea typeface="KoPubWorld돋움체 Medium" panose="00000600000000000000" pitchFamily="2" charset="-127"/>
+                <a:cs typeface="KoPubWorld돋움체 Medium" panose="00000600000000000000" pitchFamily="2" charset="-127"/>
+              </a:rPr>
+              <a:t>과 성능을 비교하기 위해서 </a:t>
+            </a:r>
+            <a:r>
+              <a:rPr lang="en-US" altLang="ko-KR" sz="1400" dirty="0">
+                <a:latin typeface="KoPubWorld돋움체 Medium" panose="00000600000000000000" pitchFamily="2" charset="-127"/>
+                <a:ea typeface="KoPubWorld돋움체 Medium" panose="00000600000000000000" pitchFamily="2" charset="-127"/>
+                <a:cs typeface="KoPubWorld돋움체 Medium" panose="00000600000000000000" pitchFamily="2" charset="-127"/>
+              </a:rPr>
+              <a:t>GPT-1</a:t>
+            </a:r>
+            <a:r>
+              <a:rPr lang="ko-KR" altLang="en-US" sz="1400" dirty="0">
+                <a:latin typeface="KoPubWorld돋움체 Medium" panose="00000600000000000000" pitchFamily="2" charset="-127"/>
+                <a:ea typeface="KoPubWorld돋움체 Medium" panose="00000600000000000000" pitchFamily="2" charset="-127"/>
+                <a:cs typeface="KoPubWorld돋움체 Medium" panose="00000600000000000000" pitchFamily="2" charset="-127"/>
+              </a:rPr>
+              <a:t>과 동등한 크기로 </a:t>
+            </a:r>
+            <a:r>
+              <a:rPr lang="en-US" altLang="ko-KR" sz="1400" dirty="0">
+                <a:latin typeface="KoPubWorld돋움체 Medium" panose="00000600000000000000" pitchFamily="2" charset="-127"/>
+                <a:ea typeface="KoPubWorld돋움체 Medium" panose="00000600000000000000" pitchFamily="2" charset="-127"/>
+                <a:cs typeface="KoPubWorld돋움체 Medium" panose="00000600000000000000" pitchFamily="2" charset="-127"/>
+              </a:rPr>
+              <a:t>BERT-Base</a:t>
+            </a:r>
+            <a:r>
+              <a:rPr lang="ko-KR" altLang="en-US" sz="1400" dirty="0">
+                <a:latin typeface="KoPubWorld돋움체 Medium" panose="00000600000000000000" pitchFamily="2" charset="-127"/>
+                <a:ea typeface="KoPubWorld돋움체 Medium" panose="00000600000000000000" pitchFamily="2" charset="-127"/>
+                <a:cs typeface="KoPubWorld돋움체 Medium" panose="00000600000000000000" pitchFamily="2" charset="-127"/>
+              </a:rPr>
+              <a:t>를 </a:t>
+            </a:r>
+            <a:r>
+              <a:rPr lang="ko-KR" altLang="en-US" sz="1400" dirty="0" smtClean="0">
+                <a:latin typeface="KoPubWorld돋움체 Medium" panose="00000600000000000000" pitchFamily="2" charset="-127"/>
+                <a:ea typeface="KoPubWorld돋움체 Medium" panose="00000600000000000000" pitchFamily="2" charset="-127"/>
+                <a:cs typeface="KoPubWorld돋움체 Medium" panose="00000600000000000000" pitchFamily="2" charset="-127"/>
+              </a:rPr>
+              <a:t>설계</a:t>
+            </a:r>
+            <a:r>
+              <a:rPr lang="en-US" altLang="ko-KR" sz="1400" dirty="0" smtClean="0">
+                <a:latin typeface="KoPubWorld돋움체 Medium" panose="00000600000000000000" pitchFamily="2" charset="-127"/>
+                <a:ea typeface="KoPubWorld돋움체 Medium" panose="00000600000000000000" pitchFamily="2" charset="-127"/>
+                <a:cs typeface="KoPubWorld돋움체 Medium" panose="00000600000000000000" pitchFamily="2" charset="-127"/>
+              </a:rPr>
+              <a:t>)</a:t>
+            </a:r>
+            <a:endParaRPr lang="ko-KR" altLang="en-US" sz="1400" dirty="0">
+              <a:latin typeface="KoPubWorld돋움체 Medium" panose="00000600000000000000" pitchFamily="2" charset="-127"/>
+              <a:ea typeface="KoPubWorld돋움체 Medium" panose="00000600000000000000" pitchFamily="2" charset="-127"/>
+              <a:cs typeface="KoPubWorld돋움체 Medium" panose="00000600000000000000" pitchFamily="2" charset="-127"/>
+            </a:endParaRPr>
+          </a:p>
+          <a:p>
+            <a:pPr marL="742950" lvl="1" indent="-285750">
+              <a:buFont typeface="Arial" panose="020B0604020202020204" pitchFamily="34" charset="0"/>
+              <a:buChar char="•"/>
+            </a:pPr>
+            <a:r>
+              <a:rPr lang="en-US" altLang="ko-KR" sz="1400" dirty="0">
+                <a:latin typeface="KoPubWorld돋움체 Medium" panose="00000600000000000000" pitchFamily="2" charset="-127"/>
+                <a:ea typeface="KoPubWorld돋움체 Medium" panose="00000600000000000000" pitchFamily="2" charset="-127"/>
+                <a:cs typeface="KoPubWorld돋움체 Medium" panose="00000600000000000000" pitchFamily="2" charset="-127"/>
+              </a:rPr>
+              <a:t>BERT-Large : L=24, D=1024, A=16 : 340M</a:t>
+            </a:r>
+            <a:r>
+              <a:rPr lang="ko-KR" altLang="en-US" sz="1400" dirty="0">
+                <a:latin typeface="KoPubWorld돋움체 Medium" panose="00000600000000000000" pitchFamily="2" charset="-127"/>
+                <a:ea typeface="KoPubWorld돋움체 Medium" panose="00000600000000000000" pitchFamily="2" charset="-127"/>
+                <a:cs typeface="KoPubWorld돋움체 Medium" panose="00000600000000000000" pitchFamily="2" charset="-127"/>
+              </a:rPr>
+              <a:t>개의 </a:t>
+            </a:r>
+            <a:r>
+              <a:rPr lang="ko-KR" altLang="en-US" sz="1400" dirty="0" err="1" smtClean="0">
+                <a:latin typeface="KoPubWorld돋움체 Medium" panose="00000600000000000000" pitchFamily="2" charset="-127"/>
+                <a:ea typeface="KoPubWorld돋움체 Medium" panose="00000600000000000000" pitchFamily="2" charset="-127"/>
+                <a:cs typeface="KoPubWorld돋움체 Medium" panose="00000600000000000000" pitchFamily="2" charset="-127"/>
+              </a:rPr>
+              <a:t>파라미터</a:t>
+            </a:r>
+            <a:r>
+              <a:rPr lang="ko-KR" altLang="en-US" sz="1400" dirty="0" smtClean="0">
+                <a:latin typeface="KoPubWorld돋움체 Medium" panose="00000600000000000000" pitchFamily="2" charset="-127"/>
+                <a:ea typeface="KoPubWorld돋움체 Medium" panose="00000600000000000000" pitchFamily="2" charset="-127"/>
+                <a:cs typeface="KoPubWorld돋움체 Medium" panose="00000600000000000000" pitchFamily="2" charset="-127"/>
+              </a:rPr>
+              <a:t> </a:t>
+            </a:r>
+            <a:r>
+              <a:rPr lang="en-US" altLang="ko-KR" sz="1400" dirty="0" smtClean="0">
+                <a:latin typeface="KoPubWorld돋움체 Medium" panose="00000600000000000000" pitchFamily="2" charset="-127"/>
+                <a:ea typeface="KoPubWorld돋움체 Medium" panose="00000600000000000000" pitchFamily="2" charset="-127"/>
+                <a:cs typeface="KoPubWorld돋움체 Medium" panose="00000600000000000000" pitchFamily="2" charset="-127"/>
+              </a:rPr>
+              <a:t>(BERT</a:t>
+            </a:r>
+            <a:r>
+              <a:rPr lang="ko-KR" altLang="en-US" sz="1400" dirty="0" smtClean="0">
+                <a:latin typeface="KoPubWorld돋움체 Medium" panose="00000600000000000000" pitchFamily="2" charset="-127"/>
+                <a:ea typeface="KoPubWorld돋움체 Medium" panose="00000600000000000000" pitchFamily="2" charset="-127"/>
+                <a:cs typeface="KoPubWorld돋움체 Medium" panose="00000600000000000000" pitchFamily="2" charset="-127"/>
+              </a:rPr>
+              <a:t>의 최대 성능을 보여주기 위함</a:t>
+            </a:r>
+            <a:r>
+              <a:rPr lang="en-US" altLang="ko-KR" sz="1400" dirty="0" smtClean="0">
+                <a:latin typeface="KoPubWorld돋움체 Medium" panose="00000600000000000000" pitchFamily="2" charset="-127"/>
+                <a:ea typeface="KoPubWorld돋움체 Medium" panose="00000600000000000000" pitchFamily="2" charset="-127"/>
+                <a:cs typeface="KoPubWorld돋움체 Medium" panose="00000600000000000000" pitchFamily="2" charset="-127"/>
+              </a:rPr>
+              <a:t>)</a:t>
+            </a:r>
+          </a:p>
+          <a:p>
+            <a:r>
+              <a:rPr lang="en-US" altLang="ko-KR" sz="1400" dirty="0" smtClean="0">
+                <a:latin typeface="KoPubWorld돋움체 Medium" panose="00000600000000000000" pitchFamily="2" charset="-127"/>
+                <a:ea typeface="KoPubWorld돋움체 Medium" panose="00000600000000000000" pitchFamily="2" charset="-127"/>
+                <a:cs typeface="KoPubWorld돋움체 Medium" panose="00000600000000000000" pitchFamily="2" charset="-127"/>
+              </a:rPr>
+              <a:t>  - </a:t>
+            </a:r>
+            <a:r>
+              <a:rPr lang="en-US" altLang="ko-KR" sz="1400" dirty="0" err="1" smtClean="0">
+                <a:latin typeface="KoPubWorld돋움체 Medium" panose="00000600000000000000" pitchFamily="2" charset="-127"/>
+                <a:ea typeface="KoPubWorld돋움체 Medium" panose="00000600000000000000" pitchFamily="2" charset="-127"/>
+                <a:cs typeface="KoPubWorld돋움체 Medium" panose="00000600000000000000" pitchFamily="2" charset="-127"/>
+              </a:rPr>
+              <a:t>cf</a:t>
+            </a:r>
+            <a:r>
+              <a:rPr lang="en-US" altLang="ko-KR" sz="1400" dirty="0" smtClean="0">
+                <a:latin typeface="KoPubWorld돋움체 Medium" panose="00000600000000000000" pitchFamily="2" charset="-127"/>
+                <a:ea typeface="KoPubWorld돋움체 Medium" panose="00000600000000000000" pitchFamily="2" charset="-127"/>
+                <a:cs typeface="KoPubWorld돋움체 Medium" panose="00000600000000000000" pitchFamily="2" charset="-127"/>
+              </a:rPr>
+              <a:t>) </a:t>
+            </a:r>
+            <a:r>
+              <a:rPr lang="ko-KR" altLang="en-US" sz="1400" dirty="0">
+                <a:latin typeface="KoPubWorld돋움체 Medium" panose="00000600000000000000" pitchFamily="2" charset="-127"/>
+                <a:ea typeface="KoPubWorld돋움체 Medium" panose="00000600000000000000" pitchFamily="2" charset="-127"/>
+                <a:cs typeface="KoPubWorld돋움체 Medium" panose="00000600000000000000" pitchFamily="2" charset="-127"/>
+              </a:rPr>
+              <a:t>초기 트랜스포머 모델</a:t>
+            </a:r>
+            <a:r>
+              <a:rPr lang="en-US" altLang="ko-KR" sz="1400" dirty="0">
+                <a:latin typeface="KoPubWorld돋움체 Medium" panose="00000600000000000000" pitchFamily="2" charset="-127"/>
+                <a:ea typeface="KoPubWorld돋움체 Medium" panose="00000600000000000000" pitchFamily="2" charset="-127"/>
+                <a:cs typeface="KoPubWorld돋움체 Medium" panose="00000600000000000000" pitchFamily="2" charset="-127"/>
+              </a:rPr>
+              <a:t>(</a:t>
+            </a:r>
+            <a:r>
+              <a:rPr lang="en-US" altLang="ko-KR" sz="1400" dirty="0">
+                <a:latin typeface="KoPubWorld돋움체 Medium" panose="00000600000000000000" pitchFamily="2" charset="-127"/>
+                <a:ea typeface="KoPubWorld돋움체 Medium" panose="00000600000000000000" pitchFamily="2" charset="-127"/>
+                <a:cs typeface="KoPubWorld돋움체 Medium" panose="00000600000000000000" pitchFamily="2" charset="-127"/>
+                <a:hlinkClick r:id="rId2"/>
+              </a:rPr>
+              <a:t>https://wikidocs.net/31379</a:t>
+            </a:r>
+            <a:r>
+              <a:rPr lang="en-US" altLang="ko-KR" sz="1400" dirty="0" smtClean="0">
+                <a:latin typeface="KoPubWorld돋움체 Medium" panose="00000600000000000000" pitchFamily="2" charset="-127"/>
+                <a:ea typeface="KoPubWorld돋움체 Medium" panose="00000600000000000000" pitchFamily="2" charset="-127"/>
+                <a:cs typeface="KoPubWorld돋움체 Medium" panose="00000600000000000000" pitchFamily="2" charset="-127"/>
+              </a:rPr>
+              <a:t>)</a:t>
+            </a:r>
+            <a:r>
+              <a:rPr lang="ko-KR" altLang="en-US" sz="1400" dirty="0" smtClean="0">
+                <a:latin typeface="KoPubWorld돋움체 Medium" panose="00000600000000000000" pitchFamily="2" charset="-127"/>
+                <a:ea typeface="KoPubWorld돋움체 Medium" panose="00000600000000000000" pitchFamily="2" charset="-127"/>
+                <a:cs typeface="KoPubWorld돋움체 Medium" panose="00000600000000000000" pitchFamily="2" charset="-127"/>
+              </a:rPr>
+              <a:t> </a:t>
+            </a:r>
+            <a:r>
+              <a:rPr lang="ko-KR" altLang="en-US" sz="1400" dirty="0" err="1" smtClean="0">
+                <a:latin typeface="KoPubWorld돋움체 Medium" panose="00000600000000000000" pitchFamily="2" charset="-127"/>
+                <a:ea typeface="KoPubWorld돋움체 Medium" panose="00000600000000000000" pitchFamily="2" charset="-127"/>
+                <a:cs typeface="KoPubWorld돋움체 Medium" panose="00000600000000000000" pitchFamily="2" charset="-127"/>
+              </a:rPr>
+              <a:t>파라미터</a:t>
+            </a:r>
+            <a:r>
+              <a:rPr lang="ko-KR" altLang="en-US" sz="1400" dirty="0" smtClean="0">
+                <a:latin typeface="KoPubWorld돋움체 Medium" panose="00000600000000000000" pitchFamily="2" charset="-127"/>
+                <a:ea typeface="KoPubWorld돋움체 Medium" panose="00000600000000000000" pitchFamily="2" charset="-127"/>
+                <a:cs typeface="KoPubWorld돋움체 Medium" panose="00000600000000000000" pitchFamily="2" charset="-127"/>
+              </a:rPr>
+              <a:t> 정보</a:t>
+            </a:r>
+            <a:r>
+              <a:rPr lang="en-US" altLang="ko-KR" sz="1400" dirty="0" smtClean="0">
+                <a:latin typeface="KoPubWorld돋움체 Medium" panose="00000600000000000000" pitchFamily="2" charset="-127"/>
+                <a:ea typeface="KoPubWorld돋움체 Medium" panose="00000600000000000000" pitchFamily="2" charset="-127"/>
+                <a:cs typeface="KoPubWorld돋움체 Medium" panose="00000600000000000000" pitchFamily="2" charset="-127"/>
+              </a:rPr>
+              <a:t>:</a:t>
+            </a:r>
+            <a:r>
+              <a:rPr lang="ko-KR" altLang="en-US" sz="1400" dirty="0" smtClean="0">
+                <a:latin typeface="KoPubWorld돋움체 Medium" panose="00000600000000000000" pitchFamily="2" charset="-127"/>
+                <a:ea typeface="KoPubWorld돋움체 Medium" panose="00000600000000000000" pitchFamily="2" charset="-127"/>
+                <a:cs typeface="KoPubWorld돋움체 Medium" panose="00000600000000000000" pitchFamily="2" charset="-127"/>
+              </a:rPr>
+              <a:t> </a:t>
+            </a:r>
+            <a:r>
+              <a:rPr lang="en-US" altLang="ko-KR" sz="1400" dirty="0">
+                <a:latin typeface="KoPubWorld돋움체 Medium" panose="00000600000000000000" pitchFamily="2" charset="-127"/>
+                <a:ea typeface="KoPubWorld돋움체 Medium" panose="00000600000000000000" pitchFamily="2" charset="-127"/>
+                <a:cs typeface="KoPubWorld돋움체 Medium" panose="00000600000000000000" pitchFamily="2" charset="-127"/>
+              </a:rPr>
+              <a:t>L=6, D=512, A=8</a:t>
+            </a:r>
+          </a:p>
+          <a:p>
+            <a:endParaRPr lang="en-US" altLang="ko-KR" sz="1400" dirty="0" smtClean="0">
+              <a:latin typeface="KoPubWorld돋움체 Medium" panose="00000600000000000000" pitchFamily="2" charset="-127"/>
+              <a:ea typeface="KoPubWorld돋움체 Medium" panose="00000600000000000000" pitchFamily="2" charset="-127"/>
+              <a:cs typeface="KoPubWorld돋움체 Medium" panose="00000600000000000000" pitchFamily="2" charset="-127"/>
+            </a:endParaRPr>
+          </a:p>
+          <a:p>
+            <a:endParaRPr lang="en-US" altLang="ko-KR" sz="1400" dirty="0" smtClean="0">
+              <a:latin typeface="KoPubWorld돋움체 Medium" panose="00000600000000000000" pitchFamily="2" charset="-127"/>
+              <a:ea typeface="KoPubWorld돋움체 Medium" panose="00000600000000000000" pitchFamily="2" charset="-127"/>
+              <a:cs typeface="KoPubWorld돋움체 Medium" panose="00000600000000000000" pitchFamily="2" charset="-127"/>
+            </a:endParaRPr>
+          </a:p>
+          <a:p>
+            <a:endParaRPr lang="ko-KR" altLang="en-US" sz="1400" dirty="0">
+              <a:latin typeface="KoPubWorld돋움체 Medium" panose="00000600000000000000" pitchFamily="2" charset="-127"/>
+              <a:ea typeface="KoPubWorld돋움체 Medium" panose="00000600000000000000" pitchFamily="2" charset="-127"/>
+              <a:cs typeface="KoPubWorld돋움체 Medium" panose="00000600000000000000" pitchFamily="2" charset="-127"/>
+            </a:endParaRPr>
+          </a:p>
+        </p:txBody>
+      </p:sp>
+      <p:sp>
+        <p:nvSpPr>
+          <p:cNvPr id="6" name="TextBox 5"/>
+          <p:cNvSpPr txBox="1"/>
+          <p:nvPr/>
+        </p:nvSpPr>
+        <p:spPr>
+          <a:xfrm>
+            <a:off x="9591553" y="72083"/>
+            <a:ext cx="2204450" cy="246221"/>
+          </a:xfrm>
+          <a:prstGeom prst="rect">
+            <a:avLst/>
+          </a:prstGeom>
+          <a:noFill/>
+        </p:spPr>
+        <p:txBody>
+          <a:bodyPr wrap="none" rtlCol="0">
+            <a:spAutoFit/>
+          </a:bodyPr>
+          <a:lstStyle/>
+          <a:p>
+            <a:r>
+              <a:rPr lang="ko-KR" altLang="en-US" sz="1000" dirty="0" smtClean="0">
+                <a:solidFill>
+                  <a:schemeClr val="bg1">
+                    <a:lumMod val="75000"/>
+                  </a:schemeClr>
+                </a:solidFill>
+                <a:latin typeface="KoPubWorld돋움체 Light" panose="00000300000000000000" pitchFamily="2" charset="-127"/>
+                <a:ea typeface="KoPubWorld돋움체 Light" panose="00000300000000000000" pitchFamily="2" charset="-127"/>
+                <a:cs typeface="KoPubWorld돋움체 Light" panose="00000300000000000000" pitchFamily="2" charset="-127"/>
+              </a:rPr>
+              <a:t>출처</a:t>
+            </a:r>
+            <a:r>
+              <a:rPr lang="en-US" altLang="ko-KR" sz="1000" dirty="0" smtClean="0">
+                <a:solidFill>
+                  <a:schemeClr val="bg1">
+                    <a:lumMod val="75000"/>
+                  </a:schemeClr>
+                </a:solidFill>
+                <a:latin typeface="KoPubWorld돋움체 Light" panose="00000300000000000000" pitchFamily="2" charset="-127"/>
+                <a:ea typeface="KoPubWorld돋움체 Light" panose="00000300000000000000" pitchFamily="2" charset="-127"/>
+                <a:cs typeface="KoPubWorld돋움체 Light" panose="00000300000000000000" pitchFamily="2" charset="-127"/>
+              </a:rPr>
+              <a:t>: </a:t>
+            </a:r>
+            <a:r>
+              <a:rPr lang="ko-KR" altLang="en-US" sz="1000" dirty="0" err="1" smtClean="0">
+                <a:solidFill>
+                  <a:schemeClr val="bg1">
+                    <a:lumMod val="75000"/>
+                  </a:schemeClr>
+                </a:solidFill>
+                <a:latin typeface="KoPubWorld돋움체 Light" panose="00000300000000000000" pitchFamily="2" charset="-127"/>
+                <a:ea typeface="KoPubWorld돋움체 Light" panose="00000300000000000000" pitchFamily="2" charset="-127"/>
+                <a:cs typeface="KoPubWorld돋움체 Light" panose="00000300000000000000" pitchFamily="2" charset="-127"/>
+              </a:rPr>
+              <a:t>딥러닝을</a:t>
+            </a:r>
+            <a:r>
+              <a:rPr lang="ko-KR" altLang="en-US" sz="1000" dirty="0" smtClean="0">
+                <a:solidFill>
+                  <a:schemeClr val="bg1">
+                    <a:lumMod val="75000"/>
+                  </a:schemeClr>
+                </a:solidFill>
+                <a:latin typeface="KoPubWorld돋움체 Light" panose="00000300000000000000" pitchFamily="2" charset="-127"/>
+                <a:ea typeface="KoPubWorld돋움체 Light" panose="00000300000000000000" pitchFamily="2" charset="-127"/>
+                <a:cs typeface="KoPubWorld돋움체 Light" panose="00000300000000000000" pitchFamily="2" charset="-127"/>
+              </a:rPr>
+              <a:t> 이용한 자연어 처리 입문</a:t>
+            </a:r>
+            <a:endParaRPr lang="ko-KR" altLang="en-US" sz="1000" dirty="0">
+              <a:solidFill>
+                <a:schemeClr val="bg1">
+                  <a:lumMod val="75000"/>
+                </a:schemeClr>
+              </a:solidFill>
+              <a:latin typeface="KoPubWorld돋움체 Light" panose="00000300000000000000" pitchFamily="2" charset="-127"/>
+              <a:ea typeface="KoPubWorld돋움체 Light" panose="00000300000000000000" pitchFamily="2" charset="-127"/>
+              <a:cs typeface="KoPubWorld돋움체 Light" panose="00000300000000000000" pitchFamily="2" charset="-127"/>
+            </a:endParaRPr>
+          </a:p>
+        </p:txBody>
+      </p:sp>
+    </p:spTree>
+    <p:extLst>
+      <p:ext uri="{BB962C8B-B14F-4D97-AF65-F5344CB8AC3E}">
+        <p14:creationId xmlns:p14="http://schemas.microsoft.com/office/powerpoint/2010/main" val="1493766000"/>
+      </p:ext>
+    </p:extLst>
+  </p:cSld>
+  <p:clrMapOvr>
+    <a:masterClrMapping/>
+  </p:clrMapOvr>
+</p:sld>
+</file>
+
+<file path=ppt/slides/slide9.xml><?xml version="1.0" encoding="utf-8"?>
+<p:sld xmlns:a="http://schemas.openxmlformats.org/drawingml/2006/main" xmlns:r="http://schemas.openxmlformats.org/officeDocument/2006/relationships" xmlns:p="http://schemas.openxmlformats.org/presentationml/2006/main">
+  <p:cSld>
+    <p:spTree>
+      <p:nvGrpSpPr>
+        <p:cNvPr id="1" name=""/>
+        <p:cNvGrpSpPr/>
+        <p:nvPr/>
+      </p:nvGrpSpPr>
+      <p:grpSpPr>
+        <a:xfrm>
+          <a:off x="0" y="0"/>
+          <a:ext cx="0" cy="0"/>
+          <a:chOff x="0" y="0"/>
+          <a:chExt cx="0" cy="0"/>
+        </a:xfrm>
+      </p:grpSpPr>
+      <p:sp>
+        <p:nvSpPr>
+          <p:cNvPr id="4" name="TextBox 3"/>
+          <p:cNvSpPr txBox="1"/>
+          <p:nvPr/>
+        </p:nvSpPr>
+        <p:spPr>
+          <a:xfrm>
+            <a:off x="495546" y="383458"/>
+            <a:ext cx="7582525" cy="369332"/>
+          </a:xfrm>
+          <a:prstGeom prst="rect">
+            <a:avLst/>
+          </a:prstGeom>
+          <a:noFill/>
+        </p:spPr>
+        <p:txBody>
+          <a:bodyPr wrap="none" rtlCol="0">
+            <a:spAutoFit/>
+          </a:bodyPr>
+          <a:lstStyle/>
+          <a:p>
+            <a:r>
+              <a:rPr lang="en-US" altLang="ko-KR" dirty="0">
+                <a:latin typeface="KoPubWorld돋움체 Bold" panose="00000800000000000000" pitchFamily="2" charset="-127"/>
+                <a:ea typeface="KoPubWorld돋움체 Bold" panose="00000800000000000000" pitchFamily="2" charset="-127"/>
+                <a:cs typeface="KoPubWorld돋움체 Bold" panose="00000800000000000000" pitchFamily="2" charset="-127"/>
+              </a:rPr>
+              <a:t>BERT(Bidirectional Encoder Representations from Transformers, BERT)</a:t>
+            </a:r>
+            <a:endParaRPr lang="ko-KR" altLang="en-US" dirty="0">
+              <a:latin typeface="KoPubWorld돋움체 Bold" panose="00000800000000000000" pitchFamily="2" charset="-127"/>
+              <a:ea typeface="KoPubWorld돋움체 Bold" panose="00000800000000000000" pitchFamily="2" charset="-127"/>
+              <a:cs typeface="KoPubWorld돋움체 Bold" panose="00000800000000000000" pitchFamily="2" charset="-127"/>
+            </a:endParaRPr>
+          </a:p>
+        </p:txBody>
+      </p:sp>
+      <p:sp>
+        <p:nvSpPr>
+          <p:cNvPr id="5" name="TextBox 4"/>
+          <p:cNvSpPr txBox="1"/>
+          <p:nvPr/>
+        </p:nvSpPr>
+        <p:spPr>
+          <a:xfrm>
+            <a:off x="615498" y="930653"/>
+            <a:ext cx="11200140" cy="2492990"/>
+          </a:xfrm>
+          <a:prstGeom prst="rect">
+            <a:avLst/>
+          </a:prstGeom>
+          <a:noFill/>
+        </p:spPr>
+        <p:txBody>
+          <a:bodyPr wrap="square" rtlCol="0">
+            <a:spAutoFit/>
+          </a:bodyPr>
+          <a:lstStyle/>
+          <a:p>
+            <a:r>
+              <a:rPr lang="en-US" altLang="ko-KR" sz="1600" dirty="0" smtClean="0">
+                <a:latin typeface="KoPubWorld돋움체 Medium" panose="00000600000000000000" pitchFamily="2" charset="-127"/>
+                <a:ea typeface="KoPubWorld돋움체 Medium" panose="00000600000000000000" pitchFamily="2" charset="-127"/>
+                <a:cs typeface="KoPubWorld돋움체 Medium" panose="00000600000000000000" pitchFamily="2" charset="-127"/>
+              </a:rPr>
+              <a:t>3. </a:t>
+            </a:r>
+            <a:r>
+              <a:rPr lang="en-US" altLang="ko-KR" sz="1600" dirty="0">
+                <a:latin typeface="KoPubWorld돋움체 Medium" panose="00000600000000000000" pitchFamily="2" charset="-127"/>
+                <a:ea typeface="KoPubWorld돋움체 Medium" panose="00000600000000000000" pitchFamily="2" charset="-127"/>
+                <a:cs typeface="KoPubWorld돋움체 Medium" panose="00000600000000000000" pitchFamily="2" charset="-127"/>
+              </a:rPr>
+              <a:t>BERT</a:t>
+            </a:r>
+            <a:r>
+              <a:rPr lang="ko-KR" altLang="en-US" sz="1600" dirty="0">
+                <a:latin typeface="KoPubWorld돋움체 Medium" panose="00000600000000000000" pitchFamily="2" charset="-127"/>
+                <a:ea typeface="KoPubWorld돋움체 Medium" panose="00000600000000000000" pitchFamily="2" charset="-127"/>
+                <a:cs typeface="KoPubWorld돋움체 Medium" panose="00000600000000000000" pitchFamily="2" charset="-127"/>
+              </a:rPr>
+              <a:t>의 문맥을 반영한 </a:t>
+            </a:r>
+            <a:r>
+              <a:rPr lang="ko-KR" altLang="en-US" sz="1600" dirty="0" err="1">
+                <a:latin typeface="KoPubWorld돋움체 Medium" panose="00000600000000000000" pitchFamily="2" charset="-127"/>
+                <a:ea typeface="KoPubWorld돋움체 Medium" panose="00000600000000000000" pitchFamily="2" charset="-127"/>
+                <a:cs typeface="KoPubWorld돋움체 Medium" panose="00000600000000000000" pitchFamily="2" charset="-127"/>
+              </a:rPr>
+              <a:t>임베딩</a:t>
+            </a:r>
+            <a:r>
+              <a:rPr lang="en-US" altLang="ko-KR" sz="1600" dirty="0">
+                <a:latin typeface="KoPubWorld돋움체 Medium" panose="00000600000000000000" pitchFamily="2" charset="-127"/>
+                <a:ea typeface="KoPubWorld돋움체 Medium" panose="00000600000000000000" pitchFamily="2" charset="-127"/>
+                <a:cs typeface="KoPubWorld돋움체 Medium" panose="00000600000000000000" pitchFamily="2" charset="-127"/>
+              </a:rPr>
+              <a:t>(Contextual Embedding)</a:t>
+            </a:r>
+          </a:p>
+          <a:p>
+            <a:r>
+              <a:rPr lang="ko-KR" altLang="en-US" sz="1400" dirty="0" smtClean="0">
+                <a:latin typeface="KoPubWorld돋움체 Medium" panose="00000600000000000000" pitchFamily="2" charset="-127"/>
+                <a:ea typeface="KoPubWorld돋움체 Medium" panose="00000600000000000000" pitchFamily="2" charset="-127"/>
+                <a:cs typeface="KoPubWorld돋움체 Medium" panose="00000600000000000000" pitchFamily="2" charset="-127"/>
+              </a:rPr>
+              <a:t>  </a:t>
+            </a:r>
+            <a:r>
+              <a:rPr lang="en-US" altLang="ko-KR" sz="1400" dirty="0">
+                <a:latin typeface="KoPubWorld돋움체 Medium" panose="00000600000000000000" pitchFamily="2" charset="-127"/>
+                <a:ea typeface="KoPubWorld돋움체 Medium" panose="00000600000000000000" pitchFamily="2" charset="-127"/>
+                <a:cs typeface="KoPubWorld돋움체 Medium" panose="00000600000000000000" pitchFamily="2" charset="-127"/>
+              </a:rPr>
+              <a:t>- </a:t>
+            </a:r>
+            <a:r>
+              <a:rPr lang="ko-KR" altLang="en-US" sz="1400" dirty="0">
+                <a:latin typeface="KoPubWorld돋움체 Medium" panose="00000600000000000000" pitchFamily="2" charset="-127"/>
+                <a:ea typeface="KoPubWorld돋움체 Medium" panose="00000600000000000000" pitchFamily="2" charset="-127"/>
+                <a:cs typeface="KoPubWorld돋움체 Medium" panose="00000600000000000000" pitchFamily="2" charset="-127"/>
+              </a:rPr>
+              <a:t>기본 구조는 트랜스포머의 인코더를 </a:t>
+            </a:r>
+            <a:r>
+              <a:rPr lang="ko-KR" altLang="en-US" sz="1400" dirty="0" err="1">
+                <a:latin typeface="KoPubWorld돋움체 Medium" panose="00000600000000000000" pitchFamily="2" charset="-127"/>
+                <a:ea typeface="KoPubWorld돋움체 Medium" panose="00000600000000000000" pitchFamily="2" charset="-127"/>
+                <a:cs typeface="KoPubWorld돋움체 Medium" panose="00000600000000000000" pitchFamily="2" charset="-127"/>
+              </a:rPr>
+              <a:t>쌓아올린</a:t>
+            </a:r>
+            <a:r>
+              <a:rPr lang="ko-KR" altLang="en-US" sz="1400" dirty="0">
+                <a:latin typeface="KoPubWorld돋움체 Medium" panose="00000600000000000000" pitchFamily="2" charset="-127"/>
+                <a:ea typeface="KoPubWorld돋움체 Medium" panose="00000600000000000000" pitchFamily="2" charset="-127"/>
+                <a:cs typeface="KoPubWorld돋움체 Medium" panose="00000600000000000000" pitchFamily="2" charset="-127"/>
+              </a:rPr>
+              <a:t> 구조</a:t>
+            </a:r>
+            <a:endParaRPr lang="en-US" altLang="ko-KR" sz="1400" dirty="0" smtClean="0">
+              <a:latin typeface="KoPubWorld돋움체 Medium" panose="00000600000000000000" pitchFamily="2" charset="-127"/>
+              <a:ea typeface="KoPubWorld돋움체 Medium" panose="00000600000000000000" pitchFamily="2" charset="-127"/>
+              <a:cs typeface="KoPubWorld돋움체 Medium" panose="00000600000000000000" pitchFamily="2" charset="-127"/>
+            </a:endParaRPr>
+          </a:p>
+          <a:p>
+            <a:r>
+              <a:rPr lang="en-US" altLang="ko-KR" sz="1400" dirty="0">
+                <a:latin typeface="KoPubWorld돋움체 Medium" panose="00000600000000000000" pitchFamily="2" charset="-127"/>
+                <a:ea typeface="KoPubWorld돋움체 Medium" panose="00000600000000000000" pitchFamily="2" charset="-127"/>
+                <a:cs typeface="KoPubWorld돋움체 Medium" panose="00000600000000000000" pitchFamily="2" charset="-127"/>
+              </a:rPr>
+              <a:t> </a:t>
+            </a:r>
+            <a:r>
+              <a:rPr lang="en-US" altLang="ko-KR" sz="1400" dirty="0" smtClean="0">
+                <a:latin typeface="KoPubWorld돋움체 Medium" panose="00000600000000000000" pitchFamily="2" charset="-127"/>
+                <a:ea typeface="KoPubWorld돋움체 Medium" panose="00000600000000000000" pitchFamily="2" charset="-127"/>
+                <a:cs typeface="KoPubWorld돋움체 Medium" panose="00000600000000000000" pitchFamily="2" charset="-127"/>
+              </a:rPr>
+              <a:t> </a:t>
+            </a:r>
+            <a:r>
+              <a:rPr lang="en-US" altLang="ko-KR" sz="1400" dirty="0">
+                <a:latin typeface="KoPubWorld돋움체 Medium" panose="00000600000000000000" pitchFamily="2" charset="-127"/>
+                <a:ea typeface="KoPubWorld돋움체 Medium" panose="00000600000000000000" pitchFamily="2" charset="-127"/>
+                <a:cs typeface="KoPubWorld돋움체 Medium" panose="00000600000000000000" pitchFamily="2" charset="-127"/>
+              </a:rPr>
+              <a:t>- Base </a:t>
+            </a:r>
+            <a:r>
+              <a:rPr lang="ko-KR" altLang="en-US" sz="1400" dirty="0">
+                <a:latin typeface="KoPubWorld돋움체 Medium" panose="00000600000000000000" pitchFamily="2" charset="-127"/>
+                <a:ea typeface="KoPubWorld돋움체 Medium" panose="00000600000000000000" pitchFamily="2" charset="-127"/>
+                <a:cs typeface="KoPubWorld돋움체 Medium" panose="00000600000000000000" pitchFamily="2" charset="-127"/>
+              </a:rPr>
+              <a:t>버전에서는 총 </a:t>
+            </a:r>
+            <a:r>
+              <a:rPr lang="en-US" altLang="ko-KR" sz="1400" dirty="0">
+                <a:latin typeface="KoPubWorld돋움체 Medium" panose="00000600000000000000" pitchFamily="2" charset="-127"/>
+                <a:ea typeface="KoPubWorld돋움체 Medium" panose="00000600000000000000" pitchFamily="2" charset="-127"/>
+                <a:cs typeface="KoPubWorld돋움체 Medium" panose="00000600000000000000" pitchFamily="2" charset="-127"/>
+              </a:rPr>
+              <a:t>12</a:t>
+            </a:r>
+            <a:r>
+              <a:rPr lang="ko-KR" altLang="en-US" sz="1400" dirty="0">
+                <a:latin typeface="KoPubWorld돋움체 Medium" panose="00000600000000000000" pitchFamily="2" charset="-127"/>
+                <a:ea typeface="KoPubWorld돋움체 Medium" panose="00000600000000000000" pitchFamily="2" charset="-127"/>
+                <a:cs typeface="KoPubWorld돋움체 Medium" panose="00000600000000000000" pitchFamily="2" charset="-127"/>
+              </a:rPr>
+              <a:t>개를 </a:t>
+            </a:r>
+            <a:r>
+              <a:rPr lang="ko-KR" altLang="en-US" sz="1400" dirty="0" smtClean="0">
+                <a:latin typeface="KoPubWorld돋움체 Medium" panose="00000600000000000000" pitchFamily="2" charset="-127"/>
+                <a:ea typeface="KoPubWorld돋움체 Medium" panose="00000600000000000000" pitchFamily="2" charset="-127"/>
+                <a:cs typeface="KoPubWorld돋움체 Medium" panose="00000600000000000000" pitchFamily="2" charset="-127"/>
+              </a:rPr>
+              <a:t>쌓고 </a:t>
+            </a:r>
+            <a:r>
+              <a:rPr lang="en-US" altLang="ko-KR" sz="1400" dirty="0">
+                <a:latin typeface="KoPubWorld돋움체 Medium" panose="00000600000000000000" pitchFamily="2" charset="-127"/>
+                <a:ea typeface="KoPubWorld돋움체 Medium" panose="00000600000000000000" pitchFamily="2" charset="-127"/>
+                <a:cs typeface="KoPubWorld돋움체 Medium" panose="00000600000000000000" pitchFamily="2" charset="-127"/>
+              </a:rPr>
+              <a:t>Large </a:t>
+            </a:r>
+            <a:r>
+              <a:rPr lang="ko-KR" altLang="en-US" sz="1400" dirty="0">
+                <a:latin typeface="KoPubWorld돋움체 Medium" panose="00000600000000000000" pitchFamily="2" charset="-127"/>
+                <a:ea typeface="KoPubWorld돋움체 Medium" panose="00000600000000000000" pitchFamily="2" charset="-127"/>
+                <a:cs typeface="KoPubWorld돋움체 Medium" panose="00000600000000000000" pitchFamily="2" charset="-127"/>
+              </a:rPr>
+              <a:t>버전에서는 총 </a:t>
+            </a:r>
+            <a:r>
+              <a:rPr lang="en-US" altLang="ko-KR" sz="1400" dirty="0">
+                <a:latin typeface="KoPubWorld돋움체 Medium" panose="00000600000000000000" pitchFamily="2" charset="-127"/>
+                <a:ea typeface="KoPubWorld돋움체 Medium" panose="00000600000000000000" pitchFamily="2" charset="-127"/>
+                <a:cs typeface="KoPubWorld돋움체 Medium" panose="00000600000000000000" pitchFamily="2" charset="-127"/>
+              </a:rPr>
+              <a:t>24</a:t>
+            </a:r>
+            <a:r>
+              <a:rPr lang="ko-KR" altLang="en-US" sz="1400" dirty="0">
+                <a:latin typeface="KoPubWorld돋움체 Medium" panose="00000600000000000000" pitchFamily="2" charset="-127"/>
+                <a:ea typeface="KoPubWorld돋움체 Medium" panose="00000600000000000000" pitchFamily="2" charset="-127"/>
+                <a:cs typeface="KoPubWorld돋움체 Medium" panose="00000600000000000000" pitchFamily="2" charset="-127"/>
+              </a:rPr>
+              <a:t>개를 </a:t>
+            </a:r>
+            <a:r>
+              <a:rPr lang="ko-KR" altLang="en-US" sz="1400" dirty="0" smtClean="0">
+                <a:latin typeface="KoPubWorld돋움체 Medium" panose="00000600000000000000" pitchFamily="2" charset="-127"/>
+                <a:ea typeface="KoPubWorld돋움체 Medium" panose="00000600000000000000" pitchFamily="2" charset="-127"/>
+                <a:cs typeface="KoPubWorld돋움체 Medium" panose="00000600000000000000" pitchFamily="2" charset="-127"/>
+              </a:rPr>
+              <a:t>쌓았음</a:t>
+            </a:r>
+            <a:r>
+              <a:rPr lang="en-US" altLang="ko-KR" sz="1400" dirty="0" smtClean="0">
+                <a:latin typeface="KoPubWorld돋움체 Medium" panose="00000600000000000000" pitchFamily="2" charset="-127"/>
+                <a:ea typeface="KoPubWorld돋움체 Medium" panose="00000600000000000000" pitchFamily="2" charset="-127"/>
+                <a:cs typeface="KoPubWorld돋움체 Medium" panose="00000600000000000000" pitchFamily="2" charset="-127"/>
+              </a:rPr>
+              <a:t>.</a:t>
+            </a:r>
+          </a:p>
+          <a:p>
+            <a:r>
+              <a:rPr lang="en-US" altLang="ko-KR" sz="1400" dirty="0">
+                <a:latin typeface="KoPubWorld돋움체 Medium" panose="00000600000000000000" pitchFamily="2" charset="-127"/>
+                <a:ea typeface="KoPubWorld돋움체 Medium" panose="00000600000000000000" pitchFamily="2" charset="-127"/>
+                <a:cs typeface="KoPubWorld돋움체 Medium" panose="00000600000000000000" pitchFamily="2" charset="-127"/>
+              </a:rPr>
+              <a:t> </a:t>
+            </a:r>
+            <a:r>
+              <a:rPr lang="en-US" altLang="ko-KR" sz="1400" dirty="0" smtClean="0">
+                <a:latin typeface="KoPubWorld돋움체 Medium" panose="00000600000000000000" pitchFamily="2" charset="-127"/>
+                <a:ea typeface="KoPubWorld돋움체 Medium" panose="00000600000000000000" pitchFamily="2" charset="-127"/>
+                <a:cs typeface="KoPubWorld돋움체 Medium" panose="00000600000000000000" pitchFamily="2" charset="-127"/>
+              </a:rPr>
+              <a:t> </a:t>
+            </a:r>
+            <a:r>
+              <a:rPr lang="en-US" altLang="ko-KR" sz="1400" dirty="0">
+                <a:latin typeface="KoPubWorld돋움체 Medium" panose="00000600000000000000" pitchFamily="2" charset="-127"/>
+                <a:ea typeface="KoPubWorld돋움체 Medium" panose="00000600000000000000" pitchFamily="2" charset="-127"/>
+                <a:cs typeface="KoPubWorld돋움체 Medium" panose="00000600000000000000" pitchFamily="2" charset="-127"/>
+              </a:rPr>
+              <a:t>- Large </a:t>
+            </a:r>
+            <a:r>
+              <a:rPr lang="ko-KR" altLang="en-US" sz="1400" dirty="0">
+                <a:latin typeface="KoPubWorld돋움체 Medium" panose="00000600000000000000" pitchFamily="2" charset="-127"/>
+                <a:ea typeface="KoPubWorld돋움체 Medium" panose="00000600000000000000" pitchFamily="2" charset="-127"/>
+                <a:cs typeface="KoPubWorld돋움체 Medium" panose="00000600000000000000" pitchFamily="2" charset="-127"/>
+              </a:rPr>
+              <a:t>버전은 </a:t>
+            </a:r>
+            <a:r>
+              <a:rPr lang="en-US" altLang="ko-KR" sz="1400" dirty="0">
+                <a:latin typeface="KoPubWorld돋움체 Medium" panose="00000600000000000000" pitchFamily="2" charset="-127"/>
+                <a:ea typeface="KoPubWorld돋움체 Medium" panose="00000600000000000000" pitchFamily="2" charset="-127"/>
+                <a:cs typeface="KoPubWorld돋움체 Medium" panose="00000600000000000000" pitchFamily="2" charset="-127"/>
+              </a:rPr>
+              <a:t>Base </a:t>
+            </a:r>
+            <a:r>
+              <a:rPr lang="ko-KR" altLang="en-US" sz="1400" dirty="0">
+                <a:latin typeface="KoPubWorld돋움체 Medium" panose="00000600000000000000" pitchFamily="2" charset="-127"/>
+                <a:ea typeface="KoPubWorld돋움체 Medium" panose="00000600000000000000" pitchFamily="2" charset="-127"/>
+                <a:cs typeface="KoPubWorld돋움체 Medium" panose="00000600000000000000" pitchFamily="2" charset="-127"/>
+              </a:rPr>
+              <a:t>버전보다 </a:t>
+            </a:r>
+            <a:r>
+              <a:rPr lang="en-US" altLang="ko-KR" sz="1400" dirty="0" err="1">
+                <a:latin typeface="KoPubWorld돋움체 Medium" panose="00000600000000000000" pitchFamily="2" charset="-127"/>
+                <a:ea typeface="KoPubWorld돋움체 Medium" panose="00000600000000000000" pitchFamily="2" charset="-127"/>
+                <a:cs typeface="KoPubWorld돋움체 Medium" panose="00000600000000000000" pitchFamily="2" charset="-127"/>
+              </a:rPr>
+              <a:t>d_model</a:t>
+            </a:r>
+            <a:r>
+              <a:rPr lang="ko-KR" altLang="en-US" sz="1400" dirty="0">
+                <a:latin typeface="KoPubWorld돋움체 Medium" panose="00000600000000000000" pitchFamily="2" charset="-127"/>
+                <a:ea typeface="KoPubWorld돋움체 Medium" panose="00000600000000000000" pitchFamily="2" charset="-127"/>
+                <a:cs typeface="KoPubWorld돋움체 Medium" panose="00000600000000000000" pitchFamily="2" charset="-127"/>
+              </a:rPr>
+              <a:t>의 크기나 </a:t>
+            </a:r>
+            <a:r>
+              <a:rPr lang="ko-KR" altLang="en-US" sz="1400" dirty="0" err="1">
+                <a:latin typeface="KoPubWorld돋움체 Medium" panose="00000600000000000000" pitchFamily="2" charset="-127"/>
+                <a:ea typeface="KoPubWorld돋움체 Medium" panose="00000600000000000000" pitchFamily="2" charset="-127"/>
+                <a:cs typeface="KoPubWorld돋움체 Medium" panose="00000600000000000000" pitchFamily="2" charset="-127"/>
+              </a:rPr>
+              <a:t>셀프</a:t>
+            </a:r>
+            <a:r>
+              <a:rPr lang="ko-KR" altLang="en-US" sz="1400" dirty="0">
+                <a:latin typeface="KoPubWorld돋움체 Medium" panose="00000600000000000000" pitchFamily="2" charset="-127"/>
+                <a:ea typeface="KoPubWorld돋움체 Medium" panose="00000600000000000000" pitchFamily="2" charset="-127"/>
+                <a:cs typeface="KoPubWorld돋움체 Medium" panose="00000600000000000000" pitchFamily="2" charset="-127"/>
+              </a:rPr>
+              <a:t> </a:t>
+            </a:r>
+            <a:r>
+              <a:rPr lang="ko-KR" altLang="en-US" sz="1400" dirty="0" err="1">
+                <a:latin typeface="KoPubWorld돋움체 Medium" panose="00000600000000000000" pitchFamily="2" charset="-127"/>
+                <a:ea typeface="KoPubWorld돋움체 Medium" panose="00000600000000000000" pitchFamily="2" charset="-127"/>
+                <a:cs typeface="KoPubWorld돋움체 Medium" panose="00000600000000000000" pitchFamily="2" charset="-127"/>
+              </a:rPr>
+              <a:t>어텐션</a:t>
+            </a:r>
+            <a:r>
+              <a:rPr lang="ko-KR" altLang="en-US" sz="1400" dirty="0">
+                <a:latin typeface="KoPubWorld돋움체 Medium" panose="00000600000000000000" pitchFamily="2" charset="-127"/>
+                <a:ea typeface="KoPubWorld돋움체 Medium" panose="00000600000000000000" pitchFamily="2" charset="-127"/>
+                <a:cs typeface="KoPubWorld돋움체 Medium" panose="00000600000000000000" pitchFamily="2" charset="-127"/>
+              </a:rPr>
+              <a:t> 헤드</a:t>
+            </a:r>
+            <a:r>
+              <a:rPr lang="en-US" altLang="ko-KR" sz="1400" dirty="0">
+                <a:latin typeface="KoPubWorld돋움체 Medium" panose="00000600000000000000" pitchFamily="2" charset="-127"/>
+                <a:ea typeface="KoPubWorld돋움체 Medium" panose="00000600000000000000" pitchFamily="2" charset="-127"/>
+                <a:cs typeface="KoPubWorld돋움체 Medium" panose="00000600000000000000" pitchFamily="2" charset="-127"/>
+              </a:rPr>
+              <a:t>(Self Attention Heads)</a:t>
+            </a:r>
+            <a:r>
+              <a:rPr lang="ko-KR" altLang="en-US" sz="1400" dirty="0">
+                <a:latin typeface="KoPubWorld돋움체 Medium" panose="00000600000000000000" pitchFamily="2" charset="-127"/>
+                <a:ea typeface="KoPubWorld돋움체 Medium" panose="00000600000000000000" pitchFamily="2" charset="-127"/>
+                <a:cs typeface="KoPubWorld돋움체 Medium" panose="00000600000000000000" pitchFamily="2" charset="-127"/>
+              </a:rPr>
+              <a:t>의 수가 더 </a:t>
+            </a:r>
+            <a:r>
+              <a:rPr lang="ko-KR" altLang="en-US" sz="1400" dirty="0" smtClean="0">
+                <a:latin typeface="KoPubWorld돋움체 Medium" panose="00000600000000000000" pitchFamily="2" charset="-127"/>
+                <a:ea typeface="KoPubWorld돋움체 Medium" panose="00000600000000000000" pitchFamily="2" charset="-127"/>
+                <a:cs typeface="KoPubWorld돋움체 Medium" panose="00000600000000000000" pitchFamily="2" charset="-127"/>
+              </a:rPr>
+              <a:t>큼</a:t>
+            </a:r>
+            <a:r>
+              <a:rPr lang="en-US" altLang="ko-KR" sz="1400" dirty="0" smtClean="0">
+                <a:latin typeface="KoPubWorld돋움체 Medium" panose="00000600000000000000" pitchFamily="2" charset="-127"/>
+                <a:ea typeface="KoPubWorld돋움체 Medium" panose="00000600000000000000" pitchFamily="2" charset="-127"/>
+                <a:cs typeface="KoPubWorld돋움체 Medium" panose="00000600000000000000" pitchFamily="2" charset="-127"/>
+              </a:rPr>
+              <a:t>.</a:t>
+            </a:r>
+          </a:p>
+          <a:p>
+            <a:r>
+              <a:rPr lang="en-US" altLang="ko-KR" sz="1400" dirty="0">
+                <a:latin typeface="KoPubWorld돋움체 Medium" panose="00000600000000000000" pitchFamily="2" charset="-127"/>
+                <a:ea typeface="KoPubWorld돋움체 Medium" panose="00000600000000000000" pitchFamily="2" charset="-127"/>
+                <a:cs typeface="KoPubWorld돋움체 Medium" panose="00000600000000000000" pitchFamily="2" charset="-127"/>
+              </a:rPr>
+              <a:t> </a:t>
+            </a:r>
+            <a:r>
+              <a:rPr lang="en-US" altLang="ko-KR" sz="1400" dirty="0" smtClean="0">
+                <a:latin typeface="KoPubWorld돋움체 Medium" panose="00000600000000000000" pitchFamily="2" charset="-127"/>
+                <a:ea typeface="KoPubWorld돋움체 Medium" panose="00000600000000000000" pitchFamily="2" charset="-127"/>
+                <a:cs typeface="KoPubWorld돋움체 Medium" panose="00000600000000000000" pitchFamily="2" charset="-127"/>
+              </a:rPr>
+              <a:t> - </a:t>
+            </a:r>
+            <a:r>
+              <a:rPr lang="ko-KR" altLang="en-US" sz="1400" dirty="0">
+                <a:latin typeface="KoPubWorld돋움체 Medium" panose="00000600000000000000" pitchFamily="2" charset="-127"/>
+                <a:ea typeface="KoPubWorld돋움체 Medium" panose="00000600000000000000" pitchFamily="2" charset="-127"/>
+                <a:cs typeface="KoPubWorld돋움체 Medium" panose="00000600000000000000" pitchFamily="2" charset="-127"/>
+              </a:rPr>
+              <a:t>트랜스포머 인코더 층의 수를 </a:t>
+            </a:r>
+            <a:r>
+              <a:rPr lang="en-US" altLang="ko-KR" sz="1400" dirty="0">
+                <a:latin typeface="KoPubWorld돋움체 Medium" panose="00000600000000000000" pitchFamily="2" charset="-127"/>
+                <a:ea typeface="KoPubWorld돋움체 Medium" panose="00000600000000000000" pitchFamily="2" charset="-127"/>
+                <a:cs typeface="KoPubWorld돋움체 Medium" panose="00000600000000000000" pitchFamily="2" charset="-127"/>
+              </a:rPr>
+              <a:t>L, </a:t>
+            </a:r>
+            <a:r>
+              <a:rPr lang="en-US" altLang="ko-KR" sz="1400" dirty="0" err="1">
+                <a:latin typeface="KoPubWorld돋움체 Medium" panose="00000600000000000000" pitchFamily="2" charset="-127"/>
+                <a:ea typeface="KoPubWorld돋움체 Medium" panose="00000600000000000000" pitchFamily="2" charset="-127"/>
+                <a:cs typeface="KoPubWorld돋움체 Medium" panose="00000600000000000000" pitchFamily="2" charset="-127"/>
+              </a:rPr>
+              <a:t>d_model</a:t>
+            </a:r>
+            <a:r>
+              <a:rPr lang="ko-KR" altLang="en-US" sz="1400" dirty="0">
+                <a:latin typeface="KoPubWorld돋움체 Medium" panose="00000600000000000000" pitchFamily="2" charset="-127"/>
+                <a:ea typeface="KoPubWorld돋움체 Medium" panose="00000600000000000000" pitchFamily="2" charset="-127"/>
+                <a:cs typeface="KoPubWorld돋움체 Medium" panose="00000600000000000000" pitchFamily="2" charset="-127"/>
+              </a:rPr>
+              <a:t>의 크기를 </a:t>
+            </a:r>
+            <a:r>
+              <a:rPr lang="en-US" altLang="ko-KR" sz="1400" dirty="0">
+                <a:latin typeface="KoPubWorld돋움체 Medium" panose="00000600000000000000" pitchFamily="2" charset="-127"/>
+                <a:ea typeface="KoPubWorld돋움체 Medium" panose="00000600000000000000" pitchFamily="2" charset="-127"/>
+                <a:cs typeface="KoPubWorld돋움체 Medium" panose="00000600000000000000" pitchFamily="2" charset="-127"/>
+              </a:rPr>
+              <a:t>D, </a:t>
+            </a:r>
+            <a:r>
+              <a:rPr lang="ko-KR" altLang="en-US" sz="1400" dirty="0" err="1">
+                <a:latin typeface="KoPubWorld돋움체 Medium" panose="00000600000000000000" pitchFamily="2" charset="-127"/>
+                <a:ea typeface="KoPubWorld돋움체 Medium" panose="00000600000000000000" pitchFamily="2" charset="-127"/>
+                <a:cs typeface="KoPubWorld돋움체 Medium" panose="00000600000000000000" pitchFamily="2" charset="-127"/>
+              </a:rPr>
+              <a:t>셀프</a:t>
+            </a:r>
+            <a:r>
+              <a:rPr lang="ko-KR" altLang="en-US" sz="1400" dirty="0">
+                <a:latin typeface="KoPubWorld돋움체 Medium" panose="00000600000000000000" pitchFamily="2" charset="-127"/>
+                <a:ea typeface="KoPubWorld돋움체 Medium" panose="00000600000000000000" pitchFamily="2" charset="-127"/>
+                <a:cs typeface="KoPubWorld돋움체 Medium" panose="00000600000000000000" pitchFamily="2" charset="-127"/>
+              </a:rPr>
+              <a:t> </a:t>
+            </a:r>
+            <a:r>
+              <a:rPr lang="ko-KR" altLang="en-US" sz="1400" dirty="0" err="1">
+                <a:latin typeface="KoPubWorld돋움체 Medium" panose="00000600000000000000" pitchFamily="2" charset="-127"/>
+                <a:ea typeface="KoPubWorld돋움체 Medium" panose="00000600000000000000" pitchFamily="2" charset="-127"/>
+                <a:cs typeface="KoPubWorld돋움체 Medium" panose="00000600000000000000" pitchFamily="2" charset="-127"/>
+              </a:rPr>
+              <a:t>어텐션</a:t>
+            </a:r>
+            <a:r>
+              <a:rPr lang="ko-KR" altLang="en-US" sz="1400" dirty="0">
+                <a:latin typeface="KoPubWorld돋움체 Medium" panose="00000600000000000000" pitchFamily="2" charset="-127"/>
+                <a:ea typeface="KoPubWorld돋움체 Medium" panose="00000600000000000000" pitchFamily="2" charset="-127"/>
+                <a:cs typeface="KoPubWorld돋움체 Medium" panose="00000600000000000000" pitchFamily="2" charset="-127"/>
+              </a:rPr>
+              <a:t> 헤드의 수를 </a:t>
+            </a:r>
+            <a:r>
+              <a:rPr lang="en-US" altLang="ko-KR" sz="1400" dirty="0" smtClean="0">
+                <a:latin typeface="KoPubWorld돋움체 Medium" panose="00000600000000000000" pitchFamily="2" charset="-127"/>
+                <a:ea typeface="KoPubWorld돋움체 Medium" panose="00000600000000000000" pitchFamily="2" charset="-127"/>
+                <a:cs typeface="KoPubWorld돋움체 Medium" panose="00000600000000000000" pitchFamily="2" charset="-127"/>
+              </a:rPr>
+              <a:t>A</a:t>
+            </a:r>
+            <a:r>
+              <a:rPr lang="ko-KR" altLang="en-US" sz="1400" dirty="0" smtClean="0">
+                <a:latin typeface="KoPubWorld돋움체 Medium" panose="00000600000000000000" pitchFamily="2" charset="-127"/>
+                <a:ea typeface="KoPubWorld돋움체 Medium" panose="00000600000000000000" pitchFamily="2" charset="-127"/>
+                <a:cs typeface="KoPubWorld돋움체 Medium" panose="00000600000000000000" pitchFamily="2" charset="-127"/>
+              </a:rPr>
+              <a:t>라고 할 때</a:t>
+            </a:r>
+            <a:r>
+              <a:rPr lang="en-US" altLang="ko-KR" sz="1400" dirty="0" smtClean="0">
+                <a:latin typeface="KoPubWorld돋움체 Medium" panose="00000600000000000000" pitchFamily="2" charset="-127"/>
+                <a:ea typeface="KoPubWorld돋움체 Medium" panose="00000600000000000000" pitchFamily="2" charset="-127"/>
+                <a:cs typeface="KoPubWorld돋움체 Medium" panose="00000600000000000000" pitchFamily="2" charset="-127"/>
+              </a:rPr>
+              <a:t>,</a:t>
+            </a:r>
+            <a:endParaRPr lang="en-US" altLang="ko-KR" sz="1400" dirty="0">
+              <a:latin typeface="KoPubWorld돋움체 Medium" panose="00000600000000000000" pitchFamily="2" charset="-127"/>
+              <a:ea typeface="KoPubWorld돋움체 Medium" panose="00000600000000000000" pitchFamily="2" charset="-127"/>
+              <a:cs typeface="KoPubWorld돋움체 Medium" panose="00000600000000000000" pitchFamily="2" charset="-127"/>
+            </a:endParaRPr>
+          </a:p>
+          <a:p>
+            <a:pPr marL="742950" lvl="1" indent="-285750">
+              <a:buFont typeface="Arial" panose="020B0604020202020204" pitchFamily="34" charset="0"/>
+              <a:buChar char="•"/>
+            </a:pPr>
+            <a:r>
+              <a:rPr lang="en-US" altLang="ko-KR" sz="1400" dirty="0">
+                <a:latin typeface="KoPubWorld돋움체 Medium" panose="00000600000000000000" pitchFamily="2" charset="-127"/>
+                <a:ea typeface="KoPubWorld돋움체 Medium" panose="00000600000000000000" pitchFamily="2" charset="-127"/>
+                <a:cs typeface="KoPubWorld돋움체 Medium" panose="00000600000000000000" pitchFamily="2" charset="-127"/>
+              </a:rPr>
+              <a:t>BERT-Base : L=12, D=768, A=12 : 110M</a:t>
+            </a:r>
+            <a:r>
+              <a:rPr lang="ko-KR" altLang="en-US" sz="1400" dirty="0">
+                <a:latin typeface="KoPubWorld돋움체 Medium" panose="00000600000000000000" pitchFamily="2" charset="-127"/>
+                <a:ea typeface="KoPubWorld돋움체 Medium" panose="00000600000000000000" pitchFamily="2" charset="-127"/>
+                <a:cs typeface="KoPubWorld돋움체 Medium" panose="00000600000000000000" pitchFamily="2" charset="-127"/>
+              </a:rPr>
+              <a:t>개의 </a:t>
+            </a:r>
+            <a:r>
+              <a:rPr lang="ko-KR" altLang="en-US" sz="1400" dirty="0" err="1" smtClean="0">
+                <a:latin typeface="KoPubWorld돋움체 Medium" panose="00000600000000000000" pitchFamily="2" charset="-127"/>
+                <a:ea typeface="KoPubWorld돋움체 Medium" panose="00000600000000000000" pitchFamily="2" charset="-127"/>
+                <a:cs typeface="KoPubWorld돋움체 Medium" panose="00000600000000000000" pitchFamily="2" charset="-127"/>
+              </a:rPr>
+              <a:t>파라미터</a:t>
+            </a:r>
+            <a:r>
+              <a:rPr lang="ko-KR" altLang="en-US" sz="1400" dirty="0" smtClean="0">
+                <a:latin typeface="KoPubWorld돋움체 Medium" panose="00000600000000000000" pitchFamily="2" charset="-127"/>
+                <a:ea typeface="KoPubWorld돋움체 Medium" panose="00000600000000000000" pitchFamily="2" charset="-127"/>
+                <a:cs typeface="KoPubWorld돋움체 Medium" panose="00000600000000000000" pitchFamily="2" charset="-127"/>
+              </a:rPr>
+              <a:t> </a:t>
+            </a:r>
+            <a:r>
+              <a:rPr lang="en-US" altLang="ko-KR" sz="1400" dirty="0">
+                <a:latin typeface="KoPubWorld돋움체 Medium" panose="00000600000000000000" pitchFamily="2" charset="-127"/>
+                <a:ea typeface="KoPubWorld돋움체 Medium" panose="00000600000000000000" pitchFamily="2" charset="-127"/>
+                <a:cs typeface="KoPubWorld돋움체 Medium" panose="00000600000000000000" pitchFamily="2" charset="-127"/>
+              </a:rPr>
+              <a:t>(GPT-1</a:t>
+            </a:r>
+            <a:r>
+              <a:rPr lang="ko-KR" altLang="en-US" sz="1400" dirty="0">
+                <a:latin typeface="KoPubWorld돋움체 Medium" panose="00000600000000000000" pitchFamily="2" charset="-127"/>
+                <a:ea typeface="KoPubWorld돋움체 Medium" panose="00000600000000000000" pitchFamily="2" charset="-127"/>
+                <a:cs typeface="KoPubWorld돋움체 Medium" panose="00000600000000000000" pitchFamily="2" charset="-127"/>
+              </a:rPr>
+              <a:t>과 성능을 비교하기 위해서 </a:t>
+            </a:r>
+            <a:r>
+              <a:rPr lang="en-US" altLang="ko-KR" sz="1400" dirty="0">
+                <a:latin typeface="KoPubWorld돋움체 Medium" panose="00000600000000000000" pitchFamily="2" charset="-127"/>
+                <a:ea typeface="KoPubWorld돋움체 Medium" panose="00000600000000000000" pitchFamily="2" charset="-127"/>
+                <a:cs typeface="KoPubWorld돋움체 Medium" panose="00000600000000000000" pitchFamily="2" charset="-127"/>
+              </a:rPr>
+              <a:t>GPT-1</a:t>
+            </a:r>
+            <a:r>
+              <a:rPr lang="ko-KR" altLang="en-US" sz="1400" dirty="0">
+                <a:latin typeface="KoPubWorld돋움체 Medium" panose="00000600000000000000" pitchFamily="2" charset="-127"/>
+                <a:ea typeface="KoPubWorld돋움체 Medium" panose="00000600000000000000" pitchFamily="2" charset="-127"/>
+                <a:cs typeface="KoPubWorld돋움체 Medium" panose="00000600000000000000" pitchFamily="2" charset="-127"/>
+              </a:rPr>
+              <a:t>과 동등한 크기로 </a:t>
+            </a:r>
+            <a:r>
+              <a:rPr lang="en-US" altLang="ko-KR" sz="1400" dirty="0">
+                <a:latin typeface="KoPubWorld돋움체 Medium" panose="00000600000000000000" pitchFamily="2" charset="-127"/>
+                <a:ea typeface="KoPubWorld돋움체 Medium" panose="00000600000000000000" pitchFamily="2" charset="-127"/>
+                <a:cs typeface="KoPubWorld돋움체 Medium" panose="00000600000000000000" pitchFamily="2" charset="-127"/>
+              </a:rPr>
+              <a:t>BERT-Base</a:t>
+            </a:r>
+            <a:r>
+              <a:rPr lang="ko-KR" altLang="en-US" sz="1400" dirty="0">
+                <a:latin typeface="KoPubWorld돋움체 Medium" panose="00000600000000000000" pitchFamily="2" charset="-127"/>
+                <a:ea typeface="KoPubWorld돋움체 Medium" panose="00000600000000000000" pitchFamily="2" charset="-127"/>
+                <a:cs typeface="KoPubWorld돋움체 Medium" panose="00000600000000000000" pitchFamily="2" charset="-127"/>
+              </a:rPr>
+              <a:t>를 </a:t>
+            </a:r>
+            <a:r>
+              <a:rPr lang="ko-KR" altLang="en-US" sz="1400" dirty="0" smtClean="0">
+                <a:latin typeface="KoPubWorld돋움체 Medium" panose="00000600000000000000" pitchFamily="2" charset="-127"/>
+                <a:ea typeface="KoPubWorld돋움체 Medium" panose="00000600000000000000" pitchFamily="2" charset="-127"/>
+                <a:cs typeface="KoPubWorld돋움체 Medium" panose="00000600000000000000" pitchFamily="2" charset="-127"/>
+              </a:rPr>
+              <a:t>설계</a:t>
+            </a:r>
+            <a:r>
+              <a:rPr lang="en-US" altLang="ko-KR" sz="1400" dirty="0" smtClean="0">
+                <a:latin typeface="KoPubWorld돋움체 Medium" panose="00000600000000000000" pitchFamily="2" charset="-127"/>
+                <a:ea typeface="KoPubWorld돋움체 Medium" panose="00000600000000000000" pitchFamily="2" charset="-127"/>
+                <a:cs typeface="KoPubWorld돋움체 Medium" panose="00000600000000000000" pitchFamily="2" charset="-127"/>
+              </a:rPr>
+              <a:t>)</a:t>
+            </a:r>
+            <a:endParaRPr lang="ko-KR" altLang="en-US" sz="1400" dirty="0">
+              <a:latin typeface="KoPubWorld돋움체 Medium" panose="00000600000000000000" pitchFamily="2" charset="-127"/>
+              <a:ea typeface="KoPubWorld돋움체 Medium" panose="00000600000000000000" pitchFamily="2" charset="-127"/>
+              <a:cs typeface="KoPubWorld돋움체 Medium" panose="00000600000000000000" pitchFamily="2" charset="-127"/>
+            </a:endParaRPr>
+          </a:p>
+          <a:p>
+            <a:pPr marL="742950" lvl="1" indent="-285750">
+              <a:buFont typeface="Arial" panose="020B0604020202020204" pitchFamily="34" charset="0"/>
+              <a:buChar char="•"/>
+            </a:pPr>
+            <a:r>
+              <a:rPr lang="en-US" altLang="ko-KR" sz="1400" dirty="0">
+                <a:latin typeface="KoPubWorld돋움체 Medium" panose="00000600000000000000" pitchFamily="2" charset="-127"/>
+                <a:ea typeface="KoPubWorld돋움체 Medium" panose="00000600000000000000" pitchFamily="2" charset="-127"/>
+                <a:cs typeface="KoPubWorld돋움체 Medium" panose="00000600000000000000" pitchFamily="2" charset="-127"/>
+              </a:rPr>
+              <a:t>BERT-Large : L=24, D=1024, A=16 : 340M</a:t>
+            </a:r>
+            <a:r>
+              <a:rPr lang="ko-KR" altLang="en-US" sz="1400" dirty="0">
+                <a:latin typeface="KoPubWorld돋움체 Medium" panose="00000600000000000000" pitchFamily="2" charset="-127"/>
+                <a:ea typeface="KoPubWorld돋움체 Medium" panose="00000600000000000000" pitchFamily="2" charset="-127"/>
+                <a:cs typeface="KoPubWorld돋움체 Medium" panose="00000600000000000000" pitchFamily="2" charset="-127"/>
+              </a:rPr>
+              <a:t>개의 </a:t>
+            </a:r>
+            <a:r>
+              <a:rPr lang="ko-KR" altLang="en-US" sz="1400" dirty="0" err="1" smtClean="0">
+                <a:latin typeface="KoPubWorld돋움체 Medium" panose="00000600000000000000" pitchFamily="2" charset="-127"/>
+                <a:ea typeface="KoPubWorld돋움체 Medium" panose="00000600000000000000" pitchFamily="2" charset="-127"/>
+                <a:cs typeface="KoPubWorld돋움체 Medium" panose="00000600000000000000" pitchFamily="2" charset="-127"/>
+              </a:rPr>
+              <a:t>파라미터</a:t>
+            </a:r>
+            <a:r>
+              <a:rPr lang="ko-KR" altLang="en-US" sz="1400" dirty="0" smtClean="0">
+                <a:latin typeface="KoPubWorld돋움체 Medium" panose="00000600000000000000" pitchFamily="2" charset="-127"/>
+                <a:ea typeface="KoPubWorld돋움체 Medium" panose="00000600000000000000" pitchFamily="2" charset="-127"/>
+                <a:cs typeface="KoPubWorld돋움체 Medium" panose="00000600000000000000" pitchFamily="2" charset="-127"/>
+              </a:rPr>
+              <a:t> </a:t>
+            </a:r>
+            <a:r>
+              <a:rPr lang="en-US" altLang="ko-KR" sz="1400" dirty="0" smtClean="0">
+                <a:latin typeface="KoPubWorld돋움체 Medium" panose="00000600000000000000" pitchFamily="2" charset="-127"/>
+                <a:ea typeface="KoPubWorld돋움체 Medium" panose="00000600000000000000" pitchFamily="2" charset="-127"/>
+                <a:cs typeface="KoPubWorld돋움체 Medium" panose="00000600000000000000" pitchFamily="2" charset="-127"/>
+              </a:rPr>
+              <a:t>(BERT</a:t>
+            </a:r>
+            <a:r>
+              <a:rPr lang="ko-KR" altLang="en-US" sz="1400" dirty="0" smtClean="0">
+                <a:latin typeface="KoPubWorld돋움체 Medium" panose="00000600000000000000" pitchFamily="2" charset="-127"/>
+                <a:ea typeface="KoPubWorld돋움체 Medium" panose="00000600000000000000" pitchFamily="2" charset="-127"/>
+                <a:cs typeface="KoPubWorld돋움체 Medium" panose="00000600000000000000" pitchFamily="2" charset="-127"/>
+              </a:rPr>
+              <a:t>의 최대 성능을 보여주기 위함</a:t>
+            </a:r>
+            <a:r>
+              <a:rPr lang="en-US" altLang="ko-KR" sz="1400" dirty="0" smtClean="0">
+                <a:latin typeface="KoPubWorld돋움체 Medium" panose="00000600000000000000" pitchFamily="2" charset="-127"/>
+                <a:ea typeface="KoPubWorld돋움체 Medium" panose="00000600000000000000" pitchFamily="2" charset="-127"/>
+                <a:cs typeface="KoPubWorld돋움체 Medium" panose="00000600000000000000" pitchFamily="2" charset="-127"/>
+              </a:rPr>
+              <a:t>)</a:t>
+            </a:r>
+          </a:p>
+          <a:p>
+            <a:r>
+              <a:rPr lang="en-US" altLang="ko-KR" sz="1400" dirty="0" smtClean="0">
+                <a:latin typeface="KoPubWorld돋움체 Medium" panose="00000600000000000000" pitchFamily="2" charset="-127"/>
+                <a:ea typeface="KoPubWorld돋움체 Medium" panose="00000600000000000000" pitchFamily="2" charset="-127"/>
+                <a:cs typeface="KoPubWorld돋움체 Medium" panose="00000600000000000000" pitchFamily="2" charset="-127"/>
+              </a:rPr>
+              <a:t>  - </a:t>
+            </a:r>
+            <a:r>
+              <a:rPr lang="en-US" altLang="ko-KR" sz="1400" dirty="0" err="1" smtClean="0">
+                <a:latin typeface="KoPubWorld돋움체 Medium" panose="00000600000000000000" pitchFamily="2" charset="-127"/>
+                <a:ea typeface="KoPubWorld돋움체 Medium" panose="00000600000000000000" pitchFamily="2" charset="-127"/>
+                <a:cs typeface="KoPubWorld돋움체 Medium" panose="00000600000000000000" pitchFamily="2" charset="-127"/>
+              </a:rPr>
+              <a:t>cf</a:t>
+            </a:r>
+            <a:r>
+              <a:rPr lang="en-US" altLang="ko-KR" sz="1400" dirty="0" smtClean="0">
+                <a:latin typeface="KoPubWorld돋움체 Medium" panose="00000600000000000000" pitchFamily="2" charset="-127"/>
+                <a:ea typeface="KoPubWorld돋움체 Medium" panose="00000600000000000000" pitchFamily="2" charset="-127"/>
+                <a:cs typeface="KoPubWorld돋움체 Medium" panose="00000600000000000000" pitchFamily="2" charset="-127"/>
+              </a:rPr>
+              <a:t>) </a:t>
+            </a:r>
+            <a:r>
+              <a:rPr lang="ko-KR" altLang="en-US" sz="1400" dirty="0">
+                <a:latin typeface="KoPubWorld돋움체 Medium" panose="00000600000000000000" pitchFamily="2" charset="-127"/>
+                <a:ea typeface="KoPubWorld돋움체 Medium" panose="00000600000000000000" pitchFamily="2" charset="-127"/>
+                <a:cs typeface="KoPubWorld돋움체 Medium" panose="00000600000000000000" pitchFamily="2" charset="-127"/>
+              </a:rPr>
+              <a:t>초기 트랜스포머 모델</a:t>
+            </a:r>
+            <a:r>
+              <a:rPr lang="en-US" altLang="ko-KR" sz="1400" dirty="0">
+                <a:latin typeface="KoPubWorld돋움체 Medium" panose="00000600000000000000" pitchFamily="2" charset="-127"/>
+                <a:ea typeface="KoPubWorld돋움체 Medium" panose="00000600000000000000" pitchFamily="2" charset="-127"/>
+                <a:cs typeface="KoPubWorld돋움체 Medium" panose="00000600000000000000" pitchFamily="2" charset="-127"/>
+              </a:rPr>
+              <a:t>(</a:t>
+            </a:r>
+            <a:r>
+              <a:rPr lang="en-US" altLang="ko-KR" sz="1400" dirty="0">
+                <a:latin typeface="KoPubWorld돋움체 Medium" panose="00000600000000000000" pitchFamily="2" charset="-127"/>
+                <a:ea typeface="KoPubWorld돋움체 Medium" panose="00000600000000000000" pitchFamily="2" charset="-127"/>
+                <a:cs typeface="KoPubWorld돋움체 Medium" panose="00000600000000000000" pitchFamily="2" charset="-127"/>
+                <a:hlinkClick r:id="rId2"/>
+              </a:rPr>
+              <a:t>https://wikidocs.net/31379</a:t>
+            </a:r>
+            <a:r>
+              <a:rPr lang="en-US" altLang="ko-KR" sz="1400" dirty="0" smtClean="0">
+                <a:latin typeface="KoPubWorld돋움체 Medium" panose="00000600000000000000" pitchFamily="2" charset="-127"/>
+                <a:ea typeface="KoPubWorld돋움체 Medium" panose="00000600000000000000" pitchFamily="2" charset="-127"/>
+                <a:cs typeface="KoPubWorld돋움체 Medium" panose="00000600000000000000" pitchFamily="2" charset="-127"/>
+              </a:rPr>
+              <a:t>)</a:t>
+            </a:r>
+            <a:r>
+              <a:rPr lang="ko-KR" altLang="en-US" sz="1400" dirty="0" smtClean="0">
+                <a:latin typeface="KoPubWorld돋움체 Medium" panose="00000600000000000000" pitchFamily="2" charset="-127"/>
+                <a:ea typeface="KoPubWorld돋움체 Medium" panose="00000600000000000000" pitchFamily="2" charset="-127"/>
+                <a:cs typeface="KoPubWorld돋움체 Medium" panose="00000600000000000000" pitchFamily="2" charset="-127"/>
+              </a:rPr>
+              <a:t> </a:t>
+            </a:r>
+            <a:r>
+              <a:rPr lang="ko-KR" altLang="en-US" sz="1400" dirty="0" err="1" smtClean="0">
+                <a:latin typeface="KoPubWorld돋움체 Medium" panose="00000600000000000000" pitchFamily="2" charset="-127"/>
+                <a:ea typeface="KoPubWorld돋움체 Medium" panose="00000600000000000000" pitchFamily="2" charset="-127"/>
+                <a:cs typeface="KoPubWorld돋움체 Medium" panose="00000600000000000000" pitchFamily="2" charset="-127"/>
+              </a:rPr>
+              <a:t>파라미터</a:t>
+            </a:r>
+            <a:r>
+              <a:rPr lang="ko-KR" altLang="en-US" sz="1400" dirty="0" smtClean="0">
+                <a:latin typeface="KoPubWorld돋움체 Medium" panose="00000600000000000000" pitchFamily="2" charset="-127"/>
+                <a:ea typeface="KoPubWorld돋움체 Medium" panose="00000600000000000000" pitchFamily="2" charset="-127"/>
+                <a:cs typeface="KoPubWorld돋움체 Medium" panose="00000600000000000000" pitchFamily="2" charset="-127"/>
+              </a:rPr>
+              <a:t> 정보</a:t>
+            </a:r>
+            <a:r>
+              <a:rPr lang="en-US" altLang="ko-KR" sz="1400" dirty="0" smtClean="0">
+                <a:latin typeface="KoPubWorld돋움체 Medium" panose="00000600000000000000" pitchFamily="2" charset="-127"/>
+                <a:ea typeface="KoPubWorld돋움체 Medium" panose="00000600000000000000" pitchFamily="2" charset="-127"/>
+                <a:cs typeface="KoPubWorld돋움체 Medium" panose="00000600000000000000" pitchFamily="2" charset="-127"/>
+              </a:rPr>
+              <a:t>:</a:t>
+            </a:r>
+            <a:r>
+              <a:rPr lang="ko-KR" altLang="en-US" sz="1400" dirty="0" smtClean="0">
+                <a:latin typeface="KoPubWorld돋움체 Medium" panose="00000600000000000000" pitchFamily="2" charset="-127"/>
+                <a:ea typeface="KoPubWorld돋움체 Medium" panose="00000600000000000000" pitchFamily="2" charset="-127"/>
+                <a:cs typeface="KoPubWorld돋움체 Medium" panose="00000600000000000000" pitchFamily="2" charset="-127"/>
+              </a:rPr>
+              <a:t> </a:t>
+            </a:r>
+            <a:r>
+              <a:rPr lang="en-US" altLang="ko-KR" sz="1400" dirty="0">
+                <a:latin typeface="KoPubWorld돋움체 Medium" panose="00000600000000000000" pitchFamily="2" charset="-127"/>
+                <a:ea typeface="KoPubWorld돋움체 Medium" panose="00000600000000000000" pitchFamily="2" charset="-127"/>
+                <a:cs typeface="KoPubWorld돋움체 Medium" panose="00000600000000000000" pitchFamily="2" charset="-127"/>
+              </a:rPr>
+              <a:t>L=6, D=512, A=8</a:t>
+            </a:r>
+          </a:p>
+          <a:p>
+            <a:endParaRPr lang="en-US" altLang="ko-KR" sz="1400" dirty="0" smtClean="0">
+              <a:latin typeface="KoPubWorld돋움체 Medium" panose="00000600000000000000" pitchFamily="2" charset="-127"/>
+              <a:ea typeface="KoPubWorld돋움체 Medium" panose="00000600000000000000" pitchFamily="2" charset="-127"/>
+              <a:cs typeface="KoPubWorld돋움체 Medium" panose="00000600000000000000" pitchFamily="2" charset="-127"/>
+            </a:endParaRPr>
+          </a:p>
+          <a:p>
+            <a:endParaRPr lang="en-US" altLang="ko-KR" sz="1400" dirty="0" smtClean="0">
+              <a:latin typeface="KoPubWorld돋움체 Medium" panose="00000600000000000000" pitchFamily="2" charset="-127"/>
+              <a:ea typeface="KoPubWorld돋움체 Medium" panose="00000600000000000000" pitchFamily="2" charset="-127"/>
+              <a:cs typeface="KoPubWorld돋움체 Medium" panose="00000600000000000000" pitchFamily="2" charset="-127"/>
+            </a:endParaRPr>
+          </a:p>
+          <a:p>
+            <a:endParaRPr lang="ko-KR" altLang="en-US" sz="1400" dirty="0">
+              <a:latin typeface="KoPubWorld돋움체 Medium" panose="00000600000000000000" pitchFamily="2" charset="-127"/>
+              <a:ea typeface="KoPubWorld돋움체 Medium" panose="00000600000000000000" pitchFamily="2" charset="-127"/>
+              <a:cs typeface="KoPubWorld돋움체 Medium" panose="00000600000000000000" pitchFamily="2" charset="-127"/>
+            </a:endParaRPr>
+          </a:p>
+        </p:txBody>
+      </p:sp>
+      <p:pic>
+        <p:nvPicPr>
+          <p:cNvPr id="2" name="그림 1"/>
+          <p:cNvPicPr>
+            <a:picLocks noChangeAspect="1"/>
+          </p:cNvPicPr>
+          <p:nvPr/>
+        </p:nvPicPr>
+        <p:blipFill>
+          <a:blip r:embed="rId3"/>
+          <a:stretch>
+            <a:fillRect/>
+          </a:stretch>
+        </p:blipFill>
+        <p:spPr>
+          <a:xfrm>
+            <a:off x="676833" y="3084112"/>
+            <a:ext cx="3609975" cy="2057400"/>
+          </a:xfrm>
+          <a:prstGeom prst="rect">
+            <a:avLst/>
+          </a:prstGeom>
+        </p:spPr>
+      </p:pic>
+      <p:sp>
+        <p:nvSpPr>
+          <p:cNvPr id="6" name="TextBox 5"/>
+          <p:cNvSpPr txBox="1"/>
+          <p:nvPr/>
+        </p:nvSpPr>
+        <p:spPr>
+          <a:xfrm>
+            <a:off x="9591553" y="72083"/>
+            <a:ext cx="2204450" cy="246221"/>
+          </a:xfrm>
+          <a:prstGeom prst="rect">
+            <a:avLst/>
+          </a:prstGeom>
+          <a:noFill/>
+        </p:spPr>
+        <p:txBody>
+          <a:bodyPr wrap="none" rtlCol="0">
+            <a:spAutoFit/>
+          </a:bodyPr>
+          <a:lstStyle/>
+          <a:p>
+            <a:r>
+              <a:rPr lang="ko-KR" altLang="en-US" sz="1000" dirty="0" smtClean="0">
+                <a:solidFill>
+                  <a:schemeClr val="bg1">
+                    <a:lumMod val="75000"/>
+                  </a:schemeClr>
+                </a:solidFill>
+                <a:latin typeface="KoPubWorld돋움체 Light" panose="00000300000000000000" pitchFamily="2" charset="-127"/>
+                <a:ea typeface="KoPubWorld돋움체 Light" panose="00000300000000000000" pitchFamily="2" charset="-127"/>
+                <a:cs typeface="KoPubWorld돋움체 Light" panose="00000300000000000000" pitchFamily="2" charset="-127"/>
+              </a:rPr>
+              <a:t>출처</a:t>
+            </a:r>
+            <a:r>
+              <a:rPr lang="en-US" altLang="ko-KR" sz="1000" dirty="0" smtClean="0">
+                <a:solidFill>
+                  <a:schemeClr val="bg1">
+                    <a:lumMod val="75000"/>
+                  </a:schemeClr>
+                </a:solidFill>
+                <a:latin typeface="KoPubWorld돋움체 Light" panose="00000300000000000000" pitchFamily="2" charset="-127"/>
+                <a:ea typeface="KoPubWorld돋움체 Light" panose="00000300000000000000" pitchFamily="2" charset="-127"/>
+                <a:cs typeface="KoPubWorld돋움체 Light" panose="00000300000000000000" pitchFamily="2" charset="-127"/>
+              </a:rPr>
+              <a:t>: </a:t>
+            </a:r>
+            <a:r>
+              <a:rPr lang="ko-KR" altLang="en-US" sz="1000" dirty="0" err="1" smtClean="0">
+                <a:solidFill>
+                  <a:schemeClr val="bg1">
+                    <a:lumMod val="75000"/>
+                  </a:schemeClr>
+                </a:solidFill>
+                <a:latin typeface="KoPubWorld돋움체 Light" panose="00000300000000000000" pitchFamily="2" charset="-127"/>
+                <a:ea typeface="KoPubWorld돋움체 Light" panose="00000300000000000000" pitchFamily="2" charset="-127"/>
+                <a:cs typeface="KoPubWorld돋움체 Light" panose="00000300000000000000" pitchFamily="2" charset="-127"/>
+              </a:rPr>
+              <a:t>딥러닝을</a:t>
+            </a:r>
+            <a:r>
+              <a:rPr lang="ko-KR" altLang="en-US" sz="1000" dirty="0" smtClean="0">
+                <a:solidFill>
+                  <a:schemeClr val="bg1">
+                    <a:lumMod val="75000"/>
+                  </a:schemeClr>
+                </a:solidFill>
+                <a:latin typeface="KoPubWorld돋움체 Light" panose="00000300000000000000" pitchFamily="2" charset="-127"/>
+                <a:ea typeface="KoPubWorld돋움체 Light" panose="00000300000000000000" pitchFamily="2" charset="-127"/>
+                <a:cs typeface="KoPubWorld돋움체 Light" panose="00000300000000000000" pitchFamily="2" charset="-127"/>
+              </a:rPr>
+              <a:t> 이용한 자연어 처리 입문</a:t>
+            </a:r>
+            <a:endParaRPr lang="ko-KR" altLang="en-US" sz="1000" dirty="0">
+              <a:solidFill>
+                <a:schemeClr val="bg1">
+                  <a:lumMod val="75000"/>
+                </a:schemeClr>
+              </a:solidFill>
+              <a:latin typeface="KoPubWorld돋움체 Light" panose="00000300000000000000" pitchFamily="2" charset="-127"/>
+              <a:ea typeface="KoPubWorld돋움체 Light" panose="00000300000000000000" pitchFamily="2" charset="-127"/>
+              <a:cs typeface="KoPubWorld돋움체 Light" panose="00000300000000000000" pitchFamily="2" charset="-127"/>
+            </a:endParaRPr>
+          </a:p>
+        </p:txBody>
+      </p:sp>
+    </p:spTree>
+    <p:extLst>
+      <p:ext uri="{BB962C8B-B14F-4D97-AF65-F5344CB8AC3E}">
+        <p14:creationId xmlns:p14="http://schemas.microsoft.com/office/powerpoint/2010/main" val="2295813646"/>
       </p:ext>
     </p:extLst>
   </p:cSld>

--- a/slide/BERT.pptx
+++ b/slide/BERT.pptx
@@ -14,6 +14,7 @@
     <p:sldId id="262" r:id="rId8"/>
     <p:sldId id="263" r:id="rId9"/>
     <p:sldId id="264" r:id="rId10"/>
+    <p:sldId id="266" r:id="rId11"/>
   </p:sldIdLst>
   <p:sldSz cx="12192000" cy="6858000"/>
   <p:notesSz cx="6858000" cy="9144000"/>
@@ -125,6 +126,21 @@
             <a:srgbClr val="A4A3A4"/>
           </p15:clr>
         </p15:guide>
+        <p15:guide id="3" orient="horz" pos="482" userDrawn="1">
+          <p15:clr>
+            <a:srgbClr val="A4A3A4"/>
+          </p15:clr>
+        </p15:guide>
+        <p15:guide id="4" pos="211" userDrawn="1">
+          <p15:clr>
+            <a:srgbClr val="A4A3A4"/>
+          </p15:clr>
+        </p15:guide>
+        <p15:guide id="5" orient="horz" pos="640" userDrawn="1">
+          <p15:clr>
+            <a:srgbClr val="A4A3A4"/>
+          </p15:clr>
+        </p15:guide>
       </p15:sldGuideLst>
     </p:ext>
   </p:extLst>
@@ -262,7 +278,7 @@
           <a:p>
             <a:fld id="{1CF57362-02A7-4107-9025-4D3237CFA563}" type="datetimeFigureOut">
               <a:rPr lang="ko-KR" altLang="en-US" smtClean="0"/>
-              <a:t>2024-03-25</a:t>
+              <a:t>2024-03-26</a:t>
             </a:fld>
             <a:endParaRPr lang="ko-KR" altLang="en-US"/>
           </a:p>
@@ -432,7 +448,7 @@
           <a:p>
             <a:fld id="{1CF57362-02A7-4107-9025-4D3237CFA563}" type="datetimeFigureOut">
               <a:rPr lang="ko-KR" altLang="en-US" smtClean="0"/>
-              <a:t>2024-03-25</a:t>
+              <a:t>2024-03-26</a:t>
             </a:fld>
             <a:endParaRPr lang="ko-KR" altLang="en-US"/>
           </a:p>
@@ -612,7 +628,7 @@
           <a:p>
             <a:fld id="{1CF57362-02A7-4107-9025-4D3237CFA563}" type="datetimeFigureOut">
               <a:rPr lang="ko-KR" altLang="en-US" smtClean="0"/>
-              <a:t>2024-03-25</a:t>
+              <a:t>2024-03-26</a:t>
             </a:fld>
             <a:endParaRPr lang="ko-KR" altLang="en-US"/>
           </a:p>
@@ -782,7 +798,7 @@
           <a:p>
             <a:fld id="{1CF57362-02A7-4107-9025-4D3237CFA563}" type="datetimeFigureOut">
               <a:rPr lang="ko-KR" altLang="en-US" smtClean="0"/>
-              <a:t>2024-03-25</a:t>
+              <a:t>2024-03-26</a:t>
             </a:fld>
             <a:endParaRPr lang="ko-KR" altLang="en-US"/>
           </a:p>
@@ -1028,7 +1044,7 @@
           <a:p>
             <a:fld id="{1CF57362-02A7-4107-9025-4D3237CFA563}" type="datetimeFigureOut">
               <a:rPr lang="ko-KR" altLang="en-US" smtClean="0"/>
-              <a:t>2024-03-25</a:t>
+              <a:t>2024-03-26</a:t>
             </a:fld>
             <a:endParaRPr lang="ko-KR" altLang="en-US"/>
           </a:p>
@@ -1260,7 +1276,7 @@
           <a:p>
             <a:fld id="{1CF57362-02A7-4107-9025-4D3237CFA563}" type="datetimeFigureOut">
               <a:rPr lang="ko-KR" altLang="en-US" smtClean="0"/>
-              <a:t>2024-03-25</a:t>
+              <a:t>2024-03-26</a:t>
             </a:fld>
             <a:endParaRPr lang="ko-KR" altLang="en-US"/>
           </a:p>
@@ -1627,7 +1643,7 @@
           <a:p>
             <a:fld id="{1CF57362-02A7-4107-9025-4D3237CFA563}" type="datetimeFigureOut">
               <a:rPr lang="ko-KR" altLang="en-US" smtClean="0"/>
-              <a:t>2024-03-25</a:t>
+              <a:t>2024-03-26</a:t>
             </a:fld>
             <a:endParaRPr lang="ko-KR" altLang="en-US"/>
           </a:p>
@@ -1745,7 +1761,7 @@
           <a:p>
             <a:fld id="{1CF57362-02A7-4107-9025-4D3237CFA563}" type="datetimeFigureOut">
               <a:rPr lang="ko-KR" altLang="en-US" smtClean="0"/>
-              <a:t>2024-03-25</a:t>
+              <a:t>2024-03-26</a:t>
             </a:fld>
             <a:endParaRPr lang="ko-KR" altLang="en-US"/>
           </a:p>
@@ -1840,7 +1856,7 @@
           <a:p>
             <a:fld id="{1CF57362-02A7-4107-9025-4D3237CFA563}" type="datetimeFigureOut">
               <a:rPr lang="ko-KR" altLang="en-US" smtClean="0"/>
-              <a:t>2024-03-25</a:t>
+              <a:t>2024-03-26</a:t>
             </a:fld>
             <a:endParaRPr lang="ko-KR" altLang="en-US"/>
           </a:p>
@@ -2117,7 +2133,7 @@
           <a:p>
             <a:fld id="{1CF57362-02A7-4107-9025-4D3237CFA563}" type="datetimeFigureOut">
               <a:rPr lang="ko-KR" altLang="en-US" smtClean="0"/>
-              <a:t>2024-03-25</a:t>
+              <a:t>2024-03-26</a:t>
             </a:fld>
             <a:endParaRPr lang="ko-KR" altLang="en-US"/>
           </a:p>
@@ -2370,7 +2386,7 @@
           <a:p>
             <a:fld id="{1CF57362-02A7-4107-9025-4D3237CFA563}" type="datetimeFigureOut">
               <a:rPr lang="ko-KR" altLang="en-US" smtClean="0"/>
-              <a:t>2024-03-25</a:t>
+              <a:t>2024-03-26</a:t>
             </a:fld>
             <a:endParaRPr lang="ko-KR" altLang="en-US"/>
           </a:p>
@@ -2583,7 +2599,7 @@
           <a:p>
             <a:fld id="{1CF57362-02A7-4107-9025-4D3237CFA563}" type="datetimeFigureOut">
               <a:rPr lang="ko-KR" altLang="en-US" smtClean="0"/>
-              <a:t>2024-03-25</a:t>
+              <a:t>2024-03-26</a:t>
             </a:fld>
             <a:endParaRPr lang="ko-KR" altLang="en-US"/>
           </a:p>
@@ -2996,8 +3012,8 @@
         </p:nvSpPr>
         <p:spPr>
           <a:xfrm>
-            <a:off x="2380004" y="3834324"/>
-            <a:ext cx="6873998" cy="369332"/>
+            <a:off x="2488600" y="3861256"/>
+            <a:ext cx="7220246" cy="923330"/>
           </a:xfrm>
           <a:prstGeom prst="rect">
             <a:avLst/>
@@ -3010,13 +3026,32 @@
           </a:bodyPr>
           <a:lstStyle/>
           <a:p>
+            <a:pPr marL="342900" indent="-342900">
+              <a:buAutoNum type="arabicPeriod"/>
+            </a:pPr>
+            <a:r>
+              <a:rPr lang="en-US" altLang="ko-KR" dirty="0" smtClean="0">
+                <a:latin typeface="KoPubWorld돋움체 Bold" panose="00000800000000000000" pitchFamily="2" charset="-127"/>
+                <a:ea typeface="KoPubWorld돋움체 Bold" panose="00000800000000000000" pitchFamily="2" charset="-127"/>
+                <a:cs typeface="KoPubWorld돋움체 Bold" panose="00000800000000000000" pitchFamily="2" charset="-127"/>
+              </a:rPr>
+              <a:t>NLP</a:t>
+            </a:r>
+            <a:r>
+              <a:rPr lang="ko-KR" altLang="en-US" dirty="0">
+                <a:latin typeface="KoPubWorld돋움체 Bold" panose="00000800000000000000" pitchFamily="2" charset="-127"/>
+                <a:ea typeface="KoPubWorld돋움체 Bold" panose="00000800000000000000" pitchFamily="2" charset="-127"/>
+                <a:cs typeface="KoPubWorld돋움체 Bold" panose="00000800000000000000" pitchFamily="2" charset="-127"/>
+              </a:rPr>
+              <a:t>에서 사전 훈련</a:t>
+            </a:r>
             <a:r>
               <a:rPr lang="en-US" altLang="ko-KR" dirty="0">
                 <a:latin typeface="KoPubWorld돋움체 Bold" panose="00000800000000000000" pitchFamily="2" charset="-127"/>
                 <a:ea typeface="KoPubWorld돋움체 Bold" panose="00000800000000000000" pitchFamily="2" charset="-127"/>
                 <a:cs typeface="KoPubWorld돋움체 Bold" panose="00000800000000000000" pitchFamily="2" charset="-127"/>
               </a:rPr>
-              <a:t>BERT(Bidirectional Encoder Representations from </a:t>
+              <a:t>(</a:t>
             </a:r>
             <a:r>
               <a:rPr lang="en-US" altLang="ko-KR" dirty="0" smtClean="0">
@@ -3024,67 +3059,47 @@
                 <a:ea typeface="KoPubWorld돋움체 Bold" panose="00000800000000000000" pitchFamily="2" charset="-127"/>
                 <a:cs typeface="KoPubWorld돋움체 Bold" panose="00000800000000000000" pitchFamily="2" charset="-127"/>
               </a:rPr>
-              <a:t>Transformers)</a:t>
-            </a:r>
-            <a:endParaRPr lang="ko-KR" altLang="en-US" dirty="0">
+              <a:t>Pre-training)</a:t>
+            </a:r>
+          </a:p>
+          <a:p>
+            <a:pPr marL="342900" indent="-342900">
+              <a:buAutoNum type="arabicPeriod"/>
+            </a:pPr>
+            <a:endParaRPr lang="en-US" altLang="ko-KR" dirty="0" smtClean="0">
               <a:latin typeface="KoPubWorld돋움체 Bold" panose="00000800000000000000" pitchFamily="2" charset="-127"/>
               <a:ea typeface="KoPubWorld돋움체 Bold" panose="00000800000000000000" pitchFamily="2" charset="-127"/>
               <a:cs typeface="KoPubWorld돋움체 Bold" panose="00000800000000000000" pitchFamily="2" charset="-127"/>
             </a:endParaRPr>
           </a:p>
-        </p:txBody>
-      </p:sp>
-      <p:sp>
-        <p:nvSpPr>
-          <p:cNvPr id="5" name="TextBox 4"/>
-          <p:cNvSpPr txBox="1"/>
-          <p:nvPr/>
-        </p:nvSpPr>
-        <p:spPr>
-          <a:xfrm>
-            <a:off x="4136895" y="3464992"/>
-            <a:ext cx="3360215" cy="369332"/>
-          </a:xfrm>
-          <a:prstGeom prst="rect">
-            <a:avLst/>
-          </a:prstGeom>
-          <a:noFill/>
-        </p:spPr>
-        <p:txBody>
-          <a:bodyPr wrap="none" rtlCol="0">
-            <a:spAutoFit/>
-          </a:bodyPr>
-          <a:lstStyle/>
-          <a:p>
+          <a:p>
+            <a:pPr marL="342900" indent="-342900">
+              <a:buAutoNum type="arabicPeriod"/>
+            </a:pPr>
+            <a:r>
+              <a:rPr lang="en-US" altLang="ko-KR" dirty="0" smtClean="0">
+                <a:latin typeface="KoPubWorld돋움체 Bold" panose="00000800000000000000" pitchFamily="2" charset="-127"/>
+                <a:ea typeface="KoPubWorld돋움체 Bold" panose="00000800000000000000" pitchFamily="2" charset="-127"/>
+                <a:cs typeface="KoPubWorld돋움체 Bold" panose="00000800000000000000" pitchFamily="2" charset="-127"/>
+              </a:rPr>
+              <a:t>BERT(Bidirectional </a:t>
+            </a:r>
             <a:r>
               <a:rPr lang="en-US" altLang="ko-KR" dirty="0">
                 <a:latin typeface="KoPubWorld돋움체 Bold" panose="00000800000000000000" pitchFamily="2" charset="-127"/>
                 <a:ea typeface="KoPubWorld돋움체 Bold" panose="00000800000000000000" pitchFamily="2" charset="-127"/>
                 <a:cs typeface="KoPubWorld돋움체 Bold" panose="00000800000000000000" pitchFamily="2" charset="-127"/>
               </a:rPr>
-              <a:t>NLP</a:t>
-            </a:r>
-            <a:r>
-              <a:rPr lang="ko-KR" altLang="en-US" dirty="0">
+              <a:t>Encoder Representations from </a:t>
+            </a:r>
+            <a:r>
+              <a:rPr lang="en-US" altLang="ko-KR" dirty="0" smtClean="0">
                 <a:latin typeface="KoPubWorld돋움체 Bold" panose="00000800000000000000" pitchFamily="2" charset="-127"/>
                 <a:ea typeface="KoPubWorld돋움체 Bold" panose="00000800000000000000" pitchFamily="2" charset="-127"/>
                 <a:cs typeface="KoPubWorld돋움체 Bold" panose="00000800000000000000" pitchFamily="2" charset="-127"/>
               </a:rPr>
-              <a:t>에서 사전 훈련</a:t>
-            </a:r>
-            <a:r>
-              <a:rPr lang="en-US" altLang="ko-KR" dirty="0">
-                <a:latin typeface="KoPubWorld돋움체 Bold" panose="00000800000000000000" pitchFamily="2" charset="-127"/>
-                <a:ea typeface="KoPubWorld돋움체 Bold" panose="00000800000000000000" pitchFamily="2" charset="-127"/>
-                <a:cs typeface="KoPubWorld돋움체 Bold" panose="00000800000000000000" pitchFamily="2" charset="-127"/>
-              </a:rPr>
-              <a:t>(Pre-training)</a:t>
-            </a:r>
-            <a:endParaRPr lang="ko-KR" altLang="en-US" dirty="0">
-              <a:latin typeface="KoPubWorld돋움체 Bold" panose="00000800000000000000" pitchFamily="2" charset="-127"/>
-              <a:ea typeface="KoPubWorld돋움체 Bold" panose="00000800000000000000" pitchFamily="2" charset="-127"/>
-              <a:cs typeface="KoPubWorld돋움체 Bold" panose="00000800000000000000" pitchFamily="2" charset="-127"/>
-            </a:endParaRPr>
+              <a:t>Transformers)</a:t>
+            </a:r>
           </a:p>
         </p:txBody>
       </p:sp>
@@ -3096,7 +3111,7 @@
         </p:nvSpPr>
         <p:spPr>
           <a:xfrm>
-            <a:off x="4975064" y="2508561"/>
+            <a:off x="5428990" y="2091520"/>
             <a:ext cx="1334020" cy="646331"/>
           </a:xfrm>
           <a:prstGeom prst="rect">
@@ -3122,6 +3137,131 @@
               <a:latin typeface="KoPubWorld돋움체 Bold" panose="00000800000000000000" pitchFamily="2" charset="-127"/>
               <a:ea typeface="KoPubWorld돋움체 Bold" panose="00000800000000000000" pitchFamily="2" charset="-127"/>
               <a:cs typeface="KoPubWorld돋움체 Bold" panose="00000800000000000000" pitchFamily="2" charset="-127"/>
+            </a:endParaRPr>
+          </a:p>
+        </p:txBody>
+      </p:sp>
+      <p:sp>
+        <p:nvSpPr>
+          <p:cNvPr id="6" name="TextBox 5"/>
+          <p:cNvSpPr txBox="1"/>
+          <p:nvPr/>
+        </p:nvSpPr>
+        <p:spPr>
+          <a:xfrm>
+            <a:off x="5700699" y="5270505"/>
+            <a:ext cx="790601" cy="369332"/>
+          </a:xfrm>
+          <a:prstGeom prst="rect">
+            <a:avLst/>
+          </a:prstGeom>
+          <a:noFill/>
+        </p:spPr>
+        <p:txBody>
+          <a:bodyPr wrap="none" rtlCol="0">
+            <a:spAutoFit/>
+          </a:bodyPr>
+          <a:lstStyle/>
+          <a:p>
+            <a:r>
+              <a:rPr lang="ko-KR" altLang="en-US" dirty="0" smtClean="0">
+                <a:latin typeface="KoPubWorld돋움체 Light" panose="00000300000000000000" pitchFamily="2" charset="-127"/>
+                <a:ea typeface="KoPubWorld돋움체 Light" panose="00000300000000000000" pitchFamily="2" charset="-127"/>
+                <a:cs typeface="KoPubWorld돋움체 Light" panose="00000300000000000000" pitchFamily="2" charset="-127"/>
+              </a:rPr>
+              <a:t>김지현</a:t>
+            </a:r>
+            <a:endParaRPr lang="ko-KR" altLang="en-US" dirty="0">
+              <a:latin typeface="KoPubWorld돋움체 Light" panose="00000300000000000000" pitchFamily="2" charset="-127"/>
+              <a:ea typeface="KoPubWorld돋움체 Light" panose="00000300000000000000" pitchFamily="2" charset="-127"/>
+              <a:cs typeface="KoPubWorld돋움체 Light" panose="00000300000000000000" pitchFamily="2" charset="-127"/>
+            </a:endParaRPr>
+          </a:p>
+        </p:txBody>
+      </p:sp>
+      <p:sp>
+        <p:nvSpPr>
+          <p:cNvPr id="8" name="TextBox 7"/>
+          <p:cNvSpPr txBox="1"/>
+          <p:nvPr/>
+        </p:nvSpPr>
+        <p:spPr>
+          <a:xfrm>
+            <a:off x="9591553" y="72083"/>
+            <a:ext cx="2204450" cy="246221"/>
+          </a:xfrm>
+          <a:prstGeom prst="rect">
+            <a:avLst/>
+          </a:prstGeom>
+          <a:noFill/>
+        </p:spPr>
+        <p:txBody>
+          <a:bodyPr wrap="none" rtlCol="0">
+            <a:spAutoFit/>
+          </a:bodyPr>
+          <a:lstStyle/>
+          <a:p>
+            <a:r>
+              <a:rPr lang="ko-KR" altLang="en-US" sz="1000" dirty="0" smtClean="0">
+                <a:solidFill>
+                  <a:schemeClr val="bg1">
+                    <a:lumMod val="75000"/>
+                  </a:schemeClr>
+                </a:solidFill>
+                <a:latin typeface="KoPubWorld돋움체 Light" panose="00000300000000000000" pitchFamily="2" charset="-127"/>
+                <a:ea typeface="KoPubWorld돋움체 Light" panose="00000300000000000000" pitchFamily="2" charset="-127"/>
+                <a:cs typeface="KoPubWorld돋움체 Light" panose="00000300000000000000" pitchFamily="2" charset="-127"/>
+              </a:rPr>
+              <a:t>출처</a:t>
+            </a:r>
+            <a:r>
+              <a:rPr lang="en-US" altLang="ko-KR" sz="1000" dirty="0" smtClean="0">
+                <a:solidFill>
+                  <a:schemeClr val="bg1">
+                    <a:lumMod val="75000"/>
+                  </a:schemeClr>
+                </a:solidFill>
+                <a:latin typeface="KoPubWorld돋움체 Light" panose="00000300000000000000" pitchFamily="2" charset="-127"/>
+                <a:ea typeface="KoPubWorld돋움체 Light" panose="00000300000000000000" pitchFamily="2" charset="-127"/>
+                <a:cs typeface="KoPubWorld돋움체 Light" panose="00000300000000000000" pitchFamily="2" charset="-127"/>
+              </a:rPr>
+              <a:t>: </a:t>
+            </a:r>
+            <a:r>
+              <a:rPr lang="ko-KR" altLang="en-US" sz="1000" dirty="0" err="1" smtClean="0">
+                <a:solidFill>
+                  <a:schemeClr val="bg1">
+                    <a:lumMod val="75000"/>
+                  </a:schemeClr>
+                </a:solidFill>
+                <a:latin typeface="KoPubWorld돋움체 Light" panose="00000300000000000000" pitchFamily="2" charset="-127"/>
+                <a:ea typeface="KoPubWorld돋움체 Light" panose="00000300000000000000" pitchFamily="2" charset="-127"/>
+                <a:cs typeface="KoPubWorld돋움체 Light" panose="00000300000000000000" pitchFamily="2" charset="-127"/>
+              </a:rPr>
+              <a:t>딥러닝을</a:t>
+            </a:r>
+            <a:r>
+              <a:rPr lang="ko-KR" altLang="en-US" sz="1000" dirty="0" smtClean="0">
+                <a:solidFill>
+                  <a:schemeClr val="bg1">
+                    <a:lumMod val="75000"/>
+                  </a:schemeClr>
+                </a:solidFill>
+                <a:latin typeface="KoPubWorld돋움체 Light" panose="00000300000000000000" pitchFamily="2" charset="-127"/>
+                <a:ea typeface="KoPubWorld돋움체 Light" panose="00000300000000000000" pitchFamily="2" charset="-127"/>
+                <a:cs typeface="KoPubWorld돋움체 Light" panose="00000300000000000000" pitchFamily="2" charset="-127"/>
+              </a:rPr>
+              <a:t> 이용한 자연어 처리 입문</a:t>
+            </a:r>
+            <a:endParaRPr lang="ko-KR" altLang="en-US" sz="1000" dirty="0">
+              <a:solidFill>
+                <a:schemeClr val="bg1">
+                  <a:lumMod val="75000"/>
+                </a:schemeClr>
+              </a:solidFill>
+              <a:latin typeface="KoPubWorld돋움체 Light" panose="00000300000000000000" pitchFamily="2" charset="-127"/>
+              <a:ea typeface="KoPubWorld돋움체 Light" panose="00000300000000000000" pitchFamily="2" charset="-127"/>
+              <a:cs typeface="KoPubWorld돋움체 Light" panose="00000300000000000000" pitchFamily="2" charset="-127"/>
             </a:endParaRPr>
           </a:p>
         </p:txBody>
@@ -3136,6 +3276,943 @@
   <p:clrMapOvr>
     <a:masterClrMapping/>
   </p:clrMapOvr>
+  <p:timing>
+    <p:tnLst>
+      <p:par>
+        <p:cTn id="1" dur="indefinite" restart="never" nodeType="tmRoot"/>
+      </p:par>
+    </p:tnLst>
+  </p:timing>
+</p:sld>
+</file>
+
+<file path=ppt/slides/slide10.xml><?xml version="1.0" encoding="utf-8"?>
+<p:sld xmlns:a="http://schemas.openxmlformats.org/drawingml/2006/main" xmlns:r="http://schemas.openxmlformats.org/officeDocument/2006/relationships" xmlns:p="http://schemas.openxmlformats.org/presentationml/2006/main">
+  <p:cSld>
+    <p:spTree>
+      <p:nvGrpSpPr>
+        <p:cNvPr id="1" name=""/>
+        <p:cNvGrpSpPr/>
+        <p:nvPr/>
+      </p:nvGrpSpPr>
+      <p:grpSpPr>
+        <a:xfrm>
+          <a:off x="0" y="0"/>
+          <a:ext cx="0" cy="0"/>
+          <a:chOff x="0" y="0"/>
+          <a:chExt cx="0" cy="0"/>
+        </a:xfrm>
+      </p:grpSpPr>
+      <p:sp>
+        <p:nvSpPr>
+          <p:cNvPr id="4" name="TextBox 3"/>
+          <p:cNvSpPr txBox="1"/>
+          <p:nvPr/>
+        </p:nvSpPr>
+        <p:spPr>
+          <a:xfrm>
+            <a:off x="344475" y="391409"/>
+            <a:ext cx="7582525" cy="369332"/>
+          </a:xfrm>
+          <a:prstGeom prst="rect">
+            <a:avLst/>
+          </a:prstGeom>
+          <a:noFill/>
+        </p:spPr>
+        <p:txBody>
+          <a:bodyPr wrap="none" rtlCol="0">
+            <a:spAutoFit/>
+          </a:bodyPr>
+          <a:lstStyle/>
+          <a:p>
+            <a:r>
+              <a:rPr lang="en-US" altLang="ko-KR" dirty="0">
+                <a:latin typeface="KoPubWorld돋움체 Bold" panose="00000800000000000000" pitchFamily="2" charset="-127"/>
+                <a:ea typeface="KoPubWorld돋움체 Bold" panose="00000800000000000000" pitchFamily="2" charset="-127"/>
+                <a:cs typeface="KoPubWorld돋움체 Bold" panose="00000800000000000000" pitchFamily="2" charset="-127"/>
+              </a:rPr>
+              <a:t>BERT(Bidirectional Encoder Representations from Transformers, BERT)</a:t>
+            </a:r>
+            <a:endParaRPr lang="ko-KR" altLang="en-US" dirty="0">
+              <a:latin typeface="KoPubWorld돋움체 Bold" panose="00000800000000000000" pitchFamily="2" charset="-127"/>
+              <a:ea typeface="KoPubWorld돋움체 Bold" panose="00000800000000000000" pitchFamily="2" charset="-127"/>
+              <a:cs typeface="KoPubWorld돋움체 Bold" panose="00000800000000000000" pitchFamily="2" charset="-127"/>
+            </a:endParaRPr>
+          </a:p>
+        </p:txBody>
+      </p:sp>
+      <p:sp>
+        <p:nvSpPr>
+          <p:cNvPr id="5" name="TextBox 4"/>
+          <p:cNvSpPr txBox="1"/>
+          <p:nvPr/>
+        </p:nvSpPr>
+        <p:spPr>
+          <a:xfrm>
+            <a:off x="345151" y="1026070"/>
+            <a:ext cx="11200140" cy="1846659"/>
+          </a:xfrm>
+          <a:prstGeom prst="rect">
+            <a:avLst/>
+          </a:prstGeom>
+          <a:noFill/>
+        </p:spPr>
+        <p:txBody>
+          <a:bodyPr wrap="square" rtlCol="0">
+            <a:spAutoFit/>
+          </a:bodyPr>
+          <a:lstStyle/>
+          <a:p>
+            <a:r>
+              <a:rPr lang="en-US" altLang="ko-KR" sz="1600" dirty="0" smtClean="0">
+                <a:latin typeface="KoPubWorld돋움체 Medium" panose="00000600000000000000" pitchFamily="2" charset="-127"/>
+                <a:ea typeface="KoPubWorld돋움체 Medium" panose="00000600000000000000" pitchFamily="2" charset="-127"/>
+                <a:cs typeface="KoPubWorld돋움체 Medium" panose="00000600000000000000" pitchFamily="2" charset="-127"/>
+              </a:rPr>
+              <a:t>4</a:t>
+            </a:r>
+            <a:r>
+              <a:rPr lang="en-US" altLang="ko-KR" sz="1600" dirty="0">
+                <a:latin typeface="KoPubWorld돋움체 Medium" panose="00000600000000000000" pitchFamily="2" charset="-127"/>
+                <a:ea typeface="KoPubWorld돋움체 Medium" panose="00000600000000000000" pitchFamily="2" charset="-127"/>
+                <a:cs typeface="KoPubWorld돋움체 Medium" panose="00000600000000000000" pitchFamily="2" charset="-127"/>
+              </a:rPr>
+              <a:t>. BERT</a:t>
+            </a:r>
+            <a:r>
+              <a:rPr lang="ko-KR" altLang="en-US" sz="1600" dirty="0">
+                <a:latin typeface="KoPubWorld돋움체 Medium" panose="00000600000000000000" pitchFamily="2" charset="-127"/>
+                <a:ea typeface="KoPubWorld돋움체 Medium" panose="00000600000000000000" pitchFamily="2" charset="-127"/>
+                <a:cs typeface="KoPubWorld돋움체 Medium" panose="00000600000000000000" pitchFamily="2" charset="-127"/>
+              </a:rPr>
+              <a:t>의 </a:t>
+            </a:r>
+            <a:r>
+              <a:rPr lang="ko-KR" altLang="en-US" sz="1600" dirty="0" err="1">
+                <a:latin typeface="KoPubWorld돋움체 Medium" panose="00000600000000000000" pitchFamily="2" charset="-127"/>
+                <a:ea typeface="KoPubWorld돋움체 Medium" panose="00000600000000000000" pitchFamily="2" charset="-127"/>
+                <a:cs typeface="KoPubWorld돋움체 Medium" panose="00000600000000000000" pitchFamily="2" charset="-127"/>
+              </a:rPr>
+              <a:t>서브워드</a:t>
+            </a:r>
+            <a:r>
+              <a:rPr lang="ko-KR" altLang="en-US" sz="1600" dirty="0">
+                <a:latin typeface="KoPubWorld돋움체 Medium" panose="00000600000000000000" pitchFamily="2" charset="-127"/>
+                <a:ea typeface="KoPubWorld돋움체 Medium" panose="00000600000000000000" pitchFamily="2" charset="-127"/>
+                <a:cs typeface="KoPubWorld돋움체 Medium" panose="00000600000000000000" pitchFamily="2" charset="-127"/>
+              </a:rPr>
+              <a:t> </a:t>
+            </a:r>
+            <a:r>
+              <a:rPr lang="ko-KR" altLang="en-US" sz="1600" dirty="0" err="1">
+                <a:latin typeface="KoPubWorld돋움체 Medium" panose="00000600000000000000" pitchFamily="2" charset="-127"/>
+                <a:ea typeface="KoPubWorld돋움체 Medium" panose="00000600000000000000" pitchFamily="2" charset="-127"/>
+                <a:cs typeface="KoPubWorld돋움체 Medium" panose="00000600000000000000" pitchFamily="2" charset="-127"/>
+              </a:rPr>
+              <a:t>토크나이저</a:t>
+            </a:r>
+            <a:r>
+              <a:rPr lang="ko-KR" altLang="en-US" sz="1600" dirty="0">
+                <a:latin typeface="KoPubWorld돋움체 Medium" panose="00000600000000000000" pitchFamily="2" charset="-127"/>
+                <a:ea typeface="KoPubWorld돋움체 Medium" panose="00000600000000000000" pitchFamily="2" charset="-127"/>
+                <a:cs typeface="KoPubWorld돋움체 Medium" panose="00000600000000000000" pitchFamily="2" charset="-127"/>
+              </a:rPr>
+              <a:t> </a:t>
+            </a:r>
+            <a:r>
+              <a:rPr lang="en-US" altLang="ko-KR" sz="1600" dirty="0">
+                <a:latin typeface="KoPubWorld돋움체 Medium" panose="00000600000000000000" pitchFamily="2" charset="-127"/>
+                <a:ea typeface="KoPubWorld돋움체 Medium" panose="00000600000000000000" pitchFamily="2" charset="-127"/>
+                <a:cs typeface="KoPubWorld돋움체 Medium" panose="00000600000000000000" pitchFamily="2" charset="-127"/>
+              </a:rPr>
+              <a:t>: </a:t>
+            </a:r>
+            <a:r>
+              <a:rPr lang="en-US" altLang="ko-KR" sz="1600" dirty="0" err="1">
+                <a:latin typeface="KoPubWorld돋움체 Medium" panose="00000600000000000000" pitchFamily="2" charset="-127"/>
+                <a:ea typeface="KoPubWorld돋움체 Medium" panose="00000600000000000000" pitchFamily="2" charset="-127"/>
+                <a:cs typeface="KoPubWorld돋움체 Medium" panose="00000600000000000000" pitchFamily="2" charset="-127"/>
+              </a:rPr>
+              <a:t>WordPiece</a:t>
+            </a:r>
+            <a:endParaRPr lang="en-US" altLang="ko-KR" sz="1600" dirty="0">
+              <a:latin typeface="KoPubWorld돋움체 Medium" panose="00000600000000000000" pitchFamily="2" charset="-127"/>
+              <a:ea typeface="KoPubWorld돋움체 Medium" panose="00000600000000000000" pitchFamily="2" charset="-127"/>
+              <a:cs typeface="KoPubWorld돋움체 Medium" panose="00000600000000000000" pitchFamily="2" charset="-127"/>
+            </a:endParaRPr>
+          </a:p>
+          <a:p>
+            <a:r>
+              <a:rPr lang="ko-KR" altLang="en-US" sz="1400" dirty="0" smtClean="0">
+                <a:latin typeface="KoPubWorld돋움체 Medium" panose="00000600000000000000" pitchFamily="2" charset="-127"/>
+                <a:ea typeface="KoPubWorld돋움체 Medium" panose="00000600000000000000" pitchFamily="2" charset="-127"/>
+                <a:cs typeface="KoPubWorld돋움체 Medium" panose="00000600000000000000" pitchFamily="2" charset="-127"/>
+              </a:rPr>
+              <a:t>  </a:t>
+            </a:r>
+            <a:r>
+              <a:rPr lang="en-US" altLang="ko-KR" sz="1400" dirty="0">
+                <a:latin typeface="KoPubWorld돋움체 Medium" panose="00000600000000000000" pitchFamily="2" charset="-127"/>
+                <a:ea typeface="KoPubWorld돋움체 Medium" panose="00000600000000000000" pitchFamily="2" charset="-127"/>
+                <a:cs typeface="KoPubWorld돋움체 Medium" panose="00000600000000000000" pitchFamily="2" charset="-127"/>
+              </a:rPr>
+              <a:t>- </a:t>
+            </a:r>
+            <a:r>
+              <a:rPr lang="en-US" altLang="ko-KR" sz="1400" dirty="0">
+                <a:latin typeface="KoPubWorld돋움체 Medium" panose="00000600000000000000" pitchFamily="2" charset="-127"/>
+                <a:ea typeface="KoPubWorld돋움체 Medium" panose="00000600000000000000" pitchFamily="2" charset="-127"/>
+                <a:cs typeface="KoPubWorld돋움체 Medium" panose="00000600000000000000" pitchFamily="2" charset="-127"/>
+              </a:rPr>
+              <a:t>BERT</a:t>
+            </a:r>
+            <a:r>
+              <a:rPr lang="ko-KR" altLang="en-US" sz="1400" dirty="0">
+                <a:latin typeface="KoPubWorld돋움체 Medium" panose="00000600000000000000" pitchFamily="2" charset="-127"/>
+                <a:ea typeface="KoPubWorld돋움체 Medium" panose="00000600000000000000" pitchFamily="2" charset="-127"/>
+                <a:cs typeface="KoPubWorld돋움체 Medium" panose="00000600000000000000" pitchFamily="2" charset="-127"/>
+              </a:rPr>
+              <a:t>는 단어보다 더 작은 단위로 쪼개는 </a:t>
+            </a:r>
+            <a:r>
+              <a:rPr lang="ko-KR" altLang="en-US" sz="1400" dirty="0" err="1">
+                <a:latin typeface="KoPubWorld돋움체 Medium" panose="00000600000000000000" pitchFamily="2" charset="-127"/>
+                <a:ea typeface="KoPubWorld돋움체 Medium" panose="00000600000000000000" pitchFamily="2" charset="-127"/>
+                <a:cs typeface="KoPubWorld돋움체 Medium" panose="00000600000000000000" pitchFamily="2" charset="-127"/>
+              </a:rPr>
+              <a:t>서브워드</a:t>
+            </a:r>
+            <a:r>
+              <a:rPr lang="ko-KR" altLang="en-US" sz="1400" dirty="0">
+                <a:latin typeface="KoPubWorld돋움체 Medium" panose="00000600000000000000" pitchFamily="2" charset="-127"/>
+                <a:ea typeface="KoPubWorld돋움체 Medium" panose="00000600000000000000" pitchFamily="2" charset="-127"/>
+                <a:cs typeface="KoPubWorld돋움체 Medium" panose="00000600000000000000" pitchFamily="2" charset="-127"/>
+              </a:rPr>
+              <a:t> </a:t>
+            </a:r>
+            <a:r>
+              <a:rPr lang="ko-KR" altLang="en-US" sz="1400" dirty="0" err="1">
+                <a:latin typeface="KoPubWorld돋움체 Medium" panose="00000600000000000000" pitchFamily="2" charset="-127"/>
+                <a:ea typeface="KoPubWorld돋움체 Medium" panose="00000600000000000000" pitchFamily="2" charset="-127"/>
+                <a:cs typeface="KoPubWorld돋움체 Medium" panose="00000600000000000000" pitchFamily="2" charset="-127"/>
+              </a:rPr>
+              <a:t>토크나이저를</a:t>
+            </a:r>
+            <a:r>
+              <a:rPr lang="ko-KR" altLang="en-US" sz="1400" dirty="0">
+                <a:latin typeface="KoPubWorld돋움체 Medium" panose="00000600000000000000" pitchFamily="2" charset="-127"/>
+                <a:ea typeface="KoPubWorld돋움체 Medium" panose="00000600000000000000" pitchFamily="2" charset="-127"/>
+                <a:cs typeface="KoPubWorld돋움체 Medium" panose="00000600000000000000" pitchFamily="2" charset="-127"/>
+              </a:rPr>
+              <a:t> 사용</a:t>
+            </a:r>
+            <a:endParaRPr lang="en-US" altLang="ko-KR" sz="1400" dirty="0" smtClean="0">
+              <a:latin typeface="KoPubWorld돋움체 Medium" panose="00000600000000000000" pitchFamily="2" charset="-127"/>
+              <a:ea typeface="KoPubWorld돋움체 Medium" panose="00000600000000000000" pitchFamily="2" charset="-127"/>
+              <a:cs typeface="KoPubWorld돋움체 Medium" panose="00000600000000000000" pitchFamily="2" charset="-127"/>
+            </a:endParaRPr>
+          </a:p>
+          <a:p>
+            <a:r>
+              <a:rPr lang="en-US" altLang="ko-KR" sz="1400" dirty="0" smtClean="0">
+                <a:latin typeface="KoPubWorld돋움체 Medium" panose="00000600000000000000" pitchFamily="2" charset="-127"/>
+                <a:ea typeface="KoPubWorld돋움체 Medium" panose="00000600000000000000" pitchFamily="2" charset="-127"/>
+                <a:cs typeface="KoPubWorld돋움체 Medium" panose="00000600000000000000" pitchFamily="2" charset="-127"/>
+              </a:rPr>
+              <a:t>  </a:t>
+            </a:r>
+            <a:r>
+              <a:rPr lang="en-US" altLang="ko-KR" sz="1400" dirty="0">
+                <a:latin typeface="KoPubWorld돋움체 Medium" panose="00000600000000000000" pitchFamily="2" charset="-127"/>
+                <a:ea typeface="KoPubWorld돋움체 Medium" panose="00000600000000000000" pitchFamily="2" charset="-127"/>
+                <a:cs typeface="KoPubWorld돋움체 Medium" panose="00000600000000000000" pitchFamily="2" charset="-127"/>
+              </a:rPr>
+              <a:t>- </a:t>
+            </a:r>
+            <a:r>
+              <a:rPr lang="en-US" altLang="ko-KR" sz="1400" dirty="0" err="1">
+                <a:latin typeface="KoPubWorld돋움체 Medium" panose="00000600000000000000" pitchFamily="2" charset="-127"/>
+                <a:ea typeface="KoPubWorld돋움체 Medium" panose="00000600000000000000" pitchFamily="2" charset="-127"/>
+                <a:cs typeface="KoPubWorld돋움체 Medium" panose="00000600000000000000" pitchFamily="2" charset="-127"/>
+              </a:rPr>
+              <a:t>WordPiece</a:t>
+            </a:r>
+            <a:r>
+              <a:rPr lang="en-US" altLang="ko-KR" sz="1400" dirty="0">
+                <a:latin typeface="KoPubWorld돋움체 Medium" panose="00000600000000000000" pitchFamily="2" charset="-127"/>
+                <a:ea typeface="KoPubWorld돋움체 Medium" panose="00000600000000000000" pitchFamily="2" charset="-127"/>
+                <a:cs typeface="KoPubWorld돋움체 Medium" panose="00000600000000000000" pitchFamily="2" charset="-127"/>
+              </a:rPr>
+              <a:t> </a:t>
+            </a:r>
+            <a:r>
+              <a:rPr lang="ko-KR" altLang="en-US" sz="1400" dirty="0" err="1" smtClean="0">
+                <a:latin typeface="KoPubWorld돋움체 Medium" panose="00000600000000000000" pitchFamily="2" charset="-127"/>
+                <a:ea typeface="KoPubWorld돋움체 Medium" panose="00000600000000000000" pitchFamily="2" charset="-127"/>
+                <a:cs typeface="KoPubWorld돋움체 Medium" panose="00000600000000000000" pitchFamily="2" charset="-127"/>
+              </a:rPr>
+              <a:t>토크나이저는</a:t>
+            </a:r>
+            <a:r>
+              <a:rPr lang="ko-KR" altLang="en-US" sz="1400" dirty="0">
+                <a:latin typeface="KoPubWorld돋움체 Medium" panose="00000600000000000000" pitchFamily="2" charset="-127"/>
+                <a:ea typeface="KoPubWorld돋움체 Medium" panose="00000600000000000000" pitchFamily="2" charset="-127"/>
+                <a:cs typeface="KoPubWorld돋움체 Medium" panose="00000600000000000000" pitchFamily="2" charset="-127"/>
+              </a:rPr>
+              <a:t> </a:t>
+            </a:r>
+            <a:r>
+              <a:rPr lang="ko-KR" altLang="en-US" sz="1400" dirty="0" err="1">
+                <a:latin typeface="KoPubWorld돋움체 Medium" panose="00000600000000000000" pitchFamily="2" charset="-127"/>
+                <a:ea typeface="KoPubWorld돋움체 Medium" panose="00000600000000000000" pitchFamily="2" charset="-127"/>
+                <a:cs typeface="KoPubWorld돋움체 Medium" panose="00000600000000000000" pitchFamily="2" charset="-127"/>
+              </a:rPr>
+              <a:t>글자로부터</a:t>
+            </a:r>
+            <a:r>
+              <a:rPr lang="ko-KR" altLang="en-US" sz="1400" dirty="0">
+                <a:latin typeface="KoPubWorld돋움체 Medium" panose="00000600000000000000" pitchFamily="2" charset="-127"/>
+                <a:ea typeface="KoPubWorld돋움체 Medium" panose="00000600000000000000" pitchFamily="2" charset="-127"/>
+                <a:cs typeface="KoPubWorld돋움체 Medium" panose="00000600000000000000" pitchFamily="2" charset="-127"/>
+              </a:rPr>
+              <a:t> 서브워드들을 병합해가는 방식으로 최종 단어 집합</a:t>
+            </a:r>
+            <a:r>
+              <a:rPr lang="en-US" altLang="ko-KR" sz="1400" dirty="0">
+                <a:latin typeface="KoPubWorld돋움체 Medium" panose="00000600000000000000" pitchFamily="2" charset="-127"/>
+                <a:ea typeface="KoPubWorld돋움체 Medium" panose="00000600000000000000" pitchFamily="2" charset="-127"/>
+                <a:cs typeface="KoPubWorld돋움체 Medium" panose="00000600000000000000" pitchFamily="2" charset="-127"/>
+              </a:rPr>
+              <a:t>(Vocabulary)</a:t>
+            </a:r>
+            <a:r>
+              <a:rPr lang="ko-KR" altLang="en-US" sz="1400" dirty="0">
+                <a:latin typeface="KoPubWorld돋움체 Medium" panose="00000600000000000000" pitchFamily="2" charset="-127"/>
+                <a:ea typeface="KoPubWorld돋움체 Medium" panose="00000600000000000000" pitchFamily="2" charset="-127"/>
+                <a:cs typeface="KoPubWorld돋움체 Medium" panose="00000600000000000000" pitchFamily="2" charset="-127"/>
+              </a:rPr>
+              <a:t>을 만드는 것은 바이트 페어 </a:t>
+            </a:r>
+            <a:r>
+              <a:rPr lang="ko-KR" altLang="en-US" sz="1400" dirty="0" err="1">
+                <a:latin typeface="KoPubWorld돋움체 Medium" panose="00000600000000000000" pitchFamily="2" charset="-127"/>
+                <a:ea typeface="KoPubWorld돋움체 Medium" panose="00000600000000000000" pitchFamily="2" charset="-127"/>
+                <a:cs typeface="KoPubWorld돋움체 Medium" panose="00000600000000000000" pitchFamily="2" charset="-127"/>
+              </a:rPr>
+              <a:t>인코딩</a:t>
+            </a:r>
+            <a:r>
+              <a:rPr lang="en-US" altLang="ko-KR" sz="1400" dirty="0">
+                <a:latin typeface="KoPubWorld돋움체 Medium" panose="00000600000000000000" pitchFamily="2" charset="-127"/>
+                <a:ea typeface="KoPubWorld돋움체 Medium" panose="00000600000000000000" pitchFamily="2" charset="-127"/>
+                <a:cs typeface="KoPubWorld돋움체 Medium" panose="00000600000000000000" pitchFamily="2" charset="-127"/>
+              </a:rPr>
+              <a:t>(Byte Pair Encoding, BPE)</a:t>
+            </a:r>
+            <a:r>
+              <a:rPr lang="ko-KR" altLang="en-US" sz="1400" dirty="0" smtClean="0">
+                <a:latin typeface="KoPubWorld돋움체 Medium" panose="00000600000000000000" pitchFamily="2" charset="-127"/>
+                <a:ea typeface="KoPubWorld돋움체 Medium" panose="00000600000000000000" pitchFamily="2" charset="-127"/>
+                <a:cs typeface="KoPubWorld돋움체 Medium" panose="00000600000000000000" pitchFamily="2" charset="-127"/>
+              </a:rPr>
+              <a:t>와 유사</a:t>
+            </a:r>
+            <a:endParaRPr lang="en-US" altLang="ko-KR" sz="1400" dirty="0" smtClean="0">
+              <a:latin typeface="KoPubWorld돋움체 Medium" panose="00000600000000000000" pitchFamily="2" charset="-127"/>
+              <a:ea typeface="KoPubWorld돋움체 Medium" panose="00000600000000000000" pitchFamily="2" charset="-127"/>
+              <a:cs typeface="KoPubWorld돋움체 Medium" panose="00000600000000000000" pitchFamily="2" charset="-127"/>
+            </a:endParaRPr>
+          </a:p>
+          <a:p>
+            <a:endParaRPr lang="en-US" altLang="ko-KR" sz="1400" dirty="0">
+              <a:latin typeface="KoPubWorld돋움체 Medium" panose="00000600000000000000" pitchFamily="2" charset="-127"/>
+              <a:ea typeface="KoPubWorld돋움체 Medium" panose="00000600000000000000" pitchFamily="2" charset="-127"/>
+              <a:cs typeface="KoPubWorld돋움체 Medium" panose="00000600000000000000" pitchFamily="2" charset="-127"/>
+            </a:endParaRPr>
+          </a:p>
+          <a:p>
+            <a:r>
+              <a:rPr lang="en-US" altLang="ko-KR" sz="1400" dirty="0">
+                <a:latin typeface="KoPubWorld돋움체 Medium" panose="00000600000000000000" pitchFamily="2" charset="-127"/>
+                <a:ea typeface="KoPubWorld돋움체 Medium" panose="00000600000000000000" pitchFamily="2" charset="-127"/>
+                <a:cs typeface="KoPubWorld돋움체 Medium" panose="00000600000000000000" pitchFamily="2" charset="-127"/>
+              </a:rPr>
+              <a:t>  - </a:t>
+            </a:r>
+            <a:r>
+              <a:rPr lang="ko-KR" altLang="en-US" sz="1400" dirty="0" err="1">
+                <a:latin typeface="KoPubWorld돋움체 Medium" panose="00000600000000000000" pitchFamily="2" charset="-127"/>
+                <a:ea typeface="KoPubWorld돋움체 Medium" panose="00000600000000000000" pitchFamily="2" charset="-127"/>
+                <a:cs typeface="KoPubWorld돋움체 Medium" panose="00000600000000000000" pitchFamily="2" charset="-127"/>
+              </a:rPr>
+              <a:t>서브워드</a:t>
+            </a:r>
+            <a:r>
+              <a:rPr lang="ko-KR" altLang="en-US" sz="1400" dirty="0">
+                <a:latin typeface="KoPubWorld돋움체 Medium" panose="00000600000000000000" pitchFamily="2" charset="-127"/>
+                <a:ea typeface="KoPubWorld돋움체 Medium" panose="00000600000000000000" pitchFamily="2" charset="-127"/>
+                <a:cs typeface="KoPubWorld돋움체 Medium" panose="00000600000000000000" pitchFamily="2" charset="-127"/>
+              </a:rPr>
+              <a:t> </a:t>
+            </a:r>
+            <a:r>
+              <a:rPr lang="ko-KR" altLang="en-US" sz="1400" dirty="0" err="1">
+                <a:latin typeface="KoPubWorld돋움체 Medium" panose="00000600000000000000" pitchFamily="2" charset="-127"/>
+                <a:ea typeface="KoPubWorld돋움체 Medium" panose="00000600000000000000" pitchFamily="2" charset="-127"/>
+                <a:cs typeface="KoPubWorld돋움체 Medium" panose="00000600000000000000" pitchFamily="2" charset="-127"/>
+              </a:rPr>
+              <a:t>토크나이저는</a:t>
+            </a:r>
+            <a:r>
+              <a:rPr lang="ko-KR" altLang="en-US" sz="1400" dirty="0">
+                <a:latin typeface="KoPubWorld돋움체 Medium" panose="00000600000000000000" pitchFamily="2" charset="-127"/>
+                <a:ea typeface="KoPubWorld돋움체 Medium" panose="00000600000000000000" pitchFamily="2" charset="-127"/>
+                <a:cs typeface="KoPubWorld돋움체 Medium" panose="00000600000000000000" pitchFamily="2" charset="-127"/>
+              </a:rPr>
+              <a:t> 기본적으로 자주 등장하는 단어는 그대로 단어 집합에 추가하지만</a:t>
+            </a:r>
+            <a:r>
+              <a:rPr lang="en-US" altLang="ko-KR" sz="1400" dirty="0">
+                <a:latin typeface="KoPubWorld돋움체 Medium" panose="00000600000000000000" pitchFamily="2" charset="-127"/>
+                <a:ea typeface="KoPubWorld돋움체 Medium" panose="00000600000000000000" pitchFamily="2" charset="-127"/>
+                <a:cs typeface="KoPubWorld돋움체 Medium" panose="00000600000000000000" pitchFamily="2" charset="-127"/>
+              </a:rPr>
+              <a:t>, </a:t>
+            </a:r>
+            <a:r>
+              <a:rPr lang="ko-KR" altLang="en-US" sz="1400" dirty="0">
+                <a:latin typeface="KoPubWorld돋움체 Medium" panose="00000600000000000000" pitchFamily="2" charset="-127"/>
+                <a:ea typeface="KoPubWorld돋움체 Medium" panose="00000600000000000000" pitchFamily="2" charset="-127"/>
+                <a:cs typeface="KoPubWorld돋움체 Medium" panose="00000600000000000000" pitchFamily="2" charset="-127"/>
+              </a:rPr>
+              <a:t>자주 등장하지 않는 단어의 경우에는 더 작은 단위인 </a:t>
+            </a:r>
+            <a:r>
+              <a:rPr lang="ko-KR" altLang="en-US" sz="1400" dirty="0" err="1">
+                <a:latin typeface="KoPubWorld돋움체 Medium" panose="00000600000000000000" pitchFamily="2" charset="-127"/>
+                <a:ea typeface="KoPubWorld돋움체 Medium" panose="00000600000000000000" pitchFamily="2" charset="-127"/>
+                <a:cs typeface="KoPubWorld돋움체 Medium" panose="00000600000000000000" pitchFamily="2" charset="-127"/>
+              </a:rPr>
+              <a:t>서브워드로</a:t>
+            </a:r>
+            <a:r>
+              <a:rPr lang="ko-KR" altLang="en-US" sz="1400" dirty="0">
+                <a:latin typeface="KoPubWorld돋움체 Medium" panose="00000600000000000000" pitchFamily="2" charset="-127"/>
+                <a:ea typeface="KoPubWorld돋움체 Medium" panose="00000600000000000000" pitchFamily="2" charset="-127"/>
+                <a:cs typeface="KoPubWorld돋움체 Medium" panose="00000600000000000000" pitchFamily="2" charset="-127"/>
+              </a:rPr>
+              <a:t> 분리되어 서브워드들이 단어 집합에 </a:t>
+            </a:r>
+            <a:r>
+              <a:rPr lang="ko-KR" altLang="en-US" sz="1400" dirty="0" smtClean="0">
+                <a:latin typeface="KoPubWorld돋움체 Medium" panose="00000600000000000000" pitchFamily="2" charset="-127"/>
+                <a:ea typeface="KoPubWorld돋움체 Medium" panose="00000600000000000000" pitchFamily="2" charset="-127"/>
+                <a:cs typeface="KoPubWorld돋움체 Medium" panose="00000600000000000000" pitchFamily="2" charset="-127"/>
+              </a:rPr>
+              <a:t>추가됨</a:t>
+            </a:r>
+            <a:r>
+              <a:rPr lang="en-US" altLang="ko-KR" sz="1400" dirty="0" smtClean="0">
+                <a:latin typeface="KoPubWorld돋움체 Medium" panose="00000600000000000000" pitchFamily="2" charset="-127"/>
+                <a:ea typeface="KoPubWorld돋움체 Medium" panose="00000600000000000000" pitchFamily="2" charset="-127"/>
+                <a:cs typeface="KoPubWorld돋움체 Medium" panose="00000600000000000000" pitchFamily="2" charset="-127"/>
+              </a:rPr>
+              <a:t>.</a:t>
+            </a:r>
+            <a:endParaRPr lang="en-US" altLang="ko-KR" sz="1400" dirty="0" smtClean="0">
+              <a:latin typeface="KoPubWorld돋움체 Medium" panose="00000600000000000000" pitchFamily="2" charset="-127"/>
+              <a:ea typeface="KoPubWorld돋움체 Medium" panose="00000600000000000000" pitchFamily="2" charset="-127"/>
+              <a:cs typeface="KoPubWorld돋움체 Medium" panose="00000600000000000000" pitchFamily="2" charset="-127"/>
+            </a:endParaRPr>
+          </a:p>
+          <a:p>
+            <a:r>
+              <a:rPr lang="en-US" altLang="ko-KR" sz="1400" dirty="0">
+                <a:latin typeface="KoPubWorld돋움체 Medium" panose="00000600000000000000" pitchFamily="2" charset="-127"/>
+                <a:ea typeface="KoPubWorld돋움체 Medium" panose="00000600000000000000" pitchFamily="2" charset="-127"/>
+                <a:cs typeface="KoPubWorld돋움체 Medium" panose="00000600000000000000" pitchFamily="2" charset="-127"/>
+              </a:rPr>
+              <a:t> </a:t>
+            </a:r>
+            <a:r>
+              <a:rPr lang="en-US" altLang="ko-KR" sz="1400" dirty="0" smtClean="0">
+                <a:latin typeface="KoPubWorld돋움체 Medium" panose="00000600000000000000" pitchFamily="2" charset="-127"/>
+                <a:ea typeface="KoPubWorld돋움체 Medium" panose="00000600000000000000" pitchFamily="2" charset="-127"/>
+                <a:cs typeface="KoPubWorld돋움체 Medium" panose="00000600000000000000" pitchFamily="2" charset="-127"/>
+              </a:rPr>
+              <a:t> - </a:t>
+            </a:r>
+            <a:r>
+              <a:rPr lang="ko-KR" altLang="en-US" sz="1400" dirty="0">
+                <a:latin typeface="KoPubWorld돋움체 Medium" panose="00000600000000000000" pitchFamily="2" charset="-127"/>
+                <a:ea typeface="KoPubWorld돋움체 Medium" panose="00000600000000000000" pitchFamily="2" charset="-127"/>
+                <a:cs typeface="KoPubWorld돋움체 Medium" panose="00000600000000000000" pitchFamily="2" charset="-127"/>
+              </a:rPr>
+              <a:t>이렇게 단어 집합이 만들어지고 나면</a:t>
+            </a:r>
+            <a:r>
+              <a:rPr lang="en-US" altLang="ko-KR" sz="1400" dirty="0">
+                <a:latin typeface="KoPubWorld돋움체 Medium" panose="00000600000000000000" pitchFamily="2" charset="-127"/>
+                <a:ea typeface="KoPubWorld돋움체 Medium" panose="00000600000000000000" pitchFamily="2" charset="-127"/>
+                <a:cs typeface="KoPubWorld돋움체 Medium" panose="00000600000000000000" pitchFamily="2" charset="-127"/>
+              </a:rPr>
+              <a:t>, </a:t>
+            </a:r>
+            <a:r>
+              <a:rPr lang="ko-KR" altLang="en-US" sz="1400" dirty="0">
+                <a:latin typeface="KoPubWorld돋움체 Medium" panose="00000600000000000000" pitchFamily="2" charset="-127"/>
+                <a:ea typeface="KoPubWorld돋움체 Medium" panose="00000600000000000000" pitchFamily="2" charset="-127"/>
+                <a:cs typeface="KoPubWorld돋움체 Medium" panose="00000600000000000000" pitchFamily="2" charset="-127"/>
+              </a:rPr>
+              <a:t>이 단어 집합을 기반으로 </a:t>
+            </a:r>
+            <a:r>
+              <a:rPr lang="ko-KR" altLang="en-US" sz="1400" dirty="0" err="1">
+                <a:latin typeface="KoPubWorld돋움체 Medium" panose="00000600000000000000" pitchFamily="2" charset="-127"/>
+                <a:ea typeface="KoPubWorld돋움체 Medium" panose="00000600000000000000" pitchFamily="2" charset="-127"/>
+                <a:cs typeface="KoPubWorld돋움체 Medium" panose="00000600000000000000" pitchFamily="2" charset="-127"/>
+              </a:rPr>
+              <a:t>토큰화를</a:t>
+            </a:r>
+            <a:r>
+              <a:rPr lang="ko-KR" altLang="en-US" sz="1400" dirty="0">
+                <a:latin typeface="KoPubWorld돋움체 Medium" panose="00000600000000000000" pitchFamily="2" charset="-127"/>
+                <a:ea typeface="KoPubWorld돋움체 Medium" panose="00000600000000000000" pitchFamily="2" charset="-127"/>
+                <a:cs typeface="KoPubWorld돋움체 Medium" panose="00000600000000000000" pitchFamily="2" charset="-127"/>
+              </a:rPr>
+              <a:t> 수행</a:t>
+            </a:r>
+            <a:endParaRPr lang="en-US" altLang="ko-KR" sz="1400" dirty="0">
+              <a:latin typeface="KoPubWorld돋움체 Medium" panose="00000600000000000000" pitchFamily="2" charset="-127"/>
+              <a:ea typeface="KoPubWorld돋움체 Medium" panose="00000600000000000000" pitchFamily="2" charset="-127"/>
+              <a:cs typeface="KoPubWorld돋움체 Medium" panose="00000600000000000000" pitchFamily="2" charset="-127"/>
+            </a:endParaRPr>
+          </a:p>
+        </p:txBody>
+      </p:sp>
+      <p:sp>
+        <p:nvSpPr>
+          <p:cNvPr id="6" name="TextBox 5"/>
+          <p:cNvSpPr txBox="1"/>
+          <p:nvPr/>
+        </p:nvSpPr>
+        <p:spPr>
+          <a:xfrm>
+            <a:off x="9591553" y="72083"/>
+            <a:ext cx="2204450" cy="246221"/>
+          </a:xfrm>
+          <a:prstGeom prst="rect">
+            <a:avLst/>
+          </a:prstGeom>
+          <a:noFill/>
+        </p:spPr>
+        <p:txBody>
+          <a:bodyPr wrap="none" rtlCol="0">
+            <a:spAutoFit/>
+          </a:bodyPr>
+          <a:lstStyle/>
+          <a:p>
+            <a:r>
+              <a:rPr lang="ko-KR" altLang="en-US" sz="1000" dirty="0" smtClean="0">
+                <a:solidFill>
+                  <a:schemeClr val="bg1">
+                    <a:lumMod val="75000"/>
+                  </a:schemeClr>
+                </a:solidFill>
+                <a:latin typeface="KoPubWorld돋움체 Light" panose="00000300000000000000" pitchFamily="2" charset="-127"/>
+                <a:ea typeface="KoPubWorld돋움체 Light" panose="00000300000000000000" pitchFamily="2" charset="-127"/>
+                <a:cs typeface="KoPubWorld돋움체 Light" panose="00000300000000000000" pitchFamily="2" charset="-127"/>
+              </a:rPr>
+              <a:t>출처</a:t>
+            </a:r>
+            <a:r>
+              <a:rPr lang="en-US" altLang="ko-KR" sz="1000" dirty="0" smtClean="0">
+                <a:solidFill>
+                  <a:schemeClr val="bg1">
+                    <a:lumMod val="75000"/>
+                  </a:schemeClr>
+                </a:solidFill>
+                <a:latin typeface="KoPubWorld돋움체 Light" panose="00000300000000000000" pitchFamily="2" charset="-127"/>
+                <a:ea typeface="KoPubWorld돋움체 Light" panose="00000300000000000000" pitchFamily="2" charset="-127"/>
+                <a:cs typeface="KoPubWorld돋움체 Light" panose="00000300000000000000" pitchFamily="2" charset="-127"/>
+              </a:rPr>
+              <a:t>: </a:t>
+            </a:r>
+            <a:r>
+              <a:rPr lang="ko-KR" altLang="en-US" sz="1000" dirty="0" err="1" smtClean="0">
+                <a:solidFill>
+                  <a:schemeClr val="bg1">
+                    <a:lumMod val="75000"/>
+                  </a:schemeClr>
+                </a:solidFill>
+                <a:latin typeface="KoPubWorld돋움체 Light" panose="00000300000000000000" pitchFamily="2" charset="-127"/>
+                <a:ea typeface="KoPubWorld돋움체 Light" panose="00000300000000000000" pitchFamily="2" charset="-127"/>
+                <a:cs typeface="KoPubWorld돋움체 Light" panose="00000300000000000000" pitchFamily="2" charset="-127"/>
+              </a:rPr>
+              <a:t>딥러닝을</a:t>
+            </a:r>
+            <a:r>
+              <a:rPr lang="ko-KR" altLang="en-US" sz="1000" dirty="0" smtClean="0">
+                <a:solidFill>
+                  <a:schemeClr val="bg1">
+                    <a:lumMod val="75000"/>
+                  </a:schemeClr>
+                </a:solidFill>
+                <a:latin typeface="KoPubWorld돋움체 Light" panose="00000300000000000000" pitchFamily="2" charset="-127"/>
+                <a:ea typeface="KoPubWorld돋움체 Light" panose="00000300000000000000" pitchFamily="2" charset="-127"/>
+                <a:cs typeface="KoPubWorld돋움체 Light" panose="00000300000000000000" pitchFamily="2" charset="-127"/>
+              </a:rPr>
+              <a:t> 이용한 자연어 처리 입문</a:t>
+            </a:r>
+            <a:endParaRPr lang="ko-KR" altLang="en-US" sz="1000" dirty="0">
+              <a:solidFill>
+                <a:schemeClr val="bg1">
+                  <a:lumMod val="75000"/>
+                </a:schemeClr>
+              </a:solidFill>
+              <a:latin typeface="KoPubWorld돋움체 Light" panose="00000300000000000000" pitchFamily="2" charset="-127"/>
+              <a:ea typeface="KoPubWorld돋움체 Light" panose="00000300000000000000" pitchFamily="2" charset="-127"/>
+              <a:cs typeface="KoPubWorld돋움체 Light" panose="00000300000000000000" pitchFamily="2" charset="-127"/>
+            </a:endParaRPr>
+          </a:p>
+        </p:txBody>
+      </p:sp>
+      <p:sp>
+        <p:nvSpPr>
+          <p:cNvPr id="19" name="TextBox 18"/>
+          <p:cNvSpPr txBox="1"/>
+          <p:nvPr/>
+        </p:nvSpPr>
+        <p:spPr>
+          <a:xfrm>
+            <a:off x="1173826" y="3580495"/>
+            <a:ext cx="9246402" cy="2062103"/>
+          </a:xfrm>
+          <a:prstGeom prst="rect">
+            <a:avLst/>
+          </a:prstGeom>
+          <a:noFill/>
+        </p:spPr>
+        <p:txBody>
+          <a:bodyPr wrap="square" rtlCol="0">
+            <a:spAutoFit/>
+          </a:bodyPr>
+          <a:lstStyle/>
+          <a:p>
+            <a:r>
+              <a:rPr lang="ko-KR" altLang="en-US" sz="1600" dirty="0">
+                <a:latin typeface="KoPubWorld돋움체 Medium" panose="00000600000000000000" pitchFamily="2" charset="-127"/>
+                <a:ea typeface="KoPubWorld돋움체 Medium" panose="00000600000000000000" pitchFamily="2" charset="-127"/>
+                <a:cs typeface="KoPubWorld돋움체 Medium" panose="00000600000000000000" pitchFamily="2" charset="-127"/>
+              </a:rPr>
+              <a:t>준비물 </a:t>
+            </a:r>
+            <a:r>
+              <a:rPr lang="en-US" altLang="ko-KR" sz="1600" dirty="0">
+                <a:latin typeface="KoPubWorld돋움체 Medium" panose="00000600000000000000" pitchFamily="2" charset="-127"/>
+                <a:ea typeface="KoPubWorld돋움체 Medium" panose="00000600000000000000" pitchFamily="2" charset="-127"/>
+                <a:cs typeface="KoPubWorld돋움체 Medium" panose="00000600000000000000" pitchFamily="2" charset="-127"/>
+              </a:rPr>
+              <a:t>: </a:t>
+            </a:r>
+            <a:r>
+              <a:rPr lang="ko-KR" altLang="en-US" sz="1600" dirty="0">
+                <a:latin typeface="KoPubWorld돋움체 Medium" panose="00000600000000000000" pitchFamily="2" charset="-127"/>
+                <a:ea typeface="KoPubWorld돋움체 Medium" panose="00000600000000000000" pitchFamily="2" charset="-127"/>
+                <a:cs typeface="KoPubWorld돋움체 Medium" panose="00000600000000000000" pitchFamily="2" charset="-127"/>
+              </a:rPr>
+              <a:t>이미 훈련 데이터로부터 만들어진 단어 집합</a:t>
+            </a:r>
+          </a:p>
+          <a:p>
+            <a:endParaRPr lang="ko-KR" altLang="en-US" sz="1600" dirty="0">
+              <a:latin typeface="KoPubWorld돋움체 Medium" panose="00000600000000000000" pitchFamily="2" charset="-127"/>
+              <a:ea typeface="KoPubWorld돋움체 Medium" panose="00000600000000000000" pitchFamily="2" charset="-127"/>
+              <a:cs typeface="KoPubWorld돋움체 Medium" panose="00000600000000000000" pitchFamily="2" charset="-127"/>
+            </a:endParaRPr>
+          </a:p>
+          <a:p>
+            <a:r>
+              <a:rPr lang="en-US" altLang="ko-KR" sz="1600" dirty="0">
+                <a:latin typeface="KoPubWorld돋움체 Medium" panose="00000600000000000000" pitchFamily="2" charset="-127"/>
+                <a:ea typeface="KoPubWorld돋움체 Medium" panose="00000600000000000000" pitchFamily="2" charset="-127"/>
+                <a:cs typeface="KoPubWorld돋움체 Medium" panose="00000600000000000000" pitchFamily="2" charset="-127"/>
+              </a:rPr>
+              <a:t>1. </a:t>
+            </a:r>
+            <a:r>
+              <a:rPr lang="ko-KR" altLang="en-US" sz="1600" dirty="0">
+                <a:latin typeface="KoPubWorld돋움체 Medium" panose="00000600000000000000" pitchFamily="2" charset="-127"/>
+                <a:ea typeface="KoPubWorld돋움체 Medium" panose="00000600000000000000" pitchFamily="2" charset="-127"/>
+                <a:cs typeface="KoPubWorld돋움체 Medium" panose="00000600000000000000" pitchFamily="2" charset="-127"/>
+              </a:rPr>
+              <a:t>토큰이 단어 집합에 존재한다</a:t>
+            </a:r>
+            <a:r>
+              <a:rPr lang="en-US" altLang="ko-KR" sz="1600" dirty="0">
+                <a:latin typeface="KoPubWorld돋움체 Medium" panose="00000600000000000000" pitchFamily="2" charset="-127"/>
+                <a:ea typeface="KoPubWorld돋움체 Medium" panose="00000600000000000000" pitchFamily="2" charset="-127"/>
+                <a:cs typeface="KoPubWorld돋움체 Medium" panose="00000600000000000000" pitchFamily="2" charset="-127"/>
+              </a:rPr>
+              <a:t>.</a:t>
+            </a:r>
+          </a:p>
+          <a:p>
+            <a:r>
+              <a:rPr lang="en-US" altLang="ko-KR" sz="1600" dirty="0">
+                <a:latin typeface="KoPubWorld돋움체 Medium" panose="00000600000000000000" pitchFamily="2" charset="-127"/>
+                <a:ea typeface="KoPubWorld돋움체 Medium" panose="00000600000000000000" pitchFamily="2" charset="-127"/>
+                <a:cs typeface="KoPubWorld돋움체 Medium" panose="00000600000000000000" pitchFamily="2" charset="-127"/>
+              </a:rPr>
+              <a:t>=&gt; </a:t>
+            </a:r>
+            <a:r>
+              <a:rPr lang="ko-KR" altLang="en-US" sz="1600" dirty="0">
+                <a:latin typeface="KoPubWorld돋움체 Medium" panose="00000600000000000000" pitchFamily="2" charset="-127"/>
+                <a:ea typeface="KoPubWorld돋움체 Medium" panose="00000600000000000000" pitchFamily="2" charset="-127"/>
+                <a:cs typeface="KoPubWorld돋움체 Medium" panose="00000600000000000000" pitchFamily="2" charset="-127"/>
+              </a:rPr>
+              <a:t>해당 토큰을 분리하지 않는다</a:t>
+            </a:r>
+            <a:r>
+              <a:rPr lang="en-US" altLang="ko-KR" sz="1600" dirty="0">
+                <a:latin typeface="KoPubWorld돋움체 Medium" panose="00000600000000000000" pitchFamily="2" charset="-127"/>
+                <a:ea typeface="KoPubWorld돋움체 Medium" panose="00000600000000000000" pitchFamily="2" charset="-127"/>
+                <a:cs typeface="KoPubWorld돋움체 Medium" panose="00000600000000000000" pitchFamily="2" charset="-127"/>
+              </a:rPr>
+              <a:t>.</a:t>
+            </a:r>
+          </a:p>
+          <a:p>
+            <a:endParaRPr lang="en-US" altLang="ko-KR" sz="1600" dirty="0">
+              <a:latin typeface="KoPubWorld돋움체 Medium" panose="00000600000000000000" pitchFamily="2" charset="-127"/>
+              <a:ea typeface="KoPubWorld돋움체 Medium" panose="00000600000000000000" pitchFamily="2" charset="-127"/>
+              <a:cs typeface="KoPubWorld돋움체 Medium" panose="00000600000000000000" pitchFamily="2" charset="-127"/>
+            </a:endParaRPr>
+          </a:p>
+          <a:p>
+            <a:r>
+              <a:rPr lang="en-US" altLang="ko-KR" sz="1600" dirty="0">
+                <a:latin typeface="KoPubWorld돋움체 Medium" panose="00000600000000000000" pitchFamily="2" charset="-127"/>
+                <a:ea typeface="KoPubWorld돋움체 Medium" panose="00000600000000000000" pitchFamily="2" charset="-127"/>
+                <a:cs typeface="KoPubWorld돋움체 Medium" panose="00000600000000000000" pitchFamily="2" charset="-127"/>
+              </a:rPr>
+              <a:t>2. </a:t>
+            </a:r>
+            <a:r>
+              <a:rPr lang="ko-KR" altLang="en-US" sz="1600" dirty="0">
+                <a:latin typeface="KoPubWorld돋움체 Medium" panose="00000600000000000000" pitchFamily="2" charset="-127"/>
+                <a:ea typeface="KoPubWorld돋움체 Medium" panose="00000600000000000000" pitchFamily="2" charset="-127"/>
+                <a:cs typeface="KoPubWorld돋움체 Medium" panose="00000600000000000000" pitchFamily="2" charset="-127"/>
+              </a:rPr>
+              <a:t>토큰이 단어 집합에 존재하지 않는다</a:t>
+            </a:r>
+            <a:r>
+              <a:rPr lang="en-US" altLang="ko-KR" sz="1600" dirty="0">
+                <a:latin typeface="KoPubWorld돋움체 Medium" panose="00000600000000000000" pitchFamily="2" charset="-127"/>
+                <a:ea typeface="KoPubWorld돋움체 Medium" panose="00000600000000000000" pitchFamily="2" charset="-127"/>
+                <a:cs typeface="KoPubWorld돋움체 Medium" panose="00000600000000000000" pitchFamily="2" charset="-127"/>
+              </a:rPr>
+              <a:t>.</a:t>
+            </a:r>
+          </a:p>
+          <a:p>
+            <a:r>
+              <a:rPr lang="en-US" altLang="ko-KR" sz="1600" dirty="0">
+                <a:latin typeface="KoPubWorld돋움체 Medium" panose="00000600000000000000" pitchFamily="2" charset="-127"/>
+                <a:ea typeface="KoPubWorld돋움체 Medium" panose="00000600000000000000" pitchFamily="2" charset="-127"/>
+                <a:cs typeface="KoPubWorld돋움체 Medium" panose="00000600000000000000" pitchFamily="2" charset="-127"/>
+              </a:rPr>
+              <a:t>=&gt; </a:t>
+            </a:r>
+            <a:r>
+              <a:rPr lang="ko-KR" altLang="en-US" sz="1600" dirty="0">
+                <a:latin typeface="KoPubWorld돋움체 Medium" panose="00000600000000000000" pitchFamily="2" charset="-127"/>
+                <a:ea typeface="KoPubWorld돋움체 Medium" panose="00000600000000000000" pitchFamily="2" charset="-127"/>
+                <a:cs typeface="KoPubWorld돋움체 Medium" panose="00000600000000000000" pitchFamily="2" charset="-127"/>
+              </a:rPr>
+              <a:t>해당 토큰을 </a:t>
+            </a:r>
+            <a:r>
+              <a:rPr lang="ko-KR" altLang="en-US" sz="1600" dirty="0" err="1">
+                <a:latin typeface="KoPubWorld돋움체 Medium" panose="00000600000000000000" pitchFamily="2" charset="-127"/>
+                <a:ea typeface="KoPubWorld돋움체 Medium" panose="00000600000000000000" pitchFamily="2" charset="-127"/>
+                <a:cs typeface="KoPubWorld돋움체 Medium" panose="00000600000000000000" pitchFamily="2" charset="-127"/>
+              </a:rPr>
+              <a:t>서브워드로</a:t>
+            </a:r>
+            <a:r>
+              <a:rPr lang="ko-KR" altLang="en-US" sz="1600" dirty="0">
+                <a:latin typeface="KoPubWorld돋움체 Medium" panose="00000600000000000000" pitchFamily="2" charset="-127"/>
+                <a:ea typeface="KoPubWorld돋움체 Medium" panose="00000600000000000000" pitchFamily="2" charset="-127"/>
+                <a:cs typeface="KoPubWorld돋움체 Medium" panose="00000600000000000000" pitchFamily="2" charset="-127"/>
+              </a:rPr>
+              <a:t> 분리한다</a:t>
+            </a:r>
+            <a:r>
+              <a:rPr lang="en-US" altLang="ko-KR" sz="1600" dirty="0">
+                <a:latin typeface="KoPubWorld돋움체 Medium" panose="00000600000000000000" pitchFamily="2" charset="-127"/>
+                <a:ea typeface="KoPubWorld돋움체 Medium" panose="00000600000000000000" pitchFamily="2" charset="-127"/>
+                <a:cs typeface="KoPubWorld돋움체 Medium" panose="00000600000000000000" pitchFamily="2" charset="-127"/>
+              </a:rPr>
+              <a:t>.</a:t>
+            </a:r>
+          </a:p>
+          <a:p>
+            <a:r>
+              <a:rPr lang="en-US" altLang="ko-KR" sz="1600" dirty="0">
+                <a:latin typeface="KoPubWorld돋움체 Medium" panose="00000600000000000000" pitchFamily="2" charset="-127"/>
+                <a:ea typeface="KoPubWorld돋움체 Medium" panose="00000600000000000000" pitchFamily="2" charset="-127"/>
+                <a:cs typeface="KoPubWorld돋움체 Medium" panose="00000600000000000000" pitchFamily="2" charset="-127"/>
+              </a:rPr>
+              <a:t>=&gt; </a:t>
+            </a:r>
+            <a:r>
+              <a:rPr lang="ko-KR" altLang="en-US" sz="1600" dirty="0">
+                <a:latin typeface="KoPubWorld돋움체 Medium" panose="00000600000000000000" pitchFamily="2" charset="-127"/>
+                <a:ea typeface="KoPubWorld돋움체 Medium" panose="00000600000000000000" pitchFamily="2" charset="-127"/>
+                <a:cs typeface="KoPubWorld돋움체 Medium" panose="00000600000000000000" pitchFamily="2" charset="-127"/>
+              </a:rPr>
+              <a:t>해당 토큰의 첫번째 </a:t>
+            </a:r>
+            <a:r>
+              <a:rPr lang="ko-KR" altLang="en-US" sz="1600" dirty="0" err="1">
+                <a:latin typeface="KoPubWorld돋움체 Medium" panose="00000600000000000000" pitchFamily="2" charset="-127"/>
+                <a:ea typeface="KoPubWorld돋움체 Medium" panose="00000600000000000000" pitchFamily="2" charset="-127"/>
+                <a:cs typeface="KoPubWorld돋움체 Medium" panose="00000600000000000000" pitchFamily="2" charset="-127"/>
+              </a:rPr>
+              <a:t>서브워드를</a:t>
+            </a:r>
+            <a:r>
+              <a:rPr lang="ko-KR" altLang="en-US" sz="1600" dirty="0">
+                <a:latin typeface="KoPubWorld돋움체 Medium" panose="00000600000000000000" pitchFamily="2" charset="-127"/>
+                <a:ea typeface="KoPubWorld돋움체 Medium" panose="00000600000000000000" pitchFamily="2" charset="-127"/>
+                <a:cs typeface="KoPubWorld돋움체 Medium" panose="00000600000000000000" pitchFamily="2" charset="-127"/>
+              </a:rPr>
+              <a:t> 제외한 나머지 서브워드들은 앞에 </a:t>
+            </a:r>
+            <a:r>
+              <a:rPr lang="en-US" altLang="ko-KR" sz="1600" dirty="0">
+                <a:latin typeface="KoPubWorld돋움체 Medium" panose="00000600000000000000" pitchFamily="2" charset="-127"/>
+                <a:ea typeface="KoPubWorld돋움체 Medium" panose="00000600000000000000" pitchFamily="2" charset="-127"/>
+                <a:cs typeface="KoPubWorld돋움체 Medium" panose="00000600000000000000" pitchFamily="2" charset="-127"/>
+              </a:rPr>
+              <a:t>"##"</a:t>
+            </a:r>
+            <a:r>
+              <a:rPr lang="ko-KR" altLang="en-US" sz="1600" dirty="0">
+                <a:latin typeface="KoPubWorld돋움체 Medium" panose="00000600000000000000" pitchFamily="2" charset="-127"/>
+                <a:ea typeface="KoPubWorld돋움체 Medium" panose="00000600000000000000" pitchFamily="2" charset="-127"/>
+                <a:cs typeface="KoPubWorld돋움체 Medium" panose="00000600000000000000" pitchFamily="2" charset="-127"/>
+              </a:rPr>
+              <a:t>를 붙인 것을 토큰으로 한다</a:t>
+            </a:r>
+            <a:r>
+              <a:rPr lang="en-US" altLang="ko-KR" sz="1600" dirty="0">
+                <a:latin typeface="KoPubWorld돋움체 Medium" panose="00000600000000000000" pitchFamily="2" charset="-127"/>
+                <a:ea typeface="KoPubWorld돋움체 Medium" panose="00000600000000000000" pitchFamily="2" charset="-127"/>
+                <a:cs typeface="KoPubWorld돋움체 Medium" panose="00000600000000000000" pitchFamily="2" charset="-127"/>
+              </a:rPr>
+              <a:t>.</a:t>
+            </a:r>
+          </a:p>
+        </p:txBody>
+      </p:sp>
+      <p:sp>
+        <p:nvSpPr>
+          <p:cNvPr id="21" name="TextBox 20"/>
+          <p:cNvSpPr txBox="1"/>
+          <p:nvPr/>
+        </p:nvSpPr>
+        <p:spPr>
+          <a:xfrm>
+            <a:off x="1173826" y="3259723"/>
+            <a:ext cx="3341024" cy="338554"/>
+          </a:xfrm>
+          <a:prstGeom prst="rect">
+            <a:avLst/>
+          </a:prstGeom>
+          <a:noFill/>
+        </p:spPr>
+        <p:txBody>
+          <a:bodyPr wrap="square" rtlCol="0">
+            <a:spAutoFit/>
+          </a:bodyPr>
+          <a:lstStyle/>
+          <a:p>
+            <a:r>
+              <a:rPr lang="en-US" altLang="ko-KR" sz="1600" dirty="0" smtClean="0">
+                <a:latin typeface="KoPubWorld돋움체 Medium" panose="00000600000000000000" pitchFamily="2" charset="-127"/>
+                <a:ea typeface="KoPubWorld돋움체 Medium" panose="00000600000000000000" pitchFamily="2" charset="-127"/>
+                <a:cs typeface="KoPubWorld돋움체 Medium" panose="00000600000000000000" pitchFamily="2" charset="-127"/>
+              </a:rPr>
+              <a:t>&lt; BERT</a:t>
+            </a:r>
+            <a:r>
+              <a:rPr lang="ko-KR" altLang="en-US" sz="1600" dirty="0">
+                <a:latin typeface="KoPubWorld돋움체 Medium" panose="00000600000000000000" pitchFamily="2" charset="-127"/>
+                <a:ea typeface="KoPubWorld돋움체 Medium" panose="00000600000000000000" pitchFamily="2" charset="-127"/>
+                <a:cs typeface="KoPubWorld돋움체 Medium" panose="00000600000000000000" pitchFamily="2" charset="-127"/>
+              </a:rPr>
+              <a:t>에서 </a:t>
+            </a:r>
+            <a:r>
+              <a:rPr lang="ko-KR" altLang="en-US" sz="1600" dirty="0" err="1">
+                <a:latin typeface="KoPubWorld돋움체 Medium" panose="00000600000000000000" pitchFamily="2" charset="-127"/>
+                <a:ea typeface="KoPubWorld돋움체 Medium" panose="00000600000000000000" pitchFamily="2" charset="-127"/>
+                <a:cs typeface="KoPubWorld돋움체 Medium" panose="00000600000000000000" pitchFamily="2" charset="-127"/>
+              </a:rPr>
+              <a:t>토큰화를</a:t>
+            </a:r>
+            <a:r>
+              <a:rPr lang="ko-KR" altLang="en-US" sz="1600" dirty="0">
+                <a:latin typeface="KoPubWorld돋움체 Medium" panose="00000600000000000000" pitchFamily="2" charset="-127"/>
+                <a:ea typeface="KoPubWorld돋움체 Medium" panose="00000600000000000000" pitchFamily="2" charset="-127"/>
+                <a:cs typeface="KoPubWorld돋움체 Medium" panose="00000600000000000000" pitchFamily="2" charset="-127"/>
+              </a:rPr>
+              <a:t> 수행하는 </a:t>
+            </a:r>
+            <a:r>
+              <a:rPr lang="ko-KR" altLang="en-US" sz="1600" dirty="0" smtClean="0">
+                <a:latin typeface="KoPubWorld돋움체 Medium" panose="00000600000000000000" pitchFamily="2" charset="-127"/>
+                <a:ea typeface="KoPubWorld돋움체 Medium" panose="00000600000000000000" pitchFamily="2" charset="-127"/>
+                <a:cs typeface="KoPubWorld돋움체 Medium" panose="00000600000000000000" pitchFamily="2" charset="-127"/>
+              </a:rPr>
+              <a:t>방식 </a:t>
+            </a:r>
+            <a:r>
+              <a:rPr lang="en-US" altLang="ko-KR" sz="1600" dirty="0" smtClean="0">
+                <a:latin typeface="KoPubWorld돋움체 Medium" panose="00000600000000000000" pitchFamily="2" charset="-127"/>
+                <a:ea typeface="KoPubWorld돋움체 Medium" panose="00000600000000000000" pitchFamily="2" charset="-127"/>
+                <a:cs typeface="KoPubWorld돋움체 Medium" panose="00000600000000000000" pitchFamily="2" charset="-127"/>
+              </a:rPr>
+              <a:t>&gt;</a:t>
+            </a:r>
+            <a:endParaRPr lang="en-US" altLang="ko-KR" sz="1600" dirty="0">
+              <a:latin typeface="KoPubWorld돋움체 Medium" panose="00000600000000000000" pitchFamily="2" charset="-127"/>
+              <a:ea typeface="KoPubWorld돋움체 Medium" panose="00000600000000000000" pitchFamily="2" charset="-127"/>
+              <a:cs typeface="KoPubWorld돋움체 Medium" panose="00000600000000000000" pitchFamily="2" charset="-127"/>
+            </a:endParaRPr>
+          </a:p>
+        </p:txBody>
+      </p:sp>
+    </p:spTree>
+    <p:extLst>
+      <p:ext uri="{BB962C8B-B14F-4D97-AF65-F5344CB8AC3E}">
+        <p14:creationId xmlns:p14="http://schemas.microsoft.com/office/powerpoint/2010/main" val="3224187494"/>
+      </p:ext>
+    </p:extLst>
+  </p:cSld>
+  <p:clrMapOvr>
+    <a:masterClrMapping/>
+  </p:clrMapOvr>
+  <p:timing>
+    <p:tnLst>
+      <p:par>
+        <p:cTn id="1" dur="indefinite" restart="never" nodeType="tmRoot"/>
+      </p:par>
+    </p:tnLst>
+  </p:timing>
 </p:sld>
 </file>
 
@@ -3218,7 +4295,7 @@
         </p:nvSpPr>
         <p:spPr>
           <a:xfrm>
-            <a:off x="345233" y="1041545"/>
+            <a:off x="345233" y="1025643"/>
             <a:ext cx="10170488" cy="2277547"/>
           </a:xfrm>
           <a:prstGeom prst="rect">
@@ -3430,23 +4507,7 @@
                 <a:ea typeface="KoPubWorld돋움체 Medium" panose="00000600000000000000" pitchFamily="2" charset="-127"/>
                 <a:cs typeface="KoPubWorld돋움체 Medium" panose="00000600000000000000" pitchFamily="2" charset="-127"/>
               </a:rPr>
-              <a:t>방대한 데이터로 </a:t>
-            </a:r>
-            <a:r>
-              <a:rPr lang="ko-KR" altLang="en-US" sz="1400" dirty="0">
-                <a:latin typeface="KoPubWorld돋움체 Medium" panose="00000600000000000000" pitchFamily="2" charset="-127"/>
-                <a:ea typeface="KoPubWorld돋움체 Medium" panose="00000600000000000000" pitchFamily="2" charset="-127"/>
-                <a:cs typeface="KoPubWorld돋움체 Medium" panose="00000600000000000000" pitchFamily="2" charset="-127"/>
-              </a:rPr>
-              <a:t>사전에 </a:t>
-            </a:r>
-            <a:r>
-              <a:rPr lang="ko-KR" altLang="en-US" sz="1400" dirty="0">
-                <a:latin typeface="KoPubWorld돋움체 Medium" panose="00000600000000000000" pitchFamily="2" charset="-127"/>
-                <a:ea typeface="KoPubWorld돋움체 Medium" panose="00000600000000000000" pitchFamily="2" charset="-127"/>
-                <a:cs typeface="KoPubWorld돋움체 Medium" panose="00000600000000000000" pitchFamily="2" charset="-127"/>
-              </a:rPr>
-              <a:t>학습된 </a:t>
+              <a:t>방대한 데이터로 사전에 학습된 </a:t>
             </a:r>
             <a:r>
               <a:rPr lang="ko-KR" altLang="en-US" sz="1400" dirty="0" err="1">
@@ -3462,15 +4523,7 @@
                 <a:ea typeface="KoPubWorld돋움체 Medium" panose="00000600000000000000" pitchFamily="2" charset="-127"/>
                 <a:cs typeface="KoPubWorld돋움체 Medium" panose="00000600000000000000" pitchFamily="2" charset="-127"/>
               </a:rPr>
-              <a:t> 벡터들을 가져와 사용하는 </a:t>
-            </a:r>
-            <a:r>
-              <a:rPr lang="ko-KR" altLang="en-US" sz="1400" dirty="0">
-                <a:latin typeface="KoPubWorld돋움체 Medium" panose="00000600000000000000" pitchFamily="2" charset="-127"/>
-                <a:ea typeface="KoPubWorld돋움체 Medium" panose="00000600000000000000" pitchFamily="2" charset="-127"/>
-                <a:cs typeface="KoPubWorld돋움체 Medium" panose="00000600000000000000" pitchFamily="2" charset="-127"/>
-              </a:rPr>
-              <a:t>방법</a:t>
+              <a:t> 벡터들을 가져와 사용하는 방법</a:t>
             </a:r>
             <a:endParaRPr lang="en-US" altLang="ko-KR" sz="1400" dirty="0">
               <a:latin typeface="KoPubWorld돋움체 Medium" panose="00000600000000000000" pitchFamily="2" charset="-127"/>
@@ -3485,15 +4538,7 @@
                 <a:ea typeface="KoPubWorld돋움체 Medium" panose="00000600000000000000" pitchFamily="2" charset="-127"/>
                 <a:cs typeface="KoPubWorld돋움체 Medium" panose="00000600000000000000" pitchFamily="2" charset="-127"/>
               </a:rPr>
-              <a:t> </a:t>
-            </a:r>
-            <a:r>
-              <a:rPr lang="en-US" altLang="ko-KR" sz="1400" dirty="0">
-                <a:latin typeface="KoPubWorld돋움체 Medium" panose="00000600000000000000" pitchFamily="2" charset="-127"/>
-                <a:ea typeface="KoPubWorld돋움체 Medium" panose="00000600000000000000" pitchFamily="2" charset="-127"/>
-                <a:cs typeface="KoPubWorld돋움체 Medium" panose="00000600000000000000" pitchFamily="2" charset="-127"/>
-              </a:rPr>
-              <a:t>   - </a:t>
+              <a:t>    - </a:t>
             </a:r>
             <a:r>
               <a:rPr lang="ko-KR" altLang="en-US" sz="1400" dirty="0">
@@ -3632,23 +4677,79 @@
                 <a:ea typeface="KoPubWorld돋움체 Medium" panose="00000600000000000000" pitchFamily="2" charset="-127"/>
                 <a:cs typeface="KoPubWorld돋움체 Medium" panose="00000600000000000000" pitchFamily="2" charset="-127"/>
               </a:rPr>
+              <a:t>       ex) ‘</a:t>
+            </a:r>
+            <a:r>
+              <a:rPr lang="ko-KR" altLang="en-US" sz="1400" dirty="0">
+                <a:latin typeface="KoPubWorld돋움체 Medium" panose="00000600000000000000" pitchFamily="2" charset="-127"/>
+                <a:ea typeface="KoPubWorld돋움체 Medium" panose="00000600000000000000" pitchFamily="2" charset="-127"/>
+                <a:cs typeface="KoPubWorld돋움체 Medium" panose="00000600000000000000" pitchFamily="2" charset="-127"/>
+              </a:rPr>
+              <a:t>사과</a:t>
+            </a:r>
+            <a:r>
+              <a:rPr lang="en-US" altLang="ko-KR" sz="1400" dirty="0">
+                <a:latin typeface="KoPubWorld돋움체 Medium" panose="00000600000000000000" pitchFamily="2" charset="-127"/>
+                <a:ea typeface="KoPubWorld돋움체 Medium" panose="00000600000000000000" pitchFamily="2" charset="-127"/>
+                <a:cs typeface="KoPubWorld돋움체 Medium" panose="00000600000000000000" pitchFamily="2" charset="-127"/>
+              </a:rPr>
+              <a:t>’</a:t>
+            </a:r>
+            <a:r>
+              <a:rPr lang="ko-KR" altLang="en-US" sz="1400" dirty="0">
+                <a:latin typeface="KoPubWorld돋움체 Medium" panose="00000600000000000000" pitchFamily="2" charset="-127"/>
+                <a:ea typeface="KoPubWorld돋움체 Medium" panose="00000600000000000000" pitchFamily="2" charset="-127"/>
+                <a:cs typeface="KoPubWorld돋움체 Medium" panose="00000600000000000000" pitchFamily="2" charset="-127"/>
+              </a:rPr>
+              <a:t>에 </a:t>
+            </a:r>
+            <a:r>
+              <a:rPr lang="ko-KR" altLang="en-US" sz="1400" dirty="0" err="1">
+                <a:latin typeface="KoPubWorld돋움체 Medium" panose="00000600000000000000" pitchFamily="2" charset="-127"/>
+                <a:ea typeface="KoPubWorld돋움체 Medium" panose="00000600000000000000" pitchFamily="2" charset="-127"/>
+                <a:cs typeface="KoPubWorld돋움체 Medium" panose="00000600000000000000" pitchFamily="2" charset="-127"/>
+              </a:rPr>
+              <a:t>맵핑된</a:t>
+            </a:r>
+            <a:r>
+              <a:rPr lang="ko-KR" altLang="en-US" sz="1400" dirty="0">
+                <a:latin typeface="KoPubWorld돋움체 Medium" panose="00000600000000000000" pitchFamily="2" charset="-127"/>
+                <a:ea typeface="KoPubWorld돋움체 Medium" panose="00000600000000000000" pitchFamily="2" charset="-127"/>
+                <a:cs typeface="KoPubWorld돋움체 Medium" panose="00000600000000000000" pitchFamily="2" charset="-127"/>
+              </a:rPr>
               <a:t> </a:t>
             </a:r>
             <a:r>
-              <a:rPr lang="en-US" altLang="ko-KR" sz="1400" dirty="0">
-                <a:latin typeface="KoPubWorld돋움체 Medium" panose="00000600000000000000" pitchFamily="2" charset="-127"/>
-                <a:ea typeface="KoPubWorld돋움체 Medium" panose="00000600000000000000" pitchFamily="2" charset="-127"/>
-                <a:cs typeface="KoPubWorld돋움체 Medium" panose="00000600000000000000" pitchFamily="2" charset="-127"/>
-              </a:rPr>
-              <a:t>      ex) ‘</a:t>
-            </a:r>
-            <a:r>
-              <a:rPr lang="ko-KR" altLang="en-US" sz="1400" dirty="0">
-                <a:latin typeface="KoPubWorld돋움체 Medium" panose="00000600000000000000" pitchFamily="2" charset="-127"/>
-                <a:ea typeface="KoPubWorld돋움체 Medium" panose="00000600000000000000" pitchFamily="2" charset="-127"/>
-                <a:cs typeface="KoPubWorld돋움체 Medium" panose="00000600000000000000" pitchFamily="2" charset="-127"/>
-              </a:rPr>
-              <a:t>사과</a:t>
+              <a:rPr lang="ko-KR" altLang="en-US" sz="1400" dirty="0" err="1">
+                <a:latin typeface="KoPubWorld돋움체 Medium" panose="00000600000000000000" pitchFamily="2" charset="-127"/>
+                <a:ea typeface="KoPubWorld돋움체 Medium" panose="00000600000000000000" pitchFamily="2" charset="-127"/>
+                <a:cs typeface="KoPubWorld돋움체 Medium" panose="00000600000000000000" pitchFamily="2" charset="-127"/>
+              </a:rPr>
+              <a:t>벡터값은</a:t>
+            </a:r>
+            <a:r>
+              <a:rPr lang="ko-KR" altLang="en-US" sz="1400" dirty="0">
+                <a:latin typeface="KoPubWorld돋움체 Medium" panose="00000600000000000000" pitchFamily="2" charset="-127"/>
+                <a:ea typeface="KoPubWorld돋움체 Medium" panose="00000600000000000000" pitchFamily="2" charset="-127"/>
+                <a:cs typeface="KoPubWorld돋움체 Medium" panose="00000600000000000000" pitchFamily="2" charset="-127"/>
+              </a:rPr>
+              <a:t> </a:t>
+            </a:r>
+            <a:r>
+              <a:rPr lang="en-US" altLang="ko-KR" sz="1400" dirty="0">
+                <a:latin typeface="KoPubWorld돋움체 Medium" panose="00000600000000000000" pitchFamily="2" charset="-127"/>
+                <a:ea typeface="KoPubWorld돋움체 Medium" panose="00000600000000000000" pitchFamily="2" charset="-127"/>
+                <a:cs typeface="KoPubWorld돋움체 Medium" panose="00000600000000000000" pitchFamily="2" charset="-127"/>
+              </a:rPr>
+              <a:t>‘</a:t>
+            </a:r>
+            <a:r>
+              <a:rPr lang="ko-KR" altLang="en-US" sz="1400" dirty="0">
+                <a:latin typeface="KoPubWorld돋움체 Medium" panose="00000600000000000000" pitchFamily="2" charset="-127"/>
+                <a:ea typeface="KoPubWorld돋움체 Medium" panose="00000600000000000000" pitchFamily="2" charset="-127"/>
+                <a:cs typeface="KoPubWorld돋움체 Medium" panose="00000600000000000000" pitchFamily="2" charset="-127"/>
+              </a:rPr>
+              <a:t>용서를 빈다</a:t>
             </a:r>
             <a:r>
               <a:rPr lang="en-US" altLang="ko-KR" sz="1400" dirty="0">
@@ -3664,39 +4765,7 @@
                 <a:ea typeface="KoPubWorld돋움체 Medium" panose="00000600000000000000" pitchFamily="2" charset="-127"/>
                 <a:cs typeface="KoPubWorld돋움체 Medium" panose="00000600000000000000" pitchFamily="2" charset="-127"/>
               </a:rPr>
-              <a:t>에 </a:t>
-            </a:r>
-            <a:r>
-              <a:rPr lang="ko-KR" altLang="en-US" sz="1400" dirty="0" err="1">
-                <a:latin typeface="KoPubWorld돋움체 Medium" panose="00000600000000000000" pitchFamily="2" charset="-127"/>
-                <a:ea typeface="KoPubWorld돋움체 Medium" panose="00000600000000000000" pitchFamily="2" charset="-127"/>
-                <a:cs typeface="KoPubWorld돋움체 Medium" panose="00000600000000000000" pitchFamily="2" charset="-127"/>
-              </a:rPr>
-              <a:t>맵핑된</a:t>
-            </a:r>
-            <a:r>
-              <a:rPr lang="ko-KR" altLang="en-US" sz="1400" dirty="0">
-                <a:latin typeface="KoPubWorld돋움체 Medium" panose="00000600000000000000" pitchFamily="2" charset="-127"/>
-                <a:ea typeface="KoPubWorld돋움체 Medium" panose="00000600000000000000" pitchFamily="2" charset="-127"/>
-                <a:cs typeface="KoPubWorld돋움체 Medium" panose="00000600000000000000" pitchFamily="2" charset="-127"/>
-              </a:rPr>
-              <a:t> </a:t>
-            </a:r>
-            <a:r>
-              <a:rPr lang="ko-KR" altLang="en-US" sz="1400" dirty="0" err="1">
-                <a:latin typeface="KoPubWorld돋움체 Medium" panose="00000600000000000000" pitchFamily="2" charset="-127"/>
-                <a:ea typeface="KoPubWorld돋움체 Medium" panose="00000600000000000000" pitchFamily="2" charset="-127"/>
-                <a:cs typeface="KoPubWorld돋움체 Medium" panose="00000600000000000000" pitchFamily="2" charset="-127"/>
-              </a:rPr>
-              <a:t>벡터값은</a:t>
-            </a:r>
-            <a:r>
-              <a:rPr lang="ko-KR" altLang="en-US" sz="1400" dirty="0">
-                <a:latin typeface="KoPubWorld돋움체 Medium" panose="00000600000000000000" pitchFamily="2" charset="-127"/>
-                <a:ea typeface="KoPubWorld돋움체 Medium" panose="00000600000000000000" pitchFamily="2" charset="-127"/>
-                <a:cs typeface="KoPubWorld돋움체 Medium" panose="00000600000000000000" pitchFamily="2" charset="-127"/>
-              </a:rPr>
-              <a:t> </a:t>
+              <a:t>는 의미와 </a:t>
             </a:r>
             <a:r>
               <a:rPr lang="en-US" altLang="ko-KR" sz="1400" dirty="0">
@@ -3712,7 +4781,7 @@
                 <a:ea typeface="KoPubWorld돋움체 Medium" panose="00000600000000000000" pitchFamily="2" charset="-127"/>
                 <a:cs typeface="KoPubWorld돋움체 Medium" panose="00000600000000000000" pitchFamily="2" charset="-127"/>
               </a:rPr>
-              <a:t>용서를 빈다</a:t>
+              <a:t>먹는 과일</a:t>
             </a:r>
             <a:r>
               <a:rPr lang="en-US" altLang="ko-KR" sz="1400" dirty="0">
@@ -3728,38 +4797,6 @@
                 <a:ea typeface="KoPubWorld돋움체 Medium" panose="00000600000000000000" pitchFamily="2" charset="-127"/>
                 <a:cs typeface="KoPubWorld돋움체 Medium" panose="00000600000000000000" pitchFamily="2" charset="-127"/>
               </a:rPr>
-              <a:t>는 의미와 </a:t>
-            </a:r>
-            <a:r>
-              <a:rPr lang="en-US" altLang="ko-KR" sz="1400" dirty="0">
-                <a:latin typeface="KoPubWorld돋움체 Medium" panose="00000600000000000000" pitchFamily="2" charset="-127"/>
-                <a:ea typeface="KoPubWorld돋움체 Medium" panose="00000600000000000000" pitchFamily="2" charset="-127"/>
-                <a:cs typeface="KoPubWorld돋움체 Medium" panose="00000600000000000000" pitchFamily="2" charset="-127"/>
-              </a:rPr>
-              <a:t>‘</a:t>
-            </a:r>
-            <a:r>
-              <a:rPr lang="ko-KR" altLang="en-US" sz="1400" dirty="0">
-                <a:latin typeface="KoPubWorld돋움체 Medium" panose="00000600000000000000" pitchFamily="2" charset="-127"/>
-                <a:ea typeface="KoPubWorld돋움체 Medium" panose="00000600000000000000" pitchFamily="2" charset="-127"/>
-                <a:cs typeface="KoPubWorld돋움체 Medium" panose="00000600000000000000" pitchFamily="2" charset="-127"/>
-              </a:rPr>
-              <a:t>먹는 과일</a:t>
-            </a:r>
-            <a:r>
-              <a:rPr lang="en-US" altLang="ko-KR" sz="1400" dirty="0">
-                <a:latin typeface="KoPubWorld돋움체 Medium" panose="00000600000000000000" pitchFamily="2" charset="-127"/>
-                <a:ea typeface="KoPubWorld돋움체 Medium" panose="00000600000000000000" pitchFamily="2" charset="-127"/>
-                <a:cs typeface="KoPubWorld돋움체 Medium" panose="00000600000000000000" pitchFamily="2" charset="-127"/>
-              </a:rPr>
-              <a:t>’</a:t>
-            </a:r>
-            <a:r>
-              <a:rPr lang="ko-KR" altLang="en-US" sz="1400" dirty="0">
-                <a:latin typeface="KoPubWorld돋움체 Medium" panose="00000600000000000000" pitchFamily="2" charset="-127"/>
-                <a:ea typeface="KoPubWorld돋움체 Medium" panose="00000600000000000000" pitchFamily="2" charset="-127"/>
-                <a:cs typeface="KoPubWorld돋움체 Medium" panose="00000600000000000000" pitchFamily="2" charset="-127"/>
-              </a:rPr>
               <a:t>의 의미를 구분할 수 없음</a:t>
             </a:r>
             <a:r>
@@ -3778,15 +4815,7 @@
                 <a:ea typeface="KoPubWorld돋움체 Medium" panose="00000600000000000000" pitchFamily="2" charset="-127"/>
                 <a:cs typeface="KoPubWorld돋움체 Medium" panose="00000600000000000000" pitchFamily="2" charset="-127"/>
               </a:rPr>
-              <a:t> </a:t>
-            </a:r>
-            <a:r>
-              <a:rPr lang="en-US" altLang="ko-KR" sz="1400" dirty="0">
-                <a:latin typeface="KoPubWorld돋움체 Medium" panose="00000600000000000000" pitchFamily="2" charset="-127"/>
-                <a:ea typeface="KoPubWorld돋움체 Medium" panose="00000600000000000000" pitchFamily="2" charset="-127"/>
-                <a:cs typeface="KoPubWorld돋움체 Medium" panose="00000600000000000000" pitchFamily="2" charset="-127"/>
-              </a:rPr>
-              <a:t> =&gt; </a:t>
+              <a:t>  =&gt; </a:t>
             </a:r>
             <a:r>
               <a:rPr lang="ko-KR" altLang="en-US" sz="1400" dirty="0">
@@ -3951,6 +4980,13 @@
   <p:clrMapOvr>
     <a:masterClrMapping/>
   </p:clrMapOvr>
+  <p:timing>
+    <p:tnLst>
+      <p:par>
+        <p:cTn id="1" dur="indefinite" restart="never" nodeType="tmRoot"/>
+      </p:par>
+    </p:tnLst>
+  </p:timing>
 </p:sld>
 </file>
 
@@ -3979,7 +5015,7 @@
         </p:nvSpPr>
         <p:spPr>
           <a:xfrm>
-            <a:off x="343606" y="1013045"/>
+            <a:off x="343606" y="1029229"/>
             <a:ext cx="11318897" cy="984885"/>
           </a:xfrm>
           <a:prstGeom prst="rect">
@@ -3999,15 +5035,7 @@
                 <a:ea typeface="KoPubWorld돋움체 Medium" panose="00000600000000000000" pitchFamily="2" charset="-127"/>
                 <a:cs typeface="KoPubWorld돋움체 Medium" panose="00000600000000000000" pitchFamily="2" charset="-127"/>
               </a:rPr>
-              <a:t>2</a:t>
-            </a:r>
-            <a:r>
-              <a:rPr lang="en-US" altLang="ko-KR" sz="1600" dirty="0">
-                <a:latin typeface="KoPubWorld돋움체 Medium" panose="00000600000000000000" pitchFamily="2" charset="-127"/>
-                <a:ea typeface="KoPubWorld돋움체 Medium" panose="00000600000000000000" pitchFamily="2" charset="-127"/>
-                <a:cs typeface="KoPubWorld돋움체 Medium" panose="00000600000000000000" pitchFamily="2" charset="-127"/>
-              </a:rPr>
-              <a:t>. </a:t>
+              <a:t>2. </a:t>
             </a:r>
             <a:r>
               <a:rPr lang="ko-KR" altLang="en-US" sz="1600" dirty="0">
@@ -4046,23 +5074,7 @@
                 <a:ea typeface="KoPubWorld돋움체 Medium" panose="00000600000000000000" pitchFamily="2" charset="-127"/>
                 <a:cs typeface="KoPubWorld돋움체 Medium" panose="00000600000000000000" pitchFamily="2" charset="-127"/>
               </a:rPr>
-              <a:t>주어진 </a:t>
-            </a:r>
-            <a:r>
-              <a:rPr lang="ko-KR" altLang="en-US" sz="1400" dirty="0">
-                <a:latin typeface="KoPubWorld돋움체 Medium" panose="00000600000000000000" pitchFamily="2" charset="-127"/>
-                <a:ea typeface="KoPubWorld돋움체 Medium" panose="00000600000000000000" pitchFamily="2" charset="-127"/>
-                <a:cs typeface="KoPubWorld돋움체 Medium" panose="00000600000000000000" pitchFamily="2" charset="-127"/>
-              </a:rPr>
-              <a:t>텍스트로부터 이전 단어들로부터 다음 단어를 예측하도록 </a:t>
-            </a:r>
-            <a:r>
-              <a:rPr lang="ko-KR" altLang="en-US" sz="1400" dirty="0">
-                <a:latin typeface="KoPubWorld돋움체 Medium" panose="00000600000000000000" pitchFamily="2" charset="-127"/>
-                <a:ea typeface="KoPubWorld돋움체 Medium" panose="00000600000000000000" pitchFamily="2" charset="-127"/>
-                <a:cs typeface="KoPubWorld돋움체 Medium" panose="00000600000000000000" pitchFamily="2" charset="-127"/>
-              </a:rPr>
-              <a:t>언어모델을 학습</a:t>
+              <a:t>주어진 텍스트로부터 이전 단어들로부터 다음 단어를 예측하도록 언어모델을 학습</a:t>
             </a:r>
             <a:endParaRPr lang="en-US" altLang="ko-KR" sz="1400" dirty="0">
               <a:latin typeface="KoPubWorld돋움체 Medium" panose="00000600000000000000" pitchFamily="2" charset="-127"/>
@@ -4077,15 +5089,7 @@
                 <a:ea typeface="KoPubWorld돋움체 Medium" panose="00000600000000000000" pitchFamily="2" charset="-127"/>
                 <a:cs typeface="KoPubWorld돋움체 Medium" panose="00000600000000000000" pitchFamily="2" charset="-127"/>
               </a:rPr>
-              <a:t> </a:t>
-            </a:r>
-            <a:r>
-              <a:rPr lang="en-US" altLang="ko-KR" sz="1400" dirty="0">
-                <a:latin typeface="KoPubWorld돋움체 Medium" panose="00000600000000000000" pitchFamily="2" charset="-127"/>
-                <a:ea typeface="KoPubWorld돋움체 Medium" panose="00000600000000000000" pitchFamily="2" charset="-127"/>
-                <a:cs typeface="KoPubWorld돋움체 Medium" panose="00000600000000000000" pitchFamily="2" charset="-127"/>
-              </a:rPr>
-              <a:t> - (</a:t>
+              <a:t>  - (</a:t>
             </a:r>
             <a:r>
               <a:rPr lang="ko-KR" altLang="en-US" sz="1400" dirty="0">
@@ -4109,23 +5113,7 @@
                 <a:ea typeface="KoPubWorld돋움체 Medium" panose="00000600000000000000" pitchFamily="2" charset="-127"/>
                 <a:cs typeface="KoPubWorld돋움체 Medium" panose="00000600000000000000" pitchFamily="2" charset="-127"/>
               </a:rPr>
-              <a:t>기본적으로 </a:t>
-            </a:r>
-            <a:r>
-              <a:rPr lang="ko-KR" altLang="en-US" sz="1400" dirty="0">
-                <a:latin typeface="KoPubWorld돋움체 Medium" panose="00000600000000000000" pitchFamily="2" charset="-127"/>
-                <a:ea typeface="KoPubWorld돋움체 Medium" panose="00000600000000000000" pitchFamily="2" charset="-127"/>
-                <a:cs typeface="KoPubWorld돋움체 Medium" panose="00000600000000000000" pitchFamily="2" charset="-127"/>
-              </a:rPr>
-              <a:t>별도의 레이블이 부착되지 않은 텍스트 데이터로도 학습 </a:t>
-            </a:r>
-            <a:r>
-              <a:rPr lang="ko-KR" altLang="en-US" sz="1400" dirty="0">
-                <a:latin typeface="KoPubWorld돋움체 Medium" panose="00000600000000000000" pitchFamily="2" charset="-127"/>
-                <a:ea typeface="KoPubWorld돋움체 Medium" panose="00000600000000000000" pitchFamily="2" charset="-127"/>
-                <a:cs typeface="KoPubWorld돋움체 Medium" panose="00000600000000000000" pitchFamily="2" charset="-127"/>
-              </a:rPr>
-              <a:t>가능</a:t>
+              <a:t>기본적으로 별도의 레이블이 부착되지 않은 텍스트 데이터로도 학습 가능</a:t>
             </a:r>
             <a:endParaRPr lang="en-US" altLang="ko-KR" sz="1400" dirty="0">
               <a:latin typeface="KoPubWorld돋움체 Medium" panose="00000600000000000000" pitchFamily="2" charset="-127"/>
@@ -4188,23 +5176,7 @@
                 <a:ea typeface="KoPubWorld돋움체 Medium" panose="00000600000000000000" pitchFamily="2" charset="-127"/>
                 <a:cs typeface="KoPubWorld돋움체 Medium" panose="00000600000000000000" pitchFamily="2" charset="-127"/>
               </a:rPr>
-              <a:t>다의어를 </a:t>
-            </a:r>
-            <a:r>
-              <a:rPr lang="ko-KR" altLang="en-US" sz="1400" dirty="0">
-                <a:latin typeface="KoPubWorld돋움체 Medium" panose="00000600000000000000" pitchFamily="2" charset="-127"/>
-                <a:ea typeface="KoPubWorld돋움체 Medium" panose="00000600000000000000" pitchFamily="2" charset="-127"/>
-                <a:cs typeface="KoPubWorld돋움체 Medium" panose="00000600000000000000" pitchFamily="2" charset="-127"/>
-              </a:rPr>
-              <a:t>구분할 수 없었던 문제점을 해결할 수 </a:t>
-            </a:r>
-            <a:r>
-              <a:rPr lang="ko-KR" altLang="en-US" sz="1400" dirty="0">
-                <a:latin typeface="KoPubWorld돋움체 Medium" panose="00000600000000000000" pitchFamily="2" charset="-127"/>
-                <a:ea typeface="KoPubWorld돋움체 Medium" panose="00000600000000000000" pitchFamily="2" charset="-127"/>
-                <a:cs typeface="KoPubWorld돋움체 Medium" panose="00000600000000000000" pitchFamily="2" charset="-127"/>
-              </a:rPr>
-              <a:t>있음</a:t>
+              <a:t>다의어를 구분할 수 없었던 문제점을 해결할 수 있음</a:t>
             </a:r>
             <a:r>
               <a:rPr lang="en-US" altLang="ko-KR" sz="1400" dirty="0">
@@ -4285,15 +5257,7 @@
                 <a:ea typeface="KoPubWorld돋움체 Medium" panose="00000600000000000000" pitchFamily="2" charset="-127"/>
                 <a:cs typeface="KoPubWorld돋움체 Medium" panose="00000600000000000000" pitchFamily="2" charset="-127"/>
               </a:rPr>
-              <a:t>'Semi-supervised Sequence Learning</a:t>
-            </a:r>
-            <a:r>
-              <a:rPr lang="en-US" altLang="ko-KR" sz="1200" dirty="0">
-                <a:latin typeface="KoPubWorld돋움체 Medium" panose="00000600000000000000" pitchFamily="2" charset="-127"/>
-                <a:ea typeface="KoPubWorld돋움체 Medium" panose="00000600000000000000" pitchFamily="2" charset="-127"/>
-                <a:cs typeface="KoPubWorld돋움체 Medium" panose="00000600000000000000" pitchFamily="2" charset="-127"/>
-              </a:rPr>
-              <a:t>'</a:t>
+              <a:t>'Semi-supervised Sequence Learning'</a:t>
             </a:r>
             <a:r>
               <a:rPr lang="ko-KR" altLang="en-US" sz="1200" dirty="0">
@@ -4332,15 +5296,7 @@
                 <a:ea typeface="KoPubWorld돋움체 Medium" panose="00000600000000000000" pitchFamily="2" charset="-127"/>
                 <a:cs typeface="KoPubWorld돋움체 Medium" panose="00000600000000000000" pitchFamily="2" charset="-127"/>
               </a:rPr>
-              <a:t>언어 모델을 </a:t>
-            </a:r>
-            <a:r>
-              <a:rPr lang="ko-KR" altLang="en-US" sz="1200" dirty="0">
-                <a:latin typeface="KoPubWorld돋움체 Medium" panose="00000600000000000000" pitchFamily="2" charset="-127"/>
-                <a:ea typeface="KoPubWorld돋움체 Medium" panose="00000600000000000000" pitchFamily="2" charset="-127"/>
-                <a:cs typeface="KoPubWorld돋움체 Medium" panose="00000600000000000000" pitchFamily="2" charset="-127"/>
-              </a:rPr>
-              <a:t>학습 </a:t>
+              <a:t>언어 모델을 학습 </a:t>
             </a:r>
             <a:endParaRPr lang="en-US" altLang="ko-KR" sz="1200" dirty="0">
               <a:latin typeface="KoPubWorld돋움체 Medium" panose="00000600000000000000" pitchFamily="2" charset="-127"/>
@@ -4379,15 +5335,7 @@
                 <a:ea typeface="KoPubWorld돋움체 Medium" panose="00000600000000000000" pitchFamily="2" charset="-127"/>
                 <a:cs typeface="KoPubWorld돋움체 Medium" panose="00000600000000000000" pitchFamily="2" charset="-127"/>
               </a:rPr>
-              <a:t>을 텍스트 분류에 추가 </a:t>
-            </a:r>
-            <a:r>
-              <a:rPr lang="ko-KR" altLang="en-US" sz="1200" dirty="0">
-                <a:latin typeface="KoPubWorld돋움체 Medium" panose="00000600000000000000" pitchFamily="2" charset="-127"/>
-                <a:ea typeface="KoPubWorld돋움체 Medium" panose="00000600000000000000" pitchFamily="2" charset="-127"/>
-                <a:cs typeface="KoPubWorld돋움체 Medium" panose="00000600000000000000" pitchFamily="2" charset="-127"/>
-              </a:rPr>
-              <a:t>학습</a:t>
+              <a:t>을 텍스트 분류에 추가 학습</a:t>
             </a:r>
             <a:endParaRPr lang="en-US" altLang="ko-KR" sz="1200" dirty="0">
               <a:latin typeface="KoPubWorld돋움체 Medium" panose="00000600000000000000" pitchFamily="2" charset="-127"/>
@@ -4519,7 +5467,7 @@
         <p:spPr>
           <a:xfrm>
             <a:off x="6725683" y="3598454"/>
-            <a:ext cx="6153028" cy="461665"/>
+            <a:ext cx="5070320" cy="461665"/>
           </a:xfrm>
           <a:prstGeom prst="rect">
             <a:avLst/>
@@ -4752,6 +5700,13 @@
   <p:clrMapOvr>
     <a:masterClrMapping/>
   </p:clrMapOvr>
+  <p:timing>
+    <p:tnLst>
+      <p:par>
+        <p:cTn id="1" dur="indefinite" restart="never" nodeType="tmRoot"/>
+      </p:par>
+    </p:tnLst>
+  </p:timing>
 </p:sld>
 </file>
 
@@ -4933,7 +5888,7 @@
         </p:nvSpPr>
         <p:spPr>
           <a:xfrm>
-            <a:off x="615497" y="1331486"/>
+            <a:off x="342914" y="1029279"/>
             <a:ext cx="11318897" cy="984885"/>
           </a:xfrm>
           <a:prstGeom prst="rect">
@@ -4953,15 +5908,7 @@
                 <a:ea typeface="KoPubWorld돋움체 Medium" panose="00000600000000000000" pitchFamily="2" charset="-127"/>
                 <a:cs typeface="KoPubWorld돋움체 Medium" panose="00000600000000000000" pitchFamily="2" charset="-127"/>
               </a:rPr>
-              <a:t>2</a:t>
-            </a:r>
-            <a:r>
-              <a:rPr lang="en-US" altLang="ko-KR" sz="1600" dirty="0">
-                <a:latin typeface="KoPubWorld돋움체 Medium" panose="00000600000000000000" pitchFamily="2" charset="-127"/>
-                <a:ea typeface="KoPubWorld돋움체 Medium" panose="00000600000000000000" pitchFamily="2" charset="-127"/>
-                <a:cs typeface="KoPubWorld돋움체 Medium" panose="00000600000000000000" pitchFamily="2" charset="-127"/>
-              </a:rPr>
-              <a:t>. </a:t>
+              <a:t>2. </a:t>
             </a:r>
             <a:r>
               <a:rPr lang="ko-KR" altLang="en-US" sz="1600" dirty="0">
@@ -5000,23 +5947,7 @@
                 <a:ea typeface="KoPubWorld돋움체 Medium" panose="00000600000000000000" pitchFamily="2" charset="-127"/>
                 <a:cs typeface="KoPubWorld돋움체 Medium" panose="00000600000000000000" pitchFamily="2" charset="-127"/>
               </a:rPr>
-              <a:t>주어진 </a:t>
-            </a:r>
-            <a:r>
-              <a:rPr lang="ko-KR" altLang="en-US" sz="1400" dirty="0">
-                <a:latin typeface="KoPubWorld돋움체 Medium" panose="00000600000000000000" pitchFamily="2" charset="-127"/>
-                <a:ea typeface="KoPubWorld돋움체 Medium" panose="00000600000000000000" pitchFamily="2" charset="-127"/>
-                <a:cs typeface="KoPubWorld돋움체 Medium" panose="00000600000000000000" pitchFamily="2" charset="-127"/>
-              </a:rPr>
-              <a:t>텍스트로부터 이전 단어들로부터 다음 단어를 예측하도록 </a:t>
-            </a:r>
-            <a:r>
-              <a:rPr lang="ko-KR" altLang="en-US" sz="1400" dirty="0">
-                <a:latin typeface="KoPubWorld돋움체 Medium" panose="00000600000000000000" pitchFamily="2" charset="-127"/>
-                <a:ea typeface="KoPubWorld돋움체 Medium" panose="00000600000000000000" pitchFamily="2" charset="-127"/>
-                <a:cs typeface="KoPubWorld돋움체 Medium" panose="00000600000000000000" pitchFamily="2" charset="-127"/>
-              </a:rPr>
-              <a:t>언어모델을 학습</a:t>
+              <a:t>주어진 텍스트로부터 이전 단어들로부터 다음 단어를 예측하도록 언어모델을 학습</a:t>
             </a:r>
             <a:endParaRPr lang="en-US" altLang="ko-KR" sz="1400" dirty="0">
               <a:latin typeface="KoPubWorld돋움체 Medium" panose="00000600000000000000" pitchFamily="2" charset="-127"/>
@@ -5031,15 +5962,7 @@
                 <a:ea typeface="KoPubWorld돋움체 Medium" panose="00000600000000000000" pitchFamily="2" charset="-127"/>
                 <a:cs typeface="KoPubWorld돋움체 Medium" panose="00000600000000000000" pitchFamily="2" charset="-127"/>
               </a:rPr>
-              <a:t> </a:t>
-            </a:r>
-            <a:r>
-              <a:rPr lang="en-US" altLang="ko-KR" sz="1400" dirty="0">
-                <a:latin typeface="KoPubWorld돋움체 Medium" panose="00000600000000000000" pitchFamily="2" charset="-127"/>
-                <a:ea typeface="KoPubWorld돋움체 Medium" panose="00000600000000000000" pitchFamily="2" charset="-127"/>
-                <a:cs typeface="KoPubWorld돋움체 Medium" panose="00000600000000000000" pitchFamily="2" charset="-127"/>
-              </a:rPr>
-              <a:t> - (</a:t>
+              <a:t>  - (</a:t>
             </a:r>
             <a:r>
               <a:rPr lang="ko-KR" altLang="en-US" sz="1400" dirty="0">
@@ -5063,23 +5986,7 @@
                 <a:ea typeface="KoPubWorld돋움체 Medium" panose="00000600000000000000" pitchFamily="2" charset="-127"/>
                 <a:cs typeface="KoPubWorld돋움체 Medium" panose="00000600000000000000" pitchFamily="2" charset="-127"/>
               </a:rPr>
-              <a:t>기본적으로 </a:t>
-            </a:r>
-            <a:r>
-              <a:rPr lang="ko-KR" altLang="en-US" sz="1400" dirty="0">
-                <a:latin typeface="KoPubWorld돋움체 Medium" panose="00000600000000000000" pitchFamily="2" charset="-127"/>
-                <a:ea typeface="KoPubWorld돋움체 Medium" panose="00000600000000000000" pitchFamily="2" charset="-127"/>
-                <a:cs typeface="KoPubWorld돋움체 Medium" panose="00000600000000000000" pitchFamily="2" charset="-127"/>
-              </a:rPr>
-              <a:t>별도의 레이블이 부착되지 않은 텍스트 데이터로도 학습 </a:t>
-            </a:r>
-            <a:r>
-              <a:rPr lang="ko-KR" altLang="en-US" sz="1400" dirty="0">
-                <a:latin typeface="KoPubWorld돋움체 Medium" panose="00000600000000000000" pitchFamily="2" charset="-127"/>
-                <a:ea typeface="KoPubWorld돋움체 Medium" panose="00000600000000000000" pitchFamily="2" charset="-127"/>
-                <a:cs typeface="KoPubWorld돋움체 Medium" panose="00000600000000000000" pitchFamily="2" charset="-127"/>
-              </a:rPr>
-              <a:t>가능</a:t>
+              <a:t>기본적으로 별도의 레이블이 부착되지 않은 텍스트 데이터로도 학습 가능</a:t>
             </a:r>
             <a:endParaRPr lang="en-US" altLang="ko-KR" sz="1400" dirty="0">
               <a:latin typeface="KoPubWorld돋움체 Medium" panose="00000600000000000000" pitchFamily="2" charset="-127"/>
@@ -5142,23 +6049,7 @@
                 <a:ea typeface="KoPubWorld돋움체 Medium" panose="00000600000000000000" pitchFamily="2" charset="-127"/>
                 <a:cs typeface="KoPubWorld돋움체 Medium" panose="00000600000000000000" pitchFamily="2" charset="-127"/>
               </a:rPr>
-              <a:t>다의어를 </a:t>
-            </a:r>
-            <a:r>
-              <a:rPr lang="ko-KR" altLang="en-US" sz="1400" dirty="0">
-                <a:latin typeface="KoPubWorld돋움체 Medium" panose="00000600000000000000" pitchFamily="2" charset="-127"/>
-                <a:ea typeface="KoPubWorld돋움체 Medium" panose="00000600000000000000" pitchFamily="2" charset="-127"/>
-                <a:cs typeface="KoPubWorld돋움체 Medium" panose="00000600000000000000" pitchFamily="2" charset="-127"/>
-              </a:rPr>
-              <a:t>구분할 수 없었던 문제점을 해결할 수 </a:t>
-            </a:r>
-            <a:r>
-              <a:rPr lang="ko-KR" altLang="en-US" sz="1400" dirty="0">
-                <a:latin typeface="KoPubWorld돋움체 Medium" panose="00000600000000000000" pitchFamily="2" charset="-127"/>
-                <a:ea typeface="KoPubWorld돋움체 Medium" panose="00000600000000000000" pitchFamily="2" charset="-127"/>
-                <a:cs typeface="KoPubWorld돋움체 Medium" panose="00000600000000000000" pitchFamily="2" charset="-127"/>
-              </a:rPr>
-              <a:t>있음</a:t>
+              <a:t>다의어를 구분할 수 없었던 문제점을 해결할 수 있음</a:t>
             </a:r>
             <a:r>
               <a:rPr lang="en-US" altLang="ko-KR" sz="1400" dirty="0">
@@ -5322,6 +6213,13 @@
   <p:clrMapOvr>
     <a:masterClrMapping/>
   </p:clrMapOvr>
+  <p:timing>
+    <p:tnLst>
+      <p:par>
+        <p:cTn id="1" dur="indefinite" restart="never" nodeType="tmRoot"/>
+      </p:par>
+    </p:tnLst>
+  </p:timing>
 </p:sld>
 </file>
 
@@ -5350,7 +6248,7 @@
         </p:nvSpPr>
         <p:spPr>
           <a:xfrm>
-            <a:off x="615498" y="1331486"/>
+            <a:off x="334963" y="1016000"/>
             <a:ext cx="7088010" cy="984885"/>
           </a:xfrm>
           <a:prstGeom prst="rect">
@@ -5370,15 +6268,7 @@
                 <a:ea typeface="KoPubWorld돋움체 Medium" panose="00000600000000000000" pitchFamily="2" charset="-127"/>
                 <a:cs typeface="KoPubWorld돋움체 Medium" panose="00000600000000000000" pitchFamily="2" charset="-127"/>
               </a:rPr>
-              <a:t>2</a:t>
-            </a:r>
-            <a:r>
-              <a:rPr lang="en-US" altLang="ko-KR" sz="1600" dirty="0">
-                <a:latin typeface="KoPubWorld돋움체 Medium" panose="00000600000000000000" pitchFamily="2" charset="-127"/>
-                <a:ea typeface="KoPubWorld돋움체 Medium" panose="00000600000000000000" pitchFamily="2" charset="-127"/>
-                <a:cs typeface="KoPubWorld돋움체 Medium" panose="00000600000000000000" pitchFamily="2" charset="-127"/>
-              </a:rPr>
-              <a:t>. </a:t>
+              <a:t>2. </a:t>
             </a:r>
             <a:r>
               <a:rPr lang="ko-KR" altLang="en-US" sz="1600" dirty="0">
@@ -5432,15 +6322,7 @@
                 <a:ea typeface="KoPubWorld돋움체 Medium" panose="00000600000000000000" pitchFamily="2" charset="-127"/>
                 <a:cs typeface="KoPubWorld돋움체 Medium" panose="00000600000000000000" pitchFamily="2" charset="-127"/>
               </a:rPr>
-              <a:t> </a:t>
-            </a:r>
-            <a:r>
-              <a:rPr lang="en-US" altLang="ko-KR" sz="1400" dirty="0">
-                <a:latin typeface="KoPubWorld돋움체 Medium" panose="00000600000000000000" pitchFamily="2" charset="-127"/>
-                <a:ea typeface="KoPubWorld돋움체 Medium" panose="00000600000000000000" pitchFamily="2" charset="-127"/>
-                <a:cs typeface="KoPubWorld돋움체 Medium" panose="00000600000000000000" pitchFamily="2" charset="-127"/>
-              </a:rPr>
-              <a:t> - </a:t>
+              <a:t>  - </a:t>
             </a:r>
             <a:r>
               <a:rPr lang="ko-KR" altLang="en-US" sz="1400" dirty="0">
@@ -5603,7 +6485,33 @@
                 <a:ea typeface="KoPubWorld돋움체 Medium" panose="00000600000000000000" pitchFamily="2" charset="-127"/>
                 <a:cs typeface="KoPubWorld돋움체 Medium" panose="00000600000000000000" pitchFamily="2" charset="-127"/>
               </a:rPr>
-              <a:t>개의 층을 쌓은 후에 방대한 텍스트 데이터를 학습시킨 언어 </a:t>
+              <a:t>개의 층을 쌓은 후에 방대한 텍스트 데이터를 학습시킨 언어 모델을 </a:t>
+            </a:r>
+            <a:r>
+              <a:rPr lang="ko-KR" altLang="en-US" sz="1200" dirty="0" err="1">
+                <a:latin typeface="KoPubWorld돋움체 Medium" panose="00000600000000000000" pitchFamily="2" charset="-127"/>
+                <a:ea typeface="KoPubWorld돋움체 Medium" panose="00000600000000000000" pitchFamily="2" charset="-127"/>
+                <a:cs typeface="KoPubWorld돋움체 Medium" panose="00000600000000000000" pitchFamily="2" charset="-127"/>
+              </a:rPr>
+              <a:t>만듬</a:t>
+            </a:r>
+            <a:r>
+              <a:rPr lang="en-US" altLang="ko-KR" sz="1200" dirty="0">
+                <a:latin typeface="KoPubWorld돋움체 Medium" panose="00000600000000000000" pitchFamily="2" charset="-127"/>
+                <a:ea typeface="KoPubWorld돋움체 Medium" panose="00000600000000000000" pitchFamily="2" charset="-127"/>
+                <a:cs typeface="KoPubWorld돋움체 Medium" panose="00000600000000000000" pitchFamily="2" charset="-127"/>
+              </a:rPr>
+              <a:t>.</a:t>
+            </a:r>
+          </a:p>
+          <a:p>
+            <a:r>
+              <a:rPr lang="en-US" altLang="ko-KR" sz="1200" dirty="0">
+                <a:latin typeface="KoPubWorld돋움체 Medium" panose="00000600000000000000" pitchFamily="2" charset="-127"/>
+                <a:ea typeface="KoPubWorld돋움체 Medium" panose="00000600000000000000" pitchFamily="2" charset="-127"/>
+                <a:cs typeface="KoPubWorld돋움체 Medium" panose="00000600000000000000" pitchFamily="2" charset="-127"/>
+              </a:rPr>
+              <a:t>- </a:t>
             </a:r>
             <a:r>
               <a:rPr lang="ko-KR" altLang="en-US" sz="1200" dirty="0">
@@ -5611,57 +6519,7 @@
                 <a:ea typeface="KoPubWorld돋움체 Medium" panose="00000600000000000000" pitchFamily="2" charset="-127"/>
                 <a:cs typeface="KoPubWorld돋움체 Medium" panose="00000600000000000000" pitchFamily="2" charset="-127"/>
               </a:rPr>
-              <a:t>모델을 </a:t>
-            </a:r>
-            <a:r>
-              <a:rPr lang="ko-KR" altLang="en-US" sz="1200" dirty="0" err="1">
-                <a:latin typeface="KoPubWorld돋움체 Medium" panose="00000600000000000000" pitchFamily="2" charset="-127"/>
-                <a:ea typeface="KoPubWorld돋움체 Medium" panose="00000600000000000000" pitchFamily="2" charset="-127"/>
-                <a:cs typeface="KoPubWorld돋움체 Medium" panose="00000600000000000000" pitchFamily="2" charset="-127"/>
-              </a:rPr>
-              <a:t>만듬</a:t>
-            </a:r>
-            <a:r>
-              <a:rPr lang="en-US" altLang="ko-KR" sz="1200" dirty="0">
-                <a:latin typeface="KoPubWorld돋움체 Medium" panose="00000600000000000000" pitchFamily="2" charset="-127"/>
-                <a:ea typeface="KoPubWorld돋움체 Medium" panose="00000600000000000000" pitchFamily="2" charset="-127"/>
-                <a:cs typeface="KoPubWorld돋움체 Medium" panose="00000600000000000000" pitchFamily="2" charset="-127"/>
-              </a:rPr>
-              <a:t>.</a:t>
-            </a:r>
-          </a:p>
-          <a:p>
-            <a:r>
-              <a:rPr lang="en-US" altLang="ko-KR" sz="1200" dirty="0">
-                <a:latin typeface="KoPubWorld돋움체 Medium" panose="00000600000000000000" pitchFamily="2" charset="-127"/>
-                <a:ea typeface="KoPubWorld돋움체 Medium" panose="00000600000000000000" pitchFamily="2" charset="-127"/>
-                <a:cs typeface="KoPubWorld돋움체 Medium" panose="00000600000000000000" pitchFamily="2" charset="-127"/>
-              </a:rPr>
-              <a:t>- </a:t>
-            </a:r>
-            <a:r>
-              <a:rPr lang="ko-KR" altLang="en-US" sz="1200" dirty="0">
-                <a:latin typeface="KoPubWorld돋움체 Medium" panose="00000600000000000000" pitchFamily="2" charset="-127"/>
-                <a:ea typeface="KoPubWorld돋움체 Medium" panose="00000600000000000000" pitchFamily="2" charset="-127"/>
-                <a:cs typeface="KoPubWorld돋움체 Medium" panose="00000600000000000000" pitchFamily="2" charset="-127"/>
-              </a:rPr>
-              <a:t>다양한 태스크에서 높은 </a:t>
-            </a:r>
-            <a:r>
-              <a:rPr lang="ko-KR" altLang="en-US" sz="1200" dirty="0">
-                <a:latin typeface="KoPubWorld돋움체 Medium" panose="00000600000000000000" pitchFamily="2" charset="-127"/>
-                <a:ea typeface="KoPubWorld돋움체 Medium" panose="00000600000000000000" pitchFamily="2" charset="-127"/>
-                <a:cs typeface="KoPubWorld돋움체 Medium" panose="00000600000000000000" pitchFamily="2" charset="-127"/>
-              </a:rPr>
-              <a:t>성능을 얻을 수 있음을 </a:t>
-            </a:r>
-            <a:r>
-              <a:rPr lang="ko-KR" altLang="en-US" sz="1200" dirty="0">
-                <a:latin typeface="KoPubWorld돋움체 Medium" panose="00000600000000000000" pitchFamily="2" charset="-127"/>
-                <a:ea typeface="KoPubWorld돋움체 Medium" panose="00000600000000000000" pitchFamily="2" charset="-127"/>
-                <a:cs typeface="KoPubWorld돋움체 Medium" panose="00000600000000000000" pitchFamily="2" charset="-127"/>
-              </a:rPr>
-              <a:t>입증함</a:t>
+              <a:t>다양한 태스크에서 높은 성능을 얻을 수 있음을 입증함</a:t>
             </a:r>
             <a:r>
               <a:rPr lang="en-US" altLang="ko-KR" sz="1200" dirty="0">
@@ -5849,6 +6707,13 @@
   <p:clrMapOvr>
     <a:masterClrMapping/>
   </p:clrMapOvr>
+  <p:timing>
+    <p:tnLst>
+      <p:par>
+        <p:cTn id="1" dur="indefinite" restart="never" nodeType="tmRoot"/>
+      </p:par>
+    </p:tnLst>
+  </p:timing>
 </p:sld>
 </file>
 
@@ -5877,7 +6742,7 @@
         </p:nvSpPr>
         <p:spPr>
           <a:xfrm>
-            <a:off x="615497" y="1331486"/>
+            <a:off x="334963" y="1016000"/>
             <a:ext cx="11318897" cy="1877437"/>
           </a:xfrm>
           <a:prstGeom prst="rect">
@@ -5988,15 +6853,7 @@
                 <a:ea typeface="KoPubWorld돋움체 Medium" panose="00000600000000000000" pitchFamily="2" charset="-127"/>
                 <a:cs typeface="KoPubWorld돋움체 Medium" panose="00000600000000000000" pitchFamily="2" charset="-127"/>
               </a:rPr>
-              <a:t> </a:t>
-            </a:r>
-            <a:r>
-              <a:rPr lang="en-US" altLang="ko-KR" sz="1400" dirty="0">
-                <a:latin typeface="KoPubWorld돋움체 Medium" panose="00000600000000000000" pitchFamily="2" charset="-127"/>
-                <a:ea typeface="KoPubWorld돋움체 Medium" panose="00000600000000000000" pitchFamily="2" charset="-127"/>
-                <a:cs typeface="KoPubWorld돋움체 Medium" panose="00000600000000000000" pitchFamily="2" charset="-127"/>
-              </a:rPr>
-              <a:t>   (</a:t>
+              <a:t>    (</a:t>
             </a:r>
             <a:r>
               <a:rPr lang="en-US" altLang="ko-KR" sz="1400" dirty="0" err="1">
@@ -6028,15 +6885,7 @@
                 <a:ea typeface="KoPubWorld돋움체 Medium" panose="00000600000000000000" pitchFamily="2" charset="-127"/>
                 <a:cs typeface="KoPubWorld돋움체 Medium" panose="00000600000000000000" pitchFamily="2" charset="-127"/>
               </a:rPr>
-              <a:t> 언어 모델을 따로 준비하여 학습하는 방법을 </a:t>
-            </a:r>
-            <a:r>
-              <a:rPr lang="ko-KR" altLang="en-US" sz="1400" dirty="0">
-                <a:latin typeface="KoPubWorld돋움체 Medium" panose="00000600000000000000" pitchFamily="2" charset="-127"/>
-                <a:ea typeface="KoPubWorld돋움체 Medium" panose="00000600000000000000" pitchFamily="2" charset="-127"/>
-                <a:cs typeface="KoPubWorld돋움체 Medium" panose="00000600000000000000" pitchFamily="2" charset="-127"/>
-              </a:rPr>
-              <a:t>사용</a:t>
+              <a:t> 언어 모델을 따로 준비하여 학습하는 방법을 사용</a:t>
             </a:r>
             <a:r>
               <a:rPr lang="en-US" altLang="ko-KR" sz="1400" dirty="0">
@@ -6054,15 +6903,7 @@
                 <a:ea typeface="KoPubWorld돋움체 Medium" panose="00000600000000000000" pitchFamily="2" charset="-127"/>
                 <a:cs typeface="KoPubWorld돋움체 Medium" panose="00000600000000000000" pitchFamily="2" charset="-127"/>
               </a:rPr>
-              <a:t> </a:t>
-            </a:r>
-            <a:r>
-              <a:rPr lang="en-US" altLang="ko-KR" sz="1400" dirty="0">
-                <a:latin typeface="KoPubWorld돋움체 Medium" panose="00000600000000000000" pitchFamily="2" charset="-127"/>
-                <a:ea typeface="KoPubWorld돋움체 Medium" panose="00000600000000000000" pitchFamily="2" charset="-127"/>
-                <a:cs typeface="KoPubWorld돋움체 Medium" panose="00000600000000000000" pitchFamily="2" charset="-127"/>
-              </a:rPr>
-              <a:t> - </a:t>
+              <a:t>  - </a:t>
             </a:r>
             <a:r>
               <a:rPr lang="ko-KR" altLang="en-US" sz="1400" dirty="0">
@@ -6110,23 +6951,7 @@
                 <a:ea typeface="KoPubWorld돋움체 Medium" panose="00000600000000000000" pitchFamily="2" charset="-127"/>
                 <a:cs typeface="KoPubWorld돋움체 Medium" panose="00000600000000000000" pitchFamily="2" charset="-127"/>
               </a:rPr>
-              <a:t> </a:t>
-            </a:r>
-            <a:r>
-              <a:rPr lang="ko-KR" altLang="en-US" sz="1400" dirty="0">
-                <a:latin typeface="KoPubWorld돋움체 Medium" panose="00000600000000000000" pitchFamily="2" charset="-127"/>
-                <a:ea typeface="KoPubWorld돋움체 Medium" panose="00000600000000000000" pitchFamily="2" charset="-127"/>
-                <a:cs typeface="KoPubWorld돋움체 Medium" panose="00000600000000000000" pitchFamily="2" charset="-127"/>
-              </a:rPr>
-              <a:t>언어 </a:t>
-            </a:r>
-            <a:r>
-              <a:rPr lang="ko-KR" altLang="en-US" sz="1400" dirty="0">
-                <a:latin typeface="KoPubWorld돋움체 Medium" panose="00000600000000000000" pitchFamily="2" charset="-127"/>
-                <a:ea typeface="KoPubWorld돋움체 Medium" panose="00000600000000000000" pitchFamily="2" charset="-127"/>
-                <a:cs typeface="KoPubWorld돋움체 Medium" panose="00000600000000000000" pitchFamily="2" charset="-127"/>
-              </a:rPr>
-              <a:t>모델</a:t>
+              <a:t> 언어 모델</a:t>
             </a:r>
             <a:r>
               <a:rPr lang="en-US" altLang="ko-KR" sz="1400" dirty="0">
@@ -6142,23 +6967,7 @@
                 <a:ea typeface="KoPubWorld돋움체 Medium" panose="00000600000000000000" pitchFamily="2" charset="-127"/>
                 <a:cs typeface="KoPubWorld돋움체 Medium" panose="00000600000000000000" pitchFamily="2" charset="-127"/>
               </a:rPr>
-              <a:t>이라는 새로운 </a:t>
-            </a:r>
-            <a:r>
-              <a:rPr lang="ko-KR" altLang="en-US" sz="1400" dirty="0">
-                <a:latin typeface="KoPubWorld돋움체 Medium" panose="00000600000000000000" pitchFamily="2" charset="-127"/>
-                <a:ea typeface="KoPubWorld돋움체 Medium" panose="00000600000000000000" pitchFamily="2" charset="-127"/>
-                <a:cs typeface="KoPubWorld돋움체 Medium" panose="00000600000000000000" pitchFamily="2" charset="-127"/>
-              </a:rPr>
-              <a:t>구조의 언어 모델이 </a:t>
-            </a:r>
-            <a:r>
-              <a:rPr lang="ko-KR" altLang="en-US" sz="1400" dirty="0">
-                <a:latin typeface="KoPubWorld돋움체 Medium" panose="00000600000000000000" pitchFamily="2" charset="-127"/>
-                <a:ea typeface="KoPubWorld돋움체 Medium" panose="00000600000000000000" pitchFamily="2" charset="-127"/>
-                <a:cs typeface="KoPubWorld돋움체 Medium" panose="00000600000000000000" pitchFamily="2" charset="-127"/>
-              </a:rPr>
-              <a:t>탄생</a:t>
+              <a:t>이라는 새로운 구조의 언어 모델이 탄생</a:t>
             </a:r>
             <a:endParaRPr lang="en-US" altLang="ko-KR" sz="1400" dirty="0">
               <a:latin typeface="KoPubWorld돋움체 Medium" panose="00000600000000000000" pitchFamily="2" charset="-127"/>
@@ -6180,15 +6989,7 @@
                 <a:ea typeface="KoPubWorld돋움체 Medium" panose="00000600000000000000" pitchFamily="2" charset="-127"/>
                 <a:cs typeface="KoPubWorld돋움체 Medium" panose="00000600000000000000" pitchFamily="2" charset="-127"/>
               </a:rPr>
-              <a:t> </a:t>
-            </a:r>
-            <a:r>
-              <a:rPr lang="en-US" altLang="ko-KR" sz="1400" dirty="0">
-                <a:latin typeface="KoPubWorld돋움체 Medium" panose="00000600000000000000" pitchFamily="2" charset="-127"/>
-                <a:ea typeface="KoPubWorld돋움체 Medium" panose="00000600000000000000" pitchFamily="2" charset="-127"/>
-                <a:cs typeface="KoPubWorld돋움체 Medium" panose="00000600000000000000" pitchFamily="2" charset="-127"/>
-              </a:rPr>
-              <a:t> - </a:t>
+              <a:t>  - </a:t>
             </a:r>
             <a:r>
               <a:rPr lang="ko-KR" altLang="en-US" sz="1400" dirty="0">
@@ -6228,33 +7029,17 @@
                 <a:ea typeface="KoPubWorld돋움체 Medium" panose="00000600000000000000" pitchFamily="2" charset="-127"/>
                 <a:cs typeface="KoPubWorld돋움체 Medium" panose="00000600000000000000" pitchFamily="2" charset="-127"/>
               </a:rPr>
-              <a:t>(Masking</a:t>
-            </a:r>
-            <a:r>
-              <a:rPr lang="en-US" altLang="ko-KR" sz="1400" dirty="0">
-                <a:latin typeface="KoPubWorld돋움체 Medium" panose="00000600000000000000" pitchFamily="2" charset="-127"/>
-                <a:ea typeface="KoPubWorld돋움체 Medium" panose="00000600000000000000" pitchFamily="2" charset="-127"/>
-                <a:cs typeface="KoPubWorld돋움체 Medium" panose="00000600000000000000" pitchFamily="2" charset="-127"/>
-              </a:rPr>
-              <a:t>)</a:t>
-            </a:r>
-          </a:p>
-          <a:p>
-            <a:r>
-              <a:rPr lang="en-US" altLang="ko-KR" sz="1400" dirty="0">
-                <a:latin typeface="KoPubWorld돋움체 Medium" panose="00000600000000000000" pitchFamily="2" charset="-127"/>
-                <a:ea typeface="KoPubWorld돋움체 Medium" panose="00000600000000000000" pitchFamily="2" charset="-127"/>
-                <a:cs typeface="KoPubWorld돋움체 Medium" panose="00000600000000000000" pitchFamily="2" charset="-127"/>
-              </a:rPr>
-              <a:t> </a:t>
-            </a:r>
-            <a:r>
-              <a:rPr lang="en-US" altLang="ko-KR" sz="1400" dirty="0">
-                <a:latin typeface="KoPubWorld돋움체 Medium" panose="00000600000000000000" pitchFamily="2" charset="-127"/>
-                <a:ea typeface="KoPubWorld돋움체 Medium" panose="00000600000000000000" pitchFamily="2" charset="-127"/>
-                <a:cs typeface="KoPubWorld돋움체 Medium" panose="00000600000000000000" pitchFamily="2" charset="-127"/>
-              </a:rPr>
-              <a:t> - </a:t>
+              <a:t>(Masking)</a:t>
+            </a:r>
+          </a:p>
+          <a:p>
+            <a:r>
+              <a:rPr lang="en-US" altLang="ko-KR" sz="1400" dirty="0">
+                <a:latin typeface="KoPubWorld돋움체 Medium" panose="00000600000000000000" pitchFamily="2" charset="-127"/>
+                <a:ea typeface="KoPubWorld돋움체 Medium" panose="00000600000000000000" pitchFamily="2" charset="-127"/>
+                <a:cs typeface="KoPubWorld돋움체 Medium" panose="00000600000000000000" pitchFamily="2" charset="-127"/>
+              </a:rPr>
+              <a:t>  - </a:t>
             </a:r>
             <a:r>
               <a:rPr lang="ko-KR" altLang="en-US" sz="1400" dirty="0" err="1">
@@ -6455,6 +7240,13 @@
   <p:clrMapOvr>
     <a:masterClrMapping/>
   </p:clrMapOvr>
+  <p:timing>
+    <p:tnLst>
+      <p:par>
+        <p:cTn id="1" dur="indefinite" restart="never" nodeType="tmRoot"/>
+      </p:par>
+    </p:tnLst>
+  </p:timing>
 </p:sld>
 </file>
 
@@ -6483,7 +7275,7 @@
         </p:nvSpPr>
         <p:spPr>
           <a:xfrm>
-            <a:off x="495546" y="383458"/>
+            <a:off x="342914" y="395843"/>
             <a:ext cx="7582525" cy="369332"/>
           </a:xfrm>
           <a:prstGeom prst="rect">
@@ -6521,7 +7313,7 @@
         </p:nvSpPr>
         <p:spPr>
           <a:xfrm>
-            <a:off x="615498" y="930653"/>
+            <a:off x="342914" y="1023951"/>
             <a:ext cx="11200140" cy="1415772"/>
           </a:xfrm>
           <a:prstGeom prst="rect">
@@ -6572,15 +7364,7 @@
                 <a:ea typeface="KoPubWorld돋움체 Medium" panose="00000600000000000000" pitchFamily="2" charset="-127"/>
                 <a:cs typeface="KoPubWorld돋움체 Medium" panose="00000600000000000000" pitchFamily="2" charset="-127"/>
               </a:rPr>
-              <a:t>- </a:t>
-            </a:r>
-            <a:r>
-              <a:rPr lang="en-US" altLang="ko-KR" sz="1400" dirty="0">
-                <a:latin typeface="KoPubWorld돋움체 Medium" panose="00000600000000000000" pitchFamily="2" charset="-127"/>
-                <a:ea typeface="KoPubWorld돋움체 Medium" panose="00000600000000000000" pitchFamily="2" charset="-127"/>
-                <a:cs typeface="KoPubWorld돋움체 Medium" panose="00000600000000000000" pitchFamily="2" charset="-127"/>
-              </a:rPr>
-              <a:t>2018</a:t>
+              <a:t>- 2018</a:t>
             </a:r>
             <a:r>
               <a:rPr lang="ko-KR" altLang="en-US" sz="1400" dirty="0">
@@ -6833,15 +7617,7 @@
                 <a:ea typeface="KoPubWorld돋움체 Medium" panose="00000600000000000000" pitchFamily="2" charset="-127"/>
                 <a:cs typeface="KoPubWorld돋움체 Medium" panose="00000600000000000000" pitchFamily="2" charset="-127"/>
               </a:rPr>
-              <a:t> </a:t>
-            </a:r>
-            <a:r>
-              <a:rPr lang="en-US" altLang="ko-KR" sz="1400" dirty="0">
-                <a:latin typeface="KoPubWorld돋움체 Medium" panose="00000600000000000000" pitchFamily="2" charset="-127"/>
-                <a:ea typeface="KoPubWorld돋움체 Medium" panose="00000600000000000000" pitchFamily="2" charset="-127"/>
-                <a:cs typeface="KoPubWorld돋움체 Medium" panose="00000600000000000000" pitchFamily="2" charset="-127"/>
-              </a:rPr>
-              <a:t> - </a:t>
+              <a:t>  - </a:t>
             </a:r>
             <a:r>
               <a:rPr lang="ko-KR" altLang="en-US" sz="1400" dirty="0">
@@ -6865,31 +7641,7 @@
                 <a:ea typeface="KoPubWorld돋움체 Medium" panose="00000600000000000000" pitchFamily="2" charset="-127"/>
                 <a:cs typeface="KoPubWorld돋움체 Medium" panose="00000600000000000000" pitchFamily="2" charset="-127"/>
               </a:rPr>
-              <a:t>태스크에서 최고 성능을 </a:t>
-            </a:r>
-            <a:r>
-              <a:rPr lang="ko-KR" altLang="en-US" sz="1400" dirty="0">
-                <a:latin typeface="KoPubWorld돋움체 Medium" panose="00000600000000000000" pitchFamily="2" charset="-127"/>
-                <a:ea typeface="KoPubWorld돋움체 Medium" panose="00000600000000000000" pitchFamily="2" charset="-127"/>
-                <a:cs typeface="KoPubWorld돋움체 Medium" panose="00000600000000000000" pitchFamily="2" charset="-127"/>
-              </a:rPr>
-              <a:t>보여주</a:t>
-            </a:r>
-            <a:r>
-              <a:rPr lang="ko-KR" altLang="en-US" sz="1400" dirty="0">
-                <a:latin typeface="KoPubWorld돋움체 Medium" panose="00000600000000000000" pitchFamily="2" charset="-127"/>
-                <a:ea typeface="KoPubWorld돋움체 Medium" panose="00000600000000000000" pitchFamily="2" charset="-127"/>
-                <a:cs typeface="KoPubWorld돋움체 Medium" panose="00000600000000000000" pitchFamily="2" charset="-127"/>
-              </a:rPr>
-              <a:t>며</a:t>
-            </a:r>
-            <a:r>
-              <a:rPr lang="ko-KR" altLang="en-US" sz="1400" dirty="0">
-                <a:latin typeface="KoPubWorld돋움체 Medium" panose="00000600000000000000" pitchFamily="2" charset="-127"/>
-                <a:ea typeface="KoPubWorld돋움체 Medium" panose="00000600000000000000" pitchFamily="2" charset="-127"/>
-                <a:cs typeface="KoPubWorld돋움체 Medium" panose="00000600000000000000" pitchFamily="2" charset="-127"/>
-              </a:rPr>
-              <a:t> </a:t>
+              <a:t>태스크에서 최고 성능을 보여주며 </a:t>
             </a:r>
             <a:r>
               <a:rPr lang="en-US" altLang="ko-KR" sz="1400" dirty="0">
@@ -7052,6 +7804,13 @@
   <p:clrMapOvr>
     <a:masterClrMapping/>
   </p:clrMapOvr>
+  <p:timing>
+    <p:tnLst>
+      <p:par>
+        <p:cTn id="1" dur="indefinite" restart="never" nodeType="tmRoot"/>
+      </p:par>
+    </p:tnLst>
+  </p:timing>
 </p:sld>
 </file>
 
@@ -7080,7 +7839,7 @@
         </p:nvSpPr>
         <p:spPr>
           <a:xfrm>
-            <a:off x="495546" y="383458"/>
+            <a:off x="344470" y="391409"/>
             <a:ext cx="7582525" cy="369332"/>
           </a:xfrm>
           <a:prstGeom prst="rect">
@@ -7118,7 +7877,7 @@
         </p:nvSpPr>
         <p:spPr>
           <a:xfrm>
-            <a:off x="615498" y="930653"/>
+            <a:off x="342914" y="1023951"/>
             <a:ext cx="11200140" cy="2492990"/>
           </a:xfrm>
           <a:prstGeom prst="rect">
@@ -7968,6 +8727,13 @@
   <p:clrMapOvr>
     <a:masterClrMapping/>
   </p:clrMapOvr>
+  <p:timing>
+    <p:tnLst>
+      <p:par>
+        <p:cTn id="1" dur="indefinite" restart="never" nodeType="tmRoot"/>
+      </p:par>
+    </p:tnLst>
+  </p:timing>
 </p:sld>
 </file>
 
@@ -7996,7 +8762,7 @@
         </p:nvSpPr>
         <p:spPr>
           <a:xfrm>
-            <a:off x="495546" y="383458"/>
+            <a:off x="344475" y="391409"/>
             <a:ext cx="7582525" cy="369332"/>
           </a:xfrm>
           <a:prstGeom prst="rect">
@@ -8034,8 +8800,8 @@
         </p:nvSpPr>
         <p:spPr>
           <a:xfrm>
-            <a:off x="615498" y="930653"/>
-            <a:ext cx="11200140" cy="2492990"/>
+            <a:off x="345151" y="1026070"/>
+            <a:ext cx="11200140" cy="1200329"/>
           </a:xfrm>
           <a:prstGeom prst="rect">
             <a:avLst/>
@@ -8107,12 +8873,110 @@
               <a:t>- </a:t>
             </a:r>
             <a:r>
-              <a:rPr lang="ko-KR" altLang="en-US" sz="1400" dirty="0">
-                <a:latin typeface="KoPubWorld돋움체 Medium" panose="00000600000000000000" pitchFamily="2" charset="-127"/>
-                <a:ea typeface="KoPubWorld돋움체 Medium" panose="00000600000000000000" pitchFamily="2" charset="-127"/>
-                <a:cs typeface="KoPubWorld돋움체 Medium" panose="00000600000000000000" pitchFamily="2" charset="-127"/>
-              </a:rPr>
-              <a:t>기본 구조는 트랜스포머의 인코더를 </a:t>
+              <a:rPr lang="en-US" altLang="ko-KR" sz="1400" dirty="0" err="1">
+                <a:latin typeface="KoPubWorld돋움체 Medium" panose="00000600000000000000" pitchFamily="2" charset="-127"/>
+                <a:ea typeface="KoPubWorld돋움체 Medium" panose="00000600000000000000" pitchFamily="2" charset="-127"/>
+                <a:cs typeface="KoPubWorld돋움체 Medium" panose="00000600000000000000" pitchFamily="2" charset="-127"/>
+              </a:rPr>
+              <a:t>ELMo</a:t>
+            </a:r>
+            <a:r>
+              <a:rPr lang="ko-KR" altLang="en-US" sz="1400" dirty="0">
+                <a:latin typeface="KoPubWorld돋움체 Medium" panose="00000600000000000000" pitchFamily="2" charset="-127"/>
+                <a:ea typeface="KoPubWorld돋움체 Medium" panose="00000600000000000000" pitchFamily="2" charset="-127"/>
+                <a:cs typeface="KoPubWorld돋움체 Medium" panose="00000600000000000000" pitchFamily="2" charset="-127"/>
+              </a:rPr>
+              <a:t>나 </a:t>
+            </a:r>
+            <a:r>
+              <a:rPr lang="en-US" altLang="ko-KR" sz="1400" dirty="0">
+                <a:latin typeface="KoPubWorld돋움체 Medium" panose="00000600000000000000" pitchFamily="2" charset="-127"/>
+                <a:ea typeface="KoPubWorld돋움체 Medium" panose="00000600000000000000" pitchFamily="2" charset="-127"/>
+                <a:cs typeface="KoPubWorld돋움체 Medium" panose="00000600000000000000" pitchFamily="2" charset="-127"/>
+              </a:rPr>
+              <a:t>GPT-1</a:t>
+            </a:r>
+            <a:r>
+              <a:rPr lang="ko-KR" altLang="en-US" sz="1400" dirty="0">
+                <a:latin typeface="KoPubWorld돋움체 Medium" panose="00000600000000000000" pitchFamily="2" charset="-127"/>
+                <a:ea typeface="KoPubWorld돋움체 Medium" panose="00000600000000000000" pitchFamily="2" charset="-127"/>
+                <a:cs typeface="KoPubWorld돋움체 Medium" panose="00000600000000000000" pitchFamily="2" charset="-127"/>
+              </a:rPr>
+              <a:t>과 마찬가지로 문맥을 반영한 </a:t>
+            </a:r>
+            <a:r>
+              <a:rPr lang="ko-KR" altLang="en-US" sz="1400" dirty="0" err="1" smtClean="0">
+                <a:latin typeface="KoPubWorld돋움체 Medium" panose="00000600000000000000" pitchFamily="2" charset="-127"/>
+                <a:ea typeface="KoPubWorld돋움체 Medium" panose="00000600000000000000" pitchFamily="2" charset="-127"/>
+                <a:cs typeface="KoPubWorld돋움체 Medium" panose="00000600000000000000" pitchFamily="2" charset="-127"/>
+              </a:rPr>
+              <a:t>임베딩을</a:t>
+            </a:r>
+            <a:r>
+              <a:rPr lang="ko-KR" altLang="en-US" sz="1400" dirty="0" smtClean="0">
+                <a:latin typeface="KoPubWorld돋움체 Medium" panose="00000600000000000000" pitchFamily="2" charset="-127"/>
+                <a:ea typeface="KoPubWorld돋움체 Medium" panose="00000600000000000000" pitchFamily="2" charset="-127"/>
+                <a:cs typeface="KoPubWorld돋움체 Medium" panose="00000600000000000000" pitchFamily="2" charset="-127"/>
+              </a:rPr>
+              <a:t> 사용함</a:t>
+            </a:r>
+            <a:r>
+              <a:rPr lang="en-US" altLang="ko-KR" sz="1400" dirty="0" smtClean="0">
+                <a:latin typeface="KoPubWorld돋움체 Medium" panose="00000600000000000000" pitchFamily="2" charset="-127"/>
+                <a:ea typeface="KoPubWorld돋움체 Medium" panose="00000600000000000000" pitchFamily="2" charset="-127"/>
+                <a:cs typeface="KoPubWorld돋움체 Medium" panose="00000600000000000000" pitchFamily="2" charset="-127"/>
+              </a:rPr>
+              <a:t>.</a:t>
+            </a:r>
+          </a:p>
+          <a:p>
+            <a:r>
+              <a:rPr lang="en-US" altLang="ko-KR" sz="1400" dirty="0" smtClean="0">
+                <a:latin typeface="KoPubWorld돋움체 Medium" panose="00000600000000000000" pitchFamily="2" charset="-127"/>
+                <a:ea typeface="KoPubWorld돋움체 Medium" panose="00000600000000000000" pitchFamily="2" charset="-127"/>
+                <a:cs typeface="KoPubWorld돋움체 Medium" panose="00000600000000000000" pitchFamily="2" charset="-127"/>
+              </a:rPr>
+              <a:t>  </a:t>
+            </a:r>
+            <a:r>
+              <a:rPr lang="en-US" altLang="ko-KR" sz="1400" dirty="0">
+                <a:latin typeface="KoPubWorld돋움체 Medium" panose="00000600000000000000" pitchFamily="2" charset="-127"/>
+                <a:ea typeface="KoPubWorld돋움체 Medium" panose="00000600000000000000" pitchFamily="2" charset="-127"/>
+                <a:cs typeface="KoPubWorld돋움체 Medium" panose="00000600000000000000" pitchFamily="2" charset="-127"/>
+              </a:rPr>
+              <a:t>- </a:t>
+            </a:r>
+            <a:r>
+              <a:rPr lang="en-US" altLang="ko-KR" sz="1400" dirty="0" smtClean="0">
+                <a:latin typeface="KoPubWorld돋움체 Medium" panose="00000600000000000000" pitchFamily="2" charset="-127"/>
+                <a:ea typeface="KoPubWorld돋움체 Medium" panose="00000600000000000000" pitchFamily="2" charset="-127"/>
+                <a:cs typeface="KoPubWorld돋움체 Medium" panose="00000600000000000000" pitchFamily="2" charset="-127"/>
+              </a:rPr>
+              <a:t>[</a:t>
+            </a:r>
+            <a:r>
+              <a:rPr lang="ko-KR" altLang="en-US" sz="1400" dirty="0" smtClean="0">
+                <a:latin typeface="KoPubWorld돋움체 Medium" panose="00000600000000000000" pitchFamily="2" charset="-127"/>
+                <a:ea typeface="KoPubWorld돋움체 Medium" panose="00000600000000000000" pitchFamily="2" charset="-127"/>
+                <a:cs typeface="KoPubWorld돋움체 Medium" panose="00000600000000000000" pitchFamily="2" charset="-127"/>
+              </a:rPr>
+              <a:t>입력</a:t>
+            </a:r>
+            <a:r>
+              <a:rPr lang="en-US" altLang="ko-KR" sz="1400" dirty="0" smtClean="0">
+                <a:latin typeface="KoPubWorld돋움체 Medium" panose="00000600000000000000" pitchFamily="2" charset="-127"/>
+                <a:ea typeface="KoPubWorld돋움체 Medium" panose="00000600000000000000" pitchFamily="2" charset="-127"/>
+                <a:cs typeface="KoPubWorld돋움체 Medium" panose="00000600000000000000" pitchFamily="2" charset="-127"/>
+              </a:rPr>
+              <a:t>] </a:t>
+            </a:r>
+            <a:r>
+              <a:rPr lang="ko-KR" altLang="en-US" sz="1400" dirty="0">
+                <a:latin typeface="KoPubWorld돋움체 Medium" panose="00000600000000000000" pitchFamily="2" charset="-127"/>
+                <a:ea typeface="KoPubWorld돋움체 Medium" panose="00000600000000000000" pitchFamily="2" charset="-127"/>
+                <a:cs typeface="KoPubWorld돋움체 Medium" panose="00000600000000000000" pitchFamily="2" charset="-127"/>
+              </a:rPr>
+              <a:t>각 단어들은 </a:t>
             </a:r>
             <a:r>
               <a:rPr lang="ko-KR" altLang="en-US" sz="1400" dirty="0" err="1">
@@ -8120,15 +8984,153 @@
                 <a:ea typeface="KoPubWorld돋움체 Medium" panose="00000600000000000000" pitchFamily="2" charset="-127"/>
                 <a:cs typeface="KoPubWorld돋움체 Medium" panose="00000600000000000000" pitchFamily="2" charset="-127"/>
               </a:rPr>
-              <a:t>쌓아올린</a:t>
-            </a:r>
-            <a:r>
-              <a:rPr lang="ko-KR" altLang="en-US" sz="1400" dirty="0">
-                <a:latin typeface="KoPubWorld돋움체 Medium" panose="00000600000000000000" pitchFamily="2" charset="-127"/>
-                <a:ea typeface="KoPubWorld돋움체 Medium" panose="00000600000000000000" pitchFamily="2" charset="-127"/>
-                <a:cs typeface="KoPubWorld돋움체 Medium" panose="00000600000000000000" pitchFamily="2" charset="-127"/>
-              </a:rPr>
-              <a:t> 구조</a:t>
+              <a:t>임베딩</a:t>
+            </a:r>
+            <a:r>
+              <a:rPr lang="ko-KR" altLang="en-US" sz="1400" dirty="0">
+                <a:latin typeface="KoPubWorld돋움체 Medium" panose="00000600000000000000" pitchFamily="2" charset="-127"/>
+                <a:ea typeface="KoPubWorld돋움체 Medium" panose="00000600000000000000" pitchFamily="2" charset="-127"/>
+                <a:cs typeface="KoPubWorld돋움체 Medium" panose="00000600000000000000" pitchFamily="2" charset="-127"/>
+              </a:rPr>
+              <a:t> 층</a:t>
+            </a:r>
+            <a:r>
+              <a:rPr lang="en-US" altLang="ko-KR" sz="1400" dirty="0">
+                <a:latin typeface="KoPubWorld돋움체 Medium" panose="00000600000000000000" pitchFamily="2" charset="-127"/>
+                <a:ea typeface="KoPubWorld돋움체 Medium" panose="00000600000000000000" pitchFamily="2" charset="-127"/>
+                <a:cs typeface="KoPubWorld돋움체 Medium" panose="00000600000000000000" pitchFamily="2" charset="-127"/>
+              </a:rPr>
+              <a:t>(Embedding layer)</a:t>
+            </a:r>
+            <a:r>
+              <a:rPr lang="ko-KR" altLang="en-US" sz="1400" dirty="0">
+                <a:latin typeface="KoPubWorld돋움체 Medium" panose="00000600000000000000" pitchFamily="2" charset="-127"/>
+                <a:ea typeface="KoPubWorld돋움체 Medium" panose="00000600000000000000" pitchFamily="2" charset="-127"/>
+                <a:cs typeface="KoPubWorld돋움체 Medium" panose="00000600000000000000" pitchFamily="2" charset="-127"/>
+              </a:rPr>
+              <a:t>를 지나 </a:t>
+            </a:r>
+            <a:r>
+              <a:rPr lang="en-US" altLang="ko-KR" sz="1400" dirty="0">
+                <a:latin typeface="KoPubWorld돋움체 Medium" panose="00000600000000000000" pitchFamily="2" charset="-127"/>
+                <a:ea typeface="KoPubWorld돋움체 Medium" panose="00000600000000000000" pitchFamily="2" charset="-127"/>
+                <a:cs typeface="KoPubWorld돋움체 Medium" panose="00000600000000000000" pitchFamily="2" charset="-127"/>
+              </a:rPr>
+              <a:t>768</a:t>
+            </a:r>
+            <a:r>
+              <a:rPr lang="ko-KR" altLang="en-US" sz="1400" dirty="0">
+                <a:latin typeface="KoPubWorld돋움체 Medium" panose="00000600000000000000" pitchFamily="2" charset="-127"/>
+                <a:ea typeface="KoPubWorld돋움체 Medium" panose="00000600000000000000" pitchFamily="2" charset="-127"/>
+                <a:cs typeface="KoPubWorld돋움체 Medium" panose="00000600000000000000" pitchFamily="2" charset="-127"/>
+              </a:rPr>
+              <a:t>차원의 </a:t>
+            </a:r>
+            <a:r>
+              <a:rPr lang="ko-KR" altLang="en-US" sz="1400" dirty="0" err="1">
+                <a:latin typeface="KoPubWorld돋움체 Medium" panose="00000600000000000000" pitchFamily="2" charset="-127"/>
+                <a:ea typeface="KoPubWorld돋움체 Medium" panose="00000600000000000000" pitchFamily="2" charset="-127"/>
+                <a:cs typeface="KoPubWorld돋움체 Medium" panose="00000600000000000000" pitchFamily="2" charset="-127"/>
+              </a:rPr>
+              <a:t>임베딩</a:t>
+            </a:r>
+            <a:r>
+              <a:rPr lang="ko-KR" altLang="en-US" sz="1400" dirty="0">
+                <a:latin typeface="KoPubWorld돋움체 Medium" panose="00000600000000000000" pitchFamily="2" charset="-127"/>
+                <a:ea typeface="KoPubWorld돋움체 Medium" panose="00000600000000000000" pitchFamily="2" charset="-127"/>
+                <a:cs typeface="KoPubWorld돋움체 Medium" panose="00000600000000000000" pitchFamily="2" charset="-127"/>
+              </a:rPr>
+              <a:t> 벡터가 되어 입력으로 사용됨</a:t>
+            </a:r>
+            <a:r>
+              <a:rPr lang="en-US" altLang="ko-KR" sz="1400" dirty="0">
+                <a:latin typeface="KoPubWorld돋움체 Medium" panose="00000600000000000000" pitchFamily="2" charset="-127"/>
+                <a:ea typeface="KoPubWorld돋움체 Medium" panose="00000600000000000000" pitchFamily="2" charset="-127"/>
+                <a:cs typeface="KoPubWorld돋움체 Medium" panose="00000600000000000000" pitchFamily="2" charset="-127"/>
+              </a:rPr>
+              <a:t>.</a:t>
+            </a:r>
+          </a:p>
+          <a:p>
+            <a:r>
+              <a:rPr lang="en-US" altLang="ko-KR" sz="1400" dirty="0">
+                <a:latin typeface="KoPubWorld돋움체 Medium" panose="00000600000000000000" pitchFamily="2" charset="-127"/>
+                <a:ea typeface="KoPubWorld돋움체 Medium" panose="00000600000000000000" pitchFamily="2" charset="-127"/>
+                <a:cs typeface="KoPubWorld돋움체 Medium" panose="00000600000000000000" pitchFamily="2" charset="-127"/>
+              </a:rPr>
+              <a:t>  - </a:t>
+            </a:r>
+            <a:r>
+              <a:rPr lang="en-US" altLang="ko-KR" sz="1400" dirty="0" smtClean="0">
+                <a:latin typeface="KoPubWorld돋움체 Medium" panose="00000600000000000000" pitchFamily="2" charset="-127"/>
+                <a:ea typeface="KoPubWorld돋움체 Medium" panose="00000600000000000000" pitchFamily="2" charset="-127"/>
+                <a:cs typeface="KoPubWorld돋움체 Medium" panose="00000600000000000000" pitchFamily="2" charset="-127"/>
+              </a:rPr>
+              <a:t>[</a:t>
+            </a:r>
+            <a:r>
+              <a:rPr lang="ko-KR" altLang="en-US" sz="1400" dirty="0" smtClean="0">
+                <a:latin typeface="KoPubWorld돋움체 Medium" panose="00000600000000000000" pitchFamily="2" charset="-127"/>
+                <a:ea typeface="KoPubWorld돋움체 Medium" panose="00000600000000000000" pitchFamily="2" charset="-127"/>
+                <a:cs typeface="KoPubWorld돋움체 Medium" panose="00000600000000000000" pitchFamily="2" charset="-127"/>
+              </a:rPr>
+              <a:t>출력</a:t>
+            </a:r>
+            <a:r>
+              <a:rPr lang="en-US" altLang="ko-KR" sz="1400" dirty="0" smtClean="0">
+                <a:latin typeface="KoPubWorld돋움체 Medium" panose="00000600000000000000" pitchFamily="2" charset="-127"/>
+                <a:ea typeface="KoPubWorld돋움체 Medium" panose="00000600000000000000" pitchFamily="2" charset="-127"/>
+                <a:cs typeface="KoPubWorld돋움체 Medium" panose="00000600000000000000" pitchFamily="2" charset="-127"/>
+              </a:rPr>
+              <a:t>] </a:t>
+            </a:r>
+            <a:r>
+              <a:rPr lang="ko-KR" altLang="en-US" sz="1400" dirty="0">
+                <a:latin typeface="KoPubWorld돋움체 Medium" panose="00000600000000000000" pitchFamily="2" charset="-127"/>
+                <a:ea typeface="KoPubWorld돋움체 Medium" panose="00000600000000000000" pitchFamily="2" charset="-127"/>
+                <a:cs typeface="KoPubWorld돋움체 Medium" panose="00000600000000000000" pitchFamily="2" charset="-127"/>
+              </a:rPr>
+              <a:t>내부적인 연산을 거친 후</a:t>
+            </a:r>
+            <a:r>
+              <a:rPr lang="en-US" altLang="ko-KR" sz="1400" dirty="0">
+                <a:latin typeface="KoPubWorld돋움체 Medium" panose="00000600000000000000" pitchFamily="2" charset="-127"/>
+                <a:ea typeface="KoPubWorld돋움체 Medium" panose="00000600000000000000" pitchFamily="2" charset="-127"/>
+                <a:cs typeface="KoPubWorld돋움체 Medium" panose="00000600000000000000" pitchFamily="2" charset="-127"/>
+              </a:rPr>
+              <a:t>, </a:t>
+            </a:r>
+            <a:r>
+              <a:rPr lang="ko-KR" altLang="en-US" sz="1400" dirty="0">
+                <a:latin typeface="KoPubWorld돋움체 Medium" panose="00000600000000000000" pitchFamily="2" charset="-127"/>
+                <a:ea typeface="KoPubWorld돋움체 Medium" panose="00000600000000000000" pitchFamily="2" charset="-127"/>
+                <a:cs typeface="KoPubWorld돋움체 Medium" panose="00000600000000000000" pitchFamily="2" charset="-127"/>
+              </a:rPr>
+              <a:t>동일하게 각 단어에 대해서 </a:t>
+            </a:r>
+            <a:r>
+              <a:rPr lang="en-US" altLang="ko-KR" sz="1400" dirty="0">
+                <a:latin typeface="KoPubWorld돋움체 Medium" panose="00000600000000000000" pitchFamily="2" charset="-127"/>
+                <a:ea typeface="KoPubWorld돋움체 Medium" panose="00000600000000000000" pitchFamily="2" charset="-127"/>
+                <a:cs typeface="KoPubWorld돋움체 Medium" panose="00000600000000000000" pitchFamily="2" charset="-127"/>
+              </a:rPr>
+              <a:t>768</a:t>
+            </a:r>
+            <a:r>
+              <a:rPr lang="ko-KR" altLang="en-US" sz="1400" dirty="0">
+                <a:latin typeface="KoPubWorld돋움체 Medium" panose="00000600000000000000" pitchFamily="2" charset="-127"/>
+                <a:ea typeface="KoPubWorld돋움체 Medium" panose="00000600000000000000" pitchFamily="2" charset="-127"/>
+                <a:cs typeface="KoPubWorld돋움체 Medium" panose="00000600000000000000" pitchFamily="2" charset="-127"/>
+              </a:rPr>
+              <a:t>차원의 벡터를 </a:t>
+            </a:r>
+            <a:r>
+              <a:rPr lang="ko-KR" altLang="en-US" sz="1400" dirty="0" smtClean="0">
+                <a:latin typeface="KoPubWorld돋움체 Medium" panose="00000600000000000000" pitchFamily="2" charset="-127"/>
+                <a:ea typeface="KoPubWorld돋움체 Medium" panose="00000600000000000000" pitchFamily="2" charset="-127"/>
+                <a:cs typeface="KoPubWorld돋움체 Medium" panose="00000600000000000000" pitchFamily="2" charset="-127"/>
+              </a:rPr>
+              <a:t>출력</a:t>
             </a:r>
             <a:endParaRPr lang="en-US" altLang="ko-KR" sz="1400" dirty="0" smtClean="0">
               <a:latin typeface="KoPubWorld돋움체 Medium" panose="00000600000000000000" pitchFamily="2" charset="-127"/>
@@ -8151,90 +9153,58 @@
                 <a:ea typeface="KoPubWorld돋움체 Medium" panose="00000600000000000000" pitchFamily="2" charset="-127"/>
                 <a:cs typeface="KoPubWorld돋움체 Medium" panose="00000600000000000000" pitchFamily="2" charset="-127"/>
               </a:rPr>
-              <a:t> </a:t>
-            </a:r>
-            <a:r>
-              <a:rPr lang="en-US" altLang="ko-KR" sz="1400" dirty="0">
-                <a:latin typeface="KoPubWorld돋움체 Medium" panose="00000600000000000000" pitchFamily="2" charset="-127"/>
-                <a:ea typeface="KoPubWorld돋움체 Medium" panose="00000600000000000000" pitchFamily="2" charset="-127"/>
-                <a:cs typeface="KoPubWorld돋움체 Medium" panose="00000600000000000000" pitchFamily="2" charset="-127"/>
-              </a:rPr>
-              <a:t>- Base </a:t>
-            </a:r>
-            <a:r>
-              <a:rPr lang="ko-KR" altLang="en-US" sz="1400" dirty="0">
-                <a:latin typeface="KoPubWorld돋움체 Medium" panose="00000600000000000000" pitchFamily="2" charset="-127"/>
-                <a:ea typeface="KoPubWorld돋움체 Medium" panose="00000600000000000000" pitchFamily="2" charset="-127"/>
-                <a:cs typeface="KoPubWorld돋움체 Medium" panose="00000600000000000000" pitchFamily="2" charset="-127"/>
-              </a:rPr>
-              <a:t>버전에서는 총 </a:t>
-            </a:r>
-            <a:r>
-              <a:rPr lang="en-US" altLang="ko-KR" sz="1400" dirty="0">
-                <a:latin typeface="KoPubWorld돋움체 Medium" panose="00000600000000000000" pitchFamily="2" charset="-127"/>
-                <a:ea typeface="KoPubWorld돋움체 Medium" panose="00000600000000000000" pitchFamily="2" charset="-127"/>
-                <a:cs typeface="KoPubWorld돋움체 Medium" panose="00000600000000000000" pitchFamily="2" charset="-127"/>
-              </a:rPr>
-              <a:t>12</a:t>
-            </a:r>
-            <a:r>
-              <a:rPr lang="ko-KR" altLang="en-US" sz="1400" dirty="0">
-                <a:latin typeface="KoPubWorld돋움체 Medium" panose="00000600000000000000" pitchFamily="2" charset="-127"/>
-                <a:ea typeface="KoPubWorld돋움체 Medium" panose="00000600000000000000" pitchFamily="2" charset="-127"/>
-                <a:cs typeface="KoPubWorld돋움체 Medium" panose="00000600000000000000" pitchFamily="2" charset="-127"/>
-              </a:rPr>
-              <a:t>개를 </a:t>
-            </a:r>
-            <a:r>
-              <a:rPr lang="ko-KR" altLang="en-US" sz="1400" dirty="0" smtClean="0">
-                <a:latin typeface="KoPubWorld돋움체 Medium" panose="00000600000000000000" pitchFamily="2" charset="-127"/>
-                <a:ea typeface="KoPubWorld돋움체 Medium" panose="00000600000000000000" pitchFamily="2" charset="-127"/>
-                <a:cs typeface="KoPubWorld돋움체 Medium" panose="00000600000000000000" pitchFamily="2" charset="-127"/>
-              </a:rPr>
-              <a:t>쌓고 </a:t>
-            </a:r>
-            <a:r>
-              <a:rPr lang="en-US" altLang="ko-KR" sz="1400" dirty="0">
-                <a:latin typeface="KoPubWorld돋움체 Medium" panose="00000600000000000000" pitchFamily="2" charset="-127"/>
-                <a:ea typeface="KoPubWorld돋움체 Medium" panose="00000600000000000000" pitchFamily="2" charset="-127"/>
-                <a:cs typeface="KoPubWorld돋움체 Medium" panose="00000600000000000000" pitchFamily="2" charset="-127"/>
-              </a:rPr>
-              <a:t>Large </a:t>
-            </a:r>
-            <a:r>
-              <a:rPr lang="ko-KR" altLang="en-US" sz="1400" dirty="0">
-                <a:latin typeface="KoPubWorld돋움체 Medium" panose="00000600000000000000" pitchFamily="2" charset="-127"/>
-                <a:ea typeface="KoPubWorld돋움체 Medium" panose="00000600000000000000" pitchFamily="2" charset="-127"/>
-                <a:cs typeface="KoPubWorld돋움체 Medium" panose="00000600000000000000" pitchFamily="2" charset="-127"/>
-              </a:rPr>
-              <a:t>버전에서는 총 </a:t>
-            </a:r>
-            <a:r>
-              <a:rPr lang="en-US" altLang="ko-KR" sz="1400" dirty="0">
-                <a:latin typeface="KoPubWorld돋움체 Medium" panose="00000600000000000000" pitchFamily="2" charset="-127"/>
-                <a:ea typeface="KoPubWorld돋움체 Medium" panose="00000600000000000000" pitchFamily="2" charset="-127"/>
-                <a:cs typeface="KoPubWorld돋움체 Medium" panose="00000600000000000000" pitchFamily="2" charset="-127"/>
-              </a:rPr>
-              <a:t>24</a:t>
-            </a:r>
-            <a:r>
-              <a:rPr lang="ko-KR" altLang="en-US" sz="1400" dirty="0">
-                <a:latin typeface="KoPubWorld돋움체 Medium" panose="00000600000000000000" pitchFamily="2" charset="-127"/>
-                <a:ea typeface="KoPubWorld돋움체 Medium" panose="00000600000000000000" pitchFamily="2" charset="-127"/>
-                <a:cs typeface="KoPubWorld돋움체 Medium" panose="00000600000000000000" pitchFamily="2" charset="-127"/>
-              </a:rPr>
-              <a:t>개를 </a:t>
-            </a:r>
-            <a:r>
-              <a:rPr lang="ko-KR" altLang="en-US" sz="1400" dirty="0" smtClean="0">
-                <a:latin typeface="KoPubWorld돋움체 Medium" panose="00000600000000000000" pitchFamily="2" charset="-127"/>
-                <a:ea typeface="KoPubWorld돋움체 Medium" panose="00000600000000000000" pitchFamily="2" charset="-127"/>
-                <a:cs typeface="KoPubWorld돋움체 Medium" panose="00000600000000000000" pitchFamily="2" charset="-127"/>
-              </a:rPr>
-              <a:t>쌓았음</a:t>
-            </a:r>
-            <a:r>
-              <a:rPr lang="en-US" altLang="ko-KR" sz="1400" dirty="0" smtClean="0">
+              <a:t> - </a:t>
+            </a:r>
+            <a:r>
+              <a:rPr lang="en-US" altLang="ko-KR" sz="1400" dirty="0">
+                <a:latin typeface="KoPubWorld돋움체 Medium" panose="00000600000000000000" pitchFamily="2" charset="-127"/>
+                <a:ea typeface="KoPubWorld돋움체 Medium" panose="00000600000000000000" pitchFamily="2" charset="-127"/>
+                <a:cs typeface="KoPubWorld돋움체 Medium" panose="00000600000000000000" pitchFamily="2" charset="-127"/>
+              </a:rPr>
+              <a:t>BERT</a:t>
+            </a:r>
+            <a:r>
+              <a:rPr lang="ko-KR" altLang="en-US" sz="1400" dirty="0">
+                <a:latin typeface="KoPubWorld돋움체 Medium" panose="00000600000000000000" pitchFamily="2" charset="-127"/>
+                <a:ea typeface="KoPubWorld돋움체 Medium" panose="00000600000000000000" pitchFamily="2" charset="-127"/>
+                <a:cs typeface="KoPubWorld돋움체 Medium" panose="00000600000000000000" pitchFamily="2" charset="-127"/>
+              </a:rPr>
+              <a:t>의 연산을 거친 후의 출력 </a:t>
+            </a:r>
+            <a:r>
+              <a:rPr lang="ko-KR" altLang="en-US" sz="1400" dirty="0" err="1">
+                <a:latin typeface="KoPubWorld돋움체 Medium" panose="00000600000000000000" pitchFamily="2" charset="-127"/>
+                <a:ea typeface="KoPubWorld돋움체 Medium" panose="00000600000000000000" pitchFamily="2" charset="-127"/>
+                <a:cs typeface="KoPubWorld돋움체 Medium" panose="00000600000000000000" pitchFamily="2" charset="-127"/>
+              </a:rPr>
+              <a:t>임베딩은</a:t>
+            </a:r>
+            <a:r>
+              <a:rPr lang="ko-KR" altLang="en-US" sz="1400" dirty="0">
+                <a:latin typeface="KoPubWorld돋움체 Medium" panose="00000600000000000000" pitchFamily="2" charset="-127"/>
+                <a:ea typeface="KoPubWorld돋움체 Medium" panose="00000600000000000000" pitchFamily="2" charset="-127"/>
+                <a:cs typeface="KoPubWorld돋움체 Medium" panose="00000600000000000000" pitchFamily="2" charset="-127"/>
+              </a:rPr>
+              <a:t> 문장의 문맥을 모두 참고한 문맥을 반영한 </a:t>
+            </a:r>
+            <a:r>
+              <a:rPr lang="ko-KR" altLang="en-US" sz="1400" dirty="0" err="1">
+                <a:latin typeface="KoPubWorld돋움체 Medium" panose="00000600000000000000" pitchFamily="2" charset="-127"/>
+                <a:ea typeface="KoPubWorld돋움체 Medium" panose="00000600000000000000" pitchFamily="2" charset="-127"/>
+                <a:cs typeface="KoPubWorld돋움체 Medium" panose="00000600000000000000" pitchFamily="2" charset="-127"/>
+              </a:rPr>
+              <a:t>임베딩이</a:t>
+            </a:r>
+            <a:r>
+              <a:rPr lang="ko-KR" altLang="en-US" sz="1400" dirty="0">
+                <a:latin typeface="KoPubWorld돋움체 Medium" panose="00000600000000000000" pitchFamily="2" charset="-127"/>
+                <a:ea typeface="KoPubWorld돋움체 Medium" panose="00000600000000000000" pitchFamily="2" charset="-127"/>
+                <a:cs typeface="KoPubWorld돋움체 Medium" panose="00000600000000000000" pitchFamily="2" charset="-127"/>
+              </a:rPr>
+              <a:t> 됨</a:t>
+            </a:r>
+            <a:r>
+              <a:rPr lang="en-US" altLang="ko-KR" sz="1400" dirty="0">
                 <a:latin typeface="KoPubWorld돋움체 Medium" panose="00000600000000000000" pitchFamily="2" charset="-127"/>
                 <a:ea typeface="KoPubWorld돋움체 Medium" panose="00000600000000000000" pitchFamily="2" charset="-127"/>
                 <a:cs typeface="KoPubWorld돋움체 Medium" panose="00000600000000000000" pitchFamily="2" charset="-127"/>
@@ -8242,557 +9212,233 @@
               <a:t>.</a:t>
             </a:r>
           </a:p>
-          <a:p>
-            <a:r>
-              <a:rPr lang="en-US" altLang="ko-KR" sz="1400" dirty="0">
-                <a:latin typeface="KoPubWorld돋움체 Medium" panose="00000600000000000000" pitchFamily="2" charset="-127"/>
-                <a:ea typeface="KoPubWorld돋움체 Medium" panose="00000600000000000000" pitchFamily="2" charset="-127"/>
-                <a:cs typeface="KoPubWorld돋움체 Medium" panose="00000600000000000000" pitchFamily="2" charset="-127"/>
-              </a:rPr>
-              <a:t> </a:t>
-            </a:r>
-            <a:r>
-              <a:rPr lang="en-US" altLang="ko-KR" sz="1400" dirty="0" smtClean="0">
-                <a:latin typeface="KoPubWorld돋움체 Medium" panose="00000600000000000000" pitchFamily="2" charset="-127"/>
-                <a:ea typeface="KoPubWorld돋움체 Medium" panose="00000600000000000000" pitchFamily="2" charset="-127"/>
-                <a:cs typeface="KoPubWorld돋움체 Medium" panose="00000600000000000000" pitchFamily="2" charset="-127"/>
-              </a:rPr>
-              <a:t> </a:t>
-            </a:r>
-            <a:r>
-              <a:rPr lang="en-US" altLang="ko-KR" sz="1400" dirty="0">
-                <a:latin typeface="KoPubWorld돋움체 Medium" panose="00000600000000000000" pitchFamily="2" charset="-127"/>
-                <a:ea typeface="KoPubWorld돋움체 Medium" panose="00000600000000000000" pitchFamily="2" charset="-127"/>
-                <a:cs typeface="KoPubWorld돋움체 Medium" panose="00000600000000000000" pitchFamily="2" charset="-127"/>
-              </a:rPr>
-              <a:t>- Large </a:t>
-            </a:r>
-            <a:r>
-              <a:rPr lang="ko-KR" altLang="en-US" sz="1400" dirty="0">
-                <a:latin typeface="KoPubWorld돋움체 Medium" panose="00000600000000000000" pitchFamily="2" charset="-127"/>
-                <a:ea typeface="KoPubWorld돋움체 Medium" panose="00000600000000000000" pitchFamily="2" charset="-127"/>
-                <a:cs typeface="KoPubWorld돋움체 Medium" panose="00000600000000000000" pitchFamily="2" charset="-127"/>
-              </a:rPr>
-              <a:t>버전은 </a:t>
-            </a:r>
-            <a:r>
-              <a:rPr lang="en-US" altLang="ko-KR" sz="1400" dirty="0">
-                <a:latin typeface="KoPubWorld돋움체 Medium" panose="00000600000000000000" pitchFamily="2" charset="-127"/>
-                <a:ea typeface="KoPubWorld돋움체 Medium" panose="00000600000000000000" pitchFamily="2" charset="-127"/>
-                <a:cs typeface="KoPubWorld돋움체 Medium" panose="00000600000000000000" pitchFamily="2" charset="-127"/>
-              </a:rPr>
-              <a:t>Base </a:t>
-            </a:r>
-            <a:r>
-              <a:rPr lang="ko-KR" altLang="en-US" sz="1400" dirty="0">
-                <a:latin typeface="KoPubWorld돋움체 Medium" panose="00000600000000000000" pitchFamily="2" charset="-127"/>
-                <a:ea typeface="KoPubWorld돋움체 Medium" panose="00000600000000000000" pitchFamily="2" charset="-127"/>
-                <a:cs typeface="KoPubWorld돋움체 Medium" panose="00000600000000000000" pitchFamily="2" charset="-127"/>
-              </a:rPr>
-              <a:t>버전보다 </a:t>
-            </a:r>
-            <a:r>
-              <a:rPr lang="en-US" altLang="ko-KR" sz="1400" dirty="0" err="1">
-                <a:latin typeface="KoPubWorld돋움체 Medium" panose="00000600000000000000" pitchFamily="2" charset="-127"/>
-                <a:ea typeface="KoPubWorld돋움체 Medium" panose="00000600000000000000" pitchFamily="2" charset="-127"/>
-                <a:cs typeface="KoPubWorld돋움체 Medium" panose="00000600000000000000" pitchFamily="2" charset="-127"/>
-              </a:rPr>
-              <a:t>d_model</a:t>
-            </a:r>
-            <a:r>
-              <a:rPr lang="ko-KR" altLang="en-US" sz="1400" dirty="0">
-                <a:latin typeface="KoPubWorld돋움체 Medium" panose="00000600000000000000" pitchFamily="2" charset="-127"/>
-                <a:ea typeface="KoPubWorld돋움체 Medium" panose="00000600000000000000" pitchFamily="2" charset="-127"/>
-                <a:cs typeface="KoPubWorld돋움체 Medium" panose="00000600000000000000" pitchFamily="2" charset="-127"/>
-              </a:rPr>
-              <a:t>의 크기나 </a:t>
-            </a:r>
-            <a:r>
-              <a:rPr lang="ko-KR" altLang="en-US" sz="1400" dirty="0" err="1">
-                <a:latin typeface="KoPubWorld돋움체 Medium" panose="00000600000000000000" pitchFamily="2" charset="-127"/>
-                <a:ea typeface="KoPubWorld돋움체 Medium" panose="00000600000000000000" pitchFamily="2" charset="-127"/>
-                <a:cs typeface="KoPubWorld돋움체 Medium" panose="00000600000000000000" pitchFamily="2" charset="-127"/>
-              </a:rPr>
-              <a:t>셀프</a:t>
-            </a:r>
-            <a:r>
-              <a:rPr lang="ko-KR" altLang="en-US" sz="1400" dirty="0">
-                <a:latin typeface="KoPubWorld돋움체 Medium" panose="00000600000000000000" pitchFamily="2" charset="-127"/>
-                <a:ea typeface="KoPubWorld돋움체 Medium" panose="00000600000000000000" pitchFamily="2" charset="-127"/>
-                <a:cs typeface="KoPubWorld돋움체 Medium" panose="00000600000000000000" pitchFamily="2" charset="-127"/>
-              </a:rPr>
-              <a:t> </a:t>
-            </a:r>
-            <a:r>
-              <a:rPr lang="ko-KR" altLang="en-US" sz="1400" dirty="0" err="1">
-                <a:latin typeface="KoPubWorld돋움체 Medium" panose="00000600000000000000" pitchFamily="2" charset="-127"/>
-                <a:ea typeface="KoPubWorld돋움체 Medium" panose="00000600000000000000" pitchFamily="2" charset="-127"/>
-                <a:cs typeface="KoPubWorld돋움체 Medium" panose="00000600000000000000" pitchFamily="2" charset="-127"/>
-              </a:rPr>
-              <a:t>어텐션</a:t>
-            </a:r>
-            <a:r>
-              <a:rPr lang="ko-KR" altLang="en-US" sz="1400" dirty="0">
-                <a:latin typeface="KoPubWorld돋움체 Medium" panose="00000600000000000000" pitchFamily="2" charset="-127"/>
-                <a:ea typeface="KoPubWorld돋움체 Medium" panose="00000600000000000000" pitchFamily="2" charset="-127"/>
-                <a:cs typeface="KoPubWorld돋움체 Medium" panose="00000600000000000000" pitchFamily="2" charset="-127"/>
-              </a:rPr>
-              <a:t> 헤드</a:t>
-            </a:r>
-            <a:r>
-              <a:rPr lang="en-US" altLang="ko-KR" sz="1400" dirty="0">
-                <a:latin typeface="KoPubWorld돋움체 Medium" panose="00000600000000000000" pitchFamily="2" charset="-127"/>
-                <a:ea typeface="KoPubWorld돋움체 Medium" panose="00000600000000000000" pitchFamily="2" charset="-127"/>
-                <a:cs typeface="KoPubWorld돋움체 Medium" panose="00000600000000000000" pitchFamily="2" charset="-127"/>
-              </a:rPr>
-              <a:t>(Self Attention Heads)</a:t>
-            </a:r>
-            <a:r>
-              <a:rPr lang="ko-KR" altLang="en-US" sz="1400" dirty="0">
-                <a:latin typeface="KoPubWorld돋움체 Medium" panose="00000600000000000000" pitchFamily="2" charset="-127"/>
-                <a:ea typeface="KoPubWorld돋움체 Medium" panose="00000600000000000000" pitchFamily="2" charset="-127"/>
-                <a:cs typeface="KoPubWorld돋움체 Medium" panose="00000600000000000000" pitchFamily="2" charset="-127"/>
-              </a:rPr>
-              <a:t>의 수가 더 </a:t>
-            </a:r>
-            <a:r>
-              <a:rPr lang="ko-KR" altLang="en-US" sz="1400" dirty="0" smtClean="0">
-                <a:latin typeface="KoPubWorld돋움체 Medium" panose="00000600000000000000" pitchFamily="2" charset="-127"/>
-                <a:ea typeface="KoPubWorld돋움체 Medium" panose="00000600000000000000" pitchFamily="2" charset="-127"/>
-                <a:cs typeface="KoPubWorld돋움체 Medium" panose="00000600000000000000" pitchFamily="2" charset="-127"/>
-              </a:rPr>
-              <a:t>큼</a:t>
-            </a:r>
-            <a:r>
-              <a:rPr lang="en-US" altLang="ko-KR" sz="1400" dirty="0" smtClean="0">
+        </p:txBody>
+      </p:sp>
+      <p:pic>
+        <p:nvPicPr>
+          <p:cNvPr id="2" name="그림 1"/>
+          <p:cNvPicPr>
+            <a:picLocks noChangeAspect="1"/>
+          </p:cNvPicPr>
+          <p:nvPr/>
+        </p:nvPicPr>
+        <p:blipFill>
+          <a:blip r:embed="rId2"/>
+          <a:stretch>
+            <a:fillRect/>
+          </a:stretch>
+        </p:blipFill>
+        <p:spPr>
+          <a:xfrm>
+            <a:off x="1520543" y="2596149"/>
+            <a:ext cx="2676514" cy="1525401"/>
+          </a:xfrm>
+          <a:prstGeom prst="rect">
+            <a:avLst/>
+          </a:prstGeom>
+        </p:spPr>
+      </p:pic>
+      <p:sp>
+        <p:nvSpPr>
+          <p:cNvPr id="6" name="TextBox 5"/>
+          <p:cNvSpPr txBox="1"/>
+          <p:nvPr/>
+        </p:nvSpPr>
+        <p:spPr>
+          <a:xfrm>
+            <a:off x="9591553" y="72083"/>
+            <a:ext cx="2204450" cy="246221"/>
+          </a:xfrm>
+          <a:prstGeom prst="rect">
+            <a:avLst/>
+          </a:prstGeom>
+          <a:noFill/>
+        </p:spPr>
+        <p:txBody>
+          <a:bodyPr wrap="none" rtlCol="0">
+            <a:spAutoFit/>
+          </a:bodyPr>
+          <a:lstStyle/>
+          <a:p>
+            <a:r>
+              <a:rPr lang="ko-KR" altLang="en-US" sz="1000" dirty="0" smtClean="0">
+                <a:solidFill>
+                  <a:schemeClr val="bg1">
+                    <a:lumMod val="75000"/>
+                  </a:schemeClr>
+                </a:solidFill>
+                <a:latin typeface="KoPubWorld돋움체 Light" panose="00000300000000000000" pitchFamily="2" charset="-127"/>
+                <a:ea typeface="KoPubWorld돋움체 Light" panose="00000300000000000000" pitchFamily="2" charset="-127"/>
+                <a:cs typeface="KoPubWorld돋움체 Light" panose="00000300000000000000" pitchFamily="2" charset="-127"/>
+              </a:rPr>
+              <a:t>출처</a:t>
+            </a:r>
+            <a:r>
+              <a:rPr lang="en-US" altLang="ko-KR" sz="1000" dirty="0" smtClean="0">
+                <a:solidFill>
+                  <a:schemeClr val="bg1">
+                    <a:lumMod val="75000"/>
+                  </a:schemeClr>
+                </a:solidFill>
+                <a:latin typeface="KoPubWorld돋움체 Light" panose="00000300000000000000" pitchFamily="2" charset="-127"/>
+                <a:ea typeface="KoPubWorld돋움체 Light" panose="00000300000000000000" pitchFamily="2" charset="-127"/>
+                <a:cs typeface="KoPubWorld돋움체 Light" panose="00000300000000000000" pitchFamily="2" charset="-127"/>
+              </a:rPr>
+              <a:t>: </a:t>
+            </a:r>
+            <a:r>
+              <a:rPr lang="ko-KR" altLang="en-US" sz="1000" dirty="0" err="1" smtClean="0">
+                <a:solidFill>
+                  <a:schemeClr val="bg1">
+                    <a:lumMod val="75000"/>
+                  </a:schemeClr>
+                </a:solidFill>
+                <a:latin typeface="KoPubWorld돋움체 Light" panose="00000300000000000000" pitchFamily="2" charset="-127"/>
+                <a:ea typeface="KoPubWorld돋움체 Light" panose="00000300000000000000" pitchFamily="2" charset="-127"/>
+                <a:cs typeface="KoPubWorld돋움체 Light" panose="00000300000000000000" pitchFamily="2" charset="-127"/>
+              </a:rPr>
+              <a:t>딥러닝을</a:t>
+            </a:r>
+            <a:r>
+              <a:rPr lang="ko-KR" altLang="en-US" sz="1000" dirty="0" smtClean="0">
+                <a:solidFill>
+                  <a:schemeClr val="bg1">
+                    <a:lumMod val="75000"/>
+                  </a:schemeClr>
+                </a:solidFill>
+                <a:latin typeface="KoPubWorld돋움체 Light" panose="00000300000000000000" pitchFamily="2" charset="-127"/>
+                <a:ea typeface="KoPubWorld돋움체 Light" panose="00000300000000000000" pitchFamily="2" charset="-127"/>
+                <a:cs typeface="KoPubWorld돋움체 Light" panose="00000300000000000000" pitchFamily="2" charset="-127"/>
+              </a:rPr>
+              <a:t> 이용한 자연어 처리 입문</a:t>
+            </a:r>
+            <a:endParaRPr lang="ko-KR" altLang="en-US" sz="1000" dirty="0">
+              <a:solidFill>
+                <a:schemeClr val="bg1">
+                  <a:lumMod val="75000"/>
+                </a:schemeClr>
+              </a:solidFill>
+              <a:latin typeface="KoPubWorld돋움체 Light" panose="00000300000000000000" pitchFamily="2" charset="-127"/>
+              <a:ea typeface="KoPubWorld돋움체 Light" panose="00000300000000000000" pitchFamily="2" charset="-127"/>
+              <a:cs typeface="KoPubWorld돋움체 Light" panose="00000300000000000000" pitchFamily="2" charset="-127"/>
+            </a:endParaRPr>
+          </a:p>
+        </p:txBody>
+      </p:sp>
+      <p:sp>
+        <p:nvSpPr>
+          <p:cNvPr id="8" name="TextBox 7"/>
+          <p:cNvSpPr txBox="1"/>
+          <p:nvPr/>
+        </p:nvSpPr>
+        <p:spPr>
+          <a:xfrm>
+            <a:off x="1520542" y="4126510"/>
+            <a:ext cx="3838637" cy="261610"/>
+          </a:xfrm>
+          <a:prstGeom prst="rect">
+            <a:avLst/>
+          </a:prstGeom>
+          <a:solidFill>
+            <a:schemeClr val="accent1">
+              <a:lumMod val="20000"/>
+              <a:lumOff val="80000"/>
+            </a:schemeClr>
+          </a:solidFill>
+        </p:spPr>
+        <p:txBody>
+          <a:bodyPr wrap="square" rtlCol="0">
+            <a:spAutoFit/>
+          </a:bodyPr>
+          <a:lstStyle/>
+          <a:p>
+            <a:pPr marL="171450" indent="-171450">
+              <a:buFont typeface="Arial" panose="020B0604020202020204" pitchFamily="34" charset="0"/>
+              <a:buChar char="•"/>
+            </a:pPr>
+            <a:r>
+              <a:rPr lang="ko-KR" altLang="en-US" sz="1100" dirty="0" smtClean="0">
+                <a:latin typeface="KoPubWorld돋움체 Medium" panose="00000600000000000000" pitchFamily="2" charset="-127"/>
+                <a:ea typeface="KoPubWorld돋움체 Medium" panose="00000600000000000000" pitchFamily="2" charset="-127"/>
+                <a:cs typeface="KoPubWorld돋움체 Medium" panose="00000600000000000000" pitchFamily="2" charset="-127"/>
+              </a:rPr>
+              <a:t>각 </a:t>
+            </a:r>
+            <a:r>
+              <a:rPr lang="en-US" altLang="ko-KR" sz="1100" dirty="0">
+                <a:latin typeface="KoPubWorld돋움체 Medium" panose="00000600000000000000" pitchFamily="2" charset="-127"/>
+                <a:ea typeface="KoPubWorld돋움체 Medium" panose="00000600000000000000" pitchFamily="2" charset="-127"/>
+                <a:cs typeface="KoPubWorld돋움체 Medium" panose="00000600000000000000" pitchFamily="2" charset="-127"/>
+              </a:rPr>
+              <a:t>768</a:t>
+            </a:r>
+            <a:r>
+              <a:rPr lang="ko-KR" altLang="en-US" sz="1100" dirty="0">
+                <a:latin typeface="KoPubWorld돋움체 Medium" panose="00000600000000000000" pitchFamily="2" charset="-127"/>
+                <a:ea typeface="KoPubWorld돋움체 Medium" panose="00000600000000000000" pitchFamily="2" charset="-127"/>
+                <a:cs typeface="KoPubWorld돋움체 Medium" panose="00000600000000000000" pitchFamily="2" charset="-127"/>
+              </a:rPr>
+              <a:t>차원의 </a:t>
+            </a:r>
+            <a:r>
+              <a:rPr lang="en-US" altLang="ko-KR" sz="1100" dirty="0">
+                <a:latin typeface="KoPubWorld돋움체 Medium" panose="00000600000000000000" pitchFamily="2" charset="-127"/>
+                <a:ea typeface="KoPubWorld돋움체 Medium" panose="00000600000000000000" pitchFamily="2" charset="-127"/>
+                <a:cs typeface="KoPubWorld돋움체 Medium" panose="00000600000000000000" pitchFamily="2" charset="-127"/>
+              </a:rPr>
+              <a:t>[CLS], I, love, you</a:t>
+            </a:r>
+            <a:r>
+              <a:rPr lang="ko-KR" altLang="en-US" sz="1100" dirty="0">
+                <a:latin typeface="KoPubWorld돋움체 Medium" panose="00000600000000000000" pitchFamily="2" charset="-127"/>
+                <a:ea typeface="KoPubWorld돋움체 Medium" panose="00000600000000000000" pitchFamily="2" charset="-127"/>
+                <a:cs typeface="KoPubWorld돋움체 Medium" panose="00000600000000000000" pitchFamily="2" charset="-127"/>
+              </a:rPr>
+              <a:t>라는 </a:t>
+            </a:r>
+            <a:r>
+              <a:rPr lang="en-US" altLang="ko-KR" sz="1100" dirty="0">
+                <a:latin typeface="KoPubWorld돋움체 Medium" panose="00000600000000000000" pitchFamily="2" charset="-127"/>
+                <a:ea typeface="KoPubWorld돋움체 Medium" panose="00000600000000000000" pitchFamily="2" charset="-127"/>
+                <a:cs typeface="KoPubWorld돋움체 Medium" panose="00000600000000000000" pitchFamily="2" charset="-127"/>
+              </a:rPr>
+              <a:t>4</a:t>
+            </a:r>
+            <a:r>
+              <a:rPr lang="ko-KR" altLang="en-US" sz="1100" dirty="0">
+                <a:latin typeface="KoPubWorld돋움체 Medium" panose="00000600000000000000" pitchFamily="2" charset="-127"/>
+                <a:ea typeface="KoPubWorld돋움체 Medium" panose="00000600000000000000" pitchFamily="2" charset="-127"/>
+                <a:cs typeface="KoPubWorld돋움체 Medium" panose="00000600000000000000" pitchFamily="2" charset="-127"/>
+              </a:rPr>
+              <a:t>개의 벡터를 </a:t>
+            </a:r>
+            <a:r>
+              <a:rPr lang="ko-KR" altLang="en-US" sz="1100" dirty="0" err="1" smtClean="0">
+                <a:latin typeface="KoPubWorld돋움체 Medium" panose="00000600000000000000" pitchFamily="2" charset="-127"/>
+                <a:ea typeface="KoPubWorld돋움체 Medium" panose="00000600000000000000" pitchFamily="2" charset="-127"/>
+                <a:cs typeface="KoPubWorld돋움체 Medium" panose="00000600000000000000" pitchFamily="2" charset="-127"/>
+              </a:rPr>
+              <a:t>입력받음</a:t>
+            </a:r>
+            <a:r>
+              <a:rPr lang="en-US" altLang="ko-KR" sz="1100" dirty="0" smtClean="0">
                 <a:latin typeface="KoPubWorld돋움체 Medium" panose="00000600000000000000" pitchFamily="2" charset="-127"/>
                 <a:ea typeface="KoPubWorld돋움체 Medium" panose="00000600000000000000" pitchFamily="2" charset="-127"/>
                 <a:cs typeface="KoPubWorld돋움체 Medium" panose="00000600000000000000" pitchFamily="2" charset="-127"/>
               </a:rPr>
               <a:t>.</a:t>
             </a:r>
-          </a:p>
-          <a:p>
-            <a:r>
-              <a:rPr lang="en-US" altLang="ko-KR" sz="1400" dirty="0">
-                <a:latin typeface="KoPubWorld돋움체 Medium" panose="00000600000000000000" pitchFamily="2" charset="-127"/>
-                <a:ea typeface="KoPubWorld돋움체 Medium" panose="00000600000000000000" pitchFamily="2" charset="-127"/>
-                <a:cs typeface="KoPubWorld돋움체 Medium" panose="00000600000000000000" pitchFamily="2" charset="-127"/>
-              </a:rPr>
-              <a:t> </a:t>
-            </a:r>
-            <a:r>
-              <a:rPr lang="en-US" altLang="ko-KR" sz="1400" dirty="0" smtClean="0">
-                <a:latin typeface="KoPubWorld돋움체 Medium" panose="00000600000000000000" pitchFamily="2" charset="-127"/>
-                <a:ea typeface="KoPubWorld돋움체 Medium" panose="00000600000000000000" pitchFamily="2" charset="-127"/>
-                <a:cs typeface="KoPubWorld돋움체 Medium" panose="00000600000000000000" pitchFamily="2" charset="-127"/>
-              </a:rPr>
-              <a:t> - </a:t>
-            </a:r>
-            <a:r>
-              <a:rPr lang="ko-KR" altLang="en-US" sz="1400" dirty="0">
-                <a:latin typeface="KoPubWorld돋움체 Medium" panose="00000600000000000000" pitchFamily="2" charset="-127"/>
-                <a:ea typeface="KoPubWorld돋움체 Medium" panose="00000600000000000000" pitchFamily="2" charset="-127"/>
-                <a:cs typeface="KoPubWorld돋움체 Medium" panose="00000600000000000000" pitchFamily="2" charset="-127"/>
-              </a:rPr>
-              <a:t>트랜스포머 인코더 층의 수를 </a:t>
-            </a:r>
-            <a:r>
-              <a:rPr lang="en-US" altLang="ko-KR" sz="1400" dirty="0">
-                <a:latin typeface="KoPubWorld돋움체 Medium" panose="00000600000000000000" pitchFamily="2" charset="-127"/>
-                <a:ea typeface="KoPubWorld돋움체 Medium" panose="00000600000000000000" pitchFamily="2" charset="-127"/>
-                <a:cs typeface="KoPubWorld돋움체 Medium" panose="00000600000000000000" pitchFamily="2" charset="-127"/>
-              </a:rPr>
-              <a:t>L, </a:t>
-            </a:r>
-            <a:r>
-              <a:rPr lang="en-US" altLang="ko-KR" sz="1400" dirty="0" err="1">
-                <a:latin typeface="KoPubWorld돋움체 Medium" panose="00000600000000000000" pitchFamily="2" charset="-127"/>
-                <a:ea typeface="KoPubWorld돋움체 Medium" panose="00000600000000000000" pitchFamily="2" charset="-127"/>
-                <a:cs typeface="KoPubWorld돋움체 Medium" panose="00000600000000000000" pitchFamily="2" charset="-127"/>
-              </a:rPr>
-              <a:t>d_model</a:t>
-            </a:r>
-            <a:r>
-              <a:rPr lang="ko-KR" altLang="en-US" sz="1400" dirty="0">
-                <a:latin typeface="KoPubWorld돋움체 Medium" panose="00000600000000000000" pitchFamily="2" charset="-127"/>
-                <a:ea typeface="KoPubWorld돋움체 Medium" panose="00000600000000000000" pitchFamily="2" charset="-127"/>
-                <a:cs typeface="KoPubWorld돋움체 Medium" panose="00000600000000000000" pitchFamily="2" charset="-127"/>
-              </a:rPr>
-              <a:t>의 크기를 </a:t>
-            </a:r>
-            <a:r>
-              <a:rPr lang="en-US" altLang="ko-KR" sz="1400" dirty="0">
-                <a:latin typeface="KoPubWorld돋움체 Medium" panose="00000600000000000000" pitchFamily="2" charset="-127"/>
-                <a:ea typeface="KoPubWorld돋움체 Medium" panose="00000600000000000000" pitchFamily="2" charset="-127"/>
-                <a:cs typeface="KoPubWorld돋움체 Medium" panose="00000600000000000000" pitchFamily="2" charset="-127"/>
-              </a:rPr>
-              <a:t>D, </a:t>
-            </a:r>
-            <a:r>
-              <a:rPr lang="ko-KR" altLang="en-US" sz="1400" dirty="0" err="1">
-                <a:latin typeface="KoPubWorld돋움체 Medium" panose="00000600000000000000" pitchFamily="2" charset="-127"/>
-                <a:ea typeface="KoPubWorld돋움체 Medium" panose="00000600000000000000" pitchFamily="2" charset="-127"/>
-                <a:cs typeface="KoPubWorld돋움체 Medium" panose="00000600000000000000" pitchFamily="2" charset="-127"/>
-              </a:rPr>
-              <a:t>셀프</a:t>
-            </a:r>
-            <a:r>
-              <a:rPr lang="ko-KR" altLang="en-US" sz="1400" dirty="0">
-                <a:latin typeface="KoPubWorld돋움체 Medium" panose="00000600000000000000" pitchFamily="2" charset="-127"/>
-                <a:ea typeface="KoPubWorld돋움체 Medium" panose="00000600000000000000" pitchFamily="2" charset="-127"/>
-                <a:cs typeface="KoPubWorld돋움체 Medium" panose="00000600000000000000" pitchFamily="2" charset="-127"/>
-              </a:rPr>
-              <a:t> </a:t>
-            </a:r>
-            <a:r>
-              <a:rPr lang="ko-KR" altLang="en-US" sz="1400" dirty="0" err="1">
-                <a:latin typeface="KoPubWorld돋움체 Medium" panose="00000600000000000000" pitchFamily="2" charset="-127"/>
-                <a:ea typeface="KoPubWorld돋움체 Medium" panose="00000600000000000000" pitchFamily="2" charset="-127"/>
-                <a:cs typeface="KoPubWorld돋움체 Medium" panose="00000600000000000000" pitchFamily="2" charset="-127"/>
-              </a:rPr>
-              <a:t>어텐션</a:t>
-            </a:r>
-            <a:r>
-              <a:rPr lang="ko-KR" altLang="en-US" sz="1400" dirty="0">
-                <a:latin typeface="KoPubWorld돋움체 Medium" panose="00000600000000000000" pitchFamily="2" charset="-127"/>
-                <a:ea typeface="KoPubWorld돋움체 Medium" panose="00000600000000000000" pitchFamily="2" charset="-127"/>
-                <a:cs typeface="KoPubWorld돋움체 Medium" panose="00000600000000000000" pitchFamily="2" charset="-127"/>
-              </a:rPr>
-              <a:t> 헤드의 수를 </a:t>
-            </a:r>
-            <a:r>
-              <a:rPr lang="en-US" altLang="ko-KR" sz="1400" dirty="0" smtClean="0">
-                <a:latin typeface="KoPubWorld돋움체 Medium" panose="00000600000000000000" pitchFamily="2" charset="-127"/>
-                <a:ea typeface="KoPubWorld돋움체 Medium" panose="00000600000000000000" pitchFamily="2" charset="-127"/>
-                <a:cs typeface="KoPubWorld돋움체 Medium" panose="00000600000000000000" pitchFamily="2" charset="-127"/>
-              </a:rPr>
-              <a:t>A</a:t>
-            </a:r>
-            <a:r>
-              <a:rPr lang="ko-KR" altLang="en-US" sz="1400" dirty="0" smtClean="0">
-                <a:latin typeface="KoPubWorld돋움체 Medium" panose="00000600000000000000" pitchFamily="2" charset="-127"/>
-                <a:ea typeface="KoPubWorld돋움체 Medium" panose="00000600000000000000" pitchFamily="2" charset="-127"/>
-                <a:cs typeface="KoPubWorld돋움체 Medium" panose="00000600000000000000" pitchFamily="2" charset="-127"/>
-              </a:rPr>
-              <a:t>라고 할 때</a:t>
-            </a:r>
-            <a:r>
-              <a:rPr lang="en-US" altLang="ko-KR" sz="1400" dirty="0" smtClean="0">
-                <a:latin typeface="KoPubWorld돋움체 Medium" panose="00000600000000000000" pitchFamily="2" charset="-127"/>
-                <a:ea typeface="KoPubWorld돋움체 Medium" panose="00000600000000000000" pitchFamily="2" charset="-127"/>
-                <a:cs typeface="KoPubWorld돋움체 Medium" panose="00000600000000000000" pitchFamily="2" charset="-127"/>
-              </a:rPr>
-              <a:t>,</a:t>
-            </a:r>
-            <a:endParaRPr lang="en-US" altLang="ko-KR" sz="1400" dirty="0">
+            <a:endParaRPr lang="ko-KR" altLang="en-US" sz="1100" dirty="0">
               <a:latin typeface="KoPubWorld돋움체 Medium" panose="00000600000000000000" pitchFamily="2" charset="-127"/>
               <a:ea typeface="KoPubWorld돋움체 Medium" panose="00000600000000000000" pitchFamily="2" charset="-127"/>
               <a:cs typeface="KoPubWorld돋움체 Medium" panose="00000600000000000000" pitchFamily="2" charset="-127"/>
             </a:endParaRPr>
           </a:p>
-          <a:p>
-            <a:pPr marL="742950" lvl="1" indent="-285750">
-              <a:buFont typeface="Arial" panose="020B0604020202020204" pitchFamily="34" charset="0"/>
-              <a:buChar char="•"/>
-            </a:pPr>
-            <a:r>
-              <a:rPr lang="en-US" altLang="ko-KR" sz="1400" dirty="0">
-                <a:latin typeface="KoPubWorld돋움체 Medium" panose="00000600000000000000" pitchFamily="2" charset="-127"/>
-                <a:ea typeface="KoPubWorld돋움체 Medium" panose="00000600000000000000" pitchFamily="2" charset="-127"/>
-                <a:cs typeface="KoPubWorld돋움체 Medium" panose="00000600000000000000" pitchFamily="2" charset="-127"/>
-              </a:rPr>
-              <a:t>BERT-Base : L=12, D=768, A=12 : 110M</a:t>
-            </a:r>
-            <a:r>
-              <a:rPr lang="ko-KR" altLang="en-US" sz="1400" dirty="0">
-                <a:latin typeface="KoPubWorld돋움체 Medium" panose="00000600000000000000" pitchFamily="2" charset="-127"/>
-                <a:ea typeface="KoPubWorld돋움체 Medium" panose="00000600000000000000" pitchFamily="2" charset="-127"/>
-                <a:cs typeface="KoPubWorld돋움체 Medium" panose="00000600000000000000" pitchFamily="2" charset="-127"/>
-              </a:rPr>
-              <a:t>개의 </a:t>
-            </a:r>
-            <a:r>
-              <a:rPr lang="ko-KR" altLang="en-US" sz="1400" dirty="0" err="1" smtClean="0">
-                <a:latin typeface="KoPubWorld돋움체 Medium" panose="00000600000000000000" pitchFamily="2" charset="-127"/>
-                <a:ea typeface="KoPubWorld돋움체 Medium" panose="00000600000000000000" pitchFamily="2" charset="-127"/>
-                <a:cs typeface="KoPubWorld돋움체 Medium" panose="00000600000000000000" pitchFamily="2" charset="-127"/>
-              </a:rPr>
-              <a:t>파라미터</a:t>
-            </a:r>
-            <a:r>
-              <a:rPr lang="ko-KR" altLang="en-US" sz="1400" dirty="0" smtClean="0">
-                <a:latin typeface="KoPubWorld돋움체 Medium" panose="00000600000000000000" pitchFamily="2" charset="-127"/>
-                <a:ea typeface="KoPubWorld돋움체 Medium" panose="00000600000000000000" pitchFamily="2" charset="-127"/>
-                <a:cs typeface="KoPubWorld돋움체 Medium" panose="00000600000000000000" pitchFamily="2" charset="-127"/>
-              </a:rPr>
-              <a:t> </a:t>
-            </a:r>
-            <a:r>
-              <a:rPr lang="en-US" altLang="ko-KR" sz="1400" dirty="0">
-                <a:latin typeface="KoPubWorld돋움체 Medium" panose="00000600000000000000" pitchFamily="2" charset="-127"/>
-                <a:ea typeface="KoPubWorld돋움체 Medium" panose="00000600000000000000" pitchFamily="2" charset="-127"/>
-                <a:cs typeface="KoPubWorld돋움체 Medium" panose="00000600000000000000" pitchFamily="2" charset="-127"/>
-              </a:rPr>
-              <a:t>(GPT-1</a:t>
-            </a:r>
-            <a:r>
-              <a:rPr lang="ko-KR" altLang="en-US" sz="1400" dirty="0">
-                <a:latin typeface="KoPubWorld돋움체 Medium" panose="00000600000000000000" pitchFamily="2" charset="-127"/>
-                <a:ea typeface="KoPubWorld돋움체 Medium" panose="00000600000000000000" pitchFamily="2" charset="-127"/>
-                <a:cs typeface="KoPubWorld돋움체 Medium" panose="00000600000000000000" pitchFamily="2" charset="-127"/>
-              </a:rPr>
-              <a:t>과 성능을 비교하기 위해서 </a:t>
-            </a:r>
-            <a:r>
-              <a:rPr lang="en-US" altLang="ko-KR" sz="1400" dirty="0">
-                <a:latin typeface="KoPubWorld돋움체 Medium" panose="00000600000000000000" pitchFamily="2" charset="-127"/>
-                <a:ea typeface="KoPubWorld돋움체 Medium" panose="00000600000000000000" pitchFamily="2" charset="-127"/>
-                <a:cs typeface="KoPubWorld돋움체 Medium" panose="00000600000000000000" pitchFamily="2" charset="-127"/>
-              </a:rPr>
-              <a:t>GPT-1</a:t>
-            </a:r>
-            <a:r>
-              <a:rPr lang="ko-KR" altLang="en-US" sz="1400" dirty="0">
-                <a:latin typeface="KoPubWorld돋움체 Medium" panose="00000600000000000000" pitchFamily="2" charset="-127"/>
-                <a:ea typeface="KoPubWorld돋움체 Medium" panose="00000600000000000000" pitchFamily="2" charset="-127"/>
-                <a:cs typeface="KoPubWorld돋움체 Medium" panose="00000600000000000000" pitchFamily="2" charset="-127"/>
-              </a:rPr>
-              <a:t>과 동등한 크기로 </a:t>
-            </a:r>
-            <a:r>
-              <a:rPr lang="en-US" altLang="ko-KR" sz="1400" dirty="0">
-                <a:latin typeface="KoPubWorld돋움체 Medium" panose="00000600000000000000" pitchFamily="2" charset="-127"/>
-                <a:ea typeface="KoPubWorld돋움체 Medium" panose="00000600000000000000" pitchFamily="2" charset="-127"/>
-                <a:cs typeface="KoPubWorld돋움체 Medium" panose="00000600000000000000" pitchFamily="2" charset="-127"/>
-              </a:rPr>
-              <a:t>BERT-Base</a:t>
-            </a:r>
-            <a:r>
-              <a:rPr lang="ko-KR" altLang="en-US" sz="1400" dirty="0">
-                <a:latin typeface="KoPubWorld돋움체 Medium" panose="00000600000000000000" pitchFamily="2" charset="-127"/>
-                <a:ea typeface="KoPubWorld돋움체 Medium" panose="00000600000000000000" pitchFamily="2" charset="-127"/>
-                <a:cs typeface="KoPubWorld돋움체 Medium" panose="00000600000000000000" pitchFamily="2" charset="-127"/>
-              </a:rPr>
-              <a:t>를 </a:t>
-            </a:r>
-            <a:r>
-              <a:rPr lang="ko-KR" altLang="en-US" sz="1400" dirty="0" smtClean="0">
-                <a:latin typeface="KoPubWorld돋움체 Medium" panose="00000600000000000000" pitchFamily="2" charset="-127"/>
-                <a:ea typeface="KoPubWorld돋움체 Medium" panose="00000600000000000000" pitchFamily="2" charset="-127"/>
-                <a:cs typeface="KoPubWorld돋움체 Medium" panose="00000600000000000000" pitchFamily="2" charset="-127"/>
-              </a:rPr>
-              <a:t>설계</a:t>
-            </a:r>
-            <a:r>
-              <a:rPr lang="en-US" altLang="ko-KR" sz="1400" dirty="0" smtClean="0">
-                <a:latin typeface="KoPubWorld돋움체 Medium" panose="00000600000000000000" pitchFamily="2" charset="-127"/>
-                <a:ea typeface="KoPubWorld돋움체 Medium" panose="00000600000000000000" pitchFamily="2" charset="-127"/>
-                <a:cs typeface="KoPubWorld돋움체 Medium" panose="00000600000000000000" pitchFamily="2" charset="-127"/>
-              </a:rPr>
-              <a:t>)</a:t>
-            </a:r>
-            <a:endParaRPr lang="ko-KR" altLang="en-US" sz="1400" dirty="0">
-              <a:latin typeface="KoPubWorld돋움체 Medium" panose="00000600000000000000" pitchFamily="2" charset="-127"/>
-              <a:ea typeface="KoPubWorld돋움체 Medium" panose="00000600000000000000" pitchFamily="2" charset="-127"/>
-              <a:cs typeface="KoPubWorld돋움체 Medium" panose="00000600000000000000" pitchFamily="2" charset="-127"/>
-            </a:endParaRPr>
-          </a:p>
-          <a:p>
-            <a:pPr marL="742950" lvl="1" indent="-285750">
-              <a:buFont typeface="Arial" panose="020B0604020202020204" pitchFamily="34" charset="0"/>
-              <a:buChar char="•"/>
-            </a:pPr>
-            <a:r>
-              <a:rPr lang="en-US" altLang="ko-KR" sz="1400" dirty="0">
-                <a:latin typeface="KoPubWorld돋움체 Medium" panose="00000600000000000000" pitchFamily="2" charset="-127"/>
-                <a:ea typeface="KoPubWorld돋움체 Medium" panose="00000600000000000000" pitchFamily="2" charset="-127"/>
-                <a:cs typeface="KoPubWorld돋움체 Medium" panose="00000600000000000000" pitchFamily="2" charset="-127"/>
-              </a:rPr>
-              <a:t>BERT-Large : L=24, D=1024, A=16 : 340M</a:t>
-            </a:r>
-            <a:r>
-              <a:rPr lang="ko-KR" altLang="en-US" sz="1400" dirty="0">
-                <a:latin typeface="KoPubWorld돋움체 Medium" panose="00000600000000000000" pitchFamily="2" charset="-127"/>
-                <a:ea typeface="KoPubWorld돋움체 Medium" panose="00000600000000000000" pitchFamily="2" charset="-127"/>
-                <a:cs typeface="KoPubWorld돋움체 Medium" panose="00000600000000000000" pitchFamily="2" charset="-127"/>
-              </a:rPr>
-              <a:t>개의 </a:t>
-            </a:r>
-            <a:r>
-              <a:rPr lang="ko-KR" altLang="en-US" sz="1400" dirty="0" err="1" smtClean="0">
-                <a:latin typeface="KoPubWorld돋움체 Medium" panose="00000600000000000000" pitchFamily="2" charset="-127"/>
-                <a:ea typeface="KoPubWorld돋움체 Medium" panose="00000600000000000000" pitchFamily="2" charset="-127"/>
-                <a:cs typeface="KoPubWorld돋움체 Medium" panose="00000600000000000000" pitchFamily="2" charset="-127"/>
-              </a:rPr>
-              <a:t>파라미터</a:t>
-            </a:r>
-            <a:r>
-              <a:rPr lang="ko-KR" altLang="en-US" sz="1400" dirty="0" smtClean="0">
-                <a:latin typeface="KoPubWorld돋움체 Medium" panose="00000600000000000000" pitchFamily="2" charset="-127"/>
-                <a:ea typeface="KoPubWorld돋움체 Medium" panose="00000600000000000000" pitchFamily="2" charset="-127"/>
-                <a:cs typeface="KoPubWorld돋움체 Medium" panose="00000600000000000000" pitchFamily="2" charset="-127"/>
-              </a:rPr>
-              <a:t> </a:t>
-            </a:r>
-            <a:r>
-              <a:rPr lang="en-US" altLang="ko-KR" sz="1400" dirty="0" smtClean="0">
-                <a:latin typeface="KoPubWorld돋움체 Medium" panose="00000600000000000000" pitchFamily="2" charset="-127"/>
-                <a:ea typeface="KoPubWorld돋움체 Medium" panose="00000600000000000000" pitchFamily="2" charset="-127"/>
-                <a:cs typeface="KoPubWorld돋움체 Medium" panose="00000600000000000000" pitchFamily="2" charset="-127"/>
-              </a:rPr>
-              <a:t>(BERT</a:t>
-            </a:r>
-            <a:r>
-              <a:rPr lang="ko-KR" altLang="en-US" sz="1400" dirty="0" smtClean="0">
-                <a:latin typeface="KoPubWorld돋움체 Medium" panose="00000600000000000000" pitchFamily="2" charset="-127"/>
-                <a:ea typeface="KoPubWorld돋움체 Medium" panose="00000600000000000000" pitchFamily="2" charset="-127"/>
-                <a:cs typeface="KoPubWorld돋움체 Medium" panose="00000600000000000000" pitchFamily="2" charset="-127"/>
-              </a:rPr>
-              <a:t>의 최대 성능을 보여주기 위함</a:t>
-            </a:r>
-            <a:r>
-              <a:rPr lang="en-US" altLang="ko-KR" sz="1400" dirty="0" smtClean="0">
-                <a:latin typeface="KoPubWorld돋움체 Medium" panose="00000600000000000000" pitchFamily="2" charset="-127"/>
-                <a:ea typeface="KoPubWorld돋움체 Medium" panose="00000600000000000000" pitchFamily="2" charset="-127"/>
-                <a:cs typeface="KoPubWorld돋움체 Medium" panose="00000600000000000000" pitchFamily="2" charset="-127"/>
-              </a:rPr>
-              <a:t>)</a:t>
-            </a:r>
-          </a:p>
-          <a:p>
-            <a:r>
-              <a:rPr lang="en-US" altLang="ko-KR" sz="1400" dirty="0" smtClean="0">
-                <a:latin typeface="KoPubWorld돋움체 Medium" panose="00000600000000000000" pitchFamily="2" charset="-127"/>
-                <a:ea typeface="KoPubWorld돋움체 Medium" panose="00000600000000000000" pitchFamily="2" charset="-127"/>
-                <a:cs typeface="KoPubWorld돋움체 Medium" panose="00000600000000000000" pitchFamily="2" charset="-127"/>
-              </a:rPr>
-              <a:t>  - </a:t>
-            </a:r>
-            <a:r>
-              <a:rPr lang="en-US" altLang="ko-KR" sz="1400" dirty="0" err="1" smtClean="0">
-                <a:latin typeface="KoPubWorld돋움체 Medium" panose="00000600000000000000" pitchFamily="2" charset="-127"/>
-                <a:ea typeface="KoPubWorld돋움체 Medium" panose="00000600000000000000" pitchFamily="2" charset="-127"/>
-                <a:cs typeface="KoPubWorld돋움체 Medium" panose="00000600000000000000" pitchFamily="2" charset="-127"/>
-              </a:rPr>
-              <a:t>cf</a:t>
-            </a:r>
-            <a:r>
-              <a:rPr lang="en-US" altLang="ko-KR" sz="1400" dirty="0" smtClean="0">
-                <a:latin typeface="KoPubWorld돋움체 Medium" panose="00000600000000000000" pitchFamily="2" charset="-127"/>
-                <a:ea typeface="KoPubWorld돋움체 Medium" panose="00000600000000000000" pitchFamily="2" charset="-127"/>
-                <a:cs typeface="KoPubWorld돋움체 Medium" panose="00000600000000000000" pitchFamily="2" charset="-127"/>
-              </a:rPr>
-              <a:t>) </a:t>
-            </a:r>
-            <a:r>
-              <a:rPr lang="ko-KR" altLang="en-US" sz="1400" dirty="0">
-                <a:latin typeface="KoPubWorld돋움체 Medium" panose="00000600000000000000" pitchFamily="2" charset="-127"/>
-                <a:ea typeface="KoPubWorld돋움체 Medium" panose="00000600000000000000" pitchFamily="2" charset="-127"/>
-                <a:cs typeface="KoPubWorld돋움체 Medium" panose="00000600000000000000" pitchFamily="2" charset="-127"/>
-              </a:rPr>
-              <a:t>초기 트랜스포머 모델</a:t>
-            </a:r>
-            <a:r>
-              <a:rPr lang="en-US" altLang="ko-KR" sz="1400" dirty="0">
-                <a:latin typeface="KoPubWorld돋움체 Medium" panose="00000600000000000000" pitchFamily="2" charset="-127"/>
-                <a:ea typeface="KoPubWorld돋움체 Medium" panose="00000600000000000000" pitchFamily="2" charset="-127"/>
-                <a:cs typeface="KoPubWorld돋움체 Medium" panose="00000600000000000000" pitchFamily="2" charset="-127"/>
-              </a:rPr>
-              <a:t>(</a:t>
-            </a:r>
-            <a:r>
-              <a:rPr lang="en-US" altLang="ko-KR" sz="1400" dirty="0">
-                <a:latin typeface="KoPubWorld돋움체 Medium" panose="00000600000000000000" pitchFamily="2" charset="-127"/>
-                <a:ea typeface="KoPubWorld돋움체 Medium" panose="00000600000000000000" pitchFamily="2" charset="-127"/>
-                <a:cs typeface="KoPubWorld돋움체 Medium" panose="00000600000000000000" pitchFamily="2" charset="-127"/>
-                <a:hlinkClick r:id="rId2"/>
-              </a:rPr>
-              <a:t>https://wikidocs.net/31379</a:t>
-            </a:r>
-            <a:r>
-              <a:rPr lang="en-US" altLang="ko-KR" sz="1400" dirty="0" smtClean="0">
-                <a:latin typeface="KoPubWorld돋움체 Medium" panose="00000600000000000000" pitchFamily="2" charset="-127"/>
-                <a:ea typeface="KoPubWorld돋움체 Medium" panose="00000600000000000000" pitchFamily="2" charset="-127"/>
-                <a:cs typeface="KoPubWorld돋움체 Medium" panose="00000600000000000000" pitchFamily="2" charset="-127"/>
-              </a:rPr>
-              <a:t>)</a:t>
-            </a:r>
-            <a:r>
-              <a:rPr lang="ko-KR" altLang="en-US" sz="1400" dirty="0" smtClean="0">
-                <a:latin typeface="KoPubWorld돋움체 Medium" panose="00000600000000000000" pitchFamily="2" charset="-127"/>
-                <a:ea typeface="KoPubWorld돋움체 Medium" panose="00000600000000000000" pitchFamily="2" charset="-127"/>
-                <a:cs typeface="KoPubWorld돋움체 Medium" panose="00000600000000000000" pitchFamily="2" charset="-127"/>
-              </a:rPr>
-              <a:t> </a:t>
-            </a:r>
-            <a:r>
-              <a:rPr lang="ko-KR" altLang="en-US" sz="1400" dirty="0" err="1" smtClean="0">
-                <a:latin typeface="KoPubWorld돋움체 Medium" panose="00000600000000000000" pitchFamily="2" charset="-127"/>
-                <a:ea typeface="KoPubWorld돋움체 Medium" panose="00000600000000000000" pitchFamily="2" charset="-127"/>
-                <a:cs typeface="KoPubWorld돋움체 Medium" panose="00000600000000000000" pitchFamily="2" charset="-127"/>
-              </a:rPr>
-              <a:t>파라미터</a:t>
-            </a:r>
-            <a:r>
-              <a:rPr lang="ko-KR" altLang="en-US" sz="1400" dirty="0" smtClean="0">
-                <a:latin typeface="KoPubWorld돋움체 Medium" panose="00000600000000000000" pitchFamily="2" charset="-127"/>
-                <a:ea typeface="KoPubWorld돋움체 Medium" panose="00000600000000000000" pitchFamily="2" charset="-127"/>
-                <a:cs typeface="KoPubWorld돋움체 Medium" panose="00000600000000000000" pitchFamily="2" charset="-127"/>
-              </a:rPr>
-              <a:t> 정보</a:t>
-            </a:r>
-            <a:r>
-              <a:rPr lang="en-US" altLang="ko-KR" sz="1400" dirty="0" smtClean="0">
-                <a:latin typeface="KoPubWorld돋움체 Medium" panose="00000600000000000000" pitchFamily="2" charset="-127"/>
-                <a:ea typeface="KoPubWorld돋움체 Medium" panose="00000600000000000000" pitchFamily="2" charset="-127"/>
-                <a:cs typeface="KoPubWorld돋움체 Medium" panose="00000600000000000000" pitchFamily="2" charset="-127"/>
-              </a:rPr>
-              <a:t>:</a:t>
-            </a:r>
-            <a:r>
-              <a:rPr lang="ko-KR" altLang="en-US" sz="1400" dirty="0" smtClean="0">
-                <a:latin typeface="KoPubWorld돋움체 Medium" panose="00000600000000000000" pitchFamily="2" charset="-127"/>
-                <a:ea typeface="KoPubWorld돋움체 Medium" panose="00000600000000000000" pitchFamily="2" charset="-127"/>
-                <a:cs typeface="KoPubWorld돋움체 Medium" panose="00000600000000000000" pitchFamily="2" charset="-127"/>
-              </a:rPr>
-              <a:t> </a:t>
-            </a:r>
-            <a:r>
-              <a:rPr lang="en-US" altLang="ko-KR" sz="1400" dirty="0">
-                <a:latin typeface="KoPubWorld돋움체 Medium" panose="00000600000000000000" pitchFamily="2" charset="-127"/>
-                <a:ea typeface="KoPubWorld돋움체 Medium" panose="00000600000000000000" pitchFamily="2" charset="-127"/>
-                <a:cs typeface="KoPubWorld돋움체 Medium" panose="00000600000000000000" pitchFamily="2" charset="-127"/>
-              </a:rPr>
-              <a:t>L=6, D=512, A=8</a:t>
-            </a:r>
-          </a:p>
-          <a:p>
-            <a:endParaRPr lang="en-US" altLang="ko-KR" sz="1400" dirty="0" smtClean="0">
-              <a:latin typeface="KoPubWorld돋움체 Medium" panose="00000600000000000000" pitchFamily="2" charset="-127"/>
-              <a:ea typeface="KoPubWorld돋움체 Medium" panose="00000600000000000000" pitchFamily="2" charset="-127"/>
-              <a:cs typeface="KoPubWorld돋움체 Medium" panose="00000600000000000000" pitchFamily="2" charset="-127"/>
-            </a:endParaRPr>
-          </a:p>
-          <a:p>
-            <a:endParaRPr lang="en-US" altLang="ko-KR" sz="1400" dirty="0" smtClean="0">
-              <a:latin typeface="KoPubWorld돋움체 Medium" panose="00000600000000000000" pitchFamily="2" charset="-127"/>
-              <a:ea typeface="KoPubWorld돋움체 Medium" panose="00000600000000000000" pitchFamily="2" charset="-127"/>
-              <a:cs typeface="KoPubWorld돋움체 Medium" panose="00000600000000000000" pitchFamily="2" charset="-127"/>
-            </a:endParaRPr>
-          </a:p>
-          <a:p>
-            <a:endParaRPr lang="ko-KR" altLang="en-US" sz="1400" dirty="0">
-              <a:latin typeface="KoPubWorld돋움체 Medium" panose="00000600000000000000" pitchFamily="2" charset="-127"/>
-              <a:ea typeface="KoPubWorld돋움체 Medium" panose="00000600000000000000" pitchFamily="2" charset="-127"/>
-              <a:cs typeface="KoPubWorld돋움체 Medium" panose="00000600000000000000" pitchFamily="2" charset="-127"/>
-            </a:endParaRPr>
-          </a:p>
         </p:txBody>
       </p:sp>
       <p:pic>
         <p:nvPicPr>
-          <p:cNvPr id="2" name="그림 1"/>
+          <p:cNvPr id="3" name="그림 2"/>
           <p:cNvPicPr>
             <a:picLocks noChangeAspect="1"/>
           </p:cNvPicPr>
@@ -8806,8 +9452,8 @@
         </p:blipFill>
         <p:spPr>
           <a:xfrm>
-            <a:off x="676833" y="3084112"/>
-            <a:ext cx="3609975" cy="2057400"/>
+            <a:off x="5704372" y="2596826"/>
+            <a:ext cx="4998085" cy="1524724"/>
           </a:xfrm>
           <a:prstGeom prst="rect">
             <a:avLst/>
@@ -8816,87 +9462,517 @@
       </p:pic>
       <p:sp>
         <p:nvSpPr>
-          <p:cNvPr id="6" name="TextBox 5"/>
+          <p:cNvPr id="10" name="TextBox 9"/>
           <p:cNvSpPr txBox="1"/>
           <p:nvPr/>
         </p:nvSpPr>
         <p:spPr>
           <a:xfrm>
-            <a:off x="9591553" y="72083"/>
-            <a:ext cx="2204450" cy="246221"/>
+            <a:off x="5704372" y="4126510"/>
+            <a:ext cx="5737556" cy="261610"/>
+          </a:xfrm>
+          <a:prstGeom prst="rect">
+            <a:avLst/>
+          </a:prstGeom>
+          <a:solidFill>
+            <a:schemeClr val="accent1">
+              <a:lumMod val="20000"/>
+              <a:lumOff val="80000"/>
+            </a:schemeClr>
+          </a:solidFill>
+        </p:spPr>
+        <p:txBody>
+          <a:bodyPr wrap="square" rtlCol="0">
+            <a:spAutoFit/>
+          </a:bodyPr>
+          <a:lstStyle/>
+          <a:p>
+            <a:pPr marL="171450" indent="-171450">
+              <a:buFont typeface="Arial" panose="020B0604020202020204" pitchFamily="34" charset="0"/>
+              <a:buChar char="•"/>
+            </a:pPr>
+            <a:r>
+              <a:rPr lang="ko-KR" altLang="en-US" sz="1100" dirty="0">
+                <a:latin typeface="KoPubWorld돋움체 Medium" panose="00000600000000000000" pitchFamily="2" charset="-127"/>
+                <a:ea typeface="KoPubWorld돋움체 Medium" panose="00000600000000000000" pitchFamily="2" charset="-127"/>
+                <a:cs typeface="KoPubWorld돋움체 Medium" panose="00000600000000000000" pitchFamily="2" charset="-127"/>
+              </a:rPr>
+              <a:t>단순히 </a:t>
+            </a:r>
+            <a:r>
+              <a:rPr lang="ko-KR" altLang="en-US" sz="1100" dirty="0" err="1">
+                <a:latin typeface="KoPubWorld돋움체 Medium" panose="00000600000000000000" pitchFamily="2" charset="-127"/>
+                <a:ea typeface="KoPubWorld돋움체 Medium" panose="00000600000000000000" pitchFamily="2" charset="-127"/>
+                <a:cs typeface="KoPubWorld돋움체 Medium" panose="00000600000000000000" pitchFamily="2" charset="-127"/>
+              </a:rPr>
+              <a:t>임베딩</a:t>
+            </a:r>
+            <a:r>
+              <a:rPr lang="ko-KR" altLang="en-US" sz="1100" dirty="0">
+                <a:latin typeface="KoPubWorld돋움체 Medium" panose="00000600000000000000" pitchFamily="2" charset="-127"/>
+                <a:ea typeface="KoPubWorld돋움체 Medium" panose="00000600000000000000" pitchFamily="2" charset="-127"/>
+                <a:cs typeface="KoPubWorld돋움체 Medium" panose="00000600000000000000" pitchFamily="2" charset="-127"/>
+              </a:rPr>
+              <a:t> 층</a:t>
+            </a:r>
+            <a:r>
+              <a:rPr lang="en-US" altLang="ko-KR" sz="1100" dirty="0">
+                <a:latin typeface="KoPubWorld돋움체 Medium" panose="00000600000000000000" pitchFamily="2" charset="-127"/>
+                <a:ea typeface="KoPubWorld돋움체 Medium" panose="00000600000000000000" pitchFamily="2" charset="-127"/>
+                <a:cs typeface="KoPubWorld돋움체 Medium" panose="00000600000000000000" pitchFamily="2" charset="-127"/>
+              </a:rPr>
+              <a:t>(embedding layer)</a:t>
+            </a:r>
+            <a:r>
+              <a:rPr lang="ko-KR" altLang="en-US" sz="1100" dirty="0">
+                <a:latin typeface="KoPubWorld돋움체 Medium" panose="00000600000000000000" pitchFamily="2" charset="-127"/>
+                <a:ea typeface="KoPubWorld돋움체 Medium" panose="00000600000000000000" pitchFamily="2" charset="-127"/>
+                <a:cs typeface="KoPubWorld돋움체 Medium" panose="00000600000000000000" pitchFamily="2" charset="-127"/>
+              </a:rPr>
+              <a:t>를 지난 </a:t>
+            </a:r>
+            <a:r>
+              <a:rPr lang="ko-KR" altLang="en-US" sz="1100" dirty="0" err="1">
+                <a:latin typeface="KoPubWorld돋움체 Medium" panose="00000600000000000000" pitchFamily="2" charset="-127"/>
+                <a:ea typeface="KoPubWorld돋움체 Medium" panose="00000600000000000000" pitchFamily="2" charset="-127"/>
+                <a:cs typeface="KoPubWorld돋움체 Medium" panose="00000600000000000000" pitchFamily="2" charset="-127"/>
+              </a:rPr>
+              <a:t>임베딩</a:t>
+            </a:r>
+            <a:r>
+              <a:rPr lang="ko-KR" altLang="en-US" sz="1100" dirty="0">
+                <a:latin typeface="KoPubWorld돋움체 Medium" panose="00000600000000000000" pitchFamily="2" charset="-127"/>
+                <a:ea typeface="KoPubWorld돋움체 Medium" panose="00000600000000000000" pitchFamily="2" charset="-127"/>
+                <a:cs typeface="KoPubWorld돋움체 Medium" panose="00000600000000000000" pitchFamily="2" charset="-127"/>
+              </a:rPr>
+              <a:t> 벡터</a:t>
+            </a:r>
+          </a:p>
+        </p:txBody>
+      </p:sp>
+      <p:sp>
+        <p:nvSpPr>
+          <p:cNvPr id="11" name="TextBox 10"/>
+          <p:cNvSpPr txBox="1"/>
+          <p:nvPr/>
+        </p:nvSpPr>
+        <p:spPr>
+          <a:xfrm>
+            <a:off x="5704372" y="2344757"/>
+            <a:ext cx="5737556" cy="261610"/>
+          </a:xfrm>
+          <a:prstGeom prst="rect">
+            <a:avLst/>
+          </a:prstGeom>
+          <a:solidFill>
+            <a:schemeClr val="tx2">
+              <a:lumMod val="20000"/>
+              <a:lumOff val="80000"/>
+            </a:schemeClr>
+          </a:solidFill>
+        </p:spPr>
+        <p:txBody>
+          <a:bodyPr wrap="square" rtlCol="0">
+            <a:spAutoFit/>
+          </a:bodyPr>
+          <a:lstStyle/>
+          <a:p>
+            <a:pPr marL="171450" indent="-171450">
+              <a:buFont typeface="Arial" panose="020B0604020202020204" pitchFamily="34" charset="0"/>
+              <a:buChar char="•"/>
+            </a:pPr>
+            <a:r>
+              <a:rPr lang="en-US" altLang="ko-KR" sz="1100" dirty="0">
+                <a:latin typeface="KoPubWorld돋움체 Medium" panose="00000600000000000000" pitchFamily="2" charset="-127"/>
+                <a:ea typeface="KoPubWorld돋움체 Medium" panose="00000600000000000000" pitchFamily="2" charset="-127"/>
+                <a:cs typeface="KoPubWorld돋움체 Medium" panose="00000600000000000000" pitchFamily="2" charset="-127"/>
+              </a:rPr>
+              <a:t>[CLS], I, love, you</a:t>
+            </a:r>
+            <a:r>
+              <a:rPr lang="ko-KR" altLang="en-US" sz="1100" dirty="0">
+                <a:latin typeface="KoPubWorld돋움체 Medium" panose="00000600000000000000" pitchFamily="2" charset="-127"/>
+                <a:ea typeface="KoPubWorld돋움체 Medium" panose="00000600000000000000" pitchFamily="2" charset="-127"/>
+                <a:cs typeface="KoPubWorld돋움체 Medium" panose="00000600000000000000" pitchFamily="2" charset="-127"/>
+              </a:rPr>
+              <a:t>라는 모든 단어 벡터들을 모두 참고한 후에 문맥 정보를 가진 벡터</a:t>
+            </a:r>
+          </a:p>
+        </p:txBody>
+      </p:sp>
+      <p:sp>
+        <p:nvSpPr>
+          <p:cNvPr id="12" name="TextBox 11"/>
+          <p:cNvSpPr txBox="1"/>
+          <p:nvPr/>
+        </p:nvSpPr>
+        <p:spPr>
+          <a:xfrm>
+            <a:off x="1520542" y="2344757"/>
+            <a:ext cx="3838637" cy="261610"/>
+          </a:xfrm>
+          <a:prstGeom prst="rect">
+            <a:avLst/>
+          </a:prstGeom>
+          <a:solidFill>
+            <a:schemeClr val="tx2">
+              <a:lumMod val="20000"/>
+              <a:lumOff val="80000"/>
+            </a:schemeClr>
+          </a:solidFill>
+        </p:spPr>
+        <p:txBody>
+          <a:bodyPr wrap="square" rtlCol="0">
+            <a:spAutoFit/>
+          </a:bodyPr>
+          <a:lstStyle/>
+          <a:p>
+            <a:pPr marL="171450" indent="-171450">
+              <a:buFont typeface="Arial" panose="020B0604020202020204" pitchFamily="34" charset="0"/>
+              <a:buChar char="•"/>
+            </a:pPr>
+            <a:r>
+              <a:rPr lang="en-US" altLang="ko-KR" sz="1100" dirty="0" smtClean="0">
+                <a:latin typeface="KoPubWorld돋움체 Medium" panose="00000600000000000000" pitchFamily="2" charset="-127"/>
+                <a:ea typeface="KoPubWorld돋움체 Medium" panose="00000600000000000000" pitchFamily="2" charset="-127"/>
+                <a:cs typeface="KoPubWorld돋움체 Medium" panose="00000600000000000000" pitchFamily="2" charset="-127"/>
+              </a:rPr>
+              <a:t>768</a:t>
+            </a:r>
+            <a:r>
+              <a:rPr lang="ko-KR" altLang="en-US" sz="1100" dirty="0">
+                <a:latin typeface="KoPubWorld돋움체 Medium" panose="00000600000000000000" pitchFamily="2" charset="-127"/>
+                <a:ea typeface="KoPubWorld돋움체 Medium" panose="00000600000000000000" pitchFamily="2" charset="-127"/>
+                <a:cs typeface="KoPubWorld돋움체 Medium" panose="00000600000000000000" pitchFamily="2" charset="-127"/>
+              </a:rPr>
+              <a:t>차원의 </a:t>
+            </a:r>
+            <a:r>
+              <a:rPr lang="en-US" altLang="ko-KR" sz="1100" dirty="0">
+                <a:latin typeface="KoPubWorld돋움체 Medium" panose="00000600000000000000" pitchFamily="2" charset="-127"/>
+                <a:ea typeface="KoPubWorld돋움체 Medium" panose="00000600000000000000" pitchFamily="2" charset="-127"/>
+                <a:cs typeface="KoPubWorld돋움체 Medium" panose="00000600000000000000" pitchFamily="2" charset="-127"/>
+              </a:rPr>
+              <a:t>4</a:t>
+            </a:r>
+            <a:r>
+              <a:rPr lang="ko-KR" altLang="en-US" sz="1100" dirty="0">
+                <a:latin typeface="KoPubWorld돋움체 Medium" panose="00000600000000000000" pitchFamily="2" charset="-127"/>
+                <a:ea typeface="KoPubWorld돋움체 Medium" panose="00000600000000000000" pitchFamily="2" charset="-127"/>
+                <a:cs typeface="KoPubWorld돋움체 Medium" panose="00000600000000000000" pitchFamily="2" charset="-127"/>
+              </a:rPr>
+              <a:t>개의 벡터를 </a:t>
+            </a:r>
+            <a:r>
+              <a:rPr lang="ko-KR" altLang="en-US" sz="1100" dirty="0" smtClean="0">
+                <a:latin typeface="KoPubWorld돋움체 Medium" panose="00000600000000000000" pitchFamily="2" charset="-127"/>
+                <a:ea typeface="KoPubWorld돋움체 Medium" panose="00000600000000000000" pitchFamily="2" charset="-127"/>
+                <a:cs typeface="KoPubWorld돋움체 Medium" panose="00000600000000000000" pitchFamily="2" charset="-127"/>
+              </a:rPr>
+              <a:t>출력함</a:t>
+            </a:r>
+            <a:r>
+              <a:rPr lang="en-US" altLang="ko-KR" sz="1100" dirty="0" smtClean="0">
+                <a:latin typeface="KoPubWorld돋움체 Medium" panose="00000600000000000000" pitchFamily="2" charset="-127"/>
+                <a:ea typeface="KoPubWorld돋움체 Medium" panose="00000600000000000000" pitchFamily="2" charset="-127"/>
+                <a:cs typeface="KoPubWorld돋움체 Medium" panose="00000600000000000000" pitchFamily="2" charset="-127"/>
+              </a:rPr>
+              <a:t>.</a:t>
+            </a:r>
+            <a:endParaRPr lang="ko-KR" altLang="en-US" sz="1100" dirty="0">
+              <a:latin typeface="KoPubWorld돋움체 Medium" panose="00000600000000000000" pitchFamily="2" charset="-127"/>
+              <a:ea typeface="KoPubWorld돋움체 Medium" panose="00000600000000000000" pitchFamily="2" charset="-127"/>
+              <a:cs typeface="KoPubWorld돋움체 Medium" panose="00000600000000000000" pitchFamily="2" charset="-127"/>
+            </a:endParaRPr>
+          </a:p>
+        </p:txBody>
+      </p:sp>
+      <p:pic>
+        <p:nvPicPr>
+          <p:cNvPr id="13" name="그림 12"/>
+          <p:cNvPicPr>
+            <a:picLocks noChangeAspect="1"/>
+          </p:cNvPicPr>
+          <p:nvPr/>
+        </p:nvPicPr>
+        <p:blipFill>
+          <a:blip r:embed="rId4"/>
+          <a:stretch>
+            <a:fillRect/>
+          </a:stretch>
+        </p:blipFill>
+        <p:spPr>
+          <a:xfrm>
+            <a:off x="1520542" y="4691906"/>
+            <a:ext cx="3525791" cy="1216357"/>
+          </a:xfrm>
+          <a:prstGeom prst="rect">
+            <a:avLst/>
+          </a:prstGeom>
+        </p:spPr>
+      </p:pic>
+      <p:sp>
+        <p:nvSpPr>
+          <p:cNvPr id="15" name="직사각형 14"/>
+          <p:cNvSpPr/>
+          <p:nvPr/>
+        </p:nvSpPr>
+        <p:spPr>
+          <a:xfrm>
+            <a:off x="492981" y="2344757"/>
+            <a:ext cx="795130" cy="2043363"/>
+          </a:xfrm>
+          <a:prstGeom prst="rect">
+            <a:avLst/>
+          </a:prstGeom>
+          <a:solidFill>
+            <a:schemeClr val="bg2">
+              <a:lumMod val="90000"/>
+            </a:schemeClr>
+          </a:solidFill>
+          <a:ln>
+            <a:noFill/>
+          </a:ln>
+        </p:spPr>
+        <p:style>
+          <a:lnRef idx="2">
+            <a:schemeClr val="accent1">
+              <a:shade val="50000"/>
+            </a:schemeClr>
+          </a:lnRef>
+          <a:fillRef idx="1">
+            <a:schemeClr val="accent1"/>
+          </a:fillRef>
+          <a:effectRef idx="0">
+            <a:schemeClr val="accent1"/>
+          </a:effectRef>
+          <a:fontRef idx="minor">
+            <a:schemeClr val="lt1"/>
+          </a:fontRef>
+        </p:style>
+        <p:txBody>
+          <a:bodyPr rtlCol="0" anchor="ctr"/>
+          <a:lstStyle/>
+          <a:p>
+            <a:pPr algn="ctr"/>
+            <a:r>
+              <a:rPr lang="ko-KR" altLang="en-US" sz="1400" dirty="0" smtClean="0">
+                <a:solidFill>
+                  <a:schemeClr val="tx1"/>
+                </a:solidFill>
+                <a:latin typeface="KoPubWorld돋움체 Medium" panose="00000600000000000000" pitchFamily="2" charset="-127"/>
+                <a:ea typeface="KoPubWorld돋움체 Medium" panose="00000600000000000000" pitchFamily="2" charset="-127"/>
+                <a:cs typeface="KoPubWorld돋움체 Medium" panose="00000600000000000000" pitchFamily="2" charset="-127"/>
+              </a:rPr>
+              <a:t>입출력</a:t>
+            </a:r>
+            <a:endParaRPr lang="ko-KR" altLang="en-US" sz="1400" dirty="0">
+              <a:solidFill>
+                <a:schemeClr val="tx1"/>
+              </a:solidFill>
+              <a:latin typeface="KoPubWorld돋움체 Medium" panose="00000600000000000000" pitchFamily="2" charset="-127"/>
+              <a:ea typeface="KoPubWorld돋움체 Medium" panose="00000600000000000000" pitchFamily="2" charset="-127"/>
+              <a:cs typeface="KoPubWorld돋움체 Medium" panose="00000600000000000000" pitchFamily="2" charset="-127"/>
+            </a:endParaRPr>
+          </a:p>
+        </p:txBody>
+      </p:sp>
+      <p:sp>
+        <p:nvSpPr>
+          <p:cNvPr id="16" name="직사각형 15"/>
+          <p:cNvSpPr/>
+          <p:nvPr/>
+        </p:nvSpPr>
+        <p:spPr>
+          <a:xfrm>
+            <a:off x="496478" y="4651706"/>
+            <a:ext cx="795130" cy="1773321"/>
+          </a:xfrm>
+          <a:prstGeom prst="rect">
+            <a:avLst/>
+          </a:prstGeom>
+          <a:solidFill>
+            <a:schemeClr val="bg2">
+              <a:lumMod val="90000"/>
+            </a:schemeClr>
+          </a:solidFill>
+          <a:ln>
+            <a:noFill/>
+          </a:ln>
+        </p:spPr>
+        <p:style>
+          <a:lnRef idx="2">
+            <a:schemeClr val="accent1">
+              <a:shade val="50000"/>
+            </a:schemeClr>
+          </a:lnRef>
+          <a:fillRef idx="1">
+            <a:schemeClr val="accent1"/>
+          </a:fillRef>
+          <a:effectRef idx="0">
+            <a:schemeClr val="accent1"/>
+          </a:effectRef>
+          <a:fontRef idx="minor">
+            <a:schemeClr val="lt1"/>
+          </a:fontRef>
+        </p:style>
+        <p:txBody>
+          <a:bodyPr rtlCol="0" anchor="ctr"/>
+          <a:lstStyle/>
+          <a:p>
+            <a:pPr algn="ctr"/>
+            <a:r>
+              <a:rPr lang="ko-KR" altLang="en-US" sz="1400" dirty="0" smtClean="0">
+                <a:solidFill>
+                  <a:schemeClr val="tx1"/>
+                </a:solidFill>
+                <a:latin typeface="KoPubWorld돋움체 Medium" panose="00000600000000000000" pitchFamily="2" charset="-127"/>
+                <a:ea typeface="KoPubWorld돋움체 Medium" panose="00000600000000000000" pitchFamily="2" charset="-127"/>
+                <a:cs typeface="KoPubWorld돋움체 Medium" panose="00000600000000000000" pitchFamily="2" charset="-127"/>
+              </a:rPr>
+              <a:t>연산</a:t>
+            </a:r>
+            <a:endParaRPr lang="ko-KR" altLang="en-US" sz="1400" dirty="0">
+              <a:solidFill>
+                <a:schemeClr val="tx1"/>
+              </a:solidFill>
+              <a:latin typeface="KoPubWorld돋움체 Medium" panose="00000600000000000000" pitchFamily="2" charset="-127"/>
+              <a:ea typeface="KoPubWorld돋움체 Medium" panose="00000600000000000000" pitchFamily="2" charset="-127"/>
+              <a:cs typeface="KoPubWorld돋움체 Medium" panose="00000600000000000000" pitchFamily="2" charset="-127"/>
+            </a:endParaRPr>
+          </a:p>
+        </p:txBody>
+      </p:sp>
+      <p:pic>
+        <p:nvPicPr>
+          <p:cNvPr id="17" name="그림 16"/>
+          <p:cNvPicPr>
+            <a:picLocks noChangeAspect="1"/>
+          </p:cNvPicPr>
+          <p:nvPr/>
+        </p:nvPicPr>
+        <p:blipFill>
+          <a:blip r:embed="rId5"/>
+          <a:stretch>
+            <a:fillRect/>
+          </a:stretch>
+        </p:blipFill>
+        <p:spPr>
+          <a:xfrm>
+            <a:off x="5873659" y="4644199"/>
+            <a:ext cx="4423280" cy="1826886"/>
+          </a:xfrm>
+          <a:prstGeom prst="rect">
+            <a:avLst/>
+          </a:prstGeom>
+        </p:spPr>
+      </p:pic>
+      <p:sp>
+        <p:nvSpPr>
+          <p:cNvPr id="18" name="직사각형 17"/>
+          <p:cNvSpPr/>
+          <p:nvPr/>
+        </p:nvSpPr>
+        <p:spPr>
+          <a:xfrm>
+            <a:off x="1288110" y="2344757"/>
+            <a:ext cx="10153817" cy="2043363"/>
           </a:xfrm>
           <a:prstGeom prst="rect">
             <a:avLst/>
           </a:prstGeom>
           <a:noFill/>
+          <a:ln>
+            <a:solidFill>
+              <a:schemeClr val="bg1">
+                <a:lumMod val="75000"/>
+              </a:schemeClr>
+            </a:solidFill>
+          </a:ln>
         </p:spPr>
-        <p:txBody>
-          <a:bodyPr wrap="none" rtlCol="0">
-            <a:spAutoFit/>
-          </a:bodyPr>
+        <p:style>
+          <a:lnRef idx="2">
+            <a:schemeClr val="accent1">
+              <a:shade val="50000"/>
+            </a:schemeClr>
+          </a:lnRef>
+          <a:fillRef idx="1">
+            <a:schemeClr val="accent1"/>
+          </a:fillRef>
+          <a:effectRef idx="0">
+            <a:schemeClr val="accent1"/>
+          </a:effectRef>
+          <a:fontRef idx="minor">
+            <a:schemeClr val="lt1"/>
+          </a:fontRef>
+        </p:style>
+        <p:txBody>
+          <a:bodyPr rtlCol="0" anchor="ctr"/>
           <a:lstStyle/>
           <a:p>
-            <a:r>
-              <a:rPr lang="ko-KR" altLang="en-US" sz="1000" dirty="0" smtClean="0">
-                <a:solidFill>
-                  <a:schemeClr val="bg1">
-                    <a:lumMod val="75000"/>
-                  </a:schemeClr>
-                </a:solidFill>
-                <a:latin typeface="KoPubWorld돋움체 Light" panose="00000300000000000000" pitchFamily="2" charset="-127"/>
-                <a:ea typeface="KoPubWorld돋움체 Light" panose="00000300000000000000" pitchFamily="2" charset="-127"/>
-                <a:cs typeface="KoPubWorld돋움체 Light" panose="00000300000000000000" pitchFamily="2" charset="-127"/>
-              </a:rPr>
-              <a:t>출처</a:t>
-            </a:r>
-            <a:r>
-              <a:rPr lang="en-US" altLang="ko-KR" sz="1000" dirty="0" smtClean="0">
-                <a:solidFill>
-                  <a:schemeClr val="bg1">
-                    <a:lumMod val="75000"/>
-                  </a:schemeClr>
-                </a:solidFill>
-                <a:latin typeface="KoPubWorld돋움체 Light" panose="00000300000000000000" pitchFamily="2" charset="-127"/>
-                <a:ea typeface="KoPubWorld돋움체 Light" panose="00000300000000000000" pitchFamily="2" charset="-127"/>
-                <a:cs typeface="KoPubWorld돋움체 Light" panose="00000300000000000000" pitchFamily="2" charset="-127"/>
-              </a:rPr>
-              <a:t>: </a:t>
-            </a:r>
-            <a:r>
-              <a:rPr lang="ko-KR" altLang="en-US" sz="1000" dirty="0" err="1" smtClean="0">
-                <a:solidFill>
-                  <a:schemeClr val="bg1">
-                    <a:lumMod val="75000"/>
-                  </a:schemeClr>
-                </a:solidFill>
-                <a:latin typeface="KoPubWorld돋움체 Light" panose="00000300000000000000" pitchFamily="2" charset="-127"/>
-                <a:ea typeface="KoPubWorld돋움체 Light" panose="00000300000000000000" pitchFamily="2" charset="-127"/>
-                <a:cs typeface="KoPubWorld돋움체 Light" panose="00000300000000000000" pitchFamily="2" charset="-127"/>
-              </a:rPr>
-              <a:t>딥러닝을</a:t>
-            </a:r>
-            <a:r>
-              <a:rPr lang="ko-KR" altLang="en-US" sz="1000" dirty="0" smtClean="0">
-                <a:solidFill>
-                  <a:schemeClr val="bg1">
-                    <a:lumMod val="75000"/>
-                  </a:schemeClr>
-                </a:solidFill>
-                <a:latin typeface="KoPubWorld돋움체 Light" panose="00000300000000000000" pitchFamily="2" charset="-127"/>
-                <a:ea typeface="KoPubWorld돋움체 Light" panose="00000300000000000000" pitchFamily="2" charset="-127"/>
-                <a:cs typeface="KoPubWorld돋움체 Light" panose="00000300000000000000" pitchFamily="2" charset="-127"/>
-              </a:rPr>
-              <a:t> 이용한 자연어 처리 입문</a:t>
-            </a:r>
-            <a:endParaRPr lang="ko-KR" altLang="en-US" sz="1000" dirty="0">
+            <a:pPr algn="ctr"/>
+            <a:endParaRPr lang="ko-KR" altLang="en-US" sz="1400" dirty="0">
               <a:solidFill>
-                <a:schemeClr val="bg1">
-                  <a:lumMod val="75000"/>
-                </a:schemeClr>
+                <a:schemeClr val="tx1"/>
               </a:solidFill>
-              <a:latin typeface="KoPubWorld돋움체 Light" panose="00000300000000000000" pitchFamily="2" charset="-127"/>
-              <a:ea typeface="KoPubWorld돋움체 Light" panose="00000300000000000000" pitchFamily="2" charset="-127"/>
-              <a:cs typeface="KoPubWorld돋움체 Light" panose="00000300000000000000" pitchFamily="2" charset="-127"/>
+              <a:latin typeface="KoPubWorld돋움체 Medium" panose="00000600000000000000" pitchFamily="2" charset="-127"/>
+              <a:ea typeface="KoPubWorld돋움체 Medium" panose="00000600000000000000" pitchFamily="2" charset="-127"/>
+              <a:cs typeface="KoPubWorld돋움체 Medium" panose="00000600000000000000" pitchFamily="2" charset="-127"/>
+            </a:endParaRPr>
+          </a:p>
+        </p:txBody>
+      </p:sp>
+      <p:sp>
+        <p:nvSpPr>
+          <p:cNvPr id="20" name="직사각형 19"/>
+          <p:cNvSpPr/>
+          <p:nvPr/>
+        </p:nvSpPr>
+        <p:spPr>
+          <a:xfrm>
+            <a:off x="1288110" y="4651706"/>
+            <a:ext cx="10153817" cy="1773321"/>
+          </a:xfrm>
+          <a:prstGeom prst="rect">
+            <a:avLst/>
+          </a:prstGeom>
+          <a:noFill/>
+          <a:ln>
+            <a:solidFill>
+              <a:schemeClr val="bg1">
+                <a:lumMod val="75000"/>
+              </a:schemeClr>
+            </a:solidFill>
+          </a:ln>
+        </p:spPr>
+        <p:style>
+          <a:lnRef idx="2">
+            <a:schemeClr val="accent1">
+              <a:shade val="50000"/>
+            </a:schemeClr>
+          </a:lnRef>
+          <a:fillRef idx="1">
+            <a:schemeClr val="accent1"/>
+          </a:fillRef>
+          <a:effectRef idx="0">
+            <a:schemeClr val="accent1"/>
+          </a:effectRef>
+          <a:fontRef idx="minor">
+            <a:schemeClr val="lt1"/>
+          </a:fontRef>
+        </p:style>
+        <p:txBody>
+          <a:bodyPr rtlCol="0" anchor="ctr"/>
+          <a:lstStyle/>
+          <a:p>
+            <a:pPr algn="ctr"/>
+            <a:endParaRPr lang="ko-KR" altLang="en-US" sz="1400" dirty="0">
+              <a:solidFill>
+                <a:schemeClr val="tx1"/>
+              </a:solidFill>
+              <a:latin typeface="KoPubWorld돋움체 Medium" panose="00000600000000000000" pitchFamily="2" charset="-127"/>
+              <a:ea typeface="KoPubWorld돋움체 Medium" panose="00000600000000000000" pitchFamily="2" charset="-127"/>
+              <a:cs typeface="KoPubWorld돋움체 Medium" panose="00000600000000000000" pitchFamily="2" charset="-127"/>
             </a:endParaRPr>
           </a:p>
         </p:txBody>
@@ -8911,6 +9987,13 @@
   <p:clrMapOvr>
     <a:masterClrMapping/>
   </p:clrMapOvr>
+  <p:timing>
+    <p:tnLst>
+      <p:par>
+        <p:cTn id="1" dur="indefinite" restart="never" nodeType="tmRoot"/>
+      </p:par>
+    </p:tnLst>
+  </p:timing>
 </p:sld>
 </file>
 

--- a/slide/BERT.pptx
+++ b/slide/BERT.pptx
@@ -15,6 +15,9 @@
     <p:sldId id="263" r:id="rId9"/>
     <p:sldId id="264" r:id="rId10"/>
     <p:sldId id="266" r:id="rId11"/>
+    <p:sldId id="267" r:id="rId12"/>
+    <p:sldId id="268" r:id="rId13"/>
+    <p:sldId id="269" r:id="rId14"/>
   </p:sldIdLst>
   <p:sldSz cx="12192000" cy="6858000"/>
   <p:notesSz cx="6858000" cy="9144000"/>
@@ -137,6 +140,11 @@
           </p15:clr>
         </p15:guide>
         <p15:guide id="5" orient="horz" pos="640" userDrawn="1">
+          <p15:clr>
+            <a:srgbClr val="A4A3A4"/>
+          </p15:clr>
+        </p15:guide>
+        <p15:guide id="6" pos="325" userDrawn="1">
           <p15:clr>
             <a:srgbClr val="A4A3A4"/>
           </p15:clr>
@@ -3456,15 +3464,7 @@
                 <a:ea typeface="KoPubWorld돋움체 Medium" panose="00000600000000000000" pitchFamily="2" charset="-127"/>
                 <a:cs typeface="KoPubWorld돋움체 Medium" panose="00000600000000000000" pitchFamily="2" charset="-127"/>
               </a:rPr>
-              <a:t>- </a:t>
-            </a:r>
-            <a:r>
-              <a:rPr lang="en-US" altLang="ko-KR" sz="1400" dirty="0">
-                <a:latin typeface="KoPubWorld돋움체 Medium" panose="00000600000000000000" pitchFamily="2" charset="-127"/>
-                <a:ea typeface="KoPubWorld돋움체 Medium" panose="00000600000000000000" pitchFamily="2" charset="-127"/>
-                <a:cs typeface="KoPubWorld돋움체 Medium" panose="00000600000000000000" pitchFamily="2" charset="-127"/>
-              </a:rPr>
-              <a:t>BERT</a:t>
+              <a:t>- BERT</a:t>
             </a:r>
             <a:r>
               <a:rPr lang="ko-KR" altLang="en-US" sz="1400" dirty="0">
@@ -3719,11 +3719,6 @@
               </a:rPr>
               <a:t>.</a:t>
             </a:r>
-            <a:endParaRPr lang="en-US" altLang="ko-KR" sz="1400" dirty="0" smtClean="0">
-              <a:latin typeface="KoPubWorld돋움체 Medium" panose="00000600000000000000" pitchFamily="2" charset="-127"/>
-              <a:ea typeface="KoPubWorld돋움체 Medium" panose="00000600000000000000" pitchFamily="2" charset="-127"/>
-              <a:cs typeface="KoPubWorld돋움체 Medium" panose="00000600000000000000" pitchFamily="2" charset="-127"/>
-            </a:endParaRPr>
           </a:p>
           <a:p>
             <a:r>
@@ -3764,23 +3759,55 @@
                 <a:ea typeface="KoPubWorld돋움체 Medium" panose="00000600000000000000" pitchFamily="2" charset="-127"/>
                 <a:cs typeface="KoPubWorld돋움체 Medium" panose="00000600000000000000" pitchFamily="2" charset="-127"/>
               </a:rPr>
-              <a:t>이 단어 집합을 기반으로 </a:t>
-            </a:r>
-            <a:r>
-              <a:rPr lang="ko-KR" altLang="en-US" sz="1400" dirty="0" err="1">
-                <a:latin typeface="KoPubWorld돋움체 Medium" panose="00000600000000000000" pitchFamily="2" charset="-127"/>
-                <a:ea typeface="KoPubWorld돋움체 Medium" panose="00000600000000000000" pitchFamily="2" charset="-127"/>
-                <a:cs typeface="KoPubWorld돋움체 Medium" panose="00000600000000000000" pitchFamily="2" charset="-127"/>
-              </a:rPr>
-              <a:t>토큰화를</a:t>
-            </a:r>
-            <a:r>
-              <a:rPr lang="ko-KR" altLang="en-US" sz="1400" dirty="0">
-                <a:latin typeface="KoPubWorld돋움체 Medium" panose="00000600000000000000" pitchFamily="2" charset="-127"/>
-                <a:ea typeface="KoPubWorld돋움체 Medium" panose="00000600000000000000" pitchFamily="2" charset="-127"/>
-                <a:cs typeface="KoPubWorld돋움체 Medium" panose="00000600000000000000" pitchFamily="2" charset="-127"/>
-              </a:rPr>
-              <a:t> 수행</a:t>
+              <a:t>이 단어 집합을 기반으로 토큰화를 </a:t>
+            </a:r>
+            <a:r>
+              <a:rPr lang="ko-KR" altLang="en-US" sz="1400" dirty="0" smtClean="0">
+                <a:latin typeface="KoPubWorld돋움체 Medium" panose="00000600000000000000" pitchFamily="2" charset="-127"/>
+                <a:ea typeface="KoPubWorld돋움체 Medium" panose="00000600000000000000" pitchFamily="2" charset="-127"/>
+                <a:cs typeface="KoPubWorld돋움체 Medium" panose="00000600000000000000" pitchFamily="2" charset="-127"/>
+              </a:rPr>
+              <a:t>수행 </a:t>
+            </a:r>
+            <a:r>
+              <a:rPr lang="en-US" altLang="ko-KR" sz="1400" dirty="0">
+                <a:latin typeface="KoPubWorld돋움체 Medium" panose="00000600000000000000" pitchFamily="2" charset="-127"/>
+                <a:ea typeface="KoPubWorld돋움체 Medium" panose="00000600000000000000" pitchFamily="2" charset="-127"/>
+                <a:cs typeface="KoPubWorld돋움체 Medium" panose="00000600000000000000" pitchFamily="2" charset="-127"/>
+              </a:rPr>
+              <a:t>(BERT</a:t>
+            </a:r>
+            <a:r>
+              <a:rPr lang="ko-KR" altLang="en-US" sz="1400" dirty="0">
+                <a:latin typeface="KoPubWorld돋움체 Medium" panose="00000600000000000000" pitchFamily="2" charset="-127"/>
+                <a:ea typeface="KoPubWorld돋움체 Medium" panose="00000600000000000000" pitchFamily="2" charset="-127"/>
+                <a:cs typeface="KoPubWorld돋움체 Medium" panose="00000600000000000000" pitchFamily="2" charset="-127"/>
+              </a:rPr>
+              <a:t>의 단어 집합의 크기는 </a:t>
+            </a:r>
+            <a:r>
+              <a:rPr lang="en-US" altLang="ko-KR" sz="1400" dirty="0" smtClean="0">
+                <a:latin typeface="KoPubWorld돋움체 Medium" panose="00000600000000000000" pitchFamily="2" charset="-127"/>
+                <a:ea typeface="KoPubWorld돋움체 Medium" panose="00000600000000000000" pitchFamily="2" charset="-127"/>
+                <a:cs typeface="KoPubWorld돋움체 Medium" panose="00000600000000000000" pitchFamily="2" charset="-127"/>
+              </a:rPr>
+              <a:t>30,522</a:t>
+            </a:r>
+            <a:r>
+              <a:rPr lang="ko-KR" altLang="en-US" sz="1400" dirty="0" smtClean="0">
+                <a:latin typeface="KoPubWorld돋움체 Medium" panose="00000600000000000000" pitchFamily="2" charset="-127"/>
+                <a:ea typeface="KoPubWorld돋움체 Medium" panose="00000600000000000000" pitchFamily="2" charset="-127"/>
+                <a:cs typeface="KoPubWorld돋움체 Medium" panose="00000600000000000000" pitchFamily="2" charset="-127"/>
+              </a:rPr>
+              <a:t>개임</a:t>
+            </a:r>
+            <a:r>
+              <a:rPr lang="en-US" altLang="ko-KR" sz="1400" dirty="0" smtClean="0">
+                <a:latin typeface="KoPubWorld돋움체 Medium" panose="00000600000000000000" pitchFamily="2" charset="-127"/>
+                <a:ea typeface="KoPubWorld돋움체 Medium" panose="00000600000000000000" pitchFamily="2" charset="-127"/>
+                <a:cs typeface="KoPubWorld돋움체 Medium" panose="00000600000000000000" pitchFamily="2" charset="-127"/>
+              </a:rPr>
+              <a:t>.)</a:t>
             </a:r>
             <a:endParaRPr lang="en-US" altLang="ko-KR" sz="1400" dirty="0">
               <a:latin typeface="KoPubWorld돋움체 Medium" panose="00000600000000000000" pitchFamily="2" charset="-127"/>
@@ -4213,6 +4240,2482 @@
       </p:par>
     </p:tnLst>
   </p:timing>
+</p:sld>
+</file>
+
+<file path=ppt/slides/slide11.xml><?xml version="1.0" encoding="utf-8"?>
+<p:sld xmlns:a="http://schemas.openxmlformats.org/drawingml/2006/main" xmlns:r="http://schemas.openxmlformats.org/officeDocument/2006/relationships" xmlns:p="http://schemas.openxmlformats.org/presentationml/2006/main">
+  <p:cSld>
+    <p:spTree>
+      <p:nvGrpSpPr>
+        <p:cNvPr id="1" name=""/>
+        <p:cNvGrpSpPr/>
+        <p:nvPr/>
+      </p:nvGrpSpPr>
+      <p:grpSpPr>
+        <a:xfrm>
+          <a:off x="0" y="0"/>
+          <a:ext cx="0" cy="0"/>
+          <a:chOff x="0" y="0"/>
+          <a:chExt cx="0" cy="0"/>
+        </a:xfrm>
+      </p:grpSpPr>
+      <p:sp>
+        <p:nvSpPr>
+          <p:cNvPr id="4" name="TextBox 3"/>
+          <p:cNvSpPr txBox="1"/>
+          <p:nvPr/>
+        </p:nvSpPr>
+        <p:spPr>
+          <a:xfrm>
+            <a:off x="344475" y="391409"/>
+            <a:ext cx="7582525" cy="369332"/>
+          </a:xfrm>
+          <a:prstGeom prst="rect">
+            <a:avLst/>
+          </a:prstGeom>
+          <a:noFill/>
+        </p:spPr>
+        <p:txBody>
+          <a:bodyPr wrap="none" rtlCol="0">
+            <a:spAutoFit/>
+          </a:bodyPr>
+          <a:lstStyle/>
+          <a:p>
+            <a:r>
+              <a:rPr lang="en-US" altLang="ko-KR" dirty="0">
+                <a:latin typeface="KoPubWorld돋움체 Bold" panose="00000800000000000000" pitchFamily="2" charset="-127"/>
+                <a:ea typeface="KoPubWorld돋움체 Bold" panose="00000800000000000000" pitchFamily="2" charset="-127"/>
+                <a:cs typeface="KoPubWorld돋움체 Bold" panose="00000800000000000000" pitchFamily="2" charset="-127"/>
+              </a:rPr>
+              <a:t>BERT(Bidirectional Encoder Representations from Transformers, BERT)</a:t>
+            </a:r>
+            <a:endParaRPr lang="ko-KR" altLang="en-US" dirty="0">
+              <a:latin typeface="KoPubWorld돋움체 Bold" panose="00000800000000000000" pitchFamily="2" charset="-127"/>
+              <a:ea typeface="KoPubWorld돋움체 Bold" panose="00000800000000000000" pitchFamily="2" charset="-127"/>
+              <a:cs typeface="KoPubWorld돋움체 Bold" panose="00000800000000000000" pitchFamily="2" charset="-127"/>
+            </a:endParaRPr>
+          </a:p>
+        </p:txBody>
+      </p:sp>
+      <p:sp>
+        <p:nvSpPr>
+          <p:cNvPr id="5" name="TextBox 4"/>
+          <p:cNvSpPr txBox="1"/>
+          <p:nvPr/>
+        </p:nvSpPr>
+        <p:spPr>
+          <a:xfrm>
+            <a:off x="345151" y="1026070"/>
+            <a:ext cx="11200140" cy="769441"/>
+          </a:xfrm>
+          <a:prstGeom prst="rect">
+            <a:avLst/>
+          </a:prstGeom>
+          <a:noFill/>
+        </p:spPr>
+        <p:txBody>
+          <a:bodyPr wrap="square" rtlCol="0">
+            <a:spAutoFit/>
+          </a:bodyPr>
+          <a:lstStyle/>
+          <a:p>
+            <a:r>
+              <a:rPr lang="en-US" altLang="ko-KR" sz="1600" dirty="0" smtClean="0">
+                <a:latin typeface="KoPubWorld돋움체 Medium" panose="00000600000000000000" pitchFamily="2" charset="-127"/>
+                <a:ea typeface="KoPubWorld돋움체 Medium" panose="00000600000000000000" pitchFamily="2" charset="-127"/>
+                <a:cs typeface="KoPubWorld돋움체 Medium" panose="00000600000000000000" pitchFamily="2" charset="-127"/>
+              </a:rPr>
+              <a:t>5</a:t>
+            </a:r>
+            <a:r>
+              <a:rPr lang="en-US" altLang="ko-KR" sz="1600" dirty="0">
+                <a:latin typeface="KoPubWorld돋움체 Medium" panose="00000600000000000000" pitchFamily="2" charset="-127"/>
+                <a:ea typeface="KoPubWorld돋움체 Medium" panose="00000600000000000000" pitchFamily="2" charset="-127"/>
+                <a:cs typeface="KoPubWorld돋움체 Medium" panose="00000600000000000000" pitchFamily="2" charset="-127"/>
+              </a:rPr>
+              <a:t>. </a:t>
+            </a:r>
+            <a:r>
+              <a:rPr lang="ko-KR" altLang="en-US" sz="1600" dirty="0">
+                <a:latin typeface="KoPubWorld돋움체 Medium" panose="00000600000000000000" pitchFamily="2" charset="-127"/>
+                <a:ea typeface="KoPubWorld돋움체 Medium" panose="00000600000000000000" pitchFamily="2" charset="-127"/>
+                <a:cs typeface="KoPubWorld돋움체 Medium" panose="00000600000000000000" pitchFamily="2" charset="-127"/>
+              </a:rPr>
+              <a:t>포지션 </a:t>
+            </a:r>
+            <a:r>
+              <a:rPr lang="ko-KR" altLang="en-US" sz="1600" dirty="0" err="1">
+                <a:latin typeface="KoPubWorld돋움체 Medium" panose="00000600000000000000" pitchFamily="2" charset="-127"/>
+                <a:ea typeface="KoPubWorld돋움체 Medium" panose="00000600000000000000" pitchFamily="2" charset="-127"/>
+                <a:cs typeface="KoPubWorld돋움체 Medium" panose="00000600000000000000" pitchFamily="2" charset="-127"/>
+              </a:rPr>
+              <a:t>임베딩</a:t>
+            </a:r>
+            <a:r>
+              <a:rPr lang="en-US" altLang="ko-KR" sz="1600" dirty="0">
+                <a:latin typeface="KoPubWorld돋움체 Medium" panose="00000600000000000000" pitchFamily="2" charset="-127"/>
+                <a:ea typeface="KoPubWorld돋움체 Medium" panose="00000600000000000000" pitchFamily="2" charset="-127"/>
+                <a:cs typeface="KoPubWorld돋움체 Medium" panose="00000600000000000000" pitchFamily="2" charset="-127"/>
+              </a:rPr>
+              <a:t>(Position Embedding</a:t>
+            </a:r>
+            <a:r>
+              <a:rPr lang="en-US" altLang="ko-KR" sz="1600" dirty="0" smtClean="0">
+                <a:latin typeface="KoPubWorld돋움체 Medium" panose="00000600000000000000" pitchFamily="2" charset="-127"/>
+                <a:ea typeface="KoPubWorld돋움체 Medium" panose="00000600000000000000" pitchFamily="2" charset="-127"/>
+                <a:cs typeface="KoPubWorld돋움체 Medium" panose="00000600000000000000" pitchFamily="2" charset="-127"/>
+              </a:rPr>
+              <a:t>)</a:t>
+            </a:r>
+            <a:endParaRPr lang="en-US" altLang="ko-KR" sz="1400" dirty="0" smtClean="0">
+              <a:latin typeface="KoPubWorld돋움체 Medium" panose="00000600000000000000" pitchFamily="2" charset="-127"/>
+              <a:ea typeface="KoPubWorld돋움체 Medium" panose="00000600000000000000" pitchFamily="2" charset="-127"/>
+              <a:cs typeface="KoPubWorld돋움체 Medium" panose="00000600000000000000" pitchFamily="2" charset="-127"/>
+            </a:endParaRPr>
+          </a:p>
+          <a:p>
+            <a:r>
+              <a:rPr lang="en-US" altLang="ko-KR" sz="1400" dirty="0" smtClean="0">
+                <a:latin typeface="KoPubWorld돋움체 Medium" panose="00000600000000000000" pitchFamily="2" charset="-127"/>
+                <a:ea typeface="KoPubWorld돋움체 Medium" panose="00000600000000000000" pitchFamily="2" charset="-127"/>
+                <a:cs typeface="KoPubWorld돋움체 Medium" panose="00000600000000000000" pitchFamily="2" charset="-127"/>
+              </a:rPr>
+              <a:t>  </a:t>
+            </a:r>
+            <a:r>
+              <a:rPr lang="en-US" altLang="ko-KR" sz="1400" dirty="0">
+                <a:latin typeface="KoPubWorld돋움체 Medium" panose="00000600000000000000" pitchFamily="2" charset="-127"/>
+                <a:ea typeface="KoPubWorld돋움체 Medium" panose="00000600000000000000" pitchFamily="2" charset="-127"/>
+                <a:cs typeface="KoPubWorld돋움체 Medium" panose="00000600000000000000" pitchFamily="2" charset="-127"/>
+              </a:rPr>
+              <a:t>- </a:t>
+            </a:r>
+            <a:r>
+              <a:rPr lang="ko-KR" altLang="en-US" sz="1400" dirty="0" smtClean="0">
+                <a:latin typeface="KoPubWorld돋움체 Medium" panose="00000600000000000000" pitchFamily="2" charset="-127"/>
+                <a:ea typeface="KoPubWorld돋움체 Medium" panose="00000600000000000000" pitchFamily="2" charset="-127"/>
+                <a:cs typeface="KoPubWorld돋움체 Medium" panose="00000600000000000000" pitchFamily="2" charset="-127"/>
+              </a:rPr>
+              <a:t>트랜스포머에서는 </a:t>
+            </a:r>
+            <a:r>
+              <a:rPr lang="ko-KR" altLang="en-US" sz="1400" dirty="0" err="1" smtClean="0"/>
+              <a:t>포지셔널</a:t>
+            </a:r>
+            <a:r>
+              <a:rPr lang="ko-KR" altLang="en-US" sz="1400" dirty="0" smtClean="0"/>
+              <a:t> </a:t>
+            </a:r>
+            <a:r>
+              <a:rPr lang="ko-KR" altLang="en-US" sz="1400" dirty="0" err="1"/>
+              <a:t>인코딩</a:t>
+            </a:r>
+            <a:r>
+              <a:rPr lang="en-US" altLang="ko-KR" sz="1400" dirty="0"/>
+              <a:t>(Positional Encoding</a:t>
+            </a:r>
+            <a:r>
+              <a:rPr lang="en-US" altLang="ko-KR" sz="1400" dirty="0" smtClean="0"/>
+              <a:t>)*</a:t>
+            </a:r>
+            <a:r>
+              <a:rPr lang="ko-KR" altLang="en-US" sz="1400" dirty="0" smtClean="0"/>
+              <a:t>이라는 </a:t>
+            </a:r>
+            <a:r>
+              <a:rPr lang="ko-KR" altLang="en-US" sz="1400" dirty="0"/>
+              <a:t>방법을 </a:t>
+            </a:r>
+            <a:r>
+              <a:rPr lang="ko-KR" altLang="en-US" sz="1400" dirty="0" smtClean="0"/>
+              <a:t>통해 </a:t>
+            </a:r>
+            <a:r>
+              <a:rPr lang="ko-KR" altLang="en-US" sz="1400" dirty="0"/>
+              <a:t>단어의 위치 정보를 표현</a:t>
+            </a:r>
+            <a:endParaRPr lang="en-US" altLang="ko-KR" sz="1400" dirty="0" smtClean="0">
+              <a:latin typeface="KoPubWorld돋움체 Medium" panose="00000600000000000000" pitchFamily="2" charset="-127"/>
+              <a:ea typeface="KoPubWorld돋움체 Medium" panose="00000600000000000000" pitchFamily="2" charset="-127"/>
+              <a:cs typeface="KoPubWorld돋움체 Medium" panose="00000600000000000000" pitchFamily="2" charset="-127"/>
+            </a:endParaRPr>
+          </a:p>
+          <a:p>
+            <a:r>
+              <a:rPr lang="en-US" altLang="ko-KR" sz="1400" dirty="0" smtClean="0">
+                <a:latin typeface="KoPubWorld돋움체 Medium" panose="00000600000000000000" pitchFamily="2" charset="-127"/>
+                <a:ea typeface="KoPubWorld돋움체 Medium" panose="00000600000000000000" pitchFamily="2" charset="-127"/>
+                <a:cs typeface="KoPubWorld돋움체 Medium" panose="00000600000000000000" pitchFamily="2" charset="-127"/>
+              </a:rPr>
+              <a:t>  - BERT</a:t>
+            </a:r>
+            <a:r>
+              <a:rPr lang="ko-KR" altLang="en-US" sz="1400" dirty="0" smtClean="0">
+                <a:latin typeface="KoPubWorld돋움체 Medium" panose="00000600000000000000" pitchFamily="2" charset="-127"/>
+                <a:ea typeface="KoPubWorld돋움체 Medium" panose="00000600000000000000" pitchFamily="2" charset="-127"/>
+                <a:cs typeface="KoPubWorld돋움체 Medium" panose="00000600000000000000" pitchFamily="2" charset="-127"/>
+              </a:rPr>
+              <a:t>에서는 위치 정보를 사인</a:t>
+            </a:r>
+            <a:r>
+              <a:rPr lang="en-US" altLang="ko-KR" sz="1400" dirty="0">
+                <a:latin typeface="KoPubWorld돋움체 Medium" panose="00000600000000000000" pitchFamily="2" charset="-127"/>
+                <a:ea typeface="KoPubWorld돋움체 Medium" panose="00000600000000000000" pitchFamily="2" charset="-127"/>
+                <a:cs typeface="KoPubWorld돋움체 Medium" panose="00000600000000000000" pitchFamily="2" charset="-127"/>
+              </a:rPr>
+              <a:t> </a:t>
+            </a:r>
+            <a:r>
+              <a:rPr lang="ko-KR" altLang="en-US" sz="1400" dirty="0" smtClean="0">
+                <a:latin typeface="KoPubWorld돋움체 Medium" panose="00000600000000000000" pitchFamily="2" charset="-127"/>
+                <a:ea typeface="KoPubWorld돋움체 Medium" panose="00000600000000000000" pitchFamily="2" charset="-127"/>
+                <a:cs typeface="KoPubWorld돋움체 Medium" panose="00000600000000000000" pitchFamily="2" charset="-127"/>
+              </a:rPr>
+              <a:t>함수와 코사인 함수로 만드는 것이 아닌 학습을 통해서 얻음</a:t>
+            </a:r>
+            <a:r>
+              <a:rPr lang="en-US" altLang="ko-KR" sz="1400" dirty="0" smtClean="0">
+                <a:latin typeface="KoPubWorld돋움체 Medium" panose="00000600000000000000" pitchFamily="2" charset="-127"/>
+                <a:ea typeface="KoPubWorld돋움체 Medium" panose="00000600000000000000" pitchFamily="2" charset="-127"/>
+                <a:cs typeface="KoPubWorld돋움체 Medium" panose="00000600000000000000" pitchFamily="2" charset="-127"/>
+              </a:rPr>
+              <a:t>.</a:t>
+            </a:r>
+            <a:endParaRPr lang="en-US" altLang="ko-KR" sz="1400" dirty="0">
+              <a:latin typeface="KoPubWorld돋움체 Medium" panose="00000600000000000000" pitchFamily="2" charset="-127"/>
+              <a:ea typeface="KoPubWorld돋움체 Medium" panose="00000600000000000000" pitchFamily="2" charset="-127"/>
+              <a:cs typeface="KoPubWorld돋움체 Medium" panose="00000600000000000000" pitchFamily="2" charset="-127"/>
+            </a:endParaRPr>
+          </a:p>
+        </p:txBody>
+      </p:sp>
+      <p:sp>
+        <p:nvSpPr>
+          <p:cNvPr id="6" name="TextBox 5"/>
+          <p:cNvSpPr txBox="1"/>
+          <p:nvPr/>
+        </p:nvSpPr>
+        <p:spPr>
+          <a:xfrm>
+            <a:off x="4769226" y="1782556"/>
+            <a:ext cx="7422774" cy="276999"/>
+          </a:xfrm>
+          <a:prstGeom prst="rect">
+            <a:avLst/>
+          </a:prstGeom>
+          <a:noFill/>
+        </p:spPr>
+        <p:txBody>
+          <a:bodyPr wrap="square" rtlCol="0">
+            <a:spAutoFit/>
+          </a:bodyPr>
+          <a:lstStyle/>
+          <a:p>
+            <a:r>
+              <a:rPr lang="en-US" altLang="ko-KR" sz="1200" dirty="0" smtClean="0">
+                <a:latin typeface="KoPubWorld돋움체 Medium" panose="00000600000000000000" pitchFamily="2" charset="-127"/>
+                <a:ea typeface="KoPubWorld돋움체 Medium" panose="00000600000000000000" pitchFamily="2" charset="-127"/>
+                <a:cs typeface="KoPubWorld돋움체 Medium" panose="00000600000000000000" pitchFamily="2" charset="-127"/>
+              </a:rPr>
+              <a:t>* </a:t>
+            </a:r>
+            <a:r>
+              <a:rPr lang="ko-KR" altLang="en-US" sz="1200" dirty="0" smtClean="0">
+                <a:latin typeface="KoPubWorld돋움체 Medium" panose="00000600000000000000" pitchFamily="2" charset="-127"/>
+                <a:ea typeface="KoPubWorld돋움체 Medium" panose="00000600000000000000" pitchFamily="2" charset="-127"/>
+                <a:cs typeface="KoPubWorld돋움체 Medium" panose="00000600000000000000" pitchFamily="2" charset="-127"/>
+              </a:rPr>
+              <a:t>사인 </a:t>
+            </a:r>
+            <a:r>
+              <a:rPr lang="ko-KR" altLang="en-US" sz="1200" dirty="0">
+                <a:latin typeface="KoPubWorld돋움체 Medium" panose="00000600000000000000" pitchFamily="2" charset="-127"/>
+                <a:ea typeface="KoPubWorld돋움체 Medium" panose="00000600000000000000" pitchFamily="2" charset="-127"/>
+                <a:cs typeface="KoPubWorld돋움체 Medium" panose="00000600000000000000" pitchFamily="2" charset="-127"/>
+              </a:rPr>
+              <a:t>함수와 코사인 함수를 사용하여 위치에 따라 다른 값을 가지는 행렬을 만들어 이를 단어 벡터들과 더하는 방법</a:t>
+            </a:r>
+            <a:endParaRPr lang="en-US" altLang="ko-KR" sz="1100" dirty="0">
+              <a:latin typeface="KoPubWorld돋움체 Medium" panose="00000600000000000000" pitchFamily="2" charset="-127"/>
+              <a:ea typeface="KoPubWorld돋움체 Medium" panose="00000600000000000000" pitchFamily="2" charset="-127"/>
+              <a:cs typeface="KoPubWorld돋움체 Medium" panose="00000600000000000000" pitchFamily="2" charset="-127"/>
+            </a:endParaRPr>
+          </a:p>
+        </p:txBody>
+      </p:sp>
+      <p:pic>
+        <p:nvPicPr>
+          <p:cNvPr id="7" name="그림 6"/>
+          <p:cNvPicPr>
+            <a:picLocks noChangeAspect="1"/>
+          </p:cNvPicPr>
+          <p:nvPr/>
+        </p:nvPicPr>
+        <p:blipFill>
+          <a:blip r:embed="rId2"/>
+          <a:stretch>
+            <a:fillRect/>
+          </a:stretch>
+        </p:blipFill>
+        <p:spPr>
+          <a:xfrm>
+            <a:off x="1251262" y="2298382"/>
+            <a:ext cx="3464749" cy="1638110"/>
+          </a:xfrm>
+          <a:prstGeom prst="rect">
+            <a:avLst/>
+          </a:prstGeom>
+        </p:spPr>
+      </p:pic>
+      <p:sp>
+        <p:nvSpPr>
+          <p:cNvPr id="8" name="TextBox 7"/>
+          <p:cNvSpPr txBox="1"/>
+          <p:nvPr/>
+        </p:nvSpPr>
+        <p:spPr>
+          <a:xfrm>
+            <a:off x="4917151" y="2424939"/>
+            <a:ext cx="5004530" cy="1384995"/>
+          </a:xfrm>
+          <a:prstGeom prst="rect">
+            <a:avLst/>
+          </a:prstGeom>
+          <a:noFill/>
+        </p:spPr>
+        <p:txBody>
+          <a:bodyPr wrap="square" rtlCol="0">
+            <a:spAutoFit/>
+          </a:bodyPr>
+          <a:lstStyle/>
+          <a:p>
+            <a:pPr marL="285750" indent="-285750">
+              <a:buFontTx/>
+              <a:buChar char="-"/>
+            </a:pPr>
+            <a:r>
+              <a:rPr lang="en-US" altLang="ko-KR" sz="1400" dirty="0" smtClean="0">
+                <a:latin typeface="KoPubWorld돋움체 Medium" panose="00000600000000000000" pitchFamily="2" charset="-127"/>
+                <a:ea typeface="KoPubWorld돋움체 Medium" panose="00000600000000000000" pitchFamily="2" charset="-127"/>
+                <a:cs typeface="KoPubWorld돋움체 Medium" panose="00000600000000000000" pitchFamily="2" charset="-127"/>
+              </a:rPr>
+              <a:t>4</a:t>
+            </a:r>
+            <a:r>
+              <a:rPr lang="ko-KR" altLang="en-US" sz="1400" dirty="0">
+                <a:latin typeface="KoPubWorld돋움체 Medium" panose="00000600000000000000" pitchFamily="2" charset="-127"/>
+                <a:ea typeface="KoPubWorld돋움체 Medium" panose="00000600000000000000" pitchFamily="2" charset="-127"/>
+                <a:cs typeface="KoPubWorld돋움체 Medium" panose="00000600000000000000" pitchFamily="2" charset="-127"/>
+              </a:rPr>
+              <a:t>개의 포지션 </a:t>
+            </a:r>
+            <a:r>
+              <a:rPr lang="ko-KR" altLang="en-US" sz="1400" dirty="0" err="1">
+                <a:latin typeface="KoPubWorld돋움체 Medium" panose="00000600000000000000" pitchFamily="2" charset="-127"/>
+                <a:ea typeface="KoPubWorld돋움체 Medium" panose="00000600000000000000" pitchFamily="2" charset="-127"/>
+                <a:cs typeface="KoPubWorld돋움체 Medium" panose="00000600000000000000" pitchFamily="2" charset="-127"/>
+              </a:rPr>
+              <a:t>임베딩</a:t>
+            </a:r>
+            <a:r>
+              <a:rPr lang="ko-KR" altLang="en-US" sz="1400" dirty="0">
+                <a:latin typeface="KoPubWorld돋움체 Medium" panose="00000600000000000000" pitchFamily="2" charset="-127"/>
+                <a:ea typeface="KoPubWorld돋움체 Medium" panose="00000600000000000000" pitchFamily="2" charset="-127"/>
+                <a:cs typeface="KoPubWorld돋움체 Medium" panose="00000600000000000000" pitchFamily="2" charset="-127"/>
+              </a:rPr>
+              <a:t> 벡터를 </a:t>
+            </a:r>
+            <a:r>
+              <a:rPr lang="ko-KR" altLang="en-US" sz="1400" dirty="0" smtClean="0">
+                <a:latin typeface="KoPubWorld돋움체 Medium" panose="00000600000000000000" pitchFamily="2" charset="-127"/>
+                <a:ea typeface="KoPubWorld돋움체 Medium" panose="00000600000000000000" pitchFamily="2" charset="-127"/>
+                <a:cs typeface="KoPubWorld돋움체 Medium" panose="00000600000000000000" pitchFamily="2" charset="-127"/>
+              </a:rPr>
+              <a:t>학습시킴</a:t>
+            </a:r>
+            <a:r>
+              <a:rPr lang="en-US" altLang="ko-KR" sz="1400" dirty="0" smtClean="0">
+                <a:latin typeface="KoPubWorld돋움체 Medium" panose="00000600000000000000" pitchFamily="2" charset="-127"/>
+                <a:ea typeface="KoPubWorld돋움체 Medium" panose="00000600000000000000" pitchFamily="2" charset="-127"/>
+                <a:cs typeface="KoPubWorld돋움체 Medium" panose="00000600000000000000" pitchFamily="2" charset="-127"/>
+              </a:rPr>
+              <a:t>.</a:t>
+            </a:r>
+          </a:p>
+          <a:p>
+            <a:pPr marL="285750" indent="-285750">
+              <a:buFontTx/>
+              <a:buChar char="-"/>
+            </a:pPr>
+            <a:r>
+              <a:rPr lang="en-US" altLang="ko-KR" sz="1400" dirty="0" smtClean="0">
+                <a:latin typeface="KoPubWorld돋움체 Medium" panose="00000600000000000000" pitchFamily="2" charset="-127"/>
+                <a:ea typeface="KoPubWorld돋움체 Medium" panose="00000600000000000000" pitchFamily="2" charset="-127"/>
+                <a:cs typeface="KoPubWorld돋움체 Medium" panose="00000600000000000000" pitchFamily="2" charset="-127"/>
+              </a:rPr>
+              <a:t>BERT</a:t>
+            </a:r>
+            <a:r>
+              <a:rPr lang="ko-KR" altLang="en-US" sz="1400" dirty="0">
+                <a:latin typeface="KoPubWorld돋움체 Medium" panose="00000600000000000000" pitchFamily="2" charset="-127"/>
+                <a:ea typeface="KoPubWorld돋움체 Medium" panose="00000600000000000000" pitchFamily="2" charset="-127"/>
+                <a:cs typeface="KoPubWorld돋움체 Medium" panose="00000600000000000000" pitchFamily="2" charset="-127"/>
+              </a:rPr>
+              <a:t>의 입력마다 다음과 같이 포지션 </a:t>
+            </a:r>
+            <a:r>
+              <a:rPr lang="ko-KR" altLang="en-US" sz="1400" dirty="0" err="1">
+                <a:latin typeface="KoPubWorld돋움체 Medium" panose="00000600000000000000" pitchFamily="2" charset="-127"/>
+                <a:ea typeface="KoPubWorld돋움체 Medium" panose="00000600000000000000" pitchFamily="2" charset="-127"/>
+                <a:cs typeface="KoPubWorld돋움체 Medium" panose="00000600000000000000" pitchFamily="2" charset="-127"/>
+              </a:rPr>
+              <a:t>임베딩</a:t>
+            </a:r>
+            <a:r>
+              <a:rPr lang="ko-KR" altLang="en-US" sz="1400" dirty="0">
+                <a:latin typeface="KoPubWorld돋움체 Medium" panose="00000600000000000000" pitchFamily="2" charset="-127"/>
+                <a:ea typeface="KoPubWorld돋움체 Medium" panose="00000600000000000000" pitchFamily="2" charset="-127"/>
+                <a:cs typeface="KoPubWorld돋움체 Medium" panose="00000600000000000000" pitchFamily="2" charset="-127"/>
+              </a:rPr>
+              <a:t> 벡터를 </a:t>
+            </a:r>
+            <a:r>
+              <a:rPr lang="ko-KR" altLang="en-US" sz="1400" dirty="0" smtClean="0">
+                <a:latin typeface="KoPubWorld돋움체 Medium" panose="00000600000000000000" pitchFamily="2" charset="-127"/>
+                <a:ea typeface="KoPubWorld돋움체 Medium" panose="00000600000000000000" pitchFamily="2" charset="-127"/>
+                <a:cs typeface="KoPubWorld돋움체 Medium" panose="00000600000000000000" pitchFamily="2" charset="-127"/>
+              </a:rPr>
+              <a:t>더해줌</a:t>
+            </a:r>
+            <a:r>
+              <a:rPr lang="en-US" altLang="ko-KR" sz="1400" dirty="0" smtClean="0">
+                <a:latin typeface="KoPubWorld돋움체 Medium" panose="00000600000000000000" pitchFamily="2" charset="-127"/>
+                <a:ea typeface="KoPubWorld돋움체 Medium" panose="00000600000000000000" pitchFamily="2" charset="-127"/>
+                <a:cs typeface="KoPubWorld돋움체 Medium" panose="00000600000000000000" pitchFamily="2" charset="-127"/>
+              </a:rPr>
+              <a:t>.</a:t>
+            </a:r>
+          </a:p>
+          <a:p>
+            <a:pPr marL="742950" lvl="1" indent="-285750">
+              <a:buFont typeface="Arial" panose="020B0604020202020204" pitchFamily="34" charset="0"/>
+              <a:buChar char="•"/>
+            </a:pPr>
+            <a:r>
+              <a:rPr lang="ko-KR" altLang="en-US" sz="1400" dirty="0" err="1">
+                <a:latin typeface="KoPubWorld돋움체 Medium" panose="00000600000000000000" pitchFamily="2" charset="-127"/>
+                <a:ea typeface="KoPubWorld돋움체 Medium" panose="00000600000000000000" pitchFamily="2" charset="-127"/>
+                <a:cs typeface="KoPubWorld돋움체 Medium" panose="00000600000000000000" pitchFamily="2" charset="-127"/>
+              </a:rPr>
+              <a:t>첫번째</a:t>
+            </a:r>
+            <a:r>
+              <a:rPr lang="ko-KR" altLang="en-US" sz="1400" dirty="0">
+                <a:latin typeface="KoPubWorld돋움체 Medium" panose="00000600000000000000" pitchFamily="2" charset="-127"/>
+                <a:ea typeface="KoPubWorld돋움체 Medium" panose="00000600000000000000" pitchFamily="2" charset="-127"/>
+                <a:cs typeface="KoPubWorld돋움체 Medium" panose="00000600000000000000" pitchFamily="2" charset="-127"/>
+              </a:rPr>
+              <a:t> 단어의 </a:t>
+            </a:r>
+            <a:r>
+              <a:rPr lang="ko-KR" altLang="en-US" sz="1400" dirty="0" err="1">
+                <a:latin typeface="KoPubWorld돋움체 Medium" panose="00000600000000000000" pitchFamily="2" charset="-127"/>
+                <a:ea typeface="KoPubWorld돋움체 Medium" panose="00000600000000000000" pitchFamily="2" charset="-127"/>
+                <a:cs typeface="KoPubWorld돋움체 Medium" panose="00000600000000000000" pitchFamily="2" charset="-127"/>
+              </a:rPr>
+              <a:t>임베딩</a:t>
+            </a:r>
+            <a:r>
+              <a:rPr lang="ko-KR" altLang="en-US" sz="1400" dirty="0">
+                <a:latin typeface="KoPubWorld돋움체 Medium" panose="00000600000000000000" pitchFamily="2" charset="-127"/>
+                <a:ea typeface="KoPubWorld돋움체 Medium" panose="00000600000000000000" pitchFamily="2" charset="-127"/>
+                <a:cs typeface="KoPubWorld돋움체 Medium" panose="00000600000000000000" pitchFamily="2" charset="-127"/>
+              </a:rPr>
+              <a:t> 벡터 </a:t>
+            </a:r>
+            <a:r>
+              <a:rPr lang="en-US" altLang="ko-KR" sz="1400" dirty="0">
+                <a:latin typeface="KoPubWorld돋움체 Medium" panose="00000600000000000000" pitchFamily="2" charset="-127"/>
+                <a:ea typeface="KoPubWorld돋움체 Medium" panose="00000600000000000000" pitchFamily="2" charset="-127"/>
+                <a:cs typeface="KoPubWorld돋움체 Medium" panose="00000600000000000000" pitchFamily="2" charset="-127"/>
+              </a:rPr>
+              <a:t>+ 0</a:t>
+            </a:r>
+            <a:r>
+              <a:rPr lang="ko-KR" altLang="en-US" sz="1400" dirty="0">
+                <a:latin typeface="KoPubWorld돋움체 Medium" panose="00000600000000000000" pitchFamily="2" charset="-127"/>
+                <a:ea typeface="KoPubWorld돋움체 Medium" panose="00000600000000000000" pitchFamily="2" charset="-127"/>
+                <a:cs typeface="KoPubWorld돋움체 Medium" panose="00000600000000000000" pitchFamily="2" charset="-127"/>
+              </a:rPr>
+              <a:t>번 포지션 </a:t>
+            </a:r>
+            <a:r>
+              <a:rPr lang="ko-KR" altLang="en-US" sz="1400" dirty="0" err="1">
+                <a:latin typeface="KoPubWorld돋움체 Medium" panose="00000600000000000000" pitchFamily="2" charset="-127"/>
+                <a:ea typeface="KoPubWorld돋움체 Medium" panose="00000600000000000000" pitchFamily="2" charset="-127"/>
+                <a:cs typeface="KoPubWorld돋움체 Medium" panose="00000600000000000000" pitchFamily="2" charset="-127"/>
+              </a:rPr>
+              <a:t>임베딩</a:t>
+            </a:r>
+            <a:r>
+              <a:rPr lang="ko-KR" altLang="en-US" sz="1400" dirty="0">
+                <a:latin typeface="KoPubWorld돋움체 Medium" panose="00000600000000000000" pitchFamily="2" charset="-127"/>
+                <a:ea typeface="KoPubWorld돋움체 Medium" panose="00000600000000000000" pitchFamily="2" charset="-127"/>
+                <a:cs typeface="KoPubWorld돋움체 Medium" panose="00000600000000000000" pitchFamily="2" charset="-127"/>
+              </a:rPr>
+              <a:t> 벡터</a:t>
+            </a:r>
+          </a:p>
+          <a:p>
+            <a:pPr marL="742950" lvl="1" indent="-285750">
+              <a:buFont typeface="Arial" panose="020B0604020202020204" pitchFamily="34" charset="0"/>
+              <a:buChar char="•"/>
+            </a:pPr>
+            <a:r>
+              <a:rPr lang="ko-KR" altLang="en-US" sz="1400" dirty="0" err="1">
+                <a:latin typeface="KoPubWorld돋움체 Medium" panose="00000600000000000000" pitchFamily="2" charset="-127"/>
+                <a:ea typeface="KoPubWorld돋움체 Medium" panose="00000600000000000000" pitchFamily="2" charset="-127"/>
+                <a:cs typeface="KoPubWorld돋움체 Medium" panose="00000600000000000000" pitchFamily="2" charset="-127"/>
+              </a:rPr>
+              <a:t>두번째</a:t>
+            </a:r>
+            <a:r>
+              <a:rPr lang="ko-KR" altLang="en-US" sz="1400" dirty="0">
+                <a:latin typeface="KoPubWorld돋움체 Medium" panose="00000600000000000000" pitchFamily="2" charset="-127"/>
+                <a:ea typeface="KoPubWorld돋움체 Medium" panose="00000600000000000000" pitchFamily="2" charset="-127"/>
+                <a:cs typeface="KoPubWorld돋움체 Medium" panose="00000600000000000000" pitchFamily="2" charset="-127"/>
+              </a:rPr>
+              <a:t> 단어의 </a:t>
+            </a:r>
+            <a:r>
+              <a:rPr lang="ko-KR" altLang="en-US" sz="1400" dirty="0" err="1">
+                <a:latin typeface="KoPubWorld돋움체 Medium" panose="00000600000000000000" pitchFamily="2" charset="-127"/>
+                <a:ea typeface="KoPubWorld돋움체 Medium" panose="00000600000000000000" pitchFamily="2" charset="-127"/>
+                <a:cs typeface="KoPubWorld돋움체 Medium" panose="00000600000000000000" pitchFamily="2" charset="-127"/>
+              </a:rPr>
+              <a:t>임베딩</a:t>
+            </a:r>
+            <a:r>
+              <a:rPr lang="ko-KR" altLang="en-US" sz="1400" dirty="0">
+                <a:latin typeface="KoPubWorld돋움체 Medium" panose="00000600000000000000" pitchFamily="2" charset="-127"/>
+                <a:ea typeface="KoPubWorld돋움체 Medium" panose="00000600000000000000" pitchFamily="2" charset="-127"/>
+                <a:cs typeface="KoPubWorld돋움체 Medium" panose="00000600000000000000" pitchFamily="2" charset="-127"/>
+              </a:rPr>
+              <a:t> 벡터 </a:t>
+            </a:r>
+            <a:r>
+              <a:rPr lang="en-US" altLang="ko-KR" sz="1400" dirty="0">
+                <a:latin typeface="KoPubWorld돋움체 Medium" panose="00000600000000000000" pitchFamily="2" charset="-127"/>
+                <a:ea typeface="KoPubWorld돋움체 Medium" panose="00000600000000000000" pitchFamily="2" charset="-127"/>
+                <a:cs typeface="KoPubWorld돋움체 Medium" panose="00000600000000000000" pitchFamily="2" charset="-127"/>
+              </a:rPr>
+              <a:t>+ 1</a:t>
+            </a:r>
+            <a:r>
+              <a:rPr lang="ko-KR" altLang="en-US" sz="1400" dirty="0">
+                <a:latin typeface="KoPubWorld돋움체 Medium" panose="00000600000000000000" pitchFamily="2" charset="-127"/>
+                <a:ea typeface="KoPubWorld돋움체 Medium" panose="00000600000000000000" pitchFamily="2" charset="-127"/>
+                <a:cs typeface="KoPubWorld돋움체 Medium" panose="00000600000000000000" pitchFamily="2" charset="-127"/>
+              </a:rPr>
+              <a:t>번 포지션 </a:t>
+            </a:r>
+            <a:r>
+              <a:rPr lang="ko-KR" altLang="en-US" sz="1400" dirty="0" err="1">
+                <a:latin typeface="KoPubWorld돋움체 Medium" panose="00000600000000000000" pitchFamily="2" charset="-127"/>
+                <a:ea typeface="KoPubWorld돋움체 Medium" panose="00000600000000000000" pitchFamily="2" charset="-127"/>
+                <a:cs typeface="KoPubWorld돋움체 Medium" panose="00000600000000000000" pitchFamily="2" charset="-127"/>
+              </a:rPr>
+              <a:t>임베딩</a:t>
+            </a:r>
+            <a:r>
+              <a:rPr lang="ko-KR" altLang="en-US" sz="1400" dirty="0">
+                <a:latin typeface="KoPubWorld돋움체 Medium" panose="00000600000000000000" pitchFamily="2" charset="-127"/>
+                <a:ea typeface="KoPubWorld돋움체 Medium" panose="00000600000000000000" pitchFamily="2" charset="-127"/>
+                <a:cs typeface="KoPubWorld돋움체 Medium" panose="00000600000000000000" pitchFamily="2" charset="-127"/>
+              </a:rPr>
+              <a:t> 벡터</a:t>
+            </a:r>
+          </a:p>
+          <a:p>
+            <a:pPr marL="742950" lvl="1" indent="-285750">
+              <a:buFont typeface="Arial" panose="020B0604020202020204" pitchFamily="34" charset="0"/>
+              <a:buChar char="•"/>
+            </a:pPr>
+            <a:r>
+              <a:rPr lang="ko-KR" altLang="en-US" sz="1400" dirty="0" err="1">
+                <a:latin typeface="KoPubWorld돋움체 Medium" panose="00000600000000000000" pitchFamily="2" charset="-127"/>
+                <a:ea typeface="KoPubWorld돋움체 Medium" panose="00000600000000000000" pitchFamily="2" charset="-127"/>
+                <a:cs typeface="KoPubWorld돋움체 Medium" panose="00000600000000000000" pitchFamily="2" charset="-127"/>
+              </a:rPr>
+              <a:t>세번째</a:t>
+            </a:r>
+            <a:r>
+              <a:rPr lang="ko-KR" altLang="en-US" sz="1400" dirty="0">
+                <a:latin typeface="KoPubWorld돋움체 Medium" panose="00000600000000000000" pitchFamily="2" charset="-127"/>
+                <a:ea typeface="KoPubWorld돋움체 Medium" panose="00000600000000000000" pitchFamily="2" charset="-127"/>
+                <a:cs typeface="KoPubWorld돋움체 Medium" panose="00000600000000000000" pitchFamily="2" charset="-127"/>
+              </a:rPr>
+              <a:t> 단어의 </a:t>
+            </a:r>
+            <a:r>
+              <a:rPr lang="ko-KR" altLang="en-US" sz="1400" dirty="0" err="1">
+                <a:latin typeface="KoPubWorld돋움체 Medium" panose="00000600000000000000" pitchFamily="2" charset="-127"/>
+                <a:ea typeface="KoPubWorld돋움체 Medium" panose="00000600000000000000" pitchFamily="2" charset="-127"/>
+                <a:cs typeface="KoPubWorld돋움체 Medium" panose="00000600000000000000" pitchFamily="2" charset="-127"/>
+              </a:rPr>
+              <a:t>임베딩</a:t>
+            </a:r>
+            <a:r>
+              <a:rPr lang="ko-KR" altLang="en-US" sz="1400" dirty="0">
+                <a:latin typeface="KoPubWorld돋움체 Medium" panose="00000600000000000000" pitchFamily="2" charset="-127"/>
+                <a:ea typeface="KoPubWorld돋움체 Medium" panose="00000600000000000000" pitchFamily="2" charset="-127"/>
+                <a:cs typeface="KoPubWorld돋움체 Medium" panose="00000600000000000000" pitchFamily="2" charset="-127"/>
+              </a:rPr>
+              <a:t> 벡터 </a:t>
+            </a:r>
+            <a:r>
+              <a:rPr lang="en-US" altLang="ko-KR" sz="1400" dirty="0">
+                <a:latin typeface="KoPubWorld돋움체 Medium" panose="00000600000000000000" pitchFamily="2" charset="-127"/>
+                <a:ea typeface="KoPubWorld돋움체 Medium" panose="00000600000000000000" pitchFamily="2" charset="-127"/>
+                <a:cs typeface="KoPubWorld돋움체 Medium" panose="00000600000000000000" pitchFamily="2" charset="-127"/>
+              </a:rPr>
+              <a:t>+ 2</a:t>
+            </a:r>
+            <a:r>
+              <a:rPr lang="ko-KR" altLang="en-US" sz="1400" dirty="0">
+                <a:latin typeface="KoPubWorld돋움체 Medium" panose="00000600000000000000" pitchFamily="2" charset="-127"/>
+                <a:ea typeface="KoPubWorld돋움체 Medium" panose="00000600000000000000" pitchFamily="2" charset="-127"/>
+                <a:cs typeface="KoPubWorld돋움체 Medium" panose="00000600000000000000" pitchFamily="2" charset="-127"/>
+              </a:rPr>
+              <a:t>번 포지션 </a:t>
+            </a:r>
+            <a:r>
+              <a:rPr lang="ko-KR" altLang="en-US" sz="1400" dirty="0" err="1">
+                <a:latin typeface="KoPubWorld돋움체 Medium" panose="00000600000000000000" pitchFamily="2" charset="-127"/>
+                <a:ea typeface="KoPubWorld돋움체 Medium" panose="00000600000000000000" pitchFamily="2" charset="-127"/>
+                <a:cs typeface="KoPubWorld돋움체 Medium" panose="00000600000000000000" pitchFamily="2" charset="-127"/>
+              </a:rPr>
+              <a:t>임베딩</a:t>
+            </a:r>
+            <a:r>
+              <a:rPr lang="ko-KR" altLang="en-US" sz="1400" dirty="0">
+                <a:latin typeface="KoPubWorld돋움체 Medium" panose="00000600000000000000" pitchFamily="2" charset="-127"/>
+                <a:ea typeface="KoPubWorld돋움체 Medium" panose="00000600000000000000" pitchFamily="2" charset="-127"/>
+                <a:cs typeface="KoPubWorld돋움체 Medium" panose="00000600000000000000" pitchFamily="2" charset="-127"/>
+              </a:rPr>
+              <a:t> 벡터</a:t>
+            </a:r>
+          </a:p>
+          <a:p>
+            <a:pPr marL="742950" lvl="1" indent="-285750">
+              <a:buFont typeface="Arial" panose="020B0604020202020204" pitchFamily="34" charset="0"/>
+              <a:buChar char="•"/>
+            </a:pPr>
+            <a:r>
+              <a:rPr lang="ko-KR" altLang="en-US" sz="1400" dirty="0" err="1">
+                <a:latin typeface="KoPubWorld돋움체 Medium" panose="00000600000000000000" pitchFamily="2" charset="-127"/>
+                <a:ea typeface="KoPubWorld돋움체 Medium" panose="00000600000000000000" pitchFamily="2" charset="-127"/>
+                <a:cs typeface="KoPubWorld돋움체 Medium" panose="00000600000000000000" pitchFamily="2" charset="-127"/>
+              </a:rPr>
+              <a:t>네번째</a:t>
+            </a:r>
+            <a:r>
+              <a:rPr lang="ko-KR" altLang="en-US" sz="1400" dirty="0">
+                <a:latin typeface="KoPubWorld돋움체 Medium" panose="00000600000000000000" pitchFamily="2" charset="-127"/>
+                <a:ea typeface="KoPubWorld돋움체 Medium" panose="00000600000000000000" pitchFamily="2" charset="-127"/>
+                <a:cs typeface="KoPubWorld돋움체 Medium" panose="00000600000000000000" pitchFamily="2" charset="-127"/>
+              </a:rPr>
+              <a:t> 단어의 </a:t>
+            </a:r>
+            <a:r>
+              <a:rPr lang="ko-KR" altLang="en-US" sz="1400" dirty="0" err="1">
+                <a:latin typeface="KoPubWorld돋움체 Medium" panose="00000600000000000000" pitchFamily="2" charset="-127"/>
+                <a:ea typeface="KoPubWorld돋움체 Medium" panose="00000600000000000000" pitchFamily="2" charset="-127"/>
+                <a:cs typeface="KoPubWorld돋움체 Medium" panose="00000600000000000000" pitchFamily="2" charset="-127"/>
+              </a:rPr>
+              <a:t>임베딩</a:t>
+            </a:r>
+            <a:r>
+              <a:rPr lang="ko-KR" altLang="en-US" sz="1400" dirty="0">
+                <a:latin typeface="KoPubWorld돋움체 Medium" panose="00000600000000000000" pitchFamily="2" charset="-127"/>
+                <a:ea typeface="KoPubWorld돋움체 Medium" panose="00000600000000000000" pitchFamily="2" charset="-127"/>
+                <a:cs typeface="KoPubWorld돋움체 Medium" panose="00000600000000000000" pitchFamily="2" charset="-127"/>
+              </a:rPr>
+              <a:t> 벡터 </a:t>
+            </a:r>
+            <a:r>
+              <a:rPr lang="en-US" altLang="ko-KR" sz="1400" dirty="0">
+                <a:latin typeface="KoPubWorld돋움체 Medium" panose="00000600000000000000" pitchFamily="2" charset="-127"/>
+                <a:ea typeface="KoPubWorld돋움체 Medium" panose="00000600000000000000" pitchFamily="2" charset="-127"/>
+                <a:cs typeface="KoPubWorld돋움체 Medium" panose="00000600000000000000" pitchFamily="2" charset="-127"/>
+              </a:rPr>
+              <a:t>+ 3</a:t>
+            </a:r>
+            <a:r>
+              <a:rPr lang="ko-KR" altLang="en-US" sz="1400" dirty="0">
+                <a:latin typeface="KoPubWorld돋움체 Medium" panose="00000600000000000000" pitchFamily="2" charset="-127"/>
+                <a:ea typeface="KoPubWorld돋움체 Medium" panose="00000600000000000000" pitchFamily="2" charset="-127"/>
+                <a:cs typeface="KoPubWorld돋움체 Medium" panose="00000600000000000000" pitchFamily="2" charset="-127"/>
+              </a:rPr>
+              <a:t>번 포지션 </a:t>
+            </a:r>
+            <a:r>
+              <a:rPr lang="ko-KR" altLang="en-US" sz="1400" dirty="0" err="1">
+                <a:latin typeface="KoPubWorld돋움체 Medium" panose="00000600000000000000" pitchFamily="2" charset="-127"/>
+                <a:ea typeface="KoPubWorld돋움체 Medium" panose="00000600000000000000" pitchFamily="2" charset="-127"/>
+                <a:cs typeface="KoPubWorld돋움체 Medium" panose="00000600000000000000" pitchFamily="2" charset="-127"/>
+              </a:rPr>
+              <a:t>임베딩</a:t>
+            </a:r>
+            <a:r>
+              <a:rPr lang="ko-KR" altLang="en-US" sz="1400" dirty="0">
+                <a:latin typeface="KoPubWorld돋움체 Medium" panose="00000600000000000000" pitchFamily="2" charset="-127"/>
+                <a:ea typeface="KoPubWorld돋움체 Medium" panose="00000600000000000000" pitchFamily="2" charset="-127"/>
+                <a:cs typeface="KoPubWorld돋움체 Medium" panose="00000600000000000000" pitchFamily="2" charset="-127"/>
+              </a:rPr>
+              <a:t> 벡터</a:t>
+            </a:r>
+            <a:endParaRPr lang="en-US" altLang="ko-KR" sz="1400" dirty="0">
+              <a:latin typeface="KoPubWorld돋움체 Medium" panose="00000600000000000000" pitchFamily="2" charset="-127"/>
+              <a:ea typeface="KoPubWorld돋움체 Medium" panose="00000600000000000000" pitchFamily="2" charset="-127"/>
+              <a:cs typeface="KoPubWorld돋움체 Medium" panose="00000600000000000000" pitchFamily="2" charset="-127"/>
+            </a:endParaRPr>
+          </a:p>
+        </p:txBody>
+      </p:sp>
+      <p:sp>
+        <p:nvSpPr>
+          <p:cNvPr id="9" name="TextBox 8"/>
+          <p:cNvSpPr txBox="1"/>
+          <p:nvPr/>
+        </p:nvSpPr>
+        <p:spPr>
+          <a:xfrm>
+            <a:off x="334962" y="4569207"/>
+            <a:ext cx="9531413" cy="954107"/>
+          </a:xfrm>
+          <a:prstGeom prst="rect">
+            <a:avLst/>
+          </a:prstGeom>
+          <a:noFill/>
+        </p:spPr>
+        <p:txBody>
+          <a:bodyPr wrap="square" rtlCol="0">
+            <a:spAutoFit/>
+          </a:bodyPr>
+          <a:lstStyle/>
+          <a:p>
+            <a:pPr marL="285750" indent="-285750">
+              <a:buFontTx/>
+              <a:buChar char="-"/>
+            </a:pPr>
+            <a:r>
+              <a:rPr lang="ko-KR" altLang="en-US" sz="1400" dirty="0">
+                <a:latin typeface="KoPubWorld돋움체 Medium" panose="00000600000000000000" pitchFamily="2" charset="-127"/>
+                <a:ea typeface="KoPubWorld돋움체 Medium" panose="00000600000000000000" pitchFamily="2" charset="-127"/>
+                <a:cs typeface="KoPubWorld돋움체 Medium" panose="00000600000000000000" pitchFamily="2" charset="-127"/>
+              </a:rPr>
+              <a:t>실제 </a:t>
+            </a:r>
+            <a:r>
+              <a:rPr lang="en-US" altLang="ko-KR" sz="1400" dirty="0">
+                <a:latin typeface="KoPubWorld돋움체 Medium" panose="00000600000000000000" pitchFamily="2" charset="-127"/>
+                <a:ea typeface="KoPubWorld돋움체 Medium" panose="00000600000000000000" pitchFamily="2" charset="-127"/>
+                <a:cs typeface="KoPubWorld돋움체 Medium" panose="00000600000000000000" pitchFamily="2" charset="-127"/>
+              </a:rPr>
+              <a:t>BERT</a:t>
+            </a:r>
+            <a:r>
+              <a:rPr lang="ko-KR" altLang="en-US" sz="1400" dirty="0">
+                <a:latin typeface="KoPubWorld돋움체 Medium" panose="00000600000000000000" pitchFamily="2" charset="-127"/>
+                <a:ea typeface="KoPubWorld돋움체 Medium" panose="00000600000000000000" pitchFamily="2" charset="-127"/>
+                <a:cs typeface="KoPubWorld돋움체 Medium" panose="00000600000000000000" pitchFamily="2" charset="-127"/>
+              </a:rPr>
+              <a:t>에서는 문장의 최대 길이를 </a:t>
+            </a:r>
+            <a:r>
+              <a:rPr lang="en-US" altLang="ko-KR" sz="1400" dirty="0">
+                <a:latin typeface="KoPubWorld돋움체 Medium" panose="00000600000000000000" pitchFamily="2" charset="-127"/>
+                <a:ea typeface="KoPubWorld돋움체 Medium" panose="00000600000000000000" pitchFamily="2" charset="-127"/>
+                <a:cs typeface="KoPubWorld돋움체 Medium" panose="00000600000000000000" pitchFamily="2" charset="-127"/>
+              </a:rPr>
+              <a:t>512</a:t>
+            </a:r>
+            <a:r>
+              <a:rPr lang="ko-KR" altLang="en-US" sz="1400" dirty="0">
+                <a:latin typeface="KoPubWorld돋움체 Medium" panose="00000600000000000000" pitchFamily="2" charset="-127"/>
+                <a:ea typeface="KoPubWorld돋움체 Medium" panose="00000600000000000000" pitchFamily="2" charset="-127"/>
+                <a:cs typeface="KoPubWorld돋움체 Medium" panose="00000600000000000000" pitchFamily="2" charset="-127"/>
+              </a:rPr>
+              <a:t>로 하고 있으므로</a:t>
+            </a:r>
+            <a:r>
+              <a:rPr lang="en-US" altLang="ko-KR" sz="1400" dirty="0">
+                <a:latin typeface="KoPubWorld돋움체 Medium" panose="00000600000000000000" pitchFamily="2" charset="-127"/>
+                <a:ea typeface="KoPubWorld돋움체 Medium" panose="00000600000000000000" pitchFamily="2" charset="-127"/>
+                <a:cs typeface="KoPubWorld돋움체 Medium" panose="00000600000000000000" pitchFamily="2" charset="-127"/>
+              </a:rPr>
+              <a:t>, </a:t>
+            </a:r>
+            <a:r>
+              <a:rPr lang="ko-KR" altLang="en-US" sz="1400" dirty="0">
+                <a:latin typeface="KoPubWorld돋움체 Medium" panose="00000600000000000000" pitchFamily="2" charset="-127"/>
+                <a:ea typeface="KoPubWorld돋움체 Medium" panose="00000600000000000000" pitchFamily="2" charset="-127"/>
+                <a:cs typeface="KoPubWorld돋움체 Medium" panose="00000600000000000000" pitchFamily="2" charset="-127"/>
+              </a:rPr>
+              <a:t>총 </a:t>
+            </a:r>
+            <a:r>
+              <a:rPr lang="en-US" altLang="ko-KR" sz="1400" dirty="0">
+                <a:latin typeface="KoPubWorld돋움체 Medium" panose="00000600000000000000" pitchFamily="2" charset="-127"/>
+                <a:ea typeface="KoPubWorld돋움체 Medium" panose="00000600000000000000" pitchFamily="2" charset="-127"/>
+                <a:cs typeface="KoPubWorld돋움체 Medium" panose="00000600000000000000" pitchFamily="2" charset="-127"/>
+              </a:rPr>
+              <a:t>512</a:t>
+            </a:r>
+            <a:r>
+              <a:rPr lang="ko-KR" altLang="en-US" sz="1400" dirty="0">
+                <a:latin typeface="KoPubWorld돋움체 Medium" panose="00000600000000000000" pitchFamily="2" charset="-127"/>
+                <a:ea typeface="KoPubWorld돋움체 Medium" panose="00000600000000000000" pitchFamily="2" charset="-127"/>
+                <a:cs typeface="KoPubWorld돋움체 Medium" panose="00000600000000000000" pitchFamily="2" charset="-127"/>
+              </a:rPr>
+              <a:t>개의 포지션 </a:t>
+            </a:r>
+            <a:r>
+              <a:rPr lang="ko-KR" altLang="en-US" sz="1400" dirty="0" err="1">
+                <a:latin typeface="KoPubWorld돋움체 Medium" panose="00000600000000000000" pitchFamily="2" charset="-127"/>
+                <a:ea typeface="KoPubWorld돋움체 Medium" panose="00000600000000000000" pitchFamily="2" charset="-127"/>
+                <a:cs typeface="KoPubWorld돋움체 Medium" panose="00000600000000000000" pitchFamily="2" charset="-127"/>
+              </a:rPr>
+              <a:t>임베딩</a:t>
+            </a:r>
+            <a:r>
+              <a:rPr lang="ko-KR" altLang="en-US" sz="1400" dirty="0">
+                <a:latin typeface="KoPubWorld돋움체 Medium" panose="00000600000000000000" pitchFamily="2" charset="-127"/>
+                <a:ea typeface="KoPubWorld돋움체 Medium" panose="00000600000000000000" pitchFamily="2" charset="-127"/>
+                <a:cs typeface="KoPubWorld돋움체 Medium" panose="00000600000000000000" pitchFamily="2" charset="-127"/>
+              </a:rPr>
+              <a:t> </a:t>
+            </a:r>
+            <a:r>
+              <a:rPr lang="ko-KR" altLang="en-US" sz="1400" dirty="0" smtClean="0">
+                <a:latin typeface="KoPubWorld돋움체 Medium" panose="00000600000000000000" pitchFamily="2" charset="-127"/>
+                <a:ea typeface="KoPubWorld돋움체 Medium" panose="00000600000000000000" pitchFamily="2" charset="-127"/>
+                <a:cs typeface="KoPubWorld돋움체 Medium" panose="00000600000000000000" pitchFamily="2" charset="-127"/>
+              </a:rPr>
+              <a:t>벡터 </a:t>
+            </a:r>
+            <a:r>
+              <a:rPr lang="ko-KR" altLang="en-US" sz="1400" dirty="0">
+                <a:latin typeface="KoPubWorld돋움체 Medium" panose="00000600000000000000" pitchFamily="2" charset="-127"/>
+                <a:ea typeface="KoPubWorld돋움체 Medium" panose="00000600000000000000" pitchFamily="2" charset="-127"/>
+                <a:cs typeface="KoPubWorld돋움체 Medium" panose="00000600000000000000" pitchFamily="2" charset="-127"/>
+              </a:rPr>
+              <a:t>학습</a:t>
+            </a:r>
+            <a:endParaRPr lang="en-US" altLang="ko-KR" sz="1400" dirty="0" smtClean="0">
+              <a:latin typeface="KoPubWorld돋움체 Medium" panose="00000600000000000000" pitchFamily="2" charset="-127"/>
+              <a:ea typeface="KoPubWorld돋움체 Medium" panose="00000600000000000000" pitchFamily="2" charset="-127"/>
+              <a:cs typeface="KoPubWorld돋움체 Medium" panose="00000600000000000000" pitchFamily="2" charset="-127"/>
+            </a:endParaRPr>
+          </a:p>
+          <a:p>
+            <a:pPr marL="285750" indent="-285750">
+              <a:buFontTx/>
+              <a:buChar char="-"/>
+            </a:pPr>
+            <a:r>
+              <a:rPr lang="en-US" altLang="ko-KR" sz="1400" dirty="0">
+                <a:latin typeface="KoPubWorld돋움체 Medium" panose="00000600000000000000" pitchFamily="2" charset="-127"/>
+                <a:ea typeface="KoPubWorld돋움체 Medium" panose="00000600000000000000" pitchFamily="2" charset="-127"/>
+                <a:cs typeface="KoPubWorld돋움체 Medium" panose="00000600000000000000" pitchFamily="2" charset="-127"/>
+              </a:rPr>
+              <a:t>BERT</a:t>
+            </a:r>
+            <a:r>
+              <a:rPr lang="ko-KR" altLang="en-US" sz="1400" dirty="0">
+                <a:latin typeface="KoPubWorld돋움체 Medium" panose="00000600000000000000" pitchFamily="2" charset="-127"/>
+                <a:ea typeface="KoPubWorld돋움체 Medium" panose="00000600000000000000" pitchFamily="2" charset="-127"/>
+                <a:cs typeface="KoPubWorld돋움체 Medium" panose="00000600000000000000" pitchFamily="2" charset="-127"/>
+              </a:rPr>
+              <a:t>에서는 총 두 개의 </a:t>
+            </a:r>
+            <a:r>
+              <a:rPr lang="ko-KR" altLang="en-US" sz="1400" dirty="0" err="1">
+                <a:latin typeface="KoPubWorld돋움체 Medium" panose="00000600000000000000" pitchFamily="2" charset="-127"/>
+                <a:ea typeface="KoPubWorld돋움체 Medium" panose="00000600000000000000" pitchFamily="2" charset="-127"/>
+                <a:cs typeface="KoPubWorld돋움체 Medium" panose="00000600000000000000" pitchFamily="2" charset="-127"/>
+              </a:rPr>
+              <a:t>임베딩</a:t>
+            </a:r>
+            <a:r>
+              <a:rPr lang="ko-KR" altLang="en-US" sz="1400" dirty="0">
+                <a:latin typeface="KoPubWorld돋움체 Medium" panose="00000600000000000000" pitchFamily="2" charset="-127"/>
+                <a:ea typeface="KoPubWorld돋움체 Medium" panose="00000600000000000000" pitchFamily="2" charset="-127"/>
+                <a:cs typeface="KoPubWorld돋움체 Medium" panose="00000600000000000000" pitchFamily="2" charset="-127"/>
+              </a:rPr>
+              <a:t> 층이 사용</a:t>
+            </a:r>
+            <a:endParaRPr lang="en-US" altLang="ko-KR" sz="1400" dirty="0" smtClean="0">
+              <a:latin typeface="KoPubWorld돋움체 Medium" panose="00000600000000000000" pitchFamily="2" charset="-127"/>
+              <a:ea typeface="KoPubWorld돋움체 Medium" panose="00000600000000000000" pitchFamily="2" charset="-127"/>
+              <a:cs typeface="KoPubWorld돋움체 Medium" panose="00000600000000000000" pitchFamily="2" charset="-127"/>
+            </a:endParaRPr>
+          </a:p>
+          <a:p>
+            <a:pPr marL="742950" lvl="1" indent="-285750">
+              <a:buFont typeface="Arial" panose="020B0604020202020204" pitchFamily="34" charset="0"/>
+              <a:buChar char="•"/>
+            </a:pPr>
+            <a:r>
+              <a:rPr lang="ko-KR" altLang="en-US" sz="1400" dirty="0">
+                <a:latin typeface="KoPubWorld돋움체 Medium" panose="00000600000000000000" pitchFamily="2" charset="-127"/>
+                <a:ea typeface="KoPubWorld돋움체 Medium" panose="00000600000000000000" pitchFamily="2" charset="-127"/>
+                <a:cs typeface="KoPubWorld돋움체 Medium" panose="00000600000000000000" pitchFamily="2" charset="-127"/>
+              </a:rPr>
+              <a:t>단어 집합의 크기가 </a:t>
+            </a:r>
+            <a:r>
+              <a:rPr lang="en-US" altLang="ko-KR" sz="1400" dirty="0">
+                <a:latin typeface="KoPubWorld돋움체 Medium" panose="00000600000000000000" pitchFamily="2" charset="-127"/>
+                <a:ea typeface="KoPubWorld돋움체 Medium" panose="00000600000000000000" pitchFamily="2" charset="-127"/>
+                <a:cs typeface="KoPubWorld돋움체 Medium" panose="00000600000000000000" pitchFamily="2" charset="-127"/>
+              </a:rPr>
+              <a:t>30,522</a:t>
+            </a:r>
+            <a:r>
+              <a:rPr lang="ko-KR" altLang="en-US" sz="1400" dirty="0">
+                <a:latin typeface="KoPubWorld돋움체 Medium" panose="00000600000000000000" pitchFamily="2" charset="-127"/>
+                <a:ea typeface="KoPubWorld돋움체 Medium" panose="00000600000000000000" pitchFamily="2" charset="-127"/>
+                <a:cs typeface="KoPubWorld돋움체 Medium" panose="00000600000000000000" pitchFamily="2" charset="-127"/>
+              </a:rPr>
+              <a:t>개인 단어 벡터를 위한 </a:t>
+            </a:r>
+            <a:r>
+              <a:rPr lang="ko-KR" altLang="en-US" sz="1400" dirty="0" err="1">
+                <a:latin typeface="KoPubWorld돋움체 Medium" panose="00000600000000000000" pitchFamily="2" charset="-127"/>
+                <a:ea typeface="KoPubWorld돋움체 Medium" panose="00000600000000000000" pitchFamily="2" charset="-127"/>
+                <a:cs typeface="KoPubWorld돋움체 Medium" panose="00000600000000000000" pitchFamily="2" charset="-127"/>
+              </a:rPr>
+              <a:t>임베딩</a:t>
+            </a:r>
+            <a:r>
+              <a:rPr lang="ko-KR" altLang="en-US" sz="1400" dirty="0">
+                <a:latin typeface="KoPubWorld돋움체 Medium" panose="00000600000000000000" pitchFamily="2" charset="-127"/>
+                <a:ea typeface="KoPubWorld돋움체 Medium" panose="00000600000000000000" pitchFamily="2" charset="-127"/>
+                <a:cs typeface="KoPubWorld돋움체 Medium" panose="00000600000000000000" pitchFamily="2" charset="-127"/>
+              </a:rPr>
+              <a:t> 층</a:t>
+            </a:r>
+          </a:p>
+          <a:p>
+            <a:pPr marL="742950" lvl="1" indent="-285750">
+              <a:buFont typeface="Arial" panose="020B0604020202020204" pitchFamily="34" charset="0"/>
+              <a:buChar char="•"/>
+            </a:pPr>
+            <a:r>
+              <a:rPr lang="en-US" altLang="ko-KR" sz="1400" dirty="0" smtClean="0">
+                <a:latin typeface="KoPubWorld돋움체 Medium" panose="00000600000000000000" pitchFamily="2" charset="-127"/>
+                <a:ea typeface="KoPubWorld돋움체 Medium" panose="00000600000000000000" pitchFamily="2" charset="-127"/>
+                <a:cs typeface="KoPubWorld돋움체 Medium" panose="00000600000000000000" pitchFamily="2" charset="-127"/>
+              </a:rPr>
+              <a:t>512</a:t>
+            </a:r>
+            <a:r>
+              <a:rPr lang="ko-KR" altLang="en-US" sz="1400" dirty="0">
+                <a:latin typeface="KoPubWorld돋움체 Medium" panose="00000600000000000000" pitchFamily="2" charset="-127"/>
+                <a:ea typeface="KoPubWorld돋움체 Medium" panose="00000600000000000000" pitchFamily="2" charset="-127"/>
+                <a:cs typeface="KoPubWorld돋움체 Medium" panose="00000600000000000000" pitchFamily="2" charset="-127"/>
+              </a:rPr>
+              <a:t>개의 포지션 벡터를 위한 </a:t>
+            </a:r>
+            <a:r>
+              <a:rPr lang="ko-KR" altLang="en-US" sz="1400" dirty="0" err="1">
+                <a:latin typeface="KoPubWorld돋움체 Medium" panose="00000600000000000000" pitchFamily="2" charset="-127"/>
+                <a:ea typeface="KoPubWorld돋움체 Medium" panose="00000600000000000000" pitchFamily="2" charset="-127"/>
+                <a:cs typeface="KoPubWorld돋움체 Medium" panose="00000600000000000000" pitchFamily="2" charset="-127"/>
+              </a:rPr>
+              <a:t>임베딩</a:t>
+            </a:r>
+            <a:r>
+              <a:rPr lang="ko-KR" altLang="en-US" sz="1400" dirty="0">
+                <a:latin typeface="KoPubWorld돋움체 Medium" panose="00000600000000000000" pitchFamily="2" charset="-127"/>
+                <a:ea typeface="KoPubWorld돋움체 Medium" panose="00000600000000000000" pitchFamily="2" charset="-127"/>
+                <a:cs typeface="KoPubWorld돋움체 Medium" panose="00000600000000000000" pitchFamily="2" charset="-127"/>
+              </a:rPr>
+              <a:t> </a:t>
+            </a:r>
+            <a:r>
+              <a:rPr lang="ko-KR" altLang="en-US" sz="1400" dirty="0" smtClean="0">
+                <a:latin typeface="KoPubWorld돋움체 Medium" panose="00000600000000000000" pitchFamily="2" charset="-127"/>
+                <a:ea typeface="KoPubWorld돋움체 Medium" panose="00000600000000000000" pitchFamily="2" charset="-127"/>
+                <a:cs typeface="KoPubWorld돋움체 Medium" panose="00000600000000000000" pitchFamily="2" charset="-127"/>
+              </a:rPr>
+              <a:t>층</a:t>
+            </a:r>
+            <a:endParaRPr lang="en-US" altLang="ko-KR" sz="1400" dirty="0">
+              <a:latin typeface="KoPubWorld돋움체 Medium" panose="00000600000000000000" pitchFamily="2" charset="-127"/>
+              <a:ea typeface="KoPubWorld돋움체 Medium" panose="00000600000000000000" pitchFamily="2" charset="-127"/>
+              <a:cs typeface="KoPubWorld돋움체 Medium" panose="00000600000000000000" pitchFamily="2" charset="-127"/>
+            </a:endParaRPr>
+          </a:p>
+        </p:txBody>
+      </p:sp>
+    </p:spTree>
+    <p:extLst>
+      <p:ext uri="{BB962C8B-B14F-4D97-AF65-F5344CB8AC3E}">
+        <p14:creationId xmlns:p14="http://schemas.microsoft.com/office/powerpoint/2010/main" val="3674918930"/>
+      </p:ext>
+    </p:extLst>
+  </p:cSld>
+  <p:clrMapOvr>
+    <a:masterClrMapping/>
+  </p:clrMapOvr>
+</p:sld>
+</file>
+
+<file path=ppt/slides/slide12.xml><?xml version="1.0" encoding="utf-8"?>
+<p:sld xmlns:a="http://schemas.openxmlformats.org/drawingml/2006/main" xmlns:r="http://schemas.openxmlformats.org/officeDocument/2006/relationships" xmlns:p="http://schemas.openxmlformats.org/presentationml/2006/main">
+  <p:cSld>
+    <p:spTree>
+      <p:nvGrpSpPr>
+        <p:cNvPr id="1" name=""/>
+        <p:cNvGrpSpPr/>
+        <p:nvPr/>
+      </p:nvGrpSpPr>
+      <p:grpSpPr>
+        <a:xfrm>
+          <a:off x="0" y="0"/>
+          <a:ext cx="0" cy="0"/>
+          <a:chOff x="0" y="0"/>
+          <a:chExt cx="0" cy="0"/>
+        </a:xfrm>
+      </p:grpSpPr>
+      <p:sp>
+        <p:nvSpPr>
+          <p:cNvPr id="4" name="TextBox 3"/>
+          <p:cNvSpPr txBox="1"/>
+          <p:nvPr/>
+        </p:nvSpPr>
+        <p:spPr>
+          <a:xfrm>
+            <a:off x="344475" y="391409"/>
+            <a:ext cx="7582525" cy="369332"/>
+          </a:xfrm>
+          <a:prstGeom prst="rect">
+            <a:avLst/>
+          </a:prstGeom>
+          <a:noFill/>
+        </p:spPr>
+        <p:txBody>
+          <a:bodyPr wrap="none" rtlCol="0">
+            <a:spAutoFit/>
+          </a:bodyPr>
+          <a:lstStyle/>
+          <a:p>
+            <a:r>
+              <a:rPr lang="en-US" altLang="ko-KR" dirty="0" smtClean="0">
+                <a:latin typeface="KoPubWorld돋움체 Bold" panose="00000800000000000000" pitchFamily="2" charset="-127"/>
+                <a:ea typeface="KoPubWorld돋움체 Bold" panose="00000800000000000000" pitchFamily="2" charset="-127"/>
+                <a:cs typeface="KoPubWorld돋움체 Bold" panose="00000800000000000000" pitchFamily="2" charset="-127"/>
+              </a:rPr>
+              <a:t>BERT(Bidirectional Encoder Representations from Transformers, BERT)</a:t>
+            </a:r>
+            <a:endParaRPr lang="ko-KR" altLang="en-US" dirty="0">
+              <a:latin typeface="KoPubWorld돋움체 Bold" panose="00000800000000000000" pitchFamily="2" charset="-127"/>
+              <a:ea typeface="KoPubWorld돋움체 Bold" panose="00000800000000000000" pitchFamily="2" charset="-127"/>
+              <a:cs typeface="KoPubWorld돋움체 Bold" panose="00000800000000000000" pitchFamily="2" charset="-127"/>
+            </a:endParaRPr>
+          </a:p>
+        </p:txBody>
+      </p:sp>
+      <p:sp>
+        <p:nvSpPr>
+          <p:cNvPr id="5" name="TextBox 4"/>
+          <p:cNvSpPr txBox="1"/>
+          <p:nvPr/>
+        </p:nvSpPr>
+        <p:spPr>
+          <a:xfrm>
+            <a:off x="345151" y="1026070"/>
+            <a:ext cx="4194845" cy="338554"/>
+          </a:xfrm>
+          <a:prstGeom prst="rect">
+            <a:avLst/>
+          </a:prstGeom>
+          <a:noFill/>
+        </p:spPr>
+        <p:txBody>
+          <a:bodyPr wrap="square" rtlCol="0">
+            <a:spAutoFit/>
+          </a:bodyPr>
+          <a:lstStyle/>
+          <a:p>
+            <a:r>
+              <a:rPr lang="en-US" altLang="ko-KR" sz="1600" dirty="0" smtClean="0">
+                <a:latin typeface="KoPubWorld돋움체 Medium" panose="00000600000000000000" pitchFamily="2" charset="-127"/>
+                <a:ea typeface="KoPubWorld돋움체 Medium" panose="00000600000000000000" pitchFamily="2" charset="-127"/>
+                <a:cs typeface="KoPubWorld돋움체 Medium" panose="00000600000000000000" pitchFamily="2" charset="-127"/>
+              </a:rPr>
+              <a:t>6</a:t>
+            </a:r>
+            <a:r>
+              <a:rPr lang="en-US" altLang="ko-KR" sz="1600" dirty="0">
+                <a:latin typeface="KoPubWorld돋움체 Medium" panose="00000600000000000000" pitchFamily="2" charset="-127"/>
+                <a:ea typeface="KoPubWorld돋움체 Medium" panose="00000600000000000000" pitchFamily="2" charset="-127"/>
+                <a:cs typeface="KoPubWorld돋움체 Medium" panose="00000600000000000000" pitchFamily="2" charset="-127"/>
+              </a:rPr>
+              <a:t>. </a:t>
+            </a:r>
+            <a:r>
+              <a:rPr lang="en-US" altLang="ko-KR" sz="1600" dirty="0">
+                <a:latin typeface="KoPubWorld돋움체 Medium" panose="00000600000000000000" pitchFamily="2" charset="-127"/>
+                <a:ea typeface="KoPubWorld돋움체 Medium" panose="00000600000000000000" pitchFamily="2" charset="-127"/>
+                <a:cs typeface="KoPubWorld돋움체 Medium" panose="00000600000000000000" pitchFamily="2" charset="-127"/>
+              </a:rPr>
+              <a:t>BERT</a:t>
+            </a:r>
+            <a:r>
+              <a:rPr lang="ko-KR" altLang="en-US" sz="1600" dirty="0">
+                <a:latin typeface="KoPubWorld돋움체 Medium" panose="00000600000000000000" pitchFamily="2" charset="-127"/>
+                <a:ea typeface="KoPubWorld돋움체 Medium" panose="00000600000000000000" pitchFamily="2" charset="-127"/>
+                <a:cs typeface="KoPubWorld돋움체 Medium" panose="00000600000000000000" pitchFamily="2" charset="-127"/>
+              </a:rPr>
+              <a:t>의 사전 훈련</a:t>
+            </a:r>
+            <a:r>
+              <a:rPr lang="en-US" altLang="ko-KR" sz="1600" dirty="0">
+                <a:latin typeface="KoPubWorld돋움체 Medium" panose="00000600000000000000" pitchFamily="2" charset="-127"/>
+                <a:ea typeface="KoPubWorld돋움체 Medium" panose="00000600000000000000" pitchFamily="2" charset="-127"/>
+                <a:cs typeface="KoPubWorld돋움체 Medium" panose="00000600000000000000" pitchFamily="2" charset="-127"/>
+              </a:rPr>
+              <a:t>(Pre-training</a:t>
+            </a:r>
+            <a:r>
+              <a:rPr lang="en-US" altLang="ko-KR" sz="1600" dirty="0" smtClean="0">
+                <a:latin typeface="KoPubWorld돋움체 Medium" panose="00000600000000000000" pitchFamily="2" charset="-127"/>
+                <a:ea typeface="KoPubWorld돋움체 Medium" panose="00000600000000000000" pitchFamily="2" charset="-127"/>
+                <a:cs typeface="KoPubWorld돋움체 Medium" panose="00000600000000000000" pitchFamily="2" charset="-127"/>
+              </a:rPr>
+              <a:t>)</a:t>
+            </a:r>
+            <a:endParaRPr lang="en-US" altLang="ko-KR" sz="1400" dirty="0">
+              <a:latin typeface="KoPubWorld돋움체 Medium" panose="00000600000000000000" pitchFamily="2" charset="-127"/>
+              <a:ea typeface="KoPubWorld돋움체 Medium" panose="00000600000000000000" pitchFamily="2" charset="-127"/>
+              <a:cs typeface="KoPubWorld돋움체 Medium" panose="00000600000000000000" pitchFamily="2" charset="-127"/>
+            </a:endParaRPr>
+          </a:p>
+        </p:txBody>
+      </p:sp>
+      <p:pic>
+        <p:nvPicPr>
+          <p:cNvPr id="2" name="그림 1"/>
+          <p:cNvPicPr>
+            <a:picLocks noChangeAspect="1"/>
+          </p:cNvPicPr>
+          <p:nvPr/>
+        </p:nvPicPr>
+        <p:blipFill>
+          <a:blip r:embed="rId2"/>
+          <a:stretch>
+            <a:fillRect/>
+          </a:stretch>
+        </p:blipFill>
+        <p:spPr>
+          <a:xfrm>
+            <a:off x="1271016" y="1440180"/>
+            <a:ext cx="9144061" cy="2160895"/>
+          </a:xfrm>
+          <a:prstGeom prst="rect">
+            <a:avLst/>
+          </a:prstGeom>
+        </p:spPr>
+      </p:pic>
+      <p:sp>
+        <p:nvSpPr>
+          <p:cNvPr id="10" name="TextBox 9"/>
+          <p:cNvSpPr txBox="1"/>
+          <p:nvPr/>
+        </p:nvSpPr>
+        <p:spPr>
+          <a:xfrm>
+            <a:off x="6255703" y="3564710"/>
+            <a:ext cx="3921630" cy="461665"/>
+          </a:xfrm>
+          <a:prstGeom prst="rect">
+            <a:avLst/>
+          </a:prstGeom>
+          <a:noFill/>
+        </p:spPr>
+        <p:txBody>
+          <a:bodyPr wrap="square" rtlCol="0">
+            <a:spAutoFit/>
+          </a:bodyPr>
+          <a:lstStyle/>
+          <a:p>
+            <a:pPr marL="285750" indent="-285750">
+              <a:buFontTx/>
+              <a:buChar char="-"/>
+            </a:pPr>
+            <a:r>
+              <a:rPr lang="ko-KR" altLang="en-US" sz="1200" dirty="0">
+                <a:latin typeface="KoPubWorld돋움체 Medium" panose="00000600000000000000" pitchFamily="2" charset="-127"/>
+                <a:ea typeface="KoPubWorld돋움체 Medium" panose="00000600000000000000" pitchFamily="2" charset="-127"/>
+                <a:cs typeface="KoPubWorld돋움체 Medium" panose="00000600000000000000" pitchFamily="2" charset="-127"/>
+              </a:rPr>
+              <a:t>양방향 언어 모델</a:t>
+            </a:r>
+            <a:endParaRPr lang="en-US" altLang="ko-KR" sz="1200" dirty="0" smtClean="0">
+              <a:latin typeface="KoPubWorld돋움체 Medium" panose="00000600000000000000" pitchFamily="2" charset="-127"/>
+              <a:ea typeface="KoPubWorld돋움체 Medium" panose="00000600000000000000" pitchFamily="2" charset="-127"/>
+              <a:cs typeface="KoPubWorld돋움체 Medium" panose="00000600000000000000" pitchFamily="2" charset="-127"/>
+            </a:endParaRPr>
+          </a:p>
+          <a:p>
+            <a:pPr marL="285750" indent="-285750">
+              <a:buFontTx/>
+              <a:buChar char="-"/>
+            </a:pPr>
+            <a:r>
+              <a:rPr lang="ko-KR" altLang="en-US" sz="1200" dirty="0" err="1" smtClean="0">
+                <a:latin typeface="KoPubWorld돋움체 Medium" panose="00000600000000000000" pitchFamily="2" charset="-127"/>
+                <a:ea typeface="KoPubWorld돋움체 Medium" panose="00000600000000000000" pitchFamily="2" charset="-127"/>
+                <a:cs typeface="KoPubWorld돋움체 Medium" panose="00000600000000000000" pitchFamily="2" charset="-127"/>
+              </a:rPr>
+              <a:t>정방향</a:t>
+            </a:r>
+            <a:r>
+              <a:rPr lang="ko-KR" altLang="en-US" sz="1200" dirty="0" smtClean="0">
+                <a:latin typeface="KoPubWorld돋움체 Medium" panose="00000600000000000000" pitchFamily="2" charset="-127"/>
+                <a:ea typeface="KoPubWorld돋움체 Medium" panose="00000600000000000000" pitchFamily="2" charset="-127"/>
+                <a:cs typeface="KoPubWorld돋움체 Medium" panose="00000600000000000000" pitchFamily="2" charset="-127"/>
+              </a:rPr>
+              <a:t> </a:t>
+            </a:r>
+            <a:r>
+              <a:rPr lang="en-US" altLang="ko-KR" sz="1200" dirty="0">
+                <a:latin typeface="KoPubWorld돋움체 Medium" panose="00000600000000000000" pitchFamily="2" charset="-127"/>
+                <a:ea typeface="KoPubWorld돋움체 Medium" panose="00000600000000000000" pitchFamily="2" charset="-127"/>
+                <a:cs typeface="KoPubWorld돋움체 Medium" panose="00000600000000000000" pitchFamily="2" charset="-127"/>
+              </a:rPr>
+              <a:t>LSTM</a:t>
+            </a:r>
+            <a:r>
+              <a:rPr lang="ko-KR" altLang="en-US" sz="1200" dirty="0">
+                <a:latin typeface="KoPubWorld돋움체 Medium" panose="00000600000000000000" pitchFamily="2" charset="-127"/>
+                <a:ea typeface="KoPubWorld돋움체 Medium" panose="00000600000000000000" pitchFamily="2" charset="-127"/>
+                <a:cs typeface="KoPubWorld돋움체 Medium" panose="00000600000000000000" pitchFamily="2" charset="-127"/>
+              </a:rPr>
+              <a:t>과 역방향 </a:t>
+            </a:r>
+            <a:r>
+              <a:rPr lang="en-US" altLang="ko-KR" sz="1200" dirty="0">
+                <a:latin typeface="KoPubWorld돋움체 Medium" panose="00000600000000000000" pitchFamily="2" charset="-127"/>
+                <a:ea typeface="KoPubWorld돋움체 Medium" panose="00000600000000000000" pitchFamily="2" charset="-127"/>
+                <a:cs typeface="KoPubWorld돋움체 Medium" panose="00000600000000000000" pitchFamily="2" charset="-127"/>
+              </a:rPr>
+              <a:t>LSTM</a:t>
+            </a:r>
+            <a:r>
+              <a:rPr lang="ko-KR" altLang="en-US" sz="1200" dirty="0">
+                <a:latin typeface="KoPubWorld돋움체 Medium" panose="00000600000000000000" pitchFamily="2" charset="-127"/>
+                <a:ea typeface="KoPubWorld돋움체 Medium" panose="00000600000000000000" pitchFamily="2" charset="-127"/>
+                <a:cs typeface="KoPubWorld돋움체 Medium" panose="00000600000000000000" pitchFamily="2" charset="-127"/>
+              </a:rPr>
+              <a:t>을 각각 </a:t>
+            </a:r>
+            <a:r>
+              <a:rPr lang="ko-KR" altLang="en-US" sz="1200" dirty="0" smtClean="0">
+                <a:latin typeface="KoPubWorld돋움체 Medium" panose="00000600000000000000" pitchFamily="2" charset="-127"/>
+                <a:ea typeface="KoPubWorld돋움체 Medium" panose="00000600000000000000" pitchFamily="2" charset="-127"/>
+                <a:cs typeface="KoPubWorld돋움체 Medium" panose="00000600000000000000" pitchFamily="2" charset="-127"/>
+              </a:rPr>
+              <a:t>훈련시킴</a:t>
+            </a:r>
+            <a:endParaRPr lang="en-US" altLang="ko-KR" sz="1200" dirty="0">
+              <a:latin typeface="KoPubWorld돋움체 Medium" panose="00000600000000000000" pitchFamily="2" charset="-127"/>
+              <a:ea typeface="KoPubWorld돋움체 Medium" panose="00000600000000000000" pitchFamily="2" charset="-127"/>
+              <a:cs typeface="KoPubWorld돋움체 Medium" panose="00000600000000000000" pitchFamily="2" charset="-127"/>
+            </a:endParaRPr>
+          </a:p>
+        </p:txBody>
+      </p:sp>
+      <p:sp>
+        <p:nvSpPr>
+          <p:cNvPr id="12" name="TextBox 11"/>
+          <p:cNvSpPr txBox="1"/>
+          <p:nvPr/>
+        </p:nvSpPr>
+        <p:spPr>
+          <a:xfrm>
+            <a:off x="3601785" y="3564710"/>
+            <a:ext cx="2449385" cy="830997"/>
+          </a:xfrm>
+          <a:prstGeom prst="rect">
+            <a:avLst/>
+          </a:prstGeom>
+          <a:noFill/>
+        </p:spPr>
+        <p:txBody>
+          <a:bodyPr wrap="square" rtlCol="0">
+            <a:spAutoFit/>
+          </a:bodyPr>
+          <a:lstStyle/>
+          <a:p>
+            <a:pPr marL="285750" indent="-285750">
+              <a:buFontTx/>
+              <a:buChar char="-"/>
+            </a:pPr>
+            <a:r>
+              <a:rPr lang="ko-KR" altLang="en-US" sz="1200" dirty="0" err="1" smtClean="0">
+                <a:latin typeface="KoPubWorld돋움체 Medium" panose="00000600000000000000" pitchFamily="2" charset="-127"/>
+                <a:ea typeface="KoPubWorld돋움체 Medium" panose="00000600000000000000" pitchFamily="2" charset="-127"/>
+                <a:cs typeface="KoPubWorld돋움체 Medium" panose="00000600000000000000" pitchFamily="2" charset="-127"/>
+              </a:rPr>
+              <a:t>단방향</a:t>
+            </a:r>
+            <a:r>
+              <a:rPr lang="ko-KR" altLang="en-US" sz="1200" dirty="0" smtClean="0">
+                <a:latin typeface="KoPubWorld돋움체 Medium" panose="00000600000000000000" pitchFamily="2" charset="-127"/>
+                <a:ea typeface="KoPubWorld돋움체 Medium" panose="00000600000000000000" pitchFamily="2" charset="-127"/>
+                <a:cs typeface="KoPubWorld돋움체 Medium" panose="00000600000000000000" pitchFamily="2" charset="-127"/>
+              </a:rPr>
+              <a:t> </a:t>
+            </a:r>
+            <a:r>
+              <a:rPr lang="ko-KR" altLang="en-US" sz="1200" dirty="0">
+                <a:latin typeface="KoPubWorld돋움체 Medium" panose="00000600000000000000" pitchFamily="2" charset="-127"/>
+                <a:ea typeface="KoPubWorld돋움체 Medium" panose="00000600000000000000" pitchFamily="2" charset="-127"/>
+                <a:cs typeface="KoPubWorld돋움체 Medium" panose="00000600000000000000" pitchFamily="2" charset="-127"/>
+              </a:rPr>
+              <a:t>언어 모델</a:t>
+            </a:r>
+            <a:endParaRPr lang="en-US" altLang="ko-KR" sz="1200" dirty="0" smtClean="0">
+              <a:latin typeface="KoPubWorld돋움체 Medium" panose="00000600000000000000" pitchFamily="2" charset="-127"/>
+              <a:ea typeface="KoPubWorld돋움체 Medium" panose="00000600000000000000" pitchFamily="2" charset="-127"/>
+              <a:cs typeface="KoPubWorld돋움체 Medium" panose="00000600000000000000" pitchFamily="2" charset="-127"/>
+            </a:endParaRPr>
+          </a:p>
+          <a:p>
+            <a:pPr marL="285750" indent="-285750">
+              <a:buFontTx/>
+              <a:buChar char="-"/>
+            </a:pPr>
+            <a:r>
+              <a:rPr lang="ko-KR" altLang="en-US" sz="1200" dirty="0">
+                <a:latin typeface="KoPubWorld돋움체 Medium" panose="00000600000000000000" pitchFamily="2" charset="-127"/>
+                <a:ea typeface="KoPubWorld돋움체 Medium" panose="00000600000000000000" pitchFamily="2" charset="-127"/>
+                <a:cs typeface="KoPubWorld돋움체 Medium" panose="00000600000000000000" pitchFamily="2" charset="-127"/>
+              </a:rPr>
+              <a:t>트랜스포머의 </a:t>
+            </a:r>
+            <a:r>
+              <a:rPr lang="ko-KR" altLang="en-US" sz="1200" dirty="0" err="1" smtClean="0">
+                <a:latin typeface="KoPubWorld돋움체 Medium" panose="00000600000000000000" pitchFamily="2" charset="-127"/>
+                <a:ea typeface="KoPubWorld돋움체 Medium" panose="00000600000000000000" pitchFamily="2" charset="-127"/>
+                <a:cs typeface="KoPubWorld돋움체 Medium" panose="00000600000000000000" pitchFamily="2" charset="-127"/>
+              </a:rPr>
+              <a:t>디코더를</a:t>
+            </a:r>
+            <a:r>
+              <a:rPr lang="ko-KR" altLang="en-US" sz="1200" dirty="0" smtClean="0">
+                <a:latin typeface="KoPubWorld돋움체 Medium" panose="00000600000000000000" pitchFamily="2" charset="-127"/>
+                <a:ea typeface="KoPubWorld돋움체 Medium" panose="00000600000000000000" pitchFamily="2" charset="-127"/>
+                <a:cs typeface="KoPubWorld돋움체 Medium" panose="00000600000000000000" pitchFamily="2" charset="-127"/>
+              </a:rPr>
+              <a:t> 이용하여 </a:t>
+            </a:r>
+            <a:r>
+              <a:rPr lang="ko-KR" altLang="en-US" sz="1200" dirty="0">
+                <a:latin typeface="KoPubWorld돋움체 Medium" panose="00000600000000000000" pitchFamily="2" charset="-127"/>
+                <a:ea typeface="KoPubWorld돋움체 Medium" panose="00000600000000000000" pitchFamily="2" charset="-127"/>
+                <a:cs typeface="KoPubWorld돋움체 Medium" panose="00000600000000000000" pitchFamily="2" charset="-127"/>
+              </a:rPr>
+              <a:t>이전 단어들로부터 다음 단어를 </a:t>
+            </a:r>
+            <a:r>
+              <a:rPr lang="ko-KR" altLang="en-US" sz="1200" dirty="0" smtClean="0">
+                <a:latin typeface="KoPubWorld돋움체 Medium" panose="00000600000000000000" pitchFamily="2" charset="-127"/>
+                <a:ea typeface="KoPubWorld돋움체 Medium" panose="00000600000000000000" pitchFamily="2" charset="-127"/>
+                <a:cs typeface="KoPubWorld돋움체 Medium" panose="00000600000000000000" pitchFamily="2" charset="-127"/>
+              </a:rPr>
+              <a:t>예측</a:t>
+            </a:r>
+            <a:endParaRPr lang="en-US" altLang="ko-KR" sz="1200" dirty="0">
+              <a:latin typeface="KoPubWorld돋움체 Medium" panose="00000600000000000000" pitchFamily="2" charset="-127"/>
+              <a:ea typeface="KoPubWorld돋움체 Medium" panose="00000600000000000000" pitchFamily="2" charset="-127"/>
+              <a:cs typeface="KoPubWorld돋움체 Medium" panose="00000600000000000000" pitchFamily="2" charset="-127"/>
+            </a:endParaRPr>
+          </a:p>
+        </p:txBody>
+      </p:sp>
+      <p:sp>
+        <p:nvSpPr>
+          <p:cNvPr id="13" name="TextBox 12"/>
+          <p:cNvSpPr txBox="1"/>
+          <p:nvPr/>
+        </p:nvSpPr>
+        <p:spPr>
+          <a:xfrm>
+            <a:off x="1217880" y="3582893"/>
+            <a:ext cx="2449385" cy="830997"/>
+          </a:xfrm>
+          <a:prstGeom prst="rect">
+            <a:avLst/>
+          </a:prstGeom>
+          <a:noFill/>
+        </p:spPr>
+        <p:txBody>
+          <a:bodyPr wrap="square" rtlCol="0">
+            <a:spAutoFit/>
+          </a:bodyPr>
+          <a:lstStyle/>
+          <a:p>
+            <a:pPr marL="285750" indent="-285750">
+              <a:buFontTx/>
+              <a:buChar char="-"/>
+            </a:pPr>
+            <a:r>
+              <a:rPr lang="ko-KR" altLang="en-US" sz="1200" dirty="0" smtClean="0">
+                <a:latin typeface="KoPubWorld돋움체 Medium" panose="00000600000000000000" pitchFamily="2" charset="-127"/>
+                <a:ea typeface="KoPubWorld돋움체 Medium" panose="00000600000000000000" pitchFamily="2" charset="-127"/>
+                <a:cs typeface="KoPubWorld돋움체 Medium" panose="00000600000000000000" pitchFamily="2" charset="-127"/>
+              </a:rPr>
+              <a:t>양방향 </a:t>
+            </a:r>
+            <a:r>
+              <a:rPr lang="ko-KR" altLang="en-US" sz="1200" dirty="0">
+                <a:latin typeface="KoPubWorld돋움체 Medium" panose="00000600000000000000" pitchFamily="2" charset="-127"/>
+                <a:ea typeface="KoPubWorld돋움체 Medium" panose="00000600000000000000" pitchFamily="2" charset="-127"/>
+                <a:cs typeface="KoPubWorld돋움체 Medium" panose="00000600000000000000" pitchFamily="2" charset="-127"/>
+              </a:rPr>
+              <a:t>언어 모델</a:t>
+            </a:r>
+            <a:endParaRPr lang="en-US" altLang="ko-KR" sz="1200" dirty="0" smtClean="0">
+              <a:latin typeface="KoPubWorld돋움체 Medium" panose="00000600000000000000" pitchFamily="2" charset="-127"/>
+              <a:ea typeface="KoPubWorld돋움체 Medium" panose="00000600000000000000" pitchFamily="2" charset="-127"/>
+              <a:cs typeface="KoPubWorld돋움체 Medium" panose="00000600000000000000" pitchFamily="2" charset="-127"/>
+            </a:endParaRPr>
+          </a:p>
+          <a:p>
+            <a:pPr marL="285750" indent="-285750">
+              <a:buFontTx/>
+              <a:buChar char="-"/>
+            </a:pPr>
+            <a:r>
+              <a:rPr lang="ko-KR" altLang="en-US" sz="1200" dirty="0" err="1"/>
+              <a:t>마스크드</a:t>
+            </a:r>
+            <a:r>
+              <a:rPr lang="ko-KR" altLang="en-US" sz="1200" dirty="0"/>
+              <a:t> 언어 모델</a:t>
+            </a:r>
+            <a:r>
+              <a:rPr lang="en-US" altLang="ko-KR" sz="1200" dirty="0"/>
+              <a:t>(Masked Language Model</a:t>
+            </a:r>
+            <a:r>
+              <a:rPr lang="en-US" altLang="ko-KR" sz="1200" dirty="0" smtClean="0"/>
+              <a:t>)</a:t>
+            </a:r>
+            <a:r>
+              <a:rPr lang="ko-KR" altLang="en-US" sz="1200" dirty="0" smtClean="0"/>
+              <a:t>를 통해 양방향성을 얻음</a:t>
+            </a:r>
+            <a:endParaRPr lang="en-US" altLang="ko-KR" sz="1200" dirty="0">
+              <a:latin typeface="KoPubWorld돋움체 Medium" panose="00000600000000000000" pitchFamily="2" charset="-127"/>
+              <a:ea typeface="KoPubWorld돋움체 Medium" panose="00000600000000000000" pitchFamily="2" charset="-127"/>
+              <a:cs typeface="KoPubWorld돋움체 Medium" panose="00000600000000000000" pitchFamily="2" charset="-127"/>
+            </a:endParaRPr>
+          </a:p>
+        </p:txBody>
+      </p:sp>
+      <p:sp>
+        <p:nvSpPr>
+          <p:cNvPr id="14" name="TextBox 13"/>
+          <p:cNvSpPr txBox="1"/>
+          <p:nvPr/>
+        </p:nvSpPr>
+        <p:spPr>
+          <a:xfrm>
+            <a:off x="334962" y="4569207"/>
+            <a:ext cx="9531413" cy="954107"/>
+          </a:xfrm>
+          <a:prstGeom prst="rect">
+            <a:avLst/>
+          </a:prstGeom>
+          <a:noFill/>
+        </p:spPr>
+        <p:txBody>
+          <a:bodyPr wrap="square" rtlCol="0">
+            <a:spAutoFit/>
+          </a:bodyPr>
+          <a:lstStyle/>
+          <a:p>
+            <a:pPr marL="285750" indent="-285750">
+              <a:buFontTx/>
+              <a:buChar char="-"/>
+            </a:pPr>
+            <a:r>
+              <a:rPr lang="en-US" altLang="ko-KR" sz="1400" dirty="0">
+                <a:latin typeface="KoPubWorld돋움체 Medium" panose="00000600000000000000" pitchFamily="2" charset="-127"/>
+                <a:ea typeface="KoPubWorld돋움체 Medium" panose="00000600000000000000" pitchFamily="2" charset="-127"/>
+                <a:cs typeface="KoPubWorld돋움체 Medium" panose="00000600000000000000" pitchFamily="2" charset="-127"/>
+              </a:rPr>
+              <a:t>BERT</a:t>
+            </a:r>
+            <a:r>
+              <a:rPr lang="ko-KR" altLang="en-US" sz="1400" dirty="0">
+                <a:latin typeface="KoPubWorld돋움체 Medium" panose="00000600000000000000" pitchFamily="2" charset="-127"/>
+                <a:ea typeface="KoPubWorld돋움체 Medium" panose="00000600000000000000" pitchFamily="2" charset="-127"/>
+                <a:cs typeface="KoPubWorld돋움체 Medium" panose="00000600000000000000" pitchFamily="2" charset="-127"/>
+              </a:rPr>
+              <a:t>는 </a:t>
+            </a:r>
+            <a:r>
+              <a:rPr lang="en-US" altLang="ko-KR" sz="1400" dirty="0" err="1">
+                <a:latin typeface="KoPubWorld돋움체 Medium" panose="00000600000000000000" pitchFamily="2" charset="-127"/>
+                <a:ea typeface="KoPubWorld돋움체 Medium" panose="00000600000000000000" pitchFamily="2" charset="-127"/>
+                <a:cs typeface="KoPubWorld돋움체 Medium" panose="00000600000000000000" pitchFamily="2" charset="-127"/>
+              </a:rPr>
+              <a:t>BookCorpus</a:t>
+            </a:r>
+            <a:r>
+              <a:rPr lang="en-US" altLang="ko-KR" sz="1400" dirty="0">
+                <a:latin typeface="KoPubWorld돋움체 Medium" panose="00000600000000000000" pitchFamily="2" charset="-127"/>
+                <a:ea typeface="KoPubWorld돋움체 Medium" panose="00000600000000000000" pitchFamily="2" charset="-127"/>
+                <a:cs typeface="KoPubWorld돋움체 Medium" panose="00000600000000000000" pitchFamily="2" charset="-127"/>
+              </a:rPr>
+              <a:t>(8</a:t>
+            </a:r>
+            <a:r>
+              <a:rPr lang="ko-KR" altLang="en-US" sz="1400" dirty="0">
+                <a:latin typeface="KoPubWorld돋움체 Medium" panose="00000600000000000000" pitchFamily="2" charset="-127"/>
+                <a:ea typeface="KoPubWorld돋움체 Medium" panose="00000600000000000000" pitchFamily="2" charset="-127"/>
+                <a:cs typeface="KoPubWorld돋움체 Medium" panose="00000600000000000000" pitchFamily="2" charset="-127"/>
+              </a:rPr>
+              <a:t>억 단어</a:t>
+            </a:r>
+            <a:r>
+              <a:rPr lang="en-US" altLang="ko-KR" sz="1400" dirty="0">
+                <a:latin typeface="KoPubWorld돋움체 Medium" panose="00000600000000000000" pitchFamily="2" charset="-127"/>
+                <a:ea typeface="KoPubWorld돋움체 Medium" panose="00000600000000000000" pitchFamily="2" charset="-127"/>
+                <a:cs typeface="KoPubWorld돋움체 Medium" panose="00000600000000000000" pitchFamily="2" charset="-127"/>
+              </a:rPr>
+              <a:t>)</a:t>
+            </a:r>
+            <a:r>
+              <a:rPr lang="ko-KR" altLang="en-US" sz="1400" dirty="0">
+                <a:latin typeface="KoPubWorld돋움체 Medium" panose="00000600000000000000" pitchFamily="2" charset="-127"/>
+                <a:ea typeface="KoPubWorld돋움체 Medium" panose="00000600000000000000" pitchFamily="2" charset="-127"/>
+                <a:cs typeface="KoPubWorld돋움체 Medium" panose="00000600000000000000" pitchFamily="2" charset="-127"/>
+              </a:rPr>
+              <a:t>와 </a:t>
+            </a:r>
+            <a:r>
+              <a:rPr lang="ko-KR" altLang="en-US" sz="1400" dirty="0" err="1">
+                <a:latin typeface="KoPubWorld돋움체 Medium" panose="00000600000000000000" pitchFamily="2" charset="-127"/>
+                <a:ea typeface="KoPubWorld돋움체 Medium" panose="00000600000000000000" pitchFamily="2" charset="-127"/>
+                <a:cs typeface="KoPubWorld돋움체 Medium" panose="00000600000000000000" pitchFamily="2" charset="-127"/>
+              </a:rPr>
+              <a:t>위키피디아</a:t>
+            </a:r>
+            <a:r>
+              <a:rPr lang="en-US" altLang="ko-KR" sz="1400" dirty="0">
+                <a:latin typeface="KoPubWorld돋움체 Medium" panose="00000600000000000000" pitchFamily="2" charset="-127"/>
+                <a:ea typeface="KoPubWorld돋움체 Medium" panose="00000600000000000000" pitchFamily="2" charset="-127"/>
+                <a:cs typeface="KoPubWorld돋움체 Medium" panose="00000600000000000000" pitchFamily="2" charset="-127"/>
+              </a:rPr>
+              <a:t>(25</a:t>
+            </a:r>
+            <a:r>
+              <a:rPr lang="ko-KR" altLang="en-US" sz="1400" dirty="0">
+                <a:latin typeface="KoPubWorld돋움체 Medium" panose="00000600000000000000" pitchFamily="2" charset="-127"/>
+                <a:ea typeface="KoPubWorld돋움체 Medium" panose="00000600000000000000" pitchFamily="2" charset="-127"/>
+                <a:cs typeface="KoPubWorld돋움체 Medium" panose="00000600000000000000" pitchFamily="2" charset="-127"/>
+              </a:rPr>
+              <a:t>억 단어</a:t>
+            </a:r>
+            <a:r>
+              <a:rPr lang="en-US" altLang="ko-KR" sz="1400" dirty="0">
+                <a:latin typeface="KoPubWorld돋움체 Medium" panose="00000600000000000000" pitchFamily="2" charset="-127"/>
+                <a:ea typeface="KoPubWorld돋움체 Medium" panose="00000600000000000000" pitchFamily="2" charset="-127"/>
+                <a:cs typeface="KoPubWorld돋움체 Medium" panose="00000600000000000000" pitchFamily="2" charset="-127"/>
+              </a:rPr>
+              <a:t>)</a:t>
+            </a:r>
+            <a:r>
+              <a:rPr lang="ko-KR" altLang="en-US" sz="1400" dirty="0">
+                <a:latin typeface="KoPubWorld돋움체 Medium" panose="00000600000000000000" pitchFamily="2" charset="-127"/>
+                <a:ea typeface="KoPubWorld돋움체 Medium" panose="00000600000000000000" pitchFamily="2" charset="-127"/>
+                <a:cs typeface="KoPubWorld돋움체 Medium" panose="00000600000000000000" pitchFamily="2" charset="-127"/>
+              </a:rPr>
+              <a:t>로 </a:t>
+            </a:r>
+            <a:r>
+              <a:rPr lang="ko-KR" altLang="en-US" sz="1400" dirty="0" smtClean="0">
+                <a:latin typeface="KoPubWorld돋움체 Medium" panose="00000600000000000000" pitchFamily="2" charset="-127"/>
+                <a:ea typeface="KoPubWorld돋움체 Medium" panose="00000600000000000000" pitchFamily="2" charset="-127"/>
+                <a:cs typeface="KoPubWorld돋움체 Medium" panose="00000600000000000000" pitchFamily="2" charset="-127"/>
+              </a:rPr>
+              <a:t>학습</a:t>
+            </a:r>
+            <a:endParaRPr lang="en-US" altLang="ko-KR" sz="1400" dirty="0" smtClean="0">
+              <a:latin typeface="KoPubWorld돋움체 Medium" panose="00000600000000000000" pitchFamily="2" charset="-127"/>
+              <a:ea typeface="KoPubWorld돋움체 Medium" panose="00000600000000000000" pitchFamily="2" charset="-127"/>
+              <a:cs typeface="KoPubWorld돋움체 Medium" panose="00000600000000000000" pitchFamily="2" charset="-127"/>
+            </a:endParaRPr>
+          </a:p>
+          <a:p>
+            <a:pPr marL="285750" indent="-285750">
+              <a:buFontTx/>
+              <a:buChar char="-"/>
+            </a:pPr>
+            <a:r>
+              <a:rPr lang="en-US" altLang="ko-KR" sz="1400" dirty="0">
+                <a:latin typeface="KoPubWorld돋움체 Medium" panose="00000600000000000000" pitchFamily="2" charset="-127"/>
+                <a:ea typeface="KoPubWorld돋움체 Medium" panose="00000600000000000000" pitchFamily="2" charset="-127"/>
+                <a:cs typeface="KoPubWorld돋움체 Medium" panose="00000600000000000000" pitchFamily="2" charset="-127"/>
+              </a:rPr>
+              <a:t>BERT</a:t>
+            </a:r>
+            <a:r>
+              <a:rPr lang="ko-KR" altLang="en-US" sz="1400" dirty="0">
+                <a:latin typeface="KoPubWorld돋움체 Medium" panose="00000600000000000000" pitchFamily="2" charset="-127"/>
+                <a:ea typeface="KoPubWorld돋움체 Medium" panose="00000600000000000000" pitchFamily="2" charset="-127"/>
+                <a:cs typeface="KoPubWorld돋움체 Medium" panose="00000600000000000000" pitchFamily="2" charset="-127"/>
+              </a:rPr>
+              <a:t>의 사전 훈련 방법</a:t>
+            </a:r>
+            <a:endParaRPr lang="en-US" altLang="ko-KR" sz="1400" dirty="0" smtClean="0">
+              <a:latin typeface="KoPubWorld돋움체 Medium" panose="00000600000000000000" pitchFamily="2" charset="-127"/>
+              <a:ea typeface="KoPubWorld돋움체 Medium" panose="00000600000000000000" pitchFamily="2" charset="-127"/>
+              <a:cs typeface="KoPubWorld돋움체 Medium" panose="00000600000000000000" pitchFamily="2" charset="-127"/>
+            </a:endParaRPr>
+          </a:p>
+          <a:p>
+            <a:pPr marL="742950" lvl="1" indent="-285750">
+              <a:buFont typeface="Arial" panose="020B0604020202020204" pitchFamily="34" charset="0"/>
+              <a:buChar char="•"/>
+            </a:pPr>
+            <a:r>
+              <a:rPr lang="ko-KR" altLang="en-US" sz="1400" dirty="0" err="1">
+                <a:latin typeface="KoPubWorld돋움체 Medium" panose="00000600000000000000" pitchFamily="2" charset="-127"/>
+                <a:ea typeface="KoPubWorld돋움체 Medium" panose="00000600000000000000" pitchFamily="2" charset="-127"/>
+                <a:cs typeface="KoPubWorld돋움체 Medium" panose="00000600000000000000" pitchFamily="2" charset="-127"/>
+              </a:rPr>
+              <a:t>마스크드</a:t>
+            </a:r>
+            <a:r>
+              <a:rPr lang="ko-KR" altLang="en-US" sz="1400" dirty="0">
+                <a:latin typeface="KoPubWorld돋움체 Medium" panose="00000600000000000000" pitchFamily="2" charset="-127"/>
+                <a:ea typeface="KoPubWorld돋움체 Medium" panose="00000600000000000000" pitchFamily="2" charset="-127"/>
+                <a:cs typeface="KoPubWorld돋움체 Medium" panose="00000600000000000000" pitchFamily="2" charset="-127"/>
+              </a:rPr>
+              <a:t> 언어 모델</a:t>
+            </a:r>
+            <a:r>
+              <a:rPr lang="en-US" altLang="ko-KR" sz="1400" dirty="0">
+                <a:latin typeface="KoPubWorld돋움체 Medium" panose="00000600000000000000" pitchFamily="2" charset="-127"/>
+                <a:ea typeface="KoPubWorld돋움체 Medium" panose="00000600000000000000" pitchFamily="2" charset="-127"/>
+                <a:cs typeface="KoPubWorld돋움체 Medium" panose="00000600000000000000" pitchFamily="2" charset="-127"/>
+              </a:rPr>
+              <a:t>(Masked Language Model)</a:t>
+            </a:r>
+            <a:endParaRPr lang="ko-KR" altLang="en-US" sz="1400" dirty="0">
+              <a:latin typeface="KoPubWorld돋움체 Medium" panose="00000600000000000000" pitchFamily="2" charset="-127"/>
+              <a:ea typeface="KoPubWorld돋움체 Medium" panose="00000600000000000000" pitchFamily="2" charset="-127"/>
+              <a:cs typeface="KoPubWorld돋움체 Medium" panose="00000600000000000000" pitchFamily="2" charset="-127"/>
+            </a:endParaRPr>
+          </a:p>
+          <a:p>
+            <a:pPr marL="742950" lvl="1" indent="-285750">
+              <a:buFont typeface="Arial" panose="020B0604020202020204" pitchFamily="34" charset="0"/>
+              <a:buChar char="•"/>
+            </a:pPr>
+            <a:r>
+              <a:rPr lang="ko-KR" altLang="en-US" sz="1400" dirty="0">
+                <a:latin typeface="KoPubWorld돋움체 Medium" panose="00000600000000000000" pitchFamily="2" charset="-127"/>
+                <a:ea typeface="KoPubWorld돋움체 Medium" panose="00000600000000000000" pitchFamily="2" charset="-127"/>
+                <a:cs typeface="KoPubWorld돋움체 Medium" panose="00000600000000000000" pitchFamily="2" charset="-127"/>
+              </a:rPr>
+              <a:t>다음 문장 예측</a:t>
+            </a:r>
+            <a:r>
+              <a:rPr lang="en-US" altLang="ko-KR" sz="1400" dirty="0">
+                <a:latin typeface="KoPubWorld돋움체 Medium" panose="00000600000000000000" pitchFamily="2" charset="-127"/>
+                <a:ea typeface="KoPubWorld돋움체 Medium" panose="00000600000000000000" pitchFamily="2" charset="-127"/>
+                <a:cs typeface="KoPubWorld돋움체 Medium" panose="00000600000000000000" pitchFamily="2" charset="-127"/>
+              </a:rPr>
+              <a:t>(Next sentence prediction, NSP)</a:t>
+            </a:r>
+            <a:endParaRPr lang="en-US" altLang="ko-KR" sz="1400" dirty="0">
+              <a:latin typeface="KoPubWorld돋움체 Medium" panose="00000600000000000000" pitchFamily="2" charset="-127"/>
+              <a:ea typeface="KoPubWorld돋움체 Medium" panose="00000600000000000000" pitchFamily="2" charset="-127"/>
+              <a:cs typeface="KoPubWorld돋움체 Medium" panose="00000600000000000000" pitchFamily="2" charset="-127"/>
+            </a:endParaRPr>
+          </a:p>
+        </p:txBody>
+      </p:sp>
+    </p:spTree>
+    <p:extLst>
+      <p:ext uri="{BB962C8B-B14F-4D97-AF65-F5344CB8AC3E}">
+        <p14:creationId xmlns:p14="http://schemas.microsoft.com/office/powerpoint/2010/main" val="2423014540"/>
+      </p:ext>
+    </p:extLst>
+  </p:cSld>
+  <p:clrMapOvr>
+    <a:masterClrMapping/>
+  </p:clrMapOvr>
+</p:sld>
+</file>
+
+<file path=ppt/slides/slide13.xml><?xml version="1.0" encoding="utf-8"?>
+<p:sld xmlns:a="http://schemas.openxmlformats.org/drawingml/2006/main" xmlns:r="http://schemas.openxmlformats.org/officeDocument/2006/relationships" xmlns:p="http://schemas.openxmlformats.org/presentationml/2006/main">
+  <p:cSld>
+    <p:spTree>
+      <p:nvGrpSpPr>
+        <p:cNvPr id="1" name=""/>
+        <p:cNvGrpSpPr/>
+        <p:nvPr/>
+      </p:nvGrpSpPr>
+      <p:grpSpPr>
+        <a:xfrm>
+          <a:off x="0" y="0"/>
+          <a:ext cx="0" cy="0"/>
+          <a:chOff x="0" y="0"/>
+          <a:chExt cx="0" cy="0"/>
+        </a:xfrm>
+      </p:grpSpPr>
+      <p:sp>
+        <p:nvSpPr>
+          <p:cNvPr id="4" name="TextBox 3"/>
+          <p:cNvSpPr txBox="1"/>
+          <p:nvPr/>
+        </p:nvSpPr>
+        <p:spPr>
+          <a:xfrm>
+            <a:off x="344475" y="391409"/>
+            <a:ext cx="7582525" cy="369332"/>
+          </a:xfrm>
+          <a:prstGeom prst="rect">
+            <a:avLst/>
+          </a:prstGeom>
+          <a:noFill/>
+        </p:spPr>
+        <p:txBody>
+          <a:bodyPr wrap="none" rtlCol="0">
+            <a:spAutoFit/>
+          </a:bodyPr>
+          <a:lstStyle/>
+          <a:p>
+            <a:r>
+              <a:rPr lang="en-US" altLang="ko-KR" dirty="0" smtClean="0">
+                <a:latin typeface="KoPubWorld돋움체 Bold" panose="00000800000000000000" pitchFamily="2" charset="-127"/>
+                <a:ea typeface="KoPubWorld돋움체 Bold" panose="00000800000000000000" pitchFamily="2" charset="-127"/>
+                <a:cs typeface="KoPubWorld돋움체 Bold" panose="00000800000000000000" pitchFamily="2" charset="-127"/>
+              </a:rPr>
+              <a:t>BERT(Bidirectional Encoder Representations from Transformers, BERT)</a:t>
+            </a:r>
+            <a:endParaRPr lang="ko-KR" altLang="en-US" dirty="0">
+              <a:latin typeface="KoPubWorld돋움체 Bold" panose="00000800000000000000" pitchFamily="2" charset="-127"/>
+              <a:ea typeface="KoPubWorld돋움체 Bold" panose="00000800000000000000" pitchFamily="2" charset="-127"/>
+              <a:cs typeface="KoPubWorld돋움체 Bold" panose="00000800000000000000" pitchFamily="2" charset="-127"/>
+            </a:endParaRPr>
+          </a:p>
+        </p:txBody>
+      </p:sp>
+      <p:sp>
+        <p:nvSpPr>
+          <p:cNvPr id="5" name="TextBox 4"/>
+          <p:cNvSpPr txBox="1"/>
+          <p:nvPr/>
+        </p:nvSpPr>
+        <p:spPr>
+          <a:xfrm>
+            <a:off x="345151" y="1026070"/>
+            <a:ext cx="7509545" cy="584775"/>
+          </a:xfrm>
+          <a:prstGeom prst="rect">
+            <a:avLst/>
+          </a:prstGeom>
+          <a:noFill/>
+        </p:spPr>
+        <p:txBody>
+          <a:bodyPr wrap="square" rtlCol="0">
+            <a:spAutoFit/>
+          </a:bodyPr>
+          <a:lstStyle/>
+          <a:p>
+            <a:r>
+              <a:rPr lang="en-US" altLang="ko-KR" sz="1600" dirty="0" smtClean="0">
+                <a:latin typeface="KoPubWorld돋움체 Medium" panose="00000600000000000000" pitchFamily="2" charset="-127"/>
+                <a:ea typeface="KoPubWorld돋움체 Medium" panose="00000600000000000000" pitchFamily="2" charset="-127"/>
+                <a:cs typeface="KoPubWorld돋움체 Medium" panose="00000600000000000000" pitchFamily="2" charset="-127"/>
+              </a:rPr>
+              <a:t>6</a:t>
+            </a:r>
+            <a:r>
+              <a:rPr lang="en-US" altLang="ko-KR" sz="1600" dirty="0">
+                <a:latin typeface="KoPubWorld돋움체 Medium" panose="00000600000000000000" pitchFamily="2" charset="-127"/>
+                <a:ea typeface="KoPubWorld돋움체 Medium" panose="00000600000000000000" pitchFamily="2" charset="-127"/>
+                <a:cs typeface="KoPubWorld돋움체 Medium" panose="00000600000000000000" pitchFamily="2" charset="-127"/>
+              </a:rPr>
+              <a:t>. </a:t>
+            </a:r>
+            <a:r>
+              <a:rPr lang="en-US" altLang="ko-KR" sz="1600" dirty="0">
+                <a:latin typeface="KoPubWorld돋움체 Medium" panose="00000600000000000000" pitchFamily="2" charset="-127"/>
+                <a:ea typeface="KoPubWorld돋움체 Medium" panose="00000600000000000000" pitchFamily="2" charset="-127"/>
+                <a:cs typeface="KoPubWorld돋움체 Medium" panose="00000600000000000000" pitchFamily="2" charset="-127"/>
+              </a:rPr>
+              <a:t>BERT</a:t>
+            </a:r>
+            <a:r>
+              <a:rPr lang="ko-KR" altLang="en-US" sz="1600" dirty="0">
+                <a:latin typeface="KoPubWorld돋움체 Medium" panose="00000600000000000000" pitchFamily="2" charset="-127"/>
+                <a:ea typeface="KoPubWorld돋움체 Medium" panose="00000600000000000000" pitchFamily="2" charset="-127"/>
+                <a:cs typeface="KoPubWorld돋움체 Medium" panose="00000600000000000000" pitchFamily="2" charset="-127"/>
+              </a:rPr>
+              <a:t>의 사전 훈련</a:t>
+            </a:r>
+            <a:r>
+              <a:rPr lang="en-US" altLang="ko-KR" sz="1600" dirty="0">
+                <a:latin typeface="KoPubWorld돋움체 Medium" panose="00000600000000000000" pitchFamily="2" charset="-127"/>
+                <a:ea typeface="KoPubWorld돋움체 Medium" panose="00000600000000000000" pitchFamily="2" charset="-127"/>
+                <a:cs typeface="KoPubWorld돋움체 Medium" panose="00000600000000000000" pitchFamily="2" charset="-127"/>
+              </a:rPr>
+              <a:t>(Pre-training</a:t>
+            </a:r>
+            <a:r>
+              <a:rPr lang="en-US" altLang="ko-KR" sz="1600" dirty="0" smtClean="0">
+                <a:latin typeface="KoPubWorld돋움체 Medium" panose="00000600000000000000" pitchFamily="2" charset="-127"/>
+                <a:ea typeface="KoPubWorld돋움체 Medium" panose="00000600000000000000" pitchFamily="2" charset="-127"/>
+                <a:cs typeface="KoPubWorld돋움체 Medium" panose="00000600000000000000" pitchFamily="2" charset="-127"/>
+              </a:rPr>
+              <a:t>)</a:t>
+            </a:r>
+          </a:p>
+          <a:p>
+            <a:r>
+              <a:rPr lang="en-US" altLang="ko-KR" sz="1600" dirty="0">
+                <a:latin typeface="KoPubWorld돋움체 Medium" panose="00000600000000000000" pitchFamily="2" charset="-127"/>
+                <a:ea typeface="KoPubWorld돋움체 Medium" panose="00000600000000000000" pitchFamily="2" charset="-127"/>
+                <a:cs typeface="KoPubWorld돋움체 Medium" panose="00000600000000000000" pitchFamily="2" charset="-127"/>
+              </a:rPr>
+              <a:t>  1) </a:t>
+            </a:r>
+            <a:r>
+              <a:rPr lang="ko-KR" altLang="en-US" sz="1600" dirty="0" err="1">
+                <a:latin typeface="KoPubWorld돋움체 Medium" panose="00000600000000000000" pitchFamily="2" charset="-127"/>
+                <a:ea typeface="KoPubWorld돋움체 Medium" panose="00000600000000000000" pitchFamily="2" charset="-127"/>
+                <a:cs typeface="KoPubWorld돋움체 Medium" panose="00000600000000000000" pitchFamily="2" charset="-127"/>
+              </a:rPr>
+              <a:t>마스크드</a:t>
+            </a:r>
+            <a:r>
+              <a:rPr lang="ko-KR" altLang="en-US" sz="1600" dirty="0">
+                <a:latin typeface="KoPubWorld돋움체 Medium" panose="00000600000000000000" pitchFamily="2" charset="-127"/>
+                <a:ea typeface="KoPubWorld돋움체 Medium" panose="00000600000000000000" pitchFamily="2" charset="-127"/>
+                <a:cs typeface="KoPubWorld돋움체 Medium" panose="00000600000000000000" pitchFamily="2" charset="-127"/>
+              </a:rPr>
+              <a:t> 언어 모델</a:t>
+            </a:r>
+            <a:r>
+              <a:rPr lang="en-US" altLang="ko-KR" sz="1600" dirty="0">
+                <a:latin typeface="KoPubWorld돋움체 Medium" panose="00000600000000000000" pitchFamily="2" charset="-127"/>
+                <a:ea typeface="KoPubWorld돋움체 Medium" panose="00000600000000000000" pitchFamily="2" charset="-127"/>
+                <a:cs typeface="KoPubWorld돋움체 Medium" panose="00000600000000000000" pitchFamily="2" charset="-127"/>
+              </a:rPr>
+              <a:t>(Masked Language Model, MLM)</a:t>
+            </a:r>
+            <a:endParaRPr lang="en-US" altLang="ko-KR" sz="1400" dirty="0">
+              <a:latin typeface="KoPubWorld돋움체 Medium" panose="00000600000000000000" pitchFamily="2" charset="-127"/>
+              <a:ea typeface="KoPubWorld돋움체 Medium" panose="00000600000000000000" pitchFamily="2" charset="-127"/>
+              <a:cs typeface="KoPubWorld돋움체 Medium" panose="00000600000000000000" pitchFamily="2" charset="-127"/>
+            </a:endParaRPr>
+          </a:p>
+        </p:txBody>
+      </p:sp>
+      <p:sp>
+        <p:nvSpPr>
+          <p:cNvPr id="14" name="TextBox 13"/>
+          <p:cNvSpPr txBox="1"/>
+          <p:nvPr/>
+        </p:nvSpPr>
+        <p:spPr>
+          <a:xfrm>
+            <a:off x="522783" y="1610845"/>
+            <a:ext cx="9832797" cy="3323987"/>
+          </a:xfrm>
+          <a:prstGeom prst="rect">
+            <a:avLst/>
+          </a:prstGeom>
+          <a:noFill/>
+        </p:spPr>
+        <p:txBody>
+          <a:bodyPr wrap="square" rtlCol="0">
+            <a:spAutoFit/>
+          </a:bodyPr>
+          <a:lstStyle/>
+          <a:p>
+            <a:pPr marL="285750" indent="-285750">
+              <a:buFontTx/>
+              <a:buChar char="-"/>
+            </a:pPr>
+            <a:r>
+              <a:rPr lang="ko-KR" altLang="en-US" sz="1400" dirty="0">
+                <a:latin typeface="KoPubWorld돋움체 Medium" panose="00000600000000000000" pitchFamily="2" charset="-127"/>
+                <a:ea typeface="KoPubWorld돋움체 Medium" panose="00000600000000000000" pitchFamily="2" charset="-127"/>
+                <a:cs typeface="KoPubWorld돋움체 Medium" panose="00000600000000000000" pitchFamily="2" charset="-127"/>
+              </a:rPr>
+              <a:t>인공 신경망의 입력으로 들어가는 입력 텍스트의 </a:t>
+            </a:r>
+            <a:r>
+              <a:rPr lang="en-US" altLang="ko-KR" sz="1400" dirty="0">
+                <a:latin typeface="KoPubWorld돋움체 Medium" panose="00000600000000000000" pitchFamily="2" charset="-127"/>
+                <a:ea typeface="KoPubWorld돋움체 Medium" panose="00000600000000000000" pitchFamily="2" charset="-127"/>
+                <a:cs typeface="KoPubWorld돋움체 Medium" panose="00000600000000000000" pitchFamily="2" charset="-127"/>
+              </a:rPr>
+              <a:t>15%</a:t>
+            </a:r>
+            <a:r>
+              <a:rPr lang="ko-KR" altLang="en-US" sz="1400" dirty="0">
+                <a:latin typeface="KoPubWorld돋움체 Medium" panose="00000600000000000000" pitchFamily="2" charset="-127"/>
+                <a:ea typeface="KoPubWorld돋움체 Medium" panose="00000600000000000000" pitchFamily="2" charset="-127"/>
+                <a:cs typeface="KoPubWorld돋움체 Medium" panose="00000600000000000000" pitchFamily="2" charset="-127"/>
+              </a:rPr>
+              <a:t>의 단어를 랜덤으로 </a:t>
+            </a:r>
+            <a:r>
+              <a:rPr lang="ko-KR" altLang="en-US" sz="1400" dirty="0" err="1">
+                <a:latin typeface="KoPubWorld돋움체 Medium" panose="00000600000000000000" pitchFamily="2" charset="-127"/>
+                <a:ea typeface="KoPubWorld돋움체 Medium" panose="00000600000000000000" pitchFamily="2" charset="-127"/>
+                <a:cs typeface="KoPubWorld돋움체 Medium" panose="00000600000000000000" pitchFamily="2" charset="-127"/>
+              </a:rPr>
+              <a:t>마스킹</a:t>
+            </a:r>
+            <a:r>
+              <a:rPr lang="en-US" altLang="ko-KR" sz="1400" dirty="0">
+                <a:latin typeface="KoPubWorld돋움체 Medium" panose="00000600000000000000" pitchFamily="2" charset="-127"/>
+                <a:ea typeface="KoPubWorld돋움체 Medium" panose="00000600000000000000" pitchFamily="2" charset="-127"/>
+                <a:cs typeface="KoPubWorld돋움체 Medium" panose="00000600000000000000" pitchFamily="2" charset="-127"/>
+              </a:rPr>
+              <a:t>(Masking)</a:t>
+            </a:r>
+            <a:endParaRPr lang="en-US" altLang="ko-KR" sz="1400" dirty="0" smtClean="0">
+              <a:latin typeface="KoPubWorld돋움체 Medium" panose="00000600000000000000" pitchFamily="2" charset="-127"/>
+              <a:ea typeface="KoPubWorld돋움체 Medium" panose="00000600000000000000" pitchFamily="2" charset="-127"/>
+              <a:cs typeface="KoPubWorld돋움체 Medium" panose="00000600000000000000" pitchFamily="2" charset="-127"/>
+            </a:endParaRPr>
+          </a:p>
+          <a:p>
+            <a:pPr marL="285750" indent="-285750">
+              <a:buFontTx/>
+              <a:buChar char="-"/>
+            </a:pPr>
+            <a:r>
+              <a:rPr lang="ko-KR" altLang="en-US" sz="1400" dirty="0">
+                <a:latin typeface="KoPubWorld돋움체 Medium" panose="00000600000000000000" pitchFamily="2" charset="-127"/>
+                <a:ea typeface="KoPubWorld돋움체 Medium" panose="00000600000000000000" pitchFamily="2" charset="-127"/>
+                <a:cs typeface="KoPubWorld돋움체 Medium" panose="00000600000000000000" pitchFamily="2" charset="-127"/>
+              </a:rPr>
+              <a:t>인공 신경망에게 이 가려진 단어들을</a:t>
+            </a:r>
+            <a:r>
+              <a:rPr lang="en-US" altLang="ko-KR" sz="1400" dirty="0">
+                <a:latin typeface="KoPubWorld돋움체 Medium" panose="00000600000000000000" pitchFamily="2" charset="-127"/>
+                <a:ea typeface="KoPubWorld돋움체 Medium" panose="00000600000000000000" pitchFamily="2" charset="-127"/>
+                <a:cs typeface="KoPubWorld돋움체 Medium" panose="00000600000000000000" pitchFamily="2" charset="-127"/>
+              </a:rPr>
+              <a:t>(Masked words) </a:t>
+            </a:r>
+            <a:r>
+              <a:rPr lang="ko-KR" altLang="en-US" sz="1400" dirty="0">
+                <a:latin typeface="KoPubWorld돋움체 Medium" panose="00000600000000000000" pitchFamily="2" charset="-127"/>
+                <a:ea typeface="KoPubWorld돋움체 Medium" panose="00000600000000000000" pitchFamily="2" charset="-127"/>
+                <a:cs typeface="KoPubWorld돋움체 Medium" panose="00000600000000000000" pitchFamily="2" charset="-127"/>
+              </a:rPr>
+              <a:t>예측하도록 </a:t>
+            </a:r>
+            <a:r>
+              <a:rPr lang="ko-KR" altLang="en-US" sz="1400" dirty="0" smtClean="0">
+                <a:latin typeface="KoPubWorld돋움체 Medium" panose="00000600000000000000" pitchFamily="2" charset="-127"/>
+                <a:ea typeface="KoPubWorld돋움체 Medium" panose="00000600000000000000" pitchFamily="2" charset="-127"/>
+                <a:cs typeface="KoPubWorld돋움체 Medium" panose="00000600000000000000" pitchFamily="2" charset="-127"/>
+              </a:rPr>
+              <a:t>함</a:t>
+            </a:r>
+            <a:r>
+              <a:rPr lang="en-US" altLang="ko-KR" sz="1400" dirty="0" smtClean="0">
+                <a:latin typeface="KoPubWorld돋움체 Medium" panose="00000600000000000000" pitchFamily="2" charset="-127"/>
+                <a:ea typeface="KoPubWorld돋움체 Medium" panose="00000600000000000000" pitchFamily="2" charset="-127"/>
+                <a:cs typeface="KoPubWorld돋움체 Medium" panose="00000600000000000000" pitchFamily="2" charset="-127"/>
+              </a:rPr>
+              <a:t>.</a:t>
+            </a:r>
+          </a:p>
+          <a:p>
+            <a:pPr marL="285750" indent="-285750">
+              <a:buFontTx/>
+              <a:buChar char="-"/>
+            </a:pPr>
+            <a:endParaRPr lang="en-US" altLang="ko-KR" sz="1400" dirty="0" smtClean="0">
+              <a:latin typeface="KoPubWorld돋움체 Medium" panose="00000600000000000000" pitchFamily="2" charset="-127"/>
+              <a:ea typeface="KoPubWorld돋움체 Medium" panose="00000600000000000000" pitchFamily="2" charset="-127"/>
+              <a:cs typeface="KoPubWorld돋움체 Medium" panose="00000600000000000000" pitchFamily="2" charset="-127"/>
+            </a:endParaRPr>
+          </a:p>
+          <a:p>
+            <a:pPr marL="285750" indent="-285750">
+              <a:buFontTx/>
+              <a:buChar char="-"/>
+            </a:pPr>
+            <a:r>
+              <a:rPr lang="ko-KR" altLang="en-US" sz="1400" dirty="0">
+                <a:latin typeface="KoPubWorld돋움체 Medium" panose="00000600000000000000" pitchFamily="2" charset="-127"/>
+                <a:ea typeface="KoPubWorld돋움체 Medium" panose="00000600000000000000" pitchFamily="2" charset="-127"/>
+                <a:cs typeface="KoPubWorld돋움체 Medium" panose="00000600000000000000" pitchFamily="2" charset="-127"/>
+              </a:rPr>
+              <a:t>랜덤으로 선택된 </a:t>
+            </a:r>
+            <a:r>
+              <a:rPr lang="en-US" altLang="ko-KR" sz="1400" dirty="0">
+                <a:latin typeface="KoPubWorld돋움체 Medium" panose="00000600000000000000" pitchFamily="2" charset="-127"/>
+                <a:ea typeface="KoPubWorld돋움체 Medium" panose="00000600000000000000" pitchFamily="2" charset="-127"/>
+                <a:cs typeface="KoPubWorld돋움체 Medium" panose="00000600000000000000" pitchFamily="2" charset="-127"/>
+              </a:rPr>
+              <a:t>15%</a:t>
+            </a:r>
+            <a:r>
+              <a:rPr lang="ko-KR" altLang="en-US" sz="1400" dirty="0">
+                <a:latin typeface="KoPubWorld돋움체 Medium" panose="00000600000000000000" pitchFamily="2" charset="-127"/>
+                <a:ea typeface="KoPubWorld돋움체 Medium" panose="00000600000000000000" pitchFamily="2" charset="-127"/>
+                <a:cs typeface="KoPubWorld돋움체 Medium" panose="00000600000000000000" pitchFamily="2" charset="-127"/>
+              </a:rPr>
+              <a:t>의 단어들은 다시 다음과 같은 비율로 규칙이 적용</a:t>
+            </a:r>
+            <a:endParaRPr lang="en-US" altLang="ko-KR" sz="1400" dirty="0" smtClean="0">
+              <a:latin typeface="KoPubWorld돋움체 Medium" panose="00000600000000000000" pitchFamily="2" charset="-127"/>
+              <a:ea typeface="KoPubWorld돋움체 Medium" panose="00000600000000000000" pitchFamily="2" charset="-127"/>
+              <a:cs typeface="KoPubWorld돋움체 Medium" panose="00000600000000000000" pitchFamily="2" charset="-127"/>
+            </a:endParaRPr>
+          </a:p>
+          <a:p>
+            <a:pPr marL="742950" lvl="1" indent="-285750">
+              <a:buFont typeface="Arial" panose="020B0604020202020204" pitchFamily="34" charset="0"/>
+              <a:buChar char="•"/>
+            </a:pPr>
+            <a:r>
+              <a:rPr lang="en-US" altLang="ko-KR" sz="1400" dirty="0">
+                <a:latin typeface="KoPubWorld돋움체 Medium" panose="00000600000000000000" pitchFamily="2" charset="-127"/>
+                <a:ea typeface="KoPubWorld돋움체 Medium" panose="00000600000000000000" pitchFamily="2" charset="-127"/>
+                <a:cs typeface="KoPubWorld돋움체 Medium" panose="00000600000000000000" pitchFamily="2" charset="-127"/>
+              </a:rPr>
+              <a:t>80%</a:t>
+            </a:r>
+            <a:r>
+              <a:rPr lang="ko-KR" altLang="en-US" sz="1400" dirty="0">
+                <a:latin typeface="KoPubWorld돋움체 Medium" panose="00000600000000000000" pitchFamily="2" charset="-127"/>
+                <a:ea typeface="KoPubWorld돋움체 Medium" panose="00000600000000000000" pitchFamily="2" charset="-127"/>
+                <a:cs typeface="KoPubWorld돋움체 Medium" panose="00000600000000000000" pitchFamily="2" charset="-127"/>
+              </a:rPr>
+              <a:t>의 단어들은 </a:t>
+            </a:r>
+            <a:r>
+              <a:rPr lang="en-US" altLang="ko-KR" sz="1400" dirty="0">
+                <a:latin typeface="KoPubWorld돋움체 Medium" panose="00000600000000000000" pitchFamily="2" charset="-127"/>
+                <a:ea typeface="KoPubWorld돋움체 Medium" panose="00000600000000000000" pitchFamily="2" charset="-127"/>
+                <a:cs typeface="KoPubWorld돋움체 Medium" panose="00000600000000000000" pitchFamily="2" charset="-127"/>
+              </a:rPr>
+              <a:t>[MASK]</a:t>
+            </a:r>
+            <a:r>
+              <a:rPr lang="ko-KR" altLang="en-US" sz="1400" dirty="0">
+                <a:latin typeface="KoPubWorld돋움체 Medium" panose="00000600000000000000" pitchFamily="2" charset="-127"/>
+                <a:ea typeface="KoPubWorld돋움체 Medium" panose="00000600000000000000" pitchFamily="2" charset="-127"/>
+                <a:cs typeface="KoPubWorld돋움체 Medium" panose="00000600000000000000" pitchFamily="2" charset="-127"/>
+              </a:rPr>
+              <a:t>로 </a:t>
+            </a:r>
+            <a:r>
+              <a:rPr lang="ko-KR" altLang="en-US" sz="1400" dirty="0" smtClean="0">
+                <a:latin typeface="KoPubWorld돋움체 Medium" panose="00000600000000000000" pitchFamily="2" charset="-127"/>
+                <a:ea typeface="KoPubWorld돋움체 Medium" panose="00000600000000000000" pitchFamily="2" charset="-127"/>
+                <a:cs typeface="KoPubWorld돋움체 Medium" panose="00000600000000000000" pitchFamily="2" charset="-127"/>
+              </a:rPr>
+              <a:t>변경</a:t>
+            </a:r>
+            <a:r>
+              <a:rPr lang="en-US" altLang="ko-KR" sz="1400" dirty="0">
+                <a:latin typeface="KoPubWorld돋움체 Medium" panose="00000600000000000000" pitchFamily="2" charset="-127"/>
+                <a:ea typeface="KoPubWorld돋움체 Medium" panose="00000600000000000000" pitchFamily="2" charset="-127"/>
+                <a:cs typeface="KoPubWorld돋움체 Medium" panose="00000600000000000000" pitchFamily="2" charset="-127"/>
+              </a:rPr>
+              <a:t/>
+            </a:r>
+            <a:br>
+              <a:rPr lang="en-US" altLang="ko-KR" sz="1400" dirty="0">
+                <a:latin typeface="KoPubWorld돋움체 Medium" panose="00000600000000000000" pitchFamily="2" charset="-127"/>
+                <a:ea typeface="KoPubWorld돋움체 Medium" panose="00000600000000000000" pitchFamily="2" charset="-127"/>
+                <a:cs typeface="KoPubWorld돋움체 Medium" panose="00000600000000000000" pitchFamily="2" charset="-127"/>
+              </a:rPr>
+            </a:br>
+            <a:r>
+              <a:rPr lang="en-US" altLang="ko-KR" sz="1400" dirty="0">
+                <a:latin typeface="KoPubWorld돋움체 Medium" panose="00000600000000000000" pitchFamily="2" charset="-127"/>
+                <a:ea typeface="KoPubWorld돋움체 Medium" panose="00000600000000000000" pitchFamily="2" charset="-127"/>
+                <a:cs typeface="KoPubWorld돋움체 Medium" panose="00000600000000000000" pitchFamily="2" charset="-127"/>
+              </a:rPr>
+              <a:t>Ex) The man went to the store → The man went to the [MASK</a:t>
+            </a:r>
+            <a:r>
+              <a:rPr lang="en-US" altLang="ko-KR" sz="1400" dirty="0">
+                <a:latin typeface="KoPubWorld돋움체 Medium" panose="00000600000000000000" pitchFamily="2" charset="-127"/>
+                <a:ea typeface="KoPubWorld돋움체 Medium" panose="00000600000000000000" pitchFamily="2" charset="-127"/>
+                <a:cs typeface="KoPubWorld돋움체 Medium" panose="00000600000000000000" pitchFamily="2" charset="-127"/>
+              </a:rPr>
+              <a:t>]</a:t>
+            </a:r>
+          </a:p>
+          <a:p>
+            <a:pPr marL="742950" lvl="1" indent="-285750">
+              <a:buFont typeface="Arial" panose="020B0604020202020204" pitchFamily="34" charset="0"/>
+              <a:buChar char="•"/>
+            </a:pPr>
+            <a:endParaRPr lang="ko-KR" altLang="en-US" sz="1400" dirty="0">
+              <a:latin typeface="KoPubWorld돋움체 Medium" panose="00000600000000000000" pitchFamily="2" charset="-127"/>
+              <a:ea typeface="KoPubWorld돋움체 Medium" panose="00000600000000000000" pitchFamily="2" charset="-127"/>
+              <a:cs typeface="KoPubWorld돋움체 Medium" panose="00000600000000000000" pitchFamily="2" charset="-127"/>
+            </a:endParaRPr>
+          </a:p>
+          <a:p>
+            <a:pPr marL="742950" lvl="1" indent="-285750">
+              <a:buFont typeface="Arial" panose="020B0604020202020204" pitchFamily="34" charset="0"/>
+              <a:buChar char="•"/>
+            </a:pPr>
+            <a:r>
+              <a:rPr lang="en-US" altLang="ko-KR" sz="1400" dirty="0">
+                <a:latin typeface="KoPubWorld돋움체 Medium" panose="00000600000000000000" pitchFamily="2" charset="-127"/>
+                <a:ea typeface="KoPubWorld돋움체 Medium" panose="00000600000000000000" pitchFamily="2" charset="-127"/>
+                <a:cs typeface="KoPubWorld돋움체 Medium" panose="00000600000000000000" pitchFamily="2" charset="-127"/>
+              </a:rPr>
+              <a:t>10%</a:t>
+            </a:r>
+            <a:r>
+              <a:rPr lang="ko-KR" altLang="en-US" sz="1400" dirty="0">
+                <a:latin typeface="KoPubWorld돋움체 Medium" panose="00000600000000000000" pitchFamily="2" charset="-127"/>
+                <a:ea typeface="KoPubWorld돋움체 Medium" panose="00000600000000000000" pitchFamily="2" charset="-127"/>
+                <a:cs typeface="KoPubWorld돋움체 Medium" panose="00000600000000000000" pitchFamily="2" charset="-127"/>
+              </a:rPr>
+              <a:t>의 단어들은 랜덤으로 단어가 </a:t>
+            </a:r>
+            <a:r>
+              <a:rPr lang="ko-KR" altLang="en-US" sz="1400" dirty="0" smtClean="0">
+                <a:latin typeface="KoPubWorld돋움체 Medium" panose="00000600000000000000" pitchFamily="2" charset="-127"/>
+                <a:ea typeface="KoPubWorld돋움체 Medium" panose="00000600000000000000" pitchFamily="2" charset="-127"/>
+                <a:cs typeface="KoPubWorld돋움체 Medium" panose="00000600000000000000" pitchFamily="2" charset="-127"/>
+              </a:rPr>
+              <a:t>변경</a:t>
+            </a:r>
+            <a:r>
+              <a:rPr lang="en-US" altLang="ko-KR" sz="1400" dirty="0" smtClean="0">
+                <a:latin typeface="KoPubWorld돋움체 Medium" panose="00000600000000000000" pitchFamily="2" charset="-127"/>
+                <a:ea typeface="KoPubWorld돋움체 Medium" panose="00000600000000000000" pitchFamily="2" charset="-127"/>
+                <a:cs typeface="KoPubWorld돋움체 Medium" panose="00000600000000000000" pitchFamily="2" charset="-127"/>
+              </a:rPr>
+              <a:t/>
+            </a:r>
+            <a:br>
+              <a:rPr lang="en-US" altLang="ko-KR" sz="1400" dirty="0" smtClean="0">
+                <a:latin typeface="KoPubWorld돋움체 Medium" panose="00000600000000000000" pitchFamily="2" charset="-127"/>
+                <a:ea typeface="KoPubWorld돋움체 Medium" panose="00000600000000000000" pitchFamily="2" charset="-127"/>
+                <a:cs typeface="KoPubWorld돋움체 Medium" panose="00000600000000000000" pitchFamily="2" charset="-127"/>
+              </a:rPr>
+            </a:br>
+            <a:r>
+              <a:rPr lang="en-US" altLang="ko-KR" sz="1400" dirty="0">
+                <a:latin typeface="KoPubWorld돋움체 Medium" panose="00000600000000000000" pitchFamily="2" charset="-127"/>
+                <a:ea typeface="KoPubWorld돋움체 Medium" panose="00000600000000000000" pitchFamily="2" charset="-127"/>
+                <a:cs typeface="KoPubWorld돋움체 Medium" panose="00000600000000000000" pitchFamily="2" charset="-127"/>
+              </a:rPr>
+              <a:t>Ex</a:t>
+            </a:r>
+            <a:r>
+              <a:rPr lang="en-US" altLang="ko-KR" sz="1400" dirty="0">
+                <a:latin typeface="KoPubWorld돋움체 Medium" panose="00000600000000000000" pitchFamily="2" charset="-127"/>
+                <a:ea typeface="KoPubWorld돋움체 Medium" panose="00000600000000000000" pitchFamily="2" charset="-127"/>
+                <a:cs typeface="KoPubWorld돋움체 Medium" panose="00000600000000000000" pitchFamily="2" charset="-127"/>
+              </a:rPr>
+              <a:t>) The man went to the store → The man went to the </a:t>
+            </a:r>
+            <a:r>
+              <a:rPr lang="en-US" altLang="ko-KR" sz="1400" dirty="0">
+                <a:latin typeface="KoPubWorld돋움체 Medium" panose="00000600000000000000" pitchFamily="2" charset="-127"/>
+                <a:ea typeface="KoPubWorld돋움체 Medium" panose="00000600000000000000" pitchFamily="2" charset="-127"/>
+                <a:cs typeface="KoPubWorld돋움체 Medium" panose="00000600000000000000" pitchFamily="2" charset="-127"/>
+              </a:rPr>
+              <a:t>dog</a:t>
+            </a:r>
+          </a:p>
+          <a:p>
+            <a:pPr marL="742950" lvl="1" indent="-285750">
+              <a:buFont typeface="Arial" panose="020B0604020202020204" pitchFamily="34" charset="0"/>
+              <a:buChar char="•"/>
+            </a:pPr>
+            <a:endParaRPr lang="en-US" altLang="ko-KR" sz="1400" dirty="0">
+              <a:latin typeface="KoPubWorld돋움체 Medium" panose="00000600000000000000" pitchFamily="2" charset="-127"/>
+              <a:ea typeface="KoPubWorld돋움체 Medium" panose="00000600000000000000" pitchFamily="2" charset="-127"/>
+              <a:cs typeface="KoPubWorld돋움체 Medium" panose="00000600000000000000" pitchFamily="2" charset="-127"/>
+            </a:endParaRPr>
+          </a:p>
+          <a:p>
+            <a:pPr marL="742950" lvl="1" indent="-285750">
+              <a:buFont typeface="Arial" panose="020B0604020202020204" pitchFamily="34" charset="0"/>
+              <a:buChar char="•"/>
+            </a:pPr>
+            <a:r>
+              <a:rPr lang="en-US" altLang="ko-KR" sz="1400" dirty="0">
+                <a:latin typeface="KoPubWorld돋움체 Medium" panose="00000600000000000000" pitchFamily="2" charset="-127"/>
+                <a:ea typeface="KoPubWorld돋움체 Medium" panose="00000600000000000000" pitchFamily="2" charset="-127"/>
+                <a:cs typeface="KoPubWorld돋움체 Medium" panose="00000600000000000000" pitchFamily="2" charset="-127"/>
+              </a:rPr>
+              <a:t>10%</a:t>
+            </a:r>
+            <a:r>
+              <a:rPr lang="ko-KR" altLang="en-US" sz="1400" dirty="0">
+                <a:latin typeface="KoPubWorld돋움체 Medium" panose="00000600000000000000" pitchFamily="2" charset="-127"/>
+                <a:ea typeface="KoPubWorld돋움체 Medium" panose="00000600000000000000" pitchFamily="2" charset="-127"/>
+                <a:cs typeface="KoPubWorld돋움체 Medium" panose="00000600000000000000" pitchFamily="2" charset="-127"/>
+              </a:rPr>
+              <a:t>의 단어들은 동일하게 둔다</a:t>
+            </a:r>
+            <a:r>
+              <a:rPr lang="en-US" altLang="ko-KR" sz="1400" dirty="0" smtClean="0">
+                <a:latin typeface="KoPubWorld돋움체 Medium" panose="00000600000000000000" pitchFamily="2" charset="-127"/>
+                <a:ea typeface="KoPubWorld돋움체 Medium" panose="00000600000000000000" pitchFamily="2" charset="-127"/>
+                <a:cs typeface="KoPubWorld돋움체 Medium" panose="00000600000000000000" pitchFamily="2" charset="-127"/>
+              </a:rPr>
+              <a:t>.</a:t>
+            </a:r>
+            <a:r>
+              <a:rPr lang="en-US" altLang="ko-KR" sz="1400" dirty="0">
+                <a:latin typeface="KoPubWorld돋움체 Medium" panose="00000600000000000000" pitchFamily="2" charset="-127"/>
+                <a:ea typeface="KoPubWorld돋움체 Medium" panose="00000600000000000000" pitchFamily="2" charset="-127"/>
+                <a:cs typeface="KoPubWorld돋움체 Medium" panose="00000600000000000000" pitchFamily="2" charset="-127"/>
+              </a:rPr>
+              <a:t/>
+            </a:r>
+            <a:br>
+              <a:rPr lang="en-US" altLang="ko-KR" sz="1400" dirty="0">
+                <a:latin typeface="KoPubWorld돋움체 Medium" panose="00000600000000000000" pitchFamily="2" charset="-127"/>
+                <a:ea typeface="KoPubWorld돋움체 Medium" panose="00000600000000000000" pitchFamily="2" charset="-127"/>
+                <a:cs typeface="KoPubWorld돋움체 Medium" panose="00000600000000000000" pitchFamily="2" charset="-127"/>
+              </a:rPr>
+            </a:br>
+            <a:r>
+              <a:rPr lang="en-US" altLang="ko-KR" sz="1400" dirty="0">
+                <a:latin typeface="KoPubWorld돋움체 Medium" panose="00000600000000000000" pitchFamily="2" charset="-127"/>
+                <a:ea typeface="KoPubWorld돋움체 Medium" panose="00000600000000000000" pitchFamily="2" charset="-127"/>
+                <a:cs typeface="KoPubWorld돋움체 Medium" panose="00000600000000000000" pitchFamily="2" charset="-127"/>
+              </a:rPr>
+              <a:t>Ex) The man went to the store → The man went to the </a:t>
+            </a:r>
+            <a:r>
+              <a:rPr lang="en-US" altLang="ko-KR" sz="1400" dirty="0" smtClean="0">
+                <a:latin typeface="KoPubWorld돋움체 Medium" panose="00000600000000000000" pitchFamily="2" charset="-127"/>
+                <a:ea typeface="KoPubWorld돋움체 Medium" panose="00000600000000000000" pitchFamily="2" charset="-127"/>
+                <a:cs typeface="KoPubWorld돋움체 Medium" panose="00000600000000000000" pitchFamily="2" charset="-127"/>
+              </a:rPr>
+              <a:t>store</a:t>
+            </a:r>
+          </a:p>
+          <a:p>
+            <a:pPr marL="285750" indent="-285750">
+              <a:buFontTx/>
+              <a:buChar char="-"/>
+            </a:pPr>
+            <a:endParaRPr lang="en-US" altLang="ko-KR" sz="1400" dirty="0">
+              <a:latin typeface="KoPubWorld돋움체 Medium" panose="00000600000000000000" pitchFamily="2" charset="-127"/>
+              <a:ea typeface="KoPubWorld돋움체 Medium" panose="00000600000000000000" pitchFamily="2" charset="-127"/>
+              <a:cs typeface="KoPubWorld돋움체 Medium" panose="00000600000000000000" pitchFamily="2" charset="-127"/>
+            </a:endParaRPr>
+          </a:p>
+          <a:p>
+            <a:pPr marL="285750" indent="-285750">
+              <a:buFontTx/>
+              <a:buChar char="-"/>
+            </a:pPr>
+            <a:r>
+              <a:rPr lang="en-US" altLang="ko-KR" sz="1400" dirty="0">
+                <a:latin typeface="KoPubWorld돋움체 Medium" panose="00000600000000000000" pitchFamily="2" charset="-127"/>
+                <a:ea typeface="KoPubWorld돋움체 Medium" panose="00000600000000000000" pitchFamily="2" charset="-127"/>
+                <a:cs typeface="KoPubWorld돋움체 Medium" panose="00000600000000000000" pitchFamily="2" charset="-127"/>
+              </a:rPr>
+              <a:t>[MASK] </a:t>
+            </a:r>
+            <a:r>
+              <a:rPr lang="ko-KR" altLang="en-US" sz="1400" dirty="0">
+                <a:latin typeface="KoPubWorld돋움체 Medium" panose="00000600000000000000" pitchFamily="2" charset="-127"/>
+                <a:ea typeface="KoPubWorld돋움체 Medium" panose="00000600000000000000" pitchFamily="2" charset="-127"/>
+                <a:cs typeface="KoPubWorld돋움체 Medium" panose="00000600000000000000" pitchFamily="2" charset="-127"/>
+              </a:rPr>
+              <a:t>토큰이 파인 튜닝 단계에서는 나타나지 않으므로 사전 학습 단계와 파인 튜닝 단계에서의 불일치가 발생하는 </a:t>
+            </a:r>
+            <a:r>
+              <a:rPr lang="ko-KR" altLang="en-US" sz="1400" dirty="0" smtClean="0">
+                <a:latin typeface="KoPubWorld돋움체 Medium" panose="00000600000000000000" pitchFamily="2" charset="-127"/>
+                <a:ea typeface="KoPubWorld돋움체 Medium" panose="00000600000000000000" pitchFamily="2" charset="-127"/>
+                <a:cs typeface="KoPubWorld돋움체 Medium" panose="00000600000000000000" pitchFamily="2" charset="-127"/>
+              </a:rPr>
+              <a:t>문제가 있음</a:t>
+            </a:r>
+            <a:r>
+              <a:rPr lang="en-US" altLang="ko-KR" sz="1400" dirty="0" smtClean="0">
+                <a:latin typeface="KoPubWorld돋움체 Medium" panose="00000600000000000000" pitchFamily="2" charset="-127"/>
+                <a:ea typeface="KoPubWorld돋움체 Medium" panose="00000600000000000000" pitchFamily="2" charset="-127"/>
+                <a:cs typeface="KoPubWorld돋움체 Medium" panose="00000600000000000000" pitchFamily="2" charset="-127"/>
+              </a:rPr>
+              <a:t>.</a:t>
+            </a:r>
+            <a:br>
+              <a:rPr lang="en-US" altLang="ko-KR" sz="1400" dirty="0" smtClean="0">
+                <a:latin typeface="KoPubWorld돋움체 Medium" panose="00000600000000000000" pitchFamily="2" charset="-127"/>
+                <a:ea typeface="KoPubWorld돋움체 Medium" panose="00000600000000000000" pitchFamily="2" charset="-127"/>
+                <a:cs typeface="KoPubWorld돋움체 Medium" panose="00000600000000000000" pitchFamily="2" charset="-127"/>
+              </a:rPr>
+            </a:br>
+            <a:r>
+              <a:rPr lang="ko-KR" altLang="en-US" sz="1400" dirty="0" smtClean="0">
+                <a:latin typeface="KoPubWorld돋움체 Medium" panose="00000600000000000000" pitchFamily="2" charset="-127"/>
+                <a:ea typeface="KoPubWorld돋움체 Medium" panose="00000600000000000000" pitchFamily="2" charset="-127"/>
+                <a:cs typeface="KoPubWorld돋움체 Medium" panose="00000600000000000000" pitchFamily="2" charset="-127"/>
+              </a:rPr>
+              <a:t>이 </a:t>
+            </a:r>
+            <a:r>
+              <a:rPr lang="ko-KR" altLang="en-US" sz="1400" dirty="0" err="1">
+                <a:latin typeface="KoPubWorld돋움체 Medium" panose="00000600000000000000" pitchFamily="2" charset="-127"/>
+                <a:ea typeface="KoPubWorld돋움체 Medium" panose="00000600000000000000" pitchFamily="2" charset="-127"/>
+                <a:cs typeface="KoPubWorld돋움체 Medium" panose="00000600000000000000" pitchFamily="2" charset="-127"/>
+              </a:rPr>
+              <a:t>문제을</a:t>
+            </a:r>
+            <a:r>
+              <a:rPr lang="ko-KR" altLang="en-US" sz="1400" dirty="0">
+                <a:latin typeface="KoPubWorld돋움체 Medium" panose="00000600000000000000" pitchFamily="2" charset="-127"/>
+                <a:ea typeface="KoPubWorld돋움체 Medium" panose="00000600000000000000" pitchFamily="2" charset="-127"/>
+                <a:cs typeface="KoPubWorld돋움체 Medium" panose="00000600000000000000" pitchFamily="2" charset="-127"/>
+              </a:rPr>
+              <a:t> </a:t>
+            </a:r>
+            <a:r>
+              <a:rPr lang="ko-KR" altLang="en-US" sz="1400" dirty="0" smtClean="0">
+                <a:latin typeface="KoPubWorld돋움체 Medium" panose="00000600000000000000" pitchFamily="2" charset="-127"/>
+                <a:ea typeface="KoPubWorld돋움체 Medium" panose="00000600000000000000" pitchFamily="2" charset="-127"/>
+                <a:cs typeface="KoPubWorld돋움체 Medium" panose="00000600000000000000" pitchFamily="2" charset="-127"/>
+              </a:rPr>
+              <a:t>완화하기 위해서 </a:t>
+            </a:r>
+            <a:r>
+              <a:rPr lang="ko-KR" altLang="en-US" sz="1400" dirty="0">
+                <a:latin typeface="KoPubWorld돋움체 Medium" panose="00000600000000000000" pitchFamily="2" charset="-127"/>
+                <a:ea typeface="KoPubWorld돋움체 Medium" panose="00000600000000000000" pitchFamily="2" charset="-127"/>
+                <a:cs typeface="KoPubWorld돋움체 Medium" panose="00000600000000000000" pitchFamily="2" charset="-127"/>
+              </a:rPr>
+              <a:t>랜덤으로 선택된 </a:t>
+            </a:r>
+            <a:r>
+              <a:rPr lang="en-US" altLang="ko-KR" sz="1400" dirty="0">
+                <a:latin typeface="KoPubWorld돋움체 Medium" panose="00000600000000000000" pitchFamily="2" charset="-127"/>
+                <a:ea typeface="KoPubWorld돋움체 Medium" panose="00000600000000000000" pitchFamily="2" charset="-127"/>
+                <a:cs typeface="KoPubWorld돋움체 Medium" panose="00000600000000000000" pitchFamily="2" charset="-127"/>
+              </a:rPr>
+              <a:t>15%</a:t>
+            </a:r>
+            <a:r>
+              <a:rPr lang="ko-KR" altLang="en-US" sz="1400" dirty="0">
+                <a:latin typeface="KoPubWorld돋움체 Medium" panose="00000600000000000000" pitchFamily="2" charset="-127"/>
+                <a:ea typeface="KoPubWorld돋움체 Medium" panose="00000600000000000000" pitchFamily="2" charset="-127"/>
+                <a:cs typeface="KoPubWorld돋움체 Medium" panose="00000600000000000000" pitchFamily="2" charset="-127"/>
+              </a:rPr>
+              <a:t>의 단어들의 모든 토큰을 </a:t>
+            </a:r>
+            <a:r>
+              <a:rPr lang="en-US" altLang="ko-KR" sz="1400" dirty="0">
+                <a:latin typeface="KoPubWorld돋움체 Medium" panose="00000600000000000000" pitchFamily="2" charset="-127"/>
+                <a:ea typeface="KoPubWorld돋움체 Medium" panose="00000600000000000000" pitchFamily="2" charset="-127"/>
+                <a:cs typeface="KoPubWorld돋움체 Medium" panose="00000600000000000000" pitchFamily="2" charset="-127"/>
+              </a:rPr>
+              <a:t>[MASK]</a:t>
+            </a:r>
+            <a:r>
+              <a:rPr lang="ko-KR" altLang="en-US" sz="1400" dirty="0">
+                <a:latin typeface="KoPubWorld돋움체 Medium" panose="00000600000000000000" pitchFamily="2" charset="-127"/>
+                <a:ea typeface="KoPubWorld돋움체 Medium" panose="00000600000000000000" pitchFamily="2" charset="-127"/>
+                <a:cs typeface="KoPubWorld돋움체 Medium" panose="00000600000000000000" pitchFamily="2" charset="-127"/>
+              </a:rPr>
+              <a:t>로 사용하지 </a:t>
+            </a:r>
+            <a:r>
+              <a:rPr lang="ko-KR" altLang="en-US" sz="1400" dirty="0" smtClean="0">
+                <a:latin typeface="KoPubWorld돋움체 Medium" panose="00000600000000000000" pitchFamily="2" charset="-127"/>
+                <a:ea typeface="KoPubWorld돋움체 Medium" panose="00000600000000000000" pitchFamily="2" charset="-127"/>
+                <a:cs typeface="KoPubWorld돋움체 Medium" panose="00000600000000000000" pitchFamily="2" charset="-127"/>
+              </a:rPr>
+              <a:t>않음</a:t>
+            </a:r>
+            <a:r>
+              <a:rPr lang="en-US" altLang="ko-KR" sz="1400" dirty="0" smtClean="0">
+                <a:latin typeface="KoPubWorld돋움체 Medium" panose="00000600000000000000" pitchFamily="2" charset="-127"/>
+                <a:ea typeface="KoPubWorld돋움체 Medium" panose="00000600000000000000" pitchFamily="2" charset="-127"/>
+                <a:cs typeface="KoPubWorld돋움체 Medium" panose="00000600000000000000" pitchFamily="2" charset="-127"/>
+              </a:rPr>
+              <a:t>.</a:t>
+            </a:r>
+            <a:endParaRPr lang="en-US" altLang="ko-KR" sz="1400" dirty="0">
+              <a:latin typeface="KoPubWorld돋움체 Medium" panose="00000600000000000000" pitchFamily="2" charset="-127"/>
+              <a:ea typeface="KoPubWorld돋움체 Medium" panose="00000600000000000000" pitchFamily="2" charset="-127"/>
+              <a:cs typeface="KoPubWorld돋움체 Medium" panose="00000600000000000000" pitchFamily="2" charset="-127"/>
+            </a:endParaRPr>
+          </a:p>
+        </p:txBody>
+      </p:sp>
+      <p:pic>
+        <p:nvPicPr>
+          <p:cNvPr id="3" name="그림 2"/>
+          <p:cNvPicPr>
+            <a:picLocks noChangeAspect="1"/>
+          </p:cNvPicPr>
+          <p:nvPr/>
+        </p:nvPicPr>
+        <p:blipFill>
+          <a:blip r:embed="rId2"/>
+          <a:stretch>
+            <a:fillRect/>
+          </a:stretch>
+        </p:blipFill>
+        <p:spPr>
+          <a:xfrm>
+            <a:off x="8004724" y="1775437"/>
+            <a:ext cx="3623811" cy="2469248"/>
+          </a:xfrm>
+          <a:prstGeom prst="rect">
+            <a:avLst/>
+          </a:prstGeom>
+        </p:spPr>
+      </p:pic>
+    </p:spTree>
+    <p:extLst>
+      <p:ext uri="{BB962C8B-B14F-4D97-AF65-F5344CB8AC3E}">
+        <p14:creationId xmlns:p14="http://schemas.microsoft.com/office/powerpoint/2010/main" val="1627193275"/>
+      </p:ext>
+    </p:extLst>
+  </p:cSld>
+  <p:clrMapOvr>
+    <a:masterClrMapping/>
+  </p:clrMapOvr>
 </p:sld>
 </file>
 

--- a/slide/BERT.pptx
+++ b/slide/BERT.pptx
@@ -18,6 +18,9 @@
     <p:sldId id="267" r:id="rId12"/>
     <p:sldId id="268" r:id="rId13"/>
     <p:sldId id="269" r:id="rId14"/>
+    <p:sldId id="271" r:id="rId15"/>
+    <p:sldId id="272" r:id="rId16"/>
+    <p:sldId id="273" r:id="rId17"/>
   </p:sldIdLst>
   <p:sldSz cx="12192000" cy="6858000"/>
   <p:notesSz cx="6858000" cy="9144000"/>
@@ -286,7 +289,7 @@
           <a:p>
             <a:fld id="{1CF57362-02A7-4107-9025-4D3237CFA563}" type="datetimeFigureOut">
               <a:rPr lang="ko-KR" altLang="en-US" smtClean="0"/>
-              <a:t>2024-03-26</a:t>
+              <a:t>2024-03-27</a:t>
             </a:fld>
             <a:endParaRPr lang="ko-KR" altLang="en-US"/>
           </a:p>
@@ -456,7 +459,7 @@
           <a:p>
             <a:fld id="{1CF57362-02A7-4107-9025-4D3237CFA563}" type="datetimeFigureOut">
               <a:rPr lang="ko-KR" altLang="en-US" smtClean="0"/>
-              <a:t>2024-03-26</a:t>
+              <a:t>2024-03-27</a:t>
             </a:fld>
             <a:endParaRPr lang="ko-KR" altLang="en-US"/>
           </a:p>
@@ -636,7 +639,7 @@
           <a:p>
             <a:fld id="{1CF57362-02A7-4107-9025-4D3237CFA563}" type="datetimeFigureOut">
               <a:rPr lang="ko-KR" altLang="en-US" smtClean="0"/>
-              <a:t>2024-03-26</a:t>
+              <a:t>2024-03-27</a:t>
             </a:fld>
             <a:endParaRPr lang="ko-KR" altLang="en-US"/>
           </a:p>
@@ -806,7 +809,7 @@
           <a:p>
             <a:fld id="{1CF57362-02A7-4107-9025-4D3237CFA563}" type="datetimeFigureOut">
               <a:rPr lang="ko-KR" altLang="en-US" smtClean="0"/>
-              <a:t>2024-03-26</a:t>
+              <a:t>2024-03-27</a:t>
             </a:fld>
             <a:endParaRPr lang="ko-KR" altLang="en-US"/>
           </a:p>
@@ -1052,7 +1055,7 @@
           <a:p>
             <a:fld id="{1CF57362-02A7-4107-9025-4D3237CFA563}" type="datetimeFigureOut">
               <a:rPr lang="ko-KR" altLang="en-US" smtClean="0"/>
-              <a:t>2024-03-26</a:t>
+              <a:t>2024-03-27</a:t>
             </a:fld>
             <a:endParaRPr lang="ko-KR" altLang="en-US"/>
           </a:p>
@@ -1284,7 +1287,7 @@
           <a:p>
             <a:fld id="{1CF57362-02A7-4107-9025-4D3237CFA563}" type="datetimeFigureOut">
               <a:rPr lang="ko-KR" altLang="en-US" smtClean="0"/>
-              <a:t>2024-03-26</a:t>
+              <a:t>2024-03-27</a:t>
             </a:fld>
             <a:endParaRPr lang="ko-KR" altLang="en-US"/>
           </a:p>
@@ -1651,7 +1654,7 @@
           <a:p>
             <a:fld id="{1CF57362-02A7-4107-9025-4D3237CFA563}" type="datetimeFigureOut">
               <a:rPr lang="ko-KR" altLang="en-US" smtClean="0"/>
-              <a:t>2024-03-26</a:t>
+              <a:t>2024-03-27</a:t>
             </a:fld>
             <a:endParaRPr lang="ko-KR" altLang="en-US"/>
           </a:p>
@@ -1769,7 +1772,7 @@
           <a:p>
             <a:fld id="{1CF57362-02A7-4107-9025-4D3237CFA563}" type="datetimeFigureOut">
               <a:rPr lang="ko-KR" altLang="en-US" smtClean="0"/>
-              <a:t>2024-03-26</a:t>
+              <a:t>2024-03-27</a:t>
             </a:fld>
             <a:endParaRPr lang="ko-KR" altLang="en-US"/>
           </a:p>
@@ -1864,7 +1867,7 @@
           <a:p>
             <a:fld id="{1CF57362-02A7-4107-9025-4D3237CFA563}" type="datetimeFigureOut">
               <a:rPr lang="ko-KR" altLang="en-US" smtClean="0"/>
-              <a:t>2024-03-26</a:t>
+              <a:t>2024-03-27</a:t>
             </a:fld>
             <a:endParaRPr lang="ko-KR" altLang="en-US"/>
           </a:p>
@@ -2141,7 +2144,7 @@
           <a:p>
             <a:fld id="{1CF57362-02A7-4107-9025-4D3237CFA563}" type="datetimeFigureOut">
               <a:rPr lang="ko-KR" altLang="en-US" smtClean="0"/>
-              <a:t>2024-03-26</a:t>
+              <a:t>2024-03-27</a:t>
             </a:fld>
             <a:endParaRPr lang="ko-KR" altLang="en-US"/>
           </a:p>
@@ -2394,7 +2397,7 @@
           <a:p>
             <a:fld id="{1CF57362-02A7-4107-9025-4D3237CFA563}" type="datetimeFigureOut">
               <a:rPr lang="ko-KR" altLang="en-US" smtClean="0"/>
-              <a:t>2024-03-26</a:t>
+              <a:t>2024-03-27</a:t>
             </a:fld>
             <a:endParaRPr lang="ko-KR" altLang="en-US"/>
           </a:p>
@@ -2607,7 +2610,7 @@
           <a:p>
             <a:fld id="{1CF57362-02A7-4107-9025-4D3237CFA563}" type="datetimeFigureOut">
               <a:rPr lang="ko-KR" altLang="en-US" smtClean="0"/>
-              <a:t>2024-03-26</a:t>
+              <a:t>2024-03-27</a:t>
             </a:fld>
             <a:endParaRPr lang="ko-KR" altLang="en-US"/>
           </a:p>
@@ -4307,7 +4310,7 @@
         <p:spPr>
           <a:xfrm>
             <a:off x="345151" y="1026070"/>
-            <a:ext cx="11200140" cy="769441"/>
+            <a:ext cx="11200140" cy="1200329"/>
           </a:xfrm>
           <a:prstGeom prst="rect">
             <a:avLst/>
@@ -4392,12 +4395,71 @@
               <a:t>- </a:t>
             </a:r>
             <a:r>
+              <a:rPr lang="ko-KR" altLang="en-US" sz="1400" dirty="0"/>
+              <a:t>학습 가능한 </a:t>
+            </a:r>
+            <a:r>
+              <a:rPr lang="ko-KR" altLang="en-US" sz="1400" dirty="0" err="1"/>
+              <a:t>임베딩</a:t>
+            </a:r>
+            <a:r>
+              <a:rPr lang="ko-KR" altLang="en-US" sz="1400" dirty="0"/>
+              <a:t> 층을 구성해 위치 </a:t>
+            </a:r>
+            <a:r>
+              <a:rPr lang="ko-KR" altLang="en-US" sz="1400" dirty="0" err="1"/>
+              <a:t>임베딩</a:t>
+            </a:r>
+            <a:r>
+              <a:rPr lang="ko-KR" altLang="en-US" sz="1400" dirty="0"/>
+              <a:t> 벡터를 만드는 방법</a:t>
+            </a:r>
+            <a:r>
+              <a:rPr lang="en-US" altLang="ko-KR" sz="1400" dirty="0" smtClean="0">
+                <a:latin typeface="KoPubWorld돋움체 Medium" panose="00000600000000000000" pitchFamily="2" charset="-127"/>
+                <a:ea typeface="KoPubWorld돋움체 Medium" panose="00000600000000000000" pitchFamily="2" charset="-127"/>
+                <a:cs typeface="KoPubWorld돋움체 Medium" panose="00000600000000000000" pitchFamily="2" charset="-127"/>
+              </a:rPr>
+              <a:t/>
+            </a:r>
+            <a:br>
+              <a:rPr lang="en-US" altLang="ko-KR" sz="1400" dirty="0" smtClean="0">
+                <a:latin typeface="KoPubWorld돋움체 Medium" panose="00000600000000000000" pitchFamily="2" charset="-127"/>
+                <a:ea typeface="KoPubWorld돋움체 Medium" panose="00000600000000000000" pitchFamily="2" charset="-127"/>
+                <a:cs typeface="KoPubWorld돋움체 Medium" panose="00000600000000000000" pitchFamily="2" charset="-127"/>
+              </a:rPr>
+            </a:br>
+            <a:r>
+              <a:rPr lang="en-US" altLang="ko-KR" sz="1400" dirty="0" smtClean="0">
+                <a:latin typeface="KoPubWorld돋움체 Medium" panose="00000600000000000000" pitchFamily="2" charset="-127"/>
+                <a:ea typeface="KoPubWorld돋움체 Medium" panose="00000600000000000000" pitchFamily="2" charset="-127"/>
+                <a:cs typeface="KoPubWorld돋움체 Medium" panose="00000600000000000000" pitchFamily="2" charset="-127"/>
+              </a:rPr>
+              <a:t>     Q. </a:t>
+            </a:r>
+            <a:r>
               <a:rPr lang="ko-KR" altLang="en-US" sz="1400" dirty="0" smtClean="0">
                 <a:latin typeface="KoPubWorld돋움체 Medium" panose="00000600000000000000" pitchFamily="2" charset="-127"/>
                 <a:ea typeface="KoPubWorld돋움체 Medium" panose="00000600000000000000" pitchFamily="2" charset="-127"/>
                 <a:cs typeface="KoPubWorld돋움체 Medium" panose="00000600000000000000" pitchFamily="2" charset="-127"/>
               </a:rPr>
-              <a:t>트랜스포머에서는 </a:t>
+              <a:t>트랜스포머에서</a:t>
+            </a:r>
+            <a:r>
+              <a:rPr lang="ko-KR" altLang="en-US" sz="1400" dirty="0">
+                <a:latin typeface="KoPubWorld돋움체 Medium" panose="00000600000000000000" pitchFamily="2" charset="-127"/>
+                <a:ea typeface="KoPubWorld돋움체 Medium" panose="00000600000000000000" pitchFamily="2" charset="-127"/>
+                <a:cs typeface="KoPubWorld돋움체 Medium" panose="00000600000000000000" pitchFamily="2" charset="-127"/>
+              </a:rPr>
+              <a:t>의</a:t>
+            </a:r>
+            <a:r>
+              <a:rPr lang="ko-KR" altLang="en-US" sz="1400" dirty="0" smtClean="0">
+                <a:latin typeface="KoPubWorld돋움체 Medium" panose="00000600000000000000" pitchFamily="2" charset="-127"/>
+                <a:ea typeface="KoPubWorld돋움체 Medium" panose="00000600000000000000" pitchFamily="2" charset="-127"/>
+                <a:cs typeface="KoPubWorld돋움체 Medium" panose="00000600000000000000" pitchFamily="2" charset="-127"/>
+              </a:rPr>
+              <a:t> </a:t>
             </a:r>
             <a:r>
               <a:rPr lang="ko-KR" altLang="en-US" sz="1400" dirty="0" err="1" smtClean="0"/>
@@ -4421,34 +4483,89 @@
             </a:r>
             <a:r>
               <a:rPr lang="ko-KR" altLang="en-US" sz="1400" dirty="0" smtClean="0"/>
-              <a:t>이라는 </a:t>
+              <a:t>과 다른 점은</a:t>
+            </a:r>
+            <a:r>
+              <a:rPr lang="en-US" altLang="ko-KR" sz="1400" dirty="0" smtClean="0"/>
+              <a:t>?</a:t>
+            </a:r>
+            <a:r>
+              <a:rPr lang="ko-KR" altLang="en-US" sz="1400" dirty="0" smtClean="0"/>
+              <a:t> </a:t>
+            </a:r>
+            <a:r>
+              <a:rPr lang="en-US" altLang="ko-KR" sz="1400" dirty="0" smtClean="0"/>
+              <a:t/>
+            </a:r>
+            <a:br>
+              <a:rPr lang="en-US" altLang="ko-KR" sz="1400" dirty="0" smtClean="0"/>
+            </a:br>
+            <a:r>
+              <a:rPr lang="en-US" altLang="ko-KR" sz="1400" dirty="0" smtClean="0"/>
+              <a:t>    A. </a:t>
+            </a:r>
+            <a:r>
+              <a:rPr lang="ko-KR" altLang="en-US" sz="1400" dirty="0" smtClean="0"/>
+              <a:t>둘 다 </a:t>
+            </a:r>
+            <a:r>
+              <a:rPr lang="ko-KR" altLang="en-US" sz="1400" dirty="0" smtClean="0"/>
+              <a:t>단어의 </a:t>
             </a:r>
             <a:r>
               <a:rPr lang="ko-KR" altLang="en-US" sz="1400" dirty="0"/>
-              <a:t>방법을 </a:t>
+              <a:t>위치 정보를 </a:t>
             </a:r>
             <a:r>
               <a:rPr lang="ko-KR" altLang="en-US" sz="1400" dirty="0" smtClean="0"/>
-              <a:t>통해 </a:t>
-            </a:r>
-            <a:r>
-              <a:rPr lang="ko-KR" altLang="en-US" sz="1400" dirty="0"/>
-              <a:t>단어의 위치 정보를 표현</a:t>
-            </a:r>
-            <a:endParaRPr lang="en-US" altLang="ko-KR" sz="1400" dirty="0" smtClean="0">
-              <a:latin typeface="KoPubWorld돋움체 Medium" panose="00000600000000000000" pitchFamily="2" charset="-127"/>
-              <a:ea typeface="KoPubWorld돋움체 Medium" panose="00000600000000000000" pitchFamily="2" charset="-127"/>
-              <a:cs typeface="KoPubWorld돋움체 Medium" panose="00000600000000000000" pitchFamily="2" charset="-127"/>
-            </a:endParaRPr>
-          </a:p>
-          <a:p>
+              <a:t>표현하기 위한 위치 </a:t>
+            </a:r>
+            <a:r>
+              <a:rPr lang="ko-KR" altLang="en-US" sz="1400" dirty="0" err="1" smtClean="0"/>
+              <a:t>임베딩</a:t>
+            </a:r>
+            <a:r>
+              <a:rPr lang="ko-KR" altLang="en-US" sz="1400" dirty="0" smtClean="0"/>
+              <a:t> 벡터를 만드는 방법인데 </a:t>
+            </a:r>
+            <a:r>
+              <a:rPr lang="en-US" altLang="ko-KR" sz="1400" dirty="0" smtClean="0"/>
+              <a:t/>
+            </a:r>
+            <a:br>
+              <a:rPr lang="en-US" altLang="ko-KR" sz="1400" dirty="0" smtClean="0"/>
+            </a:br>
+            <a:r>
+              <a:rPr lang="en-US" altLang="ko-KR" sz="1400" dirty="0" smtClean="0"/>
+              <a:t>        Positional Encoding</a:t>
+            </a:r>
+            <a:r>
+              <a:rPr lang="ko-KR" altLang="en-US" sz="1400" dirty="0" smtClean="0"/>
+              <a:t>은 사인함수와 코사인함수를 이용해 </a:t>
+            </a:r>
+            <a:r>
+              <a:rPr lang="ko-KR" altLang="en-US" sz="1400" dirty="0" err="1" smtClean="0"/>
+              <a:t>임베딩</a:t>
+            </a:r>
+            <a:r>
+              <a:rPr lang="ko-KR" altLang="en-US" sz="1400" dirty="0" smtClean="0"/>
+              <a:t> 벡터를 만들고 </a:t>
+            </a:r>
+            <a:r>
+              <a:rPr lang="en-US" altLang="ko-KR" sz="1400" dirty="0">
+                <a:latin typeface="KoPubWorld돋움체 Medium" panose="00000600000000000000" pitchFamily="2" charset="-127"/>
+                <a:ea typeface="KoPubWorld돋움체 Medium" panose="00000600000000000000" pitchFamily="2" charset="-127"/>
+                <a:cs typeface="KoPubWorld돋움체 Medium" panose="00000600000000000000" pitchFamily="2" charset="-127"/>
+              </a:rPr>
+              <a:t>Position </a:t>
+            </a:r>
             <a:r>
               <a:rPr lang="en-US" altLang="ko-KR" sz="1400" dirty="0" smtClean="0">
                 <a:latin typeface="KoPubWorld돋움체 Medium" panose="00000600000000000000" pitchFamily="2" charset="-127"/>
                 <a:ea typeface="KoPubWorld돋움체 Medium" panose="00000600000000000000" pitchFamily="2" charset="-127"/>
                 <a:cs typeface="KoPubWorld돋움체 Medium" panose="00000600000000000000" pitchFamily="2" charset="-127"/>
               </a:rPr>
-              <a:t>  - BERT</a:t>
+              <a:t>Embedding</a:t>
             </a:r>
             <a:r>
               <a:rPr lang="ko-KR" altLang="en-US" sz="1400" dirty="0" smtClean="0">
@@ -4456,23 +4573,15 @@
                 <a:ea typeface="KoPubWorld돋움체 Medium" panose="00000600000000000000" pitchFamily="2" charset="-127"/>
                 <a:cs typeface="KoPubWorld돋움체 Medium" panose="00000600000000000000" pitchFamily="2" charset="-127"/>
               </a:rPr>
-              <a:t>에서는 위치 정보를 사인</a:t>
-            </a:r>
-            <a:r>
-              <a:rPr lang="en-US" altLang="ko-KR" sz="1400" dirty="0">
-                <a:latin typeface="KoPubWorld돋움체 Medium" panose="00000600000000000000" pitchFamily="2" charset="-127"/>
-                <a:ea typeface="KoPubWorld돋움체 Medium" panose="00000600000000000000" pitchFamily="2" charset="-127"/>
-                <a:cs typeface="KoPubWorld돋움체 Medium" panose="00000600000000000000" pitchFamily="2" charset="-127"/>
-              </a:rPr>
-              <a:t> </a:t>
-            </a:r>
-            <a:r>
-              <a:rPr lang="ko-KR" altLang="en-US" sz="1400" dirty="0" smtClean="0">
-                <a:latin typeface="KoPubWorld돋움체 Medium" panose="00000600000000000000" pitchFamily="2" charset="-127"/>
-                <a:ea typeface="KoPubWorld돋움체 Medium" panose="00000600000000000000" pitchFamily="2" charset="-127"/>
-                <a:cs typeface="KoPubWorld돋움체 Medium" panose="00000600000000000000" pitchFamily="2" charset="-127"/>
-              </a:rPr>
-              <a:t>함수와 코사인 함수로 만드는 것이 아닌 학습을 통해서 얻음</a:t>
+              <a:t>은 학습을 통해서 </a:t>
+            </a:r>
+            <a:r>
+              <a:rPr lang="ko-KR" altLang="en-US" sz="1400" dirty="0" err="1" smtClean="0">
+                <a:latin typeface="KoPubWorld돋움체 Medium" panose="00000600000000000000" pitchFamily="2" charset="-127"/>
+                <a:ea typeface="KoPubWorld돋움체 Medium" panose="00000600000000000000" pitchFamily="2" charset="-127"/>
+                <a:cs typeface="KoPubWorld돋움체 Medium" panose="00000600000000000000" pitchFamily="2" charset="-127"/>
+              </a:rPr>
+              <a:t>만듬</a:t>
             </a:r>
             <a:r>
               <a:rPr lang="en-US" altLang="ko-KR" sz="1400" dirty="0" smtClean="0">
@@ -4483,60 +4592,6 @@
               <a:t>.</a:t>
             </a:r>
             <a:endParaRPr lang="en-US" altLang="ko-KR" sz="1400" dirty="0">
-              <a:latin typeface="KoPubWorld돋움체 Medium" panose="00000600000000000000" pitchFamily="2" charset="-127"/>
-              <a:ea typeface="KoPubWorld돋움체 Medium" panose="00000600000000000000" pitchFamily="2" charset="-127"/>
-              <a:cs typeface="KoPubWorld돋움체 Medium" panose="00000600000000000000" pitchFamily="2" charset="-127"/>
-            </a:endParaRPr>
-          </a:p>
-        </p:txBody>
-      </p:sp>
-      <p:sp>
-        <p:nvSpPr>
-          <p:cNvPr id="6" name="TextBox 5"/>
-          <p:cNvSpPr txBox="1"/>
-          <p:nvPr/>
-        </p:nvSpPr>
-        <p:spPr>
-          <a:xfrm>
-            <a:off x="4769226" y="1782556"/>
-            <a:ext cx="7422774" cy="276999"/>
-          </a:xfrm>
-          <a:prstGeom prst="rect">
-            <a:avLst/>
-          </a:prstGeom>
-          <a:noFill/>
-        </p:spPr>
-        <p:txBody>
-          <a:bodyPr wrap="square" rtlCol="0">
-            <a:spAutoFit/>
-          </a:bodyPr>
-          <a:lstStyle/>
-          <a:p>
-            <a:r>
-              <a:rPr lang="en-US" altLang="ko-KR" sz="1200" dirty="0" smtClean="0">
-                <a:latin typeface="KoPubWorld돋움체 Medium" panose="00000600000000000000" pitchFamily="2" charset="-127"/>
-                <a:ea typeface="KoPubWorld돋움체 Medium" panose="00000600000000000000" pitchFamily="2" charset="-127"/>
-                <a:cs typeface="KoPubWorld돋움체 Medium" panose="00000600000000000000" pitchFamily="2" charset="-127"/>
-              </a:rPr>
-              <a:t>* </a:t>
-            </a:r>
-            <a:r>
-              <a:rPr lang="ko-KR" altLang="en-US" sz="1200" dirty="0" smtClean="0">
-                <a:latin typeface="KoPubWorld돋움체 Medium" panose="00000600000000000000" pitchFamily="2" charset="-127"/>
-                <a:ea typeface="KoPubWorld돋움체 Medium" panose="00000600000000000000" pitchFamily="2" charset="-127"/>
-                <a:cs typeface="KoPubWorld돋움체 Medium" panose="00000600000000000000" pitchFamily="2" charset="-127"/>
-              </a:rPr>
-              <a:t>사인 </a:t>
-            </a:r>
-            <a:r>
-              <a:rPr lang="ko-KR" altLang="en-US" sz="1200" dirty="0">
-                <a:latin typeface="KoPubWorld돋움체 Medium" panose="00000600000000000000" pitchFamily="2" charset="-127"/>
-                <a:ea typeface="KoPubWorld돋움체 Medium" panose="00000600000000000000" pitchFamily="2" charset="-127"/>
-                <a:cs typeface="KoPubWorld돋움체 Medium" panose="00000600000000000000" pitchFamily="2" charset="-127"/>
-              </a:rPr>
-              <a:t>함수와 코사인 함수를 사용하여 위치에 따라 다른 값을 가지는 행렬을 만들어 이를 단어 벡터들과 더하는 방법</a:t>
-            </a:r>
-            <a:endParaRPr lang="en-US" altLang="ko-KR" sz="1100" dirty="0">
               <a:latin typeface="KoPubWorld돋움체 Medium" panose="00000600000000000000" pitchFamily="2" charset="-127"/>
               <a:ea typeface="KoPubWorld돋움체 Medium" panose="00000600000000000000" pitchFamily="2" charset="-127"/>
               <a:cs typeface="KoPubWorld돋움체 Medium" panose="00000600000000000000" pitchFamily="2" charset="-127"/>
@@ -4560,7 +4615,7 @@
         </p:blipFill>
         <p:spPr>
           <a:xfrm>
-            <a:off x="1251262" y="2298382"/>
+            <a:off x="1432238" y="2810446"/>
             <a:ext cx="3464749" cy="1638110"/>
           </a:xfrm>
           <a:prstGeom prst="rect">
@@ -4576,7 +4631,7 @@
         </p:nvSpPr>
         <p:spPr>
           <a:xfrm>
-            <a:off x="4917151" y="2424939"/>
+            <a:off x="5098127" y="2937003"/>
             <a:ext cx="5004530" cy="1384995"/>
           </a:xfrm>
           <a:prstGeom prst="rect">
@@ -4992,7 +5047,7 @@
         </p:nvSpPr>
         <p:spPr>
           <a:xfrm>
-            <a:off x="334962" y="4569207"/>
+            <a:off x="515938" y="5081271"/>
             <a:ext cx="9531413" cy="954107"/>
           </a:xfrm>
           <a:prstGeom prst="rect">
@@ -5366,15 +5421,7 @@
                 <a:ea typeface="KoPubWorld돋움체 Medium" panose="00000600000000000000" pitchFamily="2" charset="-127"/>
                 <a:cs typeface="KoPubWorld돋움체 Medium" panose="00000600000000000000" pitchFamily="2" charset="-127"/>
               </a:rPr>
-              <a:t>. </a:t>
-            </a:r>
-            <a:r>
-              <a:rPr lang="en-US" altLang="ko-KR" sz="1600" dirty="0">
-                <a:latin typeface="KoPubWorld돋움체 Medium" panose="00000600000000000000" pitchFamily="2" charset="-127"/>
-                <a:ea typeface="KoPubWorld돋움체 Medium" panose="00000600000000000000" pitchFamily="2" charset="-127"/>
-                <a:cs typeface="KoPubWorld돋움체 Medium" panose="00000600000000000000" pitchFamily="2" charset="-127"/>
-              </a:rPr>
-              <a:t>BERT</a:t>
+              <a:t>. BERT</a:t>
             </a:r>
             <a:r>
               <a:rPr lang="ko-KR" altLang="en-US" sz="1600" dirty="0">
@@ -5950,11 +5997,6 @@
               </a:rPr>
               <a:t>(Next sentence prediction, NSP)</a:t>
             </a:r>
-            <a:endParaRPr lang="en-US" altLang="ko-KR" sz="1400" dirty="0">
-              <a:latin typeface="KoPubWorld돋움체 Medium" panose="00000600000000000000" pitchFamily="2" charset="-127"/>
-              <a:ea typeface="KoPubWorld돋움체 Medium" panose="00000600000000000000" pitchFamily="2" charset="-127"/>
-              <a:cs typeface="KoPubWorld돋움체 Medium" panose="00000600000000000000" pitchFamily="2" charset="-127"/>
-            </a:endParaRPr>
           </a:p>
         </p:txBody>
       </p:sp>
@@ -6062,15 +6104,7 @@
                 <a:ea typeface="KoPubWorld돋움체 Medium" panose="00000600000000000000" pitchFamily="2" charset="-127"/>
                 <a:cs typeface="KoPubWorld돋움체 Medium" panose="00000600000000000000" pitchFamily="2" charset="-127"/>
               </a:rPr>
-              <a:t>. </a:t>
-            </a:r>
-            <a:r>
-              <a:rPr lang="en-US" altLang="ko-KR" sz="1600" dirty="0">
-                <a:latin typeface="KoPubWorld돋움체 Medium" panose="00000600000000000000" pitchFamily="2" charset="-127"/>
-                <a:ea typeface="KoPubWorld돋움체 Medium" panose="00000600000000000000" pitchFamily="2" charset="-127"/>
-                <a:cs typeface="KoPubWorld돋움체 Medium" panose="00000600000000000000" pitchFamily="2" charset="-127"/>
-              </a:rPr>
-              <a:t>BERT</a:t>
+              <a:t>. BERT</a:t>
             </a:r>
             <a:r>
               <a:rPr lang="ko-KR" altLang="en-US" sz="1600" dirty="0">
@@ -6368,15 +6402,7 @@
                 <a:ea typeface="KoPubWorld돋움체 Medium" panose="00000600000000000000" pitchFamily="2" charset="-127"/>
                 <a:cs typeface="KoPubWorld돋움체 Medium" panose="00000600000000000000" pitchFamily="2" charset="-127"/>
               </a:rPr>
-              <a:t>Ex) The man went to the store → The man went to the [MASK</a:t>
-            </a:r>
-            <a:r>
-              <a:rPr lang="en-US" altLang="ko-KR" sz="1400" dirty="0">
-                <a:latin typeface="KoPubWorld돋움체 Medium" panose="00000600000000000000" pitchFamily="2" charset="-127"/>
-                <a:ea typeface="KoPubWorld돋움체 Medium" panose="00000600000000000000" pitchFamily="2" charset="-127"/>
-                <a:cs typeface="KoPubWorld돋움체 Medium" panose="00000600000000000000" pitchFamily="2" charset="-127"/>
-              </a:rPr>
-              <a:t>]</a:t>
+              <a:t>Ex) The man went to the store → The man went to the [MASK]</a:t>
             </a:r>
           </a:p>
           <a:p>
@@ -6440,23 +6466,7 @@
                 <a:ea typeface="KoPubWorld돋움체 Medium" panose="00000600000000000000" pitchFamily="2" charset="-127"/>
                 <a:cs typeface="KoPubWorld돋움체 Medium" panose="00000600000000000000" pitchFamily="2" charset="-127"/>
               </a:rPr>
-              <a:t>Ex</a:t>
-            </a:r>
-            <a:r>
-              <a:rPr lang="en-US" altLang="ko-KR" sz="1400" dirty="0">
-                <a:latin typeface="KoPubWorld돋움체 Medium" panose="00000600000000000000" pitchFamily="2" charset="-127"/>
-                <a:ea typeface="KoPubWorld돋움체 Medium" panose="00000600000000000000" pitchFamily="2" charset="-127"/>
-                <a:cs typeface="KoPubWorld돋움체 Medium" panose="00000600000000000000" pitchFamily="2" charset="-127"/>
-              </a:rPr>
-              <a:t>) The man went to the store → The man went to the </a:t>
-            </a:r>
-            <a:r>
-              <a:rPr lang="en-US" altLang="ko-KR" sz="1400" dirty="0">
-                <a:latin typeface="KoPubWorld돋움체 Medium" panose="00000600000000000000" pitchFamily="2" charset="-127"/>
-                <a:ea typeface="KoPubWorld돋움체 Medium" panose="00000600000000000000" pitchFamily="2" charset="-127"/>
-                <a:cs typeface="KoPubWorld돋움체 Medium" panose="00000600000000000000" pitchFamily="2" charset="-127"/>
-              </a:rPr>
-              <a:t>dog</a:t>
+              <a:t>Ex) The man went to the store → The man went to the dog</a:t>
             </a:r>
           </a:p>
           <a:p>
@@ -6710,6 +6720,1810 @@
     <p:extLst>
       <p:ext uri="{BB962C8B-B14F-4D97-AF65-F5344CB8AC3E}">
         <p14:creationId xmlns:p14="http://schemas.microsoft.com/office/powerpoint/2010/main" val="1627193275"/>
+      </p:ext>
+    </p:extLst>
+  </p:cSld>
+  <p:clrMapOvr>
+    <a:masterClrMapping/>
+  </p:clrMapOvr>
+</p:sld>
+</file>
+
+<file path=ppt/slides/slide14.xml><?xml version="1.0" encoding="utf-8"?>
+<p:sld xmlns:a="http://schemas.openxmlformats.org/drawingml/2006/main" xmlns:r="http://schemas.openxmlformats.org/officeDocument/2006/relationships" xmlns:p="http://schemas.openxmlformats.org/presentationml/2006/main">
+  <p:cSld>
+    <p:spTree>
+      <p:nvGrpSpPr>
+        <p:cNvPr id="1" name=""/>
+        <p:cNvGrpSpPr/>
+        <p:nvPr/>
+      </p:nvGrpSpPr>
+      <p:grpSpPr>
+        <a:xfrm>
+          <a:off x="0" y="0"/>
+          <a:ext cx="0" cy="0"/>
+          <a:chOff x="0" y="0"/>
+          <a:chExt cx="0" cy="0"/>
+        </a:xfrm>
+      </p:grpSpPr>
+      <p:sp>
+        <p:nvSpPr>
+          <p:cNvPr id="4" name="TextBox 3"/>
+          <p:cNvSpPr txBox="1"/>
+          <p:nvPr/>
+        </p:nvSpPr>
+        <p:spPr>
+          <a:xfrm>
+            <a:off x="344475" y="391409"/>
+            <a:ext cx="7582525" cy="369332"/>
+          </a:xfrm>
+          <a:prstGeom prst="rect">
+            <a:avLst/>
+          </a:prstGeom>
+          <a:noFill/>
+        </p:spPr>
+        <p:txBody>
+          <a:bodyPr wrap="none" rtlCol="0">
+            <a:spAutoFit/>
+          </a:bodyPr>
+          <a:lstStyle/>
+          <a:p>
+            <a:r>
+              <a:rPr lang="en-US" altLang="ko-KR" dirty="0" smtClean="0">
+                <a:latin typeface="KoPubWorld돋움체 Bold" panose="00000800000000000000" pitchFamily="2" charset="-127"/>
+                <a:ea typeface="KoPubWorld돋움체 Bold" panose="00000800000000000000" pitchFamily="2" charset="-127"/>
+                <a:cs typeface="KoPubWorld돋움체 Bold" panose="00000800000000000000" pitchFamily="2" charset="-127"/>
+              </a:rPr>
+              <a:t>BERT(Bidirectional Encoder Representations from Transformers, BERT)</a:t>
+            </a:r>
+            <a:endParaRPr lang="ko-KR" altLang="en-US" dirty="0">
+              <a:latin typeface="KoPubWorld돋움체 Bold" panose="00000800000000000000" pitchFamily="2" charset="-127"/>
+              <a:ea typeface="KoPubWorld돋움체 Bold" panose="00000800000000000000" pitchFamily="2" charset="-127"/>
+              <a:cs typeface="KoPubWorld돋움체 Bold" panose="00000800000000000000" pitchFamily="2" charset="-127"/>
+            </a:endParaRPr>
+          </a:p>
+        </p:txBody>
+      </p:sp>
+      <p:sp>
+        <p:nvSpPr>
+          <p:cNvPr id="5" name="TextBox 4"/>
+          <p:cNvSpPr txBox="1"/>
+          <p:nvPr/>
+        </p:nvSpPr>
+        <p:spPr>
+          <a:xfrm>
+            <a:off x="345151" y="1026070"/>
+            <a:ext cx="7509545" cy="584775"/>
+          </a:xfrm>
+          <a:prstGeom prst="rect">
+            <a:avLst/>
+          </a:prstGeom>
+          <a:noFill/>
+        </p:spPr>
+        <p:txBody>
+          <a:bodyPr wrap="square" rtlCol="0">
+            <a:spAutoFit/>
+          </a:bodyPr>
+          <a:lstStyle/>
+          <a:p>
+            <a:r>
+              <a:rPr lang="en-US" altLang="ko-KR" sz="1600" dirty="0" smtClean="0">
+                <a:latin typeface="KoPubWorld돋움체 Medium" panose="00000600000000000000" pitchFamily="2" charset="-127"/>
+                <a:ea typeface="KoPubWorld돋움체 Medium" panose="00000600000000000000" pitchFamily="2" charset="-127"/>
+                <a:cs typeface="KoPubWorld돋움체 Medium" panose="00000600000000000000" pitchFamily="2" charset="-127"/>
+              </a:rPr>
+              <a:t>6</a:t>
+            </a:r>
+            <a:r>
+              <a:rPr lang="en-US" altLang="ko-KR" sz="1600" dirty="0">
+                <a:latin typeface="KoPubWorld돋움체 Medium" panose="00000600000000000000" pitchFamily="2" charset="-127"/>
+                <a:ea typeface="KoPubWorld돋움체 Medium" panose="00000600000000000000" pitchFamily="2" charset="-127"/>
+                <a:cs typeface="KoPubWorld돋움체 Medium" panose="00000600000000000000" pitchFamily="2" charset="-127"/>
+              </a:rPr>
+              <a:t>. BERT</a:t>
+            </a:r>
+            <a:r>
+              <a:rPr lang="ko-KR" altLang="en-US" sz="1600" dirty="0">
+                <a:latin typeface="KoPubWorld돋움체 Medium" panose="00000600000000000000" pitchFamily="2" charset="-127"/>
+                <a:ea typeface="KoPubWorld돋움체 Medium" panose="00000600000000000000" pitchFamily="2" charset="-127"/>
+                <a:cs typeface="KoPubWorld돋움체 Medium" panose="00000600000000000000" pitchFamily="2" charset="-127"/>
+              </a:rPr>
+              <a:t>의 사전 훈련</a:t>
+            </a:r>
+            <a:r>
+              <a:rPr lang="en-US" altLang="ko-KR" sz="1600" dirty="0">
+                <a:latin typeface="KoPubWorld돋움체 Medium" panose="00000600000000000000" pitchFamily="2" charset="-127"/>
+                <a:ea typeface="KoPubWorld돋움체 Medium" panose="00000600000000000000" pitchFamily="2" charset="-127"/>
+                <a:cs typeface="KoPubWorld돋움체 Medium" panose="00000600000000000000" pitchFamily="2" charset="-127"/>
+              </a:rPr>
+              <a:t>(Pre-training</a:t>
+            </a:r>
+            <a:r>
+              <a:rPr lang="en-US" altLang="ko-KR" sz="1600" dirty="0" smtClean="0">
+                <a:latin typeface="KoPubWorld돋움체 Medium" panose="00000600000000000000" pitchFamily="2" charset="-127"/>
+                <a:ea typeface="KoPubWorld돋움체 Medium" panose="00000600000000000000" pitchFamily="2" charset="-127"/>
+                <a:cs typeface="KoPubWorld돋움체 Medium" panose="00000600000000000000" pitchFamily="2" charset="-127"/>
+              </a:rPr>
+              <a:t>)</a:t>
+            </a:r>
+          </a:p>
+          <a:p>
+            <a:r>
+              <a:rPr lang="en-US" altLang="ko-KR" sz="1600" dirty="0">
+                <a:latin typeface="KoPubWorld돋움체 Medium" panose="00000600000000000000" pitchFamily="2" charset="-127"/>
+                <a:ea typeface="KoPubWorld돋움체 Medium" panose="00000600000000000000" pitchFamily="2" charset="-127"/>
+                <a:cs typeface="KoPubWorld돋움체 Medium" panose="00000600000000000000" pitchFamily="2" charset="-127"/>
+              </a:rPr>
+              <a:t>  1) </a:t>
+            </a:r>
+            <a:r>
+              <a:rPr lang="ko-KR" altLang="en-US" sz="1600" dirty="0" err="1">
+                <a:latin typeface="KoPubWorld돋움체 Medium" panose="00000600000000000000" pitchFamily="2" charset="-127"/>
+                <a:ea typeface="KoPubWorld돋움체 Medium" panose="00000600000000000000" pitchFamily="2" charset="-127"/>
+                <a:cs typeface="KoPubWorld돋움체 Medium" panose="00000600000000000000" pitchFamily="2" charset="-127"/>
+              </a:rPr>
+              <a:t>마스크드</a:t>
+            </a:r>
+            <a:r>
+              <a:rPr lang="ko-KR" altLang="en-US" sz="1600" dirty="0">
+                <a:latin typeface="KoPubWorld돋움체 Medium" panose="00000600000000000000" pitchFamily="2" charset="-127"/>
+                <a:ea typeface="KoPubWorld돋움체 Medium" panose="00000600000000000000" pitchFamily="2" charset="-127"/>
+                <a:cs typeface="KoPubWorld돋움체 Medium" panose="00000600000000000000" pitchFamily="2" charset="-127"/>
+              </a:rPr>
+              <a:t> 언어 모델</a:t>
+            </a:r>
+            <a:r>
+              <a:rPr lang="en-US" altLang="ko-KR" sz="1600" dirty="0">
+                <a:latin typeface="KoPubWorld돋움체 Medium" panose="00000600000000000000" pitchFamily="2" charset="-127"/>
+                <a:ea typeface="KoPubWorld돋움체 Medium" panose="00000600000000000000" pitchFamily="2" charset="-127"/>
+                <a:cs typeface="KoPubWorld돋움체 Medium" panose="00000600000000000000" pitchFamily="2" charset="-127"/>
+              </a:rPr>
+              <a:t>(Masked Language Model, MLM)</a:t>
+            </a:r>
+            <a:endParaRPr lang="en-US" altLang="ko-KR" sz="1400" dirty="0">
+              <a:latin typeface="KoPubWorld돋움체 Medium" panose="00000600000000000000" pitchFamily="2" charset="-127"/>
+              <a:ea typeface="KoPubWorld돋움체 Medium" panose="00000600000000000000" pitchFamily="2" charset="-127"/>
+              <a:cs typeface="KoPubWorld돋움체 Medium" panose="00000600000000000000" pitchFamily="2" charset="-127"/>
+            </a:endParaRPr>
+          </a:p>
+        </p:txBody>
+      </p:sp>
+      <p:sp>
+        <p:nvSpPr>
+          <p:cNvPr id="14" name="TextBox 13"/>
+          <p:cNvSpPr txBox="1"/>
+          <p:nvPr/>
+        </p:nvSpPr>
+        <p:spPr>
+          <a:xfrm>
+            <a:off x="515938" y="5016627"/>
+            <a:ext cx="10420286" cy="523220"/>
+          </a:xfrm>
+          <a:prstGeom prst="rect">
+            <a:avLst/>
+          </a:prstGeom>
+          <a:noFill/>
+        </p:spPr>
+        <p:txBody>
+          <a:bodyPr wrap="square" rtlCol="0">
+            <a:spAutoFit/>
+          </a:bodyPr>
+          <a:lstStyle/>
+          <a:p>
+            <a:pPr marL="285750" indent="-285750">
+              <a:buFontTx/>
+              <a:buChar char="-"/>
+            </a:pPr>
+            <a:r>
+              <a:rPr lang="en-US" altLang="ko-KR" sz="1400" dirty="0" smtClean="0">
+                <a:latin typeface="KoPubWorld돋움체 Medium" panose="00000600000000000000" pitchFamily="2" charset="-127"/>
+                <a:ea typeface="KoPubWorld돋움체 Medium" panose="00000600000000000000" pitchFamily="2" charset="-127"/>
+                <a:cs typeface="KoPubWorld돋움체 Medium" panose="00000600000000000000" pitchFamily="2" charset="-127"/>
+              </a:rPr>
+              <a:t>BERT </a:t>
+            </a:r>
+            <a:r>
+              <a:rPr lang="ko-KR" altLang="en-US" sz="1400" dirty="0">
+                <a:latin typeface="KoPubWorld돋움체 Medium" panose="00000600000000000000" pitchFamily="2" charset="-127"/>
+                <a:ea typeface="KoPubWorld돋움체 Medium" panose="00000600000000000000" pitchFamily="2" charset="-127"/>
+                <a:cs typeface="KoPubWorld돋움체 Medium" panose="00000600000000000000" pitchFamily="2" charset="-127"/>
+              </a:rPr>
+              <a:t>모델이 </a:t>
+            </a:r>
+            <a:r>
+              <a:rPr lang="en-US" altLang="ko-KR" sz="1400" dirty="0">
+                <a:latin typeface="KoPubWorld돋움체 Medium" panose="00000600000000000000" pitchFamily="2" charset="-127"/>
+                <a:ea typeface="KoPubWorld돋움체 Medium" panose="00000600000000000000" pitchFamily="2" charset="-127"/>
+                <a:cs typeface="KoPubWorld돋움체 Medium" panose="00000600000000000000" pitchFamily="2" charset="-127"/>
+              </a:rPr>
+              <a:t>[MASK]</a:t>
+            </a:r>
+            <a:r>
+              <a:rPr lang="ko-KR" altLang="en-US" sz="1400" dirty="0">
+                <a:latin typeface="KoPubWorld돋움체 Medium" panose="00000600000000000000" pitchFamily="2" charset="-127"/>
+                <a:ea typeface="KoPubWorld돋움체 Medium" panose="00000600000000000000" pitchFamily="2" charset="-127"/>
+                <a:cs typeface="KoPubWorld돋움체 Medium" panose="00000600000000000000" pitchFamily="2" charset="-127"/>
+              </a:rPr>
+              <a:t>로 변경된 토큰을 </a:t>
+            </a:r>
+            <a:r>
+              <a:rPr lang="ko-KR" altLang="en-US" sz="1400" dirty="0" smtClean="0">
+                <a:latin typeface="KoPubWorld돋움체 Medium" panose="00000600000000000000" pitchFamily="2" charset="-127"/>
+                <a:ea typeface="KoPubWorld돋움체 Medium" panose="00000600000000000000" pitchFamily="2" charset="-127"/>
+                <a:cs typeface="KoPubWorld돋움체 Medium" panose="00000600000000000000" pitchFamily="2" charset="-127"/>
+              </a:rPr>
+              <a:t>맞추려고 함</a:t>
+            </a:r>
+            <a:r>
+              <a:rPr lang="en-US" altLang="ko-KR" sz="1400" dirty="0" smtClean="0">
+                <a:latin typeface="KoPubWorld돋움체 Medium" panose="00000600000000000000" pitchFamily="2" charset="-127"/>
+                <a:ea typeface="KoPubWorld돋움체 Medium" panose="00000600000000000000" pitchFamily="2" charset="-127"/>
+                <a:cs typeface="KoPubWorld돋움체 Medium" panose="00000600000000000000" pitchFamily="2" charset="-127"/>
+              </a:rPr>
+              <a:t>.</a:t>
+            </a:r>
+          </a:p>
+          <a:p>
+            <a:pPr marL="285750" indent="-285750">
+              <a:buFontTx/>
+              <a:buChar char="-"/>
+            </a:pPr>
+            <a:r>
+              <a:rPr lang="ko-KR" altLang="en-US" sz="1400" dirty="0">
+                <a:latin typeface="KoPubWorld돋움체 Medium" panose="00000600000000000000" pitchFamily="2" charset="-127"/>
+                <a:ea typeface="KoPubWorld돋움체 Medium" panose="00000600000000000000" pitchFamily="2" charset="-127"/>
+                <a:cs typeface="KoPubWorld돋움체 Medium" panose="00000600000000000000" pitchFamily="2" charset="-127"/>
+              </a:rPr>
+              <a:t>여기서 </a:t>
+            </a:r>
+            <a:r>
+              <a:rPr lang="ko-KR" altLang="en-US" sz="1400" dirty="0" err="1">
+                <a:latin typeface="KoPubWorld돋움체 Medium" panose="00000600000000000000" pitchFamily="2" charset="-127"/>
+                <a:ea typeface="KoPubWorld돋움체 Medium" panose="00000600000000000000" pitchFamily="2" charset="-127"/>
+                <a:cs typeface="KoPubWorld돋움체 Medium" panose="00000600000000000000" pitchFamily="2" charset="-127"/>
+              </a:rPr>
+              <a:t>출력층에</a:t>
+            </a:r>
+            <a:r>
+              <a:rPr lang="ko-KR" altLang="en-US" sz="1400" dirty="0">
+                <a:latin typeface="KoPubWorld돋움체 Medium" panose="00000600000000000000" pitchFamily="2" charset="-127"/>
+                <a:ea typeface="KoPubWorld돋움체 Medium" panose="00000600000000000000" pitchFamily="2" charset="-127"/>
+                <a:cs typeface="KoPubWorld돋움체 Medium" panose="00000600000000000000" pitchFamily="2" charset="-127"/>
+              </a:rPr>
+              <a:t> 있는 다른 위치의 벡터들은 예측과 학습에 사용되지 않고</a:t>
+            </a:r>
+            <a:r>
+              <a:rPr lang="en-US" altLang="ko-KR" sz="1400" dirty="0">
+                <a:latin typeface="KoPubWorld돋움체 Medium" panose="00000600000000000000" pitchFamily="2" charset="-127"/>
+                <a:ea typeface="KoPubWorld돋움체 Medium" panose="00000600000000000000" pitchFamily="2" charset="-127"/>
+                <a:cs typeface="KoPubWorld돋움체 Medium" panose="00000600000000000000" pitchFamily="2" charset="-127"/>
+              </a:rPr>
+              <a:t>, </a:t>
+            </a:r>
+            <a:r>
+              <a:rPr lang="ko-KR" altLang="en-US" sz="1400" dirty="0">
+                <a:latin typeface="KoPubWorld돋움체 Medium" panose="00000600000000000000" pitchFamily="2" charset="-127"/>
+                <a:ea typeface="KoPubWorld돋움체 Medium" panose="00000600000000000000" pitchFamily="2" charset="-127"/>
+                <a:cs typeface="KoPubWorld돋움체 Medium" panose="00000600000000000000" pitchFamily="2" charset="-127"/>
+              </a:rPr>
+              <a:t>오직 </a:t>
+            </a:r>
+            <a:r>
+              <a:rPr lang="en-US" altLang="ko-KR" sz="1400" dirty="0">
+                <a:latin typeface="KoPubWorld돋움체 Medium" panose="00000600000000000000" pitchFamily="2" charset="-127"/>
+                <a:ea typeface="KoPubWorld돋움체 Medium" panose="00000600000000000000" pitchFamily="2" charset="-127"/>
+                <a:cs typeface="KoPubWorld돋움체 Medium" panose="00000600000000000000" pitchFamily="2" charset="-127"/>
+              </a:rPr>
+              <a:t>'dog' </a:t>
+            </a:r>
+            <a:r>
+              <a:rPr lang="ko-KR" altLang="en-US" sz="1400" dirty="0">
+                <a:latin typeface="KoPubWorld돋움체 Medium" panose="00000600000000000000" pitchFamily="2" charset="-127"/>
+                <a:ea typeface="KoPubWorld돋움체 Medium" panose="00000600000000000000" pitchFamily="2" charset="-127"/>
+                <a:cs typeface="KoPubWorld돋움체 Medium" panose="00000600000000000000" pitchFamily="2" charset="-127"/>
+              </a:rPr>
+              <a:t>위치의 </a:t>
+            </a:r>
+            <a:r>
+              <a:rPr lang="ko-KR" altLang="en-US" sz="1400" dirty="0" err="1">
+                <a:latin typeface="KoPubWorld돋움체 Medium" panose="00000600000000000000" pitchFamily="2" charset="-127"/>
+                <a:ea typeface="KoPubWorld돋움체 Medium" panose="00000600000000000000" pitchFamily="2" charset="-127"/>
+                <a:cs typeface="KoPubWorld돋움체 Medium" panose="00000600000000000000" pitchFamily="2" charset="-127"/>
+              </a:rPr>
+              <a:t>출력층의</a:t>
+            </a:r>
+            <a:r>
+              <a:rPr lang="ko-KR" altLang="en-US" sz="1400" dirty="0">
+                <a:latin typeface="KoPubWorld돋움체 Medium" panose="00000600000000000000" pitchFamily="2" charset="-127"/>
+                <a:ea typeface="KoPubWorld돋움체 Medium" panose="00000600000000000000" pitchFamily="2" charset="-127"/>
+                <a:cs typeface="KoPubWorld돋움체 Medium" panose="00000600000000000000" pitchFamily="2" charset="-127"/>
+              </a:rPr>
+              <a:t> 벡터만이 </a:t>
+            </a:r>
+            <a:r>
+              <a:rPr lang="ko-KR" altLang="en-US" sz="1400" dirty="0" smtClean="0">
+                <a:latin typeface="KoPubWorld돋움체 Medium" panose="00000600000000000000" pitchFamily="2" charset="-127"/>
+                <a:ea typeface="KoPubWorld돋움체 Medium" panose="00000600000000000000" pitchFamily="2" charset="-127"/>
+                <a:cs typeface="KoPubWorld돋움체 Medium" panose="00000600000000000000" pitchFamily="2" charset="-127"/>
+              </a:rPr>
+              <a:t>사용됨</a:t>
+            </a:r>
+            <a:r>
+              <a:rPr lang="en-US" altLang="ko-KR" sz="1400" dirty="0" smtClean="0">
+                <a:latin typeface="KoPubWorld돋움체 Medium" panose="00000600000000000000" pitchFamily="2" charset="-127"/>
+                <a:ea typeface="KoPubWorld돋움체 Medium" panose="00000600000000000000" pitchFamily="2" charset="-127"/>
+                <a:cs typeface="KoPubWorld돋움체 Medium" panose="00000600000000000000" pitchFamily="2" charset="-127"/>
+              </a:rPr>
+              <a:t>.</a:t>
+            </a:r>
+            <a:endParaRPr lang="en-US" altLang="ko-KR" sz="1400" dirty="0">
+              <a:latin typeface="KoPubWorld돋움체 Medium" panose="00000600000000000000" pitchFamily="2" charset="-127"/>
+              <a:ea typeface="KoPubWorld돋움체 Medium" panose="00000600000000000000" pitchFamily="2" charset="-127"/>
+              <a:cs typeface="KoPubWorld돋움체 Medium" panose="00000600000000000000" pitchFamily="2" charset="-127"/>
+            </a:endParaRPr>
+          </a:p>
+        </p:txBody>
+      </p:sp>
+      <p:pic>
+        <p:nvPicPr>
+          <p:cNvPr id="2" name="그림 1"/>
+          <p:cNvPicPr>
+            <a:picLocks noChangeAspect="1"/>
+          </p:cNvPicPr>
+          <p:nvPr/>
+        </p:nvPicPr>
+        <p:blipFill>
+          <a:blip r:embed="rId2"/>
+          <a:stretch>
+            <a:fillRect/>
+          </a:stretch>
+        </p:blipFill>
+        <p:spPr>
+          <a:xfrm>
+            <a:off x="818579" y="1732061"/>
+            <a:ext cx="4316660" cy="2338936"/>
+          </a:xfrm>
+          <a:prstGeom prst="rect">
+            <a:avLst/>
+          </a:prstGeom>
+        </p:spPr>
+      </p:pic>
+      <p:sp>
+        <p:nvSpPr>
+          <p:cNvPr id="7" name="TextBox 6"/>
+          <p:cNvSpPr txBox="1"/>
+          <p:nvPr/>
+        </p:nvSpPr>
+        <p:spPr>
+          <a:xfrm>
+            <a:off x="758255" y="4070997"/>
+            <a:ext cx="3905186" cy="307777"/>
+          </a:xfrm>
+          <a:prstGeom prst="rect">
+            <a:avLst/>
+          </a:prstGeom>
+          <a:noFill/>
+        </p:spPr>
+        <p:txBody>
+          <a:bodyPr wrap="square" rtlCol="0">
+            <a:spAutoFit/>
+          </a:bodyPr>
+          <a:lstStyle/>
+          <a:p>
+            <a:r>
+              <a:rPr lang="ko-KR" altLang="en-US" sz="1400" dirty="0" smtClean="0">
+                <a:latin typeface="KoPubWorld돋움체 Medium" panose="00000600000000000000" pitchFamily="2" charset="-127"/>
+                <a:ea typeface="KoPubWorld돋움체 Medium" panose="00000600000000000000" pitchFamily="2" charset="-127"/>
+                <a:cs typeface="KoPubWorld돋움체 Medium" panose="00000600000000000000" pitchFamily="2" charset="-127"/>
+              </a:rPr>
+              <a:t>문장 </a:t>
+            </a:r>
+            <a:r>
+              <a:rPr lang="en-US" altLang="ko-KR" sz="1400" dirty="0">
+                <a:latin typeface="KoPubWorld돋움체 Medium" panose="00000600000000000000" pitchFamily="2" charset="-127"/>
+                <a:ea typeface="KoPubWorld돋움체 Medium" panose="00000600000000000000" pitchFamily="2" charset="-127"/>
+                <a:cs typeface="KoPubWorld돋움체 Medium" panose="00000600000000000000" pitchFamily="2" charset="-127"/>
+              </a:rPr>
+              <a:t>: 'My dog is cute. he likes playing'</a:t>
+            </a:r>
+            <a:endParaRPr lang="en-US" altLang="ko-KR" sz="1400" dirty="0">
+              <a:latin typeface="KoPubWorld돋움체 Medium" panose="00000600000000000000" pitchFamily="2" charset="-127"/>
+              <a:ea typeface="KoPubWorld돋움체 Medium" panose="00000600000000000000" pitchFamily="2" charset="-127"/>
+              <a:cs typeface="KoPubWorld돋움체 Medium" panose="00000600000000000000" pitchFamily="2" charset="-127"/>
+            </a:endParaRPr>
+          </a:p>
+        </p:txBody>
+      </p:sp>
+      <p:sp>
+        <p:nvSpPr>
+          <p:cNvPr id="8" name="TextBox 7"/>
+          <p:cNvSpPr txBox="1"/>
+          <p:nvPr/>
+        </p:nvSpPr>
+        <p:spPr>
+          <a:xfrm>
+            <a:off x="1269093" y="4309633"/>
+            <a:ext cx="2654848" cy="307777"/>
+          </a:xfrm>
+          <a:prstGeom prst="rect">
+            <a:avLst/>
+          </a:prstGeom>
+          <a:noFill/>
+        </p:spPr>
+        <p:txBody>
+          <a:bodyPr wrap="square" rtlCol="0">
+            <a:spAutoFit/>
+          </a:bodyPr>
+          <a:lstStyle/>
+          <a:p>
+            <a:pPr marL="285750" indent="-285750">
+              <a:buFont typeface="Arial" panose="020B0604020202020204" pitchFamily="34" charset="0"/>
+              <a:buChar char="•"/>
+            </a:pPr>
+            <a:r>
+              <a:rPr lang="en-US" altLang="ko-KR" sz="1400" dirty="0" smtClean="0">
+                <a:latin typeface="KoPubWorld돋움체 Medium" panose="00000600000000000000" pitchFamily="2" charset="-127"/>
+                <a:ea typeface="KoPubWorld돋움체 Medium" panose="00000600000000000000" pitchFamily="2" charset="-127"/>
+                <a:cs typeface="KoPubWorld돋움체 Medium" panose="00000600000000000000" pitchFamily="2" charset="-127"/>
+              </a:rPr>
+              <a:t>'dog</a:t>
+            </a:r>
+            <a:r>
+              <a:rPr lang="en-US" altLang="ko-KR" sz="1400" dirty="0">
+                <a:latin typeface="KoPubWorld돋움체 Medium" panose="00000600000000000000" pitchFamily="2" charset="-127"/>
+                <a:ea typeface="KoPubWorld돋움체 Medium" panose="00000600000000000000" pitchFamily="2" charset="-127"/>
+                <a:cs typeface="KoPubWorld돋움체 Medium" panose="00000600000000000000" pitchFamily="2" charset="-127"/>
+              </a:rPr>
+              <a:t>' </a:t>
+            </a:r>
+            <a:r>
+              <a:rPr lang="ko-KR" altLang="en-US" sz="1400" dirty="0">
+                <a:latin typeface="KoPubWorld돋움체 Medium" panose="00000600000000000000" pitchFamily="2" charset="-127"/>
+                <a:ea typeface="KoPubWorld돋움체 Medium" panose="00000600000000000000" pitchFamily="2" charset="-127"/>
+                <a:cs typeface="KoPubWorld돋움체 Medium" panose="00000600000000000000" pitchFamily="2" charset="-127"/>
+              </a:rPr>
+              <a:t>토큰이 </a:t>
+            </a:r>
+            <a:r>
+              <a:rPr lang="en-US" altLang="ko-KR" sz="1400" dirty="0">
+                <a:latin typeface="KoPubWorld돋움체 Medium" panose="00000600000000000000" pitchFamily="2" charset="-127"/>
+                <a:ea typeface="KoPubWorld돋움체 Medium" panose="00000600000000000000" pitchFamily="2" charset="-127"/>
+                <a:cs typeface="KoPubWorld돋움체 Medium" panose="00000600000000000000" pitchFamily="2" charset="-127"/>
+              </a:rPr>
+              <a:t>[MASK]</a:t>
+            </a:r>
+            <a:r>
+              <a:rPr lang="ko-KR" altLang="en-US" sz="1400" dirty="0">
+                <a:latin typeface="KoPubWorld돋움체 Medium" panose="00000600000000000000" pitchFamily="2" charset="-127"/>
+                <a:ea typeface="KoPubWorld돋움체 Medium" panose="00000600000000000000" pitchFamily="2" charset="-127"/>
+                <a:cs typeface="KoPubWorld돋움체 Medium" panose="00000600000000000000" pitchFamily="2" charset="-127"/>
+              </a:rPr>
+              <a:t>로 변경</a:t>
+            </a:r>
+            <a:endParaRPr lang="en-US" altLang="ko-KR" sz="1400" dirty="0">
+              <a:latin typeface="KoPubWorld돋움체 Medium" panose="00000600000000000000" pitchFamily="2" charset="-127"/>
+              <a:ea typeface="KoPubWorld돋움체 Medium" panose="00000600000000000000" pitchFamily="2" charset="-127"/>
+              <a:cs typeface="KoPubWorld돋움체 Medium" panose="00000600000000000000" pitchFamily="2" charset="-127"/>
+            </a:endParaRPr>
+          </a:p>
+        </p:txBody>
+      </p:sp>
+    </p:spTree>
+    <p:extLst>
+      <p:ext uri="{BB962C8B-B14F-4D97-AF65-F5344CB8AC3E}">
+        <p14:creationId xmlns:p14="http://schemas.microsoft.com/office/powerpoint/2010/main" val="3405452036"/>
+      </p:ext>
+    </p:extLst>
+  </p:cSld>
+  <p:clrMapOvr>
+    <a:masterClrMapping/>
+  </p:clrMapOvr>
+</p:sld>
+</file>
+
+<file path=ppt/slides/slide15.xml><?xml version="1.0" encoding="utf-8"?>
+<p:sld xmlns:a="http://schemas.openxmlformats.org/drawingml/2006/main" xmlns:r="http://schemas.openxmlformats.org/officeDocument/2006/relationships" xmlns:p="http://schemas.openxmlformats.org/presentationml/2006/main">
+  <p:cSld>
+    <p:spTree>
+      <p:nvGrpSpPr>
+        <p:cNvPr id="1" name=""/>
+        <p:cNvGrpSpPr/>
+        <p:nvPr/>
+      </p:nvGrpSpPr>
+      <p:grpSpPr>
+        <a:xfrm>
+          <a:off x="0" y="0"/>
+          <a:ext cx="0" cy="0"/>
+          <a:chOff x="0" y="0"/>
+          <a:chExt cx="0" cy="0"/>
+        </a:xfrm>
+      </p:grpSpPr>
+      <p:sp>
+        <p:nvSpPr>
+          <p:cNvPr id="4" name="TextBox 3"/>
+          <p:cNvSpPr txBox="1"/>
+          <p:nvPr/>
+        </p:nvSpPr>
+        <p:spPr>
+          <a:xfrm>
+            <a:off x="344475" y="391409"/>
+            <a:ext cx="7582525" cy="369332"/>
+          </a:xfrm>
+          <a:prstGeom prst="rect">
+            <a:avLst/>
+          </a:prstGeom>
+          <a:noFill/>
+        </p:spPr>
+        <p:txBody>
+          <a:bodyPr wrap="none" rtlCol="0">
+            <a:spAutoFit/>
+          </a:bodyPr>
+          <a:lstStyle/>
+          <a:p>
+            <a:r>
+              <a:rPr lang="en-US" altLang="ko-KR" dirty="0" smtClean="0">
+                <a:latin typeface="KoPubWorld돋움체 Bold" panose="00000800000000000000" pitchFamily="2" charset="-127"/>
+                <a:ea typeface="KoPubWorld돋움체 Bold" panose="00000800000000000000" pitchFamily="2" charset="-127"/>
+                <a:cs typeface="KoPubWorld돋움체 Bold" panose="00000800000000000000" pitchFamily="2" charset="-127"/>
+              </a:rPr>
+              <a:t>BERT(Bidirectional Encoder Representations from Transformers, BERT)</a:t>
+            </a:r>
+            <a:endParaRPr lang="ko-KR" altLang="en-US" dirty="0">
+              <a:latin typeface="KoPubWorld돋움체 Bold" panose="00000800000000000000" pitchFamily="2" charset="-127"/>
+              <a:ea typeface="KoPubWorld돋움체 Bold" panose="00000800000000000000" pitchFamily="2" charset="-127"/>
+              <a:cs typeface="KoPubWorld돋움체 Bold" panose="00000800000000000000" pitchFamily="2" charset="-127"/>
+            </a:endParaRPr>
+          </a:p>
+        </p:txBody>
+      </p:sp>
+      <p:sp>
+        <p:nvSpPr>
+          <p:cNvPr id="5" name="TextBox 4"/>
+          <p:cNvSpPr txBox="1"/>
+          <p:nvPr/>
+        </p:nvSpPr>
+        <p:spPr>
+          <a:xfrm>
+            <a:off x="345151" y="1026070"/>
+            <a:ext cx="7509545" cy="584775"/>
+          </a:xfrm>
+          <a:prstGeom prst="rect">
+            <a:avLst/>
+          </a:prstGeom>
+          <a:noFill/>
+        </p:spPr>
+        <p:txBody>
+          <a:bodyPr wrap="square" rtlCol="0">
+            <a:spAutoFit/>
+          </a:bodyPr>
+          <a:lstStyle/>
+          <a:p>
+            <a:r>
+              <a:rPr lang="en-US" altLang="ko-KR" sz="1600" dirty="0" smtClean="0">
+                <a:latin typeface="KoPubWorld돋움체 Medium" panose="00000600000000000000" pitchFamily="2" charset="-127"/>
+                <a:ea typeface="KoPubWorld돋움체 Medium" panose="00000600000000000000" pitchFamily="2" charset="-127"/>
+                <a:cs typeface="KoPubWorld돋움체 Medium" panose="00000600000000000000" pitchFamily="2" charset="-127"/>
+              </a:rPr>
+              <a:t>6</a:t>
+            </a:r>
+            <a:r>
+              <a:rPr lang="en-US" altLang="ko-KR" sz="1600" dirty="0">
+                <a:latin typeface="KoPubWorld돋움체 Medium" panose="00000600000000000000" pitchFamily="2" charset="-127"/>
+                <a:ea typeface="KoPubWorld돋움체 Medium" panose="00000600000000000000" pitchFamily="2" charset="-127"/>
+                <a:cs typeface="KoPubWorld돋움체 Medium" panose="00000600000000000000" pitchFamily="2" charset="-127"/>
+              </a:rPr>
+              <a:t>. BERT</a:t>
+            </a:r>
+            <a:r>
+              <a:rPr lang="ko-KR" altLang="en-US" sz="1600" dirty="0">
+                <a:latin typeface="KoPubWorld돋움체 Medium" panose="00000600000000000000" pitchFamily="2" charset="-127"/>
+                <a:ea typeface="KoPubWorld돋움체 Medium" panose="00000600000000000000" pitchFamily="2" charset="-127"/>
+                <a:cs typeface="KoPubWorld돋움체 Medium" panose="00000600000000000000" pitchFamily="2" charset="-127"/>
+              </a:rPr>
+              <a:t>의 사전 훈련</a:t>
+            </a:r>
+            <a:r>
+              <a:rPr lang="en-US" altLang="ko-KR" sz="1600" dirty="0">
+                <a:latin typeface="KoPubWorld돋움체 Medium" panose="00000600000000000000" pitchFamily="2" charset="-127"/>
+                <a:ea typeface="KoPubWorld돋움체 Medium" panose="00000600000000000000" pitchFamily="2" charset="-127"/>
+                <a:cs typeface="KoPubWorld돋움체 Medium" panose="00000600000000000000" pitchFamily="2" charset="-127"/>
+              </a:rPr>
+              <a:t>(Pre-training</a:t>
+            </a:r>
+            <a:r>
+              <a:rPr lang="en-US" altLang="ko-KR" sz="1600" dirty="0" smtClean="0">
+                <a:latin typeface="KoPubWorld돋움체 Medium" panose="00000600000000000000" pitchFamily="2" charset="-127"/>
+                <a:ea typeface="KoPubWorld돋움체 Medium" panose="00000600000000000000" pitchFamily="2" charset="-127"/>
+                <a:cs typeface="KoPubWorld돋움체 Medium" panose="00000600000000000000" pitchFamily="2" charset="-127"/>
+              </a:rPr>
+              <a:t>)</a:t>
+            </a:r>
+          </a:p>
+          <a:p>
+            <a:r>
+              <a:rPr lang="en-US" altLang="ko-KR" sz="1600" dirty="0">
+                <a:latin typeface="KoPubWorld돋움체 Medium" panose="00000600000000000000" pitchFamily="2" charset="-127"/>
+                <a:ea typeface="KoPubWorld돋움체 Medium" panose="00000600000000000000" pitchFamily="2" charset="-127"/>
+                <a:cs typeface="KoPubWorld돋움체 Medium" panose="00000600000000000000" pitchFamily="2" charset="-127"/>
+              </a:rPr>
+              <a:t>  1) </a:t>
+            </a:r>
+            <a:r>
+              <a:rPr lang="ko-KR" altLang="en-US" sz="1600" dirty="0" err="1">
+                <a:latin typeface="KoPubWorld돋움체 Medium" panose="00000600000000000000" pitchFamily="2" charset="-127"/>
+                <a:ea typeface="KoPubWorld돋움체 Medium" panose="00000600000000000000" pitchFamily="2" charset="-127"/>
+                <a:cs typeface="KoPubWorld돋움체 Medium" panose="00000600000000000000" pitchFamily="2" charset="-127"/>
+              </a:rPr>
+              <a:t>마스크드</a:t>
+            </a:r>
+            <a:r>
+              <a:rPr lang="ko-KR" altLang="en-US" sz="1600" dirty="0">
+                <a:latin typeface="KoPubWorld돋움체 Medium" panose="00000600000000000000" pitchFamily="2" charset="-127"/>
+                <a:ea typeface="KoPubWorld돋움체 Medium" panose="00000600000000000000" pitchFamily="2" charset="-127"/>
+                <a:cs typeface="KoPubWorld돋움체 Medium" panose="00000600000000000000" pitchFamily="2" charset="-127"/>
+              </a:rPr>
+              <a:t> 언어 모델</a:t>
+            </a:r>
+            <a:r>
+              <a:rPr lang="en-US" altLang="ko-KR" sz="1600" dirty="0">
+                <a:latin typeface="KoPubWorld돋움체 Medium" panose="00000600000000000000" pitchFamily="2" charset="-127"/>
+                <a:ea typeface="KoPubWorld돋움체 Medium" panose="00000600000000000000" pitchFamily="2" charset="-127"/>
+                <a:cs typeface="KoPubWorld돋움체 Medium" panose="00000600000000000000" pitchFamily="2" charset="-127"/>
+              </a:rPr>
+              <a:t>(Masked Language Model, MLM)</a:t>
+            </a:r>
+            <a:endParaRPr lang="en-US" altLang="ko-KR" sz="1400" dirty="0">
+              <a:latin typeface="KoPubWorld돋움체 Medium" panose="00000600000000000000" pitchFamily="2" charset="-127"/>
+              <a:ea typeface="KoPubWorld돋움체 Medium" panose="00000600000000000000" pitchFamily="2" charset="-127"/>
+              <a:cs typeface="KoPubWorld돋움체 Medium" panose="00000600000000000000" pitchFamily="2" charset="-127"/>
+            </a:endParaRPr>
+          </a:p>
+        </p:txBody>
+      </p:sp>
+      <p:sp>
+        <p:nvSpPr>
+          <p:cNvPr id="14" name="TextBox 13"/>
+          <p:cNvSpPr txBox="1"/>
+          <p:nvPr/>
+        </p:nvSpPr>
+        <p:spPr>
+          <a:xfrm>
+            <a:off x="570802" y="5211668"/>
+            <a:ext cx="10420286" cy="954107"/>
+          </a:xfrm>
+          <a:prstGeom prst="rect">
+            <a:avLst/>
+          </a:prstGeom>
+          <a:noFill/>
+        </p:spPr>
+        <p:txBody>
+          <a:bodyPr wrap="square" rtlCol="0">
+            <a:spAutoFit/>
+          </a:bodyPr>
+          <a:lstStyle/>
+          <a:p>
+            <a:r>
+              <a:rPr lang="en-US" altLang="ko-KR" sz="1400" dirty="0" smtClean="0">
+                <a:latin typeface="KoPubWorld돋움체 Medium" panose="00000600000000000000" pitchFamily="2" charset="-127"/>
+                <a:ea typeface="KoPubWorld돋움체 Medium" panose="00000600000000000000" pitchFamily="2" charset="-127"/>
+                <a:cs typeface="KoPubWorld돋움체 Medium" panose="00000600000000000000" pitchFamily="2" charset="-127"/>
+              </a:rPr>
+              <a:t>BERT</a:t>
+            </a:r>
+            <a:r>
+              <a:rPr lang="ko-KR" altLang="en-US" sz="1400" dirty="0" smtClean="0">
+                <a:latin typeface="KoPubWorld돋움체 Medium" panose="00000600000000000000" pitchFamily="2" charset="-127"/>
+                <a:ea typeface="KoPubWorld돋움체 Medium" panose="00000600000000000000" pitchFamily="2" charset="-127"/>
+                <a:cs typeface="KoPubWorld돋움체 Medium" panose="00000600000000000000" pitchFamily="2" charset="-127"/>
+              </a:rPr>
+              <a:t>는</a:t>
+            </a:r>
+            <a:endParaRPr lang="en-US" altLang="ko-KR" sz="1400" dirty="0" smtClean="0">
+              <a:latin typeface="KoPubWorld돋움체 Medium" panose="00000600000000000000" pitchFamily="2" charset="-127"/>
+              <a:ea typeface="KoPubWorld돋움체 Medium" panose="00000600000000000000" pitchFamily="2" charset="-127"/>
+              <a:cs typeface="KoPubWorld돋움체 Medium" panose="00000600000000000000" pitchFamily="2" charset="-127"/>
+            </a:endParaRPr>
+          </a:p>
+          <a:p>
+            <a:pPr marL="285750" indent="-285750">
+              <a:buFontTx/>
+              <a:buChar char="-"/>
+            </a:pPr>
+            <a:r>
+              <a:rPr lang="en-US" altLang="ko-KR" sz="1400" dirty="0" smtClean="0">
+                <a:latin typeface="KoPubWorld돋움체 Medium" panose="00000600000000000000" pitchFamily="2" charset="-127"/>
+                <a:ea typeface="KoPubWorld돋움체 Medium" panose="00000600000000000000" pitchFamily="2" charset="-127"/>
+                <a:cs typeface="KoPubWorld돋움체 Medium" panose="00000600000000000000" pitchFamily="2" charset="-127"/>
+              </a:rPr>
+              <a:t>[</a:t>
+            </a:r>
+            <a:r>
+              <a:rPr lang="en-US" altLang="ko-KR" sz="1400" dirty="0">
+                <a:latin typeface="KoPubWorld돋움체 Medium" panose="00000600000000000000" pitchFamily="2" charset="-127"/>
+                <a:ea typeface="KoPubWorld돋움체 Medium" panose="00000600000000000000" pitchFamily="2" charset="-127"/>
+                <a:cs typeface="KoPubWorld돋움체 Medium" panose="00000600000000000000" pitchFamily="2" charset="-127"/>
+              </a:rPr>
+              <a:t>MASK]</a:t>
+            </a:r>
+            <a:r>
+              <a:rPr lang="ko-KR" altLang="en-US" sz="1400" dirty="0">
+                <a:latin typeface="KoPubWorld돋움체 Medium" panose="00000600000000000000" pitchFamily="2" charset="-127"/>
+                <a:ea typeface="KoPubWorld돋움체 Medium" panose="00000600000000000000" pitchFamily="2" charset="-127"/>
+                <a:cs typeface="KoPubWorld돋움체 Medium" panose="00000600000000000000" pitchFamily="2" charset="-127"/>
+              </a:rPr>
+              <a:t>로 변경된 </a:t>
+            </a:r>
+            <a:r>
+              <a:rPr lang="ko-KR" altLang="en-US" sz="1400" dirty="0" smtClean="0">
+                <a:latin typeface="KoPubWorld돋움체 Medium" panose="00000600000000000000" pitchFamily="2" charset="-127"/>
+                <a:ea typeface="KoPubWorld돋움체 Medium" panose="00000600000000000000" pitchFamily="2" charset="-127"/>
+                <a:cs typeface="KoPubWorld돋움체 Medium" panose="00000600000000000000" pitchFamily="2" charset="-127"/>
+              </a:rPr>
+              <a:t>토큰에 대해 원래 단어가 무엇인지</a:t>
+            </a:r>
+            <a:endParaRPr lang="en-US" altLang="ko-KR" sz="1400" dirty="0" smtClean="0">
+              <a:latin typeface="KoPubWorld돋움체 Medium" panose="00000600000000000000" pitchFamily="2" charset="-127"/>
+              <a:ea typeface="KoPubWorld돋움체 Medium" panose="00000600000000000000" pitchFamily="2" charset="-127"/>
+              <a:cs typeface="KoPubWorld돋움체 Medium" panose="00000600000000000000" pitchFamily="2" charset="-127"/>
+            </a:endParaRPr>
+          </a:p>
+          <a:p>
+            <a:pPr marL="285750" indent="-285750">
+              <a:buFontTx/>
+              <a:buChar char="-"/>
+            </a:pPr>
+            <a:r>
+              <a:rPr lang="ko-KR" altLang="en-US" sz="1400" dirty="0">
+                <a:latin typeface="KoPubWorld돋움체 Medium" panose="00000600000000000000" pitchFamily="2" charset="-127"/>
+                <a:ea typeface="KoPubWorld돋움체 Medium" panose="00000600000000000000" pitchFamily="2" charset="-127"/>
+                <a:cs typeface="KoPubWorld돋움체 Medium" panose="00000600000000000000" pitchFamily="2" charset="-127"/>
+              </a:rPr>
+              <a:t>랜덤 단어 </a:t>
+            </a:r>
+            <a:r>
+              <a:rPr lang="en-US" altLang="ko-KR" sz="1400" dirty="0">
+                <a:latin typeface="KoPubWorld돋움체 Medium" panose="00000600000000000000" pitchFamily="2" charset="-127"/>
+                <a:ea typeface="KoPubWorld돋움체 Medium" panose="00000600000000000000" pitchFamily="2" charset="-127"/>
+                <a:cs typeface="KoPubWorld돋움체 Medium" panose="00000600000000000000" pitchFamily="2" charset="-127"/>
+              </a:rPr>
+              <a:t>'king'</a:t>
+            </a:r>
+            <a:r>
+              <a:rPr lang="ko-KR" altLang="en-US" sz="1400" dirty="0">
+                <a:latin typeface="KoPubWorld돋움체 Medium" panose="00000600000000000000" pitchFamily="2" charset="-127"/>
+                <a:ea typeface="KoPubWorld돋움체 Medium" panose="00000600000000000000" pitchFamily="2" charset="-127"/>
+                <a:cs typeface="KoPubWorld돋움체 Medium" panose="00000600000000000000" pitchFamily="2" charset="-127"/>
+              </a:rPr>
+              <a:t>으로 변경된 토큰에 대해서도 원래 단어가 </a:t>
+            </a:r>
+            <a:r>
+              <a:rPr lang="ko-KR" altLang="en-US" sz="1400" dirty="0" smtClean="0">
+                <a:latin typeface="KoPubWorld돋움체 Medium" panose="00000600000000000000" pitchFamily="2" charset="-127"/>
+                <a:ea typeface="KoPubWorld돋움체 Medium" panose="00000600000000000000" pitchFamily="2" charset="-127"/>
+                <a:cs typeface="KoPubWorld돋움체 Medium" panose="00000600000000000000" pitchFamily="2" charset="-127"/>
+              </a:rPr>
+              <a:t>무엇인지</a:t>
+            </a:r>
+            <a:endParaRPr lang="en-US" altLang="ko-KR" sz="1400" dirty="0" smtClean="0">
+              <a:latin typeface="KoPubWorld돋움체 Medium" panose="00000600000000000000" pitchFamily="2" charset="-127"/>
+              <a:ea typeface="KoPubWorld돋움체 Medium" panose="00000600000000000000" pitchFamily="2" charset="-127"/>
+              <a:cs typeface="KoPubWorld돋움체 Medium" panose="00000600000000000000" pitchFamily="2" charset="-127"/>
+            </a:endParaRPr>
+          </a:p>
+          <a:p>
+            <a:pPr marL="285750" indent="-285750">
+              <a:buFontTx/>
+              <a:buChar char="-"/>
+            </a:pPr>
+            <a:r>
+              <a:rPr lang="en-US" altLang="ko-KR" sz="1400" dirty="0">
+                <a:latin typeface="KoPubWorld돋움체 Medium" panose="00000600000000000000" pitchFamily="2" charset="-127"/>
+                <a:ea typeface="KoPubWorld돋움체 Medium" panose="00000600000000000000" pitchFamily="2" charset="-127"/>
+                <a:cs typeface="KoPubWorld돋움체 Medium" panose="00000600000000000000" pitchFamily="2" charset="-127"/>
+              </a:rPr>
+              <a:t>'play'</a:t>
+            </a:r>
+            <a:r>
+              <a:rPr lang="ko-KR" altLang="en-US" sz="1400" dirty="0">
+                <a:latin typeface="KoPubWorld돋움체 Medium" panose="00000600000000000000" pitchFamily="2" charset="-127"/>
+                <a:ea typeface="KoPubWorld돋움체 Medium" panose="00000600000000000000" pitchFamily="2" charset="-127"/>
+                <a:cs typeface="KoPubWorld돋움체 Medium" panose="00000600000000000000" pitchFamily="2" charset="-127"/>
+              </a:rPr>
+              <a:t>는 변경되지 않았지만 </a:t>
+            </a:r>
+            <a:r>
+              <a:rPr lang="en-US" altLang="ko-KR" sz="1400" dirty="0">
+                <a:latin typeface="KoPubWorld돋움체 Medium" panose="00000600000000000000" pitchFamily="2" charset="-127"/>
+                <a:ea typeface="KoPubWorld돋움체 Medium" panose="00000600000000000000" pitchFamily="2" charset="-127"/>
+                <a:cs typeface="KoPubWorld돋움체 Medium" panose="00000600000000000000" pitchFamily="2" charset="-127"/>
+              </a:rPr>
+              <a:t>BERT </a:t>
+            </a:r>
+            <a:r>
+              <a:rPr lang="ko-KR" altLang="en-US" sz="1400" dirty="0">
+                <a:latin typeface="KoPubWorld돋움체 Medium" panose="00000600000000000000" pitchFamily="2" charset="-127"/>
+                <a:ea typeface="KoPubWorld돋움체 Medium" panose="00000600000000000000" pitchFamily="2" charset="-127"/>
+                <a:cs typeface="KoPubWorld돋움체 Medium" panose="00000600000000000000" pitchFamily="2" charset="-127"/>
+              </a:rPr>
+              <a:t>입장에서는 이것이 변경된 단어인지 아닌지 모르므로 마찬가지로 원래 단어를 예측</a:t>
+            </a:r>
+            <a:endParaRPr lang="en-US" altLang="ko-KR" sz="1400" dirty="0">
+              <a:latin typeface="KoPubWorld돋움체 Medium" panose="00000600000000000000" pitchFamily="2" charset="-127"/>
+              <a:ea typeface="KoPubWorld돋움체 Medium" panose="00000600000000000000" pitchFamily="2" charset="-127"/>
+              <a:cs typeface="KoPubWorld돋움체 Medium" panose="00000600000000000000" pitchFamily="2" charset="-127"/>
+            </a:endParaRPr>
+          </a:p>
+        </p:txBody>
+      </p:sp>
+      <p:sp>
+        <p:nvSpPr>
+          <p:cNvPr id="7" name="TextBox 6"/>
+          <p:cNvSpPr txBox="1"/>
+          <p:nvPr/>
+        </p:nvSpPr>
+        <p:spPr>
+          <a:xfrm>
+            <a:off x="758255" y="4070997"/>
+            <a:ext cx="3905186" cy="307777"/>
+          </a:xfrm>
+          <a:prstGeom prst="rect">
+            <a:avLst/>
+          </a:prstGeom>
+          <a:noFill/>
+        </p:spPr>
+        <p:txBody>
+          <a:bodyPr wrap="square" rtlCol="0">
+            <a:spAutoFit/>
+          </a:bodyPr>
+          <a:lstStyle/>
+          <a:p>
+            <a:r>
+              <a:rPr lang="ko-KR" altLang="en-US" sz="1400" dirty="0" smtClean="0">
+                <a:latin typeface="KoPubWorld돋움체 Medium" panose="00000600000000000000" pitchFamily="2" charset="-127"/>
+                <a:ea typeface="KoPubWorld돋움체 Medium" panose="00000600000000000000" pitchFamily="2" charset="-127"/>
+                <a:cs typeface="KoPubWorld돋움체 Medium" panose="00000600000000000000" pitchFamily="2" charset="-127"/>
+              </a:rPr>
+              <a:t>문장 </a:t>
+            </a:r>
+            <a:r>
+              <a:rPr lang="en-US" altLang="ko-KR" sz="1400" dirty="0">
+                <a:latin typeface="KoPubWorld돋움체 Medium" panose="00000600000000000000" pitchFamily="2" charset="-127"/>
+                <a:ea typeface="KoPubWorld돋움체 Medium" panose="00000600000000000000" pitchFamily="2" charset="-127"/>
+                <a:cs typeface="KoPubWorld돋움체 Medium" panose="00000600000000000000" pitchFamily="2" charset="-127"/>
+              </a:rPr>
+              <a:t>: 'My dog is cute. he likes playing'</a:t>
+            </a:r>
+            <a:endParaRPr lang="en-US" altLang="ko-KR" sz="1400" dirty="0">
+              <a:latin typeface="KoPubWorld돋움체 Medium" panose="00000600000000000000" pitchFamily="2" charset="-127"/>
+              <a:ea typeface="KoPubWorld돋움체 Medium" panose="00000600000000000000" pitchFamily="2" charset="-127"/>
+              <a:cs typeface="KoPubWorld돋움체 Medium" panose="00000600000000000000" pitchFamily="2" charset="-127"/>
+            </a:endParaRPr>
+          </a:p>
+        </p:txBody>
+      </p:sp>
+      <p:sp>
+        <p:nvSpPr>
+          <p:cNvPr id="8" name="TextBox 7"/>
+          <p:cNvSpPr txBox="1"/>
+          <p:nvPr/>
+        </p:nvSpPr>
+        <p:spPr>
+          <a:xfrm>
+            <a:off x="1269092" y="4309633"/>
+            <a:ext cx="5698635" cy="954107"/>
+          </a:xfrm>
+          <a:prstGeom prst="rect">
+            <a:avLst/>
+          </a:prstGeom>
+          <a:noFill/>
+        </p:spPr>
+        <p:txBody>
+          <a:bodyPr wrap="square" rtlCol="0">
+            <a:spAutoFit/>
+          </a:bodyPr>
+          <a:lstStyle/>
+          <a:p>
+            <a:pPr marL="285750" indent="-285750">
+              <a:buFont typeface="Arial" panose="020B0604020202020204" pitchFamily="34" charset="0"/>
+              <a:buChar char="•"/>
+            </a:pPr>
+            <a:r>
+              <a:rPr lang="en-US" altLang="ko-KR" sz="1400" dirty="0" smtClean="0">
+                <a:latin typeface="KoPubWorld돋움체 Medium" panose="00000600000000000000" pitchFamily="2" charset="-127"/>
+                <a:ea typeface="KoPubWorld돋움체 Medium" panose="00000600000000000000" pitchFamily="2" charset="-127"/>
+                <a:cs typeface="KoPubWorld돋움체 Medium" panose="00000600000000000000" pitchFamily="2" charset="-127"/>
+              </a:rPr>
+              <a:t>'dog</a:t>
+            </a:r>
+            <a:r>
+              <a:rPr lang="en-US" altLang="ko-KR" sz="1400" dirty="0">
+                <a:latin typeface="KoPubWorld돋움체 Medium" panose="00000600000000000000" pitchFamily="2" charset="-127"/>
+                <a:ea typeface="KoPubWorld돋움체 Medium" panose="00000600000000000000" pitchFamily="2" charset="-127"/>
+                <a:cs typeface="KoPubWorld돋움체 Medium" panose="00000600000000000000" pitchFamily="2" charset="-127"/>
+              </a:rPr>
+              <a:t>' </a:t>
+            </a:r>
+            <a:r>
+              <a:rPr lang="ko-KR" altLang="en-US" sz="1400" dirty="0">
+                <a:latin typeface="KoPubWorld돋움체 Medium" panose="00000600000000000000" pitchFamily="2" charset="-127"/>
+                <a:ea typeface="KoPubWorld돋움체 Medium" panose="00000600000000000000" pitchFamily="2" charset="-127"/>
+                <a:cs typeface="KoPubWorld돋움체 Medium" panose="00000600000000000000" pitchFamily="2" charset="-127"/>
+              </a:rPr>
+              <a:t>토큰이 </a:t>
+            </a:r>
+            <a:r>
+              <a:rPr lang="en-US" altLang="ko-KR" sz="1400" dirty="0">
+                <a:latin typeface="KoPubWorld돋움체 Medium" panose="00000600000000000000" pitchFamily="2" charset="-127"/>
+                <a:ea typeface="KoPubWorld돋움체 Medium" panose="00000600000000000000" pitchFamily="2" charset="-127"/>
+                <a:cs typeface="KoPubWorld돋움체 Medium" panose="00000600000000000000" pitchFamily="2" charset="-127"/>
+              </a:rPr>
+              <a:t>[MASK]</a:t>
+            </a:r>
+            <a:r>
+              <a:rPr lang="ko-KR" altLang="en-US" sz="1400" dirty="0">
+                <a:latin typeface="KoPubWorld돋움체 Medium" panose="00000600000000000000" pitchFamily="2" charset="-127"/>
+                <a:ea typeface="KoPubWorld돋움체 Medium" panose="00000600000000000000" pitchFamily="2" charset="-127"/>
+                <a:cs typeface="KoPubWorld돋움체 Medium" panose="00000600000000000000" pitchFamily="2" charset="-127"/>
+              </a:rPr>
+              <a:t>로 </a:t>
+            </a:r>
+            <a:r>
+              <a:rPr lang="ko-KR" altLang="en-US" sz="1400" dirty="0" smtClean="0">
+                <a:latin typeface="KoPubWorld돋움체 Medium" panose="00000600000000000000" pitchFamily="2" charset="-127"/>
+                <a:ea typeface="KoPubWorld돋움체 Medium" panose="00000600000000000000" pitchFamily="2" charset="-127"/>
+                <a:cs typeface="KoPubWorld돋움체 Medium" panose="00000600000000000000" pitchFamily="2" charset="-127"/>
+              </a:rPr>
+              <a:t>변경</a:t>
+            </a:r>
+            <a:endParaRPr lang="en-US" altLang="ko-KR" sz="1400" dirty="0">
+              <a:latin typeface="KoPubWorld돋움체 Medium" panose="00000600000000000000" pitchFamily="2" charset="-127"/>
+              <a:ea typeface="KoPubWorld돋움체 Medium" panose="00000600000000000000" pitchFamily="2" charset="-127"/>
+              <a:cs typeface="KoPubWorld돋움체 Medium" panose="00000600000000000000" pitchFamily="2" charset="-127"/>
+            </a:endParaRPr>
+          </a:p>
+          <a:p>
+            <a:pPr marL="285750" indent="-285750">
+              <a:buFont typeface="Arial" panose="020B0604020202020204" pitchFamily="34" charset="0"/>
+              <a:buChar char="•"/>
+            </a:pPr>
+            <a:r>
+              <a:rPr lang="en-US" altLang="ko-KR" sz="1400" dirty="0" smtClean="0"/>
+              <a:t>'he</a:t>
+            </a:r>
+            <a:r>
+              <a:rPr lang="en-US" altLang="ko-KR" sz="1400" dirty="0"/>
+              <a:t>'</a:t>
+            </a:r>
+            <a:r>
+              <a:rPr lang="ko-KR" altLang="en-US" sz="1400" dirty="0"/>
+              <a:t>는 랜덤 단어 </a:t>
+            </a:r>
+            <a:r>
+              <a:rPr lang="en-US" altLang="ko-KR" sz="1400" dirty="0"/>
+              <a:t>'king'</a:t>
+            </a:r>
+            <a:r>
+              <a:rPr lang="ko-KR" altLang="en-US" sz="1400" dirty="0"/>
+              <a:t>으로 </a:t>
+            </a:r>
+            <a:r>
+              <a:rPr lang="ko-KR" altLang="en-US" sz="1400" dirty="0" smtClean="0"/>
+              <a:t>변경</a:t>
+            </a:r>
+            <a:endParaRPr lang="en-US" altLang="ko-KR" sz="1400" dirty="0" smtClean="0"/>
+          </a:p>
+          <a:p>
+            <a:pPr marL="285750" indent="-285750">
+              <a:buFont typeface="Arial" panose="020B0604020202020204" pitchFamily="34" charset="0"/>
+              <a:buChar char="•"/>
+            </a:pPr>
+            <a:r>
+              <a:rPr lang="en-US" altLang="ko-KR" sz="1400" dirty="0" smtClean="0"/>
+              <a:t>'play</a:t>
+            </a:r>
+            <a:r>
+              <a:rPr lang="en-US" altLang="ko-KR" sz="1400" dirty="0"/>
+              <a:t>'</a:t>
+            </a:r>
+            <a:r>
+              <a:rPr lang="ko-KR" altLang="en-US" sz="1400" dirty="0"/>
+              <a:t>는 변경되진 않았지만 예측에 </a:t>
+            </a:r>
+            <a:r>
+              <a:rPr lang="ko-KR" altLang="en-US" sz="1400" dirty="0" smtClean="0"/>
+              <a:t>사용됨</a:t>
+            </a:r>
+            <a:r>
+              <a:rPr lang="en-US" altLang="ko-KR" sz="1400" dirty="0" smtClean="0"/>
+              <a:t>.</a:t>
+            </a:r>
+            <a:endParaRPr lang="en-US" altLang="ko-KR" sz="1400" dirty="0"/>
+          </a:p>
+          <a:p>
+            <a:pPr marL="285750" indent="-285750">
+              <a:buFont typeface="Arial" panose="020B0604020202020204" pitchFamily="34" charset="0"/>
+              <a:buChar char="•"/>
+            </a:pPr>
+            <a:endParaRPr lang="en-US" altLang="ko-KR" sz="1400" dirty="0">
+              <a:latin typeface="KoPubWorld돋움체 Medium" panose="00000600000000000000" pitchFamily="2" charset="-127"/>
+              <a:ea typeface="KoPubWorld돋움체 Medium" panose="00000600000000000000" pitchFamily="2" charset="-127"/>
+              <a:cs typeface="KoPubWorld돋움체 Medium" panose="00000600000000000000" pitchFamily="2" charset="-127"/>
+            </a:endParaRPr>
+          </a:p>
+        </p:txBody>
+      </p:sp>
+      <p:pic>
+        <p:nvPicPr>
+          <p:cNvPr id="3" name="그림 2"/>
+          <p:cNvPicPr>
+            <a:picLocks noChangeAspect="1"/>
+          </p:cNvPicPr>
+          <p:nvPr/>
+        </p:nvPicPr>
+        <p:blipFill>
+          <a:blip r:embed="rId2"/>
+          <a:stretch>
+            <a:fillRect/>
+          </a:stretch>
+        </p:blipFill>
+        <p:spPr>
+          <a:xfrm>
+            <a:off x="832062" y="1777668"/>
+            <a:ext cx="4468673" cy="2293329"/>
+          </a:xfrm>
+          <a:prstGeom prst="rect">
+            <a:avLst/>
+          </a:prstGeom>
+        </p:spPr>
+      </p:pic>
+    </p:spTree>
+    <p:extLst>
+      <p:ext uri="{BB962C8B-B14F-4D97-AF65-F5344CB8AC3E}">
+        <p14:creationId xmlns:p14="http://schemas.microsoft.com/office/powerpoint/2010/main" val="3654168216"/>
+      </p:ext>
+    </p:extLst>
+  </p:cSld>
+  <p:clrMapOvr>
+    <a:masterClrMapping/>
+  </p:clrMapOvr>
+</p:sld>
+</file>
+
+<file path=ppt/slides/slide16.xml><?xml version="1.0" encoding="utf-8"?>
+<p:sld xmlns:a="http://schemas.openxmlformats.org/drawingml/2006/main" xmlns:r="http://schemas.openxmlformats.org/officeDocument/2006/relationships" xmlns:p="http://schemas.openxmlformats.org/presentationml/2006/main">
+  <p:cSld>
+    <p:spTree>
+      <p:nvGrpSpPr>
+        <p:cNvPr id="1" name=""/>
+        <p:cNvGrpSpPr/>
+        <p:nvPr/>
+      </p:nvGrpSpPr>
+      <p:grpSpPr>
+        <a:xfrm>
+          <a:off x="0" y="0"/>
+          <a:ext cx="0" cy="0"/>
+          <a:chOff x="0" y="0"/>
+          <a:chExt cx="0" cy="0"/>
+        </a:xfrm>
+      </p:grpSpPr>
+      <p:sp>
+        <p:nvSpPr>
+          <p:cNvPr id="4" name="TextBox 3"/>
+          <p:cNvSpPr txBox="1"/>
+          <p:nvPr/>
+        </p:nvSpPr>
+        <p:spPr>
+          <a:xfrm>
+            <a:off x="344475" y="391409"/>
+            <a:ext cx="7582525" cy="369332"/>
+          </a:xfrm>
+          <a:prstGeom prst="rect">
+            <a:avLst/>
+          </a:prstGeom>
+          <a:noFill/>
+        </p:spPr>
+        <p:txBody>
+          <a:bodyPr wrap="none" rtlCol="0">
+            <a:spAutoFit/>
+          </a:bodyPr>
+          <a:lstStyle/>
+          <a:p>
+            <a:r>
+              <a:rPr lang="en-US" altLang="ko-KR" dirty="0" smtClean="0">
+                <a:latin typeface="KoPubWorld돋움체 Bold" panose="00000800000000000000" pitchFamily="2" charset="-127"/>
+                <a:ea typeface="KoPubWorld돋움체 Bold" panose="00000800000000000000" pitchFamily="2" charset="-127"/>
+                <a:cs typeface="KoPubWorld돋움체 Bold" panose="00000800000000000000" pitchFamily="2" charset="-127"/>
+              </a:rPr>
+              <a:t>BERT(Bidirectional Encoder Representations from Transformers, BERT)</a:t>
+            </a:r>
+            <a:endParaRPr lang="ko-KR" altLang="en-US" dirty="0">
+              <a:latin typeface="KoPubWorld돋움체 Bold" panose="00000800000000000000" pitchFamily="2" charset="-127"/>
+              <a:ea typeface="KoPubWorld돋움체 Bold" panose="00000800000000000000" pitchFamily="2" charset="-127"/>
+              <a:cs typeface="KoPubWorld돋움체 Bold" panose="00000800000000000000" pitchFamily="2" charset="-127"/>
+            </a:endParaRPr>
+          </a:p>
+        </p:txBody>
+      </p:sp>
+      <p:sp>
+        <p:nvSpPr>
+          <p:cNvPr id="5" name="TextBox 4"/>
+          <p:cNvSpPr txBox="1"/>
+          <p:nvPr/>
+        </p:nvSpPr>
+        <p:spPr>
+          <a:xfrm>
+            <a:off x="345151" y="1026070"/>
+            <a:ext cx="7509545" cy="584775"/>
+          </a:xfrm>
+          <a:prstGeom prst="rect">
+            <a:avLst/>
+          </a:prstGeom>
+          <a:noFill/>
+        </p:spPr>
+        <p:txBody>
+          <a:bodyPr wrap="square" rtlCol="0">
+            <a:spAutoFit/>
+          </a:bodyPr>
+          <a:lstStyle/>
+          <a:p>
+            <a:r>
+              <a:rPr lang="en-US" altLang="ko-KR" sz="1600" dirty="0" smtClean="0">
+                <a:latin typeface="KoPubWorld돋움체 Medium" panose="00000600000000000000" pitchFamily="2" charset="-127"/>
+                <a:ea typeface="KoPubWorld돋움체 Medium" panose="00000600000000000000" pitchFamily="2" charset="-127"/>
+                <a:cs typeface="KoPubWorld돋움체 Medium" panose="00000600000000000000" pitchFamily="2" charset="-127"/>
+              </a:rPr>
+              <a:t>6</a:t>
+            </a:r>
+            <a:r>
+              <a:rPr lang="en-US" altLang="ko-KR" sz="1600" dirty="0">
+                <a:latin typeface="KoPubWorld돋움체 Medium" panose="00000600000000000000" pitchFamily="2" charset="-127"/>
+                <a:ea typeface="KoPubWorld돋움체 Medium" panose="00000600000000000000" pitchFamily="2" charset="-127"/>
+                <a:cs typeface="KoPubWorld돋움체 Medium" panose="00000600000000000000" pitchFamily="2" charset="-127"/>
+              </a:rPr>
+              <a:t>. BERT</a:t>
+            </a:r>
+            <a:r>
+              <a:rPr lang="ko-KR" altLang="en-US" sz="1600" dirty="0">
+                <a:latin typeface="KoPubWorld돋움체 Medium" panose="00000600000000000000" pitchFamily="2" charset="-127"/>
+                <a:ea typeface="KoPubWorld돋움체 Medium" panose="00000600000000000000" pitchFamily="2" charset="-127"/>
+                <a:cs typeface="KoPubWorld돋움체 Medium" panose="00000600000000000000" pitchFamily="2" charset="-127"/>
+              </a:rPr>
+              <a:t>의 사전 훈련</a:t>
+            </a:r>
+            <a:r>
+              <a:rPr lang="en-US" altLang="ko-KR" sz="1600" dirty="0">
+                <a:latin typeface="KoPubWorld돋움체 Medium" panose="00000600000000000000" pitchFamily="2" charset="-127"/>
+                <a:ea typeface="KoPubWorld돋움체 Medium" panose="00000600000000000000" pitchFamily="2" charset="-127"/>
+                <a:cs typeface="KoPubWorld돋움체 Medium" panose="00000600000000000000" pitchFamily="2" charset="-127"/>
+              </a:rPr>
+              <a:t>(Pre-training</a:t>
+            </a:r>
+            <a:r>
+              <a:rPr lang="en-US" altLang="ko-KR" sz="1600" dirty="0" smtClean="0">
+                <a:latin typeface="KoPubWorld돋움체 Medium" panose="00000600000000000000" pitchFamily="2" charset="-127"/>
+                <a:ea typeface="KoPubWorld돋움체 Medium" panose="00000600000000000000" pitchFamily="2" charset="-127"/>
+                <a:cs typeface="KoPubWorld돋움체 Medium" panose="00000600000000000000" pitchFamily="2" charset="-127"/>
+              </a:rPr>
+              <a:t>)</a:t>
+            </a:r>
+          </a:p>
+          <a:p>
+            <a:r>
+              <a:rPr lang="en-US" altLang="ko-KR" sz="1600" dirty="0">
+                <a:latin typeface="KoPubWorld돋움체 Medium" panose="00000600000000000000" pitchFamily="2" charset="-127"/>
+                <a:ea typeface="KoPubWorld돋움체 Medium" panose="00000600000000000000" pitchFamily="2" charset="-127"/>
+                <a:cs typeface="KoPubWorld돋움체 Medium" panose="00000600000000000000" pitchFamily="2" charset="-127"/>
+              </a:rPr>
+              <a:t>  2) </a:t>
+            </a:r>
+            <a:r>
+              <a:rPr lang="ko-KR" altLang="en-US" sz="1600" dirty="0">
+                <a:latin typeface="KoPubWorld돋움체 Medium" panose="00000600000000000000" pitchFamily="2" charset="-127"/>
+                <a:ea typeface="KoPubWorld돋움체 Medium" panose="00000600000000000000" pitchFamily="2" charset="-127"/>
+                <a:cs typeface="KoPubWorld돋움체 Medium" panose="00000600000000000000" pitchFamily="2" charset="-127"/>
+              </a:rPr>
+              <a:t>다음 문장 예측</a:t>
+            </a:r>
+            <a:r>
+              <a:rPr lang="en-US" altLang="ko-KR" sz="1600" dirty="0">
+                <a:latin typeface="KoPubWorld돋움체 Medium" panose="00000600000000000000" pitchFamily="2" charset="-127"/>
+                <a:ea typeface="KoPubWorld돋움체 Medium" panose="00000600000000000000" pitchFamily="2" charset="-127"/>
+                <a:cs typeface="KoPubWorld돋움체 Medium" panose="00000600000000000000" pitchFamily="2" charset="-127"/>
+              </a:rPr>
+              <a:t>(Next Sentence Prediction, NSP)</a:t>
+            </a:r>
+            <a:endParaRPr lang="en-US" altLang="ko-KR" sz="1400" dirty="0">
+              <a:latin typeface="KoPubWorld돋움체 Medium" panose="00000600000000000000" pitchFamily="2" charset="-127"/>
+              <a:ea typeface="KoPubWorld돋움체 Medium" panose="00000600000000000000" pitchFamily="2" charset="-127"/>
+              <a:cs typeface="KoPubWorld돋움체 Medium" panose="00000600000000000000" pitchFamily="2" charset="-127"/>
+            </a:endParaRPr>
+          </a:p>
+        </p:txBody>
+      </p:sp>
+      <p:sp>
+        <p:nvSpPr>
+          <p:cNvPr id="14" name="TextBox 13"/>
+          <p:cNvSpPr txBox="1"/>
+          <p:nvPr/>
+        </p:nvSpPr>
+        <p:spPr>
+          <a:xfrm>
+            <a:off x="520510" y="1668368"/>
+            <a:ext cx="10420286" cy="523220"/>
+          </a:xfrm>
+          <a:prstGeom prst="rect">
+            <a:avLst/>
+          </a:prstGeom>
+          <a:noFill/>
+        </p:spPr>
+        <p:txBody>
+          <a:bodyPr wrap="square" rtlCol="0">
+            <a:spAutoFit/>
+          </a:bodyPr>
+          <a:lstStyle/>
+          <a:p>
+            <a:pPr marL="285750" indent="-285750">
+              <a:buFontTx/>
+              <a:buChar char="-"/>
+            </a:pPr>
+            <a:r>
+              <a:rPr lang="ko-KR" altLang="en-US" sz="1400" dirty="0" smtClean="0">
+                <a:latin typeface="KoPubWorld돋움체 Medium" panose="00000600000000000000" pitchFamily="2" charset="-127"/>
+                <a:ea typeface="KoPubWorld돋움체 Medium" panose="00000600000000000000" pitchFamily="2" charset="-127"/>
+                <a:cs typeface="KoPubWorld돋움체 Medium" panose="00000600000000000000" pitchFamily="2" charset="-127"/>
+              </a:rPr>
+              <a:t>두 </a:t>
+            </a:r>
+            <a:r>
+              <a:rPr lang="ko-KR" altLang="en-US" sz="1400" dirty="0">
+                <a:latin typeface="KoPubWorld돋움체 Medium" panose="00000600000000000000" pitchFamily="2" charset="-127"/>
+                <a:ea typeface="KoPubWorld돋움체 Medium" panose="00000600000000000000" pitchFamily="2" charset="-127"/>
+                <a:cs typeface="KoPubWorld돋움체 Medium" panose="00000600000000000000" pitchFamily="2" charset="-127"/>
+              </a:rPr>
+              <a:t>개의 문장을 준 후에 이 문장이 이어지는 문장인지 아닌지를 맞추는 방식으로 </a:t>
+            </a:r>
+            <a:r>
+              <a:rPr lang="ko-KR" altLang="en-US" sz="1400" dirty="0" smtClean="0">
+                <a:latin typeface="KoPubWorld돋움체 Medium" panose="00000600000000000000" pitchFamily="2" charset="-127"/>
+                <a:ea typeface="KoPubWorld돋움체 Medium" panose="00000600000000000000" pitchFamily="2" charset="-127"/>
+                <a:cs typeface="KoPubWorld돋움체 Medium" panose="00000600000000000000" pitchFamily="2" charset="-127"/>
+              </a:rPr>
+              <a:t>훈련시킴</a:t>
+            </a:r>
+            <a:r>
+              <a:rPr lang="en-US" altLang="ko-KR" sz="1400" dirty="0" smtClean="0">
+                <a:latin typeface="KoPubWorld돋움체 Medium" panose="00000600000000000000" pitchFamily="2" charset="-127"/>
+                <a:ea typeface="KoPubWorld돋움체 Medium" panose="00000600000000000000" pitchFamily="2" charset="-127"/>
+                <a:cs typeface="KoPubWorld돋움체 Medium" panose="00000600000000000000" pitchFamily="2" charset="-127"/>
+              </a:rPr>
+              <a:t>.</a:t>
+            </a:r>
+          </a:p>
+          <a:p>
+            <a:pPr marL="285750" indent="-285750">
+              <a:buFontTx/>
+              <a:buChar char="-"/>
+            </a:pPr>
+            <a:r>
+              <a:rPr lang="en-US" altLang="ko-KR" sz="1400" dirty="0">
+                <a:latin typeface="KoPubWorld돋움체 Medium" panose="00000600000000000000" pitchFamily="2" charset="-127"/>
+                <a:ea typeface="KoPubWorld돋움체 Medium" panose="00000600000000000000" pitchFamily="2" charset="-127"/>
+                <a:cs typeface="KoPubWorld돋움체 Medium" panose="00000600000000000000" pitchFamily="2" charset="-127"/>
+              </a:rPr>
+              <a:t>50:50 </a:t>
+            </a:r>
+            <a:r>
+              <a:rPr lang="ko-KR" altLang="en-US" sz="1400" dirty="0">
+                <a:latin typeface="KoPubWorld돋움체 Medium" panose="00000600000000000000" pitchFamily="2" charset="-127"/>
+                <a:ea typeface="KoPubWorld돋움체 Medium" panose="00000600000000000000" pitchFamily="2" charset="-127"/>
+                <a:cs typeface="KoPubWorld돋움체 Medium" panose="00000600000000000000" pitchFamily="2" charset="-127"/>
+              </a:rPr>
+              <a:t>비율로 실제 이어지는 두 개의 문장과 랜덤으로 </a:t>
+            </a:r>
+            <a:r>
+              <a:rPr lang="ko-KR" altLang="en-US" sz="1400" dirty="0" err="1">
+                <a:latin typeface="KoPubWorld돋움체 Medium" panose="00000600000000000000" pitchFamily="2" charset="-127"/>
+                <a:ea typeface="KoPubWorld돋움체 Medium" panose="00000600000000000000" pitchFamily="2" charset="-127"/>
+                <a:cs typeface="KoPubWorld돋움체 Medium" panose="00000600000000000000" pitchFamily="2" charset="-127"/>
+              </a:rPr>
+              <a:t>이어붙인</a:t>
+            </a:r>
+            <a:r>
+              <a:rPr lang="ko-KR" altLang="en-US" sz="1400" dirty="0">
+                <a:latin typeface="KoPubWorld돋움체 Medium" panose="00000600000000000000" pitchFamily="2" charset="-127"/>
+                <a:ea typeface="KoPubWorld돋움체 Medium" panose="00000600000000000000" pitchFamily="2" charset="-127"/>
+                <a:cs typeface="KoPubWorld돋움체 Medium" panose="00000600000000000000" pitchFamily="2" charset="-127"/>
+              </a:rPr>
+              <a:t> 두 개의 문장을 주고 훈련</a:t>
+            </a:r>
+            <a:endParaRPr lang="en-US" altLang="ko-KR" sz="1400" dirty="0">
+              <a:latin typeface="KoPubWorld돋움체 Medium" panose="00000600000000000000" pitchFamily="2" charset="-127"/>
+              <a:ea typeface="KoPubWorld돋움체 Medium" panose="00000600000000000000" pitchFamily="2" charset="-127"/>
+              <a:cs typeface="KoPubWorld돋움체 Medium" panose="00000600000000000000" pitchFamily="2" charset="-127"/>
+            </a:endParaRPr>
+          </a:p>
+        </p:txBody>
+      </p:sp>
+      <p:sp>
+        <p:nvSpPr>
+          <p:cNvPr id="8" name="TextBox 7"/>
+          <p:cNvSpPr txBox="1"/>
+          <p:nvPr/>
+        </p:nvSpPr>
+        <p:spPr>
+          <a:xfrm>
+            <a:off x="880472" y="2765360"/>
+            <a:ext cx="5698635" cy="2031325"/>
+          </a:xfrm>
+          <a:prstGeom prst="rect">
+            <a:avLst/>
+          </a:prstGeom>
+          <a:noFill/>
+        </p:spPr>
+        <p:txBody>
+          <a:bodyPr wrap="square" rtlCol="0">
+            <a:spAutoFit/>
+          </a:bodyPr>
+          <a:lstStyle/>
+          <a:p>
+            <a:pPr marL="285750" indent="-285750">
+              <a:buFont typeface="Arial" panose="020B0604020202020204" pitchFamily="34" charset="0"/>
+              <a:buChar char="•"/>
+            </a:pPr>
+            <a:r>
+              <a:rPr lang="ko-KR" altLang="en-US" sz="1400" dirty="0">
+                <a:latin typeface="KoPubWorld돋움체 Medium" panose="00000600000000000000" pitchFamily="2" charset="-127"/>
+                <a:ea typeface="KoPubWorld돋움체 Medium" panose="00000600000000000000" pitchFamily="2" charset="-127"/>
+                <a:cs typeface="KoPubWorld돋움체 Medium" panose="00000600000000000000" pitchFamily="2" charset="-127"/>
+              </a:rPr>
+              <a:t>이어지는 문장의 </a:t>
+            </a:r>
+            <a:r>
+              <a:rPr lang="ko-KR" altLang="en-US" sz="1400" dirty="0" smtClean="0">
+                <a:latin typeface="KoPubWorld돋움체 Medium" panose="00000600000000000000" pitchFamily="2" charset="-127"/>
+                <a:ea typeface="KoPubWorld돋움체 Medium" panose="00000600000000000000" pitchFamily="2" charset="-127"/>
+                <a:cs typeface="KoPubWorld돋움체 Medium" panose="00000600000000000000" pitchFamily="2" charset="-127"/>
+              </a:rPr>
+              <a:t>경우</a:t>
+            </a:r>
+            <a:r>
+              <a:rPr lang="en-US" altLang="ko-KR" sz="1400" dirty="0" smtClean="0">
+                <a:latin typeface="KoPubWorld돋움체 Medium" panose="00000600000000000000" pitchFamily="2" charset="-127"/>
+                <a:ea typeface="KoPubWorld돋움체 Medium" panose="00000600000000000000" pitchFamily="2" charset="-127"/>
+                <a:cs typeface="KoPubWorld돋움체 Medium" panose="00000600000000000000" pitchFamily="2" charset="-127"/>
+              </a:rPr>
+              <a:t/>
+            </a:r>
+            <a:br>
+              <a:rPr lang="en-US" altLang="ko-KR" sz="1400" dirty="0" smtClean="0">
+                <a:latin typeface="KoPubWorld돋움체 Medium" panose="00000600000000000000" pitchFamily="2" charset="-127"/>
+                <a:ea typeface="KoPubWorld돋움체 Medium" panose="00000600000000000000" pitchFamily="2" charset="-127"/>
+                <a:cs typeface="KoPubWorld돋움체 Medium" panose="00000600000000000000" pitchFamily="2" charset="-127"/>
+              </a:rPr>
+            </a:br>
+            <a:r>
+              <a:rPr lang="en-US" altLang="ko-KR" sz="1400" dirty="0" smtClean="0">
+                <a:latin typeface="KoPubWorld돋움체 Medium" panose="00000600000000000000" pitchFamily="2" charset="-127"/>
+                <a:ea typeface="KoPubWorld돋움체 Medium" panose="00000600000000000000" pitchFamily="2" charset="-127"/>
+                <a:cs typeface="KoPubWorld돋움체 Medium" panose="00000600000000000000" pitchFamily="2" charset="-127"/>
+              </a:rPr>
+              <a:t>Sentence </a:t>
+            </a:r>
+            <a:r>
+              <a:rPr lang="en-US" altLang="ko-KR" sz="1400" dirty="0">
+                <a:latin typeface="KoPubWorld돋움체 Medium" panose="00000600000000000000" pitchFamily="2" charset="-127"/>
+                <a:ea typeface="KoPubWorld돋움체 Medium" panose="00000600000000000000" pitchFamily="2" charset="-127"/>
+                <a:cs typeface="KoPubWorld돋움체 Medium" panose="00000600000000000000" pitchFamily="2" charset="-127"/>
+              </a:rPr>
+              <a:t>A : The man went to the </a:t>
+            </a:r>
+            <a:r>
+              <a:rPr lang="en-US" altLang="ko-KR" sz="1400" dirty="0" smtClean="0">
+                <a:latin typeface="KoPubWorld돋움체 Medium" panose="00000600000000000000" pitchFamily="2" charset="-127"/>
+                <a:ea typeface="KoPubWorld돋움체 Medium" panose="00000600000000000000" pitchFamily="2" charset="-127"/>
+                <a:cs typeface="KoPubWorld돋움체 Medium" panose="00000600000000000000" pitchFamily="2" charset="-127"/>
+              </a:rPr>
+              <a:t>store.</a:t>
+            </a:r>
+            <a:br>
+              <a:rPr lang="en-US" altLang="ko-KR" sz="1400" dirty="0" smtClean="0">
+                <a:latin typeface="KoPubWorld돋움체 Medium" panose="00000600000000000000" pitchFamily="2" charset="-127"/>
+                <a:ea typeface="KoPubWorld돋움체 Medium" panose="00000600000000000000" pitchFamily="2" charset="-127"/>
+                <a:cs typeface="KoPubWorld돋움체 Medium" panose="00000600000000000000" pitchFamily="2" charset="-127"/>
+              </a:rPr>
+            </a:br>
+            <a:r>
+              <a:rPr lang="en-US" altLang="ko-KR" sz="1400" dirty="0" smtClean="0">
+                <a:latin typeface="KoPubWorld돋움체 Medium" panose="00000600000000000000" pitchFamily="2" charset="-127"/>
+                <a:ea typeface="KoPubWorld돋움체 Medium" panose="00000600000000000000" pitchFamily="2" charset="-127"/>
+                <a:cs typeface="KoPubWorld돋움체 Medium" panose="00000600000000000000" pitchFamily="2" charset="-127"/>
+              </a:rPr>
+              <a:t>Sentence </a:t>
+            </a:r>
+            <a:r>
+              <a:rPr lang="en-US" altLang="ko-KR" sz="1400" dirty="0">
+                <a:latin typeface="KoPubWorld돋움체 Medium" panose="00000600000000000000" pitchFamily="2" charset="-127"/>
+                <a:ea typeface="KoPubWorld돋움체 Medium" panose="00000600000000000000" pitchFamily="2" charset="-127"/>
+                <a:cs typeface="KoPubWorld돋움체 Medium" panose="00000600000000000000" pitchFamily="2" charset="-127"/>
+              </a:rPr>
+              <a:t>B : He bought a gallon of </a:t>
+            </a:r>
+            <a:r>
+              <a:rPr lang="en-US" altLang="ko-KR" sz="1400" dirty="0" smtClean="0">
+                <a:latin typeface="KoPubWorld돋움체 Medium" panose="00000600000000000000" pitchFamily="2" charset="-127"/>
+                <a:ea typeface="KoPubWorld돋움체 Medium" panose="00000600000000000000" pitchFamily="2" charset="-127"/>
+                <a:cs typeface="KoPubWorld돋움체 Medium" panose="00000600000000000000" pitchFamily="2" charset="-127"/>
+              </a:rPr>
+              <a:t>milk.</a:t>
+            </a:r>
+            <a:br>
+              <a:rPr lang="en-US" altLang="ko-KR" sz="1400" dirty="0" smtClean="0">
+                <a:latin typeface="KoPubWorld돋움체 Medium" panose="00000600000000000000" pitchFamily="2" charset="-127"/>
+                <a:ea typeface="KoPubWorld돋움체 Medium" panose="00000600000000000000" pitchFamily="2" charset="-127"/>
+                <a:cs typeface="KoPubWorld돋움체 Medium" panose="00000600000000000000" pitchFamily="2" charset="-127"/>
+              </a:rPr>
+            </a:br>
+            <a:r>
+              <a:rPr lang="en-US" altLang="ko-KR" sz="1400" dirty="0" smtClean="0">
+                <a:latin typeface="KoPubWorld돋움체 Medium" panose="00000600000000000000" pitchFamily="2" charset="-127"/>
+                <a:ea typeface="KoPubWorld돋움체 Medium" panose="00000600000000000000" pitchFamily="2" charset="-127"/>
+                <a:cs typeface="KoPubWorld돋움체 Medium" panose="00000600000000000000" pitchFamily="2" charset="-127"/>
+              </a:rPr>
+              <a:t>Label </a:t>
+            </a:r>
+            <a:r>
+              <a:rPr lang="en-US" altLang="ko-KR" sz="1400" dirty="0">
+                <a:latin typeface="KoPubWorld돋움체 Medium" panose="00000600000000000000" pitchFamily="2" charset="-127"/>
+                <a:ea typeface="KoPubWorld돋움체 Medium" panose="00000600000000000000" pitchFamily="2" charset="-127"/>
+                <a:cs typeface="KoPubWorld돋움체 Medium" panose="00000600000000000000" pitchFamily="2" charset="-127"/>
+              </a:rPr>
+              <a:t>= </a:t>
+            </a:r>
+            <a:r>
+              <a:rPr lang="en-US" altLang="ko-KR" sz="1400" dirty="0" err="1" smtClean="0">
+                <a:latin typeface="KoPubWorld돋움체 Medium" panose="00000600000000000000" pitchFamily="2" charset="-127"/>
+                <a:ea typeface="KoPubWorld돋움체 Medium" panose="00000600000000000000" pitchFamily="2" charset="-127"/>
+                <a:cs typeface="KoPubWorld돋움체 Medium" panose="00000600000000000000" pitchFamily="2" charset="-127"/>
+              </a:rPr>
+              <a:t>IsNextSentence</a:t>
+            </a:r>
+            <a:endParaRPr lang="en-US" altLang="ko-KR" sz="1400" dirty="0">
+              <a:latin typeface="KoPubWorld돋움체 Medium" panose="00000600000000000000" pitchFamily="2" charset="-127"/>
+              <a:ea typeface="KoPubWorld돋움체 Medium" panose="00000600000000000000" pitchFamily="2" charset="-127"/>
+              <a:cs typeface="KoPubWorld돋움체 Medium" panose="00000600000000000000" pitchFamily="2" charset="-127"/>
+            </a:endParaRPr>
+          </a:p>
+          <a:p>
+            <a:pPr marL="285750" indent="-285750">
+              <a:buFont typeface="Arial" panose="020B0604020202020204" pitchFamily="34" charset="0"/>
+              <a:buChar char="•"/>
+            </a:pPr>
+            <a:endParaRPr lang="en-US" altLang="ko-KR" sz="1400" dirty="0">
+              <a:latin typeface="KoPubWorld돋움체 Medium" panose="00000600000000000000" pitchFamily="2" charset="-127"/>
+              <a:ea typeface="KoPubWorld돋움체 Medium" panose="00000600000000000000" pitchFamily="2" charset="-127"/>
+              <a:cs typeface="KoPubWorld돋움체 Medium" panose="00000600000000000000" pitchFamily="2" charset="-127"/>
+            </a:endParaRPr>
+          </a:p>
+          <a:p>
+            <a:pPr marL="285750" indent="-285750">
+              <a:buFont typeface="Arial" panose="020B0604020202020204" pitchFamily="34" charset="0"/>
+              <a:buChar char="•"/>
+            </a:pPr>
+            <a:r>
+              <a:rPr lang="ko-KR" altLang="en-US" sz="1400" dirty="0">
+                <a:latin typeface="KoPubWorld돋움체 Medium" panose="00000600000000000000" pitchFamily="2" charset="-127"/>
+                <a:ea typeface="KoPubWorld돋움체 Medium" panose="00000600000000000000" pitchFamily="2" charset="-127"/>
+                <a:cs typeface="KoPubWorld돋움체 Medium" panose="00000600000000000000" pitchFamily="2" charset="-127"/>
+              </a:rPr>
+              <a:t>이어지는 문장이 아닌 경우 </a:t>
+            </a:r>
+            <a:r>
+              <a:rPr lang="ko-KR" altLang="en-US" sz="1400" dirty="0" smtClean="0">
+                <a:latin typeface="KoPubWorld돋움체 Medium" panose="00000600000000000000" pitchFamily="2" charset="-127"/>
+                <a:ea typeface="KoPubWorld돋움체 Medium" panose="00000600000000000000" pitchFamily="2" charset="-127"/>
+                <a:cs typeface="KoPubWorld돋움체 Medium" panose="00000600000000000000" pitchFamily="2" charset="-127"/>
+              </a:rPr>
+              <a:t>경우</a:t>
+            </a:r>
+            <a:r>
+              <a:rPr lang="en-US" altLang="ko-KR" sz="1400" dirty="0" smtClean="0">
+                <a:latin typeface="KoPubWorld돋움체 Medium" panose="00000600000000000000" pitchFamily="2" charset="-127"/>
+                <a:ea typeface="KoPubWorld돋움체 Medium" panose="00000600000000000000" pitchFamily="2" charset="-127"/>
+                <a:cs typeface="KoPubWorld돋움체 Medium" panose="00000600000000000000" pitchFamily="2" charset="-127"/>
+              </a:rPr>
+              <a:t/>
+            </a:r>
+            <a:br>
+              <a:rPr lang="en-US" altLang="ko-KR" sz="1400" dirty="0" smtClean="0">
+                <a:latin typeface="KoPubWorld돋움체 Medium" panose="00000600000000000000" pitchFamily="2" charset="-127"/>
+                <a:ea typeface="KoPubWorld돋움체 Medium" panose="00000600000000000000" pitchFamily="2" charset="-127"/>
+                <a:cs typeface="KoPubWorld돋움체 Medium" panose="00000600000000000000" pitchFamily="2" charset="-127"/>
+              </a:rPr>
+            </a:br>
+            <a:r>
+              <a:rPr lang="en-US" altLang="ko-KR" sz="1400" dirty="0" smtClean="0">
+                <a:latin typeface="KoPubWorld돋움체 Medium" panose="00000600000000000000" pitchFamily="2" charset="-127"/>
+                <a:ea typeface="KoPubWorld돋움체 Medium" panose="00000600000000000000" pitchFamily="2" charset="-127"/>
+                <a:cs typeface="KoPubWorld돋움체 Medium" panose="00000600000000000000" pitchFamily="2" charset="-127"/>
+              </a:rPr>
+              <a:t>Sentence </a:t>
+            </a:r>
+            <a:r>
+              <a:rPr lang="en-US" altLang="ko-KR" sz="1400" dirty="0">
+                <a:latin typeface="KoPubWorld돋움체 Medium" panose="00000600000000000000" pitchFamily="2" charset="-127"/>
+                <a:ea typeface="KoPubWorld돋움체 Medium" panose="00000600000000000000" pitchFamily="2" charset="-127"/>
+                <a:cs typeface="KoPubWorld돋움체 Medium" panose="00000600000000000000" pitchFamily="2" charset="-127"/>
+              </a:rPr>
+              <a:t>A : The man went to the </a:t>
+            </a:r>
+            <a:r>
+              <a:rPr lang="en-US" altLang="ko-KR" sz="1400" dirty="0" smtClean="0">
+                <a:latin typeface="KoPubWorld돋움체 Medium" panose="00000600000000000000" pitchFamily="2" charset="-127"/>
+                <a:ea typeface="KoPubWorld돋움체 Medium" panose="00000600000000000000" pitchFamily="2" charset="-127"/>
+                <a:cs typeface="KoPubWorld돋움체 Medium" panose="00000600000000000000" pitchFamily="2" charset="-127"/>
+              </a:rPr>
+              <a:t>store.</a:t>
+            </a:r>
+            <a:br>
+              <a:rPr lang="en-US" altLang="ko-KR" sz="1400" dirty="0" smtClean="0">
+                <a:latin typeface="KoPubWorld돋움체 Medium" panose="00000600000000000000" pitchFamily="2" charset="-127"/>
+                <a:ea typeface="KoPubWorld돋움체 Medium" panose="00000600000000000000" pitchFamily="2" charset="-127"/>
+                <a:cs typeface="KoPubWorld돋움체 Medium" panose="00000600000000000000" pitchFamily="2" charset="-127"/>
+              </a:rPr>
+            </a:br>
+            <a:r>
+              <a:rPr lang="en-US" altLang="ko-KR" sz="1400" dirty="0" smtClean="0">
+                <a:latin typeface="KoPubWorld돋움체 Medium" panose="00000600000000000000" pitchFamily="2" charset="-127"/>
+                <a:ea typeface="KoPubWorld돋움체 Medium" panose="00000600000000000000" pitchFamily="2" charset="-127"/>
+                <a:cs typeface="KoPubWorld돋움체 Medium" panose="00000600000000000000" pitchFamily="2" charset="-127"/>
+              </a:rPr>
+              <a:t>Sentence </a:t>
+            </a:r>
+            <a:r>
+              <a:rPr lang="en-US" altLang="ko-KR" sz="1400" dirty="0">
+                <a:latin typeface="KoPubWorld돋움체 Medium" panose="00000600000000000000" pitchFamily="2" charset="-127"/>
+                <a:ea typeface="KoPubWorld돋움체 Medium" panose="00000600000000000000" pitchFamily="2" charset="-127"/>
+                <a:cs typeface="KoPubWorld돋움체 Medium" panose="00000600000000000000" pitchFamily="2" charset="-127"/>
+              </a:rPr>
+              <a:t>B : dogs are so </a:t>
+            </a:r>
+            <a:r>
+              <a:rPr lang="en-US" altLang="ko-KR" sz="1400" dirty="0" smtClean="0">
+                <a:latin typeface="KoPubWorld돋움체 Medium" panose="00000600000000000000" pitchFamily="2" charset="-127"/>
+                <a:ea typeface="KoPubWorld돋움체 Medium" panose="00000600000000000000" pitchFamily="2" charset="-127"/>
+                <a:cs typeface="KoPubWorld돋움체 Medium" panose="00000600000000000000" pitchFamily="2" charset="-127"/>
+              </a:rPr>
+              <a:t>cute.</a:t>
+            </a:r>
+            <a:br>
+              <a:rPr lang="en-US" altLang="ko-KR" sz="1400" dirty="0" smtClean="0">
+                <a:latin typeface="KoPubWorld돋움체 Medium" panose="00000600000000000000" pitchFamily="2" charset="-127"/>
+                <a:ea typeface="KoPubWorld돋움체 Medium" panose="00000600000000000000" pitchFamily="2" charset="-127"/>
+                <a:cs typeface="KoPubWorld돋움체 Medium" panose="00000600000000000000" pitchFamily="2" charset="-127"/>
+              </a:rPr>
+            </a:br>
+            <a:r>
+              <a:rPr lang="en-US" altLang="ko-KR" sz="1400" dirty="0" smtClean="0">
+                <a:latin typeface="KoPubWorld돋움체 Medium" panose="00000600000000000000" pitchFamily="2" charset="-127"/>
+                <a:ea typeface="KoPubWorld돋움체 Medium" panose="00000600000000000000" pitchFamily="2" charset="-127"/>
+                <a:cs typeface="KoPubWorld돋움체 Medium" panose="00000600000000000000" pitchFamily="2" charset="-127"/>
+              </a:rPr>
+              <a:t>Label </a:t>
+            </a:r>
+            <a:r>
+              <a:rPr lang="en-US" altLang="ko-KR" sz="1400" dirty="0">
+                <a:latin typeface="KoPubWorld돋움체 Medium" panose="00000600000000000000" pitchFamily="2" charset="-127"/>
+                <a:ea typeface="KoPubWorld돋움체 Medium" panose="00000600000000000000" pitchFamily="2" charset="-127"/>
+                <a:cs typeface="KoPubWorld돋움체 Medium" panose="00000600000000000000" pitchFamily="2" charset="-127"/>
+              </a:rPr>
+              <a:t>= </a:t>
+            </a:r>
+            <a:r>
+              <a:rPr lang="en-US" altLang="ko-KR" sz="1400" dirty="0" err="1">
+                <a:latin typeface="KoPubWorld돋움체 Medium" panose="00000600000000000000" pitchFamily="2" charset="-127"/>
+                <a:ea typeface="KoPubWorld돋움체 Medium" panose="00000600000000000000" pitchFamily="2" charset="-127"/>
+                <a:cs typeface="KoPubWorld돋움체 Medium" panose="00000600000000000000" pitchFamily="2" charset="-127"/>
+              </a:rPr>
+              <a:t>NotNextSentence</a:t>
+            </a:r>
+            <a:endParaRPr lang="en-US" altLang="ko-KR" sz="1400" dirty="0">
+              <a:latin typeface="KoPubWorld돋움체 Medium" panose="00000600000000000000" pitchFamily="2" charset="-127"/>
+              <a:ea typeface="KoPubWorld돋움체 Medium" panose="00000600000000000000" pitchFamily="2" charset="-127"/>
+              <a:cs typeface="KoPubWorld돋움체 Medium" panose="00000600000000000000" pitchFamily="2" charset="-127"/>
+            </a:endParaRPr>
+          </a:p>
+        </p:txBody>
+      </p:sp>
+      <p:pic>
+        <p:nvPicPr>
+          <p:cNvPr id="2" name="그림 1"/>
+          <p:cNvPicPr>
+            <a:picLocks noChangeAspect="1"/>
+          </p:cNvPicPr>
+          <p:nvPr/>
+        </p:nvPicPr>
+        <p:blipFill>
+          <a:blip r:embed="rId2"/>
+          <a:stretch>
+            <a:fillRect/>
+          </a:stretch>
+        </p:blipFill>
+        <p:spPr>
+          <a:xfrm>
+            <a:off x="6074886" y="2320261"/>
+            <a:ext cx="4796219" cy="2369493"/>
+          </a:xfrm>
+          <a:prstGeom prst="rect">
+            <a:avLst/>
+          </a:prstGeom>
+        </p:spPr>
+      </p:pic>
+      <p:sp>
+        <p:nvSpPr>
+          <p:cNvPr id="11" name="TextBox 10"/>
+          <p:cNvSpPr txBox="1"/>
+          <p:nvPr/>
+        </p:nvSpPr>
+        <p:spPr>
+          <a:xfrm>
+            <a:off x="6096000" y="4740093"/>
+            <a:ext cx="5698635" cy="523220"/>
+          </a:xfrm>
+          <a:prstGeom prst="rect">
+            <a:avLst/>
+          </a:prstGeom>
+          <a:noFill/>
+        </p:spPr>
+        <p:txBody>
+          <a:bodyPr wrap="square" rtlCol="0">
+            <a:spAutoFit/>
+          </a:bodyPr>
+          <a:lstStyle/>
+          <a:p>
+            <a:pPr marL="285750" indent="-285750">
+              <a:buFont typeface="Arial" panose="020B0604020202020204" pitchFamily="34" charset="0"/>
+              <a:buChar char="•"/>
+            </a:pPr>
+            <a:r>
+              <a:rPr lang="en-US" altLang="ko-KR" sz="1400" dirty="0" smtClean="0">
+                <a:latin typeface="KoPubWorld돋움체 Medium" panose="00000600000000000000" pitchFamily="2" charset="-127"/>
+                <a:ea typeface="KoPubWorld돋움체 Medium" panose="00000600000000000000" pitchFamily="2" charset="-127"/>
+                <a:cs typeface="KoPubWorld돋움체 Medium" panose="00000600000000000000" pitchFamily="2" charset="-127"/>
+              </a:rPr>
+              <a:t>[SEP] : </a:t>
+            </a:r>
+            <a:r>
+              <a:rPr lang="ko-KR" altLang="en-US" sz="1400" dirty="0" smtClean="0">
+                <a:latin typeface="KoPubWorld돋움체 Medium" panose="00000600000000000000" pitchFamily="2" charset="-127"/>
+                <a:ea typeface="KoPubWorld돋움체 Medium" panose="00000600000000000000" pitchFamily="2" charset="-127"/>
+                <a:cs typeface="KoPubWorld돋움체 Medium" panose="00000600000000000000" pitchFamily="2" charset="-127"/>
+              </a:rPr>
+              <a:t>문장의 끝을 식별하는 특별 토큰</a:t>
+            </a:r>
+            <a:endParaRPr lang="en-US" altLang="ko-KR" sz="1400" dirty="0" smtClean="0">
+              <a:latin typeface="KoPubWorld돋움체 Medium" panose="00000600000000000000" pitchFamily="2" charset="-127"/>
+              <a:ea typeface="KoPubWorld돋움체 Medium" panose="00000600000000000000" pitchFamily="2" charset="-127"/>
+              <a:cs typeface="KoPubWorld돋움체 Medium" panose="00000600000000000000" pitchFamily="2" charset="-127"/>
+            </a:endParaRPr>
+          </a:p>
+          <a:p>
+            <a:pPr marL="285750" indent="-285750">
+              <a:buFont typeface="Arial" panose="020B0604020202020204" pitchFamily="34" charset="0"/>
+              <a:buChar char="•"/>
+            </a:pPr>
+            <a:r>
+              <a:rPr lang="en-US" altLang="ko-KR" sz="1400" dirty="0" smtClean="0">
+                <a:latin typeface="KoPubWorld돋움체 Medium" panose="00000600000000000000" pitchFamily="2" charset="-127"/>
+                <a:ea typeface="KoPubWorld돋움체 Medium" panose="00000600000000000000" pitchFamily="2" charset="-127"/>
+                <a:cs typeface="KoPubWorld돋움체 Medium" panose="00000600000000000000" pitchFamily="2" charset="-127"/>
+              </a:rPr>
+              <a:t>[CLS] : </a:t>
+            </a:r>
+            <a:r>
+              <a:rPr lang="ko-KR" altLang="en-US" sz="1400" dirty="0" smtClean="0">
+                <a:latin typeface="KoPubWorld돋움체 Medium" panose="00000600000000000000" pitchFamily="2" charset="-127"/>
+                <a:ea typeface="KoPubWorld돋움체 Medium" panose="00000600000000000000" pitchFamily="2" charset="-127"/>
+                <a:cs typeface="KoPubWorld돋움체 Medium" panose="00000600000000000000" pitchFamily="2" charset="-127"/>
+              </a:rPr>
+              <a:t>두 문장이 실제 이어지는 문장인지 아닌지 풀도록 하는 특별 토큰</a:t>
+            </a:r>
+            <a:endParaRPr lang="en-US" altLang="ko-KR" sz="1400" dirty="0">
+              <a:latin typeface="KoPubWorld돋움체 Medium" panose="00000600000000000000" pitchFamily="2" charset="-127"/>
+              <a:ea typeface="KoPubWorld돋움체 Medium" panose="00000600000000000000" pitchFamily="2" charset="-127"/>
+              <a:cs typeface="KoPubWorld돋움체 Medium" panose="00000600000000000000" pitchFamily="2" charset="-127"/>
+            </a:endParaRPr>
+          </a:p>
+        </p:txBody>
+      </p:sp>
+      <p:sp>
+        <p:nvSpPr>
+          <p:cNvPr id="12" name="TextBox 11"/>
+          <p:cNvSpPr txBox="1"/>
+          <p:nvPr/>
+        </p:nvSpPr>
+        <p:spPr>
+          <a:xfrm>
+            <a:off x="590201" y="5844056"/>
+            <a:ext cx="10280904" cy="307777"/>
+          </a:xfrm>
+          <a:prstGeom prst="rect">
+            <a:avLst/>
+          </a:prstGeom>
+          <a:noFill/>
+        </p:spPr>
+        <p:txBody>
+          <a:bodyPr wrap="square" rtlCol="0">
+            <a:spAutoFit/>
+          </a:bodyPr>
+          <a:lstStyle/>
+          <a:p>
+            <a:pPr marL="285750" indent="-285750">
+              <a:buFontTx/>
+              <a:buChar char="-"/>
+            </a:pPr>
+            <a:r>
+              <a:rPr lang="ko-KR" altLang="en-US" sz="1400" dirty="0" err="1" smtClean="0">
+                <a:latin typeface="KoPubWorld돋움체 Medium" panose="00000600000000000000" pitchFamily="2" charset="-127"/>
+                <a:ea typeface="KoPubWorld돋움체 Medium" panose="00000600000000000000" pitchFamily="2" charset="-127"/>
+                <a:cs typeface="KoPubWorld돋움체 Medium" panose="00000600000000000000" pitchFamily="2" charset="-127"/>
+              </a:rPr>
+              <a:t>마스크드</a:t>
+            </a:r>
+            <a:r>
+              <a:rPr lang="ko-KR" altLang="en-US" sz="1400" dirty="0" smtClean="0">
+                <a:latin typeface="KoPubWorld돋움체 Medium" panose="00000600000000000000" pitchFamily="2" charset="-127"/>
+                <a:ea typeface="KoPubWorld돋움체 Medium" panose="00000600000000000000" pitchFamily="2" charset="-127"/>
+                <a:cs typeface="KoPubWorld돋움체 Medium" panose="00000600000000000000" pitchFamily="2" charset="-127"/>
+              </a:rPr>
+              <a:t> </a:t>
+            </a:r>
+            <a:r>
+              <a:rPr lang="ko-KR" altLang="en-US" sz="1400" dirty="0">
+                <a:latin typeface="KoPubWorld돋움체 Medium" panose="00000600000000000000" pitchFamily="2" charset="-127"/>
+                <a:ea typeface="KoPubWorld돋움체 Medium" panose="00000600000000000000" pitchFamily="2" charset="-127"/>
+                <a:cs typeface="KoPubWorld돋움체 Medium" panose="00000600000000000000" pitchFamily="2" charset="-127"/>
+              </a:rPr>
+              <a:t>언어 모델과 다음 문장 예측은 따로 학습하는 것이 아닌 </a:t>
+            </a:r>
+            <a:r>
+              <a:rPr lang="en-US" altLang="ko-KR" sz="1400" dirty="0">
+                <a:latin typeface="KoPubWorld돋움체 Medium" panose="00000600000000000000" pitchFamily="2" charset="-127"/>
+                <a:ea typeface="KoPubWorld돋움체 Medium" panose="00000600000000000000" pitchFamily="2" charset="-127"/>
+                <a:cs typeface="KoPubWorld돋움체 Medium" panose="00000600000000000000" pitchFamily="2" charset="-127"/>
+              </a:rPr>
+              <a:t>loss</a:t>
+            </a:r>
+            <a:r>
+              <a:rPr lang="ko-KR" altLang="en-US" sz="1400" dirty="0">
+                <a:latin typeface="KoPubWorld돋움체 Medium" panose="00000600000000000000" pitchFamily="2" charset="-127"/>
+                <a:ea typeface="KoPubWorld돋움체 Medium" panose="00000600000000000000" pitchFamily="2" charset="-127"/>
+                <a:cs typeface="KoPubWorld돋움체 Medium" panose="00000600000000000000" pitchFamily="2" charset="-127"/>
+              </a:rPr>
+              <a:t>를 합하여 학습이 동시에 </a:t>
+            </a:r>
+            <a:r>
+              <a:rPr lang="ko-KR" altLang="en-US" sz="1400" dirty="0" smtClean="0">
+                <a:latin typeface="KoPubWorld돋움체 Medium" panose="00000600000000000000" pitchFamily="2" charset="-127"/>
+                <a:ea typeface="KoPubWorld돋움체 Medium" panose="00000600000000000000" pitchFamily="2" charset="-127"/>
+                <a:cs typeface="KoPubWorld돋움체 Medium" panose="00000600000000000000" pitchFamily="2" charset="-127"/>
+              </a:rPr>
+              <a:t>이루어짐</a:t>
+            </a:r>
+            <a:r>
+              <a:rPr lang="en-US" altLang="ko-KR" sz="1400" dirty="0" smtClean="0">
+                <a:latin typeface="KoPubWorld돋움체 Medium" panose="00000600000000000000" pitchFamily="2" charset="-127"/>
+                <a:ea typeface="KoPubWorld돋움체 Medium" panose="00000600000000000000" pitchFamily="2" charset="-127"/>
+                <a:cs typeface="KoPubWorld돋움체 Medium" panose="00000600000000000000" pitchFamily="2" charset="-127"/>
+              </a:rPr>
+              <a:t>.</a:t>
+            </a:r>
+          </a:p>
+        </p:txBody>
+      </p:sp>
+    </p:spTree>
+    <p:extLst>
+      <p:ext uri="{BB962C8B-B14F-4D97-AF65-F5344CB8AC3E}">
+        <p14:creationId xmlns:p14="http://schemas.microsoft.com/office/powerpoint/2010/main" val="3440313832"/>
       </p:ext>
     </p:extLst>
   </p:cSld>
